--- a/卒業論文/2012/久保孝樹/最終発表/最終発表.pptx
+++ b/卒業論文/2012/久保孝樹/最終発表/最終発表.pptx
@@ -5,7 +5,7 @@
     <p:sldMasterId id="2147483660" r:id="rId1"/>
   </p:sldMasterIdLst>
   <p:notesMasterIdLst>
-    <p:notesMasterId r:id="rId20"/>
+    <p:notesMasterId r:id="rId22"/>
   </p:notesMasterIdLst>
   <p:sldIdLst>
     <p:sldId id="256" r:id="rId2"/>
@@ -17,15 +17,17 @@
     <p:sldId id="270" r:id="rId8"/>
     <p:sldId id="269" r:id="rId9"/>
     <p:sldId id="261" r:id="rId10"/>
-    <p:sldId id="262" r:id="rId11"/>
-    <p:sldId id="263" r:id="rId12"/>
-    <p:sldId id="271" r:id="rId13"/>
-    <p:sldId id="264" r:id="rId14"/>
-    <p:sldId id="273" r:id="rId15"/>
-    <p:sldId id="272" r:id="rId16"/>
-    <p:sldId id="265" r:id="rId17"/>
-    <p:sldId id="266" r:id="rId18"/>
-    <p:sldId id="267" r:id="rId19"/>
+    <p:sldId id="263" r:id="rId11"/>
+    <p:sldId id="271" r:id="rId12"/>
+    <p:sldId id="264" r:id="rId13"/>
+    <p:sldId id="273" r:id="rId14"/>
+    <p:sldId id="272" r:id="rId15"/>
+    <p:sldId id="265" r:id="rId16"/>
+    <p:sldId id="266" r:id="rId17"/>
+    <p:sldId id="274" r:id="rId18"/>
+    <p:sldId id="275" r:id="rId19"/>
+    <p:sldId id="277" r:id="rId20"/>
+    <p:sldId id="267" r:id="rId21"/>
   </p:sldIdLst>
   <p:sldSz cx="9144000" cy="6858000" type="screen4x3"/>
   <p:notesSz cx="6858000" cy="9144000"/>
@@ -209,7 +211,8 @@
           <a:p>
             <a:fld id="{CE15D3A2-6E2D-4E19-9277-2464A149DD27}" type="datetimeFigureOut">
               <a:rPr kumimoji="1" lang="ja-JP" altLang="en-US" smtClean="0"/>
-              <a:t>2014/2/1</a:t>
+              <a:pPr/>
+              <a:t>2014/2/2</a:t>
             </a:fld>
             <a:endParaRPr kumimoji="1" lang="ja-JP" altLang="en-US"/>
           </a:p>
@@ -402,6 +405,7 @@
           <a:p>
             <a:fld id="{53C007A6-8C15-4A82-BA2A-D516D891DA02}" type="slidenum">
               <a:rPr kumimoji="1" lang="ja-JP" altLang="en-US" smtClean="0"/>
+              <a:pPr/>
               <a:t>&lt;#&gt;</a:t>
             </a:fld>
             <a:endParaRPr kumimoji="1" lang="ja-JP" altLang="en-US"/>
@@ -808,6 +812,7 @@
           <a:p>
             <a:fld id="{53C007A6-8C15-4A82-BA2A-D516D891DA02}" type="slidenum">
               <a:rPr kumimoji="1" lang="ja-JP" altLang="en-US" smtClean="0"/>
+              <a:pPr/>
               <a:t>9</a:t>
             </a:fld>
             <a:endParaRPr kumimoji="1" lang="ja-JP" altLang="en-US"/>
@@ -1448,7 +1453,7 @@
             <a:fld id="{31D2EDFC-2321-4A5A-94FA-22964CC4D831}" type="datetimeFigureOut">
               <a:rPr kumimoji="1" lang="ja-JP" altLang="en-US" smtClean="0"/>
               <a:pPr/>
-              <a:t>2014/2/1</a:t>
+              <a:t>2014/2/2</a:t>
             </a:fld>
             <a:endParaRPr kumimoji="1" lang="ja-JP" altLang="en-US"/>
           </a:p>
@@ -1678,7 +1683,7 @@
             <a:fld id="{31D2EDFC-2321-4A5A-94FA-22964CC4D831}" type="datetimeFigureOut">
               <a:rPr kumimoji="1" lang="ja-JP" altLang="en-US" smtClean="0"/>
               <a:pPr/>
-              <a:t>2014/2/1</a:t>
+              <a:t>2014/2/2</a:t>
             </a:fld>
             <a:endParaRPr kumimoji="1" lang="ja-JP" altLang="en-US"/>
           </a:p>
@@ -1897,7 +1902,7 @@
             <a:fld id="{31D2EDFC-2321-4A5A-94FA-22964CC4D831}" type="datetimeFigureOut">
               <a:rPr kumimoji="1" lang="ja-JP" altLang="en-US" smtClean="0"/>
               <a:pPr/>
-              <a:t>2014/2/1</a:t>
+              <a:t>2014/2/2</a:t>
             </a:fld>
             <a:endParaRPr kumimoji="1" lang="ja-JP" altLang="en-US"/>
           </a:p>
@@ -2081,7 +2086,7 @@
             <a:fld id="{31D2EDFC-2321-4A5A-94FA-22964CC4D831}" type="datetimeFigureOut">
               <a:rPr kumimoji="1" lang="ja-JP" altLang="en-US" smtClean="0"/>
               <a:pPr/>
-              <a:t>2014/2/1</a:t>
+              <a:t>2014/2/2</a:t>
             </a:fld>
             <a:endParaRPr kumimoji="1" lang="ja-JP" altLang="en-US"/>
           </a:p>
@@ -2338,7 +2343,7 @@
             <a:fld id="{31D2EDFC-2321-4A5A-94FA-22964CC4D831}" type="datetimeFigureOut">
               <a:rPr kumimoji="1" lang="ja-JP" altLang="en-US" smtClean="0"/>
               <a:pPr/>
-              <a:t>2014/2/1</a:t>
+              <a:t>2014/2/2</a:t>
             </a:fld>
             <a:endParaRPr kumimoji="1" lang="ja-JP" altLang="en-US"/>
           </a:p>
@@ -2813,7 +2818,7 @@
             <a:fld id="{31D2EDFC-2321-4A5A-94FA-22964CC4D831}" type="datetimeFigureOut">
               <a:rPr kumimoji="1" lang="ja-JP" altLang="en-US" smtClean="0"/>
               <a:pPr/>
-              <a:t>2014/2/1</a:t>
+              <a:t>2014/2/2</a:t>
             </a:fld>
             <a:endParaRPr kumimoji="1" lang="ja-JP" altLang="en-US"/>
           </a:p>
@@ -3325,7 +3330,7 @@
             <a:fld id="{31D2EDFC-2321-4A5A-94FA-22964CC4D831}" type="datetimeFigureOut">
               <a:rPr kumimoji="1" lang="ja-JP" altLang="en-US" smtClean="0"/>
               <a:pPr/>
-              <a:t>2014/2/1</a:t>
+              <a:t>2014/2/2</a:t>
             </a:fld>
             <a:endParaRPr kumimoji="1" lang="ja-JP" altLang="en-US"/>
           </a:p>
@@ -3428,7 +3433,7 @@
             <a:fld id="{31D2EDFC-2321-4A5A-94FA-22964CC4D831}" type="datetimeFigureOut">
               <a:rPr kumimoji="1" lang="ja-JP" altLang="en-US" smtClean="0"/>
               <a:pPr/>
-              <a:t>2014/2/1</a:t>
+              <a:t>2014/2/2</a:t>
             </a:fld>
             <a:endParaRPr kumimoji="1" lang="ja-JP" altLang="en-US"/>
           </a:p>
@@ -3551,7 +3556,7 @@
             <a:fld id="{31D2EDFC-2321-4A5A-94FA-22964CC4D831}" type="datetimeFigureOut">
               <a:rPr kumimoji="1" lang="ja-JP" altLang="en-US" smtClean="0"/>
               <a:pPr/>
-              <a:t>2014/2/1</a:t>
+              <a:t>2014/2/2</a:t>
             </a:fld>
             <a:endParaRPr kumimoji="1" lang="ja-JP" altLang="en-US"/>
           </a:p>
@@ -3859,7 +3864,7 @@
             <a:fld id="{31D2EDFC-2321-4A5A-94FA-22964CC4D831}" type="datetimeFigureOut">
               <a:rPr kumimoji="1" lang="ja-JP" altLang="en-US" smtClean="0"/>
               <a:pPr/>
-              <a:t>2014/2/1</a:t>
+              <a:t>2014/2/2</a:t>
             </a:fld>
             <a:endParaRPr kumimoji="1" lang="ja-JP" altLang="en-US"/>
           </a:p>
@@ -4066,7 +4071,7 @@
             <a:fld id="{31D2EDFC-2321-4A5A-94FA-22964CC4D831}" type="datetimeFigureOut">
               <a:rPr kumimoji="1" lang="ja-JP" altLang="en-US" smtClean="0"/>
               <a:pPr/>
-              <a:t>2014/2/1</a:t>
+              <a:t>2014/2/2</a:t>
             </a:fld>
             <a:endParaRPr kumimoji="1" lang="ja-JP" altLang="en-US"/>
           </a:p>
@@ -5209,7 +5214,7 @@
             <a:fld id="{31D2EDFC-2321-4A5A-94FA-22964CC4D831}" type="datetimeFigureOut">
               <a:rPr kumimoji="1" lang="ja-JP" altLang="en-US" smtClean="0"/>
               <a:pPr/>
-              <a:t>2014/2/1</a:t>
+              <a:t>2014/2/2</a:t>
             </a:fld>
             <a:endParaRPr kumimoji="1" lang="ja-JP" altLang="en-US"/>
           </a:p>
@@ -5664,11 +5669,7 @@
             </a:br>
             <a:r>
               <a:rPr kumimoji="1" lang="ja-JP" altLang="en-US" sz="3600" dirty="0" smtClean="0"/>
-              <a:t>実態</a:t>
-            </a:r>
-            <a:r>
-              <a:rPr kumimoji="1" lang="ja-JP" altLang="en-US" sz="3600" dirty="0" smtClean="0"/>
-              <a:t>調査</a:t>
+              <a:t>実態調査</a:t>
             </a:r>
             <a:endParaRPr kumimoji="1" lang="ja-JP" altLang="en-US" sz="3600" dirty="0"/>
           </a:p>
@@ -5768,7 +5769,40 @@
           <a:bodyPr/>
           <a:lstStyle/>
           <a:p>
-            <a:endParaRPr kumimoji="1" lang="ja-JP" altLang="en-US"/>
+            <a:r>
+              <a:rPr kumimoji="1" lang="ja-JP" altLang="en-US" dirty="0" smtClean="0"/>
+              <a:t>調査方法</a:t>
+            </a:r>
+            <a:endParaRPr kumimoji="1" lang="en-US" altLang="ja-JP" dirty="0" smtClean="0"/>
+          </a:p>
+          <a:p>
+            <a:r>
+              <a:rPr kumimoji="1" lang="en-US" altLang="ja-JP" dirty="0" err="1" smtClean="0"/>
+              <a:t>GitHub</a:t>
+            </a:r>
+            <a:r>
+              <a:rPr kumimoji="1" lang="ja-JP" altLang="en-US" dirty="0" smtClean="0"/>
+              <a:t>内のプロジェクト</a:t>
+            </a:r>
+            <a:endParaRPr kumimoji="1" lang="en-US" altLang="ja-JP" dirty="0" smtClean="0"/>
+          </a:p>
+          <a:p>
+            <a:r>
+              <a:rPr lang="en-US" altLang="ja-JP" dirty="0" smtClean="0"/>
+              <a:t>Issue</a:t>
+            </a:r>
+            <a:r>
+              <a:rPr lang="ja-JP" altLang="en-US" dirty="0" smtClean="0"/>
+              <a:t>のデータの収集するツールの開発</a:t>
+            </a:r>
+            <a:endParaRPr lang="en-US" altLang="ja-JP" dirty="0" smtClean="0"/>
+          </a:p>
+          <a:p>
+            <a:r>
+              <a:rPr kumimoji="1" lang="ja-JP" altLang="en-US" dirty="0" smtClean="0"/>
+              <a:t>グラフの描画するツールの開発</a:t>
+            </a:r>
+            <a:endParaRPr kumimoji="1" lang="ja-JP" altLang="en-US" dirty="0"/>
           </a:p>
         </p:txBody>
       </p:sp>
@@ -5788,12 +5822,8 @@
           <a:lstStyle/>
           <a:p>
             <a:r>
-              <a:rPr kumimoji="1" lang="en-US" altLang="ja-JP" dirty="0" err="1" smtClean="0"/>
-              <a:t>GitHub</a:t>
-            </a:r>
-            <a:r>
               <a:rPr kumimoji="1" lang="ja-JP" altLang="en-US" dirty="0" smtClean="0"/>
-              <a:t>とは</a:t>
+              <a:t>調査</a:t>
             </a:r>
             <a:endParaRPr kumimoji="1" lang="ja-JP" altLang="en-US" dirty="0"/>
           </a:p>
@@ -5815,117 +5845,6 @@
 </file>
 
 <file path=ppt/slides/slide11.xml><?xml version="1.0" encoding="utf-8"?>
-<p:sld xmlns:a="http://schemas.openxmlformats.org/drawingml/2006/main" xmlns:r="http://schemas.openxmlformats.org/officeDocument/2006/relationships" xmlns:p="http://schemas.openxmlformats.org/presentationml/2006/main">
-  <p:cSld>
-    <p:spTree>
-      <p:nvGrpSpPr>
-        <p:cNvPr id="1" name=""/>
-        <p:cNvGrpSpPr/>
-        <p:nvPr/>
-      </p:nvGrpSpPr>
-      <p:grpSpPr>
-        <a:xfrm>
-          <a:off x="0" y="0"/>
-          <a:ext cx="0" cy="0"/>
-          <a:chOff x="0" y="0"/>
-          <a:chExt cx="0" cy="0"/>
-        </a:xfrm>
-      </p:grpSpPr>
-      <p:sp>
-        <p:nvSpPr>
-          <p:cNvPr id="3" name="コンテンツ プレースホルダ 2"/>
-          <p:cNvSpPr>
-            <a:spLocks noGrp="1"/>
-          </p:cNvSpPr>
-          <p:nvPr>
-            <p:ph idx="1"/>
-          </p:nvPr>
-        </p:nvSpPr>
-        <p:spPr/>
-        <p:txBody>
-          <a:bodyPr/>
-          <a:lstStyle/>
-          <a:p>
-            <a:r>
-              <a:rPr kumimoji="1" lang="ja-JP" altLang="en-US" dirty="0" smtClean="0"/>
-              <a:t>調査方法</a:t>
-            </a:r>
-            <a:endParaRPr kumimoji="1" lang="en-US" altLang="ja-JP" dirty="0" smtClean="0"/>
-          </a:p>
-          <a:p>
-            <a:r>
-              <a:rPr kumimoji="1" lang="en-US" altLang="ja-JP" dirty="0" err="1" smtClean="0"/>
-              <a:t>GitHub</a:t>
-            </a:r>
-            <a:r>
-              <a:rPr kumimoji="1" lang="ja-JP" altLang="en-US" dirty="0" smtClean="0"/>
-              <a:t>内のプロジェクト</a:t>
-            </a:r>
-            <a:endParaRPr kumimoji="1" lang="en-US" altLang="ja-JP" dirty="0" smtClean="0"/>
-          </a:p>
-          <a:p>
-            <a:r>
-              <a:rPr lang="en-US" altLang="ja-JP" dirty="0" smtClean="0"/>
-              <a:t>Issue</a:t>
-            </a:r>
-            <a:r>
-              <a:rPr lang="ja-JP" altLang="en-US" dirty="0" smtClean="0"/>
-              <a:t>のデータの収集するツールの開発</a:t>
-            </a:r>
-            <a:endParaRPr lang="en-US" altLang="ja-JP" dirty="0" smtClean="0"/>
-          </a:p>
-          <a:p>
-            <a:r>
-              <a:rPr kumimoji="1" lang="ja-JP" altLang="en-US" dirty="0" smtClean="0"/>
-              <a:t>グラフ</a:t>
-            </a:r>
-            <a:r>
-              <a:rPr kumimoji="1" lang="ja-JP" altLang="en-US" dirty="0" smtClean="0"/>
-              <a:t>の描画するツールの開発</a:t>
-            </a:r>
-            <a:endParaRPr kumimoji="1" lang="ja-JP" altLang="en-US" dirty="0"/>
-          </a:p>
-        </p:txBody>
-      </p:sp>
-      <p:sp>
-        <p:nvSpPr>
-          <p:cNvPr id="2" name="タイトル 1"/>
-          <p:cNvSpPr>
-            <a:spLocks noGrp="1"/>
-          </p:cNvSpPr>
-          <p:nvPr>
-            <p:ph type="title"/>
-          </p:nvPr>
-        </p:nvSpPr>
-        <p:spPr/>
-        <p:txBody>
-          <a:bodyPr/>
-          <a:lstStyle/>
-          <a:p>
-            <a:r>
-              <a:rPr kumimoji="1" lang="ja-JP" altLang="en-US" dirty="0" smtClean="0"/>
-              <a:t>調査</a:t>
-            </a:r>
-            <a:endParaRPr kumimoji="1" lang="ja-JP" altLang="en-US" dirty="0"/>
-          </a:p>
-        </p:txBody>
-      </p:sp>
-    </p:spTree>
-  </p:cSld>
-  <p:clrMapOvr>
-    <a:masterClrMapping/>
-  </p:clrMapOvr>
-  <p:timing>
-    <p:tnLst>
-      <p:par>
-        <p:cTn id="1" dur="indefinite" restart="never" nodeType="tmRoot"/>
-      </p:par>
-    </p:tnLst>
-  </p:timing>
-</p:sld>
-</file>
-
-<file path=ppt/slides/slide12.xml><?xml version="1.0" encoding="utf-8"?>
 <p:sld xmlns:a="http://schemas.openxmlformats.org/drawingml/2006/main" xmlns:r="http://schemas.openxmlformats.org/officeDocument/2006/relationships" xmlns:p="http://schemas.openxmlformats.org/presentationml/2006/main">
   <p:cSld>
     <p:spTree>
@@ -6560,7 +6479,7 @@
 </p:sld>
 </file>
 
-<file path=ppt/slides/slide13.xml><?xml version="1.0" encoding="utf-8"?>
+<file path=ppt/slides/slide12.xml><?xml version="1.0" encoding="utf-8"?>
 <p:sld xmlns:a="http://schemas.openxmlformats.org/drawingml/2006/main" xmlns:r="http://schemas.openxmlformats.org/officeDocument/2006/relationships" xmlns:p="http://schemas.openxmlformats.org/presentationml/2006/main">
   <p:cSld>
     <p:spTree>
@@ -11866,7 +11785,7 @@
 </p:sld>
 </file>
 
-<file path=ppt/slides/slide14.xml><?xml version="1.0" encoding="utf-8"?>
+<file path=ppt/slides/slide13.xml><?xml version="1.0" encoding="utf-8"?>
 <p:sld xmlns:a="http://schemas.openxmlformats.org/drawingml/2006/main" xmlns:r="http://schemas.openxmlformats.org/officeDocument/2006/relationships" xmlns:p="http://schemas.openxmlformats.org/presentationml/2006/main">
   <p:cSld>
     <p:spTree>
@@ -11935,11 +11854,7 @@
             </a:r>
             <a:r>
               <a:rPr lang="en-US" altLang="ja-JP" b="1" dirty="0" smtClean="0"/>
-              <a:t>}/</a:t>
-            </a:r>
-            <a:r>
-              <a:rPr lang="en-US" altLang="ja-JP" b="1" dirty="0" smtClean="0"/>
-              <a:t>issues</a:t>
+              <a:t>}/issues</a:t>
             </a:r>
           </a:p>
           <a:p>
@@ -12016,7 +11931,7 @@
 </p:sld>
 </file>
 
-<file path=ppt/slides/slide15.xml><?xml version="1.0" encoding="utf-8"?>
+<file path=ppt/slides/slide14.xml><?xml version="1.0" encoding="utf-8"?>
 <p:sld xmlns:a="http://schemas.openxmlformats.org/drawingml/2006/main" xmlns:r="http://schemas.openxmlformats.org/officeDocument/2006/relationships" xmlns:p="http://schemas.openxmlformats.org/presentationml/2006/main">
   <p:cSld>
     <p:spTree>
@@ -13179,6 +13094,384 @@
 </p:sld>
 </file>
 
+<file path=ppt/slides/slide15.xml><?xml version="1.0" encoding="utf-8"?>
+<p:sld xmlns:a="http://schemas.openxmlformats.org/drawingml/2006/main" xmlns:r="http://schemas.openxmlformats.org/officeDocument/2006/relationships" xmlns:p="http://schemas.openxmlformats.org/presentationml/2006/main">
+  <p:cSld>
+    <p:spTree>
+      <p:nvGrpSpPr>
+        <p:cNvPr id="1" name=""/>
+        <p:cNvGrpSpPr/>
+        <p:nvPr/>
+      </p:nvGrpSpPr>
+      <p:grpSpPr>
+        <a:xfrm>
+          <a:off x="0" y="0"/>
+          <a:ext cx="0" cy="0"/>
+          <a:chOff x="0" y="0"/>
+          <a:chExt cx="0" cy="0"/>
+        </a:xfrm>
+      </p:grpSpPr>
+      <p:sp>
+        <p:nvSpPr>
+          <p:cNvPr id="2" name="タイトル 1"/>
+          <p:cNvSpPr>
+            <a:spLocks noGrp="1"/>
+          </p:cNvSpPr>
+          <p:nvPr>
+            <p:ph type="title"/>
+          </p:nvPr>
+        </p:nvSpPr>
+        <p:spPr/>
+        <p:txBody>
+          <a:bodyPr/>
+          <a:lstStyle/>
+          <a:p>
+            <a:r>
+              <a:rPr kumimoji="1" lang="ja-JP" altLang="en-US" dirty="0" smtClean="0"/>
+              <a:t>調査結果</a:t>
+            </a:r>
+            <a:endParaRPr kumimoji="1" lang="ja-JP" altLang="en-US" dirty="0"/>
+          </a:p>
+        </p:txBody>
+      </p:sp>
+      <p:pic>
+        <p:nvPicPr>
+          <p:cNvPr id="4" name="コンテンツ プレースホルダ 3"/>
+          <p:cNvPicPr>
+            <a:picLocks noGrp="1"/>
+          </p:cNvPicPr>
+          <p:nvPr>
+            <p:ph idx="1"/>
+          </p:nvPr>
+        </p:nvPicPr>
+        <p:blipFill rotWithShape="1">
+          <a:blip r:embed="rId2" cstate="print">
+            <a:extLst>
+              <a:ext uri="{28A0092B-C50C-407E-A947-70E740481C1C}">
+                <a14:useLocalDpi xmlns="" xmlns:wpc="http://schemas.microsoft.com/office/word/2010/wordprocessingCanvas" xmlns:mc="http://schemas.openxmlformats.org/markup-compatibility/2006" xmlns:o="urn:schemas-microsoft-com:office:office" xmlns:m="http://schemas.openxmlformats.org/officeDocument/2006/math" xmlns:v="urn:schemas-microsoft-com:vml" xmlns:wp14="http://schemas.microsoft.com/office/word/2010/wordprocessingDrawing" xmlns:wp="http://schemas.openxmlformats.org/drawingml/2006/wordprocessingDrawing" xmlns:w10="urn:schemas-microsoft-com:office:word" xmlns:w="http://schemas.openxmlformats.org/wordprocessingml/2006/main" xmlns:w14="http://schemas.microsoft.com/office/word/2010/wordml" xmlns:wpg="http://schemas.microsoft.com/office/word/2010/wordprocessingGroup" xmlns:wpi="http://schemas.microsoft.com/office/word/2010/wordprocessingInk" xmlns:wne="http://schemas.microsoft.com/office/word/2006/wordml" xmlns:wps="http://schemas.microsoft.com/office/word/2010/wordprocessingShape" xmlns:a14="http://schemas.microsoft.com/office/drawing/2010/main" xmlns:pic="http://schemas.openxmlformats.org/drawingml/2006/picture" xmlns:lc="http://schemas.openxmlformats.org/drawingml/2006/lockedCanvas" val="0"/>
+              </a:ext>
+            </a:extLst>
+          </a:blip>
+          <a:srcRect t="7292"/>
+          <a:stretch/>
+        </p:blipFill>
+        <p:spPr bwMode="auto">
+          <a:xfrm>
+            <a:off x="1271076" y="1937569"/>
+            <a:ext cx="3858815" cy="2235894"/>
+          </a:xfrm>
+          <a:prstGeom prst="rect">
+            <a:avLst/>
+          </a:prstGeom>
+          <a:ln>
+            <a:noFill/>
+          </a:ln>
+          <a:extLst>
+            <a:ext uri="{53640926-AAD7-44D8-BBD7-CCE9431645EC}">
+              <a14:shadowObscured xmlns="" xmlns:wpc="http://schemas.microsoft.com/office/word/2010/wordprocessingCanvas" xmlns:mc="http://schemas.openxmlformats.org/markup-compatibility/2006" xmlns:o="urn:schemas-microsoft-com:office:office" xmlns:m="http://schemas.openxmlformats.org/officeDocument/2006/math" xmlns:v="urn:schemas-microsoft-com:vml" xmlns:wp14="http://schemas.microsoft.com/office/word/2010/wordprocessingDrawing" xmlns:wp="http://schemas.openxmlformats.org/drawingml/2006/wordprocessingDrawing" xmlns:w10="urn:schemas-microsoft-com:office:word" xmlns:w="http://schemas.openxmlformats.org/wordprocessingml/2006/main" xmlns:w14="http://schemas.microsoft.com/office/word/2010/wordml" xmlns:wpg="http://schemas.microsoft.com/office/word/2010/wordprocessingGroup" xmlns:wpi="http://schemas.microsoft.com/office/word/2010/wordprocessingInk" xmlns:wne="http://schemas.microsoft.com/office/word/2006/wordml" xmlns:wps="http://schemas.microsoft.com/office/word/2010/wordprocessingShape" xmlns:a14="http://schemas.microsoft.com/office/drawing/2010/main" xmlns:pic="http://schemas.openxmlformats.org/drawingml/2006/picture" xmlns:lc="http://schemas.openxmlformats.org/drawingml/2006/lockedCanvas"/>
+            </a:ext>
+          </a:extLst>
+        </p:spPr>
+      </p:pic>
+      <p:pic>
+        <p:nvPicPr>
+          <p:cNvPr id="5" name="図 4"/>
+          <p:cNvPicPr/>
+          <p:nvPr/>
+        </p:nvPicPr>
+        <p:blipFill rotWithShape="1">
+          <a:blip r:embed="rId3" cstate="print">
+            <a:extLst>
+              <a:ext uri="{28A0092B-C50C-407E-A947-70E740481C1C}">
+                <a14:useLocalDpi xmlns="" xmlns:wpc="http://schemas.microsoft.com/office/word/2010/wordprocessingCanvas" xmlns:mc="http://schemas.openxmlformats.org/markup-compatibility/2006" xmlns:o="urn:schemas-microsoft-com:office:office" xmlns:m="http://schemas.openxmlformats.org/officeDocument/2006/math" xmlns:v="urn:schemas-microsoft-com:vml" xmlns:wp14="http://schemas.microsoft.com/office/word/2010/wordprocessingDrawing" xmlns:wp="http://schemas.openxmlformats.org/drawingml/2006/wordprocessingDrawing" xmlns:w10="urn:schemas-microsoft-com:office:word" xmlns:w="http://schemas.openxmlformats.org/wordprocessingml/2006/main" xmlns:w14="http://schemas.microsoft.com/office/word/2010/wordml" xmlns:wpg="http://schemas.microsoft.com/office/word/2010/wordprocessingGroup" xmlns:wpi="http://schemas.microsoft.com/office/word/2010/wordprocessingInk" xmlns:wne="http://schemas.microsoft.com/office/word/2006/wordml" xmlns:wps="http://schemas.microsoft.com/office/word/2010/wordprocessingShape" xmlns:a14="http://schemas.microsoft.com/office/drawing/2010/main" xmlns:pic="http://schemas.openxmlformats.org/drawingml/2006/picture" xmlns:lc="http://schemas.openxmlformats.org/drawingml/2006/lockedCanvas" val="0"/>
+              </a:ext>
+            </a:extLst>
+          </a:blip>
+          <a:srcRect t="6816"/>
+          <a:stretch/>
+        </p:blipFill>
+        <p:spPr bwMode="auto">
+          <a:xfrm>
+            <a:off x="5032624" y="1931690"/>
+            <a:ext cx="3888432" cy="2264562"/>
+          </a:xfrm>
+          <a:prstGeom prst="rect">
+            <a:avLst/>
+          </a:prstGeom>
+          <a:ln>
+            <a:noFill/>
+          </a:ln>
+          <a:extLst>
+            <a:ext uri="{53640926-AAD7-44D8-BBD7-CCE9431645EC}">
+              <a14:shadowObscured xmlns="" xmlns:wpc="http://schemas.microsoft.com/office/word/2010/wordprocessingCanvas" xmlns:mc="http://schemas.openxmlformats.org/markup-compatibility/2006" xmlns:o="urn:schemas-microsoft-com:office:office" xmlns:m="http://schemas.openxmlformats.org/officeDocument/2006/math" xmlns:v="urn:schemas-microsoft-com:vml" xmlns:wp14="http://schemas.microsoft.com/office/word/2010/wordprocessingDrawing" xmlns:wp="http://schemas.openxmlformats.org/drawingml/2006/wordprocessingDrawing" xmlns:w10="urn:schemas-microsoft-com:office:word" xmlns:w="http://schemas.openxmlformats.org/wordprocessingml/2006/main" xmlns:w14="http://schemas.microsoft.com/office/word/2010/wordml" xmlns:wpg="http://schemas.microsoft.com/office/word/2010/wordprocessingGroup" xmlns:wpi="http://schemas.microsoft.com/office/word/2010/wordprocessingInk" xmlns:wne="http://schemas.microsoft.com/office/word/2006/wordml" xmlns:wps="http://schemas.microsoft.com/office/word/2010/wordprocessingShape" xmlns:a14="http://schemas.microsoft.com/office/drawing/2010/main" xmlns:pic="http://schemas.openxmlformats.org/drawingml/2006/picture" xmlns:lc="http://schemas.openxmlformats.org/drawingml/2006/lockedCanvas"/>
+            </a:ext>
+          </a:extLst>
+        </p:spPr>
+      </p:pic>
+      <p:pic>
+        <p:nvPicPr>
+          <p:cNvPr id="6" name="図 5"/>
+          <p:cNvPicPr/>
+          <p:nvPr/>
+        </p:nvPicPr>
+        <p:blipFill rotWithShape="1">
+          <a:blip r:embed="rId4" cstate="print">
+            <a:extLst>
+              <a:ext uri="{28A0092B-C50C-407E-A947-70E740481C1C}">
+                <a14:useLocalDpi xmlns="" xmlns:wpc="http://schemas.microsoft.com/office/word/2010/wordprocessingCanvas" xmlns:mc="http://schemas.openxmlformats.org/markup-compatibility/2006" xmlns:o="urn:schemas-microsoft-com:office:office" xmlns:m="http://schemas.openxmlformats.org/officeDocument/2006/math" xmlns:v="urn:schemas-microsoft-com:vml" xmlns:wp14="http://schemas.microsoft.com/office/word/2010/wordprocessingDrawing" xmlns:wp="http://schemas.openxmlformats.org/drawingml/2006/wordprocessingDrawing" xmlns:w10="urn:schemas-microsoft-com:office:word" xmlns:w="http://schemas.openxmlformats.org/wordprocessingml/2006/main" xmlns:w14="http://schemas.microsoft.com/office/word/2010/wordml" xmlns:wpg="http://schemas.microsoft.com/office/word/2010/wordprocessingGroup" xmlns:wpi="http://schemas.microsoft.com/office/word/2010/wordprocessingInk" xmlns:wne="http://schemas.microsoft.com/office/word/2006/wordml" xmlns:wps="http://schemas.microsoft.com/office/word/2010/wordprocessingShape" xmlns:a14="http://schemas.microsoft.com/office/drawing/2010/main" xmlns:pic="http://schemas.openxmlformats.org/drawingml/2006/picture" xmlns:lc="http://schemas.openxmlformats.org/drawingml/2006/lockedCanvas" val="0"/>
+              </a:ext>
+            </a:extLst>
+          </a:blip>
+          <a:srcRect t="7956"/>
+          <a:stretch/>
+        </p:blipFill>
+        <p:spPr bwMode="auto">
+          <a:xfrm>
+            <a:off x="1288207" y="4173463"/>
+            <a:ext cx="3888432" cy="2237029"/>
+          </a:xfrm>
+          <a:prstGeom prst="rect">
+            <a:avLst/>
+          </a:prstGeom>
+          <a:ln>
+            <a:noFill/>
+          </a:ln>
+          <a:extLst>
+            <a:ext uri="{53640926-AAD7-44D8-BBD7-CCE9431645EC}">
+              <a14:shadowObscured xmlns="" xmlns:wpc="http://schemas.microsoft.com/office/word/2010/wordprocessingCanvas" xmlns:mc="http://schemas.openxmlformats.org/markup-compatibility/2006" xmlns:o="urn:schemas-microsoft-com:office:office" xmlns:m="http://schemas.openxmlformats.org/officeDocument/2006/math" xmlns:v="urn:schemas-microsoft-com:vml" xmlns:wp14="http://schemas.microsoft.com/office/word/2010/wordprocessingDrawing" xmlns:wp="http://schemas.openxmlformats.org/drawingml/2006/wordprocessingDrawing" xmlns:w10="urn:schemas-microsoft-com:office:word" xmlns:w="http://schemas.openxmlformats.org/wordprocessingml/2006/main" xmlns:w14="http://schemas.microsoft.com/office/word/2010/wordml" xmlns:wpg="http://schemas.microsoft.com/office/word/2010/wordprocessingGroup" xmlns:wpi="http://schemas.microsoft.com/office/word/2010/wordprocessingInk" xmlns:wne="http://schemas.microsoft.com/office/word/2006/wordml" xmlns:wps="http://schemas.microsoft.com/office/word/2010/wordprocessingShape" xmlns:a14="http://schemas.microsoft.com/office/drawing/2010/main" xmlns:pic="http://schemas.openxmlformats.org/drawingml/2006/picture" xmlns:lc="http://schemas.openxmlformats.org/drawingml/2006/lockedCanvas"/>
+            </a:ext>
+          </a:extLst>
+        </p:spPr>
+      </p:pic>
+      <p:pic>
+        <p:nvPicPr>
+          <p:cNvPr id="7" name="図 6"/>
+          <p:cNvPicPr/>
+          <p:nvPr/>
+        </p:nvPicPr>
+        <p:blipFill rotWithShape="1">
+          <a:blip r:embed="rId5" cstate="print">
+            <a:extLst>
+              <a:ext uri="{28A0092B-C50C-407E-A947-70E740481C1C}">
+                <a14:useLocalDpi xmlns="" xmlns:wpc="http://schemas.microsoft.com/office/word/2010/wordprocessingCanvas" xmlns:mc="http://schemas.openxmlformats.org/markup-compatibility/2006" xmlns:o="urn:schemas-microsoft-com:office:office" xmlns:m="http://schemas.openxmlformats.org/officeDocument/2006/math" xmlns:v="urn:schemas-microsoft-com:vml" xmlns:wp14="http://schemas.microsoft.com/office/word/2010/wordprocessingDrawing" xmlns:wp="http://schemas.openxmlformats.org/drawingml/2006/wordprocessingDrawing" xmlns:w10="urn:schemas-microsoft-com:office:word" xmlns:w="http://schemas.openxmlformats.org/wordprocessingml/2006/main" xmlns:w14="http://schemas.microsoft.com/office/word/2010/wordml" xmlns:wpg="http://schemas.microsoft.com/office/word/2010/wordprocessingGroup" xmlns:wpi="http://schemas.microsoft.com/office/word/2010/wordprocessingInk" xmlns:wne="http://schemas.microsoft.com/office/word/2006/wordml" xmlns:wps="http://schemas.microsoft.com/office/word/2010/wordprocessingShape" xmlns:a14="http://schemas.microsoft.com/office/drawing/2010/main" xmlns:pic="http://schemas.openxmlformats.org/drawingml/2006/picture" xmlns:lc="http://schemas.openxmlformats.org/drawingml/2006/lockedCanvas" val="0"/>
+              </a:ext>
+            </a:extLst>
+          </a:blip>
+          <a:srcRect t="8619"/>
+          <a:stretch/>
+        </p:blipFill>
+        <p:spPr bwMode="auto">
+          <a:xfrm>
+            <a:off x="5004048" y="4149080"/>
+            <a:ext cx="3960440" cy="2259607"/>
+          </a:xfrm>
+          <a:prstGeom prst="rect">
+            <a:avLst/>
+          </a:prstGeom>
+          <a:ln>
+            <a:noFill/>
+          </a:ln>
+          <a:extLst>
+            <a:ext uri="{53640926-AAD7-44D8-BBD7-CCE9431645EC}">
+              <a14:shadowObscured xmlns="" xmlns:wpc="http://schemas.microsoft.com/office/word/2010/wordprocessingCanvas" xmlns:mc="http://schemas.openxmlformats.org/markup-compatibility/2006" xmlns:o="urn:schemas-microsoft-com:office:office" xmlns:m="http://schemas.openxmlformats.org/officeDocument/2006/math" xmlns:v="urn:schemas-microsoft-com:vml" xmlns:wp14="http://schemas.microsoft.com/office/word/2010/wordprocessingDrawing" xmlns:wp="http://schemas.openxmlformats.org/drawingml/2006/wordprocessingDrawing" xmlns:w10="urn:schemas-microsoft-com:office:word" xmlns:w="http://schemas.openxmlformats.org/wordprocessingml/2006/main" xmlns:w14="http://schemas.microsoft.com/office/word/2010/wordml" xmlns:wpg="http://schemas.microsoft.com/office/word/2010/wordprocessingGroup" xmlns:wpi="http://schemas.microsoft.com/office/word/2010/wordprocessingInk" xmlns:wne="http://schemas.microsoft.com/office/word/2006/wordml" xmlns:wps="http://schemas.microsoft.com/office/word/2010/wordprocessingShape" xmlns:a14="http://schemas.microsoft.com/office/drawing/2010/main" xmlns:pic="http://schemas.openxmlformats.org/drawingml/2006/picture" xmlns:lc="http://schemas.openxmlformats.org/drawingml/2006/lockedCanvas"/>
+            </a:ext>
+          </a:extLst>
+        </p:spPr>
+      </p:pic>
+      <p:sp>
+        <p:nvSpPr>
+          <p:cNvPr id="8" name="テキスト ボックス 7"/>
+          <p:cNvSpPr txBox="1"/>
+          <p:nvPr/>
+        </p:nvSpPr>
+        <p:spPr>
+          <a:xfrm>
+            <a:off x="1792263" y="2085231"/>
+            <a:ext cx="792088" cy="830997"/>
+          </a:xfrm>
+          <a:prstGeom prst="rect">
+            <a:avLst/>
+          </a:prstGeom>
+          <a:noFill/>
+        </p:spPr>
+        <p:txBody>
+          <a:bodyPr wrap="square" rtlCol="0">
+            <a:spAutoFit/>
+          </a:bodyPr>
+          <a:lstStyle/>
+          <a:p>
+            <a:r>
+              <a:rPr kumimoji="1" lang="ja-JP" altLang="en-US" sz="4800" dirty="0" smtClean="0"/>
+              <a:t>①</a:t>
+            </a:r>
+            <a:endParaRPr kumimoji="1" lang="ja-JP" altLang="en-US" sz="4800" dirty="0"/>
+          </a:p>
+        </p:txBody>
+      </p:sp>
+      <p:sp>
+        <p:nvSpPr>
+          <p:cNvPr id="9" name="テキスト ボックス 8"/>
+          <p:cNvSpPr txBox="1"/>
+          <p:nvPr/>
+        </p:nvSpPr>
+        <p:spPr>
+          <a:xfrm>
+            <a:off x="5536679" y="2085231"/>
+            <a:ext cx="792088" cy="830997"/>
+          </a:xfrm>
+          <a:prstGeom prst="rect">
+            <a:avLst/>
+          </a:prstGeom>
+          <a:noFill/>
+        </p:spPr>
+        <p:txBody>
+          <a:bodyPr wrap="square" rtlCol="0">
+            <a:spAutoFit/>
+          </a:bodyPr>
+          <a:lstStyle/>
+          <a:p>
+            <a:r>
+              <a:rPr lang="ja-JP" altLang="en-US" sz="4800" dirty="0" smtClean="0"/>
+              <a:t>②</a:t>
+            </a:r>
+            <a:endParaRPr kumimoji="1" lang="ja-JP" altLang="en-US" sz="4800" dirty="0"/>
+          </a:p>
+        </p:txBody>
+      </p:sp>
+      <p:sp>
+        <p:nvSpPr>
+          <p:cNvPr id="10" name="テキスト ボックス 9"/>
+          <p:cNvSpPr txBox="1"/>
+          <p:nvPr/>
+        </p:nvSpPr>
+        <p:spPr>
+          <a:xfrm>
+            <a:off x="1792263" y="4211343"/>
+            <a:ext cx="792088" cy="830997"/>
+          </a:xfrm>
+          <a:prstGeom prst="rect">
+            <a:avLst/>
+          </a:prstGeom>
+          <a:noFill/>
+        </p:spPr>
+        <p:txBody>
+          <a:bodyPr wrap="square" rtlCol="0">
+            <a:spAutoFit/>
+          </a:bodyPr>
+          <a:lstStyle/>
+          <a:p>
+            <a:r>
+              <a:rPr lang="ja-JP" altLang="en-US" sz="4800" dirty="0" smtClean="0"/>
+              <a:t>③</a:t>
+            </a:r>
+            <a:endParaRPr kumimoji="1" lang="ja-JP" altLang="en-US" sz="4800" dirty="0"/>
+          </a:p>
+        </p:txBody>
+      </p:sp>
+      <p:sp>
+        <p:nvSpPr>
+          <p:cNvPr id="11" name="テキスト ボックス 10"/>
+          <p:cNvSpPr txBox="1"/>
+          <p:nvPr/>
+        </p:nvSpPr>
+        <p:spPr>
+          <a:xfrm>
+            <a:off x="5536679" y="4206562"/>
+            <a:ext cx="792088" cy="830997"/>
+          </a:xfrm>
+          <a:prstGeom prst="rect">
+            <a:avLst/>
+          </a:prstGeom>
+          <a:noFill/>
+        </p:spPr>
+        <p:txBody>
+          <a:bodyPr wrap="square" rtlCol="0">
+            <a:spAutoFit/>
+          </a:bodyPr>
+          <a:lstStyle/>
+          <a:p>
+            <a:r>
+              <a:rPr lang="ja-JP" altLang="en-US" sz="4800" dirty="0" smtClean="0"/>
+              <a:t>④</a:t>
+            </a:r>
+            <a:endParaRPr kumimoji="1" lang="ja-JP" altLang="en-US" sz="4800" dirty="0"/>
+          </a:p>
+        </p:txBody>
+      </p:sp>
+      <p:sp>
+        <p:nvSpPr>
+          <p:cNvPr id="12" name="コンテンツ プレースホルダ 1"/>
+          <p:cNvSpPr txBox="1">
+            <a:spLocks/>
+          </p:cNvSpPr>
+          <p:nvPr/>
+        </p:nvSpPr>
+        <p:spPr>
+          <a:xfrm>
+            <a:off x="457200" y="1481328"/>
+            <a:ext cx="8229600" cy="4525963"/>
+          </a:xfrm>
+          <a:prstGeom prst="rect">
+            <a:avLst/>
+          </a:prstGeom>
+        </p:spPr>
+        <p:txBody>
+          <a:bodyPr vert="horz">
+            <a:normAutofit/>
+          </a:bodyPr>
+          <a:lstStyle/>
+          <a:p>
+            <a:pPr marL="365760" lvl="0" indent="-256032">
+              <a:spcBef>
+                <a:spcPts val="400"/>
+              </a:spcBef>
+              <a:buClr>
+                <a:schemeClr val="accent1"/>
+              </a:buClr>
+              <a:buSzPct val="68000"/>
+              <a:buFont typeface="Wingdings 3"/>
+              <a:buChar char=""/>
+            </a:pPr>
+            <a:r>
+              <a:rPr lang="en-US" altLang="ja-JP" sz="2800" dirty="0" smtClean="0"/>
+              <a:t>Issue</a:t>
+            </a:r>
+            <a:r>
+              <a:rPr lang="ja-JP" altLang="ja-JP" sz="2800" dirty="0" smtClean="0"/>
+              <a:t>の時間変化の典型例</a:t>
+            </a:r>
+            <a:endParaRPr kumimoji="1" lang="ja-JP" altLang="en-US" sz="2700" b="0" i="0" u="none" strike="noStrike" kern="1200" cap="none" spc="0" normalizeH="0" baseline="0" noProof="0" dirty="0">
+              <a:ln>
+                <a:noFill/>
+              </a:ln>
+              <a:solidFill>
+                <a:schemeClr val="tx1"/>
+              </a:solidFill>
+              <a:effectLst/>
+              <a:uLnTx/>
+              <a:uFillTx/>
+              <a:latin typeface="+mn-lt"/>
+              <a:ea typeface="+mn-ea"/>
+              <a:cs typeface="+mn-cs"/>
+            </a:endParaRPr>
+          </a:p>
+        </p:txBody>
+      </p:sp>
+    </p:spTree>
+  </p:cSld>
+  <p:clrMapOvr>
+    <a:masterClrMapping/>
+  </p:clrMapOvr>
+  <p:timing>
+    <p:tnLst>
+      <p:par>
+        <p:cTn id="1" dur="indefinite" restart="never" nodeType="tmRoot"/>
+      </p:par>
+    </p:tnLst>
+  </p:timing>
+</p:sld>
+</file>
+
 <file path=ppt/slides/slide16.xml><?xml version="1.0" encoding="utf-8"?>
 <p:sld xmlns:a="http://schemas.openxmlformats.org/drawingml/2006/main" xmlns:r="http://schemas.openxmlformats.org/officeDocument/2006/relationships" xmlns:p="http://schemas.openxmlformats.org/presentationml/2006/main">
   <p:cSld>
@@ -13208,10 +13501,40 @@
         </p:nvSpPr>
         <p:spPr/>
         <p:txBody>
-          <a:bodyPr/>
+          <a:bodyPr>
+            <a:normAutofit/>
+          </a:bodyPr>
           <a:lstStyle/>
           <a:p>
-            <a:endParaRPr kumimoji="1" lang="ja-JP" altLang="en-US"/>
+            <a:pPr lvl="0"/>
+            <a:r>
+              <a:rPr kumimoji="1" lang="ja-JP" altLang="en-US" sz="2000" dirty="0" smtClean="0"/>
+              <a:t>①　</a:t>
+            </a:r>
+            <a:r>
+              <a:rPr lang="ja-JP" altLang="ja-JP" sz="2000" dirty="0" smtClean="0"/>
+              <a:t>チケットの増加率が時間とともに減少</a:t>
+            </a:r>
+            <a:r>
+              <a:rPr lang="ja-JP" altLang="ja-JP" sz="2000" dirty="0" smtClean="0"/>
+              <a:t>する</a:t>
+            </a:r>
+            <a:r>
+              <a:rPr lang="en-US" altLang="ja-JP" sz="2000" dirty="0" smtClean="0"/>
+              <a:t>(</a:t>
+            </a:r>
+            <a:r>
+              <a:rPr lang="ja-JP" altLang="ja-JP" sz="2000" dirty="0" smtClean="0"/>
+              <a:t>全体の約</a:t>
+            </a:r>
+            <a:r>
+              <a:rPr lang="en-US" altLang="ja-JP" sz="2000" dirty="0" smtClean="0"/>
+              <a:t>30%)</a:t>
+            </a:r>
+            <a:endParaRPr lang="ja-JP" altLang="ja-JP" sz="2000" dirty="0" smtClean="0"/>
+          </a:p>
+          <a:p>
+            <a:endParaRPr kumimoji="1" lang="ja-JP" altLang="en-US" sz="3200" dirty="0"/>
           </a:p>
         </p:txBody>
       </p:sp>
@@ -13232,12 +13555,49 @@
           <a:p>
             <a:r>
               <a:rPr kumimoji="1" lang="ja-JP" altLang="en-US" dirty="0" smtClean="0"/>
-              <a:t>調査方法</a:t>
+              <a:t>調査結果</a:t>
             </a:r>
             <a:endParaRPr kumimoji="1" lang="ja-JP" altLang="en-US" dirty="0"/>
           </a:p>
         </p:txBody>
       </p:sp>
+      <p:pic>
+        <p:nvPicPr>
+          <p:cNvPr id="4" name="コンテンツ プレースホルダ 3"/>
+          <p:cNvPicPr>
+            <a:picLocks/>
+          </p:cNvPicPr>
+          <p:nvPr/>
+        </p:nvPicPr>
+        <p:blipFill rotWithShape="1">
+          <a:blip r:embed="rId2" cstate="print">
+            <a:extLst>
+              <a:ext uri="{28A0092B-C50C-407E-A947-70E740481C1C}">
+                <a14:useLocalDpi xmlns="" xmlns:wpc="http://schemas.microsoft.com/office/word/2010/wordprocessingCanvas" xmlns:mc="http://schemas.openxmlformats.org/markup-compatibility/2006" xmlns:o="urn:schemas-microsoft-com:office:office" xmlns:m="http://schemas.openxmlformats.org/officeDocument/2006/math" xmlns:v="urn:schemas-microsoft-com:vml" xmlns:wp14="http://schemas.microsoft.com/office/word/2010/wordprocessingDrawing" xmlns:wp="http://schemas.openxmlformats.org/drawingml/2006/wordprocessingDrawing" xmlns:w10="urn:schemas-microsoft-com:office:word" xmlns:w="http://schemas.openxmlformats.org/wordprocessingml/2006/main" xmlns:w14="http://schemas.microsoft.com/office/word/2010/wordml" xmlns:wpg="http://schemas.microsoft.com/office/word/2010/wordprocessingGroup" xmlns:wpi="http://schemas.microsoft.com/office/word/2010/wordprocessingInk" xmlns:wne="http://schemas.microsoft.com/office/word/2006/wordml" xmlns:wps="http://schemas.microsoft.com/office/word/2010/wordprocessingShape" xmlns:a14="http://schemas.microsoft.com/office/drawing/2010/main" xmlns:pic="http://schemas.openxmlformats.org/drawingml/2006/picture" xmlns:lc="http://schemas.openxmlformats.org/drawingml/2006/lockedCanvas" val="0"/>
+              </a:ext>
+            </a:extLst>
+          </a:blip>
+          <a:srcRect t="7292"/>
+          <a:stretch/>
+        </p:blipFill>
+        <p:spPr bwMode="auto">
+          <a:xfrm>
+            <a:off x="1331640" y="1988840"/>
+            <a:ext cx="7073915" cy="4098803"/>
+          </a:xfrm>
+          <a:prstGeom prst="rect">
+            <a:avLst/>
+          </a:prstGeom>
+          <a:ln>
+            <a:noFill/>
+          </a:ln>
+          <a:extLst>
+            <a:ext uri="{53640926-AAD7-44D8-BBD7-CCE9431645EC}">
+              <a14:shadowObscured xmlns="" xmlns:wpc="http://schemas.microsoft.com/office/word/2010/wordprocessingCanvas" xmlns:mc="http://schemas.openxmlformats.org/markup-compatibility/2006" xmlns:o="urn:schemas-microsoft-com:office:office" xmlns:m="http://schemas.openxmlformats.org/officeDocument/2006/math" xmlns:v="urn:schemas-microsoft-com:vml" xmlns:wp14="http://schemas.microsoft.com/office/word/2010/wordprocessingDrawing" xmlns:wp="http://schemas.openxmlformats.org/drawingml/2006/wordprocessingDrawing" xmlns:w10="urn:schemas-microsoft-com:office:word" xmlns:w="http://schemas.openxmlformats.org/wordprocessingml/2006/main" xmlns:w14="http://schemas.microsoft.com/office/word/2010/wordml" xmlns:wpg="http://schemas.microsoft.com/office/word/2010/wordprocessingGroup" xmlns:wpi="http://schemas.microsoft.com/office/word/2010/wordprocessingInk" xmlns:wne="http://schemas.microsoft.com/office/word/2006/wordml" xmlns:wps="http://schemas.microsoft.com/office/word/2010/wordprocessingShape" xmlns:a14="http://schemas.microsoft.com/office/drawing/2010/main" xmlns:pic="http://schemas.openxmlformats.org/drawingml/2006/picture" xmlns:lc="http://schemas.openxmlformats.org/drawingml/2006/lockedCanvas"/>
+            </a:ext>
+          </a:extLst>
+        </p:spPr>
+      </p:pic>
     </p:spTree>
   </p:cSld>
   <p:clrMapOvr>
@@ -13282,10 +13642,48 @@
         </p:nvSpPr>
         <p:spPr/>
         <p:txBody>
-          <a:bodyPr/>
+          <a:bodyPr>
+            <a:normAutofit/>
+          </a:bodyPr>
           <a:lstStyle/>
           <a:p>
-            <a:endParaRPr kumimoji="1" lang="ja-JP" altLang="en-US"/>
+            <a:pPr lvl="0"/>
+            <a:r>
+              <a:rPr lang="ja-JP" altLang="en-US" sz="2000" dirty="0" smtClean="0"/>
+              <a:t>②　</a:t>
+            </a:r>
+            <a:r>
+              <a:rPr lang="ja-JP" altLang="ja-JP" sz="2000" dirty="0" smtClean="0"/>
+              <a:t>チケット</a:t>
+            </a:r>
+            <a:r>
+              <a:rPr lang="ja-JP" altLang="ja-JP" sz="2000" dirty="0" smtClean="0"/>
+              <a:t>の増加率が時間とともに増加</a:t>
+            </a:r>
+            <a:r>
+              <a:rPr lang="ja-JP" altLang="ja-JP" sz="2000" dirty="0" smtClean="0"/>
+              <a:t>する</a:t>
+            </a:r>
+            <a:r>
+              <a:rPr lang="en-US" altLang="ja-JP" sz="2000" dirty="0" smtClean="0"/>
+              <a:t>(</a:t>
+            </a:r>
+            <a:r>
+              <a:rPr lang="ja-JP" altLang="ja-JP" sz="2000" dirty="0" smtClean="0"/>
+              <a:t>全体の約</a:t>
+            </a:r>
+            <a:r>
+              <a:rPr lang="en-US" altLang="ja-JP" sz="2000" dirty="0" smtClean="0"/>
+              <a:t>40%)</a:t>
+            </a:r>
+            <a:endParaRPr lang="ja-JP" altLang="ja-JP" sz="2000" dirty="0" smtClean="0"/>
+          </a:p>
+          <a:p>
+            <a:pPr lvl="0"/>
+            <a:endParaRPr lang="ja-JP" altLang="ja-JP" sz="2000" dirty="0" smtClean="0"/>
+          </a:p>
+          <a:p>
+            <a:endParaRPr kumimoji="1" lang="ja-JP" altLang="en-US" sz="3200" dirty="0"/>
           </a:p>
         </p:txBody>
       </p:sp>
@@ -13312,6 +13710,41 @@
           </a:p>
         </p:txBody>
       </p:sp>
+      <p:pic>
+        <p:nvPicPr>
+          <p:cNvPr id="5" name="図 4"/>
+          <p:cNvPicPr/>
+          <p:nvPr/>
+        </p:nvPicPr>
+        <p:blipFill rotWithShape="1">
+          <a:blip r:embed="rId2" cstate="print">
+            <a:extLst>
+              <a:ext uri="{28A0092B-C50C-407E-A947-70E740481C1C}">
+                <a14:useLocalDpi xmlns="" xmlns:wpc="http://schemas.microsoft.com/office/word/2010/wordprocessingCanvas" xmlns:mc="http://schemas.openxmlformats.org/markup-compatibility/2006" xmlns:o="urn:schemas-microsoft-com:office:office" xmlns:m="http://schemas.openxmlformats.org/officeDocument/2006/math" xmlns:v="urn:schemas-microsoft-com:vml" xmlns:wp14="http://schemas.microsoft.com/office/word/2010/wordprocessingDrawing" xmlns:wp="http://schemas.openxmlformats.org/drawingml/2006/wordprocessingDrawing" xmlns:w10="urn:schemas-microsoft-com:office:word" xmlns:w="http://schemas.openxmlformats.org/wordprocessingml/2006/main" xmlns:w14="http://schemas.microsoft.com/office/word/2010/wordml" xmlns:wpg="http://schemas.microsoft.com/office/word/2010/wordprocessingGroup" xmlns:wpi="http://schemas.microsoft.com/office/word/2010/wordprocessingInk" xmlns:wne="http://schemas.microsoft.com/office/word/2006/wordml" xmlns:wps="http://schemas.microsoft.com/office/word/2010/wordprocessingShape" xmlns:a14="http://schemas.microsoft.com/office/drawing/2010/main" xmlns:pic="http://schemas.openxmlformats.org/drawingml/2006/picture" xmlns:lc="http://schemas.openxmlformats.org/drawingml/2006/lockedCanvas" val="0"/>
+              </a:ext>
+            </a:extLst>
+          </a:blip>
+          <a:srcRect t="6816"/>
+          <a:stretch/>
+        </p:blipFill>
+        <p:spPr bwMode="auto">
+          <a:xfrm>
+            <a:off x="1259632" y="1799148"/>
+            <a:ext cx="7157368" cy="4150132"/>
+          </a:xfrm>
+          <a:prstGeom prst="rect">
+            <a:avLst/>
+          </a:prstGeom>
+          <a:ln>
+            <a:noFill/>
+          </a:ln>
+          <a:extLst>
+            <a:ext uri="{53640926-AAD7-44D8-BBD7-CCE9431645EC}">
+              <a14:shadowObscured xmlns="" xmlns:wpc="http://schemas.microsoft.com/office/word/2010/wordprocessingCanvas" xmlns:mc="http://schemas.openxmlformats.org/markup-compatibility/2006" xmlns:o="urn:schemas-microsoft-com:office:office" xmlns:m="http://schemas.openxmlformats.org/officeDocument/2006/math" xmlns:v="urn:schemas-microsoft-com:vml" xmlns:wp14="http://schemas.microsoft.com/office/word/2010/wordprocessingDrawing" xmlns:wp="http://schemas.openxmlformats.org/drawingml/2006/wordprocessingDrawing" xmlns:w10="urn:schemas-microsoft-com:office:word" xmlns:w="http://schemas.openxmlformats.org/wordprocessingml/2006/main" xmlns:w14="http://schemas.microsoft.com/office/word/2010/wordml" xmlns:wpg="http://schemas.microsoft.com/office/word/2010/wordprocessingGroup" xmlns:wpi="http://schemas.microsoft.com/office/word/2010/wordprocessingInk" xmlns:wne="http://schemas.microsoft.com/office/word/2006/wordml" xmlns:wps="http://schemas.microsoft.com/office/word/2010/wordprocessingShape" xmlns:a14="http://schemas.microsoft.com/office/drawing/2010/main" xmlns:pic="http://schemas.openxmlformats.org/drawingml/2006/picture" xmlns:lc="http://schemas.openxmlformats.org/drawingml/2006/lockedCanvas"/>
+            </a:ext>
+          </a:extLst>
+        </p:spPr>
+      </p:pic>
     </p:spTree>
   </p:cSld>
   <p:clrMapOvr>
@@ -13356,10 +13789,48 @@
         </p:nvSpPr>
         <p:spPr/>
         <p:txBody>
-          <a:bodyPr/>
+          <a:bodyPr>
+            <a:normAutofit/>
+          </a:bodyPr>
           <a:lstStyle/>
           <a:p>
-            <a:endParaRPr kumimoji="1" lang="ja-JP" altLang="en-US"/>
+            <a:pPr lvl="0"/>
+            <a:r>
+              <a:rPr lang="ja-JP" altLang="en-US" sz="2000" dirty="0" smtClean="0"/>
+              <a:t>③</a:t>
+            </a:r>
+            <a:r>
+              <a:rPr lang="ja-JP" altLang="en-US" sz="2000" dirty="0" smtClean="0"/>
+              <a:t>　</a:t>
+            </a:r>
+            <a:r>
+              <a:rPr lang="ja-JP" altLang="ja-JP" sz="2000" dirty="0" smtClean="0"/>
+              <a:t>チケットの消化が発行に追い付いて</a:t>
+            </a:r>
+            <a:r>
+              <a:rPr lang="ja-JP" altLang="ja-JP" sz="2000" dirty="0" smtClean="0"/>
+              <a:t>いない</a:t>
+            </a:r>
+            <a:r>
+              <a:rPr lang="en-US" altLang="ja-JP" sz="2000" dirty="0" smtClean="0"/>
+              <a:t>(</a:t>
+            </a:r>
+            <a:r>
+              <a:rPr lang="ja-JP" altLang="ja-JP" sz="2000" dirty="0" smtClean="0"/>
+              <a:t>全体の約</a:t>
+            </a:r>
+            <a:r>
+              <a:rPr lang="en-US" altLang="ja-JP" sz="2000" dirty="0" smtClean="0"/>
+              <a:t>20%)</a:t>
+            </a:r>
+            <a:endParaRPr lang="ja-JP" altLang="ja-JP" sz="2000" dirty="0" smtClean="0"/>
+          </a:p>
+          <a:p>
+            <a:pPr lvl="0"/>
+            <a:endParaRPr lang="ja-JP" altLang="ja-JP" sz="2000" dirty="0" smtClean="0"/>
+          </a:p>
+          <a:p>
+            <a:endParaRPr kumimoji="1" lang="ja-JP" altLang="en-US" sz="3200" dirty="0"/>
           </a:p>
         </p:txBody>
       </p:sp>
@@ -13380,12 +13851,194 @@
           <a:p>
             <a:r>
               <a:rPr kumimoji="1" lang="ja-JP" altLang="en-US" dirty="0" smtClean="0"/>
-              <a:t>考察</a:t>
+              <a:t>調査結果</a:t>
             </a:r>
             <a:endParaRPr kumimoji="1" lang="ja-JP" altLang="en-US" dirty="0"/>
           </a:p>
         </p:txBody>
       </p:sp>
+      <p:pic>
+        <p:nvPicPr>
+          <p:cNvPr id="6" name="図 5"/>
+          <p:cNvPicPr/>
+          <p:nvPr/>
+        </p:nvPicPr>
+        <p:blipFill rotWithShape="1">
+          <a:blip r:embed="rId2" cstate="print">
+            <a:extLst>
+              <a:ext uri="{28A0092B-C50C-407E-A947-70E740481C1C}">
+                <a14:useLocalDpi xmlns="" xmlns:wpc="http://schemas.microsoft.com/office/word/2010/wordprocessingCanvas" xmlns:mc="http://schemas.openxmlformats.org/markup-compatibility/2006" xmlns:o="urn:schemas-microsoft-com:office:office" xmlns:m="http://schemas.openxmlformats.org/officeDocument/2006/math" xmlns:v="urn:schemas-microsoft-com:vml" xmlns:wp14="http://schemas.microsoft.com/office/word/2010/wordprocessingDrawing" xmlns:wp="http://schemas.openxmlformats.org/drawingml/2006/wordprocessingDrawing" xmlns:w10="urn:schemas-microsoft-com:office:word" xmlns:w="http://schemas.openxmlformats.org/wordprocessingml/2006/main" xmlns:w14="http://schemas.microsoft.com/office/word/2010/wordml" xmlns:wpg="http://schemas.microsoft.com/office/word/2010/wordprocessingGroup" xmlns:wpi="http://schemas.microsoft.com/office/word/2010/wordprocessingInk" xmlns:wne="http://schemas.microsoft.com/office/word/2006/wordml" xmlns:wps="http://schemas.microsoft.com/office/word/2010/wordprocessingShape" xmlns:a14="http://schemas.microsoft.com/office/drawing/2010/main" xmlns:pic="http://schemas.openxmlformats.org/drawingml/2006/picture" xmlns:lc="http://schemas.openxmlformats.org/drawingml/2006/lockedCanvas" val="0"/>
+              </a:ext>
+            </a:extLst>
+          </a:blip>
+          <a:srcRect t="7956"/>
+          <a:stretch/>
+        </p:blipFill>
+        <p:spPr bwMode="auto">
+          <a:xfrm>
+            <a:off x="1547664" y="1916832"/>
+            <a:ext cx="7009252" cy="4032448"/>
+          </a:xfrm>
+          <a:prstGeom prst="rect">
+            <a:avLst/>
+          </a:prstGeom>
+          <a:ln>
+            <a:noFill/>
+          </a:ln>
+          <a:extLst>
+            <a:ext uri="{53640926-AAD7-44D8-BBD7-CCE9431645EC}">
+              <a14:shadowObscured xmlns="" xmlns:wpc="http://schemas.microsoft.com/office/word/2010/wordprocessingCanvas" xmlns:mc="http://schemas.openxmlformats.org/markup-compatibility/2006" xmlns:o="urn:schemas-microsoft-com:office:office" xmlns:m="http://schemas.openxmlformats.org/officeDocument/2006/math" xmlns:v="urn:schemas-microsoft-com:vml" xmlns:wp14="http://schemas.microsoft.com/office/word/2010/wordprocessingDrawing" xmlns:wp="http://schemas.openxmlformats.org/drawingml/2006/wordprocessingDrawing" xmlns:w10="urn:schemas-microsoft-com:office:word" xmlns:w="http://schemas.openxmlformats.org/wordprocessingml/2006/main" xmlns:w14="http://schemas.microsoft.com/office/word/2010/wordml" xmlns:wpg="http://schemas.microsoft.com/office/word/2010/wordprocessingGroup" xmlns:wpi="http://schemas.microsoft.com/office/word/2010/wordprocessingInk" xmlns:wne="http://schemas.microsoft.com/office/word/2006/wordml" xmlns:wps="http://schemas.microsoft.com/office/word/2010/wordprocessingShape" xmlns:a14="http://schemas.microsoft.com/office/drawing/2010/main" xmlns:pic="http://schemas.openxmlformats.org/drawingml/2006/picture" xmlns:lc="http://schemas.openxmlformats.org/drawingml/2006/lockedCanvas"/>
+            </a:ext>
+          </a:extLst>
+        </p:spPr>
+      </p:pic>
+    </p:spTree>
+  </p:cSld>
+  <p:clrMapOvr>
+    <a:masterClrMapping/>
+  </p:clrMapOvr>
+  <p:timing>
+    <p:tnLst>
+      <p:par>
+        <p:cTn id="1" dur="indefinite" restart="never" nodeType="tmRoot"/>
+      </p:par>
+    </p:tnLst>
+  </p:timing>
+</p:sld>
+</file>
+
+<file path=ppt/slides/slide19.xml><?xml version="1.0" encoding="utf-8"?>
+<p:sld xmlns:a="http://schemas.openxmlformats.org/drawingml/2006/main" xmlns:r="http://schemas.openxmlformats.org/officeDocument/2006/relationships" xmlns:p="http://schemas.openxmlformats.org/presentationml/2006/main">
+  <p:cSld>
+    <p:spTree>
+      <p:nvGrpSpPr>
+        <p:cNvPr id="1" name=""/>
+        <p:cNvGrpSpPr/>
+        <p:nvPr/>
+      </p:nvGrpSpPr>
+      <p:grpSpPr>
+        <a:xfrm>
+          <a:off x="0" y="0"/>
+          <a:ext cx="0" cy="0"/>
+          <a:chOff x="0" y="0"/>
+          <a:chExt cx="0" cy="0"/>
+        </a:xfrm>
+      </p:grpSpPr>
+      <p:sp>
+        <p:nvSpPr>
+          <p:cNvPr id="3" name="コンテンツ プレースホルダ 2"/>
+          <p:cNvSpPr>
+            <a:spLocks noGrp="1"/>
+          </p:cNvSpPr>
+          <p:nvPr>
+            <p:ph idx="1"/>
+          </p:nvPr>
+        </p:nvSpPr>
+        <p:spPr/>
+        <p:txBody>
+          <a:bodyPr>
+            <a:normAutofit/>
+          </a:bodyPr>
+          <a:lstStyle/>
+          <a:p>
+            <a:pPr lvl="0"/>
+            <a:r>
+              <a:rPr lang="ja-JP" altLang="en-US" sz="2000" dirty="0" smtClean="0"/>
+              <a:t>④　</a:t>
+            </a:r>
+            <a:r>
+              <a:rPr lang="ja-JP" altLang="ja-JP" sz="2000" dirty="0" smtClean="0"/>
+              <a:t>チケットの消化が停滞し急激に消化</a:t>
+            </a:r>
+            <a:r>
+              <a:rPr lang="ja-JP" altLang="ja-JP" sz="2000" dirty="0" smtClean="0"/>
+              <a:t>される</a:t>
+            </a:r>
+            <a:r>
+              <a:rPr lang="en-US" altLang="ja-JP" sz="2000" dirty="0" smtClean="0"/>
+              <a:t>(</a:t>
+            </a:r>
+            <a:r>
+              <a:rPr lang="ja-JP" altLang="ja-JP" sz="2000" dirty="0" smtClean="0"/>
+              <a:t>全体の約</a:t>
+            </a:r>
+            <a:r>
+              <a:rPr lang="en-US" altLang="ja-JP" sz="2000" dirty="0" smtClean="0"/>
+              <a:t>10%)</a:t>
+            </a:r>
+            <a:endParaRPr lang="ja-JP" altLang="ja-JP" sz="2000" dirty="0" smtClean="0"/>
+          </a:p>
+          <a:p>
+            <a:pPr lvl="0"/>
+            <a:endParaRPr lang="ja-JP" altLang="ja-JP" sz="2000" dirty="0" smtClean="0"/>
+          </a:p>
+          <a:p>
+            <a:pPr lvl="0"/>
+            <a:endParaRPr lang="ja-JP" altLang="ja-JP" sz="2000" dirty="0" smtClean="0"/>
+          </a:p>
+          <a:p>
+            <a:endParaRPr kumimoji="1" lang="ja-JP" altLang="en-US" sz="3200" dirty="0"/>
+          </a:p>
+        </p:txBody>
+      </p:sp>
+      <p:sp>
+        <p:nvSpPr>
+          <p:cNvPr id="2" name="タイトル 1"/>
+          <p:cNvSpPr>
+            <a:spLocks noGrp="1"/>
+          </p:cNvSpPr>
+          <p:nvPr>
+            <p:ph type="title"/>
+          </p:nvPr>
+        </p:nvSpPr>
+        <p:spPr/>
+        <p:txBody>
+          <a:bodyPr/>
+          <a:lstStyle/>
+          <a:p>
+            <a:r>
+              <a:rPr kumimoji="1" lang="ja-JP" altLang="en-US" dirty="0" smtClean="0"/>
+              <a:t>調査結果</a:t>
+            </a:r>
+            <a:endParaRPr kumimoji="1" lang="ja-JP" altLang="en-US" dirty="0"/>
+          </a:p>
+        </p:txBody>
+      </p:sp>
+      <p:pic>
+        <p:nvPicPr>
+          <p:cNvPr id="5" name="図 4"/>
+          <p:cNvPicPr/>
+          <p:nvPr/>
+        </p:nvPicPr>
+        <p:blipFill rotWithShape="1">
+          <a:blip r:embed="rId2" cstate="print">
+            <a:extLst>
+              <a:ext uri="{28A0092B-C50C-407E-A947-70E740481C1C}">
+                <a14:useLocalDpi xmlns="" xmlns:wpc="http://schemas.microsoft.com/office/word/2010/wordprocessingCanvas" xmlns:mc="http://schemas.openxmlformats.org/markup-compatibility/2006" xmlns:o="urn:schemas-microsoft-com:office:office" xmlns:m="http://schemas.openxmlformats.org/officeDocument/2006/math" xmlns:v="urn:schemas-microsoft-com:vml" xmlns:wp14="http://schemas.microsoft.com/office/word/2010/wordprocessingDrawing" xmlns:wp="http://schemas.openxmlformats.org/drawingml/2006/wordprocessingDrawing" xmlns:w10="urn:schemas-microsoft-com:office:word" xmlns:w="http://schemas.openxmlformats.org/wordprocessingml/2006/main" xmlns:w14="http://schemas.microsoft.com/office/word/2010/wordml" xmlns:wpg="http://schemas.microsoft.com/office/word/2010/wordprocessingGroup" xmlns:wpi="http://schemas.microsoft.com/office/word/2010/wordprocessingInk" xmlns:wne="http://schemas.microsoft.com/office/word/2006/wordml" xmlns:wps="http://schemas.microsoft.com/office/word/2010/wordprocessingShape" xmlns:a14="http://schemas.microsoft.com/office/drawing/2010/main" xmlns:pic="http://schemas.openxmlformats.org/drawingml/2006/picture" xmlns:lc="http://schemas.openxmlformats.org/drawingml/2006/lockedCanvas" val="0"/>
+              </a:ext>
+            </a:extLst>
+          </a:blip>
+          <a:srcRect t="8619"/>
+          <a:stretch/>
+        </p:blipFill>
+        <p:spPr bwMode="auto">
+          <a:xfrm>
+            <a:off x="1403648" y="1889473"/>
+            <a:ext cx="7241881" cy="4131815"/>
+          </a:xfrm>
+          <a:prstGeom prst="rect">
+            <a:avLst/>
+          </a:prstGeom>
+          <a:ln>
+            <a:noFill/>
+          </a:ln>
+          <a:extLst>
+            <a:ext uri="{53640926-AAD7-44D8-BBD7-CCE9431645EC}">
+              <a14:shadowObscured xmlns="" xmlns:wpc="http://schemas.microsoft.com/office/word/2010/wordprocessingCanvas" xmlns:mc="http://schemas.openxmlformats.org/markup-compatibility/2006" xmlns:o="urn:schemas-microsoft-com:office:office" xmlns:m="http://schemas.openxmlformats.org/officeDocument/2006/math" xmlns:v="urn:schemas-microsoft-com:vml" xmlns:wp14="http://schemas.microsoft.com/office/word/2010/wordprocessingDrawing" xmlns:wp="http://schemas.openxmlformats.org/drawingml/2006/wordprocessingDrawing" xmlns:w10="urn:schemas-microsoft-com:office:word" xmlns:w="http://schemas.openxmlformats.org/wordprocessingml/2006/main" xmlns:w14="http://schemas.microsoft.com/office/word/2010/wordml" xmlns:wpg="http://schemas.microsoft.com/office/word/2010/wordprocessingGroup" xmlns:wpi="http://schemas.microsoft.com/office/word/2010/wordprocessingInk" xmlns:wne="http://schemas.microsoft.com/office/word/2006/wordml" xmlns:wps="http://schemas.microsoft.com/office/word/2010/wordprocessingShape" xmlns:a14="http://schemas.microsoft.com/office/drawing/2010/main" xmlns:pic="http://schemas.openxmlformats.org/drawingml/2006/picture" xmlns:lc="http://schemas.openxmlformats.org/drawingml/2006/lockedCanvas"/>
+            </a:ext>
+          </a:extLst>
+        </p:spPr>
+      </p:pic>
     </p:spTree>
   </p:cSld>
   <p:clrMapOvr>
@@ -13457,6 +14110,287 @@
               <a:t>目次</a:t>
             </a:r>
             <a:endParaRPr kumimoji="1" lang="ja-JP" altLang="en-US" dirty="0"/>
+          </a:p>
+        </p:txBody>
+      </p:sp>
+    </p:spTree>
+  </p:cSld>
+  <p:clrMapOvr>
+    <a:masterClrMapping/>
+  </p:clrMapOvr>
+  <p:timing>
+    <p:tnLst>
+      <p:par>
+        <p:cTn id="1" dur="indefinite" restart="never" nodeType="tmRoot"/>
+      </p:par>
+    </p:tnLst>
+  </p:timing>
+</p:sld>
+</file>
+
+<file path=ppt/slides/slide20.xml><?xml version="1.0" encoding="utf-8"?>
+<p:sld xmlns:a="http://schemas.openxmlformats.org/drawingml/2006/main" xmlns:r="http://schemas.openxmlformats.org/officeDocument/2006/relationships" xmlns:p="http://schemas.openxmlformats.org/presentationml/2006/main">
+  <p:cSld>
+    <p:spTree>
+      <p:nvGrpSpPr>
+        <p:cNvPr id="1" name=""/>
+        <p:cNvGrpSpPr/>
+        <p:nvPr/>
+      </p:nvGrpSpPr>
+      <p:grpSpPr>
+        <a:xfrm>
+          <a:off x="0" y="0"/>
+          <a:ext cx="0" cy="0"/>
+          <a:chOff x="0" y="0"/>
+          <a:chExt cx="0" cy="0"/>
+        </a:xfrm>
+      </p:grpSpPr>
+      <p:sp>
+        <p:nvSpPr>
+          <p:cNvPr id="3" name="コンテンツ プレースホルダ 2"/>
+          <p:cNvSpPr>
+            <a:spLocks noGrp="1"/>
+          </p:cNvSpPr>
+          <p:nvPr>
+            <p:ph idx="1"/>
+          </p:nvPr>
+        </p:nvSpPr>
+        <p:spPr/>
+        <p:txBody>
+          <a:bodyPr/>
+          <a:lstStyle/>
+          <a:p>
+            <a:endParaRPr kumimoji="1" lang="ja-JP" altLang="en-US" dirty="0"/>
+          </a:p>
+        </p:txBody>
+      </p:sp>
+      <p:sp>
+        <p:nvSpPr>
+          <p:cNvPr id="2" name="タイトル 1"/>
+          <p:cNvSpPr>
+            <a:spLocks noGrp="1"/>
+          </p:cNvSpPr>
+          <p:nvPr>
+            <p:ph type="title"/>
+          </p:nvPr>
+        </p:nvSpPr>
+        <p:spPr/>
+        <p:txBody>
+          <a:bodyPr/>
+          <a:lstStyle/>
+          <a:p>
+            <a:r>
+              <a:rPr kumimoji="1" lang="ja-JP" altLang="en-US" dirty="0" smtClean="0"/>
+              <a:t>考察</a:t>
+            </a:r>
+            <a:endParaRPr kumimoji="1" lang="ja-JP" altLang="en-US" dirty="0"/>
+          </a:p>
+        </p:txBody>
+      </p:sp>
+      <p:sp>
+        <p:nvSpPr>
+          <p:cNvPr id="4" name="角丸四角形 3"/>
+          <p:cNvSpPr/>
+          <p:nvPr/>
+        </p:nvSpPr>
+        <p:spPr>
+          <a:xfrm>
+            <a:off x="1187624" y="1628800"/>
+            <a:ext cx="2376264" cy="1152128"/>
+          </a:xfrm>
+          <a:prstGeom prst="roundRect">
+            <a:avLst/>
+          </a:prstGeom>
+        </p:spPr>
+        <p:style>
+          <a:lnRef idx="2">
+            <a:schemeClr val="accent1">
+              <a:shade val="50000"/>
+            </a:schemeClr>
+          </a:lnRef>
+          <a:fillRef idx="1">
+            <a:schemeClr val="accent1"/>
+          </a:fillRef>
+          <a:effectRef idx="0">
+            <a:schemeClr val="accent1"/>
+          </a:effectRef>
+          <a:fontRef idx="minor">
+            <a:schemeClr val="lt1"/>
+          </a:fontRef>
+        </p:style>
+        <p:txBody>
+          <a:bodyPr rtlCol="0" anchor="ctr"/>
+          <a:lstStyle/>
+          <a:p>
+            <a:pPr algn="ctr"/>
+            <a:r>
+              <a:rPr kumimoji="1" lang="ja-JP" altLang="en-US" dirty="0" smtClean="0"/>
+              <a:t>チケットの時間変化</a:t>
+            </a:r>
+            <a:endParaRPr kumimoji="1" lang="ja-JP" altLang="en-US" dirty="0"/>
+          </a:p>
+        </p:txBody>
+      </p:sp>
+      <p:sp>
+        <p:nvSpPr>
+          <p:cNvPr id="5" name="角丸四角形 4"/>
+          <p:cNvSpPr/>
+          <p:nvPr/>
+        </p:nvSpPr>
+        <p:spPr>
+          <a:xfrm>
+            <a:off x="5580112" y="1628800"/>
+            <a:ext cx="2376264" cy="1152128"/>
+          </a:xfrm>
+          <a:prstGeom prst="roundRect">
+            <a:avLst/>
+          </a:prstGeom>
+        </p:spPr>
+        <p:style>
+          <a:lnRef idx="2">
+            <a:schemeClr val="accent1">
+              <a:shade val="50000"/>
+            </a:schemeClr>
+          </a:lnRef>
+          <a:fillRef idx="1">
+            <a:schemeClr val="accent1"/>
+          </a:fillRef>
+          <a:effectRef idx="0">
+            <a:schemeClr val="accent1"/>
+          </a:effectRef>
+          <a:fontRef idx="minor">
+            <a:schemeClr val="lt1"/>
+          </a:fontRef>
+        </p:style>
+        <p:txBody>
+          <a:bodyPr rtlCol="0" anchor="ctr"/>
+          <a:lstStyle/>
+          <a:p>
+            <a:pPr algn="ctr"/>
+            <a:r>
+              <a:rPr kumimoji="1" lang="ja-JP" altLang="en-US" dirty="0" smtClean="0"/>
+              <a:t>プロジェクトの実態</a:t>
+            </a:r>
+            <a:endParaRPr kumimoji="1" lang="ja-JP" altLang="en-US" dirty="0"/>
+          </a:p>
+        </p:txBody>
+      </p:sp>
+      <p:sp>
+        <p:nvSpPr>
+          <p:cNvPr id="6" name="右矢印 5"/>
+          <p:cNvSpPr/>
+          <p:nvPr/>
+        </p:nvSpPr>
+        <p:spPr>
+          <a:xfrm>
+            <a:off x="3923928" y="1844824"/>
+            <a:ext cx="1368152" cy="720080"/>
+          </a:xfrm>
+          <a:prstGeom prst="rightArrow">
+            <a:avLst/>
+          </a:prstGeom>
+        </p:spPr>
+        <p:style>
+          <a:lnRef idx="2">
+            <a:schemeClr val="accent1">
+              <a:shade val="50000"/>
+            </a:schemeClr>
+          </a:lnRef>
+          <a:fillRef idx="1">
+            <a:schemeClr val="accent1"/>
+          </a:fillRef>
+          <a:effectRef idx="0">
+            <a:schemeClr val="accent1"/>
+          </a:effectRef>
+          <a:fontRef idx="minor">
+            <a:schemeClr val="lt1"/>
+          </a:fontRef>
+        </p:style>
+        <p:txBody>
+          <a:bodyPr rtlCol="0" anchor="ctr"/>
+          <a:lstStyle/>
+          <a:p>
+            <a:pPr algn="ctr"/>
+            <a:endParaRPr kumimoji="1" lang="ja-JP" altLang="en-US"/>
+          </a:p>
+        </p:txBody>
+      </p:sp>
+      <p:sp>
+        <p:nvSpPr>
+          <p:cNvPr id="7" name="下矢印 6"/>
+          <p:cNvSpPr/>
+          <p:nvPr/>
+        </p:nvSpPr>
+        <p:spPr>
+          <a:xfrm>
+            <a:off x="3491880" y="3068960"/>
+            <a:ext cx="2088232" cy="792088"/>
+          </a:xfrm>
+          <a:prstGeom prst="downArrow">
+            <a:avLst/>
+          </a:prstGeom>
+        </p:spPr>
+        <p:style>
+          <a:lnRef idx="2">
+            <a:schemeClr val="accent1">
+              <a:shade val="50000"/>
+            </a:schemeClr>
+          </a:lnRef>
+          <a:fillRef idx="1">
+            <a:schemeClr val="accent1"/>
+          </a:fillRef>
+          <a:effectRef idx="0">
+            <a:schemeClr val="accent1"/>
+          </a:effectRef>
+          <a:fontRef idx="minor">
+            <a:schemeClr val="lt1"/>
+          </a:fontRef>
+        </p:style>
+        <p:txBody>
+          <a:bodyPr rtlCol="0" anchor="ctr"/>
+          <a:lstStyle/>
+          <a:p>
+            <a:pPr algn="ctr"/>
+            <a:endParaRPr kumimoji="1" lang="ja-JP" altLang="en-US"/>
+          </a:p>
+        </p:txBody>
+      </p:sp>
+      <p:sp>
+        <p:nvSpPr>
+          <p:cNvPr id="8" name="テキスト ボックス 7"/>
+          <p:cNvSpPr txBox="1"/>
+          <p:nvPr/>
+        </p:nvSpPr>
+        <p:spPr>
+          <a:xfrm>
+            <a:off x="611560" y="4149080"/>
+            <a:ext cx="7920880" cy="1077218"/>
+          </a:xfrm>
+          <a:prstGeom prst="rect">
+            <a:avLst/>
+          </a:prstGeom>
+          <a:noFill/>
+        </p:spPr>
+        <p:txBody>
+          <a:bodyPr wrap="square" rtlCol="0">
+            <a:spAutoFit/>
+          </a:bodyPr>
+          <a:lstStyle/>
+          <a:p>
+            <a:pPr algn="ctr"/>
+            <a:r>
+              <a:rPr kumimoji="1" lang="ja-JP" altLang="en-US" sz="3200" dirty="0" smtClean="0"/>
+              <a:t>プロジェクトの進捗やタスク管理を</a:t>
+            </a:r>
+            <a:endParaRPr kumimoji="1" lang="en-US" altLang="ja-JP" sz="3200" dirty="0" smtClean="0"/>
+          </a:p>
+          <a:p>
+            <a:pPr algn="ctr"/>
+            <a:r>
+              <a:rPr kumimoji="1" lang="ja-JP" altLang="en-US" sz="3200" dirty="0" smtClean="0"/>
+              <a:t>上手く行えるようになる．</a:t>
+            </a:r>
+            <a:endParaRPr kumimoji="1" lang="ja-JP" altLang="en-US" sz="3200" dirty="0"/>
           </a:p>
         </p:txBody>
       </p:sp>
@@ -13523,11 +14457,7 @@
           <a:p>
             <a:r>
               <a:rPr kumimoji="1" lang="ja-JP" altLang="en-US" dirty="0" smtClean="0"/>
-              <a:t>タスク</a:t>
-            </a:r>
-            <a:r>
-              <a:rPr kumimoji="1" lang="ja-JP" altLang="en-US" dirty="0" smtClean="0"/>
-              <a:t>の管理</a:t>
+              <a:t>タスクの管理</a:t>
             </a:r>
             <a:endParaRPr kumimoji="1" lang="en-US" altLang="ja-JP" dirty="0" smtClean="0"/>
           </a:p>
@@ -13619,11 +14549,7 @@
           <a:p>
             <a:r>
               <a:rPr lang="ja-JP" altLang="en-US" dirty="0" smtClean="0"/>
-              <a:t>どれくらい</a:t>
-            </a:r>
-            <a:r>
-              <a:rPr lang="ja-JP" altLang="en-US" dirty="0" smtClean="0"/>
-              <a:t>活用されているのか．</a:t>
+              <a:t>どれくらい活用されているのか．</a:t>
             </a:r>
             <a:endParaRPr lang="en-US" altLang="ja-JP" dirty="0" smtClean="0"/>
           </a:p>
@@ -13759,11 +14685,7 @@
             </a:r>
             <a:r>
               <a:rPr lang="ja-JP" altLang="en-US" dirty="0" smtClean="0"/>
-              <a:t>数</a:t>
-            </a:r>
-            <a:r>
-              <a:rPr lang="ja-JP" altLang="en-US" dirty="0" smtClean="0"/>
-              <a:t>の時間変化のグラフを書く</a:t>
+              <a:t>数の時間変化のグラフを書く</a:t>
             </a:r>
             <a:endParaRPr lang="en-US" altLang="ja-JP" dirty="0" smtClean="0"/>
           </a:p>
@@ -13890,7 +14812,7 @@
           <a:blip r:embed="rId2" cstate="print">
             <a:extLst>
               <a:ext uri="{28A0092B-C50C-407E-A947-70E740481C1C}">
-                <a14:useLocalDpi xmlns="" xmlns:wpc="http://schemas.microsoft.com/office/word/2010/wordprocessingCanvas" xmlns:mc="http://schemas.openxmlformats.org/markup-compatibility/2006" xmlns:o="urn:schemas-microsoft-com:office:office" xmlns:m="http://schemas.openxmlformats.org/officeDocument/2006/math" xmlns:v="urn:schemas-microsoft-com:vml" xmlns:wp14="http://schemas.microsoft.com/office/word/2010/wordprocessingDrawing" xmlns:wp="http://schemas.openxmlformats.org/drawingml/2006/wordprocessingDrawing" xmlns:w10="urn:schemas-microsoft-com:office:word" xmlns:w="http://schemas.openxmlformats.org/wordprocessingml/2006/main" xmlns:w14="http://schemas.microsoft.com/office/word/2010/wordml" xmlns:wpg="http://schemas.microsoft.com/office/word/2010/wordprocessingGroup" xmlns:wpi="http://schemas.microsoft.com/office/word/2010/wordprocessingInk" xmlns:wne="http://schemas.microsoft.com/office/word/2006/wordml" xmlns:wps="http://schemas.microsoft.com/office/word/2010/wordprocessingShape" xmlns:a14="http://schemas.microsoft.com/office/drawing/2010/main" xmlns:pic="http://schemas.openxmlformats.org/drawingml/2006/picture" xmlns:lc="http://schemas.openxmlformats.org/drawingml/2006/lockedCanvas" val="0"/>
+                <a14:useLocalDpi xmlns:lc="http://schemas.openxmlformats.org/drawingml/2006/lockedCanvas" xmlns:pic="http://schemas.openxmlformats.org/drawingml/2006/picture" xmlns:a14="http://schemas.microsoft.com/office/drawing/2010/main" xmlns:wps="http://schemas.microsoft.com/office/word/2010/wordprocessingShape" xmlns:wne="http://schemas.microsoft.com/office/word/2006/wordml" xmlns:wpi="http://schemas.microsoft.com/office/word/2010/wordprocessingInk" xmlns:wpg="http://schemas.microsoft.com/office/word/2010/wordprocessingGroup" xmlns:w14="http://schemas.microsoft.com/office/word/2010/wordml" xmlns:w="http://schemas.openxmlformats.org/wordprocessingml/2006/main" xmlns:w10="urn:schemas-microsoft-com:office:word" xmlns:wp="http://schemas.openxmlformats.org/drawingml/2006/wordprocessingDrawing" xmlns:wp14="http://schemas.microsoft.com/office/word/2010/wordprocessingDrawing" xmlns:v="urn:schemas-microsoft-com:vml" xmlns:m="http://schemas.openxmlformats.org/officeDocument/2006/math" xmlns:o="urn:schemas-microsoft-com:office:office" xmlns:mc="http://schemas.openxmlformats.org/markup-compatibility/2006" xmlns:wpc="http://schemas.microsoft.com/office/word/2010/wordprocessingCanvas" xmlns="" val="0"/>
               </a:ext>
             </a:extLst>
           </a:blip>
@@ -14099,7 +15021,7 @@
           <a:blip r:embed="rId2" cstate="print">
             <a:extLst>
               <a:ext uri="{28A0092B-C50C-407E-A947-70E740481C1C}">
-                <a14:useLocalDpi xmlns="" xmlns:wpc="http://schemas.microsoft.com/office/word/2010/wordprocessingCanvas" xmlns:mc="http://schemas.openxmlformats.org/markup-compatibility/2006" xmlns:o="urn:schemas-microsoft-com:office:office" xmlns:m="http://schemas.openxmlformats.org/officeDocument/2006/math" xmlns:v="urn:schemas-microsoft-com:vml" xmlns:wp14="http://schemas.microsoft.com/office/word/2010/wordprocessingDrawing" xmlns:wp="http://schemas.openxmlformats.org/drawingml/2006/wordprocessingDrawing" xmlns:w10="urn:schemas-microsoft-com:office:word" xmlns:w="http://schemas.openxmlformats.org/wordprocessingml/2006/main" xmlns:w14="http://schemas.microsoft.com/office/word/2010/wordml" xmlns:wpg="http://schemas.microsoft.com/office/word/2010/wordprocessingGroup" xmlns:wpi="http://schemas.microsoft.com/office/word/2010/wordprocessingInk" xmlns:wne="http://schemas.microsoft.com/office/word/2006/wordml" xmlns:wps="http://schemas.microsoft.com/office/word/2010/wordprocessingShape" xmlns:a14="http://schemas.microsoft.com/office/drawing/2010/main" xmlns:pic="http://schemas.openxmlformats.org/drawingml/2006/picture" xmlns:lc="http://schemas.openxmlformats.org/drawingml/2006/lockedCanvas" val="0"/>
+                <a14:useLocalDpi xmlns:lc="http://schemas.openxmlformats.org/drawingml/2006/lockedCanvas" xmlns:pic="http://schemas.openxmlformats.org/drawingml/2006/picture" xmlns:a14="http://schemas.microsoft.com/office/drawing/2010/main" xmlns:wps="http://schemas.microsoft.com/office/word/2010/wordprocessingShape" xmlns:wne="http://schemas.microsoft.com/office/word/2006/wordml" xmlns:wpi="http://schemas.microsoft.com/office/word/2010/wordprocessingInk" xmlns:wpg="http://schemas.microsoft.com/office/word/2010/wordprocessingGroup" xmlns:w14="http://schemas.microsoft.com/office/word/2010/wordml" xmlns:w="http://schemas.openxmlformats.org/wordprocessingml/2006/main" xmlns:w10="urn:schemas-microsoft-com:office:word" xmlns:wp="http://schemas.openxmlformats.org/drawingml/2006/wordprocessingDrawing" xmlns:wp14="http://schemas.microsoft.com/office/word/2010/wordprocessingDrawing" xmlns:v="urn:schemas-microsoft-com:vml" xmlns:m="http://schemas.openxmlformats.org/officeDocument/2006/math" xmlns:o="urn:schemas-microsoft-com:office:office" xmlns:mc="http://schemas.openxmlformats.org/markup-compatibility/2006" xmlns:wpc="http://schemas.microsoft.com/office/word/2010/wordprocessingCanvas" xmlns="" val="0"/>
               </a:ext>
             </a:extLst>
           </a:blip>
@@ -14191,7 +15113,7 @@
           <a:blip r:embed="rId2" cstate="print">
             <a:extLst>
               <a:ext uri="{28A0092B-C50C-407E-A947-70E740481C1C}">
-                <a14:useLocalDpi xmlns="" xmlns:wpc="http://schemas.microsoft.com/office/word/2010/wordprocessingCanvas" xmlns:mc="http://schemas.openxmlformats.org/markup-compatibility/2006" xmlns:o="urn:schemas-microsoft-com:office:office" xmlns:m="http://schemas.openxmlformats.org/officeDocument/2006/math" xmlns:v="urn:schemas-microsoft-com:vml" xmlns:wp14="http://schemas.microsoft.com/office/word/2010/wordprocessingDrawing" xmlns:wp="http://schemas.openxmlformats.org/drawingml/2006/wordprocessingDrawing" xmlns:w10="urn:schemas-microsoft-com:office:word" xmlns:w="http://schemas.openxmlformats.org/wordprocessingml/2006/main" xmlns:w14="http://schemas.microsoft.com/office/word/2010/wordml" xmlns:wpg="http://schemas.microsoft.com/office/word/2010/wordprocessingGroup" xmlns:wpi="http://schemas.microsoft.com/office/word/2010/wordprocessingInk" xmlns:wne="http://schemas.microsoft.com/office/word/2006/wordml" xmlns:wps="http://schemas.microsoft.com/office/word/2010/wordprocessingShape" xmlns:a14="http://schemas.microsoft.com/office/drawing/2010/main" xmlns:pic="http://schemas.openxmlformats.org/drawingml/2006/picture" xmlns:lc="http://schemas.openxmlformats.org/drawingml/2006/lockedCanvas" val="0"/>
+                <a14:useLocalDpi xmlns:lc="http://schemas.openxmlformats.org/drawingml/2006/lockedCanvas" xmlns:pic="http://schemas.openxmlformats.org/drawingml/2006/picture" xmlns:a14="http://schemas.microsoft.com/office/drawing/2010/main" xmlns:wps="http://schemas.microsoft.com/office/word/2010/wordprocessingShape" xmlns:wne="http://schemas.microsoft.com/office/word/2006/wordml" xmlns:wpi="http://schemas.microsoft.com/office/word/2010/wordprocessingInk" xmlns:wpg="http://schemas.microsoft.com/office/word/2010/wordprocessingGroup" xmlns:w14="http://schemas.microsoft.com/office/word/2010/wordml" xmlns:w="http://schemas.openxmlformats.org/wordprocessingml/2006/main" xmlns:w10="urn:schemas-microsoft-com:office:word" xmlns:wp="http://schemas.openxmlformats.org/drawingml/2006/wordprocessingDrawing" xmlns:wp14="http://schemas.microsoft.com/office/word/2010/wordprocessingDrawing" xmlns:v="urn:schemas-microsoft-com:vml" xmlns:m="http://schemas.openxmlformats.org/officeDocument/2006/math" xmlns:o="urn:schemas-microsoft-com:office:office" xmlns:mc="http://schemas.openxmlformats.org/markup-compatibility/2006" xmlns:wpc="http://schemas.microsoft.com/office/word/2010/wordprocessingCanvas" xmlns="" val="0"/>
               </a:ext>
             </a:extLst>
           </a:blip>
@@ -14264,7 +15186,246 @@
                 <a:latin typeface="+mn-ea"/>
                 <a:cs typeface="Times New Roman"/>
               </a:rPr>
-              <a:t>新規</a:t>
+              <a:t>新規］</a:t>
+            </a:r>
+          </a:p>
+          <a:p>
+            <a:pPr marL="342900" lvl="0" indent="-342900">
+              <a:buFont typeface="+mj-ea"/>
+              <a:buAutoNum type="circleNumDbPlain"/>
+            </a:pPr>
+            <a:r>
+              <a:rPr lang="ja-JP" altLang="ja-JP" kern="100" dirty="0" smtClean="0">
+                <a:latin typeface="+mn-ea"/>
+                <a:cs typeface="Times New Roman"/>
+              </a:rPr>
+              <a:t>担当アサイン［新規</a:t>
+            </a:r>
+            <a:r>
+              <a:rPr lang="en-US" altLang="ja-JP" kern="100" dirty="0" smtClean="0">
+                <a:latin typeface="+mn-ea"/>
+                <a:cs typeface="Times New Roman"/>
+              </a:rPr>
+              <a:t> → </a:t>
+            </a:r>
+            <a:r>
+              <a:rPr lang="ja-JP" altLang="ja-JP" kern="100" dirty="0" smtClean="0">
+                <a:latin typeface="+mn-ea"/>
+                <a:cs typeface="Times New Roman"/>
+              </a:rPr>
+              <a:t>進行中］</a:t>
+            </a:r>
+            <a:r>
+              <a:rPr lang="en-US" altLang="ja-JP" kern="100" dirty="0" smtClean="0">
+                <a:latin typeface="+mn-ea"/>
+                <a:cs typeface="Times New Roman"/>
+              </a:rPr>
+              <a:t> </a:t>
+            </a:r>
+            <a:endParaRPr lang="ja-JP" altLang="ja-JP" kern="100" dirty="0" smtClean="0">
+              <a:latin typeface="+mn-ea"/>
+              <a:cs typeface="Times New Roman"/>
+            </a:endParaRPr>
+          </a:p>
+          <a:p>
+            <a:pPr marL="342900" lvl="0" indent="-342900">
+              <a:buFont typeface="+mj-ea"/>
+              <a:buAutoNum type="circleNumDbPlain"/>
+            </a:pPr>
+            <a:r>
+              <a:rPr lang="ja-JP" altLang="ja-JP" kern="100" dirty="0" smtClean="0">
+                <a:latin typeface="+mn-ea"/>
+                <a:cs typeface="Times New Roman"/>
+              </a:rPr>
+              <a:t>仕様通り／誤認［新規</a:t>
+            </a:r>
+            <a:r>
+              <a:rPr lang="en-US" altLang="ja-JP" kern="100" dirty="0" smtClean="0">
+                <a:latin typeface="+mn-ea"/>
+                <a:cs typeface="Times New Roman"/>
+              </a:rPr>
+              <a:t> → </a:t>
+            </a:r>
+            <a:r>
+              <a:rPr lang="ja-JP" altLang="ja-JP" kern="100" dirty="0" smtClean="0">
+                <a:latin typeface="+mn-ea"/>
+                <a:cs typeface="Times New Roman"/>
+              </a:rPr>
+              <a:t>却下］</a:t>
+            </a:r>
+            <a:r>
+              <a:rPr lang="en-US" altLang="ja-JP" kern="100" dirty="0" smtClean="0">
+                <a:latin typeface="+mn-ea"/>
+                <a:cs typeface="Times New Roman"/>
+              </a:rPr>
+              <a:t> </a:t>
+            </a:r>
+            <a:endParaRPr lang="ja-JP" altLang="ja-JP" kern="100" dirty="0" smtClean="0">
+              <a:latin typeface="+mn-ea"/>
+              <a:cs typeface="Times New Roman"/>
+            </a:endParaRPr>
+          </a:p>
+          <a:p>
+            <a:pPr marL="342900" lvl="0" indent="-342900">
+              <a:buFont typeface="+mj-ea"/>
+              <a:buAutoNum type="circleNumDbPlain"/>
+            </a:pPr>
+            <a:r>
+              <a:rPr lang="ja-JP" altLang="ja-JP" kern="100" dirty="0" smtClean="0">
+                <a:latin typeface="+mn-ea"/>
+                <a:cs typeface="Times New Roman"/>
+              </a:rPr>
+              <a:t>修正完了［進行中</a:t>
+            </a:r>
+            <a:r>
+              <a:rPr lang="en-US" altLang="ja-JP" kern="100" dirty="0" smtClean="0">
+                <a:latin typeface="+mn-ea"/>
+                <a:cs typeface="Times New Roman"/>
+              </a:rPr>
+              <a:t> → </a:t>
+            </a:r>
+            <a:r>
+              <a:rPr lang="ja-JP" altLang="ja-JP" kern="100" dirty="0" smtClean="0">
+                <a:latin typeface="+mn-ea"/>
+                <a:cs typeface="Times New Roman"/>
+              </a:rPr>
+              <a:t>対応完了］</a:t>
+            </a:r>
+            <a:endParaRPr lang="en-US" altLang="ja-JP" kern="100" dirty="0" smtClean="0">
+              <a:latin typeface="+mn-ea"/>
+              <a:cs typeface="Times New Roman"/>
+            </a:endParaRPr>
+          </a:p>
+          <a:p>
+            <a:pPr marL="342900" lvl="0" indent="-342900"/>
+            <a:r>
+              <a:rPr lang="ja-JP" altLang="en-US" kern="100" dirty="0" smtClean="0">
+                <a:latin typeface="+mn-ea"/>
+                <a:cs typeface="Times New Roman"/>
+              </a:rPr>
+              <a:t>　　　</a:t>
+            </a:r>
+            <a:r>
+              <a:rPr lang="en-US" altLang="ja-JP" kern="100" dirty="0" smtClean="0">
+                <a:latin typeface="+mn-ea"/>
+                <a:cs typeface="Times New Roman"/>
+              </a:rPr>
+              <a:t>  </a:t>
+            </a:r>
+            <a:r>
+              <a:rPr lang="ja-JP" altLang="en-US" kern="100" dirty="0" smtClean="0">
+                <a:latin typeface="+mn-ea"/>
+                <a:cs typeface="Times New Roman"/>
+              </a:rPr>
+              <a:t>　　    </a:t>
+            </a:r>
+            <a:r>
+              <a:rPr lang="en-US" altLang="ja-JP" kern="100" dirty="0" smtClean="0">
+                <a:latin typeface="+mn-ea"/>
+                <a:cs typeface="Times New Roman"/>
+              </a:rPr>
+              <a:t>[</a:t>
+            </a:r>
+            <a:r>
+              <a:rPr lang="ja-JP" altLang="ja-JP" kern="100" dirty="0" smtClean="0">
+                <a:latin typeface="+mn-ea"/>
+                <a:cs typeface="Times New Roman"/>
+              </a:rPr>
+              <a:t>検証</a:t>
+            </a:r>
+            <a:r>
+              <a:rPr lang="en-US" altLang="ja-JP" kern="100" dirty="0" smtClean="0">
+                <a:latin typeface="+mn-ea"/>
+                <a:cs typeface="Times New Roman"/>
+              </a:rPr>
+              <a:t>NG → </a:t>
+            </a:r>
+            <a:r>
+              <a:rPr lang="ja-JP" altLang="ja-JP" kern="100" dirty="0" smtClean="0">
+                <a:latin typeface="+mn-ea"/>
+                <a:cs typeface="Times New Roman"/>
+              </a:rPr>
+              <a:t>対応完了］</a:t>
+            </a:r>
+          </a:p>
+          <a:p>
+            <a:pPr marL="342900" lvl="0" indent="-342900"/>
+            <a:r>
+              <a:rPr lang="ja-JP" altLang="en-US" kern="100" dirty="0" smtClean="0">
+                <a:latin typeface="+mn-ea"/>
+                <a:cs typeface="Times New Roman"/>
+              </a:rPr>
+              <a:t>⑤  </a:t>
+            </a:r>
+            <a:r>
+              <a:rPr lang="ja-JP" altLang="ja-JP" kern="100" dirty="0" smtClean="0">
+                <a:latin typeface="+mn-ea"/>
+                <a:cs typeface="Times New Roman"/>
+              </a:rPr>
+              <a:t>検証開始［対応完了</a:t>
+            </a:r>
+            <a:r>
+              <a:rPr lang="en-US" altLang="ja-JP" kern="100" dirty="0" smtClean="0">
+                <a:latin typeface="+mn-ea"/>
+                <a:cs typeface="Times New Roman"/>
+              </a:rPr>
+              <a:t> → </a:t>
+            </a:r>
+            <a:r>
+              <a:rPr lang="ja-JP" altLang="ja-JP" kern="100" dirty="0" smtClean="0">
+                <a:latin typeface="+mn-ea"/>
+                <a:cs typeface="Times New Roman"/>
+              </a:rPr>
+              <a:t>検証中］</a:t>
+            </a:r>
+            <a:r>
+              <a:rPr lang="en-US" altLang="ja-JP" kern="100" dirty="0" smtClean="0">
+                <a:latin typeface="+mn-ea"/>
+                <a:cs typeface="Times New Roman"/>
+              </a:rPr>
+              <a:t> </a:t>
+            </a:r>
+            <a:endParaRPr lang="ja-JP" altLang="ja-JP" kern="100" dirty="0" smtClean="0">
+              <a:latin typeface="+mn-ea"/>
+              <a:cs typeface="Times New Roman"/>
+            </a:endParaRPr>
+          </a:p>
+          <a:p>
+            <a:pPr marL="342900" lvl="0" indent="-342900"/>
+            <a:r>
+              <a:rPr lang="ja-JP" altLang="en-US" kern="100" dirty="0" smtClean="0">
+                <a:latin typeface="+mn-ea"/>
+                <a:cs typeface="Times New Roman"/>
+              </a:rPr>
+              <a:t>⑥  </a:t>
+            </a:r>
+            <a:r>
+              <a:rPr lang="ja-JP" altLang="ja-JP" kern="100" dirty="0" smtClean="0">
+                <a:latin typeface="+mn-ea"/>
+                <a:cs typeface="Times New Roman"/>
+              </a:rPr>
+              <a:t>差し戻し［検証中</a:t>
+            </a:r>
+            <a:r>
+              <a:rPr lang="en-US" altLang="ja-JP" kern="100" dirty="0" smtClean="0">
+                <a:latin typeface="+mn-ea"/>
+                <a:cs typeface="Times New Roman"/>
+              </a:rPr>
+              <a:t> → </a:t>
+            </a:r>
+            <a:r>
+              <a:rPr lang="ja-JP" altLang="ja-JP" kern="100" dirty="0" smtClean="0">
+                <a:latin typeface="+mn-ea"/>
+                <a:cs typeface="Times New Roman"/>
+              </a:rPr>
+              <a:t>検証</a:t>
+            </a:r>
+            <a:r>
+              <a:rPr lang="en-US" altLang="ja-JP" kern="100" dirty="0" smtClean="0">
+                <a:latin typeface="+mn-ea"/>
+                <a:cs typeface="Times New Roman"/>
+              </a:rPr>
+              <a:t>NG</a:t>
             </a:r>
             <a:r>
               <a:rPr lang="ja-JP" altLang="ja-JP" kern="100" dirty="0" smtClean="0">
@@ -14273,22 +15434,33 @@
               </a:rPr>
               <a:t>］</a:t>
             </a:r>
+            <a:r>
+              <a:rPr lang="en-US" altLang="ja-JP" kern="100" dirty="0" smtClean="0">
+                <a:latin typeface="+mn-ea"/>
+                <a:cs typeface="Times New Roman"/>
+              </a:rPr>
+              <a:t> </a:t>
+            </a:r>
             <a:endParaRPr lang="ja-JP" altLang="ja-JP" kern="100" dirty="0" smtClean="0">
               <a:latin typeface="+mn-ea"/>
               <a:cs typeface="Times New Roman"/>
             </a:endParaRPr>
           </a:p>
           <a:p>
-            <a:pPr marL="342900" lvl="0" indent="-342900">
-              <a:buFont typeface="+mj-ea"/>
-              <a:buAutoNum type="circleNumDbPlain"/>
-            </a:pPr>
+            <a:pPr marL="342900" lvl="0" indent="-342900"/>
+            <a:r>
+              <a:rPr lang="ja-JP" altLang="en-US" kern="100" dirty="0" smtClean="0">
+                <a:latin typeface="+mn-ea"/>
+                <a:cs typeface="Times New Roman"/>
+              </a:rPr>
+              <a:t>⑦  </a:t>
+            </a:r>
             <a:r>
               <a:rPr lang="ja-JP" altLang="ja-JP" kern="100" dirty="0" smtClean="0">
                 <a:latin typeface="+mn-ea"/>
                 <a:cs typeface="Times New Roman"/>
               </a:rPr>
-              <a:t>担当アサイン［新規</a:t>
+              <a:t>検証完了［検証中</a:t>
             </a:r>
             <a:r>
               <a:rPr lang="en-US" altLang="ja-JP" kern="100" dirty="0" smtClean="0">
@@ -14302,7 +15474,14 @@
                 <a:latin typeface="+mn-ea"/>
                 <a:cs typeface="Times New Roman"/>
               </a:rPr>
-              <a:t>進行中</a:t>
+              <a:t>検証</a:t>
+            </a:r>
+            <a:r>
+              <a:rPr lang="en-US" altLang="ja-JP" kern="100" dirty="0" smtClean="0">
+                <a:latin typeface="+mn-ea"/>
+                <a:cs typeface="Times New Roman"/>
+              </a:rPr>
+              <a:t>OK</a:t>
             </a:r>
             <a:r>
               <a:rPr lang="ja-JP" altLang="ja-JP" kern="100" dirty="0" smtClean="0">
@@ -14324,341 +15503,6 @@
             </a:endParaRPr>
           </a:p>
           <a:p>
-            <a:pPr marL="342900" lvl="0" indent="-342900">
-              <a:buFont typeface="+mj-ea"/>
-              <a:buAutoNum type="circleNumDbPlain"/>
-            </a:pPr>
-            <a:r>
-              <a:rPr lang="ja-JP" altLang="ja-JP" kern="100" dirty="0" smtClean="0">
-                <a:latin typeface="+mn-ea"/>
-                <a:cs typeface="Times New Roman"/>
-              </a:rPr>
-              <a:t>仕様通り／誤認［新規</a:t>
-            </a:r>
-            <a:r>
-              <a:rPr lang="en-US" altLang="ja-JP" kern="100" dirty="0" smtClean="0">
-                <a:latin typeface="+mn-ea"/>
-                <a:cs typeface="Times New Roman"/>
-              </a:rPr>
-              <a:t> → </a:t>
-            </a:r>
-            <a:r>
-              <a:rPr lang="ja-JP" altLang="ja-JP" kern="100" dirty="0" smtClean="0">
-                <a:latin typeface="+mn-ea"/>
-                <a:cs typeface="Times New Roman"/>
-              </a:rPr>
-              <a:t>却下</a:t>
-            </a:r>
-            <a:r>
-              <a:rPr lang="ja-JP" altLang="ja-JP" kern="100" dirty="0" smtClean="0">
-                <a:latin typeface="+mn-ea"/>
-                <a:cs typeface="Times New Roman"/>
-              </a:rPr>
-              <a:t>］</a:t>
-            </a:r>
-            <a:r>
-              <a:rPr lang="en-US" altLang="ja-JP" kern="100" dirty="0" smtClean="0">
-                <a:latin typeface="+mn-ea"/>
-                <a:cs typeface="Times New Roman"/>
-              </a:rPr>
-              <a:t> </a:t>
-            </a:r>
-            <a:endParaRPr lang="ja-JP" altLang="ja-JP" kern="100" dirty="0" smtClean="0">
-              <a:latin typeface="+mn-ea"/>
-              <a:cs typeface="Times New Roman"/>
-            </a:endParaRPr>
-          </a:p>
-          <a:p>
-            <a:pPr marL="342900" lvl="0" indent="-342900">
-              <a:buFont typeface="+mj-ea"/>
-              <a:buAutoNum type="circleNumDbPlain"/>
-            </a:pPr>
-            <a:r>
-              <a:rPr lang="ja-JP" altLang="ja-JP" kern="100" dirty="0" smtClean="0">
-                <a:latin typeface="+mn-ea"/>
-                <a:cs typeface="Times New Roman"/>
-              </a:rPr>
-              <a:t>修正完了［進行中</a:t>
-            </a:r>
-            <a:r>
-              <a:rPr lang="en-US" altLang="ja-JP" kern="100" dirty="0" smtClean="0">
-                <a:latin typeface="+mn-ea"/>
-                <a:cs typeface="Times New Roman"/>
-              </a:rPr>
-              <a:t> → </a:t>
-            </a:r>
-            <a:r>
-              <a:rPr lang="ja-JP" altLang="ja-JP" kern="100" dirty="0" smtClean="0">
-                <a:latin typeface="+mn-ea"/>
-                <a:cs typeface="Times New Roman"/>
-              </a:rPr>
-              <a:t>対応完了</a:t>
-            </a:r>
-            <a:r>
-              <a:rPr lang="ja-JP" altLang="ja-JP" kern="100" dirty="0" smtClean="0">
-                <a:latin typeface="+mn-ea"/>
-                <a:cs typeface="Times New Roman"/>
-              </a:rPr>
-              <a:t>］</a:t>
-            </a:r>
-            <a:endParaRPr lang="en-US" altLang="ja-JP" kern="100" dirty="0" smtClean="0">
-              <a:latin typeface="+mn-ea"/>
-              <a:cs typeface="Times New Roman"/>
-            </a:endParaRPr>
-          </a:p>
-          <a:p>
-            <a:pPr marL="342900" lvl="0" indent="-342900"/>
-            <a:r>
-              <a:rPr lang="ja-JP" altLang="en-US" kern="100" dirty="0" smtClean="0">
-                <a:latin typeface="+mn-ea"/>
-                <a:cs typeface="Times New Roman"/>
-              </a:rPr>
-              <a:t>　　　</a:t>
-            </a:r>
-            <a:r>
-              <a:rPr lang="en-US" altLang="ja-JP" kern="100" dirty="0" smtClean="0">
-                <a:latin typeface="+mn-ea"/>
-                <a:cs typeface="Times New Roman"/>
-              </a:rPr>
-              <a:t> </a:t>
-            </a:r>
-            <a:r>
-              <a:rPr lang="en-US" altLang="ja-JP" kern="100" dirty="0" smtClean="0">
-                <a:latin typeface="+mn-ea"/>
-                <a:cs typeface="Times New Roman"/>
-              </a:rPr>
-              <a:t> </a:t>
-            </a:r>
-            <a:r>
-              <a:rPr lang="ja-JP" altLang="en-US" kern="100" dirty="0" smtClean="0">
-                <a:latin typeface="+mn-ea"/>
-                <a:cs typeface="Times New Roman"/>
-              </a:rPr>
-              <a:t>　　    </a:t>
-            </a:r>
-            <a:r>
-              <a:rPr lang="en-US" altLang="ja-JP" kern="100" dirty="0" smtClean="0">
-                <a:latin typeface="+mn-ea"/>
-                <a:cs typeface="Times New Roman"/>
-              </a:rPr>
-              <a:t>[</a:t>
-            </a:r>
-            <a:r>
-              <a:rPr lang="ja-JP" altLang="ja-JP" kern="100" dirty="0" smtClean="0">
-                <a:latin typeface="+mn-ea"/>
-                <a:cs typeface="Times New Roman"/>
-              </a:rPr>
-              <a:t>検証</a:t>
-            </a:r>
-            <a:r>
-              <a:rPr lang="en-US" altLang="ja-JP" kern="100" dirty="0" smtClean="0">
-                <a:latin typeface="+mn-ea"/>
-                <a:cs typeface="Times New Roman"/>
-              </a:rPr>
-              <a:t>NG → </a:t>
-            </a:r>
-            <a:r>
-              <a:rPr lang="ja-JP" altLang="ja-JP" kern="100" dirty="0" smtClean="0">
-                <a:latin typeface="+mn-ea"/>
-                <a:cs typeface="Times New Roman"/>
-              </a:rPr>
-              <a:t>対応完了</a:t>
-            </a:r>
-            <a:r>
-              <a:rPr lang="ja-JP" altLang="ja-JP" kern="100" dirty="0" smtClean="0">
-                <a:latin typeface="+mn-ea"/>
-                <a:cs typeface="Times New Roman"/>
-              </a:rPr>
-              <a:t>］</a:t>
-            </a:r>
-            <a:endParaRPr lang="ja-JP" altLang="ja-JP" kern="100" dirty="0" smtClean="0">
-              <a:latin typeface="+mn-ea"/>
-              <a:cs typeface="Times New Roman"/>
-            </a:endParaRPr>
-          </a:p>
-          <a:p>
-            <a:pPr marL="342900" lvl="0" indent="-342900"/>
-            <a:r>
-              <a:rPr lang="ja-JP" altLang="en-US" kern="100" dirty="0" smtClean="0">
-                <a:latin typeface="+mn-ea"/>
-                <a:cs typeface="Times New Roman"/>
-              </a:rPr>
-              <a:t>⑤  </a:t>
-            </a:r>
-            <a:r>
-              <a:rPr lang="ja-JP" altLang="ja-JP" kern="100" dirty="0" smtClean="0">
-                <a:latin typeface="+mn-ea"/>
-                <a:cs typeface="Times New Roman"/>
-              </a:rPr>
-              <a:t>検証</a:t>
-            </a:r>
-            <a:r>
-              <a:rPr lang="ja-JP" altLang="ja-JP" kern="100" dirty="0" smtClean="0">
-                <a:latin typeface="+mn-ea"/>
-                <a:cs typeface="Times New Roman"/>
-              </a:rPr>
-              <a:t>開始［対応完了</a:t>
-            </a:r>
-            <a:r>
-              <a:rPr lang="en-US" altLang="ja-JP" kern="100" dirty="0" smtClean="0">
-                <a:latin typeface="+mn-ea"/>
-                <a:cs typeface="Times New Roman"/>
-              </a:rPr>
-              <a:t> → </a:t>
-            </a:r>
-            <a:r>
-              <a:rPr lang="ja-JP" altLang="ja-JP" kern="100" dirty="0" smtClean="0">
-                <a:latin typeface="+mn-ea"/>
-                <a:cs typeface="Times New Roman"/>
-              </a:rPr>
-              <a:t>検証中</a:t>
-            </a:r>
-            <a:r>
-              <a:rPr lang="ja-JP" altLang="ja-JP" kern="100" dirty="0" smtClean="0">
-                <a:latin typeface="+mn-ea"/>
-                <a:cs typeface="Times New Roman"/>
-              </a:rPr>
-              <a:t>］</a:t>
-            </a:r>
-            <a:r>
-              <a:rPr lang="en-US" altLang="ja-JP" kern="100" dirty="0" smtClean="0">
-                <a:latin typeface="+mn-ea"/>
-                <a:cs typeface="Times New Roman"/>
-              </a:rPr>
-              <a:t> </a:t>
-            </a:r>
-            <a:endParaRPr lang="ja-JP" altLang="ja-JP" kern="100" dirty="0" smtClean="0">
-              <a:latin typeface="+mn-ea"/>
-              <a:cs typeface="Times New Roman"/>
-            </a:endParaRPr>
-          </a:p>
-          <a:p>
-            <a:pPr marL="342900" lvl="0" indent="-342900"/>
-            <a:r>
-              <a:rPr lang="ja-JP" altLang="en-US" kern="100" dirty="0" smtClean="0">
-                <a:latin typeface="+mn-ea"/>
-                <a:cs typeface="Times New Roman"/>
-              </a:rPr>
-              <a:t>⑥  </a:t>
-            </a:r>
-            <a:r>
-              <a:rPr lang="ja-JP" altLang="ja-JP" kern="100" dirty="0" smtClean="0">
-                <a:latin typeface="+mn-ea"/>
-                <a:cs typeface="Times New Roman"/>
-              </a:rPr>
-              <a:t>差し戻し</a:t>
-            </a:r>
-            <a:r>
-              <a:rPr lang="ja-JP" altLang="ja-JP" kern="100" dirty="0" smtClean="0">
-                <a:latin typeface="+mn-ea"/>
-                <a:cs typeface="Times New Roman"/>
-              </a:rPr>
-              <a:t>［検証中</a:t>
-            </a:r>
-            <a:r>
-              <a:rPr lang="en-US" altLang="ja-JP" kern="100" dirty="0" smtClean="0">
-                <a:latin typeface="+mn-ea"/>
-                <a:cs typeface="Times New Roman"/>
-              </a:rPr>
-              <a:t> → </a:t>
-            </a:r>
-            <a:r>
-              <a:rPr lang="ja-JP" altLang="ja-JP" kern="100" dirty="0" smtClean="0">
-                <a:latin typeface="+mn-ea"/>
-                <a:cs typeface="Times New Roman"/>
-              </a:rPr>
-              <a:t>検証</a:t>
-            </a:r>
-            <a:r>
-              <a:rPr lang="en-US" altLang="ja-JP" kern="100" dirty="0" smtClean="0">
-                <a:latin typeface="+mn-ea"/>
-                <a:cs typeface="Times New Roman"/>
-              </a:rPr>
-              <a:t>NG</a:t>
-            </a:r>
-            <a:r>
-              <a:rPr lang="ja-JP" altLang="ja-JP" kern="100" dirty="0" smtClean="0">
-                <a:latin typeface="+mn-ea"/>
-                <a:cs typeface="Times New Roman"/>
-              </a:rPr>
-              <a:t>］</a:t>
-            </a:r>
-            <a:r>
-              <a:rPr lang="en-US" altLang="ja-JP" kern="100" dirty="0" smtClean="0">
-                <a:latin typeface="+mn-ea"/>
-                <a:cs typeface="Times New Roman"/>
-              </a:rPr>
-              <a:t> </a:t>
-            </a:r>
-            <a:endParaRPr lang="ja-JP" altLang="ja-JP" kern="100" dirty="0" smtClean="0">
-              <a:latin typeface="+mn-ea"/>
-              <a:cs typeface="Times New Roman"/>
-            </a:endParaRPr>
-          </a:p>
-          <a:p>
-            <a:pPr marL="342900" lvl="0" indent="-342900"/>
-            <a:r>
-              <a:rPr lang="ja-JP" altLang="en-US" kern="100" dirty="0" smtClean="0">
-                <a:latin typeface="+mn-ea"/>
-                <a:cs typeface="Times New Roman"/>
-              </a:rPr>
-              <a:t>⑦  </a:t>
-            </a:r>
-            <a:r>
-              <a:rPr lang="ja-JP" altLang="ja-JP" kern="100" dirty="0" smtClean="0">
-                <a:latin typeface="+mn-ea"/>
-                <a:cs typeface="Times New Roman"/>
-              </a:rPr>
-              <a:t>検証</a:t>
-            </a:r>
-            <a:r>
-              <a:rPr lang="ja-JP" altLang="ja-JP" kern="100" dirty="0" smtClean="0">
-                <a:latin typeface="+mn-ea"/>
-                <a:cs typeface="Times New Roman"/>
-              </a:rPr>
-              <a:t>完了［検証中</a:t>
-            </a:r>
-            <a:r>
-              <a:rPr lang="en-US" altLang="ja-JP" kern="100" dirty="0" smtClean="0">
-                <a:latin typeface="+mn-ea"/>
-                <a:cs typeface="Times New Roman"/>
-              </a:rPr>
-              <a:t> → </a:t>
-            </a:r>
-            <a:r>
-              <a:rPr lang="ja-JP" altLang="ja-JP" kern="100" dirty="0" smtClean="0">
-                <a:latin typeface="+mn-ea"/>
-                <a:cs typeface="Times New Roman"/>
-              </a:rPr>
-              <a:t>検証</a:t>
-            </a:r>
-            <a:r>
-              <a:rPr lang="en-US" altLang="ja-JP" kern="100" dirty="0" smtClean="0">
-                <a:latin typeface="+mn-ea"/>
-                <a:cs typeface="Times New Roman"/>
-              </a:rPr>
-              <a:t>OK</a:t>
-            </a:r>
-            <a:r>
-              <a:rPr lang="ja-JP" altLang="ja-JP" kern="100" dirty="0" smtClean="0">
-                <a:latin typeface="+mn-ea"/>
-                <a:cs typeface="Times New Roman"/>
-              </a:rPr>
-              <a:t>］</a:t>
-            </a:r>
-            <a:r>
-              <a:rPr lang="en-US" altLang="ja-JP" kern="100" dirty="0" smtClean="0">
-                <a:latin typeface="+mn-ea"/>
-                <a:cs typeface="Times New Roman"/>
-              </a:rPr>
-              <a:t> </a:t>
-            </a:r>
-            <a:endParaRPr lang="ja-JP" altLang="ja-JP" kern="100" dirty="0" smtClean="0">
-              <a:latin typeface="+mn-ea"/>
-              <a:cs typeface="Times New Roman"/>
-            </a:endParaRPr>
-          </a:p>
-          <a:p>
             <a:pPr marL="342900" lvl="0" indent="-342900"/>
             <a:r>
               <a:rPr lang="ja-JP" altLang="en-US" kern="100" dirty="0" smtClean="0">
@@ -14672,14 +15516,7 @@
                 <a:latin typeface="+mn-ea"/>
                 <a:cs typeface="Times New Roman"/>
               </a:rPr>
-              <a:t>検証</a:t>
-            </a:r>
-            <a:r>
-              <a:rPr lang="ja-JP" altLang="ja-JP" kern="100" dirty="0" smtClean="0">
-                <a:latin typeface="+mn-ea"/>
-                <a:cs typeface="Times New Roman"/>
-              </a:rPr>
-              <a:t>不備［検証</a:t>
+              <a:t>検証不備［検証</a:t>
             </a:r>
             <a:r>
               <a:rPr lang="en-US" altLang="ja-JP" kern="100" dirty="0" smtClean="0">
@@ -14710,14 +15547,7 @@
                 <a:latin typeface="+mn-ea"/>
                 <a:cs typeface="Times New Roman"/>
               </a:rPr>
-              <a:t>承認</a:t>
-            </a:r>
-            <a:r>
-              <a:rPr lang="ja-JP" altLang="ja-JP" kern="100" dirty="0" smtClean="0">
-                <a:latin typeface="+mn-ea"/>
-                <a:cs typeface="Times New Roman"/>
-              </a:rPr>
-              <a:t>［検証</a:t>
+              <a:t>承認［検証</a:t>
             </a:r>
             <a:r>
               <a:rPr lang="en-US" altLang="ja-JP" kern="100" dirty="0" smtClean="0">
@@ -14839,7 +15669,7 @@
           <a:blip r:embed="rId3" cstate="print">
             <a:extLst>
               <a:ext uri="{28A0092B-C50C-407E-A947-70E740481C1C}">
-                <a14:useLocalDpi xmlns="" xmlns:wpc="http://schemas.microsoft.com/office/word/2010/wordprocessingCanvas" xmlns:mc="http://schemas.openxmlformats.org/markup-compatibility/2006" xmlns:o="urn:schemas-microsoft-com:office:office" xmlns:m="http://schemas.openxmlformats.org/officeDocument/2006/math" xmlns:v="urn:schemas-microsoft-com:vml" xmlns:wp14="http://schemas.microsoft.com/office/word/2010/wordprocessingDrawing" xmlns:wp="http://schemas.openxmlformats.org/drawingml/2006/wordprocessingDrawing" xmlns:w10="urn:schemas-microsoft-com:office:word" xmlns:w="http://schemas.openxmlformats.org/wordprocessingml/2006/main" xmlns:w14="http://schemas.microsoft.com/office/word/2010/wordml" xmlns:wpg="http://schemas.microsoft.com/office/word/2010/wordprocessingGroup" xmlns:wpi="http://schemas.microsoft.com/office/word/2010/wordprocessingInk" xmlns:wne="http://schemas.microsoft.com/office/word/2006/wordml" xmlns:wps="http://schemas.microsoft.com/office/word/2010/wordprocessingShape" xmlns:a14="http://schemas.microsoft.com/office/drawing/2010/main" xmlns:pic="http://schemas.openxmlformats.org/drawingml/2006/picture" xmlns:lc="http://schemas.openxmlformats.org/drawingml/2006/lockedCanvas" val="0"/>
+                <a14:useLocalDpi xmlns:lc="http://schemas.openxmlformats.org/drawingml/2006/lockedCanvas" xmlns:pic="http://schemas.openxmlformats.org/drawingml/2006/picture" xmlns:a14="http://schemas.microsoft.com/office/drawing/2010/main" xmlns:wps="http://schemas.microsoft.com/office/word/2010/wordprocessingShape" xmlns:wne="http://schemas.microsoft.com/office/word/2006/wordml" xmlns:wpi="http://schemas.microsoft.com/office/word/2010/wordprocessingInk" xmlns:wpg="http://schemas.microsoft.com/office/word/2010/wordprocessingGroup" xmlns:w14="http://schemas.microsoft.com/office/word/2010/wordml" xmlns:w="http://schemas.openxmlformats.org/wordprocessingml/2006/main" xmlns:w10="urn:schemas-microsoft-com:office:word" xmlns:wp="http://schemas.openxmlformats.org/drawingml/2006/wordprocessingDrawing" xmlns:wp14="http://schemas.microsoft.com/office/word/2010/wordprocessingDrawing" xmlns:v="urn:schemas-microsoft-com:vml" xmlns:m="http://schemas.openxmlformats.org/officeDocument/2006/math" xmlns:o="urn:schemas-microsoft-com:office:office" xmlns:mc="http://schemas.openxmlformats.org/markup-compatibility/2006" xmlns:wpc="http://schemas.microsoft.com/office/word/2010/wordprocessingCanvas" xmlns="" val="0"/>
               </a:ext>
             </a:extLst>
           </a:blip>

--- a/卒業論文/2012/久保孝樹/最終発表/最終発表.pptx
+++ b/卒業論文/2012/久保孝樹/最終発表/最終発表.pptx
@@ -212,7 +212,7 @@
             <a:fld id="{CE15D3A2-6E2D-4E19-9277-2464A149DD27}" type="datetimeFigureOut">
               <a:rPr kumimoji="1" lang="ja-JP" altLang="en-US" smtClean="0"/>
               <a:pPr/>
-              <a:t>2014/2/2</a:t>
+              <a:t>2014/2/3</a:t>
             </a:fld>
             <a:endParaRPr kumimoji="1" lang="ja-JP" altLang="en-US"/>
           </a:p>
@@ -1453,7 +1453,7 @@
             <a:fld id="{31D2EDFC-2321-4A5A-94FA-22964CC4D831}" type="datetimeFigureOut">
               <a:rPr kumimoji="1" lang="ja-JP" altLang="en-US" smtClean="0"/>
               <a:pPr/>
-              <a:t>2014/2/2</a:t>
+              <a:t>2014/2/3</a:t>
             </a:fld>
             <a:endParaRPr kumimoji="1" lang="ja-JP" altLang="en-US"/>
           </a:p>
@@ -1683,7 +1683,7 @@
             <a:fld id="{31D2EDFC-2321-4A5A-94FA-22964CC4D831}" type="datetimeFigureOut">
               <a:rPr kumimoji="1" lang="ja-JP" altLang="en-US" smtClean="0"/>
               <a:pPr/>
-              <a:t>2014/2/2</a:t>
+              <a:t>2014/2/3</a:t>
             </a:fld>
             <a:endParaRPr kumimoji="1" lang="ja-JP" altLang="en-US"/>
           </a:p>
@@ -1902,7 +1902,7 @@
             <a:fld id="{31D2EDFC-2321-4A5A-94FA-22964CC4D831}" type="datetimeFigureOut">
               <a:rPr kumimoji="1" lang="ja-JP" altLang="en-US" smtClean="0"/>
               <a:pPr/>
-              <a:t>2014/2/2</a:t>
+              <a:t>2014/2/3</a:t>
             </a:fld>
             <a:endParaRPr kumimoji="1" lang="ja-JP" altLang="en-US"/>
           </a:p>
@@ -2086,7 +2086,7 @@
             <a:fld id="{31D2EDFC-2321-4A5A-94FA-22964CC4D831}" type="datetimeFigureOut">
               <a:rPr kumimoji="1" lang="ja-JP" altLang="en-US" smtClean="0"/>
               <a:pPr/>
-              <a:t>2014/2/2</a:t>
+              <a:t>2014/2/3</a:t>
             </a:fld>
             <a:endParaRPr kumimoji="1" lang="ja-JP" altLang="en-US"/>
           </a:p>
@@ -2343,7 +2343,7 @@
             <a:fld id="{31D2EDFC-2321-4A5A-94FA-22964CC4D831}" type="datetimeFigureOut">
               <a:rPr kumimoji="1" lang="ja-JP" altLang="en-US" smtClean="0"/>
               <a:pPr/>
-              <a:t>2014/2/2</a:t>
+              <a:t>2014/2/3</a:t>
             </a:fld>
             <a:endParaRPr kumimoji="1" lang="ja-JP" altLang="en-US"/>
           </a:p>
@@ -2818,7 +2818,7 @@
             <a:fld id="{31D2EDFC-2321-4A5A-94FA-22964CC4D831}" type="datetimeFigureOut">
               <a:rPr kumimoji="1" lang="ja-JP" altLang="en-US" smtClean="0"/>
               <a:pPr/>
-              <a:t>2014/2/2</a:t>
+              <a:t>2014/2/3</a:t>
             </a:fld>
             <a:endParaRPr kumimoji="1" lang="ja-JP" altLang="en-US"/>
           </a:p>
@@ -3330,7 +3330,7 @@
             <a:fld id="{31D2EDFC-2321-4A5A-94FA-22964CC4D831}" type="datetimeFigureOut">
               <a:rPr kumimoji="1" lang="ja-JP" altLang="en-US" smtClean="0"/>
               <a:pPr/>
-              <a:t>2014/2/2</a:t>
+              <a:t>2014/2/3</a:t>
             </a:fld>
             <a:endParaRPr kumimoji="1" lang="ja-JP" altLang="en-US"/>
           </a:p>
@@ -3433,7 +3433,7 @@
             <a:fld id="{31D2EDFC-2321-4A5A-94FA-22964CC4D831}" type="datetimeFigureOut">
               <a:rPr kumimoji="1" lang="ja-JP" altLang="en-US" smtClean="0"/>
               <a:pPr/>
-              <a:t>2014/2/2</a:t>
+              <a:t>2014/2/3</a:t>
             </a:fld>
             <a:endParaRPr kumimoji="1" lang="ja-JP" altLang="en-US"/>
           </a:p>
@@ -3556,7 +3556,7 @@
             <a:fld id="{31D2EDFC-2321-4A5A-94FA-22964CC4D831}" type="datetimeFigureOut">
               <a:rPr kumimoji="1" lang="ja-JP" altLang="en-US" smtClean="0"/>
               <a:pPr/>
-              <a:t>2014/2/2</a:t>
+              <a:t>2014/2/3</a:t>
             </a:fld>
             <a:endParaRPr kumimoji="1" lang="ja-JP" altLang="en-US"/>
           </a:p>
@@ -3864,7 +3864,7 @@
             <a:fld id="{31D2EDFC-2321-4A5A-94FA-22964CC4D831}" type="datetimeFigureOut">
               <a:rPr kumimoji="1" lang="ja-JP" altLang="en-US" smtClean="0"/>
               <a:pPr/>
-              <a:t>2014/2/2</a:t>
+              <a:t>2014/2/3</a:t>
             </a:fld>
             <a:endParaRPr kumimoji="1" lang="ja-JP" altLang="en-US"/>
           </a:p>
@@ -4071,7 +4071,7 @@
             <a:fld id="{31D2EDFC-2321-4A5A-94FA-22964CC4D831}" type="datetimeFigureOut">
               <a:rPr kumimoji="1" lang="ja-JP" altLang="en-US" smtClean="0"/>
               <a:pPr/>
-              <a:t>2014/2/2</a:t>
+              <a:t>2014/2/3</a:t>
             </a:fld>
             <a:endParaRPr kumimoji="1" lang="ja-JP" altLang="en-US"/>
           </a:p>
@@ -5214,7 +5214,7 @@
             <a:fld id="{31D2EDFC-2321-4A5A-94FA-22964CC4D831}" type="datetimeFigureOut">
               <a:rPr kumimoji="1" lang="ja-JP" altLang="en-US" smtClean="0"/>
               <a:pPr/>
-              <a:t>2014/2/2</a:t>
+              <a:t>2014/2/3</a:t>
             </a:fld>
             <a:endParaRPr kumimoji="1" lang="ja-JP" altLang="en-US"/>
           </a:p>
@@ -5766,42 +5766,28 @@
         </p:nvSpPr>
         <p:spPr/>
         <p:txBody>
-          <a:bodyPr/>
+          <a:bodyPr>
+            <a:normAutofit/>
+          </a:bodyPr>
           <a:lstStyle/>
           <a:p>
             <a:r>
               <a:rPr kumimoji="1" lang="ja-JP" altLang="en-US" dirty="0" smtClean="0"/>
-              <a:t>調査方法</a:t>
+              <a:t>調査</a:t>
+            </a:r>
+            <a:r>
+              <a:rPr kumimoji="1" lang="ja-JP" altLang="en-US" dirty="0" smtClean="0"/>
+              <a:t>方法</a:t>
             </a:r>
             <a:endParaRPr kumimoji="1" lang="en-US" altLang="ja-JP" dirty="0" smtClean="0"/>
           </a:p>
           <a:p>
-            <a:r>
-              <a:rPr kumimoji="1" lang="en-US" altLang="ja-JP" dirty="0" err="1" smtClean="0"/>
-              <a:t>GitHub</a:t>
-            </a:r>
-            <a:r>
-              <a:rPr kumimoji="1" lang="ja-JP" altLang="en-US" dirty="0" smtClean="0"/>
-              <a:t>内のプロジェクト</a:t>
-            </a:r>
-            <a:endParaRPr kumimoji="1" lang="en-US" altLang="ja-JP" dirty="0" smtClean="0"/>
-          </a:p>
-          <a:p>
-            <a:r>
-              <a:rPr lang="en-US" altLang="ja-JP" dirty="0" smtClean="0"/>
-              <a:t>Issue</a:t>
-            </a:r>
-            <a:r>
-              <a:rPr lang="ja-JP" altLang="en-US" dirty="0" smtClean="0"/>
-              <a:t>のデータの収集するツールの開発</a:t>
-            </a:r>
             <a:endParaRPr lang="en-US" altLang="ja-JP" dirty="0" smtClean="0"/>
           </a:p>
           <a:p>
-            <a:r>
-              <a:rPr kumimoji="1" lang="ja-JP" altLang="en-US" dirty="0" smtClean="0"/>
-              <a:t>グラフの描画するツールの開発</a:t>
-            </a:r>
+            <a:pPr>
+              <a:buNone/>
+            </a:pPr>
             <a:endParaRPr kumimoji="1" lang="ja-JP" altLang="en-US" dirty="0"/>
           </a:p>
         </p:txBody>
@@ -5826,6 +5812,202 @@
               <a:t>調査</a:t>
             </a:r>
             <a:endParaRPr kumimoji="1" lang="ja-JP" altLang="en-US" dirty="0"/>
+          </a:p>
+        </p:txBody>
+      </p:sp>
+      <p:sp>
+        <p:nvSpPr>
+          <p:cNvPr id="4" name="円/楕円 3"/>
+          <p:cNvSpPr/>
+          <p:nvPr/>
+        </p:nvSpPr>
+        <p:spPr>
+          <a:xfrm>
+            <a:off x="1475656" y="4869160"/>
+            <a:ext cx="6480720" cy="1080120"/>
+          </a:xfrm>
+          <a:prstGeom prst="ellipse">
+            <a:avLst/>
+          </a:prstGeom>
+        </p:spPr>
+        <p:style>
+          <a:lnRef idx="2">
+            <a:schemeClr val="accent1">
+              <a:shade val="50000"/>
+            </a:schemeClr>
+          </a:lnRef>
+          <a:fillRef idx="1">
+            <a:schemeClr val="accent1"/>
+          </a:fillRef>
+          <a:effectRef idx="0">
+            <a:schemeClr val="accent1"/>
+          </a:effectRef>
+          <a:fontRef idx="minor">
+            <a:schemeClr val="lt1"/>
+          </a:fontRef>
+        </p:style>
+        <p:txBody>
+          <a:bodyPr rtlCol="0" anchor="ctr"/>
+          <a:lstStyle/>
+          <a:p>
+            <a:pPr algn="ctr"/>
+            <a:r>
+              <a:rPr kumimoji="1" lang="en-US" altLang="ja-JP" sz="2400" dirty="0" err="1" smtClean="0"/>
+              <a:t>GitHub</a:t>
+            </a:r>
+            <a:r>
+              <a:rPr kumimoji="1" lang="ja-JP" altLang="en-US" sz="2400" dirty="0" smtClean="0"/>
+              <a:t>内の調査対象プロジェクト</a:t>
+            </a:r>
+            <a:endParaRPr kumimoji="1" lang="ja-JP" altLang="en-US" sz="2400" dirty="0"/>
+          </a:p>
+        </p:txBody>
+      </p:sp>
+      <p:sp>
+        <p:nvSpPr>
+          <p:cNvPr id="5" name="円/楕円 4"/>
+          <p:cNvSpPr/>
+          <p:nvPr/>
+        </p:nvSpPr>
+        <p:spPr>
+          <a:xfrm>
+            <a:off x="1475656" y="1916832"/>
+            <a:ext cx="6480720" cy="1080120"/>
+          </a:xfrm>
+          <a:prstGeom prst="ellipse">
+            <a:avLst/>
+          </a:prstGeom>
+        </p:spPr>
+        <p:style>
+          <a:lnRef idx="2">
+            <a:schemeClr val="accent1">
+              <a:shade val="50000"/>
+            </a:schemeClr>
+          </a:lnRef>
+          <a:fillRef idx="1">
+            <a:schemeClr val="accent1"/>
+          </a:fillRef>
+          <a:effectRef idx="0">
+            <a:schemeClr val="accent1"/>
+          </a:effectRef>
+          <a:fontRef idx="minor">
+            <a:schemeClr val="lt1"/>
+          </a:fontRef>
+        </p:style>
+        <p:txBody>
+          <a:bodyPr rtlCol="0" anchor="ctr"/>
+          <a:lstStyle/>
+          <a:p>
+            <a:pPr algn="ctr"/>
+            <a:r>
+              <a:rPr kumimoji="1" lang="en-US" altLang="ja-JP" sz="2400" dirty="0" smtClean="0"/>
+              <a:t>Issue</a:t>
+            </a:r>
+            <a:r>
+              <a:rPr kumimoji="1" lang="ja-JP" altLang="en-US" sz="2400" dirty="0" smtClean="0"/>
+              <a:t>のデータを収集する</a:t>
+            </a:r>
+            <a:endParaRPr kumimoji="1" lang="en-US" altLang="ja-JP" sz="2400" dirty="0" smtClean="0"/>
+          </a:p>
+          <a:p>
+            <a:pPr algn="ctr"/>
+            <a:r>
+              <a:rPr kumimoji="1" lang="ja-JP" altLang="en-US" sz="2400" dirty="0" smtClean="0"/>
+              <a:t>ツール開発</a:t>
+            </a:r>
+            <a:endParaRPr kumimoji="1" lang="ja-JP" altLang="en-US" sz="2400" dirty="0"/>
+          </a:p>
+        </p:txBody>
+      </p:sp>
+      <p:sp>
+        <p:nvSpPr>
+          <p:cNvPr id="6" name="円/楕円 5"/>
+          <p:cNvSpPr/>
+          <p:nvPr/>
+        </p:nvSpPr>
+        <p:spPr>
+          <a:xfrm>
+            <a:off x="1475656" y="3068960"/>
+            <a:ext cx="6480720" cy="1080120"/>
+          </a:xfrm>
+          <a:prstGeom prst="ellipse">
+            <a:avLst/>
+          </a:prstGeom>
+        </p:spPr>
+        <p:style>
+          <a:lnRef idx="2">
+            <a:schemeClr val="accent1">
+              <a:shade val="50000"/>
+            </a:schemeClr>
+          </a:lnRef>
+          <a:fillRef idx="1">
+            <a:schemeClr val="accent1"/>
+          </a:fillRef>
+          <a:effectRef idx="0">
+            <a:schemeClr val="accent1"/>
+          </a:effectRef>
+          <a:fontRef idx="minor">
+            <a:schemeClr val="lt1"/>
+          </a:fontRef>
+        </p:style>
+        <p:txBody>
+          <a:bodyPr rtlCol="0" anchor="ctr"/>
+          <a:lstStyle/>
+          <a:p>
+            <a:pPr algn="ctr"/>
+            <a:r>
+              <a:rPr kumimoji="1" lang="ja-JP" altLang="en-US" sz="2400" dirty="0" smtClean="0"/>
+              <a:t>グラフを描画する</a:t>
+            </a:r>
+            <a:endParaRPr kumimoji="1" lang="en-US" altLang="ja-JP" sz="2400" dirty="0" smtClean="0"/>
+          </a:p>
+          <a:p>
+            <a:pPr algn="ctr"/>
+            <a:r>
+              <a:rPr kumimoji="1" lang="ja-JP" altLang="en-US" sz="2400" dirty="0" smtClean="0"/>
+              <a:t>ツール開発</a:t>
+            </a:r>
+            <a:endParaRPr kumimoji="1" lang="ja-JP" altLang="en-US" sz="2400" dirty="0"/>
+          </a:p>
+        </p:txBody>
+      </p:sp>
+      <p:sp>
+        <p:nvSpPr>
+          <p:cNvPr id="7" name="下矢印 6"/>
+          <p:cNvSpPr/>
+          <p:nvPr/>
+        </p:nvSpPr>
+        <p:spPr>
+          <a:xfrm>
+            <a:off x="3851920" y="4293096"/>
+            <a:ext cx="1656184" cy="432048"/>
+          </a:xfrm>
+          <a:prstGeom prst="downArrow">
+            <a:avLst/>
+          </a:prstGeom>
+        </p:spPr>
+        <p:style>
+          <a:lnRef idx="2">
+            <a:schemeClr val="accent1">
+              <a:shade val="50000"/>
+            </a:schemeClr>
+          </a:lnRef>
+          <a:fillRef idx="1">
+            <a:schemeClr val="accent1"/>
+          </a:fillRef>
+          <a:effectRef idx="0">
+            <a:schemeClr val="accent1"/>
+          </a:effectRef>
+          <a:fontRef idx="minor">
+            <a:schemeClr val="lt1"/>
+          </a:fontRef>
+        </p:style>
+        <p:txBody>
+          <a:bodyPr rtlCol="0" anchor="ctr"/>
+          <a:lstStyle/>
+          <a:p>
+            <a:pPr algn="ctr"/>
+            <a:endParaRPr kumimoji="1" lang="ja-JP" altLang="en-US"/>
           </a:p>
         </p:txBody>
       </p:sp>
@@ -13148,7 +13330,7 @@
           <a:blip r:embed="rId2" cstate="print">
             <a:extLst>
               <a:ext uri="{28A0092B-C50C-407E-A947-70E740481C1C}">
-                <a14:useLocalDpi xmlns="" xmlns:wpc="http://schemas.microsoft.com/office/word/2010/wordprocessingCanvas" xmlns:mc="http://schemas.openxmlformats.org/markup-compatibility/2006" xmlns:o="urn:schemas-microsoft-com:office:office" xmlns:m="http://schemas.openxmlformats.org/officeDocument/2006/math" xmlns:v="urn:schemas-microsoft-com:vml" xmlns:wp14="http://schemas.microsoft.com/office/word/2010/wordprocessingDrawing" xmlns:wp="http://schemas.openxmlformats.org/drawingml/2006/wordprocessingDrawing" xmlns:w10="urn:schemas-microsoft-com:office:word" xmlns:w="http://schemas.openxmlformats.org/wordprocessingml/2006/main" xmlns:w14="http://schemas.microsoft.com/office/word/2010/wordml" xmlns:wpg="http://schemas.microsoft.com/office/word/2010/wordprocessingGroup" xmlns:wpi="http://schemas.microsoft.com/office/word/2010/wordprocessingInk" xmlns:wne="http://schemas.microsoft.com/office/word/2006/wordml" xmlns:wps="http://schemas.microsoft.com/office/word/2010/wordprocessingShape" xmlns:a14="http://schemas.microsoft.com/office/drawing/2010/main" xmlns:pic="http://schemas.openxmlformats.org/drawingml/2006/picture" xmlns:lc="http://schemas.openxmlformats.org/drawingml/2006/lockedCanvas" val="0"/>
+                <a14:useLocalDpi xmlns:lc="http://schemas.openxmlformats.org/drawingml/2006/lockedCanvas" xmlns:pic="http://schemas.openxmlformats.org/drawingml/2006/picture" xmlns:a14="http://schemas.microsoft.com/office/drawing/2010/main" xmlns:wps="http://schemas.microsoft.com/office/word/2010/wordprocessingShape" xmlns:wne="http://schemas.microsoft.com/office/word/2006/wordml" xmlns:wpi="http://schemas.microsoft.com/office/word/2010/wordprocessingInk" xmlns:wpg="http://schemas.microsoft.com/office/word/2010/wordprocessingGroup" xmlns:w14="http://schemas.microsoft.com/office/word/2010/wordml" xmlns:w="http://schemas.openxmlformats.org/wordprocessingml/2006/main" xmlns:w10="urn:schemas-microsoft-com:office:word" xmlns:wp="http://schemas.openxmlformats.org/drawingml/2006/wordprocessingDrawing" xmlns:wp14="http://schemas.microsoft.com/office/word/2010/wordprocessingDrawing" xmlns:v="urn:schemas-microsoft-com:vml" xmlns:m="http://schemas.openxmlformats.org/officeDocument/2006/math" xmlns:o="urn:schemas-microsoft-com:office:office" xmlns:mc="http://schemas.openxmlformats.org/markup-compatibility/2006" xmlns:wpc="http://schemas.microsoft.com/office/word/2010/wordprocessingCanvas" xmlns="" val="0"/>
               </a:ext>
             </a:extLst>
           </a:blip>
@@ -13168,7 +13350,7 @@
           </a:ln>
           <a:extLst>
             <a:ext uri="{53640926-AAD7-44D8-BBD7-CCE9431645EC}">
-              <a14:shadowObscured xmlns="" xmlns:wpc="http://schemas.microsoft.com/office/word/2010/wordprocessingCanvas" xmlns:mc="http://schemas.openxmlformats.org/markup-compatibility/2006" xmlns:o="urn:schemas-microsoft-com:office:office" xmlns:m="http://schemas.openxmlformats.org/officeDocument/2006/math" xmlns:v="urn:schemas-microsoft-com:vml" xmlns:wp14="http://schemas.microsoft.com/office/word/2010/wordprocessingDrawing" xmlns:wp="http://schemas.openxmlformats.org/drawingml/2006/wordprocessingDrawing" xmlns:w10="urn:schemas-microsoft-com:office:word" xmlns:w="http://schemas.openxmlformats.org/wordprocessingml/2006/main" xmlns:w14="http://schemas.microsoft.com/office/word/2010/wordml" xmlns:wpg="http://schemas.microsoft.com/office/word/2010/wordprocessingGroup" xmlns:wpi="http://schemas.microsoft.com/office/word/2010/wordprocessingInk" xmlns:wne="http://schemas.microsoft.com/office/word/2006/wordml" xmlns:wps="http://schemas.microsoft.com/office/word/2010/wordprocessingShape" xmlns:a14="http://schemas.microsoft.com/office/drawing/2010/main" xmlns:pic="http://schemas.openxmlformats.org/drawingml/2006/picture" xmlns:lc="http://schemas.openxmlformats.org/drawingml/2006/lockedCanvas"/>
+              <a14:shadowObscured xmlns:lc="http://schemas.openxmlformats.org/drawingml/2006/lockedCanvas" xmlns:pic="http://schemas.openxmlformats.org/drawingml/2006/picture" xmlns:a14="http://schemas.microsoft.com/office/drawing/2010/main" xmlns:wps="http://schemas.microsoft.com/office/word/2010/wordprocessingShape" xmlns:wne="http://schemas.microsoft.com/office/word/2006/wordml" xmlns:wpi="http://schemas.microsoft.com/office/word/2010/wordprocessingInk" xmlns:wpg="http://schemas.microsoft.com/office/word/2010/wordprocessingGroup" xmlns:w14="http://schemas.microsoft.com/office/word/2010/wordml" xmlns:w="http://schemas.openxmlformats.org/wordprocessingml/2006/main" xmlns:w10="urn:schemas-microsoft-com:office:word" xmlns:wp="http://schemas.openxmlformats.org/drawingml/2006/wordprocessingDrawing" xmlns:wp14="http://schemas.microsoft.com/office/word/2010/wordprocessingDrawing" xmlns:v="urn:schemas-microsoft-com:vml" xmlns:m="http://schemas.openxmlformats.org/officeDocument/2006/math" xmlns:o="urn:schemas-microsoft-com:office:office" xmlns:mc="http://schemas.openxmlformats.org/markup-compatibility/2006" xmlns:wpc="http://schemas.microsoft.com/office/word/2010/wordprocessingCanvas" xmlns=""/>
             </a:ext>
           </a:extLst>
         </p:spPr>
@@ -13183,7 +13365,7 @@
           <a:blip r:embed="rId3" cstate="print">
             <a:extLst>
               <a:ext uri="{28A0092B-C50C-407E-A947-70E740481C1C}">
-                <a14:useLocalDpi xmlns="" xmlns:wpc="http://schemas.microsoft.com/office/word/2010/wordprocessingCanvas" xmlns:mc="http://schemas.openxmlformats.org/markup-compatibility/2006" xmlns:o="urn:schemas-microsoft-com:office:office" xmlns:m="http://schemas.openxmlformats.org/officeDocument/2006/math" xmlns:v="urn:schemas-microsoft-com:vml" xmlns:wp14="http://schemas.microsoft.com/office/word/2010/wordprocessingDrawing" xmlns:wp="http://schemas.openxmlformats.org/drawingml/2006/wordprocessingDrawing" xmlns:w10="urn:schemas-microsoft-com:office:word" xmlns:w="http://schemas.openxmlformats.org/wordprocessingml/2006/main" xmlns:w14="http://schemas.microsoft.com/office/word/2010/wordml" xmlns:wpg="http://schemas.microsoft.com/office/word/2010/wordprocessingGroup" xmlns:wpi="http://schemas.microsoft.com/office/word/2010/wordprocessingInk" xmlns:wne="http://schemas.microsoft.com/office/word/2006/wordml" xmlns:wps="http://schemas.microsoft.com/office/word/2010/wordprocessingShape" xmlns:a14="http://schemas.microsoft.com/office/drawing/2010/main" xmlns:pic="http://schemas.openxmlformats.org/drawingml/2006/picture" xmlns:lc="http://schemas.openxmlformats.org/drawingml/2006/lockedCanvas" val="0"/>
+                <a14:useLocalDpi xmlns:lc="http://schemas.openxmlformats.org/drawingml/2006/lockedCanvas" xmlns:pic="http://schemas.openxmlformats.org/drawingml/2006/picture" xmlns:a14="http://schemas.microsoft.com/office/drawing/2010/main" xmlns:wps="http://schemas.microsoft.com/office/word/2010/wordprocessingShape" xmlns:wne="http://schemas.microsoft.com/office/word/2006/wordml" xmlns:wpi="http://schemas.microsoft.com/office/word/2010/wordprocessingInk" xmlns:wpg="http://schemas.microsoft.com/office/word/2010/wordprocessingGroup" xmlns:w14="http://schemas.microsoft.com/office/word/2010/wordml" xmlns:w="http://schemas.openxmlformats.org/wordprocessingml/2006/main" xmlns:w10="urn:schemas-microsoft-com:office:word" xmlns:wp="http://schemas.openxmlformats.org/drawingml/2006/wordprocessingDrawing" xmlns:wp14="http://schemas.microsoft.com/office/word/2010/wordprocessingDrawing" xmlns:v="urn:schemas-microsoft-com:vml" xmlns:m="http://schemas.openxmlformats.org/officeDocument/2006/math" xmlns:o="urn:schemas-microsoft-com:office:office" xmlns:mc="http://schemas.openxmlformats.org/markup-compatibility/2006" xmlns:wpc="http://schemas.microsoft.com/office/word/2010/wordprocessingCanvas" xmlns="" val="0"/>
               </a:ext>
             </a:extLst>
           </a:blip>
@@ -13203,7 +13385,7 @@
           </a:ln>
           <a:extLst>
             <a:ext uri="{53640926-AAD7-44D8-BBD7-CCE9431645EC}">
-              <a14:shadowObscured xmlns="" xmlns:wpc="http://schemas.microsoft.com/office/word/2010/wordprocessingCanvas" xmlns:mc="http://schemas.openxmlformats.org/markup-compatibility/2006" xmlns:o="urn:schemas-microsoft-com:office:office" xmlns:m="http://schemas.openxmlformats.org/officeDocument/2006/math" xmlns:v="urn:schemas-microsoft-com:vml" xmlns:wp14="http://schemas.microsoft.com/office/word/2010/wordprocessingDrawing" xmlns:wp="http://schemas.openxmlformats.org/drawingml/2006/wordprocessingDrawing" xmlns:w10="urn:schemas-microsoft-com:office:word" xmlns:w="http://schemas.openxmlformats.org/wordprocessingml/2006/main" xmlns:w14="http://schemas.microsoft.com/office/word/2010/wordml" xmlns:wpg="http://schemas.microsoft.com/office/word/2010/wordprocessingGroup" xmlns:wpi="http://schemas.microsoft.com/office/word/2010/wordprocessingInk" xmlns:wne="http://schemas.microsoft.com/office/word/2006/wordml" xmlns:wps="http://schemas.microsoft.com/office/word/2010/wordprocessingShape" xmlns:a14="http://schemas.microsoft.com/office/drawing/2010/main" xmlns:pic="http://schemas.openxmlformats.org/drawingml/2006/picture" xmlns:lc="http://schemas.openxmlformats.org/drawingml/2006/lockedCanvas"/>
+              <a14:shadowObscured xmlns:lc="http://schemas.openxmlformats.org/drawingml/2006/lockedCanvas" xmlns:pic="http://schemas.openxmlformats.org/drawingml/2006/picture" xmlns:a14="http://schemas.microsoft.com/office/drawing/2010/main" xmlns:wps="http://schemas.microsoft.com/office/word/2010/wordprocessingShape" xmlns:wne="http://schemas.microsoft.com/office/word/2006/wordml" xmlns:wpi="http://schemas.microsoft.com/office/word/2010/wordprocessingInk" xmlns:wpg="http://schemas.microsoft.com/office/word/2010/wordprocessingGroup" xmlns:w14="http://schemas.microsoft.com/office/word/2010/wordml" xmlns:w="http://schemas.openxmlformats.org/wordprocessingml/2006/main" xmlns:w10="urn:schemas-microsoft-com:office:word" xmlns:wp="http://schemas.openxmlformats.org/drawingml/2006/wordprocessingDrawing" xmlns:wp14="http://schemas.microsoft.com/office/word/2010/wordprocessingDrawing" xmlns:v="urn:schemas-microsoft-com:vml" xmlns:m="http://schemas.openxmlformats.org/officeDocument/2006/math" xmlns:o="urn:schemas-microsoft-com:office:office" xmlns:mc="http://schemas.openxmlformats.org/markup-compatibility/2006" xmlns:wpc="http://schemas.microsoft.com/office/word/2010/wordprocessingCanvas" xmlns=""/>
             </a:ext>
           </a:extLst>
         </p:spPr>
@@ -13218,7 +13400,7 @@
           <a:blip r:embed="rId4" cstate="print">
             <a:extLst>
               <a:ext uri="{28A0092B-C50C-407E-A947-70E740481C1C}">
-                <a14:useLocalDpi xmlns="" xmlns:wpc="http://schemas.microsoft.com/office/word/2010/wordprocessingCanvas" xmlns:mc="http://schemas.openxmlformats.org/markup-compatibility/2006" xmlns:o="urn:schemas-microsoft-com:office:office" xmlns:m="http://schemas.openxmlformats.org/officeDocument/2006/math" xmlns:v="urn:schemas-microsoft-com:vml" xmlns:wp14="http://schemas.microsoft.com/office/word/2010/wordprocessingDrawing" xmlns:wp="http://schemas.openxmlformats.org/drawingml/2006/wordprocessingDrawing" xmlns:w10="urn:schemas-microsoft-com:office:word" xmlns:w="http://schemas.openxmlformats.org/wordprocessingml/2006/main" xmlns:w14="http://schemas.microsoft.com/office/word/2010/wordml" xmlns:wpg="http://schemas.microsoft.com/office/word/2010/wordprocessingGroup" xmlns:wpi="http://schemas.microsoft.com/office/word/2010/wordprocessingInk" xmlns:wne="http://schemas.microsoft.com/office/word/2006/wordml" xmlns:wps="http://schemas.microsoft.com/office/word/2010/wordprocessingShape" xmlns:a14="http://schemas.microsoft.com/office/drawing/2010/main" xmlns:pic="http://schemas.openxmlformats.org/drawingml/2006/picture" xmlns:lc="http://schemas.openxmlformats.org/drawingml/2006/lockedCanvas" val="0"/>
+                <a14:useLocalDpi xmlns:lc="http://schemas.openxmlformats.org/drawingml/2006/lockedCanvas" xmlns:pic="http://schemas.openxmlformats.org/drawingml/2006/picture" xmlns:a14="http://schemas.microsoft.com/office/drawing/2010/main" xmlns:wps="http://schemas.microsoft.com/office/word/2010/wordprocessingShape" xmlns:wne="http://schemas.microsoft.com/office/word/2006/wordml" xmlns:wpi="http://schemas.microsoft.com/office/word/2010/wordprocessingInk" xmlns:wpg="http://schemas.microsoft.com/office/word/2010/wordprocessingGroup" xmlns:w14="http://schemas.microsoft.com/office/word/2010/wordml" xmlns:w="http://schemas.openxmlformats.org/wordprocessingml/2006/main" xmlns:w10="urn:schemas-microsoft-com:office:word" xmlns:wp="http://schemas.openxmlformats.org/drawingml/2006/wordprocessingDrawing" xmlns:wp14="http://schemas.microsoft.com/office/word/2010/wordprocessingDrawing" xmlns:v="urn:schemas-microsoft-com:vml" xmlns:m="http://schemas.openxmlformats.org/officeDocument/2006/math" xmlns:o="urn:schemas-microsoft-com:office:office" xmlns:mc="http://schemas.openxmlformats.org/markup-compatibility/2006" xmlns:wpc="http://schemas.microsoft.com/office/word/2010/wordprocessingCanvas" xmlns="" val="0"/>
               </a:ext>
             </a:extLst>
           </a:blip>
@@ -13238,7 +13420,7 @@
           </a:ln>
           <a:extLst>
             <a:ext uri="{53640926-AAD7-44D8-BBD7-CCE9431645EC}">
-              <a14:shadowObscured xmlns="" xmlns:wpc="http://schemas.microsoft.com/office/word/2010/wordprocessingCanvas" xmlns:mc="http://schemas.openxmlformats.org/markup-compatibility/2006" xmlns:o="urn:schemas-microsoft-com:office:office" xmlns:m="http://schemas.openxmlformats.org/officeDocument/2006/math" xmlns:v="urn:schemas-microsoft-com:vml" xmlns:wp14="http://schemas.microsoft.com/office/word/2010/wordprocessingDrawing" xmlns:wp="http://schemas.openxmlformats.org/drawingml/2006/wordprocessingDrawing" xmlns:w10="urn:schemas-microsoft-com:office:word" xmlns:w="http://schemas.openxmlformats.org/wordprocessingml/2006/main" xmlns:w14="http://schemas.microsoft.com/office/word/2010/wordml" xmlns:wpg="http://schemas.microsoft.com/office/word/2010/wordprocessingGroup" xmlns:wpi="http://schemas.microsoft.com/office/word/2010/wordprocessingInk" xmlns:wne="http://schemas.microsoft.com/office/word/2006/wordml" xmlns:wps="http://schemas.microsoft.com/office/word/2010/wordprocessingShape" xmlns:a14="http://schemas.microsoft.com/office/drawing/2010/main" xmlns:pic="http://schemas.openxmlformats.org/drawingml/2006/picture" xmlns:lc="http://schemas.openxmlformats.org/drawingml/2006/lockedCanvas"/>
+              <a14:shadowObscured xmlns:lc="http://schemas.openxmlformats.org/drawingml/2006/lockedCanvas" xmlns:pic="http://schemas.openxmlformats.org/drawingml/2006/picture" xmlns:a14="http://schemas.microsoft.com/office/drawing/2010/main" xmlns:wps="http://schemas.microsoft.com/office/word/2010/wordprocessingShape" xmlns:wne="http://schemas.microsoft.com/office/word/2006/wordml" xmlns:wpi="http://schemas.microsoft.com/office/word/2010/wordprocessingInk" xmlns:wpg="http://schemas.microsoft.com/office/word/2010/wordprocessingGroup" xmlns:w14="http://schemas.microsoft.com/office/word/2010/wordml" xmlns:w="http://schemas.openxmlformats.org/wordprocessingml/2006/main" xmlns:w10="urn:schemas-microsoft-com:office:word" xmlns:wp="http://schemas.openxmlformats.org/drawingml/2006/wordprocessingDrawing" xmlns:wp14="http://schemas.microsoft.com/office/word/2010/wordprocessingDrawing" xmlns:v="urn:schemas-microsoft-com:vml" xmlns:m="http://schemas.openxmlformats.org/officeDocument/2006/math" xmlns:o="urn:schemas-microsoft-com:office:office" xmlns:mc="http://schemas.openxmlformats.org/markup-compatibility/2006" xmlns:wpc="http://schemas.microsoft.com/office/word/2010/wordprocessingCanvas" xmlns=""/>
             </a:ext>
           </a:extLst>
         </p:spPr>
@@ -13253,7 +13435,7 @@
           <a:blip r:embed="rId5" cstate="print">
             <a:extLst>
               <a:ext uri="{28A0092B-C50C-407E-A947-70E740481C1C}">
-                <a14:useLocalDpi xmlns="" xmlns:wpc="http://schemas.microsoft.com/office/word/2010/wordprocessingCanvas" xmlns:mc="http://schemas.openxmlformats.org/markup-compatibility/2006" xmlns:o="urn:schemas-microsoft-com:office:office" xmlns:m="http://schemas.openxmlformats.org/officeDocument/2006/math" xmlns:v="urn:schemas-microsoft-com:vml" xmlns:wp14="http://schemas.microsoft.com/office/word/2010/wordprocessingDrawing" xmlns:wp="http://schemas.openxmlformats.org/drawingml/2006/wordprocessingDrawing" xmlns:w10="urn:schemas-microsoft-com:office:word" xmlns:w="http://schemas.openxmlformats.org/wordprocessingml/2006/main" xmlns:w14="http://schemas.microsoft.com/office/word/2010/wordml" xmlns:wpg="http://schemas.microsoft.com/office/word/2010/wordprocessingGroup" xmlns:wpi="http://schemas.microsoft.com/office/word/2010/wordprocessingInk" xmlns:wne="http://schemas.microsoft.com/office/word/2006/wordml" xmlns:wps="http://schemas.microsoft.com/office/word/2010/wordprocessingShape" xmlns:a14="http://schemas.microsoft.com/office/drawing/2010/main" xmlns:pic="http://schemas.openxmlformats.org/drawingml/2006/picture" xmlns:lc="http://schemas.openxmlformats.org/drawingml/2006/lockedCanvas" val="0"/>
+                <a14:useLocalDpi xmlns:lc="http://schemas.openxmlformats.org/drawingml/2006/lockedCanvas" xmlns:pic="http://schemas.openxmlformats.org/drawingml/2006/picture" xmlns:a14="http://schemas.microsoft.com/office/drawing/2010/main" xmlns:wps="http://schemas.microsoft.com/office/word/2010/wordprocessingShape" xmlns:wne="http://schemas.microsoft.com/office/word/2006/wordml" xmlns:wpi="http://schemas.microsoft.com/office/word/2010/wordprocessingInk" xmlns:wpg="http://schemas.microsoft.com/office/word/2010/wordprocessingGroup" xmlns:w14="http://schemas.microsoft.com/office/word/2010/wordml" xmlns:w="http://schemas.openxmlformats.org/wordprocessingml/2006/main" xmlns:w10="urn:schemas-microsoft-com:office:word" xmlns:wp="http://schemas.openxmlformats.org/drawingml/2006/wordprocessingDrawing" xmlns:wp14="http://schemas.microsoft.com/office/word/2010/wordprocessingDrawing" xmlns:v="urn:schemas-microsoft-com:vml" xmlns:m="http://schemas.openxmlformats.org/officeDocument/2006/math" xmlns:o="urn:schemas-microsoft-com:office:office" xmlns:mc="http://schemas.openxmlformats.org/markup-compatibility/2006" xmlns:wpc="http://schemas.microsoft.com/office/word/2010/wordprocessingCanvas" xmlns="" val="0"/>
               </a:ext>
             </a:extLst>
           </a:blip>
@@ -13273,7 +13455,7 @@
           </a:ln>
           <a:extLst>
             <a:ext uri="{53640926-AAD7-44D8-BBD7-CCE9431645EC}">
-              <a14:shadowObscured xmlns="" xmlns:wpc="http://schemas.microsoft.com/office/word/2010/wordprocessingCanvas" xmlns:mc="http://schemas.openxmlformats.org/markup-compatibility/2006" xmlns:o="urn:schemas-microsoft-com:office:office" xmlns:m="http://schemas.openxmlformats.org/officeDocument/2006/math" xmlns:v="urn:schemas-microsoft-com:vml" xmlns:wp14="http://schemas.microsoft.com/office/word/2010/wordprocessingDrawing" xmlns:wp="http://schemas.openxmlformats.org/drawingml/2006/wordprocessingDrawing" xmlns:w10="urn:schemas-microsoft-com:office:word" xmlns:w="http://schemas.openxmlformats.org/wordprocessingml/2006/main" xmlns:w14="http://schemas.microsoft.com/office/word/2010/wordml" xmlns:wpg="http://schemas.microsoft.com/office/word/2010/wordprocessingGroup" xmlns:wpi="http://schemas.microsoft.com/office/word/2010/wordprocessingInk" xmlns:wne="http://schemas.microsoft.com/office/word/2006/wordml" xmlns:wps="http://schemas.microsoft.com/office/word/2010/wordprocessingShape" xmlns:a14="http://schemas.microsoft.com/office/drawing/2010/main" xmlns:pic="http://schemas.openxmlformats.org/drawingml/2006/picture" xmlns:lc="http://schemas.openxmlformats.org/drawingml/2006/lockedCanvas"/>
+              <a14:shadowObscured xmlns:lc="http://schemas.openxmlformats.org/drawingml/2006/lockedCanvas" xmlns:pic="http://schemas.openxmlformats.org/drawingml/2006/picture" xmlns:a14="http://schemas.microsoft.com/office/drawing/2010/main" xmlns:wps="http://schemas.microsoft.com/office/word/2010/wordprocessingShape" xmlns:wne="http://schemas.microsoft.com/office/word/2006/wordml" xmlns:wpi="http://schemas.microsoft.com/office/word/2010/wordprocessingInk" xmlns:wpg="http://schemas.microsoft.com/office/word/2010/wordprocessingGroup" xmlns:w14="http://schemas.microsoft.com/office/word/2010/wordml" xmlns:w="http://schemas.openxmlformats.org/wordprocessingml/2006/main" xmlns:w10="urn:schemas-microsoft-com:office:word" xmlns:wp="http://schemas.openxmlformats.org/drawingml/2006/wordprocessingDrawing" xmlns:wp14="http://schemas.microsoft.com/office/word/2010/wordprocessingDrawing" xmlns:v="urn:schemas-microsoft-com:vml" xmlns:m="http://schemas.openxmlformats.org/officeDocument/2006/math" xmlns:o="urn:schemas-microsoft-com:office:office" xmlns:mc="http://schemas.openxmlformats.org/markup-compatibility/2006" xmlns:wpc="http://schemas.microsoft.com/office/word/2010/wordprocessingCanvas" xmlns=""/>
             </a:ext>
           </a:extLst>
         </p:spPr>
@@ -13513,11 +13695,7 @@
             </a:r>
             <a:r>
               <a:rPr lang="ja-JP" altLang="ja-JP" sz="2000" dirty="0" smtClean="0"/>
-              <a:t>チケットの増加率が時間とともに減少</a:t>
-            </a:r>
-            <a:r>
-              <a:rPr lang="ja-JP" altLang="ja-JP" sz="2000" dirty="0" smtClean="0"/>
-              <a:t>する</a:t>
+              <a:t>チケットの増加率が時間とともに減少する</a:t>
             </a:r>
             <a:r>
               <a:rPr lang="en-US" altLang="ja-JP" sz="2000" dirty="0" smtClean="0"/>
@@ -13573,7 +13751,7 @@
           <a:blip r:embed="rId2" cstate="print">
             <a:extLst>
               <a:ext uri="{28A0092B-C50C-407E-A947-70E740481C1C}">
-                <a14:useLocalDpi xmlns="" xmlns:wpc="http://schemas.microsoft.com/office/word/2010/wordprocessingCanvas" xmlns:mc="http://schemas.openxmlformats.org/markup-compatibility/2006" xmlns:o="urn:schemas-microsoft-com:office:office" xmlns:m="http://schemas.openxmlformats.org/officeDocument/2006/math" xmlns:v="urn:schemas-microsoft-com:vml" xmlns:wp14="http://schemas.microsoft.com/office/word/2010/wordprocessingDrawing" xmlns:wp="http://schemas.openxmlformats.org/drawingml/2006/wordprocessingDrawing" xmlns:w10="urn:schemas-microsoft-com:office:word" xmlns:w="http://schemas.openxmlformats.org/wordprocessingml/2006/main" xmlns:w14="http://schemas.microsoft.com/office/word/2010/wordml" xmlns:wpg="http://schemas.microsoft.com/office/word/2010/wordprocessingGroup" xmlns:wpi="http://schemas.microsoft.com/office/word/2010/wordprocessingInk" xmlns:wne="http://schemas.microsoft.com/office/word/2006/wordml" xmlns:wps="http://schemas.microsoft.com/office/word/2010/wordprocessingShape" xmlns:a14="http://schemas.microsoft.com/office/drawing/2010/main" xmlns:pic="http://schemas.openxmlformats.org/drawingml/2006/picture" xmlns:lc="http://schemas.openxmlformats.org/drawingml/2006/lockedCanvas" val="0"/>
+                <a14:useLocalDpi xmlns:lc="http://schemas.openxmlformats.org/drawingml/2006/lockedCanvas" xmlns:pic="http://schemas.openxmlformats.org/drawingml/2006/picture" xmlns:a14="http://schemas.microsoft.com/office/drawing/2010/main" xmlns:wps="http://schemas.microsoft.com/office/word/2010/wordprocessingShape" xmlns:wne="http://schemas.microsoft.com/office/word/2006/wordml" xmlns:wpi="http://schemas.microsoft.com/office/word/2010/wordprocessingInk" xmlns:wpg="http://schemas.microsoft.com/office/word/2010/wordprocessingGroup" xmlns:w14="http://schemas.microsoft.com/office/word/2010/wordml" xmlns:w="http://schemas.openxmlformats.org/wordprocessingml/2006/main" xmlns:w10="urn:schemas-microsoft-com:office:word" xmlns:wp="http://schemas.openxmlformats.org/drawingml/2006/wordprocessingDrawing" xmlns:wp14="http://schemas.microsoft.com/office/word/2010/wordprocessingDrawing" xmlns:v="urn:schemas-microsoft-com:vml" xmlns:m="http://schemas.openxmlformats.org/officeDocument/2006/math" xmlns:o="urn:schemas-microsoft-com:office:office" xmlns:mc="http://schemas.openxmlformats.org/markup-compatibility/2006" xmlns:wpc="http://schemas.microsoft.com/office/word/2010/wordprocessingCanvas" xmlns="" val="0"/>
               </a:ext>
             </a:extLst>
           </a:blip>
@@ -13593,7 +13771,7 @@
           </a:ln>
           <a:extLst>
             <a:ext uri="{53640926-AAD7-44D8-BBD7-CCE9431645EC}">
-              <a14:shadowObscured xmlns="" xmlns:wpc="http://schemas.microsoft.com/office/word/2010/wordprocessingCanvas" xmlns:mc="http://schemas.openxmlformats.org/markup-compatibility/2006" xmlns:o="urn:schemas-microsoft-com:office:office" xmlns:m="http://schemas.openxmlformats.org/officeDocument/2006/math" xmlns:v="urn:schemas-microsoft-com:vml" xmlns:wp14="http://schemas.microsoft.com/office/word/2010/wordprocessingDrawing" xmlns:wp="http://schemas.openxmlformats.org/drawingml/2006/wordprocessingDrawing" xmlns:w10="urn:schemas-microsoft-com:office:word" xmlns:w="http://schemas.openxmlformats.org/wordprocessingml/2006/main" xmlns:w14="http://schemas.microsoft.com/office/word/2010/wordml" xmlns:wpg="http://schemas.microsoft.com/office/word/2010/wordprocessingGroup" xmlns:wpi="http://schemas.microsoft.com/office/word/2010/wordprocessingInk" xmlns:wne="http://schemas.microsoft.com/office/word/2006/wordml" xmlns:wps="http://schemas.microsoft.com/office/word/2010/wordprocessingShape" xmlns:a14="http://schemas.microsoft.com/office/drawing/2010/main" xmlns:pic="http://schemas.openxmlformats.org/drawingml/2006/picture" xmlns:lc="http://schemas.openxmlformats.org/drawingml/2006/lockedCanvas"/>
+              <a14:shadowObscured xmlns:lc="http://schemas.openxmlformats.org/drawingml/2006/lockedCanvas" xmlns:pic="http://schemas.openxmlformats.org/drawingml/2006/picture" xmlns:a14="http://schemas.microsoft.com/office/drawing/2010/main" xmlns:wps="http://schemas.microsoft.com/office/word/2010/wordprocessingShape" xmlns:wne="http://schemas.microsoft.com/office/word/2006/wordml" xmlns:wpi="http://schemas.microsoft.com/office/word/2010/wordprocessingInk" xmlns:wpg="http://schemas.microsoft.com/office/word/2010/wordprocessingGroup" xmlns:w14="http://schemas.microsoft.com/office/word/2010/wordml" xmlns:w="http://schemas.openxmlformats.org/wordprocessingml/2006/main" xmlns:w10="urn:schemas-microsoft-com:office:word" xmlns:wp="http://schemas.openxmlformats.org/drawingml/2006/wordprocessingDrawing" xmlns:wp14="http://schemas.microsoft.com/office/word/2010/wordprocessingDrawing" xmlns:v="urn:schemas-microsoft-com:vml" xmlns:m="http://schemas.openxmlformats.org/officeDocument/2006/math" xmlns:o="urn:schemas-microsoft-com:office:office" xmlns:mc="http://schemas.openxmlformats.org/markup-compatibility/2006" xmlns:wpc="http://schemas.microsoft.com/office/word/2010/wordprocessingCanvas" xmlns=""/>
             </a:ext>
           </a:extLst>
         </p:spPr>
@@ -13654,15 +13832,7 @@
             </a:r>
             <a:r>
               <a:rPr lang="ja-JP" altLang="ja-JP" sz="2000" dirty="0" smtClean="0"/>
-              <a:t>チケット</a:t>
-            </a:r>
-            <a:r>
-              <a:rPr lang="ja-JP" altLang="ja-JP" sz="2000" dirty="0" smtClean="0"/>
-              <a:t>の増加率が時間とともに増加</a:t>
-            </a:r>
-            <a:r>
-              <a:rPr lang="ja-JP" altLang="ja-JP" sz="2000" dirty="0" smtClean="0"/>
-              <a:t>する</a:t>
+              <a:t>チケットの増加率が時間とともに増加する</a:t>
             </a:r>
             <a:r>
               <a:rPr lang="en-US" altLang="ja-JP" sz="2000" dirty="0" smtClean="0"/>
@@ -13720,7 +13890,7 @@
           <a:blip r:embed="rId2" cstate="print">
             <a:extLst>
               <a:ext uri="{28A0092B-C50C-407E-A947-70E740481C1C}">
-                <a14:useLocalDpi xmlns="" xmlns:wpc="http://schemas.microsoft.com/office/word/2010/wordprocessingCanvas" xmlns:mc="http://schemas.openxmlformats.org/markup-compatibility/2006" xmlns:o="urn:schemas-microsoft-com:office:office" xmlns:m="http://schemas.openxmlformats.org/officeDocument/2006/math" xmlns:v="urn:schemas-microsoft-com:vml" xmlns:wp14="http://schemas.microsoft.com/office/word/2010/wordprocessingDrawing" xmlns:wp="http://schemas.openxmlformats.org/drawingml/2006/wordprocessingDrawing" xmlns:w10="urn:schemas-microsoft-com:office:word" xmlns:w="http://schemas.openxmlformats.org/wordprocessingml/2006/main" xmlns:w14="http://schemas.microsoft.com/office/word/2010/wordml" xmlns:wpg="http://schemas.microsoft.com/office/word/2010/wordprocessingGroup" xmlns:wpi="http://schemas.microsoft.com/office/word/2010/wordprocessingInk" xmlns:wne="http://schemas.microsoft.com/office/word/2006/wordml" xmlns:wps="http://schemas.microsoft.com/office/word/2010/wordprocessingShape" xmlns:a14="http://schemas.microsoft.com/office/drawing/2010/main" xmlns:pic="http://schemas.openxmlformats.org/drawingml/2006/picture" xmlns:lc="http://schemas.openxmlformats.org/drawingml/2006/lockedCanvas" val="0"/>
+                <a14:useLocalDpi xmlns:lc="http://schemas.openxmlformats.org/drawingml/2006/lockedCanvas" xmlns:pic="http://schemas.openxmlformats.org/drawingml/2006/picture" xmlns:a14="http://schemas.microsoft.com/office/drawing/2010/main" xmlns:wps="http://schemas.microsoft.com/office/word/2010/wordprocessingShape" xmlns:wne="http://schemas.microsoft.com/office/word/2006/wordml" xmlns:wpi="http://schemas.microsoft.com/office/word/2010/wordprocessingInk" xmlns:wpg="http://schemas.microsoft.com/office/word/2010/wordprocessingGroup" xmlns:w14="http://schemas.microsoft.com/office/word/2010/wordml" xmlns:w="http://schemas.openxmlformats.org/wordprocessingml/2006/main" xmlns:w10="urn:schemas-microsoft-com:office:word" xmlns:wp="http://schemas.openxmlformats.org/drawingml/2006/wordprocessingDrawing" xmlns:wp14="http://schemas.microsoft.com/office/word/2010/wordprocessingDrawing" xmlns:v="urn:schemas-microsoft-com:vml" xmlns:m="http://schemas.openxmlformats.org/officeDocument/2006/math" xmlns:o="urn:schemas-microsoft-com:office:office" xmlns:mc="http://schemas.openxmlformats.org/markup-compatibility/2006" xmlns:wpc="http://schemas.microsoft.com/office/word/2010/wordprocessingCanvas" xmlns="" val="0"/>
               </a:ext>
             </a:extLst>
           </a:blip>
@@ -13740,7 +13910,7 @@
           </a:ln>
           <a:extLst>
             <a:ext uri="{53640926-AAD7-44D8-BBD7-CCE9431645EC}">
-              <a14:shadowObscured xmlns="" xmlns:wpc="http://schemas.microsoft.com/office/word/2010/wordprocessingCanvas" xmlns:mc="http://schemas.openxmlformats.org/markup-compatibility/2006" xmlns:o="urn:schemas-microsoft-com:office:office" xmlns:m="http://schemas.openxmlformats.org/officeDocument/2006/math" xmlns:v="urn:schemas-microsoft-com:vml" xmlns:wp14="http://schemas.microsoft.com/office/word/2010/wordprocessingDrawing" xmlns:wp="http://schemas.openxmlformats.org/drawingml/2006/wordprocessingDrawing" xmlns:w10="urn:schemas-microsoft-com:office:word" xmlns:w="http://schemas.openxmlformats.org/wordprocessingml/2006/main" xmlns:w14="http://schemas.microsoft.com/office/word/2010/wordml" xmlns:wpg="http://schemas.microsoft.com/office/word/2010/wordprocessingGroup" xmlns:wpi="http://schemas.microsoft.com/office/word/2010/wordprocessingInk" xmlns:wne="http://schemas.microsoft.com/office/word/2006/wordml" xmlns:wps="http://schemas.microsoft.com/office/word/2010/wordprocessingShape" xmlns:a14="http://schemas.microsoft.com/office/drawing/2010/main" xmlns:pic="http://schemas.openxmlformats.org/drawingml/2006/picture" xmlns:lc="http://schemas.openxmlformats.org/drawingml/2006/lockedCanvas"/>
+              <a14:shadowObscured xmlns:lc="http://schemas.openxmlformats.org/drawingml/2006/lockedCanvas" xmlns:pic="http://schemas.openxmlformats.org/drawingml/2006/picture" xmlns:a14="http://schemas.microsoft.com/office/drawing/2010/main" xmlns:wps="http://schemas.microsoft.com/office/word/2010/wordprocessingShape" xmlns:wne="http://schemas.microsoft.com/office/word/2006/wordml" xmlns:wpi="http://schemas.microsoft.com/office/word/2010/wordprocessingInk" xmlns:wpg="http://schemas.microsoft.com/office/word/2010/wordprocessingGroup" xmlns:w14="http://schemas.microsoft.com/office/word/2010/wordml" xmlns:w="http://schemas.openxmlformats.org/wordprocessingml/2006/main" xmlns:w10="urn:schemas-microsoft-com:office:word" xmlns:wp="http://schemas.openxmlformats.org/drawingml/2006/wordprocessingDrawing" xmlns:wp14="http://schemas.microsoft.com/office/word/2010/wordprocessingDrawing" xmlns:v="urn:schemas-microsoft-com:vml" xmlns:m="http://schemas.openxmlformats.org/officeDocument/2006/math" xmlns:o="urn:schemas-microsoft-com:office:office" xmlns:mc="http://schemas.openxmlformats.org/markup-compatibility/2006" xmlns:wpc="http://schemas.microsoft.com/office/word/2010/wordprocessingCanvas" xmlns=""/>
             </a:ext>
           </a:extLst>
         </p:spPr>
@@ -13797,19 +13967,11 @@
             <a:pPr lvl="0"/>
             <a:r>
               <a:rPr lang="ja-JP" altLang="en-US" sz="2000" dirty="0" smtClean="0"/>
-              <a:t>③</a:t>
-            </a:r>
-            <a:r>
-              <a:rPr lang="ja-JP" altLang="en-US" sz="2000" dirty="0" smtClean="0"/>
-              <a:t>　</a:t>
+              <a:t>③　</a:t>
             </a:r>
             <a:r>
               <a:rPr lang="ja-JP" altLang="ja-JP" sz="2000" dirty="0" smtClean="0"/>
-              <a:t>チケットの消化が発行に追い付いて</a:t>
-            </a:r>
-            <a:r>
-              <a:rPr lang="ja-JP" altLang="ja-JP" sz="2000" dirty="0" smtClean="0"/>
-              <a:t>いない</a:t>
+              <a:t>チケットの消化が発行に追い付いていない</a:t>
             </a:r>
             <a:r>
               <a:rPr lang="en-US" altLang="ja-JP" sz="2000" dirty="0" smtClean="0"/>
@@ -13867,7 +14029,7 @@
           <a:blip r:embed="rId2" cstate="print">
             <a:extLst>
               <a:ext uri="{28A0092B-C50C-407E-A947-70E740481C1C}">
-                <a14:useLocalDpi xmlns="" xmlns:wpc="http://schemas.microsoft.com/office/word/2010/wordprocessingCanvas" xmlns:mc="http://schemas.openxmlformats.org/markup-compatibility/2006" xmlns:o="urn:schemas-microsoft-com:office:office" xmlns:m="http://schemas.openxmlformats.org/officeDocument/2006/math" xmlns:v="urn:schemas-microsoft-com:vml" xmlns:wp14="http://schemas.microsoft.com/office/word/2010/wordprocessingDrawing" xmlns:wp="http://schemas.openxmlformats.org/drawingml/2006/wordprocessingDrawing" xmlns:w10="urn:schemas-microsoft-com:office:word" xmlns:w="http://schemas.openxmlformats.org/wordprocessingml/2006/main" xmlns:w14="http://schemas.microsoft.com/office/word/2010/wordml" xmlns:wpg="http://schemas.microsoft.com/office/word/2010/wordprocessingGroup" xmlns:wpi="http://schemas.microsoft.com/office/word/2010/wordprocessingInk" xmlns:wne="http://schemas.microsoft.com/office/word/2006/wordml" xmlns:wps="http://schemas.microsoft.com/office/word/2010/wordprocessingShape" xmlns:a14="http://schemas.microsoft.com/office/drawing/2010/main" xmlns:pic="http://schemas.openxmlformats.org/drawingml/2006/picture" xmlns:lc="http://schemas.openxmlformats.org/drawingml/2006/lockedCanvas" val="0"/>
+                <a14:useLocalDpi xmlns:lc="http://schemas.openxmlformats.org/drawingml/2006/lockedCanvas" xmlns:pic="http://schemas.openxmlformats.org/drawingml/2006/picture" xmlns:a14="http://schemas.microsoft.com/office/drawing/2010/main" xmlns:wps="http://schemas.microsoft.com/office/word/2010/wordprocessingShape" xmlns:wne="http://schemas.microsoft.com/office/word/2006/wordml" xmlns:wpi="http://schemas.microsoft.com/office/word/2010/wordprocessingInk" xmlns:wpg="http://schemas.microsoft.com/office/word/2010/wordprocessingGroup" xmlns:w14="http://schemas.microsoft.com/office/word/2010/wordml" xmlns:w="http://schemas.openxmlformats.org/wordprocessingml/2006/main" xmlns:w10="urn:schemas-microsoft-com:office:word" xmlns:wp="http://schemas.openxmlformats.org/drawingml/2006/wordprocessingDrawing" xmlns:wp14="http://schemas.microsoft.com/office/word/2010/wordprocessingDrawing" xmlns:v="urn:schemas-microsoft-com:vml" xmlns:m="http://schemas.openxmlformats.org/officeDocument/2006/math" xmlns:o="urn:schemas-microsoft-com:office:office" xmlns:mc="http://schemas.openxmlformats.org/markup-compatibility/2006" xmlns:wpc="http://schemas.microsoft.com/office/word/2010/wordprocessingCanvas" xmlns="" val="0"/>
               </a:ext>
             </a:extLst>
           </a:blip>
@@ -13887,7 +14049,7 @@
           </a:ln>
           <a:extLst>
             <a:ext uri="{53640926-AAD7-44D8-BBD7-CCE9431645EC}">
-              <a14:shadowObscured xmlns="" xmlns:wpc="http://schemas.microsoft.com/office/word/2010/wordprocessingCanvas" xmlns:mc="http://schemas.openxmlformats.org/markup-compatibility/2006" xmlns:o="urn:schemas-microsoft-com:office:office" xmlns:m="http://schemas.openxmlformats.org/officeDocument/2006/math" xmlns:v="urn:schemas-microsoft-com:vml" xmlns:wp14="http://schemas.microsoft.com/office/word/2010/wordprocessingDrawing" xmlns:wp="http://schemas.openxmlformats.org/drawingml/2006/wordprocessingDrawing" xmlns:w10="urn:schemas-microsoft-com:office:word" xmlns:w="http://schemas.openxmlformats.org/wordprocessingml/2006/main" xmlns:w14="http://schemas.microsoft.com/office/word/2010/wordml" xmlns:wpg="http://schemas.microsoft.com/office/word/2010/wordprocessingGroup" xmlns:wpi="http://schemas.microsoft.com/office/word/2010/wordprocessingInk" xmlns:wne="http://schemas.microsoft.com/office/word/2006/wordml" xmlns:wps="http://schemas.microsoft.com/office/word/2010/wordprocessingShape" xmlns:a14="http://schemas.microsoft.com/office/drawing/2010/main" xmlns:pic="http://schemas.openxmlformats.org/drawingml/2006/picture" xmlns:lc="http://schemas.openxmlformats.org/drawingml/2006/lockedCanvas"/>
+              <a14:shadowObscured xmlns:lc="http://schemas.openxmlformats.org/drawingml/2006/lockedCanvas" xmlns:pic="http://schemas.openxmlformats.org/drawingml/2006/picture" xmlns:a14="http://schemas.microsoft.com/office/drawing/2010/main" xmlns:wps="http://schemas.microsoft.com/office/word/2010/wordprocessingShape" xmlns:wne="http://schemas.microsoft.com/office/word/2006/wordml" xmlns:wpi="http://schemas.microsoft.com/office/word/2010/wordprocessingInk" xmlns:wpg="http://schemas.microsoft.com/office/word/2010/wordprocessingGroup" xmlns:w14="http://schemas.microsoft.com/office/word/2010/wordml" xmlns:w="http://schemas.openxmlformats.org/wordprocessingml/2006/main" xmlns:w10="urn:schemas-microsoft-com:office:word" xmlns:wp="http://schemas.openxmlformats.org/drawingml/2006/wordprocessingDrawing" xmlns:wp14="http://schemas.microsoft.com/office/word/2010/wordprocessingDrawing" xmlns:v="urn:schemas-microsoft-com:vml" xmlns:m="http://schemas.openxmlformats.org/officeDocument/2006/math" xmlns:o="urn:schemas-microsoft-com:office:office" xmlns:mc="http://schemas.openxmlformats.org/markup-compatibility/2006" xmlns:wpc="http://schemas.microsoft.com/office/word/2010/wordprocessingCanvas" xmlns=""/>
             </a:ext>
           </a:extLst>
         </p:spPr>
@@ -13948,11 +14110,7 @@
             </a:r>
             <a:r>
               <a:rPr lang="ja-JP" altLang="ja-JP" sz="2000" dirty="0" smtClean="0"/>
-              <a:t>チケットの消化が停滞し急激に消化</a:t>
-            </a:r>
-            <a:r>
-              <a:rPr lang="ja-JP" altLang="ja-JP" sz="2000" dirty="0" smtClean="0"/>
-              <a:t>される</a:t>
+              <a:t>チケットの消化が停滞し急激に消化される</a:t>
             </a:r>
             <a:r>
               <a:rPr lang="en-US" altLang="ja-JP" sz="2000" dirty="0" smtClean="0"/>
@@ -14014,7 +14172,7 @@
           <a:blip r:embed="rId2" cstate="print">
             <a:extLst>
               <a:ext uri="{28A0092B-C50C-407E-A947-70E740481C1C}">
-                <a14:useLocalDpi xmlns="" xmlns:wpc="http://schemas.microsoft.com/office/word/2010/wordprocessingCanvas" xmlns:mc="http://schemas.openxmlformats.org/markup-compatibility/2006" xmlns:o="urn:schemas-microsoft-com:office:office" xmlns:m="http://schemas.openxmlformats.org/officeDocument/2006/math" xmlns:v="urn:schemas-microsoft-com:vml" xmlns:wp14="http://schemas.microsoft.com/office/word/2010/wordprocessingDrawing" xmlns:wp="http://schemas.openxmlformats.org/drawingml/2006/wordprocessingDrawing" xmlns:w10="urn:schemas-microsoft-com:office:word" xmlns:w="http://schemas.openxmlformats.org/wordprocessingml/2006/main" xmlns:w14="http://schemas.microsoft.com/office/word/2010/wordml" xmlns:wpg="http://schemas.microsoft.com/office/word/2010/wordprocessingGroup" xmlns:wpi="http://schemas.microsoft.com/office/word/2010/wordprocessingInk" xmlns:wne="http://schemas.microsoft.com/office/word/2006/wordml" xmlns:wps="http://schemas.microsoft.com/office/word/2010/wordprocessingShape" xmlns:a14="http://schemas.microsoft.com/office/drawing/2010/main" xmlns:pic="http://schemas.openxmlformats.org/drawingml/2006/picture" xmlns:lc="http://schemas.openxmlformats.org/drawingml/2006/lockedCanvas" val="0"/>
+                <a14:useLocalDpi xmlns:lc="http://schemas.openxmlformats.org/drawingml/2006/lockedCanvas" xmlns:pic="http://schemas.openxmlformats.org/drawingml/2006/picture" xmlns:a14="http://schemas.microsoft.com/office/drawing/2010/main" xmlns:wps="http://schemas.microsoft.com/office/word/2010/wordprocessingShape" xmlns:wne="http://schemas.microsoft.com/office/word/2006/wordml" xmlns:wpi="http://schemas.microsoft.com/office/word/2010/wordprocessingInk" xmlns:wpg="http://schemas.microsoft.com/office/word/2010/wordprocessingGroup" xmlns:w14="http://schemas.microsoft.com/office/word/2010/wordml" xmlns:w="http://schemas.openxmlformats.org/wordprocessingml/2006/main" xmlns:w10="urn:schemas-microsoft-com:office:word" xmlns:wp="http://schemas.openxmlformats.org/drawingml/2006/wordprocessingDrawing" xmlns:wp14="http://schemas.microsoft.com/office/word/2010/wordprocessingDrawing" xmlns:v="urn:schemas-microsoft-com:vml" xmlns:m="http://schemas.openxmlformats.org/officeDocument/2006/math" xmlns:o="urn:schemas-microsoft-com:office:office" xmlns:mc="http://schemas.openxmlformats.org/markup-compatibility/2006" xmlns:wpc="http://schemas.microsoft.com/office/word/2010/wordprocessingCanvas" xmlns="" val="0"/>
               </a:ext>
             </a:extLst>
           </a:blip>
@@ -14034,7 +14192,7 @@
           </a:ln>
           <a:extLst>
             <a:ext uri="{53640926-AAD7-44D8-BBD7-CCE9431645EC}">
-              <a14:shadowObscured xmlns="" xmlns:wpc="http://schemas.microsoft.com/office/word/2010/wordprocessingCanvas" xmlns:mc="http://schemas.openxmlformats.org/markup-compatibility/2006" xmlns:o="urn:schemas-microsoft-com:office:office" xmlns:m="http://schemas.openxmlformats.org/officeDocument/2006/math" xmlns:v="urn:schemas-microsoft-com:vml" xmlns:wp14="http://schemas.microsoft.com/office/word/2010/wordprocessingDrawing" xmlns:wp="http://schemas.openxmlformats.org/drawingml/2006/wordprocessingDrawing" xmlns:w10="urn:schemas-microsoft-com:office:word" xmlns:w="http://schemas.openxmlformats.org/wordprocessingml/2006/main" xmlns:w14="http://schemas.microsoft.com/office/word/2010/wordml" xmlns:wpg="http://schemas.microsoft.com/office/word/2010/wordprocessingGroup" xmlns:wpi="http://schemas.microsoft.com/office/word/2010/wordprocessingInk" xmlns:wne="http://schemas.microsoft.com/office/word/2006/wordml" xmlns:wps="http://schemas.microsoft.com/office/word/2010/wordprocessingShape" xmlns:a14="http://schemas.microsoft.com/office/drawing/2010/main" xmlns:pic="http://schemas.openxmlformats.org/drawingml/2006/picture" xmlns:lc="http://schemas.openxmlformats.org/drawingml/2006/lockedCanvas"/>
+              <a14:shadowObscured xmlns:lc="http://schemas.openxmlformats.org/drawingml/2006/lockedCanvas" xmlns:pic="http://schemas.openxmlformats.org/drawingml/2006/picture" xmlns:a14="http://schemas.microsoft.com/office/drawing/2010/main" xmlns:wps="http://schemas.microsoft.com/office/word/2010/wordprocessingShape" xmlns:wne="http://schemas.microsoft.com/office/word/2006/wordml" xmlns:wpi="http://schemas.microsoft.com/office/word/2010/wordprocessingInk" xmlns:wpg="http://schemas.microsoft.com/office/word/2010/wordprocessingGroup" xmlns:w14="http://schemas.microsoft.com/office/word/2010/wordml" xmlns:w="http://schemas.openxmlformats.org/wordprocessingml/2006/main" xmlns:w10="urn:schemas-microsoft-com:office:word" xmlns:wp="http://schemas.openxmlformats.org/drawingml/2006/wordprocessingDrawing" xmlns:wp14="http://schemas.microsoft.com/office/word/2010/wordprocessingDrawing" xmlns:v="urn:schemas-microsoft-com:vml" xmlns:m="http://schemas.openxmlformats.org/officeDocument/2006/math" xmlns:o="urn:schemas-microsoft-com:office:office" xmlns:mc="http://schemas.openxmlformats.org/markup-compatibility/2006" xmlns:wpc="http://schemas.microsoft.com/office/word/2010/wordprocessingCanvas" xmlns=""/>
             </a:ext>
           </a:extLst>
         </p:spPr>
@@ -14086,6 +14244,64 @@
           <a:bodyPr/>
           <a:lstStyle/>
           <a:p>
+            <a:r>
+              <a:rPr kumimoji="1" lang="ja-JP" altLang="en-US" dirty="0" smtClean="0"/>
+              <a:t>研究背景</a:t>
+            </a:r>
+            <a:endParaRPr kumimoji="1" lang="en-US" altLang="ja-JP" dirty="0" smtClean="0"/>
+          </a:p>
+          <a:p>
+            <a:r>
+              <a:rPr lang="ja-JP" altLang="en-US" dirty="0" smtClean="0"/>
+              <a:t>研究</a:t>
+            </a:r>
+            <a:r>
+              <a:rPr lang="ja-JP" altLang="en-US" dirty="0" smtClean="0"/>
+              <a:t>目的</a:t>
+            </a:r>
+            <a:endParaRPr lang="en-US" altLang="ja-JP" dirty="0" smtClean="0"/>
+          </a:p>
+          <a:p>
+            <a:r>
+              <a:rPr kumimoji="1" lang="ja-JP" altLang="en-US" dirty="0" smtClean="0"/>
+              <a:t>研究</a:t>
+            </a:r>
+            <a:r>
+              <a:rPr kumimoji="1" lang="ja-JP" altLang="en-US" dirty="0" smtClean="0"/>
+              <a:t>方法</a:t>
+            </a:r>
+            <a:endParaRPr kumimoji="1" lang="en-US" altLang="ja-JP" dirty="0" smtClean="0"/>
+          </a:p>
+          <a:p>
+            <a:r>
+              <a:rPr lang="ja-JP" altLang="en-US" dirty="0" smtClean="0"/>
+              <a:t>チケットと</a:t>
+            </a:r>
+            <a:r>
+              <a:rPr lang="ja-JP" altLang="en-US" dirty="0" smtClean="0"/>
+              <a:t>は</a:t>
+            </a:r>
+            <a:endParaRPr lang="en-US" altLang="ja-JP" dirty="0" smtClean="0"/>
+          </a:p>
+          <a:p>
+            <a:r>
+              <a:rPr kumimoji="1" lang="ja-JP" altLang="en-US" dirty="0" smtClean="0"/>
+              <a:t>調査</a:t>
+            </a:r>
+            <a:endParaRPr kumimoji="1" lang="en-US" altLang="ja-JP" dirty="0" smtClean="0"/>
+          </a:p>
+          <a:p>
+            <a:r>
+              <a:rPr kumimoji="1" lang="ja-JP" altLang="en-US" dirty="0" smtClean="0"/>
+              <a:t>調査結果</a:t>
+            </a:r>
+            <a:endParaRPr kumimoji="1" lang="en-US" altLang="ja-JP" dirty="0" smtClean="0"/>
+          </a:p>
+          <a:p>
+            <a:r>
+              <a:rPr lang="ja-JP" altLang="en-US" dirty="0" smtClean="0"/>
+              <a:t>考察</a:t>
+            </a:r>
             <a:endParaRPr kumimoji="1" lang="ja-JP" altLang="en-US" dirty="0"/>
           </a:p>
         </p:txBody>
@@ -14441,31 +14657,6 @@
           <a:bodyPr/>
           <a:lstStyle/>
           <a:p>
-            <a:r>
-              <a:rPr kumimoji="1" lang="ja-JP" altLang="en-US" dirty="0" smtClean="0"/>
-              <a:t>オープンソースソフトウェア開発</a:t>
-            </a:r>
-            <a:endParaRPr kumimoji="1" lang="en-US" altLang="ja-JP" dirty="0" smtClean="0"/>
-          </a:p>
-          <a:p>
-            <a:r>
-              <a:rPr lang="ja-JP" altLang="en-US" dirty="0" smtClean="0"/>
-              <a:t>アジャイル型の開発プロセス</a:t>
-            </a:r>
-            <a:endParaRPr lang="en-US" altLang="ja-JP" dirty="0" smtClean="0"/>
-          </a:p>
-          <a:p>
-            <a:r>
-              <a:rPr kumimoji="1" lang="ja-JP" altLang="en-US" dirty="0" smtClean="0"/>
-              <a:t>タスクの管理</a:t>
-            </a:r>
-            <a:endParaRPr kumimoji="1" lang="en-US" altLang="ja-JP" dirty="0" smtClean="0"/>
-          </a:p>
-          <a:p>
-            <a:r>
-              <a:rPr lang="ja-JP" altLang="en-US" dirty="0" smtClean="0"/>
-              <a:t>チケットを利用してタスクの共有をする</a:t>
-            </a:r>
             <a:endParaRPr kumimoji="1" lang="ja-JP" altLang="en-US" dirty="0"/>
           </a:p>
         </p:txBody>
@@ -14490,6 +14681,206 @@
               <a:t>研究背景</a:t>
             </a:r>
             <a:endParaRPr kumimoji="1" lang="ja-JP" altLang="en-US" dirty="0"/>
+          </a:p>
+        </p:txBody>
+      </p:sp>
+      <p:sp>
+        <p:nvSpPr>
+          <p:cNvPr id="4" name="角丸四角形 3"/>
+          <p:cNvSpPr/>
+          <p:nvPr/>
+        </p:nvSpPr>
+        <p:spPr>
+          <a:xfrm>
+            <a:off x="971600" y="1268760"/>
+            <a:ext cx="7128792" cy="936104"/>
+          </a:xfrm>
+          <a:prstGeom prst="roundRect">
+            <a:avLst/>
+          </a:prstGeom>
+        </p:spPr>
+        <p:style>
+          <a:lnRef idx="2">
+            <a:schemeClr val="accent1">
+              <a:shade val="50000"/>
+            </a:schemeClr>
+          </a:lnRef>
+          <a:fillRef idx="1">
+            <a:schemeClr val="accent1"/>
+          </a:fillRef>
+          <a:effectRef idx="0">
+            <a:schemeClr val="accent1"/>
+          </a:effectRef>
+          <a:fontRef idx="minor">
+            <a:schemeClr val="lt1"/>
+          </a:fontRef>
+        </p:style>
+        <p:txBody>
+          <a:bodyPr rtlCol="0" anchor="ctr"/>
+          <a:lstStyle/>
+          <a:p>
+            <a:pPr algn="ctr"/>
+            <a:r>
+              <a:rPr kumimoji="1" lang="ja-JP" altLang="en-US" sz="2800" dirty="0" smtClean="0"/>
+              <a:t>オープンソースソフトウェア開発</a:t>
+            </a:r>
+            <a:endParaRPr kumimoji="1" lang="ja-JP" altLang="en-US" sz="2800" dirty="0"/>
+          </a:p>
+        </p:txBody>
+      </p:sp>
+      <p:sp>
+        <p:nvSpPr>
+          <p:cNvPr id="5" name="角丸四角形 4"/>
+          <p:cNvSpPr/>
+          <p:nvPr/>
+        </p:nvSpPr>
+        <p:spPr>
+          <a:xfrm>
+            <a:off x="971600" y="2636912"/>
+            <a:ext cx="7128792" cy="936104"/>
+          </a:xfrm>
+          <a:prstGeom prst="roundRect">
+            <a:avLst/>
+          </a:prstGeom>
+        </p:spPr>
+        <p:style>
+          <a:lnRef idx="2">
+            <a:schemeClr val="accent1">
+              <a:shade val="50000"/>
+            </a:schemeClr>
+          </a:lnRef>
+          <a:fillRef idx="1">
+            <a:schemeClr val="accent1"/>
+          </a:fillRef>
+          <a:effectRef idx="0">
+            <a:schemeClr val="accent1"/>
+          </a:effectRef>
+          <a:fontRef idx="minor">
+            <a:schemeClr val="lt1"/>
+          </a:fontRef>
+        </p:style>
+        <p:txBody>
+          <a:bodyPr rtlCol="0" anchor="ctr"/>
+          <a:lstStyle/>
+          <a:p>
+            <a:pPr algn="ctr"/>
+            <a:r>
+              <a:rPr kumimoji="1" lang="ja-JP" altLang="en-US" sz="2800" dirty="0" smtClean="0"/>
+              <a:t>アジャイル型の開発</a:t>
+            </a:r>
+            <a:endParaRPr kumimoji="1" lang="ja-JP" altLang="en-US" sz="2800" dirty="0"/>
+          </a:p>
+        </p:txBody>
+      </p:sp>
+      <p:sp>
+        <p:nvSpPr>
+          <p:cNvPr id="6" name="円/楕円 5"/>
+          <p:cNvSpPr/>
+          <p:nvPr/>
+        </p:nvSpPr>
+        <p:spPr>
+          <a:xfrm>
+            <a:off x="3131840" y="3861048"/>
+            <a:ext cx="2448272" cy="1224136"/>
+          </a:xfrm>
+          <a:prstGeom prst="ellipse">
+            <a:avLst/>
+          </a:prstGeom>
+        </p:spPr>
+        <p:style>
+          <a:lnRef idx="2">
+            <a:schemeClr val="accent2">
+              <a:shade val="50000"/>
+            </a:schemeClr>
+          </a:lnRef>
+          <a:fillRef idx="1">
+            <a:schemeClr val="accent2"/>
+          </a:fillRef>
+          <a:effectRef idx="0">
+            <a:schemeClr val="accent2"/>
+          </a:effectRef>
+          <a:fontRef idx="minor">
+            <a:schemeClr val="lt1"/>
+          </a:fontRef>
+        </p:style>
+        <p:txBody>
+          <a:bodyPr rtlCol="0" anchor="ctr"/>
+          <a:lstStyle/>
+          <a:p>
+            <a:pPr algn="ctr"/>
+            <a:r>
+              <a:rPr kumimoji="1" lang="ja-JP" altLang="en-US" dirty="0" smtClean="0">
+                <a:solidFill>
+                  <a:schemeClr val="bg1"/>
+                </a:solidFill>
+              </a:rPr>
+              <a:t>タスクの管理</a:t>
+            </a:r>
+            <a:endParaRPr kumimoji="1" lang="en-US" altLang="ja-JP" dirty="0" smtClean="0">
+              <a:solidFill>
+                <a:schemeClr val="bg1"/>
+              </a:solidFill>
+            </a:endParaRPr>
+          </a:p>
+          <a:p>
+            <a:pPr algn="ctr"/>
+            <a:r>
+              <a:rPr lang="ja-JP" altLang="en-US" dirty="0" smtClean="0">
+                <a:solidFill>
+                  <a:schemeClr val="bg1"/>
+                </a:solidFill>
+              </a:rPr>
+              <a:t>進捗の管理</a:t>
+            </a:r>
+            <a:endParaRPr kumimoji="1" lang="ja-JP" altLang="en-US" dirty="0">
+              <a:solidFill>
+                <a:schemeClr val="bg1"/>
+              </a:solidFill>
+            </a:endParaRPr>
+          </a:p>
+        </p:txBody>
+      </p:sp>
+      <p:sp>
+        <p:nvSpPr>
+          <p:cNvPr id="7" name="角丸四角形 6"/>
+          <p:cNvSpPr/>
+          <p:nvPr/>
+        </p:nvSpPr>
+        <p:spPr>
+          <a:xfrm>
+            <a:off x="971600" y="5517232"/>
+            <a:ext cx="7128792" cy="936104"/>
+          </a:xfrm>
+          <a:prstGeom prst="roundRect">
+            <a:avLst/>
+          </a:prstGeom>
+        </p:spPr>
+        <p:style>
+          <a:lnRef idx="2">
+            <a:schemeClr val="accent1">
+              <a:shade val="50000"/>
+            </a:schemeClr>
+          </a:lnRef>
+          <a:fillRef idx="1">
+            <a:schemeClr val="accent1"/>
+          </a:fillRef>
+          <a:effectRef idx="0">
+            <a:schemeClr val="accent1"/>
+          </a:effectRef>
+          <a:fontRef idx="minor">
+            <a:schemeClr val="lt1"/>
+          </a:fontRef>
+        </p:style>
+        <p:txBody>
+          <a:bodyPr rtlCol="0" anchor="ctr"/>
+          <a:lstStyle/>
+          <a:p>
+            <a:pPr algn="ctr"/>
+            <a:r>
+              <a:rPr kumimoji="1" lang="ja-JP" altLang="en-US" sz="2800" dirty="0" smtClean="0"/>
+              <a:t>チケットを利用してプロジェクトの管理を行う</a:t>
+            </a:r>
+            <a:endParaRPr kumimoji="1" lang="ja-JP" altLang="en-US" sz="2800" dirty="0"/>
           </a:p>
         </p:txBody>
       </p:sp>
@@ -14540,27 +14931,6 @@
           <a:bodyPr/>
           <a:lstStyle/>
           <a:p>
-            <a:r>
-              <a:rPr kumimoji="1" lang="ja-JP" altLang="en-US" dirty="0" smtClean="0"/>
-              <a:t>チケットがどのように使われているのか</a:t>
-            </a:r>
-            <a:endParaRPr kumimoji="1" lang="en-US" altLang="ja-JP" dirty="0" smtClean="0"/>
-          </a:p>
-          <a:p>
-            <a:r>
-              <a:rPr lang="ja-JP" altLang="en-US" dirty="0" smtClean="0"/>
-              <a:t>どれくらい活用されているのか．</a:t>
-            </a:r>
-            <a:endParaRPr lang="en-US" altLang="ja-JP" dirty="0" smtClean="0"/>
-          </a:p>
-          <a:p>
-            <a:endParaRPr kumimoji="1" lang="en-US" altLang="ja-JP" dirty="0" smtClean="0"/>
-          </a:p>
-          <a:p>
-            <a:r>
-              <a:rPr lang="ja-JP" altLang="en-US" dirty="0" smtClean="0"/>
-              <a:t>チケットがどのようにプロジェクトに活用できるかを調査する．</a:t>
-            </a:r>
             <a:endParaRPr kumimoji="1" lang="en-US" altLang="ja-JP" dirty="0" smtClean="0"/>
           </a:p>
         </p:txBody>
@@ -14585,6 +14955,210 @@
               <a:t>研究目的</a:t>
             </a:r>
             <a:endParaRPr kumimoji="1" lang="ja-JP" altLang="en-US" dirty="0"/>
+          </a:p>
+        </p:txBody>
+      </p:sp>
+      <p:sp>
+        <p:nvSpPr>
+          <p:cNvPr id="4" name="円/楕円 3"/>
+          <p:cNvSpPr/>
+          <p:nvPr/>
+        </p:nvSpPr>
+        <p:spPr>
+          <a:xfrm>
+            <a:off x="179512" y="1556792"/>
+            <a:ext cx="5400600" cy="1152128"/>
+          </a:xfrm>
+          <a:prstGeom prst="ellipse">
+            <a:avLst/>
+          </a:prstGeom>
+        </p:spPr>
+        <p:style>
+          <a:lnRef idx="2">
+            <a:schemeClr val="accent1">
+              <a:shade val="50000"/>
+            </a:schemeClr>
+          </a:lnRef>
+          <a:fillRef idx="1">
+            <a:schemeClr val="accent1"/>
+          </a:fillRef>
+          <a:effectRef idx="0">
+            <a:schemeClr val="accent1"/>
+          </a:effectRef>
+          <a:fontRef idx="minor">
+            <a:schemeClr val="lt1"/>
+          </a:fontRef>
+        </p:style>
+        <p:txBody>
+          <a:bodyPr rtlCol="0" anchor="ctr"/>
+          <a:lstStyle/>
+          <a:p>
+            <a:pPr algn="ctr"/>
+            <a:r>
+              <a:rPr kumimoji="1" lang="ja-JP" altLang="en-US" sz="2400" dirty="0" smtClean="0"/>
+              <a:t>チケットが</a:t>
+            </a:r>
+            <a:endParaRPr kumimoji="1" lang="en-US" altLang="ja-JP" sz="2400" dirty="0" smtClean="0"/>
+          </a:p>
+          <a:p>
+            <a:pPr algn="ctr"/>
+            <a:r>
+              <a:rPr kumimoji="1" lang="ja-JP" altLang="en-US" sz="2400" dirty="0" smtClean="0"/>
+              <a:t>どのように使われているか</a:t>
+            </a:r>
+            <a:endParaRPr kumimoji="1" lang="ja-JP" altLang="en-US" sz="2400" dirty="0"/>
+          </a:p>
+        </p:txBody>
+      </p:sp>
+      <p:sp>
+        <p:nvSpPr>
+          <p:cNvPr id="5" name="円/楕円 4"/>
+          <p:cNvSpPr/>
+          <p:nvPr/>
+        </p:nvSpPr>
+        <p:spPr>
+          <a:xfrm>
+            <a:off x="3635896" y="2636912"/>
+            <a:ext cx="5400600" cy="1152128"/>
+          </a:xfrm>
+          <a:prstGeom prst="ellipse">
+            <a:avLst/>
+          </a:prstGeom>
+        </p:spPr>
+        <p:style>
+          <a:lnRef idx="2">
+            <a:schemeClr val="accent1">
+              <a:shade val="50000"/>
+            </a:schemeClr>
+          </a:lnRef>
+          <a:fillRef idx="1">
+            <a:schemeClr val="accent1"/>
+          </a:fillRef>
+          <a:effectRef idx="0">
+            <a:schemeClr val="accent1"/>
+          </a:effectRef>
+          <a:fontRef idx="minor">
+            <a:schemeClr val="lt1"/>
+          </a:fontRef>
+        </p:style>
+        <p:txBody>
+          <a:bodyPr rtlCol="0" anchor="ctr"/>
+          <a:lstStyle/>
+          <a:p>
+            <a:pPr algn="ctr"/>
+            <a:r>
+              <a:rPr kumimoji="1" lang="ja-JP" altLang="en-US" sz="2400" dirty="0" smtClean="0"/>
+              <a:t>チケットが</a:t>
+            </a:r>
+            <a:endParaRPr kumimoji="1" lang="en-US" altLang="ja-JP" sz="2400" dirty="0" smtClean="0"/>
+          </a:p>
+          <a:p>
+            <a:pPr algn="ctr"/>
+            <a:r>
+              <a:rPr lang="ja-JP" altLang="en-US" sz="2400" dirty="0" smtClean="0"/>
+              <a:t>どれくらい使われているか</a:t>
+            </a:r>
+            <a:endParaRPr kumimoji="1" lang="ja-JP" altLang="en-US" sz="2400" dirty="0"/>
+          </a:p>
+        </p:txBody>
+      </p:sp>
+      <p:sp>
+        <p:nvSpPr>
+          <p:cNvPr id="6" name="下矢印 5"/>
+          <p:cNvSpPr/>
+          <p:nvPr/>
+        </p:nvSpPr>
+        <p:spPr>
+          <a:xfrm>
+            <a:off x="3203848" y="4005064"/>
+            <a:ext cx="2088232" cy="648072"/>
+          </a:xfrm>
+          <a:prstGeom prst="downArrow">
+            <a:avLst/>
+          </a:prstGeom>
+        </p:spPr>
+        <p:style>
+          <a:lnRef idx="2">
+            <a:schemeClr val="accent1">
+              <a:shade val="50000"/>
+            </a:schemeClr>
+          </a:lnRef>
+          <a:fillRef idx="1">
+            <a:schemeClr val="accent1"/>
+          </a:fillRef>
+          <a:effectRef idx="0">
+            <a:schemeClr val="accent1"/>
+          </a:effectRef>
+          <a:fontRef idx="minor">
+            <a:schemeClr val="lt1"/>
+          </a:fontRef>
+        </p:style>
+        <p:txBody>
+          <a:bodyPr rtlCol="0" anchor="ctr"/>
+          <a:lstStyle/>
+          <a:p>
+            <a:pPr algn="ctr"/>
+            <a:endParaRPr kumimoji="1" lang="ja-JP" altLang="en-US"/>
+          </a:p>
+        </p:txBody>
+      </p:sp>
+      <p:sp>
+        <p:nvSpPr>
+          <p:cNvPr id="8" name="角丸四角形 7"/>
+          <p:cNvSpPr/>
+          <p:nvPr/>
+        </p:nvSpPr>
+        <p:spPr>
+          <a:xfrm>
+            <a:off x="971600" y="4725144"/>
+            <a:ext cx="6912768" cy="1152128"/>
+          </a:xfrm>
+          <a:prstGeom prst="roundRect">
+            <a:avLst/>
+          </a:prstGeom>
+        </p:spPr>
+        <p:style>
+          <a:lnRef idx="2">
+            <a:schemeClr val="accent1">
+              <a:shade val="50000"/>
+            </a:schemeClr>
+          </a:lnRef>
+          <a:fillRef idx="1">
+            <a:schemeClr val="accent1"/>
+          </a:fillRef>
+          <a:effectRef idx="0">
+            <a:schemeClr val="accent1"/>
+          </a:effectRef>
+          <a:fontRef idx="minor">
+            <a:schemeClr val="lt1"/>
+          </a:fontRef>
+        </p:style>
+        <p:txBody>
+          <a:bodyPr rtlCol="0" anchor="ctr"/>
+          <a:lstStyle/>
+          <a:p>
+            <a:pPr algn="ctr"/>
+            <a:r>
+              <a:rPr lang="ja-JP" altLang="en-US" sz="2800" dirty="0" smtClean="0"/>
+              <a:t>チケットがどのようにプロジェクト</a:t>
+            </a:r>
+            <a:r>
+              <a:rPr lang="ja-JP" altLang="en-US" sz="2800" dirty="0" smtClean="0"/>
+              <a:t>に</a:t>
+            </a:r>
+            <a:endParaRPr lang="en-US" altLang="ja-JP" sz="2800" dirty="0" smtClean="0"/>
+          </a:p>
+          <a:p>
+            <a:pPr algn="ctr"/>
+            <a:r>
+              <a:rPr lang="ja-JP" altLang="en-US" sz="2800" dirty="0" smtClean="0"/>
+              <a:t>活用</a:t>
+            </a:r>
+            <a:r>
+              <a:rPr lang="ja-JP" altLang="en-US" sz="2800" dirty="0" smtClean="0"/>
+              <a:t>できるかを調査する．</a:t>
+            </a:r>
+            <a:endParaRPr lang="en-US" altLang="ja-JP" sz="2800" dirty="0" smtClean="0"/>
           </a:p>
         </p:txBody>
       </p:sp>
@@ -14635,65 +15209,6 @@
           <a:bodyPr/>
           <a:lstStyle/>
           <a:p>
-            <a:r>
-              <a:rPr kumimoji="1" lang="en-US" altLang="ja-JP" dirty="0" err="1" smtClean="0"/>
-              <a:t>GitHub</a:t>
-            </a:r>
-            <a:r>
-              <a:rPr kumimoji="1" lang="ja-JP" altLang="en-US" dirty="0" smtClean="0"/>
-              <a:t>においてチケットと同様な機能を持つ</a:t>
-            </a:r>
-            <a:r>
-              <a:rPr kumimoji="1" lang="en-US" altLang="ja-JP" dirty="0" smtClean="0"/>
-              <a:t>Issue</a:t>
-            </a:r>
-          </a:p>
-          <a:p>
-            <a:r>
-              <a:rPr lang="en-US" altLang="ja-JP" dirty="0" err="1" smtClean="0"/>
-              <a:t>GitHub</a:t>
-            </a:r>
-            <a:r>
-              <a:rPr lang="ja-JP" altLang="en-US" dirty="0" smtClean="0"/>
-              <a:t>内のスター数ランキング上位</a:t>
-            </a:r>
-            <a:r>
-              <a:rPr lang="en-US" altLang="ja-JP" dirty="0" smtClean="0"/>
-              <a:t>36</a:t>
-            </a:r>
-            <a:r>
-              <a:rPr lang="ja-JP" altLang="en-US" dirty="0" smtClean="0"/>
-              <a:t>件のプロジェクト</a:t>
-            </a:r>
-            <a:endParaRPr lang="en-US" altLang="ja-JP" dirty="0" smtClean="0"/>
-          </a:p>
-          <a:p>
-            <a:r>
-              <a:rPr lang="en-US" altLang="ja-JP" dirty="0" smtClean="0"/>
-              <a:t>API</a:t>
-            </a:r>
-            <a:r>
-              <a:rPr lang="ja-JP" altLang="en-US" dirty="0" smtClean="0"/>
-              <a:t>を利用</a:t>
-            </a:r>
-            <a:endParaRPr lang="en-US" altLang="ja-JP" dirty="0" smtClean="0"/>
-          </a:p>
-          <a:p>
-            <a:r>
-              <a:rPr kumimoji="1" lang="en-US" altLang="ja-JP" dirty="0" smtClean="0"/>
-              <a:t>Issue</a:t>
-            </a:r>
-            <a:r>
-              <a:rPr lang="ja-JP" altLang="en-US" dirty="0" smtClean="0"/>
-              <a:t>数の時間変化のグラフを書く</a:t>
-            </a:r>
-            <a:endParaRPr lang="en-US" altLang="ja-JP" dirty="0" smtClean="0"/>
-          </a:p>
-          <a:p>
-            <a:r>
-              <a:rPr kumimoji="1" lang="ja-JP" altLang="en-US" dirty="0" smtClean="0"/>
-              <a:t>ソフトウェア開発プロジェクトの開発形態を調査する．</a:t>
-            </a:r>
             <a:endParaRPr kumimoji="1" lang="ja-JP" altLang="en-US" dirty="0"/>
           </a:p>
         </p:txBody>
@@ -14718,6 +15233,290 @@
               <a:t>研究方法</a:t>
             </a:r>
             <a:endParaRPr kumimoji="1" lang="ja-JP" altLang="en-US" dirty="0"/>
+          </a:p>
+        </p:txBody>
+      </p:sp>
+      <p:sp>
+        <p:nvSpPr>
+          <p:cNvPr id="4" name="角丸四角形 3"/>
+          <p:cNvSpPr/>
+          <p:nvPr/>
+        </p:nvSpPr>
+        <p:spPr>
+          <a:xfrm>
+            <a:off x="755576" y="1340768"/>
+            <a:ext cx="7704856" cy="1080120"/>
+          </a:xfrm>
+          <a:prstGeom prst="roundRect">
+            <a:avLst/>
+          </a:prstGeom>
+        </p:spPr>
+        <p:style>
+          <a:lnRef idx="2">
+            <a:schemeClr val="accent1">
+              <a:shade val="50000"/>
+            </a:schemeClr>
+          </a:lnRef>
+          <a:fillRef idx="1">
+            <a:schemeClr val="accent1"/>
+          </a:fillRef>
+          <a:effectRef idx="0">
+            <a:schemeClr val="accent1"/>
+          </a:effectRef>
+          <a:fontRef idx="minor">
+            <a:schemeClr val="lt1"/>
+          </a:fontRef>
+        </p:style>
+        <p:txBody>
+          <a:bodyPr rtlCol="0" anchor="ctr"/>
+          <a:lstStyle/>
+          <a:p>
+            <a:pPr algn="ctr"/>
+            <a:r>
+              <a:rPr lang="en-US" altLang="ja-JP" sz="2400" dirty="0" err="1" smtClean="0"/>
+              <a:t>GitHub</a:t>
+            </a:r>
+            <a:r>
+              <a:rPr lang="ja-JP" altLang="en-US" sz="2400" dirty="0" smtClean="0"/>
+              <a:t>内のスター数ランキング上位</a:t>
+            </a:r>
+            <a:r>
+              <a:rPr lang="en-US" altLang="ja-JP" sz="2400" dirty="0" smtClean="0"/>
+              <a:t>36</a:t>
+            </a:r>
+            <a:r>
+              <a:rPr lang="ja-JP" altLang="en-US" sz="2400" dirty="0" smtClean="0"/>
+              <a:t>件のプロジェクト</a:t>
+            </a:r>
+            <a:endParaRPr lang="en-US" altLang="ja-JP" sz="2400" dirty="0" smtClean="0"/>
+          </a:p>
+        </p:txBody>
+      </p:sp>
+      <p:sp>
+        <p:nvSpPr>
+          <p:cNvPr id="5" name="下矢印 4"/>
+          <p:cNvSpPr/>
+          <p:nvPr/>
+        </p:nvSpPr>
+        <p:spPr>
+          <a:xfrm>
+            <a:off x="3635896" y="2564904"/>
+            <a:ext cx="1512168" cy="792088"/>
+          </a:xfrm>
+          <a:prstGeom prst="downArrow">
+            <a:avLst/>
+          </a:prstGeom>
+        </p:spPr>
+        <p:style>
+          <a:lnRef idx="2">
+            <a:schemeClr val="accent1">
+              <a:shade val="50000"/>
+            </a:schemeClr>
+          </a:lnRef>
+          <a:fillRef idx="1">
+            <a:schemeClr val="accent1"/>
+          </a:fillRef>
+          <a:effectRef idx="0">
+            <a:schemeClr val="accent1"/>
+          </a:effectRef>
+          <a:fontRef idx="minor">
+            <a:schemeClr val="lt1"/>
+          </a:fontRef>
+        </p:style>
+        <p:txBody>
+          <a:bodyPr rtlCol="0" anchor="ctr"/>
+          <a:lstStyle/>
+          <a:p>
+            <a:pPr algn="ctr"/>
+            <a:endParaRPr kumimoji="1" lang="ja-JP" altLang="en-US"/>
+          </a:p>
+        </p:txBody>
+      </p:sp>
+      <p:sp>
+        <p:nvSpPr>
+          <p:cNvPr id="6" name="円/楕円 5"/>
+          <p:cNvSpPr/>
+          <p:nvPr/>
+        </p:nvSpPr>
+        <p:spPr>
+          <a:xfrm>
+            <a:off x="5292080" y="2564904"/>
+            <a:ext cx="1800200" cy="720080"/>
+          </a:xfrm>
+          <a:prstGeom prst="ellipse">
+            <a:avLst/>
+          </a:prstGeom>
+        </p:spPr>
+        <p:style>
+          <a:lnRef idx="2">
+            <a:schemeClr val="accent1">
+              <a:shade val="50000"/>
+            </a:schemeClr>
+          </a:lnRef>
+          <a:fillRef idx="1">
+            <a:schemeClr val="accent1"/>
+          </a:fillRef>
+          <a:effectRef idx="0">
+            <a:schemeClr val="accent1"/>
+          </a:effectRef>
+          <a:fontRef idx="minor">
+            <a:schemeClr val="lt1"/>
+          </a:fontRef>
+        </p:style>
+        <p:txBody>
+          <a:bodyPr rtlCol="0" anchor="ctr"/>
+          <a:lstStyle/>
+          <a:p>
+            <a:pPr algn="ctr"/>
+            <a:r>
+              <a:rPr kumimoji="1" lang="en-US" altLang="ja-JP" dirty="0" smtClean="0"/>
+              <a:t>API</a:t>
+            </a:r>
+            <a:r>
+              <a:rPr kumimoji="1" lang="ja-JP" altLang="en-US" dirty="0" smtClean="0"/>
+              <a:t>を利用</a:t>
+            </a:r>
+            <a:endParaRPr kumimoji="1" lang="ja-JP" altLang="en-US" dirty="0"/>
+          </a:p>
+        </p:txBody>
+      </p:sp>
+      <p:sp>
+        <p:nvSpPr>
+          <p:cNvPr id="8" name="角丸四角形 7"/>
+          <p:cNvSpPr/>
+          <p:nvPr/>
+        </p:nvSpPr>
+        <p:spPr>
+          <a:xfrm>
+            <a:off x="755576" y="3501008"/>
+            <a:ext cx="7704856" cy="1080120"/>
+          </a:xfrm>
+          <a:prstGeom prst="roundRect">
+            <a:avLst/>
+          </a:prstGeom>
+        </p:spPr>
+        <p:style>
+          <a:lnRef idx="2">
+            <a:schemeClr val="accent1">
+              <a:shade val="50000"/>
+            </a:schemeClr>
+          </a:lnRef>
+          <a:fillRef idx="1">
+            <a:schemeClr val="accent1"/>
+          </a:fillRef>
+          <a:effectRef idx="0">
+            <a:schemeClr val="accent1"/>
+          </a:effectRef>
+          <a:fontRef idx="minor">
+            <a:schemeClr val="lt1"/>
+          </a:fontRef>
+        </p:style>
+        <p:txBody>
+          <a:bodyPr rtlCol="0" anchor="ctr"/>
+          <a:lstStyle/>
+          <a:p>
+            <a:pPr algn="ctr"/>
+            <a:r>
+              <a:rPr lang="en-US" altLang="ja-JP" sz="2400" dirty="0" smtClean="0"/>
+              <a:t>Issue</a:t>
+            </a:r>
+            <a:r>
+              <a:rPr lang="ja-JP" altLang="en-US" sz="2400" dirty="0" smtClean="0"/>
+              <a:t>数の時間変化のグラフを描画</a:t>
+            </a:r>
+            <a:endParaRPr lang="en-US" altLang="ja-JP" sz="2400" dirty="0" smtClean="0"/>
+          </a:p>
+        </p:txBody>
+      </p:sp>
+      <p:sp>
+        <p:nvSpPr>
+          <p:cNvPr id="9" name="下矢印 8"/>
+          <p:cNvSpPr/>
+          <p:nvPr/>
+        </p:nvSpPr>
+        <p:spPr>
+          <a:xfrm>
+            <a:off x="3635896" y="4725144"/>
+            <a:ext cx="1512168" cy="792088"/>
+          </a:xfrm>
+          <a:prstGeom prst="downArrow">
+            <a:avLst/>
+          </a:prstGeom>
+        </p:spPr>
+        <p:style>
+          <a:lnRef idx="2">
+            <a:schemeClr val="accent1">
+              <a:shade val="50000"/>
+            </a:schemeClr>
+          </a:lnRef>
+          <a:fillRef idx="1">
+            <a:schemeClr val="accent1"/>
+          </a:fillRef>
+          <a:effectRef idx="0">
+            <a:schemeClr val="accent1"/>
+          </a:effectRef>
+          <a:fontRef idx="minor">
+            <a:schemeClr val="lt1"/>
+          </a:fontRef>
+        </p:style>
+        <p:txBody>
+          <a:bodyPr rtlCol="0" anchor="ctr"/>
+          <a:lstStyle/>
+          <a:p>
+            <a:pPr algn="ctr"/>
+            <a:endParaRPr kumimoji="1" lang="ja-JP" altLang="en-US"/>
+          </a:p>
+        </p:txBody>
+      </p:sp>
+      <p:sp>
+        <p:nvSpPr>
+          <p:cNvPr id="11" name="角丸四角形 10"/>
+          <p:cNvSpPr/>
+          <p:nvPr/>
+        </p:nvSpPr>
+        <p:spPr>
+          <a:xfrm>
+            <a:off x="755576" y="5589240"/>
+            <a:ext cx="7704856" cy="1080120"/>
+          </a:xfrm>
+          <a:prstGeom prst="roundRect">
+            <a:avLst/>
+          </a:prstGeom>
+        </p:spPr>
+        <p:style>
+          <a:lnRef idx="2">
+            <a:schemeClr val="accent1">
+              <a:shade val="50000"/>
+            </a:schemeClr>
+          </a:lnRef>
+          <a:fillRef idx="1">
+            <a:schemeClr val="accent1"/>
+          </a:fillRef>
+          <a:effectRef idx="0">
+            <a:schemeClr val="accent1"/>
+          </a:effectRef>
+          <a:fontRef idx="minor">
+            <a:schemeClr val="lt1"/>
+          </a:fontRef>
+        </p:style>
+        <p:txBody>
+          <a:bodyPr rtlCol="0" anchor="ctr"/>
+          <a:lstStyle/>
+          <a:p>
+            <a:pPr algn="ctr"/>
+            <a:r>
+              <a:rPr lang="ja-JP" altLang="en-US" sz="2400" dirty="0" smtClean="0"/>
+              <a:t>ソフトウェア</a:t>
+            </a:r>
+            <a:r>
+              <a:rPr lang="ja-JP" altLang="en-US" sz="2400" dirty="0" smtClean="0"/>
+              <a:t>開発プロジェクトの開発形態を調査する</a:t>
+            </a:r>
+            <a:r>
+              <a:rPr lang="ja-JP" altLang="en-US" sz="2400" dirty="0" smtClean="0"/>
+              <a:t>．</a:t>
+            </a:r>
+            <a:endParaRPr lang="ja-JP" altLang="en-US" sz="2400" dirty="0" smtClean="0"/>
           </a:p>
         </p:txBody>
       </p:sp>
@@ -14812,7 +15611,7 @@
           <a:blip r:embed="rId2" cstate="print">
             <a:extLst>
               <a:ext uri="{28A0092B-C50C-407E-A947-70E740481C1C}">
-                <a14:useLocalDpi xmlns:lc="http://schemas.openxmlformats.org/drawingml/2006/lockedCanvas" xmlns:pic="http://schemas.openxmlformats.org/drawingml/2006/picture" xmlns:a14="http://schemas.microsoft.com/office/drawing/2010/main" xmlns:wps="http://schemas.microsoft.com/office/word/2010/wordprocessingShape" xmlns:wne="http://schemas.microsoft.com/office/word/2006/wordml" xmlns:wpi="http://schemas.microsoft.com/office/word/2010/wordprocessingInk" xmlns:wpg="http://schemas.microsoft.com/office/word/2010/wordprocessingGroup" xmlns:w14="http://schemas.microsoft.com/office/word/2010/wordml" xmlns:w="http://schemas.openxmlformats.org/wordprocessingml/2006/main" xmlns:w10="urn:schemas-microsoft-com:office:word" xmlns:wp="http://schemas.openxmlformats.org/drawingml/2006/wordprocessingDrawing" xmlns:wp14="http://schemas.microsoft.com/office/word/2010/wordprocessingDrawing" xmlns:v="urn:schemas-microsoft-com:vml" xmlns:m="http://schemas.openxmlformats.org/officeDocument/2006/math" xmlns:o="urn:schemas-microsoft-com:office:office" xmlns:mc="http://schemas.openxmlformats.org/markup-compatibility/2006" xmlns:wpc="http://schemas.microsoft.com/office/word/2010/wordprocessingCanvas" xmlns="" val="0"/>
+                <a14:useLocalDpi xmlns="" xmlns:wpc="http://schemas.microsoft.com/office/word/2010/wordprocessingCanvas" xmlns:mc="http://schemas.openxmlformats.org/markup-compatibility/2006" xmlns:o="urn:schemas-microsoft-com:office:office" xmlns:m="http://schemas.openxmlformats.org/officeDocument/2006/math" xmlns:v="urn:schemas-microsoft-com:vml" xmlns:wp14="http://schemas.microsoft.com/office/word/2010/wordprocessingDrawing" xmlns:wp="http://schemas.openxmlformats.org/drawingml/2006/wordprocessingDrawing" xmlns:w10="urn:schemas-microsoft-com:office:word" xmlns:w="http://schemas.openxmlformats.org/wordprocessingml/2006/main" xmlns:w14="http://schemas.microsoft.com/office/word/2010/wordml" xmlns:wpg="http://schemas.microsoft.com/office/word/2010/wordprocessingGroup" xmlns:wpi="http://schemas.microsoft.com/office/word/2010/wordprocessingInk" xmlns:wne="http://schemas.microsoft.com/office/word/2006/wordml" xmlns:wps="http://schemas.microsoft.com/office/word/2010/wordprocessingShape" xmlns:a14="http://schemas.microsoft.com/office/drawing/2010/main" xmlns:pic="http://schemas.openxmlformats.org/drawingml/2006/picture" xmlns:lc="http://schemas.openxmlformats.org/drawingml/2006/lockedCanvas" val="0"/>
               </a:ext>
             </a:extLst>
           </a:blip>
@@ -15021,7 +15820,7 @@
           <a:blip r:embed="rId2" cstate="print">
             <a:extLst>
               <a:ext uri="{28A0092B-C50C-407E-A947-70E740481C1C}">
-                <a14:useLocalDpi xmlns:lc="http://schemas.openxmlformats.org/drawingml/2006/lockedCanvas" xmlns:pic="http://schemas.openxmlformats.org/drawingml/2006/picture" xmlns:a14="http://schemas.microsoft.com/office/drawing/2010/main" xmlns:wps="http://schemas.microsoft.com/office/word/2010/wordprocessingShape" xmlns:wne="http://schemas.microsoft.com/office/word/2006/wordml" xmlns:wpi="http://schemas.microsoft.com/office/word/2010/wordprocessingInk" xmlns:wpg="http://schemas.microsoft.com/office/word/2010/wordprocessingGroup" xmlns:w14="http://schemas.microsoft.com/office/word/2010/wordml" xmlns:w="http://schemas.openxmlformats.org/wordprocessingml/2006/main" xmlns:w10="urn:schemas-microsoft-com:office:word" xmlns:wp="http://schemas.openxmlformats.org/drawingml/2006/wordprocessingDrawing" xmlns:wp14="http://schemas.microsoft.com/office/word/2010/wordprocessingDrawing" xmlns:v="urn:schemas-microsoft-com:vml" xmlns:m="http://schemas.openxmlformats.org/officeDocument/2006/math" xmlns:o="urn:schemas-microsoft-com:office:office" xmlns:mc="http://schemas.openxmlformats.org/markup-compatibility/2006" xmlns:wpc="http://schemas.microsoft.com/office/word/2010/wordprocessingCanvas" xmlns="" val="0"/>
+                <a14:useLocalDpi xmlns="" xmlns:wpc="http://schemas.microsoft.com/office/word/2010/wordprocessingCanvas" xmlns:mc="http://schemas.openxmlformats.org/markup-compatibility/2006" xmlns:o="urn:schemas-microsoft-com:office:office" xmlns:m="http://schemas.openxmlformats.org/officeDocument/2006/math" xmlns:v="urn:schemas-microsoft-com:vml" xmlns:wp14="http://schemas.microsoft.com/office/word/2010/wordprocessingDrawing" xmlns:wp="http://schemas.openxmlformats.org/drawingml/2006/wordprocessingDrawing" xmlns:w10="urn:schemas-microsoft-com:office:word" xmlns:w="http://schemas.openxmlformats.org/wordprocessingml/2006/main" xmlns:w14="http://schemas.microsoft.com/office/word/2010/wordml" xmlns:wpg="http://schemas.microsoft.com/office/word/2010/wordprocessingGroup" xmlns:wpi="http://schemas.microsoft.com/office/word/2010/wordprocessingInk" xmlns:wne="http://schemas.microsoft.com/office/word/2006/wordml" xmlns:wps="http://schemas.microsoft.com/office/word/2010/wordprocessingShape" xmlns:a14="http://schemas.microsoft.com/office/drawing/2010/main" xmlns:pic="http://schemas.openxmlformats.org/drawingml/2006/picture" xmlns:lc="http://schemas.openxmlformats.org/drawingml/2006/lockedCanvas" val="0"/>
               </a:ext>
             </a:extLst>
           </a:blip>
@@ -15113,7 +15912,7 @@
           <a:blip r:embed="rId2" cstate="print">
             <a:extLst>
               <a:ext uri="{28A0092B-C50C-407E-A947-70E740481C1C}">
-                <a14:useLocalDpi xmlns:lc="http://schemas.openxmlformats.org/drawingml/2006/lockedCanvas" xmlns:pic="http://schemas.openxmlformats.org/drawingml/2006/picture" xmlns:a14="http://schemas.microsoft.com/office/drawing/2010/main" xmlns:wps="http://schemas.microsoft.com/office/word/2010/wordprocessingShape" xmlns:wne="http://schemas.microsoft.com/office/word/2006/wordml" xmlns:wpi="http://schemas.microsoft.com/office/word/2010/wordprocessingInk" xmlns:wpg="http://schemas.microsoft.com/office/word/2010/wordprocessingGroup" xmlns:w14="http://schemas.microsoft.com/office/word/2010/wordml" xmlns:w="http://schemas.openxmlformats.org/wordprocessingml/2006/main" xmlns:w10="urn:schemas-microsoft-com:office:word" xmlns:wp="http://schemas.openxmlformats.org/drawingml/2006/wordprocessingDrawing" xmlns:wp14="http://schemas.microsoft.com/office/word/2010/wordprocessingDrawing" xmlns:v="urn:schemas-microsoft-com:vml" xmlns:m="http://schemas.openxmlformats.org/officeDocument/2006/math" xmlns:o="urn:schemas-microsoft-com:office:office" xmlns:mc="http://schemas.openxmlformats.org/markup-compatibility/2006" xmlns:wpc="http://schemas.microsoft.com/office/word/2010/wordprocessingCanvas" xmlns="" val="0"/>
+                <a14:useLocalDpi xmlns="" xmlns:wpc="http://schemas.microsoft.com/office/word/2010/wordprocessingCanvas" xmlns:mc="http://schemas.openxmlformats.org/markup-compatibility/2006" xmlns:o="urn:schemas-microsoft-com:office:office" xmlns:m="http://schemas.openxmlformats.org/officeDocument/2006/math" xmlns:v="urn:schemas-microsoft-com:vml" xmlns:wp14="http://schemas.microsoft.com/office/word/2010/wordprocessingDrawing" xmlns:wp="http://schemas.openxmlformats.org/drawingml/2006/wordprocessingDrawing" xmlns:w10="urn:schemas-microsoft-com:office:word" xmlns:w="http://schemas.openxmlformats.org/wordprocessingml/2006/main" xmlns:w14="http://schemas.microsoft.com/office/word/2010/wordml" xmlns:wpg="http://schemas.microsoft.com/office/word/2010/wordprocessingGroup" xmlns:wpi="http://schemas.microsoft.com/office/word/2010/wordprocessingInk" xmlns:wne="http://schemas.microsoft.com/office/word/2006/wordml" xmlns:wps="http://schemas.microsoft.com/office/word/2010/wordprocessingShape" xmlns:a14="http://schemas.microsoft.com/office/drawing/2010/main" xmlns:pic="http://schemas.openxmlformats.org/drawingml/2006/picture" xmlns:lc="http://schemas.openxmlformats.org/drawingml/2006/lockedCanvas" val="0"/>
               </a:ext>
             </a:extLst>
           </a:blip>
@@ -15669,7 +16468,7 @@
           <a:blip r:embed="rId3" cstate="print">
             <a:extLst>
               <a:ext uri="{28A0092B-C50C-407E-A947-70E740481C1C}">
-                <a14:useLocalDpi xmlns:lc="http://schemas.openxmlformats.org/drawingml/2006/lockedCanvas" xmlns:pic="http://schemas.openxmlformats.org/drawingml/2006/picture" xmlns:a14="http://schemas.microsoft.com/office/drawing/2010/main" xmlns:wps="http://schemas.microsoft.com/office/word/2010/wordprocessingShape" xmlns:wne="http://schemas.microsoft.com/office/word/2006/wordml" xmlns:wpi="http://schemas.microsoft.com/office/word/2010/wordprocessingInk" xmlns:wpg="http://schemas.microsoft.com/office/word/2010/wordprocessingGroup" xmlns:w14="http://schemas.microsoft.com/office/word/2010/wordml" xmlns:w="http://schemas.openxmlformats.org/wordprocessingml/2006/main" xmlns:w10="urn:schemas-microsoft-com:office:word" xmlns:wp="http://schemas.openxmlformats.org/drawingml/2006/wordprocessingDrawing" xmlns:wp14="http://schemas.microsoft.com/office/word/2010/wordprocessingDrawing" xmlns:v="urn:schemas-microsoft-com:vml" xmlns:m="http://schemas.openxmlformats.org/officeDocument/2006/math" xmlns:o="urn:schemas-microsoft-com:office:office" xmlns:mc="http://schemas.openxmlformats.org/markup-compatibility/2006" xmlns:wpc="http://schemas.microsoft.com/office/word/2010/wordprocessingCanvas" xmlns="" val="0"/>
+                <a14:useLocalDpi xmlns="" xmlns:wpc="http://schemas.microsoft.com/office/word/2010/wordprocessingCanvas" xmlns:mc="http://schemas.openxmlformats.org/markup-compatibility/2006" xmlns:o="urn:schemas-microsoft-com:office:office" xmlns:m="http://schemas.openxmlformats.org/officeDocument/2006/math" xmlns:v="urn:schemas-microsoft-com:vml" xmlns:wp14="http://schemas.microsoft.com/office/word/2010/wordprocessingDrawing" xmlns:wp="http://schemas.openxmlformats.org/drawingml/2006/wordprocessingDrawing" xmlns:w10="urn:schemas-microsoft-com:office:word" xmlns:w="http://schemas.openxmlformats.org/wordprocessingml/2006/main" xmlns:w14="http://schemas.microsoft.com/office/word/2010/wordml" xmlns:wpg="http://schemas.microsoft.com/office/word/2010/wordprocessingGroup" xmlns:wpi="http://schemas.microsoft.com/office/word/2010/wordprocessingInk" xmlns:wne="http://schemas.microsoft.com/office/word/2006/wordml" xmlns:wps="http://schemas.microsoft.com/office/word/2010/wordprocessingShape" xmlns:a14="http://schemas.microsoft.com/office/drawing/2010/main" xmlns:pic="http://schemas.openxmlformats.org/drawingml/2006/picture" xmlns:lc="http://schemas.openxmlformats.org/drawingml/2006/lockedCanvas" val="0"/>
               </a:ext>
             </a:extLst>
           </a:blip>

--- a/卒業論文/2012/久保孝樹/最終発表/最終発表.pptx
+++ b/卒業論文/2012/久保孝樹/最終発表/最終発表.pptx
@@ -406,13 +406,18 @@
             <a:fld id="{53C007A6-8C15-4A82-BA2A-D516D891DA02}" type="slidenum">
               <a:rPr kumimoji="1" lang="ja-JP" altLang="en-US" smtClean="0"/>
               <a:pPr/>
-              <a:t>&lt;#&gt;</a:t>
+              <a:t>‹#›</a:t>
             </a:fld>
             <a:endParaRPr kumimoji="1" lang="ja-JP" altLang="en-US"/>
           </a:p>
         </p:txBody>
       </p:sp>
     </p:spTree>
+    <p:extLst>
+      <p:ext uri="{BB962C8B-B14F-4D97-AF65-F5344CB8AC3E}">
+        <p14:creationId xmlns:p14="http://schemas.microsoft.com/office/powerpoint/2010/main" val="4023641264"/>
+      </p:ext>
+    </p:extLst>
   </p:cSld>
   <p:clrMap bg1="lt1" tx1="dk1" bg2="lt2" tx2="dk2" accent1="accent1" accent2="accent2" accent3="accent3" accent4="accent4" accent5="accent5" accent6="accent6" hlink="hlink" folHlink="folHlink"/>
   <p:notesStyle>
@@ -1516,7 +1521,7 @@
             <a:fld id="{FC34BB9A-9949-44E2-8F79-5E20208ABC6D}" type="slidenum">
               <a:rPr kumimoji="1" lang="ja-JP" altLang="en-US" smtClean="0"/>
               <a:pPr/>
-              <a:t>&lt;#&gt;</a:t>
+              <a:t>‹#›</a:t>
             </a:fld>
             <a:endParaRPr kumimoji="1" lang="ja-JP" altLang="en-US"/>
           </a:p>
@@ -1730,7 +1735,7 @@
             <a:fld id="{FC34BB9A-9949-44E2-8F79-5E20208ABC6D}" type="slidenum">
               <a:rPr kumimoji="1" lang="ja-JP" altLang="en-US" smtClean="0"/>
               <a:pPr/>
-              <a:t>&lt;#&gt;</a:t>
+              <a:t>‹#›</a:t>
             </a:fld>
             <a:endParaRPr kumimoji="1" lang="ja-JP" altLang="en-US"/>
           </a:p>
@@ -1949,7 +1954,7 @@
             <a:fld id="{FC34BB9A-9949-44E2-8F79-5E20208ABC6D}" type="slidenum">
               <a:rPr kumimoji="1" lang="ja-JP" altLang="en-US" smtClean="0"/>
               <a:pPr/>
-              <a:t>&lt;#&gt;</a:t>
+              <a:t>‹#›</a:t>
             </a:fld>
             <a:endParaRPr kumimoji="1" lang="ja-JP" altLang="en-US"/>
           </a:p>
@@ -2133,7 +2138,7 @@
             <a:fld id="{FC34BB9A-9949-44E2-8F79-5E20208ABC6D}" type="slidenum">
               <a:rPr kumimoji="1" lang="ja-JP" altLang="en-US" smtClean="0"/>
               <a:pPr/>
-              <a:t>&lt;#&gt;</a:t>
+              <a:t>‹#›</a:t>
             </a:fld>
             <a:endParaRPr kumimoji="1" lang="ja-JP" altLang="en-US"/>
           </a:p>
@@ -2390,7 +2395,7 @@
             <a:fld id="{FC34BB9A-9949-44E2-8F79-5E20208ABC6D}" type="slidenum">
               <a:rPr kumimoji="1" lang="ja-JP" altLang="en-US" smtClean="0"/>
               <a:pPr/>
-              <a:t>&lt;#&gt;</a:t>
+              <a:t>‹#›</a:t>
             </a:fld>
             <a:endParaRPr kumimoji="1" lang="ja-JP" altLang="en-US"/>
           </a:p>
@@ -2865,7 +2870,7 @@
             <a:fld id="{FC34BB9A-9949-44E2-8F79-5E20208ABC6D}" type="slidenum">
               <a:rPr kumimoji="1" lang="ja-JP" altLang="en-US" smtClean="0"/>
               <a:pPr/>
-              <a:t>&lt;#&gt;</a:t>
+              <a:t>‹#›</a:t>
             </a:fld>
             <a:endParaRPr kumimoji="1" lang="ja-JP" altLang="en-US"/>
           </a:p>
@@ -3377,7 +3382,7 @@
             <a:fld id="{FC34BB9A-9949-44E2-8F79-5E20208ABC6D}" type="slidenum">
               <a:rPr kumimoji="1" lang="ja-JP" altLang="en-US" smtClean="0"/>
               <a:pPr/>
-              <a:t>&lt;#&gt;</a:t>
+              <a:t>‹#›</a:t>
             </a:fld>
             <a:endParaRPr kumimoji="1" lang="ja-JP" altLang="en-US"/>
           </a:p>
@@ -3480,7 +3485,7 @@
             <a:fld id="{FC34BB9A-9949-44E2-8F79-5E20208ABC6D}" type="slidenum">
               <a:rPr kumimoji="1" lang="ja-JP" altLang="en-US" smtClean="0"/>
               <a:pPr/>
-              <a:t>&lt;#&gt;</a:t>
+              <a:t>‹#›</a:t>
             </a:fld>
             <a:endParaRPr kumimoji="1" lang="ja-JP" altLang="en-US"/>
           </a:p>
@@ -3603,7 +3608,7 @@
             <a:fld id="{FC34BB9A-9949-44E2-8F79-5E20208ABC6D}" type="slidenum">
               <a:rPr kumimoji="1" lang="ja-JP" altLang="en-US" smtClean="0"/>
               <a:pPr/>
-              <a:t>&lt;#&gt;</a:t>
+              <a:t>‹#›</a:t>
             </a:fld>
             <a:endParaRPr kumimoji="1" lang="ja-JP" altLang="en-US"/>
           </a:p>
@@ -3911,7 +3916,7 @@
             <a:fld id="{FC34BB9A-9949-44E2-8F79-5E20208ABC6D}" type="slidenum">
               <a:rPr kumimoji="1" lang="ja-JP" altLang="en-US" smtClean="0"/>
               <a:pPr/>
-              <a:t>&lt;#&gt;</a:t>
+              <a:t>‹#›</a:t>
             </a:fld>
             <a:endParaRPr kumimoji="1" lang="ja-JP" altLang="en-US"/>
           </a:p>
@@ -4137,7 +4142,7 @@
             <a:fld id="{FC34BB9A-9949-44E2-8F79-5E20208ABC6D}" type="slidenum">
               <a:rPr kumimoji="1" lang="ja-JP" altLang="en-US" smtClean="0"/>
               <a:pPr/>
-              <a:t>&lt;#&gt;</a:t>
+              <a:t>‹#›</a:t>
             </a:fld>
             <a:endParaRPr kumimoji="1" lang="ja-JP" altLang="en-US"/>
           </a:p>
@@ -5291,7 +5296,7 @@
             <a:fld id="{FC34BB9A-9949-44E2-8F79-5E20208ABC6D}" type="slidenum">
               <a:rPr kumimoji="1" lang="ja-JP" altLang="en-US" smtClean="0"/>
               <a:pPr/>
-              <a:t>&lt;#&gt;</a:t>
+              <a:t>‹#›</a:t>
             </a:fld>
             <a:endParaRPr kumimoji="1" lang="ja-JP" altLang="en-US"/>
           </a:p>
@@ -5773,11 +5778,7 @@
           <a:p>
             <a:r>
               <a:rPr kumimoji="1" lang="ja-JP" altLang="en-US" dirty="0" smtClean="0"/>
-              <a:t>調査</a:t>
-            </a:r>
-            <a:r>
-              <a:rPr kumimoji="1" lang="ja-JP" altLang="en-US" dirty="0" smtClean="0"/>
-              <a:t>方法</a:t>
+              <a:t>調査方法</a:t>
             </a:r>
             <a:endParaRPr kumimoji="1" lang="en-US" altLang="ja-JP" dirty="0" smtClean="0"/>
           </a:p>
@@ -13330,7 +13331,7 @@
           <a:blip r:embed="rId2" cstate="print">
             <a:extLst>
               <a:ext uri="{28A0092B-C50C-407E-A947-70E740481C1C}">
-                <a14:useLocalDpi xmlns:lc="http://schemas.openxmlformats.org/drawingml/2006/lockedCanvas" xmlns:pic="http://schemas.openxmlformats.org/drawingml/2006/picture" xmlns:a14="http://schemas.microsoft.com/office/drawing/2010/main" xmlns:wps="http://schemas.microsoft.com/office/word/2010/wordprocessingShape" xmlns:wne="http://schemas.microsoft.com/office/word/2006/wordml" xmlns:wpi="http://schemas.microsoft.com/office/word/2010/wordprocessingInk" xmlns:wpg="http://schemas.microsoft.com/office/word/2010/wordprocessingGroup" xmlns:w14="http://schemas.microsoft.com/office/word/2010/wordml" xmlns:w="http://schemas.openxmlformats.org/wordprocessingml/2006/main" xmlns:w10="urn:schemas-microsoft-com:office:word" xmlns:wp="http://schemas.openxmlformats.org/drawingml/2006/wordprocessingDrawing" xmlns:wp14="http://schemas.microsoft.com/office/word/2010/wordprocessingDrawing" xmlns:v="urn:schemas-microsoft-com:vml" xmlns:m="http://schemas.openxmlformats.org/officeDocument/2006/math" xmlns:o="urn:schemas-microsoft-com:office:office" xmlns:mc="http://schemas.openxmlformats.org/markup-compatibility/2006" xmlns:wpc="http://schemas.microsoft.com/office/word/2010/wordprocessingCanvas" xmlns="" val="0"/>
+                <a14:useLocalDpi xmlns:a14="http://schemas.microsoft.com/office/drawing/2010/main" val="0"/>
               </a:ext>
             </a:extLst>
           </a:blip>
@@ -13350,7 +13351,7 @@
           </a:ln>
           <a:extLst>
             <a:ext uri="{53640926-AAD7-44D8-BBD7-CCE9431645EC}">
-              <a14:shadowObscured xmlns:lc="http://schemas.openxmlformats.org/drawingml/2006/lockedCanvas" xmlns:pic="http://schemas.openxmlformats.org/drawingml/2006/picture" xmlns:a14="http://schemas.microsoft.com/office/drawing/2010/main" xmlns:wps="http://schemas.microsoft.com/office/word/2010/wordprocessingShape" xmlns:wne="http://schemas.microsoft.com/office/word/2006/wordml" xmlns:wpi="http://schemas.microsoft.com/office/word/2010/wordprocessingInk" xmlns:wpg="http://schemas.microsoft.com/office/word/2010/wordprocessingGroup" xmlns:w14="http://schemas.microsoft.com/office/word/2010/wordml" xmlns:w="http://schemas.openxmlformats.org/wordprocessingml/2006/main" xmlns:w10="urn:schemas-microsoft-com:office:word" xmlns:wp="http://schemas.openxmlformats.org/drawingml/2006/wordprocessingDrawing" xmlns:wp14="http://schemas.microsoft.com/office/word/2010/wordprocessingDrawing" xmlns:v="urn:schemas-microsoft-com:vml" xmlns:m="http://schemas.openxmlformats.org/officeDocument/2006/math" xmlns:o="urn:schemas-microsoft-com:office:office" xmlns:mc="http://schemas.openxmlformats.org/markup-compatibility/2006" xmlns:wpc="http://schemas.microsoft.com/office/word/2010/wordprocessingCanvas" xmlns=""/>
+              <a14:shadowObscured xmlns:a14="http://schemas.microsoft.com/office/drawing/2010/main"/>
             </a:ext>
           </a:extLst>
         </p:spPr>
@@ -13365,7 +13366,7 @@
           <a:blip r:embed="rId3" cstate="print">
             <a:extLst>
               <a:ext uri="{28A0092B-C50C-407E-A947-70E740481C1C}">
-                <a14:useLocalDpi xmlns:lc="http://schemas.openxmlformats.org/drawingml/2006/lockedCanvas" xmlns:pic="http://schemas.openxmlformats.org/drawingml/2006/picture" xmlns:a14="http://schemas.microsoft.com/office/drawing/2010/main" xmlns:wps="http://schemas.microsoft.com/office/word/2010/wordprocessingShape" xmlns:wne="http://schemas.microsoft.com/office/word/2006/wordml" xmlns:wpi="http://schemas.microsoft.com/office/word/2010/wordprocessingInk" xmlns:wpg="http://schemas.microsoft.com/office/word/2010/wordprocessingGroup" xmlns:w14="http://schemas.microsoft.com/office/word/2010/wordml" xmlns:w="http://schemas.openxmlformats.org/wordprocessingml/2006/main" xmlns:w10="urn:schemas-microsoft-com:office:word" xmlns:wp="http://schemas.openxmlformats.org/drawingml/2006/wordprocessingDrawing" xmlns:wp14="http://schemas.microsoft.com/office/word/2010/wordprocessingDrawing" xmlns:v="urn:schemas-microsoft-com:vml" xmlns:m="http://schemas.openxmlformats.org/officeDocument/2006/math" xmlns:o="urn:schemas-microsoft-com:office:office" xmlns:mc="http://schemas.openxmlformats.org/markup-compatibility/2006" xmlns:wpc="http://schemas.microsoft.com/office/word/2010/wordprocessingCanvas" xmlns="" val="0"/>
+                <a14:useLocalDpi xmlns:a14="http://schemas.microsoft.com/office/drawing/2010/main" val="0"/>
               </a:ext>
             </a:extLst>
           </a:blip>
@@ -13385,7 +13386,7 @@
           </a:ln>
           <a:extLst>
             <a:ext uri="{53640926-AAD7-44D8-BBD7-CCE9431645EC}">
-              <a14:shadowObscured xmlns:lc="http://schemas.openxmlformats.org/drawingml/2006/lockedCanvas" xmlns:pic="http://schemas.openxmlformats.org/drawingml/2006/picture" xmlns:a14="http://schemas.microsoft.com/office/drawing/2010/main" xmlns:wps="http://schemas.microsoft.com/office/word/2010/wordprocessingShape" xmlns:wne="http://schemas.microsoft.com/office/word/2006/wordml" xmlns:wpi="http://schemas.microsoft.com/office/word/2010/wordprocessingInk" xmlns:wpg="http://schemas.microsoft.com/office/word/2010/wordprocessingGroup" xmlns:w14="http://schemas.microsoft.com/office/word/2010/wordml" xmlns:w="http://schemas.openxmlformats.org/wordprocessingml/2006/main" xmlns:w10="urn:schemas-microsoft-com:office:word" xmlns:wp="http://schemas.openxmlformats.org/drawingml/2006/wordprocessingDrawing" xmlns:wp14="http://schemas.microsoft.com/office/word/2010/wordprocessingDrawing" xmlns:v="urn:schemas-microsoft-com:vml" xmlns:m="http://schemas.openxmlformats.org/officeDocument/2006/math" xmlns:o="urn:schemas-microsoft-com:office:office" xmlns:mc="http://schemas.openxmlformats.org/markup-compatibility/2006" xmlns:wpc="http://schemas.microsoft.com/office/word/2010/wordprocessingCanvas" xmlns=""/>
+              <a14:shadowObscured xmlns:a14="http://schemas.microsoft.com/office/drawing/2010/main"/>
             </a:ext>
           </a:extLst>
         </p:spPr>
@@ -13400,7 +13401,7 @@
           <a:blip r:embed="rId4" cstate="print">
             <a:extLst>
               <a:ext uri="{28A0092B-C50C-407E-A947-70E740481C1C}">
-                <a14:useLocalDpi xmlns:lc="http://schemas.openxmlformats.org/drawingml/2006/lockedCanvas" xmlns:pic="http://schemas.openxmlformats.org/drawingml/2006/picture" xmlns:a14="http://schemas.microsoft.com/office/drawing/2010/main" xmlns:wps="http://schemas.microsoft.com/office/word/2010/wordprocessingShape" xmlns:wne="http://schemas.microsoft.com/office/word/2006/wordml" xmlns:wpi="http://schemas.microsoft.com/office/word/2010/wordprocessingInk" xmlns:wpg="http://schemas.microsoft.com/office/word/2010/wordprocessingGroup" xmlns:w14="http://schemas.microsoft.com/office/word/2010/wordml" xmlns:w="http://schemas.openxmlformats.org/wordprocessingml/2006/main" xmlns:w10="urn:schemas-microsoft-com:office:word" xmlns:wp="http://schemas.openxmlformats.org/drawingml/2006/wordprocessingDrawing" xmlns:wp14="http://schemas.microsoft.com/office/word/2010/wordprocessingDrawing" xmlns:v="urn:schemas-microsoft-com:vml" xmlns:m="http://schemas.openxmlformats.org/officeDocument/2006/math" xmlns:o="urn:schemas-microsoft-com:office:office" xmlns:mc="http://schemas.openxmlformats.org/markup-compatibility/2006" xmlns:wpc="http://schemas.microsoft.com/office/word/2010/wordprocessingCanvas" xmlns="" val="0"/>
+                <a14:useLocalDpi xmlns:a14="http://schemas.microsoft.com/office/drawing/2010/main" val="0"/>
               </a:ext>
             </a:extLst>
           </a:blip>
@@ -13420,7 +13421,7 @@
           </a:ln>
           <a:extLst>
             <a:ext uri="{53640926-AAD7-44D8-BBD7-CCE9431645EC}">
-              <a14:shadowObscured xmlns:lc="http://schemas.openxmlformats.org/drawingml/2006/lockedCanvas" xmlns:pic="http://schemas.openxmlformats.org/drawingml/2006/picture" xmlns:a14="http://schemas.microsoft.com/office/drawing/2010/main" xmlns:wps="http://schemas.microsoft.com/office/word/2010/wordprocessingShape" xmlns:wne="http://schemas.microsoft.com/office/word/2006/wordml" xmlns:wpi="http://schemas.microsoft.com/office/word/2010/wordprocessingInk" xmlns:wpg="http://schemas.microsoft.com/office/word/2010/wordprocessingGroup" xmlns:w14="http://schemas.microsoft.com/office/word/2010/wordml" xmlns:w="http://schemas.openxmlformats.org/wordprocessingml/2006/main" xmlns:w10="urn:schemas-microsoft-com:office:word" xmlns:wp="http://schemas.openxmlformats.org/drawingml/2006/wordprocessingDrawing" xmlns:wp14="http://schemas.microsoft.com/office/word/2010/wordprocessingDrawing" xmlns:v="urn:schemas-microsoft-com:vml" xmlns:m="http://schemas.openxmlformats.org/officeDocument/2006/math" xmlns:o="urn:schemas-microsoft-com:office:office" xmlns:mc="http://schemas.openxmlformats.org/markup-compatibility/2006" xmlns:wpc="http://schemas.microsoft.com/office/word/2010/wordprocessingCanvas" xmlns=""/>
+              <a14:shadowObscured xmlns:a14="http://schemas.microsoft.com/office/drawing/2010/main"/>
             </a:ext>
           </a:extLst>
         </p:spPr>
@@ -13435,7 +13436,7 @@
           <a:blip r:embed="rId5" cstate="print">
             <a:extLst>
               <a:ext uri="{28A0092B-C50C-407E-A947-70E740481C1C}">
-                <a14:useLocalDpi xmlns:lc="http://schemas.openxmlformats.org/drawingml/2006/lockedCanvas" xmlns:pic="http://schemas.openxmlformats.org/drawingml/2006/picture" xmlns:a14="http://schemas.microsoft.com/office/drawing/2010/main" xmlns:wps="http://schemas.microsoft.com/office/word/2010/wordprocessingShape" xmlns:wne="http://schemas.microsoft.com/office/word/2006/wordml" xmlns:wpi="http://schemas.microsoft.com/office/word/2010/wordprocessingInk" xmlns:wpg="http://schemas.microsoft.com/office/word/2010/wordprocessingGroup" xmlns:w14="http://schemas.microsoft.com/office/word/2010/wordml" xmlns:w="http://schemas.openxmlformats.org/wordprocessingml/2006/main" xmlns:w10="urn:schemas-microsoft-com:office:word" xmlns:wp="http://schemas.openxmlformats.org/drawingml/2006/wordprocessingDrawing" xmlns:wp14="http://schemas.microsoft.com/office/word/2010/wordprocessingDrawing" xmlns:v="urn:schemas-microsoft-com:vml" xmlns:m="http://schemas.openxmlformats.org/officeDocument/2006/math" xmlns:o="urn:schemas-microsoft-com:office:office" xmlns:mc="http://schemas.openxmlformats.org/markup-compatibility/2006" xmlns:wpc="http://schemas.microsoft.com/office/word/2010/wordprocessingCanvas" xmlns="" val="0"/>
+                <a14:useLocalDpi xmlns:a14="http://schemas.microsoft.com/office/drawing/2010/main" val="0"/>
               </a:ext>
             </a:extLst>
           </a:blip>
@@ -13455,7 +13456,7 @@
           </a:ln>
           <a:extLst>
             <a:ext uri="{53640926-AAD7-44D8-BBD7-CCE9431645EC}">
-              <a14:shadowObscured xmlns:lc="http://schemas.openxmlformats.org/drawingml/2006/lockedCanvas" xmlns:pic="http://schemas.openxmlformats.org/drawingml/2006/picture" xmlns:a14="http://schemas.microsoft.com/office/drawing/2010/main" xmlns:wps="http://schemas.microsoft.com/office/word/2010/wordprocessingShape" xmlns:wne="http://schemas.microsoft.com/office/word/2006/wordml" xmlns:wpi="http://schemas.microsoft.com/office/word/2010/wordprocessingInk" xmlns:wpg="http://schemas.microsoft.com/office/word/2010/wordprocessingGroup" xmlns:w14="http://schemas.microsoft.com/office/word/2010/wordml" xmlns:w="http://schemas.openxmlformats.org/wordprocessingml/2006/main" xmlns:w10="urn:schemas-microsoft-com:office:word" xmlns:wp="http://schemas.openxmlformats.org/drawingml/2006/wordprocessingDrawing" xmlns:wp14="http://schemas.microsoft.com/office/word/2010/wordprocessingDrawing" xmlns:v="urn:schemas-microsoft-com:vml" xmlns:m="http://schemas.openxmlformats.org/officeDocument/2006/math" xmlns:o="urn:schemas-microsoft-com:office:office" xmlns:mc="http://schemas.openxmlformats.org/markup-compatibility/2006" xmlns:wpc="http://schemas.microsoft.com/office/word/2010/wordprocessingCanvas" xmlns=""/>
+              <a14:shadowObscured xmlns:a14="http://schemas.microsoft.com/office/drawing/2010/main"/>
             </a:ext>
           </a:extLst>
         </p:spPr>
@@ -13751,7 +13752,7 @@
           <a:blip r:embed="rId2" cstate="print">
             <a:extLst>
               <a:ext uri="{28A0092B-C50C-407E-A947-70E740481C1C}">
-                <a14:useLocalDpi xmlns:lc="http://schemas.openxmlformats.org/drawingml/2006/lockedCanvas" xmlns:pic="http://schemas.openxmlformats.org/drawingml/2006/picture" xmlns:a14="http://schemas.microsoft.com/office/drawing/2010/main" xmlns:wps="http://schemas.microsoft.com/office/word/2010/wordprocessingShape" xmlns:wne="http://schemas.microsoft.com/office/word/2006/wordml" xmlns:wpi="http://schemas.microsoft.com/office/word/2010/wordprocessingInk" xmlns:wpg="http://schemas.microsoft.com/office/word/2010/wordprocessingGroup" xmlns:w14="http://schemas.microsoft.com/office/word/2010/wordml" xmlns:w="http://schemas.openxmlformats.org/wordprocessingml/2006/main" xmlns:w10="urn:schemas-microsoft-com:office:word" xmlns:wp="http://schemas.openxmlformats.org/drawingml/2006/wordprocessingDrawing" xmlns:wp14="http://schemas.microsoft.com/office/word/2010/wordprocessingDrawing" xmlns:v="urn:schemas-microsoft-com:vml" xmlns:m="http://schemas.openxmlformats.org/officeDocument/2006/math" xmlns:o="urn:schemas-microsoft-com:office:office" xmlns:mc="http://schemas.openxmlformats.org/markup-compatibility/2006" xmlns:wpc="http://schemas.microsoft.com/office/word/2010/wordprocessingCanvas" xmlns="" val="0"/>
+                <a14:useLocalDpi xmlns:a14="http://schemas.microsoft.com/office/drawing/2010/main" val="0"/>
               </a:ext>
             </a:extLst>
           </a:blip>
@@ -13771,7 +13772,7 @@
           </a:ln>
           <a:extLst>
             <a:ext uri="{53640926-AAD7-44D8-BBD7-CCE9431645EC}">
-              <a14:shadowObscured xmlns:lc="http://schemas.openxmlformats.org/drawingml/2006/lockedCanvas" xmlns:pic="http://schemas.openxmlformats.org/drawingml/2006/picture" xmlns:a14="http://schemas.microsoft.com/office/drawing/2010/main" xmlns:wps="http://schemas.microsoft.com/office/word/2010/wordprocessingShape" xmlns:wne="http://schemas.microsoft.com/office/word/2006/wordml" xmlns:wpi="http://schemas.microsoft.com/office/word/2010/wordprocessingInk" xmlns:wpg="http://schemas.microsoft.com/office/word/2010/wordprocessingGroup" xmlns:w14="http://schemas.microsoft.com/office/word/2010/wordml" xmlns:w="http://schemas.openxmlformats.org/wordprocessingml/2006/main" xmlns:w10="urn:schemas-microsoft-com:office:word" xmlns:wp="http://schemas.openxmlformats.org/drawingml/2006/wordprocessingDrawing" xmlns:wp14="http://schemas.microsoft.com/office/word/2010/wordprocessingDrawing" xmlns:v="urn:schemas-microsoft-com:vml" xmlns:m="http://schemas.openxmlformats.org/officeDocument/2006/math" xmlns:o="urn:schemas-microsoft-com:office:office" xmlns:mc="http://schemas.openxmlformats.org/markup-compatibility/2006" xmlns:wpc="http://schemas.microsoft.com/office/word/2010/wordprocessingCanvas" xmlns=""/>
+              <a14:shadowObscured xmlns:a14="http://schemas.microsoft.com/office/drawing/2010/main"/>
             </a:ext>
           </a:extLst>
         </p:spPr>
@@ -13890,7 +13891,7 @@
           <a:blip r:embed="rId2" cstate="print">
             <a:extLst>
               <a:ext uri="{28A0092B-C50C-407E-A947-70E740481C1C}">
-                <a14:useLocalDpi xmlns:lc="http://schemas.openxmlformats.org/drawingml/2006/lockedCanvas" xmlns:pic="http://schemas.openxmlformats.org/drawingml/2006/picture" xmlns:a14="http://schemas.microsoft.com/office/drawing/2010/main" xmlns:wps="http://schemas.microsoft.com/office/word/2010/wordprocessingShape" xmlns:wne="http://schemas.microsoft.com/office/word/2006/wordml" xmlns:wpi="http://schemas.microsoft.com/office/word/2010/wordprocessingInk" xmlns:wpg="http://schemas.microsoft.com/office/word/2010/wordprocessingGroup" xmlns:w14="http://schemas.microsoft.com/office/word/2010/wordml" xmlns:w="http://schemas.openxmlformats.org/wordprocessingml/2006/main" xmlns:w10="urn:schemas-microsoft-com:office:word" xmlns:wp="http://schemas.openxmlformats.org/drawingml/2006/wordprocessingDrawing" xmlns:wp14="http://schemas.microsoft.com/office/word/2010/wordprocessingDrawing" xmlns:v="urn:schemas-microsoft-com:vml" xmlns:m="http://schemas.openxmlformats.org/officeDocument/2006/math" xmlns:o="urn:schemas-microsoft-com:office:office" xmlns:mc="http://schemas.openxmlformats.org/markup-compatibility/2006" xmlns:wpc="http://schemas.microsoft.com/office/word/2010/wordprocessingCanvas" xmlns="" val="0"/>
+                <a14:useLocalDpi xmlns:a14="http://schemas.microsoft.com/office/drawing/2010/main" val="0"/>
               </a:ext>
             </a:extLst>
           </a:blip>
@@ -13910,7 +13911,7 @@
           </a:ln>
           <a:extLst>
             <a:ext uri="{53640926-AAD7-44D8-BBD7-CCE9431645EC}">
-              <a14:shadowObscured xmlns:lc="http://schemas.openxmlformats.org/drawingml/2006/lockedCanvas" xmlns:pic="http://schemas.openxmlformats.org/drawingml/2006/picture" xmlns:a14="http://schemas.microsoft.com/office/drawing/2010/main" xmlns:wps="http://schemas.microsoft.com/office/word/2010/wordprocessingShape" xmlns:wne="http://schemas.microsoft.com/office/word/2006/wordml" xmlns:wpi="http://schemas.microsoft.com/office/word/2010/wordprocessingInk" xmlns:wpg="http://schemas.microsoft.com/office/word/2010/wordprocessingGroup" xmlns:w14="http://schemas.microsoft.com/office/word/2010/wordml" xmlns:w="http://schemas.openxmlformats.org/wordprocessingml/2006/main" xmlns:w10="urn:schemas-microsoft-com:office:word" xmlns:wp="http://schemas.openxmlformats.org/drawingml/2006/wordprocessingDrawing" xmlns:wp14="http://schemas.microsoft.com/office/word/2010/wordprocessingDrawing" xmlns:v="urn:schemas-microsoft-com:vml" xmlns:m="http://schemas.openxmlformats.org/officeDocument/2006/math" xmlns:o="urn:schemas-microsoft-com:office:office" xmlns:mc="http://schemas.openxmlformats.org/markup-compatibility/2006" xmlns:wpc="http://schemas.microsoft.com/office/word/2010/wordprocessingCanvas" xmlns=""/>
+              <a14:shadowObscured xmlns:a14="http://schemas.microsoft.com/office/drawing/2010/main"/>
             </a:ext>
           </a:extLst>
         </p:spPr>
@@ -14029,7 +14030,7 @@
           <a:blip r:embed="rId2" cstate="print">
             <a:extLst>
               <a:ext uri="{28A0092B-C50C-407E-A947-70E740481C1C}">
-                <a14:useLocalDpi xmlns:lc="http://schemas.openxmlformats.org/drawingml/2006/lockedCanvas" xmlns:pic="http://schemas.openxmlformats.org/drawingml/2006/picture" xmlns:a14="http://schemas.microsoft.com/office/drawing/2010/main" xmlns:wps="http://schemas.microsoft.com/office/word/2010/wordprocessingShape" xmlns:wne="http://schemas.microsoft.com/office/word/2006/wordml" xmlns:wpi="http://schemas.microsoft.com/office/word/2010/wordprocessingInk" xmlns:wpg="http://schemas.microsoft.com/office/word/2010/wordprocessingGroup" xmlns:w14="http://schemas.microsoft.com/office/word/2010/wordml" xmlns:w="http://schemas.openxmlformats.org/wordprocessingml/2006/main" xmlns:w10="urn:schemas-microsoft-com:office:word" xmlns:wp="http://schemas.openxmlformats.org/drawingml/2006/wordprocessingDrawing" xmlns:wp14="http://schemas.microsoft.com/office/word/2010/wordprocessingDrawing" xmlns:v="urn:schemas-microsoft-com:vml" xmlns:m="http://schemas.openxmlformats.org/officeDocument/2006/math" xmlns:o="urn:schemas-microsoft-com:office:office" xmlns:mc="http://schemas.openxmlformats.org/markup-compatibility/2006" xmlns:wpc="http://schemas.microsoft.com/office/word/2010/wordprocessingCanvas" xmlns="" val="0"/>
+                <a14:useLocalDpi xmlns:a14="http://schemas.microsoft.com/office/drawing/2010/main" val="0"/>
               </a:ext>
             </a:extLst>
           </a:blip>
@@ -14049,7 +14050,7 @@
           </a:ln>
           <a:extLst>
             <a:ext uri="{53640926-AAD7-44D8-BBD7-CCE9431645EC}">
-              <a14:shadowObscured xmlns:lc="http://schemas.openxmlformats.org/drawingml/2006/lockedCanvas" xmlns:pic="http://schemas.openxmlformats.org/drawingml/2006/picture" xmlns:a14="http://schemas.microsoft.com/office/drawing/2010/main" xmlns:wps="http://schemas.microsoft.com/office/word/2010/wordprocessingShape" xmlns:wne="http://schemas.microsoft.com/office/word/2006/wordml" xmlns:wpi="http://schemas.microsoft.com/office/word/2010/wordprocessingInk" xmlns:wpg="http://schemas.microsoft.com/office/word/2010/wordprocessingGroup" xmlns:w14="http://schemas.microsoft.com/office/word/2010/wordml" xmlns:w="http://schemas.openxmlformats.org/wordprocessingml/2006/main" xmlns:w10="urn:schemas-microsoft-com:office:word" xmlns:wp="http://schemas.openxmlformats.org/drawingml/2006/wordprocessingDrawing" xmlns:wp14="http://schemas.microsoft.com/office/word/2010/wordprocessingDrawing" xmlns:v="urn:schemas-microsoft-com:vml" xmlns:m="http://schemas.openxmlformats.org/officeDocument/2006/math" xmlns:o="urn:schemas-microsoft-com:office:office" xmlns:mc="http://schemas.openxmlformats.org/markup-compatibility/2006" xmlns:wpc="http://schemas.microsoft.com/office/word/2010/wordprocessingCanvas" xmlns=""/>
+              <a14:shadowObscured xmlns:a14="http://schemas.microsoft.com/office/drawing/2010/main"/>
             </a:ext>
           </a:extLst>
         </p:spPr>
@@ -14172,7 +14173,7 @@
           <a:blip r:embed="rId2" cstate="print">
             <a:extLst>
               <a:ext uri="{28A0092B-C50C-407E-A947-70E740481C1C}">
-                <a14:useLocalDpi xmlns:lc="http://schemas.openxmlformats.org/drawingml/2006/lockedCanvas" xmlns:pic="http://schemas.openxmlformats.org/drawingml/2006/picture" xmlns:a14="http://schemas.microsoft.com/office/drawing/2010/main" xmlns:wps="http://schemas.microsoft.com/office/word/2010/wordprocessingShape" xmlns:wne="http://schemas.microsoft.com/office/word/2006/wordml" xmlns:wpi="http://schemas.microsoft.com/office/word/2010/wordprocessingInk" xmlns:wpg="http://schemas.microsoft.com/office/word/2010/wordprocessingGroup" xmlns:w14="http://schemas.microsoft.com/office/word/2010/wordml" xmlns:w="http://schemas.openxmlformats.org/wordprocessingml/2006/main" xmlns:w10="urn:schemas-microsoft-com:office:word" xmlns:wp="http://schemas.openxmlformats.org/drawingml/2006/wordprocessingDrawing" xmlns:wp14="http://schemas.microsoft.com/office/word/2010/wordprocessingDrawing" xmlns:v="urn:schemas-microsoft-com:vml" xmlns:m="http://schemas.openxmlformats.org/officeDocument/2006/math" xmlns:o="urn:schemas-microsoft-com:office:office" xmlns:mc="http://schemas.openxmlformats.org/markup-compatibility/2006" xmlns:wpc="http://schemas.microsoft.com/office/word/2010/wordprocessingCanvas" xmlns="" val="0"/>
+                <a14:useLocalDpi xmlns:a14="http://schemas.microsoft.com/office/drawing/2010/main" val="0"/>
               </a:ext>
             </a:extLst>
           </a:blip>
@@ -14192,7 +14193,7 @@
           </a:ln>
           <a:extLst>
             <a:ext uri="{53640926-AAD7-44D8-BBD7-CCE9431645EC}">
-              <a14:shadowObscured xmlns:lc="http://schemas.openxmlformats.org/drawingml/2006/lockedCanvas" xmlns:pic="http://schemas.openxmlformats.org/drawingml/2006/picture" xmlns:a14="http://schemas.microsoft.com/office/drawing/2010/main" xmlns:wps="http://schemas.microsoft.com/office/word/2010/wordprocessingShape" xmlns:wne="http://schemas.microsoft.com/office/word/2006/wordml" xmlns:wpi="http://schemas.microsoft.com/office/word/2010/wordprocessingInk" xmlns:wpg="http://schemas.microsoft.com/office/word/2010/wordprocessingGroup" xmlns:w14="http://schemas.microsoft.com/office/word/2010/wordml" xmlns:w="http://schemas.openxmlformats.org/wordprocessingml/2006/main" xmlns:w10="urn:schemas-microsoft-com:office:word" xmlns:wp="http://schemas.openxmlformats.org/drawingml/2006/wordprocessingDrawing" xmlns:wp14="http://schemas.microsoft.com/office/word/2010/wordprocessingDrawing" xmlns:v="urn:schemas-microsoft-com:vml" xmlns:m="http://schemas.openxmlformats.org/officeDocument/2006/math" xmlns:o="urn:schemas-microsoft-com:office:office" xmlns:mc="http://schemas.openxmlformats.org/markup-compatibility/2006" xmlns:wpc="http://schemas.microsoft.com/office/word/2010/wordprocessingCanvas" xmlns=""/>
+              <a14:shadowObscured xmlns:a14="http://schemas.microsoft.com/office/drawing/2010/main"/>
             </a:ext>
           </a:extLst>
         </p:spPr>
@@ -14253,33 +14254,21 @@
           <a:p>
             <a:r>
               <a:rPr lang="ja-JP" altLang="en-US" dirty="0" smtClean="0"/>
-              <a:t>研究</a:t>
-            </a:r>
+              <a:t>研究目的</a:t>
+            </a:r>
+            <a:endParaRPr lang="en-US" altLang="ja-JP" dirty="0" smtClean="0"/>
+          </a:p>
+          <a:p>
+            <a:r>
+              <a:rPr kumimoji="1" lang="ja-JP" altLang="en-US" dirty="0" smtClean="0"/>
+              <a:t>研究方法</a:t>
+            </a:r>
+            <a:endParaRPr kumimoji="1" lang="en-US" altLang="ja-JP" dirty="0" smtClean="0"/>
+          </a:p>
+          <a:p>
             <a:r>
               <a:rPr lang="ja-JP" altLang="en-US" dirty="0" smtClean="0"/>
-              <a:t>目的</a:t>
-            </a:r>
-            <a:endParaRPr lang="en-US" altLang="ja-JP" dirty="0" smtClean="0"/>
-          </a:p>
-          <a:p>
-            <a:r>
-              <a:rPr kumimoji="1" lang="ja-JP" altLang="en-US" dirty="0" smtClean="0"/>
-              <a:t>研究</a:t>
-            </a:r>
-            <a:r>
-              <a:rPr kumimoji="1" lang="ja-JP" altLang="en-US" dirty="0" smtClean="0"/>
-              <a:t>方法</a:t>
-            </a:r>
-            <a:endParaRPr kumimoji="1" lang="en-US" altLang="ja-JP" dirty="0" smtClean="0"/>
-          </a:p>
-          <a:p>
-            <a:r>
-              <a:rPr lang="ja-JP" altLang="en-US" dirty="0" smtClean="0"/>
-              <a:t>チケットと</a:t>
-            </a:r>
-            <a:r>
-              <a:rPr lang="ja-JP" altLang="en-US" dirty="0" smtClean="0"/>
-              <a:t>は</a:t>
+              <a:t>チケットとは</a:t>
             </a:r>
             <a:endParaRPr lang="en-US" altLang="ja-JP" dirty="0" smtClean="0"/>
           </a:p>
@@ -14644,20 +14633,41 @@
       </p:grpSpPr>
       <p:sp>
         <p:nvSpPr>
-          <p:cNvPr id="3" name="コンテンツ プレースホルダ 2"/>
-          <p:cNvSpPr>
-            <a:spLocks noGrp="1"/>
-          </p:cNvSpPr>
-          <p:nvPr>
-            <p:ph idx="1"/>
-          </p:nvPr>
+          <p:cNvPr id="9" name="下矢印 8"/>
+          <p:cNvSpPr/>
+          <p:nvPr/>
         </p:nvSpPr>
-        <p:spPr/>
+        <p:spPr>
+          <a:xfrm>
+            <a:off x="4067944" y="3645024"/>
+            <a:ext cx="504056" cy="1800200"/>
+          </a:xfrm>
+          <a:prstGeom prst="downArrow">
+            <a:avLst/>
+          </a:prstGeom>
+        </p:spPr>
+        <p:style>
+          <a:lnRef idx="2">
+            <a:schemeClr val="accent1">
+              <a:shade val="50000"/>
+            </a:schemeClr>
+          </a:lnRef>
+          <a:fillRef idx="1">
+            <a:schemeClr val="accent1"/>
+          </a:fillRef>
+          <a:effectRef idx="0">
+            <a:schemeClr val="accent1"/>
+          </a:effectRef>
+          <a:fontRef idx="minor">
+            <a:schemeClr val="lt1"/>
+          </a:fontRef>
+        </p:style>
         <p:txBody>
-          <a:bodyPr/>
+          <a:bodyPr rtlCol="0" anchor="ctr"/>
           <a:lstStyle/>
           <a:p>
-            <a:endParaRPr kumimoji="1" lang="ja-JP" altLang="en-US" dirty="0"/>
+            <a:pPr algn="ctr"/>
+            <a:endParaRPr kumimoji="1" lang="ja-JP" altLang="en-US"/>
           </a:p>
         </p:txBody>
       </p:sp>
@@ -14722,7 +14732,35 @@
             <a:pPr algn="ctr"/>
             <a:r>
               <a:rPr kumimoji="1" lang="ja-JP" altLang="en-US" sz="2800" dirty="0" smtClean="0"/>
-              <a:t>オープンソースソフトウェア開発</a:t>
+              <a:t>オープンソースソフトウェア</a:t>
+            </a:r>
+            <a:r>
+              <a:rPr kumimoji="1" lang="ja-JP" altLang="en-US" sz="2800" dirty="0" smtClean="0"/>
+              <a:t>開発</a:t>
+            </a:r>
+            <a:endParaRPr kumimoji="1" lang="en-US" altLang="ja-JP" sz="2800" dirty="0" smtClean="0"/>
+          </a:p>
+          <a:p>
+            <a:pPr algn="ctr"/>
+            <a:r>
+              <a:rPr lang="ja-JP" altLang="en-US" sz="2800" dirty="0" smtClean="0"/>
+              <a:t>（</a:t>
+            </a:r>
+            <a:r>
+              <a:rPr lang="en-US" altLang="ja-JP" sz="2800" dirty="0" smtClean="0"/>
+              <a:t>web</a:t>
+            </a:r>
+            <a:r>
+              <a:rPr lang="ja-JP" altLang="en-US" sz="2800" dirty="0" smtClean="0"/>
+              <a:t>アプリケーション</a:t>
+            </a:r>
+            <a:r>
+              <a:rPr lang="en-US" altLang="ja-JP" sz="2800" dirty="0" err="1" smtClean="0"/>
+              <a:t>etc</a:t>
+            </a:r>
+            <a:r>
+              <a:rPr lang="ja-JP" altLang="en-US" sz="2800" dirty="0" smtClean="0"/>
+              <a:t>）</a:t>
             </a:r>
             <a:endParaRPr kumimoji="1" lang="ja-JP" altLang="en-US" sz="2800" dirty="0"/>
           </a:p>
@@ -14780,8 +14818,8 @@
         </p:nvSpPr>
         <p:spPr>
           <a:xfrm>
-            <a:off x="3131840" y="3861048"/>
-            <a:ext cx="2448272" cy="1224136"/>
+            <a:off x="3224075" y="3933056"/>
+            <a:ext cx="2225702" cy="1008112"/>
           </a:xfrm>
           <a:prstGeom prst="ellipse">
             <a:avLst/>
@@ -14881,6 +14919,46 @@
               <a:t>チケットを利用してプロジェクトの管理を行う</a:t>
             </a:r>
             <a:endParaRPr kumimoji="1" lang="ja-JP" altLang="en-US" sz="2800" dirty="0"/>
+          </a:p>
+        </p:txBody>
+      </p:sp>
+      <p:sp>
+        <p:nvSpPr>
+          <p:cNvPr id="8" name="下矢印 7"/>
+          <p:cNvSpPr/>
+          <p:nvPr/>
+        </p:nvSpPr>
+        <p:spPr>
+          <a:xfrm>
+            <a:off x="3851920" y="2348880"/>
+            <a:ext cx="936104" cy="216024"/>
+          </a:xfrm>
+          <a:prstGeom prst="downArrow">
+            <a:avLst/>
+          </a:prstGeom>
+        </p:spPr>
+        <p:style>
+          <a:lnRef idx="2">
+            <a:schemeClr val="accent1">
+              <a:shade val="50000"/>
+            </a:schemeClr>
+          </a:lnRef>
+          <a:fillRef idx="1">
+            <a:schemeClr val="accent1"/>
+          </a:fillRef>
+          <a:effectRef idx="0">
+            <a:schemeClr val="accent1"/>
+          </a:effectRef>
+          <a:fontRef idx="minor">
+            <a:schemeClr val="lt1"/>
+          </a:fontRef>
+        </p:style>
+        <p:txBody>
+          <a:bodyPr rtlCol="0" anchor="ctr"/>
+          <a:lstStyle/>
+          <a:p>
+            <a:pPr algn="ctr"/>
+            <a:endParaRPr kumimoji="1" lang="ja-JP" altLang="en-US"/>
           </a:p>
         </p:txBody>
       </p:sp>
@@ -15140,23 +15218,15 @@
             <a:pPr algn="ctr"/>
             <a:r>
               <a:rPr lang="ja-JP" altLang="en-US" sz="2800" dirty="0" smtClean="0"/>
-              <a:t>チケットがどのようにプロジェクト</a:t>
-            </a:r>
+              <a:t>チケットがどのようにプロジェクトに</a:t>
+            </a:r>
+            <a:endParaRPr lang="en-US" altLang="ja-JP" sz="2800" dirty="0" smtClean="0"/>
+          </a:p>
+          <a:p>
+            <a:pPr algn="ctr"/>
             <a:r>
               <a:rPr lang="ja-JP" altLang="en-US" sz="2800" dirty="0" smtClean="0"/>
-              <a:t>に</a:t>
-            </a:r>
-            <a:endParaRPr lang="en-US" altLang="ja-JP" sz="2800" dirty="0" smtClean="0"/>
-          </a:p>
-          <a:p>
-            <a:pPr algn="ctr"/>
-            <a:r>
-              <a:rPr lang="ja-JP" altLang="en-US" sz="2800" dirty="0" smtClean="0"/>
-              <a:t>活用</a:t>
-            </a:r>
-            <a:r>
-              <a:rPr lang="ja-JP" altLang="en-US" sz="2800" dirty="0" smtClean="0"/>
-              <a:t>できるかを調査する．</a:t>
+              <a:t>活用できるかを調査する．</a:t>
             </a:r>
             <a:endParaRPr lang="en-US" altLang="ja-JP" sz="2800" dirty="0" smtClean="0"/>
           </a:p>
@@ -15506,17 +15576,8 @@
             <a:pPr algn="ctr"/>
             <a:r>
               <a:rPr lang="ja-JP" altLang="en-US" sz="2400" dirty="0" smtClean="0"/>
-              <a:t>ソフトウェア</a:t>
-            </a:r>
-            <a:r>
-              <a:rPr lang="ja-JP" altLang="en-US" sz="2400" dirty="0" smtClean="0"/>
-              <a:t>開発プロジェクトの開発形態を調査する</a:t>
-            </a:r>
-            <a:r>
-              <a:rPr lang="ja-JP" altLang="en-US" sz="2400" dirty="0" smtClean="0"/>
-              <a:t>．</a:t>
-            </a:r>
-            <a:endParaRPr lang="ja-JP" altLang="en-US" sz="2400" dirty="0" smtClean="0"/>
+              <a:t>ソフトウェア開発プロジェクトの開発形態を調査する．</a:t>
+            </a:r>
           </a:p>
         </p:txBody>
       </p:sp>
@@ -15611,7 +15672,7 @@
           <a:blip r:embed="rId2" cstate="print">
             <a:extLst>
               <a:ext uri="{28A0092B-C50C-407E-A947-70E740481C1C}">
-                <a14:useLocalDpi xmlns="" xmlns:wpc="http://schemas.microsoft.com/office/word/2010/wordprocessingCanvas" xmlns:mc="http://schemas.openxmlformats.org/markup-compatibility/2006" xmlns:o="urn:schemas-microsoft-com:office:office" xmlns:m="http://schemas.openxmlformats.org/officeDocument/2006/math" xmlns:v="urn:schemas-microsoft-com:vml" xmlns:wp14="http://schemas.microsoft.com/office/word/2010/wordprocessingDrawing" xmlns:wp="http://schemas.openxmlformats.org/drawingml/2006/wordprocessingDrawing" xmlns:w10="urn:schemas-microsoft-com:office:word" xmlns:w="http://schemas.openxmlformats.org/wordprocessingml/2006/main" xmlns:w14="http://schemas.microsoft.com/office/word/2010/wordml" xmlns:wpg="http://schemas.microsoft.com/office/word/2010/wordprocessingGroup" xmlns:wpi="http://schemas.microsoft.com/office/word/2010/wordprocessingInk" xmlns:wne="http://schemas.microsoft.com/office/word/2006/wordml" xmlns:wps="http://schemas.microsoft.com/office/word/2010/wordprocessingShape" xmlns:a14="http://schemas.microsoft.com/office/drawing/2010/main" xmlns:pic="http://schemas.openxmlformats.org/drawingml/2006/picture" xmlns:lc="http://schemas.openxmlformats.org/drawingml/2006/lockedCanvas" val="0"/>
+                <a14:useLocalDpi xmlns:a14="http://schemas.microsoft.com/office/drawing/2010/main" val="0"/>
               </a:ext>
             </a:extLst>
           </a:blip>
@@ -15820,7 +15881,7 @@
           <a:blip r:embed="rId2" cstate="print">
             <a:extLst>
               <a:ext uri="{28A0092B-C50C-407E-A947-70E740481C1C}">
-                <a14:useLocalDpi xmlns="" xmlns:wpc="http://schemas.microsoft.com/office/word/2010/wordprocessingCanvas" xmlns:mc="http://schemas.openxmlformats.org/markup-compatibility/2006" xmlns:o="urn:schemas-microsoft-com:office:office" xmlns:m="http://schemas.openxmlformats.org/officeDocument/2006/math" xmlns:v="urn:schemas-microsoft-com:vml" xmlns:wp14="http://schemas.microsoft.com/office/word/2010/wordprocessingDrawing" xmlns:wp="http://schemas.openxmlformats.org/drawingml/2006/wordprocessingDrawing" xmlns:w10="urn:schemas-microsoft-com:office:word" xmlns:w="http://schemas.openxmlformats.org/wordprocessingml/2006/main" xmlns:w14="http://schemas.microsoft.com/office/word/2010/wordml" xmlns:wpg="http://schemas.microsoft.com/office/word/2010/wordprocessingGroup" xmlns:wpi="http://schemas.microsoft.com/office/word/2010/wordprocessingInk" xmlns:wne="http://schemas.microsoft.com/office/word/2006/wordml" xmlns:wps="http://schemas.microsoft.com/office/word/2010/wordprocessingShape" xmlns:a14="http://schemas.microsoft.com/office/drawing/2010/main" xmlns:pic="http://schemas.openxmlformats.org/drawingml/2006/picture" xmlns:lc="http://schemas.openxmlformats.org/drawingml/2006/lockedCanvas" val="0"/>
+                <a14:useLocalDpi xmlns:a14="http://schemas.microsoft.com/office/drawing/2010/main" val="0"/>
               </a:ext>
             </a:extLst>
           </a:blip>
@@ -15912,7 +15973,7 @@
           <a:blip r:embed="rId2" cstate="print">
             <a:extLst>
               <a:ext uri="{28A0092B-C50C-407E-A947-70E740481C1C}">
-                <a14:useLocalDpi xmlns="" xmlns:wpc="http://schemas.microsoft.com/office/word/2010/wordprocessingCanvas" xmlns:mc="http://schemas.openxmlformats.org/markup-compatibility/2006" xmlns:o="urn:schemas-microsoft-com:office:office" xmlns:m="http://schemas.openxmlformats.org/officeDocument/2006/math" xmlns:v="urn:schemas-microsoft-com:vml" xmlns:wp14="http://schemas.microsoft.com/office/word/2010/wordprocessingDrawing" xmlns:wp="http://schemas.openxmlformats.org/drawingml/2006/wordprocessingDrawing" xmlns:w10="urn:schemas-microsoft-com:office:word" xmlns:w="http://schemas.openxmlformats.org/wordprocessingml/2006/main" xmlns:w14="http://schemas.microsoft.com/office/word/2010/wordml" xmlns:wpg="http://schemas.microsoft.com/office/word/2010/wordprocessingGroup" xmlns:wpi="http://schemas.microsoft.com/office/word/2010/wordprocessingInk" xmlns:wne="http://schemas.microsoft.com/office/word/2006/wordml" xmlns:wps="http://schemas.microsoft.com/office/word/2010/wordprocessingShape" xmlns:a14="http://schemas.microsoft.com/office/drawing/2010/main" xmlns:pic="http://schemas.openxmlformats.org/drawingml/2006/picture" xmlns:lc="http://schemas.openxmlformats.org/drawingml/2006/lockedCanvas" val="0"/>
+                <a14:useLocalDpi xmlns:a14="http://schemas.microsoft.com/office/drawing/2010/main" val="0"/>
               </a:ext>
             </a:extLst>
           </a:blip>
@@ -16468,7 +16529,7 @@
           <a:blip r:embed="rId3" cstate="print">
             <a:extLst>
               <a:ext uri="{28A0092B-C50C-407E-A947-70E740481C1C}">
-                <a14:useLocalDpi xmlns="" xmlns:wpc="http://schemas.microsoft.com/office/word/2010/wordprocessingCanvas" xmlns:mc="http://schemas.openxmlformats.org/markup-compatibility/2006" xmlns:o="urn:schemas-microsoft-com:office:office" xmlns:m="http://schemas.openxmlformats.org/officeDocument/2006/math" xmlns:v="urn:schemas-microsoft-com:vml" xmlns:wp14="http://schemas.microsoft.com/office/word/2010/wordprocessingDrawing" xmlns:wp="http://schemas.openxmlformats.org/drawingml/2006/wordprocessingDrawing" xmlns:w10="urn:schemas-microsoft-com:office:word" xmlns:w="http://schemas.openxmlformats.org/wordprocessingml/2006/main" xmlns:w14="http://schemas.microsoft.com/office/word/2010/wordml" xmlns:wpg="http://schemas.microsoft.com/office/word/2010/wordprocessingGroup" xmlns:wpi="http://schemas.microsoft.com/office/word/2010/wordprocessingInk" xmlns:wne="http://schemas.microsoft.com/office/word/2006/wordml" xmlns:wps="http://schemas.microsoft.com/office/word/2010/wordprocessingShape" xmlns:a14="http://schemas.microsoft.com/office/drawing/2010/main" xmlns:pic="http://schemas.openxmlformats.org/drawingml/2006/picture" xmlns:lc="http://schemas.openxmlformats.org/drawingml/2006/lockedCanvas" val="0"/>
+                <a14:useLocalDpi xmlns:a14="http://schemas.microsoft.com/office/drawing/2010/main" val="0"/>
               </a:ext>
             </a:extLst>
           </a:blip>

--- a/卒業論文/2012/久保孝樹/最終発表/最終発表.pptx
+++ b/卒業論文/2012/久保孝樹/最終発表/最終発表.pptx
@@ -14732,11 +14732,7 @@
             <a:pPr algn="ctr"/>
             <a:r>
               <a:rPr kumimoji="1" lang="ja-JP" altLang="en-US" sz="2800" dirty="0" smtClean="0"/>
-              <a:t>オープンソースソフトウェア</a:t>
-            </a:r>
-            <a:r>
-              <a:rPr kumimoji="1" lang="ja-JP" altLang="en-US" sz="2800" dirty="0" smtClean="0"/>
-              <a:t>開発</a:t>
+              <a:t>オープンソースソフトウェア開発</a:t>
             </a:r>
             <a:endParaRPr kumimoji="1" lang="en-US" altLang="ja-JP" sz="2800" dirty="0" smtClean="0"/>
           </a:p>

--- a/卒業論文/2012/久保孝樹/最終発表/最終発表.pptx
+++ b/卒業論文/2012/久保孝樹/最終発表/最終発表.pptx
@@ -5,7 +5,7 @@
     <p:sldMasterId id="2147483660" r:id="rId1"/>
   </p:sldMasterIdLst>
   <p:notesMasterIdLst>
-    <p:notesMasterId r:id="rId22"/>
+    <p:notesMasterId r:id="rId25"/>
   </p:notesMasterIdLst>
   <p:sldIdLst>
     <p:sldId id="256" r:id="rId2"/>
@@ -22,12 +22,15 @@
     <p:sldId id="264" r:id="rId13"/>
     <p:sldId id="273" r:id="rId14"/>
     <p:sldId id="272" r:id="rId15"/>
-    <p:sldId id="265" r:id="rId16"/>
-    <p:sldId id="266" r:id="rId17"/>
-    <p:sldId id="274" r:id="rId18"/>
-    <p:sldId id="275" r:id="rId19"/>
-    <p:sldId id="277" r:id="rId20"/>
-    <p:sldId id="267" r:id="rId21"/>
+    <p:sldId id="278" r:id="rId16"/>
+    <p:sldId id="279" r:id="rId17"/>
+    <p:sldId id="265" r:id="rId18"/>
+    <p:sldId id="266" r:id="rId19"/>
+    <p:sldId id="274" r:id="rId20"/>
+    <p:sldId id="275" r:id="rId21"/>
+    <p:sldId id="277" r:id="rId22"/>
+    <p:sldId id="267" r:id="rId23"/>
+    <p:sldId id="280" r:id="rId24"/>
   </p:sldIdLst>
   <p:sldSz cx="9144000" cy="6858000" type="screen4x3"/>
   <p:notesSz cx="6858000" cy="9144000"/>
@@ -406,7 +409,7 @@
             <a:fld id="{53C007A6-8C15-4A82-BA2A-D516D891DA02}" type="slidenum">
               <a:rPr kumimoji="1" lang="ja-JP" altLang="en-US" smtClean="0"/>
               <a:pPr/>
-              <a:t>‹#›</a:t>
+              <a:t>&lt;#&gt;</a:t>
             </a:fld>
             <a:endParaRPr kumimoji="1" lang="ja-JP" altLang="en-US"/>
           </a:p>
@@ -415,7 +418,7 @@
     </p:spTree>
     <p:extLst>
       <p:ext uri="{BB962C8B-B14F-4D97-AF65-F5344CB8AC3E}">
-        <p14:creationId xmlns:p14="http://schemas.microsoft.com/office/powerpoint/2010/main" val="4023641264"/>
+        <p14:creationId xmlns:p14="http://schemas.microsoft.com/office/powerpoint/2010/main" xmlns="" val="4023641264"/>
       </p:ext>
     </p:extLst>
   </p:cSld>
@@ -1521,7 +1524,7 @@
             <a:fld id="{FC34BB9A-9949-44E2-8F79-5E20208ABC6D}" type="slidenum">
               <a:rPr kumimoji="1" lang="ja-JP" altLang="en-US" smtClean="0"/>
               <a:pPr/>
-              <a:t>‹#›</a:t>
+              <a:t>&lt;#&gt;</a:t>
             </a:fld>
             <a:endParaRPr kumimoji="1" lang="ja-JP" altLang="en-US"/>
           </a:p>
@@ -1735,7 +1738,7 @@
             <a:fld id="{FC34BB9A-9949-44E2-8F79-5E20208ABC6D}" type="slidenum">
               <a:rPr kumimoji="1" lang="ja-JP" altLang="en-US" smtClean="0"/>
               <a:pPr/>
-              <a:t>‹#›</a:t>
+              <a:t>&lt;#&gt;</a:t>
             </a:fld>
             <a:endParaRPr kumimoji="1" lang="ja-JP" altLang="en-US"/>
           </a:p>
@@ -1954,7 +1957,7 @@
             <a:fld id="{FC34BB9A-9949-44E2-8F79-5E20208ABC6D}" type="slidenum">
               <a:rPr kumimoji="1" lang="ja-JP" altLang="en-US" smtClean="0"/>
               <a:pPr/>
-              <a:t>‹#›</a:t>
+              <a:t>&lt;#&gt;</a:t>
             </a:fld>
             <a:endParaRPr kumimoji="1" lang="ja-JP" altLang="en-US"/>
           </a:p>
@@ -2138,7 +2141,7 @@
             <a:fld id="{FC34BB9A-9949-44E2-8F79-5E20208ABC6D}" type="slidenum">
               <a:rPr kumimoji="1" lang="ja-JP" altLang="en-US" smtClean="0"/>
               <a:pPr/>
-              <a:t>‹#›</a:t>
+              <a:t>&lt;#&gt;</a:t>
             </a:fld>
             <a:endParaRPr kumimoji="1" lang="ja-JP" altLang="en-US"/>
           </a:p>
@@ -2395,7 +2398,7 @@
             <a:fld id="{FC34BB9A-9949-44E2-8F79-5E20208ABC6D}" type="slidenum">
               <a:rPr kumimoji="1" lang="ja-JP" altLang="en-US" smtClean="0"/>
               <a:pPr/>
-              <a:t>‹#›</a:t>
+              <a:t>&lt;#&gt;</a:t>
             </a:fld>
             <a:endParaRPr kumimoji="1" lang="ja-JP" altLang="en-US"/>
           </a:p>
@@ -2870,7 +2873,7 @@
             <a:fld id="{FC34BB9A-9949-44E2-8F79-5E20208ABC6D}" type="slidenum">
               <a:rPr kumimoji="1" lang="ja-JP" altLang="en-US" smtClean="0"/>
               <a:pPr/>
-              <a:t>‹#›</a:t>
+              <a:t>&lt;#&gt;</a:t>
             </a:fld>
             <a:endParaRPr kumimoji="1" lang="ja-JP" altLang="en-US"/>
           </a:p>
@@ -3382,7 +3385,7 @@
             <a:fld id="{FC34BB9A-9949-44E2-8F79-5E20208ABC6D}" type="slidenum">
               <a:rPr kumimoji="1" lang="ja-JP" altLang="en-US" smtClean="0"/>
               <a:pPr/>
-              <a:t>‹#›</a:t>
+              <a:t>&lt;#&gt;</a:t>
             </a:fld>
             <a:endParaRPr kumimoji="1" lang="ja-JP" altLang="en-US"/>
           </a:p>
@@ -3485,7 +3488,7 @@
             <a:fld id="{FC34BB9A-9949-44E2-8F79-5E20208ABC6D}" type="slidenum">
               <a:rPr kumimoji="1" lang="ja-JP" altLang="en-US" smtClean="0"/>
               <a:pPr/>
-              <a:t>‹#›</a:t>
+              <a:t>&lt;#&gt;</a:t>
             </a:fld>
             <a:endParaRPr kumimoji="1" lang="ja-JP" altLang="en-US"/>
           </a:p>
@@ -3608,7 +3611,7 @@
             <a:fld id="{FC34BB9A-9949-44E2-8F79-5E20208ABC6D}" type="slidenum">
               <a:rPr kumimoji="1" lang="ja-JP" altLang="en-US" smtClean="0"/>
               <a:pPr/>
-              <a:t>‹#›</a:t>
+              <a:t>&lt;#&gt;</a:t>
             </a:fld>
             <a:endParaRPr kumimoji="1" lang="ja-JP" altLang="en-US"/>
           </a:p>
@@ -3916,7 +3919,7 @@
             <a:fld id="{FC34BB9A-9949-44E2-8F79-5E20208ABC6D}" type="slidenum">
               <a:rPr kumimoji="1" lang="ja-JP" altLang="en-US" smtClean="0"/>
               <a:pPr/>
-              <a:t>‹#›</a:t>
+              <a:t>&lt;#&gt;</a:t>
             </a:fld>
             <a:endParaRPr kumimoji="1" lang="ja-JP" altLang="en-US"/>
           </a:p>
@@ -4142,7 +4145,7 @@
             <a:fld id="{FC34BB9A-9949-44E2-8F79-5E20208ABC6D}" type="slidenum">
               <a:rPr kumimoji="1" lang="ja-JP" altLang="en-US" smtClean="0"/>
               <a:pPr/>
-              <a:t>‹#›</a:t>
+              <a:t>&lt;#&gt;</a:t>
             </a:fld>
             <a:endParaRPr kumimoji="1" lang="ja-JP" altLang="en-US"/>
           </a:p>
@@ -5296,7 +5299,7 @@
             <a:fld id="{FC34BB9A-9949-44E2-8F79-5E20208ABC6D}" type="slidenum">
               <a:rPr kumimoji="1" lang="ja-JP" altLang="en-US" smtClean="0"/>
               <a:pPr/>
-              <a:t>‹#›</a:t>
+              <a:t>&lt;#&gt;</a:t>
             </a:fld>
             <a:endParaRPr kumimoji="1" lang="ja-JP" altLang="en-US"/>
           </a:p>
@@ -6116,7 +6119,7 @@
           <a:p>
             <a:r>
               <a:rPr kumimoji="1" lang="ja-JP" altLang="en-US" dirty="0" smtClean="0"/>
-              <a:t>調査</a:t>
+              <a:t>調査対象データ</a:t>
             </a:r>
             <a:endParaRPr kumimoji="1" lang="ja-JP" altLang="en-US" dirty="0"/>
           </a:p>
@@ -6719,7 +6722,7 @@
           <a:p>
             <a:r>
               <a:rPr kumimoji="1" lang="ja-JP" altLang="en-US" dirty="0" smtClean="0"/>
-              <a:t>調査</a:t>
+              <a:t>調査対象プロジェクト</a:t>
             </a:r>
             <a:endParaRPr kumimoji="1" lang="ja-JP" altLang="en-US" dirty="0"/>
           </a:p>
@@ -12171,7 +12174,7 @@
           <a:p>
             <a:r>
               <a:rPr kumimoji="1" lang="ja-JP" altLang="en-US" dirty="0" smtClean="0"/>
-              <a:t>調査</a:t>
+              <a:t>調査ツールの概要</a:t>
             </a:r>
             <a:endParaRPr kumimoji="1" lang="ja-JP" altLang="en-US" dirty="0"/>
           </a:p>
@@ -13296,6 +13299,1014 @@
       </p:grpSpPr>
       <p:sp>
         <p:nvSpPr>
+          <p:cNvPr id="2" name="コンテンツ プレースホルダ 1"/>
+          <p:cNvSpPr>
+            <a:spLocks noGrp="1"/>
+          </p:cNvSpPr>
+          <p:nvPr>
+            <p:ph idx="1"/>
+          </p:nvPr>
+        </p:nvSpPr>
+        <p:spPr/>
+        <p:txBody>
+          <a:bodyPr/>
+          <a:lstStyle/>
+          <a:p>
+            <a:endParaRPr kumimoji="1" lang="ja-JP" altLang="en-US"/>
+          </a:p>
+        </p:txBody>
+      </p:sp>
+      <p:sp>
+        <p:nvSpPr>
+          <p:cNvPr id="3" name="タイトル 2"/>
+          <p:cNvSpPr>
+            <a:spLocks noGrp="1"/>
+          </p:cNvSpPr>
+          <p:nvPr>
+            <p:ph type="title"/>
+          </p:nvPr>
+        </p:nvSpPr>
+        <p:spPr/>
+        <p:txBody>
+          <a:bodyPr/>
+          <a:lstStyle/>
+          <a:p>
+            <a:r>
+              <a:rPr lang="ja-JP" altLang="en-US" dirty="0" smtClean="0"/>
+              <a:t>ツールを利用した結果・・・</a:t>
+            </a:r>
+            <a:endParaRPr kumimoji="1" lang="ja-JP" altLang="en-US" dirty="0"/>
+          </a:p>
+        </p:txBody>
+      </p:sp>
+    </p:spTree>
+  </p:cSld>
+  <p:clrMapOvr>
+    <a:masterClrMapping/>
+  </p:clrMapOvr>
+</p:sld>
+</file>
+
+<file path=ppt/slides/slide16.xml><?xml version="1.0" encoding="utf-8"?>
+<p:sld xmlns:a="http://schemas.openxmlformats.org/drawingml/2006/main" xmlns:r="http://schemas.openxmlformats.org/officeDocument/2006/relationships" xmlns:p="http://schemas.openxmlformats.org/presentationml/2006/main">
+  <p:cSld>
+    <p:spTree>
+      <p:nvGrpSpPr>
+        <p:cNvPr id="1" name=""/>
+        <p:cNvGrpSpPr/>
+        <p:nvPr/>
+      </p:nvGrpSpPr>
+      <p:grpSpPr>
+        <a:xfrm>
+          <a:off x="0" y="0"/>
+          <a:ext cx="0" cy="0"/>
+          <a:chOff x="0" y="0"/>
+          <a:chExt cx="0" cy="0"/>
+        </a:xfrm>
+      </p:grpSpPr>
+      <p:pic>
+        <p:nvPicPr>
+          <p:cNvPr id="4" name="コンテンツ プレースホルダ 3" descr="adobe-brackets-issuesCountChart.png"/>
+          <p:cNvPicPr preferRelativeResize="0">
+            <a:picLocks noGrp="1" noChangeAspect="1"/>
+          </p:cNvPicPr>
+          <p:nvPr>
+            <p:ph idx="1"/>
+          </p:nvPr>
+        </p:nvPicPr>
+        <p:blipFill>
+          <a:blip r:embed="rId2" cstate="print"/>
+          <a:stretch>
+            <a:fillRect/>
+          </a:stretch>
+        </p:blipFill>
+        <p:spPr>
+          <a:xfrm>
+            <a:off x="951237" y="1481145"/>
+            <a:ext cx="1013818" cy="633645"/>
+          </a:xfrm>
+        </p:spPr>
+      </p:pic>
+      <p:sp>
+        <p:nvSpPr>
+          <p:cNvPr id="3" name="タイトル 2"/>
+          <p:cNvSpPr>
+            <a:spLocks noGrp="1"/>
+          </p:cNvSpPr>
+          <p:nvPr>
+            <p:ph type="title"/>
+          </p:nvPr>
+        </p:nvSpPr>
+        <p:spPr/>
+        <p:txBody>
+          <a:bodyPr>
+            <a:normAutofit/>
+          </a:bodyPr>
+          <a:lstStyle/>
+          <a:p>
+            <a:r>
+              <a:rPr kumimoji="1" lang="en-US" altLang="ja-JP" sz="3600" dirty="0" smtClean="0"/>
+              <a:t>36</a:t>
+            </a:r>
+            <a:r>
+              <a:rPr kumimoji="1" lang="ja-JP" altLang="en-US" sz="3600" dirty="0" smtClean="0"/>
+              <a:t>件のプロジェクトからグラフを描き出す</a:t>
+            </a:r>
+            <a:endParaRPr kumimoji="1" lang="ja-JP" altLang="en-US" sz="3600" dirty="0"/>
+          </a:p>
+        </p:txBody>
+      </p:sp>
+      <p:pic>
+        <p:nvPicPr>
+          <p:cNvPr id="5" name="図 4" descr="angular-angular.js-issuesCountChart.png"/>
+          <p:cNvPicPr preferRelativeResize="0">
+            <a:picLocks noChangeAspect="1"/>
+          </p:cNvPicPr>
+          <p:nvPr/>
+        </p:nvPicPr>
+        <p:blipFill>
+          <a:blip r:embed="rId3" cstate="print"/>
+          <a:stretch>
+            <a:fillRect/>
+          </a:stretch>
+        </p:blipFill>
+        <p:spPr>
+          <a:xfrm>
+            <a:off x="150009" y="721508"/>
+            <a:ext cx="1280160" cy="800100"/>
+          </a:xfrm>
+          <a:prstGeom prst="rect">
+            <a:avLst/>
+          </a:prstGeom>
+        </p:spPr>
+      </p:pic>
+      <p:pic>
+        <p:nvPicPr>
+          <p:cNvPr id="6" name="図 5" descr="ariya-phantomjs-issuesCountChart.png"/>
+          <p:cNvPicPr preferRelativeResize="0">
+            <a:picLocks noChangeAspect="1"/>
+          </p:cNvPicPr>
+          <p:nvPr/>
+        </p:nvPicPr>
+        <p:blipFill>
+          <a:blip r:embed="rId4" cstate="print"/>
+          <a:stretch>
+            <a:fillRect/>
+          </a:stretch>
+        </p:blipFill>
+        <p:spPr>
+          <a:xfrm>
+            <a:off x="300009" y="871508"/>
+            <a:ext cx="1280160" cy="800100"/>
+          </a:xfrm>
+          <a:prstGeom prst="rect">
+            <a:avLst/>
+          </a:prstGeom>
+        </p:spPr>
+      </p:pic>
+      <p:pic>
+        <p:nvPicPr>
+          <p:cNvPr id="7" name="図 6" descr="blueimp-jQuery-File-Upload-issuesCountChart.png"/>
+          <p:cNvPicPr preferRelativeResize="0">
+            <a:picLocks noChangeAspect="1"/>
+          </p:cNvPicPr>
+          <p:nvPr/>
+        </p:nvPicPr>
+        <p:blipFill>
+          <a:blip r:embed="rId5" cstate="print"/>
+          <a:stretch>
+            <a:fillRect/>
+          </a:stretch>
+        </p:blipFill>
+        <p:spPr>
+          <a:xfrm>
+            <a:off x="450009" y="1021508"/>
+            <a:ext cx="1280160" cy="800100"/>
+          </a:xfrm>
+          <a:prstGeom prst="rect">
+            <a:avLst/>
+          </a:prstGeom>
+        </p:spPr>
+      </p:pic>
+      <p:pic>
+        <p:nvPicPr>
+          <p:cNvPr id="8" name="図 7" descr="bower-bower-issuesCountChart.png"/>
+          <p:cNvPicPr preferRelativeResize="0">
+            <a:picLocks noChangeAspect="1"/>
+          </p:cNvPicPr>
+          <p:nvPr/>
+        </p:nvPicPr>
+        <p:blipFill>
+          <a:blip r:embed="rId6" cstate="print"/>
+          <a:stretch>
+            <a:fillRect/>
+          </a:stretch>
+        </p:blipFill>
+        <p:spPr>
+          <a:xfrm>
+            <a:off x="600009" y="1171508"/>
+            <a:ext cx="1280160" cy="800100"/>
+          </a:xfrm>
+          <a:prstGeom prst="rect">
+            <a:avLst/>
+          </a:prstGeom>
+        </p:spPr>
+      </p:pic>
+      <p:pic>
+        <p:nvPicPr>
+          <p:cNvPr id="9" name="図 8" descr="caolan-async-issuesCountChart.png"/>
+          <p:cNvPicPr preferRelativeResize="0">
+            <a:picLocks noChangeAspect="1"/>
+          </p:cNvPicPr>
+          <p:nvPr/>
+        </p:nvPicPr>
+        <p:blipFill>
+          <a:blip r:embed="rId7" cstate="print"/>
+          <a:stretch>
+            <a:fillRect/>
+          </a:stretch>
+        </p:blipFill>
+        <p:spPr>
+          <a:xfrm>
+            <a:off x="750009" y="1321508"/>
+            <a:ext cx="1280160" cy="800100"/>
+          </a:xfrm>
+          <a:prstGeom prst="rect">
+            <a:avLst/>
+          </a:prstGeom>
+        </p:spPr>
+      </p:pic>
+      <p:pic>
+        <p:nvPicPr>
+          <p:cNvPr id="10" name="図 9" descr="defunkt-jquery-pjax-issuesCountChart.png"/>
+          <p:cNvPicPr preferRelativeResize="0">
+            <a:picLocks noChangeAspect="1"/>
+          </p:cNvPicPr>
+          <p:nvPr/>
+        </p:nvPicPr>
+        <p:blipFill>
+          <a:blip r:embed="rId8" cstate="print"/>
+          <a:stretch>
+            <a:fillRect/>
+          </a:stretch>
+        </p:blipFill>
+        <p:spPr>
+          <a:xfrm>
+            <a:off x="900009" y="1471508"/>
+            <a:ext cx="1280160" cy="800100"/>
+          </a:xfrm>
+          <a:prstGeom prst="rect">
+            <a:avLst/>
+          </a:prstGeom>
+        </p:spPr>
+      </p:pic>
+      <p:pic>
+        <p:nvPicPr>
+          <p:cNvPr id="11" name="図 10" descr="discourse-discourse-issuesCountChart.png"/>
+          <p:cNvPicPr preferRelativeResize="0">
+            <a:picLocks noChangeAspect="1"/>
+          </p:cNvPicPr>
+          <p:nvPr/>
+        </p:nvPicPr>
+        <p:blipFill>
+          <a:blip r:embed="rId9" cstate="print"/>
+          <a:stretch>
+            <a:fillRect/>
+          </a:stretch>
+        </p:blipFill>
+        <p:spPr>
+          <a:xfrm>
+            <a:off x="1050009" y="1621508"/>
+            <a:ext cx="1280160" cy="800100"/>
+          </a:xfrm>
+          <a:prstGeom prst="rect">
+            <a:avLst/>
+          </a:prstGeom>
+        </p:spPr>
+      </p:pic>
+      <p:pic>
+        <p:nvPicPr>
+          <p:cNvPr id="12" name="図 11" descr="gruntjs-grunt-issuesCountChart.png"/>
+          <p:cNvPicPr preferRelativeResize="0">
+            <a:picLocks noChangeAspect="1"/>
+          </p:cNvPicPr>
+          <p:nvPr/>
+        </p:nvPicPr>
+        <p:blipFill>
+          <a:blip r:embed="rId10" cstate="print"/>
+          <a:stretch>
+            <a:fillRect/>
+          </a:stretch>
+        </p:blipFill>
+        <p:spPr>
+          <a:xfrm>
+            <a:off x="1200009" y="1771508"/>
+            <a:ext cx="1280160" cy="800100"/>
+          </a:xfrm>
+          <a:prstGeom prst="rect">
+            <a:avLst/>
+          </a:prstGeom>
+        </p:spPr>
+      </p:pic>
+      <p:pic>
+        <p:nvPicPr>
+          <p:cNvPr id="13" name="図 12" descr="hakimel-reveal.js-issuesCountChart.png"/>
+          <p:cNvPicPr preferRelativeResize="0">
+            <a:picLocks noChangeAspect="1"/>
+          </p:cNvPicPr>
+          <p:nvPr/>
+        </p:nvPicPr>
+        <p:blipFill>
+          <a:blip r:embed="rId11" cstate="print"/>
+          <a:stretch>
+            <a:fillRect/>
+          </a:stretch>
+        </p:blipFill>
+        <p:spPr>
+          <a:xfrm>
+            <a:off x="1350009" y="1921508"/>
+            <a:ext cx="1280160" cy="800100"/>
+          </a:xfrm>
+          <a:prstGeom prst="rect">
+            <a:avLst/>
+          </a:prstGeom>
+        </p:spPr>
+      </p:pic>
+      <p:pic>
+        <p:nvPicPr>
+          <p:cNvPr id="14" name="図 13" descr="janl-mustache.js-issuesCountChart.png"/>
+          <p:cNvPicPr preferRelativeResize="0">
+            <a:picLocks noChangeAspect="1"/>
+          </p:cNvPicPr>
+          <p:nvPr/>
+        </p:nvPicPr>
+        <p:blipFill>
+          <a:blip r:embed="rId12" cstate="print"/>
+          <a:stretch>
+            <a:fillRect/>
+          </a:stretch>
+        </p:blipFill>
+        <p:spPr>
+          <a:xfrm>
+            <a:off x="1500009" y="2071508"/>
+            <a:ext cx="1280160" cy="800100"/>
+          </a:xfrm>
+          <a:prstGeom prst="rect">
+            <a:avLst/>
+          </a:prstGeom>
+        </p:spPr>
+      </p:pic>
+      <p:pic>
+        <p:nvPicPr>
+          <p:cNvPr id="15" name="図 14" descr="jashkenas-backbone-issuesCountChart.png"/>
+          <p:cNvPicPr preferRelativeResize="0">
+            <a:picLocks noChangeAspect="1"/>
+          </p:cNvPicPr>
+          <p:nvPr/>
+        </p:nvPicPr>
+        <p:blipFill>
+          <a:blip r:embed="rId13" cstate="print"/>
+          <a:stretch>
+            <a:fillRect/>
+          </a:stretch>
+        </p:blipFill>
+        <p:spPr>
+          <a:xfrm>
+            <a:off x="1650009" y="2221508"/>
+            <a:ext cx="1280160" cy="800100"/>
+          </a:xfrm>
+          <a:prstGeom prst="rect">
+            <a:avLst/>
+          </a:prstGeom>
+        </p:spPr>
+      </p:pic>
+      <p:pic>
+        <p:nvPicPr>
+          <p:cNvPr id="16" name="図 15" descr="jashkenas-coffee-script-issuesCountChart.png"/>
+          <p:cNvPicPr preferRelativeResize="0">
+            <a:picLocks noChangeAspect="1"/>
+          </p:cNvPicPr>
+          <p:nvPr/>
+        </p:nvPicPr>
+        <p:blipFill>
+          <a:blip r:embed="rId14" cstate="print"/>
+          <a:stretch>
+            <a:fillRect/>
+          </a:stretch>
+        </p:blipFill>
+        <p:spPr>
+          <a:xfrm>
+            <a:off x="1800009" y="2371508"/>
+            <a:ext cx="1280160" cy="800100"/>
+          </a:xfrm>
+          <a:prstGeom prst="rect">
+            <a:avLst/>
+          </a:prstGeom>
+        </p:spPr>
+      </p:pic>
+      <p:pic>
+        <p:nvPicPr>
+          <p:cNvPr id="17" name="図 16" descr="jashkenas-underscore-issuesCountChart.png"/>
+          <p:cNvPicPr preferRelativeResize="0">
+            <a:picLocks noChangeAspect="1"/>
+          </p:cNvPicPr>
+          <p:nvPr/>
+        </p:nvPicPr>
+        <p:blipFill>
+          <a:blip r:embed="rId15" cstate="print"/>
+          <a:stretch>
+            <a:fillRect/>
+          </a:stretch>
+        </p:blipFill>
+        <p:spPr>
+          <a:xfrm>
+            <a:off x="1950009" y="2521508"/>
+            <a:ext cx="1280160" cy="800100"/>
+          </a:xfrm>
+          <a:prstGeom prst="rect">
+            <a:avLst/>
+          </a:prstGeom>
+        </p:spPr>
+      </p:pic>
+      <p:pic>
+        <p:nvPicPr>
+          <p:cNvPr id="18" name="図 17" descr="jekyll-jekyll-issuesCountChart.png"/>
+          <p:cNvPicPr preferRelativeResize="0">
+            <a:picLocks noChangeAspect="1"/>
+          </p:cNvPicPr>
+          <p:nvPr/>
+        </p:nvPicPr>
+        <p:blipFill>
+          <a:blip r:embed="rId16" cstate="print"/>
+          <a:stretch>
+            <a:fillRect/>
+          </a:stretch>
+        </p:blipFill>
+        <p:spPr>
+          <a:xfrm>
+            <a:off x="2339759" y="2132861"/>
+            <a:ext cx="1280160" cy="800100"/>
+          </a:xfrm>
+          <a:prstGeom prst="rect">
+            <a:avLst/>
+          </a:prstGeom>
+        </p:spPr>
+      </p:pic>
+      <p:pic>
+        <p:nvPicPr>
+          <p:cNvPr id="19" name="図 18" descr="joyent-node-issuesCountChart.png"/>
+          <p:cNvPicPr preferRelativeResize="0">
+            <a:picLocks noChangeAspect="1"/>
+          </p:cNvPicPr>
+          <p:nvPr/>
+        </p:nvPicPr>
+        <p:blipFill>
+          <a:blip r:embed="rId17" cstate="print"/>
+          <a:stretch>
+            <a:fillRect/>
+          </a:stretch>
+        </p:blipFill>
+        <p:spPr>
+          <a:xfrm>
+            <a:off x="2411767" y="980733"/>
+            <a:ext cx="1280160" cy="800100"/>
+          </a:xfrm>
+          <a:prstGeom prst="rect">
+            <a:avLst/>
+          </a:prstGeom>
+        </p:spPr>
+      </p:pic>
+      <p:pic>
+        <p:nvPicPr>
+          <p:cNvPr id="20" name="図 19" descr="LearnBoost-socket.io-issuesCountChart.png"/>
+          <p:cNvPicPr preferRelativeResize="0">
+            <a:picLocks noChangeAspect="1"/>
+          </p:cNvPicPr>
+          <p:nvPr/>
+        </p:nvPicPr>
+        <p:blipFill>
+          <a:blip r:embed="rId18" cstate="print"/>
+          <a:stretch>
+            <a:fillRect/>
+          </a:stretch>
+        </p:blipFill>
+        <p:spPr>
+          <a:xfrm>
+            <a:off x="4067951" y="980733"/>
+            <a:ext cx="1280160" cy="800100"/>
+          </a:xfrm>
+          <a:prstGeom prst="rect">
+            <a:avLst/>
+          </a:prstGeom>
+        </p:spPr>
+      </p:pic>
+      <p:pic>
+        <p:nvPicPr>
+          <p:cNvPr id="21" name="図 20" descr="less-less.js-issuesCountChart.png"/>
+          <p:cNvPicPr preferRelativeResize="0">
+            <a:picLocks noChangeAspect="1"/>
+          </p:cNvPicPr>
+          <p:nvPr/>
+        </p:nvPicPr>
+        <p:blipFill>
+          <a:blip r:embed="rId19" cstate="print"/>
+          <a:stretch>
+            <a:fillRect/>
+          </a:stretch>
+        </p:blipFill>
+        <p:spPr>
+          <a:xfrm>
+            <a:off x="2339759" y="3284989"/>
+            <a:ext cx="1280160" cy="800100"/>
+          </a:xfrm>
+          <a:prstGeom prst="rect">
+            <a:avLst/>
+          </a:prstGeom>
+        </p:spPr>
+      </p:pic>
+      <p:pic>
+        <p:nvPicPr>
+          <p:cNvPr id="22" name="図 21" descr="lines.png"/>
+          <p:cNvPicPr preferRelativeResize="0">
+            <a:picLocks noChangeAspect="1"/>
+          </p:cNvPicPr>
+          <p:nvPr/>
+        </p:nvPicPr>
+        <p:blipFill>
+          <a:blip r:embed="rId20" cstate="print"/>
+          <a:stretch>
+            <a:fillRect/>
+          </a:stretch>
+        </p:blipFill>
+        <p:spPr>
+          <a:xfrm>
+            <a:off x="539559" y="3284989"/>
+            <a:ext cx="1280160" cy="800100"/>
+          </a:xfrm>
+          <a:prstGeom prst="rect">
+            <a:avLst/>
+          </a:prstGeom>
+        </p:spPr>
+      </p:pic>
+      <p:pic>
+        <p:nvPicPr>
+          <p:cNvPr id="23" name="図 22" descr="madrobby-zepto-issuesCountChart.png"/>
+          <p:cNvPicPr preferRelativeResize="0">
+            <a:picLocks noChangeAspect="1"/>
+          </p:cNvPicPr>
+          <p:nvPr/>
+        </p:nvPicPr>
+        <p:blipFill>
+          <a:blip r:embed="rId21" cstate="print"/>
+          <a:stretch>
+            <a:fillRect/>
+          </a:stretch>
+        </p:blipFill>
+        <p:spPr>
+          <a:xfrm>
+            <a:off x="2339759" y="4437117"/>
+            <a:ext cx="1280160" cy="800100"/>
+          </a:xfrm>
+          <a:prstGeom prst="rect">
+            <a:avLst/>
+          </a:prstGeom>
+        </p:spPr>
+      </p:pic>
+      <p:pic>
+        <p:nvPicPr>
+          <p:cNvPr id="24" name="図 23" descr="maker-ratchet-issuesCountChart.png"/>
+          <p:cNvPicPr preferRelativeResize="0">
+            <a:picLocks noChangeAspect="1"/>
+          </p:cNvPicPr>
+          <p:nvPr/>
+        </p:nvPicPr>
+        <p:blipFill>
+          <a:blip r:embed="rId22" cstate="print"/>
+          <a:stretch>
+            <a:fillRect/>
+          </a:stretch>
+        </p:blipFill>
+        <p:spPr>
+          <a:xfrm>
+            <a:off x="539559" y="4437117"/>
+            <a:ext cx="1280160" cy="800100"/>
+          </a:xfrm>
+          <a:prstGeom prst="rect">
+            <a:avLst/>
+          </a:prstGeom>
+        </p:spPr>
+      </p:pic>
+      <p:pic>
+        <p:nvPicPr>
+          <p:cNvPr id="25" name="図 24" descr="mbostock-d3-issuesCountChart.png"/>
+          <p:cNvPicPr preferRelativeResize="0">
+            <a:picLocks noChangeAspect="1"/>
+          </p:cNvPicPr>
+          <p:nvPr/>
+        </p:nvPicPr>
+        <p:blipFill>
+          <a:blip r:embed="rId23" cstate="print"/>
+          <a:stretch>
+            <a:fillRect/>
+          </a:stretch>
+        </p:blipFill>
+        <p:spPr>
+          <a:xfrm>
+            <a:off x="539559" y="5589245"/>
+            <a:ext cx="1280160" cy="800100"/>
+          </a:xfrm>
+          <a:prstGeom prst="rect">
+            <a:avLst/>
+          </a:prstGeom>
+        </p:spPr>
+      </p:pic>
+      <p:pic>
+        <p:nvPicPr>
+          <p:cNvPr id="26" name="図 25" descr="Modernizr-Modernizr-issuesCountChart.png"/>
+          <p:cNvPicPr preferRelativeResize="0">
+            <a:picLocks noChangeAspect="1"/>
+          </p:cNvPicPr>
+          <p:nvPr/>
+        </p:nvPicPr>
+        <p:blipFill>
+          <a:blip r:embed="rId24" cstate="print"/>
+          <a:stretch>
+            <a:fillRect/>
+          </a:stretch>
+        </p:blipFill>
+        <p:spPr>
+          <a:xfrm>
+            <a:off x="2339759" y="5589245"/>
+            <a:ext cx="1280160" cy="800100"/>
+          </a:xfrm>
+          <a:prstGeom prst="rect">
+            <a:avLst/>
+          </a:prstGeom>
+        </p:spPr>
+      </p:pic>
+      <p:pic>
+        <p:nvPicPr>
+          <p:cNvPr id="27" name="図 26" descr="moment-moment-issuesCountChart.png"/>
+          <p:cNvPicPr preferRelativeResize="0">
+            <a:picLocks noChangeAspect="1"/>
+          </p:cNvPicPr>
+          <p:nvPr/>
+        </p:nvPicPr>
+        <p:blipFill>
+          <a:blip r:embed="rId25" cstate="print"/>
+          <a:stretch>
+            <a:fillRect/>
+          </a:stretch>
+        </p:blipFill>
+        <p:spPr>
+          <a:xfrm>
+            <a:off x="4067951" y="2132861"/>
+            <a:ext cx="1280160" cy="800100"/>
+          </a:xfrm>
+          <a:prstGeom prst="rect">
+            <a:avLst/>
+          </a:prstGeom>
+        </p:spPr>
+      </p:pic>
+      <p:pic>
+        <p:nvPicPr>
+          <p:cNvPr id="28" name="図 27" descr="mozilla-pdf.js-issuesCountChart.png"/>
+          <p:cNvPicPr preferRelativeResize="0">
+            <a:picLocks noChangeAspect="1"/>
+          </p:cNvPicPr>
+          <p:nvPr/>
+        </p:nvPicPr>
+        <p:blipFill>
+          <a:blip r:embed="rId26" cstate="print"/>
+          <a:stretch>
+            <a:fillRect/>
+          </a:stretch>
+        </p:blipFill>
+        <p:spPr>
+          <a:xfrm>
+            <a:off x="3995943" y="3284989"/>
+            <a:ext cx="1280160" cy="800100"/>
+          </a:xfrm>
+          <a:prstGeom prst="rect">
+            <a:avLst/>
+          </a:prstGeom>
+        </p:spPr>
+      </p:pic>
+      <p:pic>
+        <p:nvPicPr>
+          <p:cNvPr id="29" name="図 28" descr="mrdoob-three.js-issuesCountChart.png"/>
+          <p:cNvPicPr preferRelativeResize="0">
+            <a:picLocks noChangeAspect="1"/>
+          </p:cNvPicPr>
+          <p:nvPr/>
+        </p:nvPicPr>
+        <p:blipFill>
+          <a:blip r:embed="rId27" cstate="print"/>
+          <a:stretch>
+            <a:fillRect/>
+          </a:stretch>
+        </p:blipFill>
+        <p:spPr>
+          <a:xfrm>
+            <a:off x="3995943" y="4437117"/>
+            <a:ext cx="1280160" cy="800100"/>
+          </a:xfrm>
+          <a:prstGeom prst="rect">
+            <a:avLst/>
+          </a:prstGeom>
+        </p:spPr>
+      </p:pic>
+      <p:pic>
+        <p:nvPicPr>
+          <p:cNvPr id="30" name="図 29" descr="plataformatec-devise-issuesCountChart.png"/>
+          <p:cNvPicPr preferRelativeResize="0">
+            <a:picLocks noChangeAspect="1"/>
+          </p:cNvPicPr>
+          <p:nvPr/>
+        </p:nvPicPr>
+        <p:blipFill>
+          <a:blip r:embed="rId28" cstate="print"/>
+          <a:stretch>
+            <a:fillRect/>
+          </a:stretch>
+        </p:blipFill>
+        <p:spPr>
+          <a:xfrm>
+            <a:off x="3995943" y="5589245"/>
+            <a:ext cx="1280160" cy="800100"/>
+          </a:xfrm>
+          <a:prstGeom prst="rect">
+            <a:avLst/>
+          </a:prstGeom>
+        </p:spPr>
+      </p:pic>
+      <p:pic>
+        <p:nvPicPr>
+          <p:cNvPr id="31" name="図 30" descr="Prinzhorn-skrollr-issuesCountChart.png"/>
+          <p:cNvPicPr preferRelativeResize="0">
+            <a:picLocks noChangeAspect="1"/>
+          </p:cNvPicPr>
+          <p:nvPr/>
+        </p:nvPicPr>
+        <p:blipFill>
+          <a:blip r:embed="rId29" cstate="print"/>
+          <a:stretch>
+            <a:fillRect/>
+          </a:stretch>
+        </p:blipFill>
+        <p:spPr>
+          <a:xfrm>
+            <a:off x="5652127" y="5589245"/>
+            <a:ext cx="1280160" cy="800100"/>
+          </a:xfrm>
+          <a:prstGeom prst="rect">
+            <a:avLst/>
+          </a:prstGeom>
+        </p:spPr>
+      </p:pic>
+      <p:pic>
+        <p:nvPicPr>
+          <p:cNvPr id="32" name="図 31" descr="resque-resque-issuesCountChart.png"/>
+          <p:cNvPicPr preferRelativeResize="0">
+            <a:picLocks noChangeAspect="1"/>
+          </p:cNvPicPr>
+          <p:nvPr/>
+        </p:nvPicPr>
+        <p:blipFill>
+          <a:blip r:embed="rId30" cstate="print"/>
+          <a:stretch>
+            <a:fillRect/>
+          </a:stretch>
+        </p:blipFill>
+        <p:spPr>
+          <a:xfrm>
+            <a:off x="5652127" y="4437117"/>
+            <a:ext cx="1280160" cy="800100"/>
+          </a:xfrm>
+          <a:prstGeom prst="rect">
+            <a:avLst/>
+          </a:prstGeom>
+        </p:spPr>
+      </p:pic>
+      <p:pic>
+        <p:nvPicPr>
+          <p:cNvPr id="33" name="図 32" descr="rstacruz-nprogress-issuesCountChart.png"/>
+          <p:cNvPicPr preferRelativeResize="0">
+            <a:picLocks noChangeAspect="1"/>
+          </p:cNvPicPr>
+          <p:nvPr/>
+        </p:nvPicPr>
+        <p:blipFill>
+          <a:blip r:embed="rId31" cstate="print"/>
+          <a:stretch>
+            <a:fillRect/>
+          </a:stretch>
+        </p:blipFill>
+        <p:spPr>
+          <a:xfrm>
+            <a:off x="5652127" y="3284989"/>
+            <a:ext cx="1280160" cy="800100"/>
+          </a:xfrm>
+          <a:prstGeom prst="rect">
+            <a:avLst/>
+          </a:prstGeom>
+        </p:spPr>
+      </p:pic>
+      <p:pic>
+        <p:nvPicPr>
+          <p:cNvPr id="34" name="図 33" descr="scottjehl-Respond-issuesCountChart.png"/>
+          <p:cNvPicPr preferRelativeResize="0">
+            <a:picLocks noChangeAspect="1"/>
+          </p:cNvPicPr>
+          <p:nvPr/>
+        </p:nvPicPr>
+        <p:blipFill>
+          <a:blip r:embed="rId32" cstate="print"/>
+          <a:stretch>
+            <a:fillRect/>
+          </a:stretch>
+        </p:blipFill>
+        <p:spPr>
+          <a:xfrm>
+            <a:off x="5652127" y="2132861"/>
+            <a:ext cx="1280160" cy="800100"/>
+          </a:xfrm>
+          <a:prstGeom prst="rect">
+            <a:avLst/>
+          </a:prstGeom>
+        </p:spPr>
+      </p:pic>
+      <p:pic>
+        <p:nvPicPr>
+          <p:cNvPr id="35" name="図 34" descr="Shopify-dashing-issuesCountChart.png"/>
+          <p:cNvPicPr preferRelativeResize="0">
+            <a:picLocks noChangeAspect="1"/>
+          </p:cNvPicPr>
+          <p:nvPr/>
+        </p:nvPicPr>
+        <p:blipFill>
+          <a:blip r:embed="rId33" cstate="print"/>
+          <a:stretch>
+            <a:fillRect/>
+          </a:stretch>
+        </p:blipFill>
+        <p:spPr>
+          <a:xfrm>
+            <a:off x="5652127" y="980733"/>
+            <a:ext cx="1280160" cy="800100"/>
+          </a:xfrm>
+          <a:prstGeom prst="rect">
+            <a:avLst/>
+          </a:prstGeom>
+        </p:spPr>
+      </p:pic>
+      <p:pic>
+        <p:nvPicPr>
+          <p:cNvPr id="36" name="図 35" descr="thoughtbot-paperclip-issuesCountChart.png"/>
+          <p:cNvPicPr preferRelativeResize="0">
+            <a:picLocks noChangeAspect="1"/>
+          </p:cNvPicPr>
+          <p:nvPr/>
+        </p:nvPicPr>
+        <p:blipFill>
+          <a:blip r:embed="rId34" cstate="print"/>
+          <a:stretch>
+            <a:fillRect/>
+          </a:stretch>
+        </p:blipFill>
+        <p:spPr>
+          <a:xfrm>
+            <a:off x="7315200" y="980728"/>
+            <a:ext cx="1280160" cy="800100"/>
+          </a:xfrm>
+          <a:prstGeom prst="rect">
+            <a:avLst/>
+          </a:prstGeom>
+        </p:spPr>
+      </p:pic>
+      <p:pic>
+        <p:nvPicPr>
+          <p:cNvPr id="37" name="図 36" descr="twitter-typeahead.js-issuesCountChart.png"/>
+          <p:cNvPicPr preferRelativeResize="0">
+            <a:picLocks noChangeAspect="1"/>
+          </p:cNvPicPr>
+          <p:nvPr/>
+        </p:nvPicPr>
+        <p:blipFill>
+          <a:blip r:embed="rId35" cstate="print"/>
+          <a:stretch>
+            <a:fillRect/>
+          </a:stretch>
+        </p:blipFill>
+        <p:spPr>
+          <a:xfrm>
+            <a:off x="7315200" y="2132856"/>
+            <a:ext cx="1280160" cy="800100"/>
+          </a:xfrm>
+          <a:prstGeom prst="rect">
+            <a:avLst/>
+          </a:prstGeom>
+        </p:spPr>
+      </p:pic>
+      <p:pic>
+        <p:nvPicPr>
+          <p:cNvPr id="38" name="図 37" descr="visionmedia-express-issuesCountChart.png"/>
+          <p:cNvPicPr preferRelativeResize="0">
+            <a:picLocks noChangeAspect="1"/>
+          </p:cNvPicPr>
+          <p:nvPr/>
+        </p:nvPicPr>
+        <p:blipFill>
+          <a:blip r:embed="rId36" cstate="print"/>
+          <a:stretch>
+            <a:fillRect/>
+          </a:stretch>
+        </p:blipFill>
+        <p:spPr>
+          <a:xfrm>
+            <a:off x="7315200" y="5589240"/>
+            <a:ext cx="1280160" cy="800100"/>
+          </a:xfrm>
+          <a:prstGeom prst="rect">
+            <a:avLst/>
+          </a:prstGeom>
+        </p:spPr>
+      </p:pic>
+      <p:pic>
+        <p:nvPicPr>
+          <p:cNvPr id="39" name="図 38" descr="visionmedia-jade-issuesCountChart.png"/>
+          <p:cNvPicPr preferRelativeResize="0">
+            <a:picLocks noChangeAspect="1"/>
+          </p:cNvPicPr>
+          <p:nvPr/>
+        </p:nvPicPr>
+        <p:blipFill>
+          <a:blip r:embed="rId37" cstate="print"/>
+          <a:stretch>
+            <a:fillRect/>
+          </a:stretch>
+        </p:blipFill>
+        <p:spPr>
+          <a:xfrm>
+            <a:off x="7315200" y="4437112"/>
+            <a:ext cx="1280160" cy="800100"/>
+          </a:xfrm>
+          <a:prstGeom prst="rect">
+            <a:avLst/>
+          </a:prstGeom>
+        </p:spPr>
+      </p:pic>
+      <p:pic>
+        <p:nvPicPr>
+          <p:cNvPr id="40" name="図 39" descr="xing-wysihtml5-issuesCountChart.png"/>
+          <p:cNvPicPr preferRelativeResize="0">
+            <a:picLocks noChangeAspect="1"/>
+          </p:cNvPicPr>
+          <p:nvPr/>
+        </p:nvPicPr>
+        <p:blipFill>
+          <a:blip r:embed="rId38" cstate="print"/>
+          <a:stretch>
+            <a:fillRect/>
+          </a:stretch>
+        </p:blipFill>
+        <p:spPr>
+          <a:xfrm>
+            <a:off x="7315200" y="3284984"/>
+            <a:ext cx="1280160" cy="800100"/>
+          </a:xfrm>
+          <a:prstGeom prst="rect">
+            <a:avLst/>
+          </a:prstGeom>
+        </p:spPr>
+      </p:pic>
+    </p:spTree>
+  </p:cSld>
+  <p:clrMapOvr>
+    <a:masterClrMapping/>
+  </p:clrMapOvr>
+</p:sld>
+</file>
+
+<file path=ppt/slides/slide17.xml><?xml version="1.0" encoding="utf-8"?>
+<p:sld xmlns:a="http://schemas.openxmlformats.org/drawingml/2006/main" xmlns:r="http://schemas.openxmlformats.org/officeDocument/2006/relationships" xmlns:p="http://schemas.openxmlformats.org/presentationml/2006/main">
+  <p:cSld>
+    <p:spTree>
+      <p:nvGrpSpPr>
+        <p:cNvPr id="1" name=""/>
+        <p:cNvGrpSpPr/>
+        <p:nvPr/>
+      </p:nvGrpSpPr>
+      <p:grpSpPr>
+        <a:xfrm>
+          <a:off x="0" y="0"/>
+          <a:ext cx="0" cy="0"/>
+          <a:chOff x="0" y="0"/>
+          <a:chExt cx="0" cy="0"/>
+        </a:xfrm>
+      </p:grpSpPr>
+      <p:sp>
+        <p:nvSpPr>
           <p:cNvPr id="2" name="タイトル 1"/>
           <p:cNvSpPr>
             <a:spLocks noGrp="1"/>
@@ -13311,7 +14322,11 @@
           <a:p>
             <a:r>
               <a:rPr kumimoji="1" lang="ja-JP" altLang="en-US" dirty="0" smtClean="0"/>
-              <a:t>調査結果</a:t>
+              <a:t>調査</a:t>
+            </a:r>
+            <a:r>
+              <a:rPr kumimoji="1" lang="ja-JP" altLang="en-US" dirty="0" smtClean="0"/>
+              <a:t>結果の分類</a:t>
             </a:r>
             <a:endParaRPr kumimoji="1" lang="ja-JP" altLang="en-US" dirty="0"/>
           </a:p>
@@ -13331,7 +14346,7 @@
           <a:blip r:embed="rId2" cstate="print">
             <a:extLst>
               <a:ext uri="{28A0092B-C50C-407E-A947-70E740481C1C}">
-                <a14:useLocalDpi xmlns:a14="http://schemas.microsoft.com/office/drawing/2010/main" val="0"/>
+                <a14:useLocalDpi xmlns:a14="http://schemas.microsoft.com/office/drawing/2010/main" xmlns="" val="0"/>
               </a:ext>
             </a:extLst>
           </a:blip>
@@ -13351,7 +14366,7 @@
           </a:ln>
           <a:extLst>
             <a:ext uri="{53640926-AAD7-44D8-BBD7-CCE9431645EC}">
-              <a14:shadowObscured xmlns:a14="http://schemas.microsoft.com/office/drawing/2010/main"/>
+              <a14:shadowObscured xmlns:a14="http://schemas.microsoft.com/office/drawing/2010/main" xmlns=""/>
             </a:ext>
           </a:extLst>
         </p:spPr>
@@ -13366,7 +14381,7 @@
           <a:blip r:embed="rId3" cstate="print">
             <a:extLst>
               <a:ext uri="{28A0092B-C50C-407E-A947-70E740481C1C}">
-                <a14:useLocalDpi xmlns:a14="http://schemas.microsoft.com/office/drawing/2010/main" val="0"/>
+                <a14:useLocalDpi xmlns:a14="http://schemas.microsoft.com/office/drawing/2010/main" xmlns="" val="0"/>
               </a:ext>
             </a:extLst>
           </a:blip>
@@ -13386,7 +14401,7 @@
           </a:ln>
           <a:extLst>
             <a:ext uri="{53640926-AAD7-44D8-BBD7-CCE9431645EC}">
-              <a14:shadowObscured xmlns:a14="http://schemas.microsoft.com/office/drawing/2010/main"/>
+              <a14:shadowObscured xmlns:a14="http://schemas.microsoft.com/office/drawing/2010/main" xmlns=""/>
             </a:ext>
           </a:extLst>
         </p:spPr>
@@ -13401,7 +14416,7 @@
           <a:blip r:embed="rId4" cstate="print">
             <a:extLst>
               <a:ext uri="{28A0092B-C50C-407E-A947-70E740481C1C}">
-                <a14:useLocalDpi xmlns:a14="http://schemas.microsoft.com/office/drawing/2010/main" val="0"/>
+                <a14:useLocalDpi xmlns:a14="http://schemas.microsoft.com/office/drawing/2010/main" xmlns="" val="0"/>
               </a:ext>
             </a:extLst>
           </a:blip>
@@ -13421,7 +14436,7 @@
           </a:ln>
           <a:extLst>
             <a:ext uri="{53640926-AAD7-44D8-BBD7-CCE9431645EC}">
-              <a14:shadowObscured xmlns:a14="http://schemas.microsoft.com/office/drawing/2010/main"/>
+              <a14:shadowObscured xmlns:a14="http://schemas.microsoft.com/office/drawing/2010/main" xmlns=""/>
             </a:ext>
           </a:extLst>
         </p:spPr>
@@ -13436,7 +14451,7 @@
           <a:blip r:embed="rId5" cstate="print">
             <a:extLst>
               <a:ext uri="{28A0092B-C50C-407E-A947-70E740481C1C}">
-                <a14:useLocalDpi xmlns:a14="http://schemas.microsoft.com/office/drawing/2010/main" val="0"/>
+                <a14:useLocalDpi xmlns:a14="http://schemas.microsoft.com/office/drawing/2010/main" xmlns="" val="0"/>
               </a:ext>
             </a:extLst>
           </a:blip>
@@ -13456,7 +14471,7 @@
           </a:ln>
           <a:extLst>
             <a:ext uri="{53640926-AAD7-44D8-BBD7-CCE9431645EC}">
-              <a14:shadowObscured xmlns:a14="http://schemas.microsoft.com/office/drawing/2010/main"/>
+              <a14:shadowObscured xmlns:a14="http://schemas.microsoft.com/office/drawing/2010/main" xmlns=""/>
             </a:ext>
           </a:extLst>
         </p:spPr>
@@ -13640,282 +14655,6 @@
           </a:p>
         </p:txBody>
       </p:sp>
-    </p:spTree>
-  </p:cSld>
-  <p:clrMapOvr>
-    <a:masterClrMapping/>
-  </p:clrMapOvr>
-  <p:timing>
-    <p:tnLst>
-      <p:par>
-        <p:cTn id="1" dur="indefinite" restart="never" nodeType="tmRoot"/>
-      </p:par>
-    </p:tnLst>
-  </p:timing>
-</p:sld>
-</file>
-
-<file path=ppt/slides/slide16.xml><?xml version="1.0" encoding="utf-8"?>
-<p:sld xmlns:a="http://schemas.openxmlformats.org/drawingml/2006/main" xmlns:r="http://schemas.openxmlformats.org/officeDocument/2006/relationships" xmlns:p="http://schemas.openxmlformats.org/presentationml/2006/main">
-  <p:cSld>
-    <p:spTree>
-      <p:nvGrpSpPr>
-        <p:cNvPr id="1" name=""/>
-        <p:cNvGrpSpPr/>
-        <p:nvPr/>
-      </p:nvGrpSpPr>
-      <p:grpSpPr>
-        <a:xfrm>
-          <a:off x="0" y="0"/>
-          <a:ext cx="0" cy="0"/>
-          <a:chOff x="0" y="0"/>
-          <a:chExt cx="0" cy="0"/>
-        </a:xfrm>
-      </p:grpSpPr>
-      <p:sp>
-        <p:nvSpPr>
-          <p:cNvPr id="3" name="コンテンツ プレースホルダ 2"/>
-          <p:cNvSpPr>
-            <a:spLocks noGrp="1"/>
-          </p:cNvSpPr>
-          <p:nvPr>
-            <p:ph idx="1"/>
-          </p:nvPr>
-        </p:nvSpPr>
-        <p:spPr/>
-        <p:txBody>
-          <a:bodyPr>
-            <a:normAutofit/>
-          </a:bodyPr>
-          <a:lstStyle/>
-          <a:p>
-            <a:pPr lvl="0"/>
-            <a:r>
-              <a:rPr kumimoji="1" lang="ja-JP" altLang="en-US" sz="2000" dirty="0" smtClean="0"/>
-              <a:t>①　</a:t>
-            </a:r>
-            <a:r>
-              <a:rPr lang="ja-JP" altLang="ja-JP" sz="2000" dirty="0" smtClean="0"/>
-              <a:t>チケットの増加率が時間とともに減少する</a:t>
-            </a:r>
-            <a:r>
-              <a:rPr lang="en-US" altLang="ja-JP" sz="2000" dirty="0" smtClean="0"/>
-              <a:t>(</a:t>
-            </a:r>
-            <a:r>
-              <a:rPr lang="ja-JP" altLang="ja-JP" sz="2000" dirty="0" smtClean="0"/>
-              <a:t>全体の約</a:t>
-            </a:r>
-            <a:r>
-              <a:rPr lang="en-US" altLang="ja-JP" sz="2000" dirty="0" smtClean="0"/>
-              <a:t>30%)</a:t>
-            </a:r>
-            <a:endParaRPr lang="ja-JP" altLang="ja-JP" sz="2000" dirty="0" smtClean="0"/>
-          </a:p>
-          <a:p>
-            <a:endParaRPr kumimoji="1" lang="ja-JP" altLang="en-US" sz="3200" dirty="0"/>
-          </a:p>
-        </p:txBody>
-      </p:sp>
-      <p:sp>
-        <p:nvSpPr>
-          <p:cNvPr id="2" name="タイトル 1"/>
-          <p:cNvSpPr>
-            <a:spLocks noGrp="1"/>
-          </p:cNvSpPr>
-          <p:nvPr>
-            <p:ph type="title"/>
-          </p:nvPr>
-        </p:nvSpPr>
-        <p:spPr/>
-        <p:txBody>
-          <a:bodyPr/>
-          <a:lstStyle/>
-          <a:p>
-            <a:r>
-              <a:rPr kumimoji="1" lang="ja-JP" altLang="en-US" dirty="0" smtClean="0"/>
-              <a:t>調査結果</a:t>
-            </a:r>
-            <a:endParaRPr kumimoji="1" lang="ja-JP" altLang="en-US" dirty="0"/>
-          </a:p>
-        </p:txBody>
-      </p:sp>
-      <p:pic>
-        <p:nvPicPr>
-          <p:cNvPr id="4" name="コンテンツ プレースホルダ 3"/>
-          <p:cNvPicPr>
-            <a:picLocks/>
-          </p:cNvPicPr>
-          <p:nvPr/>
-        </p:nvPicPr>
-        <p:blipFill rotWithShape="1">
-          <a:blip r:embed="rId2" cstate="print">
-            <a:extLst>
-              <a:ext uri="{28A0092B-C50C-407E-A947-70E740481C1C}">
-                <a14:useLocalDpi xmlns:a14="http://schemas.microsoft.com/office/drawing/2010/main" val="0"/>
-              </a:ext>
-            </a:extLst>
-          </a:blip>
-          <a:srcRect t="7292"/>
-          <a:stretch/>
-        </p:blipFill>
-        <p:spPr bwMode="auto">
-          <a:xfrm>
-            <a:off x="1331640" y="1988840"/>
-            <a:ext cx="7073915" cy="4098803"/>
-          </a:xfrm>
-          <a:prstGeom prst="rect">
-            <a:avLst/>
-          </a:prstGeom>
-          <a:ln>
-            <a:noFill/>
-          </a:ln>
-          <a:extLst>
-            <a:ext uri="{53640926-AAD7-44D8-BBD7-CCE9431645EC}">
-              <a14:shadowObscured xmlns:a14="http://schemas.microsoft.com/office/drawing/2010/main"/>
-            </a:ext>
-          </a:extLst>
-        </p:spPr>
-      </p:pic>
-    </p:spTree>
-  </p:cSld>
-  <p:clrMapOvr>
-    <a:masterClrMapping/>
-  </p:clrMapOvr>
-  <p:timing>
-    <p:tnLst>
-      <p:par>
-        <p:cTn id="1" dur="indefinite" restart="never" nodeType="tmRoot"/>
-      </p:par>
-    </p:tnLst>
-  </p:timing>
-</p:sld>
-</file>
-
-<file path=ppt/slides/slide17.xml><?xml version="1.0" encoding="utf-8"?>
-<p:sld xmlns:a="http://schemas.openxmlformats.org/drawingml/2006/main" xmlns:r="http://schemas.openxmlformats.org/officeDocument/2006/relationships" xmlns:p="http://schemas.openxmlformats.org/presentationml/2006/main">
-  <p:cSld>
-    <p:spTree>
-      <p:nvGrpSpPr>
-        <p:cNvPr id="1" name=""/>
-        <p:cNvGrpSpPr/>
-        <p:nvPr/>
-      </p:nvGrpSpPr>
-      <p:grpSpPr>
-        <a:xfrm>
-          <a:off x="0" y="0"/>
-          <a:ext cx="0" cy="0"/>
-          <a:chOff x="0" y="0"/>
-          <a:chExt cx="0" cy="0"/>
-        </a:xfrm>
-      </p:grpSpPr>
-      <p:sp>
-        <p:nvSpPr>
-          <p:cNvPr id="3" name="コンテンツ プレースホルダ 2"/>
-          <p:cNvSpPr>
-            <a:spLocks noGrp="1"/>
-          </p:cNvSpPr>
-          <p:nvPr>
-            <p:ph idx="1"/>
-          </p:nvPr>
-        </p:nvSpPr>
-        <p:spPr/>
-        <p:txBody>
-          <a:bodyPr>
-            <a:normAutofit/>
-          </a:bodyPr>
-          <a:lstStyle/>
-          <a:p>
-            <a:pPr lvl="0"/>
-            <a:r>
-              <a:rPr lang="ja-JP" altLang="en-US" sz="2000" dirty="0" smtClean="0"/>
-              <a:t>②　</a:t>
-            </a:r>
-            <a:r>
-              <a:rPr lang="ja-JP" altLang="ja-JP" sz="2000" dirty="0" smtClean="0"/>
-              <a:t>チケットの増加率が時間とともに増加する</a:t>
-            </a:r>
-            <a:r>
-              <a:rPr lang="en-US" altLang="ja-JP" sz="2000" dirty="0" smtClean="0"/>
-              <a:t>(</a:t>
-            </a:r>
-            <a:r>
-              <a:rPr lang="ja-JP" altLang="ja-JP" sz="2000" dirty="0" smtClean="0"/>
-              <a:t>全体の約</a:t>
-            </a:r>
-            <a:r>
-              <a:rPr lang="en-US" altLang="ja-JP" sz="2000" dirty="0" smtClean="0"/>
-              <a:t>40%)</a:t>
-            </a:r>
-            <a:endParaRPr lang="ja-JP" altLang="ja-JP" sz="2000" dirty="0" smtClean="0"/>
-          </a:p>
-          <a:p>
-            <a:pPr lvl="0"/>
-            <a:endParaRPr lang="ja-JP" altLang="ja-JP" sz="2000" dirty="0" smtClean="0"/>
-          </a:p>
-          <a:p>
-            <a:endParaRPr kumimoji="1" lang="ja-JP" altLang="en-US" sz="3200" dirty="0"/>
-          </a:p>
-        </p:txBody>
-      </p:sp>
-      <p:sp>
-        <p:nvSpPr>
-          <p:cNvPr id="2" name="タイトル 1"/>
-          <p:cNvSpPr>
-            <a:spLocks noGrp="1"/>
-          </p:cNvSpPr>
-          <p:nvPr>
-            <p:ph type="title"/>
-          </p:nvPr>
-        </p:nvSpPr>
-        <p:spPr/>
-        <p:txBody>
-          <a:bodyPr/>
-          <a:lstStyle/>
-          <a:p>
-            <a:r>
-              <a:rPr kumimoji="1" lang="ja-JP" altLang="en-US" dirty="0" smtClean="0"/>
-              <a:t>調査結果</a:t>
-            </a:r>
-            <a:endParaRPr kumimoji="1" lang="ja-JP" altLang="en-US" dirty="0"/>
-          </a:p>
-        </p:txBody>
-      </p:sp>
-      <p:pic>
-        <p:nvPicPr>
-          <p:cNvPr id="5" name="図 4"/>
-          <p:cNvPicPr/>
-          <p:nvPr/>
-        </p:nvPicPr>
-        <p:blipFill rotWithShape="1">
-          <a:blip r:embed="rId2" cstate="print">
-            <a:extLst>
-              <a:ext uri="{28A0092B-C50C-407E-A947-70E740481C1C}">
-                <a14:useLocalDpi xmlns:a14="http://schemas.microsoft.com/office/drawing/2010/main" val="0"/>
-              </a:ext>
-            </a:extLst>
-          </a:blip>
-          <a:srcRect t="6816"/>
-          <a:stretch/>
-        </p:blipFill>
-        <p:spPr bwMode="auto">
-          <a:xfrm>
-            <a:off x="1259632" y="1799148"/>
-            <a:ext cx="7157368" cy="4150132"/>
-          </a:xfrm>
-          <a:prstGeom prst="rect">
-            <a:avLst/>
-          </a:prstGeom>
-          <a:ln>
-            <a:noFill/>
-          </a:ln>
-          <a:extLst>
-            <a:ext uri="{53640926-AAD7-44D8-BBD7-CCE9431645EC}">
-              <a14:shadowObscured xmlns:a14="http://schemas.microsoft.com/office/drawing/2010/main"/>
-            </a:ext>
-          </a:extLst>
-        </p:spPr>
-      </p:pic>
     </p:spTree>
   </p:cSld>
   <p:clrMapOvr>
@@ -13965,34 +14704,6 @@
           </a:bodyPr>
           <a:lstStyle/>
           <a:p>
-            <a:pPr lvl="0"/>
-            <a:r>
-              <a:rPr lang="ja-JP" altLang="en-US" sz="2000" dirty="0" smtClean="0"/>
-              <a:t>③　</a:t>
-            </a:r>
-            <a:r>
-              <a:rPr lang="ja-JP" altLang="ja-JP" sz="2000" dirty="0" smtClean="0"/>
-              <a:t>チケットの消化が発行に追い付いていない</a:t>
-            </a:r>
-            <a:r>
-              <a:rPr lang="en-US" altLang="ja-JP" sz="2000" dirty="0" smtClean="0"/>
-              <a:t>(</a:t>
-            </a:r>
-            <a:r>
-              <a:rPr lang="ja-JP" altLang="ja-JP" sz="2000" dirty="0" smtClean="0"/>
-              <a:t>全体の約</a:t>
-            </a:r>
-            <a:r>
-              <a:rPr lang="en-US" altLang="ja-JP" sz="2000" dirty="0" smtClean="0"/>
-              <a:t>20%)</a:t>
-            </a:r>
-            <a:endParaRPr lang="ja-JP" altLang="ja-JP" sz="2000" dirty="0" smtClean="0"/>
-          </a:p>
-          <a:p>
-            <a:pPr lvl="0"/>
-            <a:endParaRPr lang="ja-JP" altLang="ja-JP" sz="2000" dirty="0" smtClean="0"/>
-          </a:p>
-          <a:p>
             <a:endParaRPr kumimoji="1" lang="ja-JP" altLang="en-US" sz="3200" dirty="0"/>
           </a:p>
         </p:txBody>
@@ -14009,38 +14720,88 @@
         </p:nvSpPr>
         <p:spPr/>
         <p:txBody>
-          <a:bodyPr/>
+          <a:bodyPr>
+            <a:normAutofit fontScale="90000"/>
+          </a:bodyPr>
           <a:lstStyle/>
           <a:p>
-            <a:r>
-              <a:rPr kumimoji="1" lang="ja-JP" altLang="en-US" dirty="0" smtClean="0"/>
-              <a:t>調査結果</a:t>
-            </a:r>
+            <a:pPr lvl="0" algn="ctr"/>
+            <a:r>
+              <a:rPr lang="en-US" altLang="ja-JP" sz="3100" dirty="0" smtClean="0"/>
+              <a:t/>
+            </a:r>
+            <a:br>
+              <a:rPr lang="en-US" altLang="ja-JP" sz="3100" dirty="0" smtClean="0"/>
+            </a:br>
+            <a:r>
+              <a:rPr lang="ja-JP" altLang="en-US" sz="3100" dirty="0" smtClean="0"/>
+              <a:t>①</a:t>
+            </a:r>
+            <a:r>
+              <a:rPr lang="ja-JP" altLang="en-US" sz="3100" dirty="0" smtClean="0"/>
+              <a:t>　</a:t>
+            </a:r>
+            <a:r>
+              <a:rPr lang="ja-JP" altLang="ja-JP" sz="3100" dirty="0" smtClean="0"/>
+              <a:t>チケットの増加率が時間とともに減少</a:t>
+            </a:r>
+            <a:r>
+              <a:rPr lang="ja-JP" altLang="ja-JP" sz="3100" dirty="0" smtClean="0"/>
+              <a:t>する</a:t>
+            </a:r>
+            <a:r>
+              <a:rPr lang="en-US" altLang="ja-JP" sz="3100" dirty="0" smtClean="0"/>
+              <a:t/>
+            </a:r>
+            <a:br>
+              <a:rPr lang="en-US" altLang="ja-JP" sz="3100" dirty="0" smtClean="0"/>
+            </a:br>
+            <a:r>
+              <a:rPr lang="en-US" altLang="ja-JP" sz="3100" dirty="0" smtClean="0"/>
+              <a:t>(</a:t>
+            </a:r>
+            <a:r>
+              <a:rPr lang="ja-JP" altLang="ja-JP" sz="3100" dirty="0" smtClean="0"/>
+              <a:t>全体の約</a:t>
+            </a:r>
+            <a:r>
+              <a:rPr lang="en-US" altLang="ja-JP" sz="3100" dirty="0" smtClean="0"/>
+              <a:t>30%)</a:t>
+            </a:r>
+            <a:r>
+              <a:rPr lang="ja-JP" altLang="ja-JP" sz="4400" dirty="0" smtClean="0"/>
+              <a:t/>
+            </a:r>
+            <a:br>
+              <a:rPr lang="ja-JP" altLang="ja-JP" sz="4400" dirty="0" smtClean="0"/>
+            </a:br>
             <a:endParaRPr kumimoji="1" lang="ja-JP" altLang="en-US" dirty="0"/>
           </a:p>
         </p:txBody>
       </p:sp>
       <p:pic>
         <p:nvPicPr>
-          <p:cNvPr id="6" name="図 5"/>
-          <p:cNvPicPr/>
+          <p:cNvPr id="4" name="コンテンツ プレースホルダ 3"/>
+          <p:cNvPicPr>
+            <a:picLocks/>
+          </p:cNvPicPr>
           <p:nvPr/>
         </p:nvPicPr>
         <p:blipFill rotWithShape="1">
           <a:blip r:embed="rId2" cstate="print">
             <a:extLst>
               <a:ext uri="{28A0092B-C50C-407E-A947-70E740481C1C}">
-                <a14:useLocalDpi xmlns:a14="http://schemas.microsoft.com/office/drawing/2010/main" val="0"/>
+                <a14:useLocalDpi xmlns:a14="http://schemas.microsoft.com/office/drawing/2010/main" xmlns="" val="0"/>
               </a:ext>
             </a:extLst>
           </a:blip>
-          <a:srcRect t="7956"/>
+          <a:srcRect t="7292"/>
           <a:stretch/>
         </p:blipFill>
         <p:spPr bwMode="auto">
           <a:xfrm>
-            <a:off x="1547664" y="1916832"/>
-            <a:ext cx="7009252" cy="4032448"/>
+            <a:off x="1331640" y="1988840"/>
+            <a:ext cx="7073915" cy="4098803"/>
           </a:xfrm>
           <a:prstGeom prst="rect">
             <a:avLst/>
@@ -14050,7 +14811,7 @@
           </a:ln>
           <a:extLst>
             <a:ext uri="{53640926-AAD7-44D8-BBD7-CCE9431645EC}">
-              <a14:shadowObscured xmlns:a14="http://schemas.microsoft.com/office/drawing/2010/main"/>
+              <a14:shadowObscured xmlns:a14="http://schemas.microsoft.com/office/drawing/2010/main" xmlns=""/>
             </a:ext>
           </a:extLst>
         </p:spPr>
@@ -14105,34 +14866,6 @@
           <a:lstStyle/>
           <a:p>
             <a:pPr lvl="0"/>
-            <a:r>
-              <a:rPr lang="ja-JP" altLang="en-US" sz="2000" dirty="0" smtClean="0"/>
-              <a:t>④　</a:t>
-            </a:r>
-            <a:r>
-              <a:rPr lang="ja-JP" altLang="ja-JP" sz="2000" dirty="0" smtClean="0"/>
-              <a:t>チケットの消化が停滞し急激に消化される</a:t>
-            </a:r>
-            <a:r>
-              <a:rPr lang="en-US" altLang="ja-JP" sz="2000" dirty="0" smtClean="0"/>
-              <a:t>(</a:t>
-            </a:r>
-            <a:r>
-              <a:rPr lang="ja-JP" altLang="ja-JP" sz="2000" dirty="0" smtClean="0"/>
-              <a:t>全体の約</a:t>
-            </a:r>
-            <a:r>
-              <a:rPr lang="en-US" altLang="ja-JP" sz="2000" dirty="0" smtClean="0"/>
-              <a:t>10%)</a:t>
-            </a:r>
-            <a:endParaRPr lang="ja-JP" altLang="ja-JP" sz="2000" dirty="0" smtClean="0"/>
-          </a:p>
-          <a:p>
-            <a:pPr lvl="0"/>
-            <a:endParaRPr lang="ja-JP" altLang="ja-JP" sz="2000" dirty="0" smtClean="0"/>
-          </a:p>
-          <a:p>
-            <a:pPr lvl="0"/>
             <a:endParaRPr lang="ja-JP" altLang="ja-JP" sz="2000" dirty="0" smtClean="0"/>
           </a:p>
           <a:p>
@@ -14152,13 +14885,61 @@
         </p:nvSpPr>
         <p:spPr/>
         <p:txBody>
-          <a:bodyPr/>
+          <a:bodyPr>
+            <a:normAutofit fontScale="90000"/>
+          </a:bodyPr>
           <a:lstStyle/>
           <a:p>
-            <a:r>
-              <a:rPr kumimoji="1" lang="ja-JP" altLang="en-US" dirty="0" smtClean="0"/>
-              <a:t>調査結果</a:t>
-            </a:r>
+            <a:pPr lvl="0" algn="ctr"/>
+            <a:r>
+              <a:rPr lang="en-US" altLang="ja-JP" sz="3100" dirty="0" smtClean="0"/>
+              <a:t/>
+            </a:r>
+            <a:br>
+              <a:rPr lang="en-US" altLang="ja-JP" sz="3100" dirty="0" smtClean="0"/>
+            </a:br>
+            <a:r>
+              <a:rPr lang="ja-JP" altLang="en-US" sz="3100" dirty="0" smtClean="0"/>
+              <a:t>②</a:t>
+            </a:r>
+            <a:r>
+              <a:rPr lang="ja-JP" altLang="en-US" sz="3100" dirty="0" smtClean="0"/>
+              <a:t>　</a:t>
+            </a:r>
+            <a:r>
+              <a:rPr lang="ja-JP" altLang="ja-JP" sz="3100" dirty="0" smtClean="0"/>
+              <a:t>チケットの増加率が時間とともに増加</a:t>
+            </a:r>
+            <a:r>
+              <a:rPr lang="ja-JP" altLang="ja-JP" sz="3100" dirty="0" smtClean="0"/>
+              <a:t>する</a:t>
+            </a:r>
+            <a:r>
+              <a:rPr lang="en-US" altLang="ja-JP" sz="3100" dirty="0" smtClean="0"/>
+              <a:t/>
+            </a:r>
+            <a:br>
+              <a:rPr lang="en-US" altLang="ja-JP" sz="3100" dirty="0" smtClean="0"/>
+            </a:br>
+            <a:r>
+              <a:rPr lang="en-US" altLang="ja-JP" sz="3100" dirty="0" smtClean="0"/>
+              <a:t>(</a:t>
+            </a:r>
+            <a:r>
+              <a:rPr lang="ja-JP" altLang="ja-JP" sz="3100" dirty="0" smtClean="0"/>
+              <a:t>全体の約</a:t>
+            </a:r>
+            <a:r>
+              <a:rPr lang="en-US" altLang="ja-JP" sz="3100" dirty="0" smtClean="0"/>
+              <a:t>40%)</a:t>
+            </a:r>
+            <a:r>
+              <a:rPr lang="ja-JP" altLang="ja-JP" sz="4400" dirty="0" smtClean="0"/>
+              <a:t/>
+            </a:r>
+            <a:br>
+              <a:rPr lang="ja-JP" altLang="ja-JP" sz="4400" dirty="0" smtClean="0"/>
+            </a:br>
             <a:endParaRPr kumimoji="1" lang="ja-JP" altLang="en-US" dirty="0"/>
           </a:p>
         </p:txBody>
@@ -14173,17 +14954,17 @@
           <a:blip r:embed="rId2" cstate="print">
             <a:extLst>
               <a:ext uri="{28A0092B-C50C-407E-A947-70E740481C1C}">
-                <a14:useLocalDpi xmlns:a14="http://schemas.microsoft.com/office/drawing/2010/main" val="0"/>
+                <a14:useLocalDpi xmlns:a14="http://schemas.microsoft.com/office/drawing/2010/main" xmlns="" val="0"/>
               </a:ext>
             </a:extLst>
           </a:blip>
-          <a:srcRect t="8619"/>
+          <a:srcRect t="6816"/>
           <a:stretch/>
         </p:blipFill>
         <p:spPr bwMode="auto">
           <a:xfrm>
-            <a:off x="1403648" y="1889473"/>
-            <a:ext cx="7241881" cy="4131815"/>
+            <a:off x="1259632" y="1799148"/>
+            <a:ext cx="7157368" cy="4150132"/>
           </a:xfrm>
           <a:prstGeom prst="rect">
             <a:avLst/>
@@ -14193,7 +14974,7 @@
           </a:ln>
           <a:extLst>
             <a:ext uri="{53640926-AAD7-44D8-BBD7-CCE9431645EC}">
-              <a14:shadowObscured xmlns:a14="http://schemas.microsoft.com/office/drawing/2010/main"/>
+              <a14:shadowObscured xmlns:a14="http://schemas.microsoft.com/office/drawing/2010/main" xmlns=""/>
             </a:ext>
           </a:extLst>
         </p:spPr>
@@ -14362,6 +15143,300 @@
         </p:nvSpPr>
         <p:spPr/>
         <p:txBody>
+          <a:bodyPr>
+            <a:normAutofit/>
+          </a:bodyPr>
+          <a:lstStyle/>
+          <a:p>
+            <a:pPr lvl="0"/>
+            <a:endParaRPr lang="ja-JP" altLang="ja-JP" sz="2000" dirty="0" smtClean="0"/>
+          </a:p>
+          <a:p>
+            <a:endParaRPr kumimoji="1" lang="ja-JP" altLang="en-US" sz="3200" dirty="0"/>
+          </a:p>
+        </p:txBody>
+      </p:sp>
+      <p:sp>
+        <p:nvSpPr>
+          <p:cNvPr id="2" name="タイトル 1"/>
+          <p:cNvSpPr>
+            <a:spLocks noGrp="1"/>
+          </p:cNvSpPr>
+          <p:nvPr>
+            <p:ph type="title"/>
+          </p:nvPr>
+        </p:nvSpPr>
+        <p:spPr/>
+        <p:txBody>
+          <a:bodyPr>
+            <a:noAutofit/>
+          </a:bodyPr>
+          <a:lstStyle/>
+          <a:p>
+            <a:pPr lvl="0" algn="ctr"/>
+            <a:r>
+              <a:rPr lang="ja-JP" altLang="en-US" sz="2800" dirty="0" smtClean="0"/>
+              <a:t>③　</a:t>
+            </a:r>
+            <a:r>
+              <a:rPr lang="ja-JP" altLang="ja-JP" sz="2800" dirty="0" smtClean="0"/>
+              <a:t>チケットの消化が発行に追い付いて</a:t>
+            </a:r>
+            <a:r>
+              <a:rPr lang="ja-JP" altLang="ja-JP" sz="2800" dirty="0" smtClean="0"/>
+              <a:t>いない</a:t>
+            </a:r>
+            <a:r>
+              <a:rPr lang="en-US" altLang="ja-JP" sz="2800" dirty="0" smtClean="0"/>
+              <a:t/>
+            </a:r>
+            <a:br>
+              <a:rPr lang="en-US" altLang="ja-JP" sz="2800" dirty="0" smtClean="0"/>
+            </a:br>
+            <a:r>
+              <a:rPr lang="en-US" altLang="ja-JP" sz="2800" dirty="0" smtClean="0"/>
+              <a:t>(</a:t>
+            </a:r>
+            <a:r>
+              <a:rPr lang="ja-JP" altLang="ja-JP" sz="2800" dirty="0" smtClean="0"/>
+              <a:t>全体の約</a:t>
+            </a:r>
+            <a:r>
+              <a:rPr lang="en-US" altLang="ja-JP" sz="2800" dirty="0" smtClean="0"/>
+              <a:t>20%)</a:t>
+            </a:r>
+            <a:endParaRPr lang="ja-JP" altLang="ja-JP" sz="2800" dirty="0" smtClean="0"/>
+          </a:p>
+        </p:txBody>
+      </p:sp>
+      <p:pic>
+        <p:nvPicPr>
+          <p:cNvPr id="6" name="図 5"/>
+          <p:cNvPicPr/>
+          <p:nvPr/>
+        </p:nvPicPr>
+        <p:blipFill rotWithShape="1">
+          <a:blip r:embed="rId2" cstate="print">
+            <a:extLst>
+              <a:ext uri="{28A0092B-C50C-407E-A947-70E740481C1C}">
+                <a14:useLocalDpi xmlns:a14="http://schemas.microsoft.com/office/drawing/2010/main" xmlns="" val="0"/>
+              </a:ext>
+            </a:extLst>
+          </a:blip>
+          <a:srcRect t="7956"/>
+          <a:stretch/>
+        </p:blipFill>
+        <p:spPr bwMode="auto">
+          <a:xfrm>
+            <a:off x="1547664" y="1916832"/>
+            <a:ext cx="7009252" cy="4032448"/>
+          </a:xfrm>
+          <a:prstGeom prst="rect">
+            <a:avLst/>
+          </a:prstGeom>
+          <a:ln>
+            <a:noFill/>
+          </a:ln>
+          <a:extLst>
+            <a:ext uri="{53640926-AAD7-44D8-BBD7-CCE9431645EC}">
+              <a14:shadowObscured xmlns:a14="http://schemas.microsoft.com/office/drawing/2010/main" xmlns=""/>
+            </a:ext>
+          </a:extLst>
+        </p:spPr>
+      </p:pic>
+    </p:spTree>
+  </p:cSld>
+  <p:clrMapOvr>
+    <a:masterClrMapping/>
+  </p:clrMapOvr>
+  <p:timing>
+    <p:tnLst>
+      <p:par>
+        <p:cTn id="1" dur="indefinite" restart="never" nodeType="tmRoot"/>
+      </p:par>
+    </p:tnLst>
+  </p:timing>
+</p:sld>
+</file>
+
+<file path=ppt/slides/slide21.xml><?xml version="1.0" encoding="utf-8"?>
+<p:sld xmlns:a="http://schemas.openxmlformats.org/drawingml/2006/main" xmlns:r="http://schemas.openxmlformats.org/officeDocument/2006/relationships" xmlns:p="http://schemas.openxmlformats.org/presentationml/2006/main">
+  <p:cSld>
+    <p:spTree>
+      <p:nvGrpSpPr>
+        <p:cNvPr id="1" name=""/>
+        <p:cNvGrpSpPr/>
+        <p:nvPr/>
+      </p:nvGrpSpPr>
+      <p:grpSpPr>
+        <a:xfrm>
+          <a:off x="0" y="0"/>
+          <a:ext cx="0" cy="0"/>
+          <a:chOff x="0" y="0"/>
+          <a:chExt cx="0" cy="0"/>
+        </a:xfrm>
+      </p:grpSpPr>
+      <p:sp>
+        <p:nvSpPr>
+          <p:cNvPr id="3" name="コンテンツ プレースホルダ 2"/>
+          <p:cNvSpPr>
+            <a:spLocks noGrp="1"/>
+          </p:cNvSpPr>
+          <p:nvPr>
+            <p:ph idx="1"/>
+          </p:nvPr>
+        </p:nvSpPr>
+        <p:spPr/>
+        <p:txBody>
+          <a:bodyPr>
+            <a:normAutofit/>
+          </a:bodyPr>
+          <a:lstStyle/>
+          <a:p>
+            <a:pPr lvl="0"/>
+            <a:endParaRPr lang="ja-JP" altLang="ja-JP" sz="2000" dirty="0" smtClean="0"/>
+          </a:p>
+          <a:p>
+            <a:pPr lvl="0"/>
+            <a:endParaRPr lang="ja-JP" altLang="ja-JP" sz="2000" dirty="0" smtClean="0"/>
+          </a:p>
+          <a:p>
+            <a:endParaRPr kumimoji="1" lang="ja-JP" altLang="en-US" sz="3200" dirty="0"/>
+          </a:p>
+        </p:txBody>
+      </p:sp>
+      <p:sp>
+        <p:nvSpPr>
+          <p:cNvPr id="2" name="タイトル 1"/>
+          <p:cNvSpPr>
+            <a:spLocks noGrp="1"/>
+          </p:cNvSpPr>
+          <p:nvPr>
+            <p:ph type="title"/>
+          </p:nvPr>
+        </p:nvSpPr>
+        <p:spPr/>
+        <p:txBody>
+          <a:bodyPr>
+            <a:noAutofit/>
+          </a:bodyPr>
+          <a:lstStyle/>
+          <a:p>
+            <a:pPr lvl="0" algn="ctr"/>
+            <a:r>
+              <a:rPr lang="ja-JP" altLang="en-US" sz="2800" dirty="0" smtClean="0"/>
+              <a:t>④　</a:t>
+            </a:r>
+            <a:r>
+              <a:rPr lang="ja-JP" altLang="ja-JP" sz="2800" dirty="0" smtClean="0"/>
+              <a:t>チケットの消化が停滞し急激に消化</a:t>
+            </a:r>
+            <a:r>
+              <a:rPr lang="ja-JP" altLang="ja-JP" sz="2800" dirty="0" smtClean="0"/>
+              <a:t>される</a:t>
+            </a:r>
+            <a:r>
+              <a:rPr lang="en-US" altLang="ja-JP" sz="2800" dirty="0" smtClean="0"/>
+              <a:t/>
+            </a:r>
+            <a:br>
+              <a:rPr lang="en-US" altLang="ja-JP" sz="2800" dirty="0" smtClean="0"/>
+            </a:br>
+            <a:r>
+              <a:rPr lang="en-US" altLang="ja-JP" sz="2800" dirty="0" smtClean="0"/>
+              <a:t>(</a:t>
+            </a:r>
+            <a:r>
+              <a:rPr lang="ja-JP" altLang="ja-JP" sz="2800" dirty="0" smtClean="0"/>
+              <a:t>全体の約</a:t>
+            </a:r>
+            <a:r>
+              <a:rPr lang="en-US" altLang="ja-JP" sz="2800" dirty="0" smtClean="0"/>
+              <a:t>10%)</a:t>
+            </a:r>
+            <a:endParaRPr lang="ja-JP" altLang="ja-JP" sz="2800" dirty="0" smtClean="0"/>
+          </a:p>
+        </p:txBody>
+      </p:sp>
+      <p:pic>
+        <p:nvPicPr>
+          <p:cNvPr id="5" name="図 4"/>
+          <p:cNvPicPr/>
+          <p:nvPr/>
+        </p:nvPicPr>
+        <p:blipFill rotWithShape="1">
+          <a:blip r:embed="rId2" cstate="print">
+            <a:extLst>
+              <a:ext uri="{28A0092B-C50C-407E-A947-70E740481C1C}">
+                <a14:useLocalDpi xmlns:a14="http://schemas.microsoft.com/office/drawing/2010/main" xmlns="" val="0"/>
+              </a:ext>
+            </a:extLst>
+          </a:blip>
+          <a:srcRect t="8619"/>
+          <a:stretch/>
+        </p:blipFill>
+        <p:spPr bwMode="auto">
+          <a:xfrm>
+            <a:off x="1403648" y="1889473"/>
+            <a:ext cx="7241881" cy="4131815"/>
+          </a:xfrm>
+          <a:prstGeom prst="rect">
+            <a:avLst/>
+          </a:prstGeom>
+          <a:ln>
+            <a:noFill/>
+          </a:ln>
+          <a:extLst>
+            <a:ext uri="{53640926-AAD7-44D8-BBD7-CCE9431645EC}">
+              <a14:shadowObscured xmlns:a14="http://schemas.microsoft.com/office/drawing/2010/main" xmlns=""/>
+            </a:ext>
+          </a:extLst>
+        </p:spPr>
+      </p:pic>
+    </p:spTree>
+  </p:cSld>
+  <p:clrMapOvr>
+    <a:masterClrMapping/>
+  </p:clrMapOvr>
+  <p:timing>
+    <p:tnLst>
+      <p:par>
+        <p:cTn id="1" dur="indefinite" restart="never" nodeType="tmRoot"/>
+      </p:par>
+    </p:tnLst>
+  </p:timing>
+</p:sld>
+</file>
+
+<file path=ppt/slides/slide22.xml><?xml version="1.0" encoding="utf-8"?>
+<p:sld xmlns:a="http://schemas.openxmlformats.org/drawingml/2006/main" xmlns:r="http://schemas.openxmlformats.org/officeDocument/2006/relationships" xmlns:p="http://schemas.openxmlformats.org/presentationml/2006/main">
+  <p:cSld>
+    <p:spTree>
+      <p:nvGrpSpPr>
+        <p:cNvPr id="1" name=""/>
+        <p:cNvGrpSpPr/>
+        <p:nvPr/>
+      </p:nvGrpSpPr>
+      <p:grpSpPr>
+        <a:xfrm>
+          <a:off x="0" y="0"/>
+          <a:ext cx="0" cy="0"/>
+          <a:chOff x="0" y="0"/>
+          <a:chExt cx="0" cy="0"/>
+        </a:xfrm>
+      </p:grpSpPr>
+      <p:sp>
+        <p:nvSpPr>
+          <p:cNvPr id="3" name="コンテンツ プレースホルダ 2"/>
+          <p:cNvSpPr>
+            <a:spLocks noGrp="1"/>
+          </p:cNvSpPr>
+          <p:nvPr>
+            <p:ph idx="1"/>
+          </p:nvPr>
+        </p:nvSpPr>
+        <p:spPr/>
+        <p:txBody>
           <a:bodyPr/>
           <a:lstStyle/>
           <a:p>
@@ -14611,6 +15686,73 @@
       </p:par>
     </p:tnLst>
   </p:timing>
+</p:sld>
+</file>
+
+<file path=ppt/slides/slide23.xml><?xml version="1.0" encoding="utf-8"?>
+<p:sld xmlns:a="http://schemas.openxmlformats.org/drawingml/2006/main" xmlns:r="http://schemas.openxmlformats.org/officeDocument/2006/relationships" xmlns:p="http://schemas.openxmlformats.org/presentationml/2006/main">
+  <p:cSld>
+    <p:spTree>
+      <p:nvGrpSpPr>
+        <p:cNvPr id="1" name=""/>
+        <p:cNvGrpSpPr/>
+        <p:nvPr/>
+      </p:nvGrpSpPr>
+      <p:grpSpPr>
+        <a:xfrm>
+          <a:off x="0" y="0"/>
+          <a:ext cx="0" cy="0"/>
+          <a:chOff x="0" y="0"/>
+          <a:chExt cx="0" cy="0"/>
+        </a:xfrm>
+      </p:grpSpPr>
+      <p:sp>
+        <p:nvSpPr>
+          <p:cNvPr id="2" name="コンテンツ プレースホルダ 1"/>
+          <p:cNvSpPr>
+            <a:spLocks noGrp="1"/>
+          </p:cNvSpPr>
+          <p:nvPr>
+            <p:ph idx="1"/>
+          </p:nvPr>
+        </p:nvSpPr>
+        <p:spPr/>
+        <p:txBody>
+          <a:bodyPr/>
+          <a:lstStyle/>
+          <a:p>
+            <a:endParaRPr kumimoji="1" lang="ja-JP" altLang="en-US"/>
+          </a:p>
+        </p:txBody>
+      </p:sp>
+      <p:sp>
+        <p:nvSpPr>
+          <p:cNvPr id="3" name="タイトル 2"/>
+          <p:cNvSpPr>
+            <a:spLocks noGrp="1"/>
+          </p:cNvSpPr>
+          <p:nvPr>
+            <p:ph type="title"/>
+          </p:nvPr>
+        </p:nvSpPr>
+        <p:spPr/>
+        <p:txBody>
+          <a:bodyPr/>
+          <a:lstStyle/>
+          <a:p>
+            <a:r>
+              <a:rPr kumimoji="1" lang="ja-JP" altLang="en-US" dirty="0" smtClean="0"/>
+              <a:t>まとめ</a:t>
+            </a:r>
+            <a:endParaRPr kumimoji="1" lang="ja-JP" altLang="en-US" dirty="0"/>
+          </a:p>
+        </p:txBody>
+      </p:sp>
+    </p:spTree>
+  </p:cSld>
+  <p:clrMapOvr>
+    <a:masterClrMapping/>
+  </p:clrMapOvr>
 </p:sld>
 </file>
 
@@ -15668,7 +16810,7 @@
           <a:blip r:embed="rId2" cstate="print">
             <a:extLst>
               <a:ext uri="{28A0092B-C50C-407E-A947-70E740481C1C}">
-                <a14:useLocalDpi xmlns:a14="http://schemas.microsoft.com/office/drawing/2010/main" val="0"/>
+                <a14:useLocalDpi xmlns:a14="http://schemas.microsoft.com/office/drawing/2010/main" xmlns="" val="0"/>
               </a:ext>
             </a:extLst>
           </a:blip>
@@ -15857,7 +16999,11 @@
           <a:p>
             <a:r>
               <a:rPr lang="ja-JP" altLang="en-US" dirty="0" smtClean="0"/>
-              <a:t>チケットとは</a:t>
+              <a:t>チケット</a:t>
+            </a:r>
+            <a:r>
+              <a:rPr lang="ja-JP" altLang="en-US" dirty="0" smtClean="0"/>
+              <a:t>一覧表示の例</a:t>
             </a:r>
             <a:endParaRPr kumimoji="1" lang="ja-JP" altLang="en-US" dirty="0"/>
           </a:p>
@@ -15877,7 +17023,7 @@
           <a:blip r:embed="rId2" cstate="print">
             <a:extLst>
               <a:ext uri="{28A0092B-C50C-407E-A947-70E740481C1C}">
-                <a14:useLocalDpi xmlns:a14="http://schemas.microsoft.com/office/drawing/2010/main" val="0"/>
+                <a14:useLocalDpi xmlns:a14="http://schemas.microsoft.com/office/drawing/2010/main" xmlns="" val="0"/>
               </a:ext>
             </a:extLst>
           </a:blip>
@@ -15949,7 +17095,11 @@
           <a:p>
             <a:r>
               <a:rPr kumimoji="1" lang="ja-JP" altLang="en-US" dirty="0" smtClean="0"/>
-              <a:t>チケットとは</a:t>
+              <a:t>チケット</a:t>
+            </a:r>
+            <a:r>
+              <a:rPr lang="ja-JP" altLang="en-US" dirty="0" smtClean="0"/>
+              <a:t>発行から終了までの流れ</a:t>
             </a:r>
             <a:endParaRPr kumimoji="1" lang="ja-JP" altLang="en-US" dirty="0"/>
           </a:p>
@@ -15969,7 +17119,7 @@
           <a:blip r:embed="rId2" cstate="print">
             <a:extLst>
               <a:ext uri="{28A0092B-C50C-407E-A947-70E740481C1C}">
-                <a14:useLocalDpi xmlns:a14="http://schemas.microsoft.com/office/drawing/2010/main" val="0"/>
+                <a14:useLocalDpi xmlns:a14="http://schemas.microsoft.com/office/drawing/2010/main" xmlns="" val="0"/>
               </a:ext>
             </a:extLst>
           </a:blip>
@@ -16509,7 +17659,7 @@
             </a:r>
             <a:r>
               <a:rPr lang="ja-JP" altLang="en-US" dirty="0" smtClean="0"/>
-              <a:t>とは</a:t>
+              <a:t>を利用した開発</a:t>
             </a:r>
             <a:endParaRPr kumimoji="1" lang="ja-JP" altLang="en-US" dirty="0"/>
           </a:p>
@@ -16525,7 +17675,7 @@
           <a:blip r:embed="rId3" cstate="print">
             <a:extLst>
               <a:ext uri="{28A0092B-C50C-407E-A947-70E740481C1C}">
-                <a14:useLocalDpi xmlns:a14="http://schemas.microsoft.com/office/drawing/2010/main" val="0"/>
+                <a14:useLocalDpi xmlns:a14="http://schemas.microsoft.com/office/drawing/2010/main" xmlns="" val="0"/>
               </a:ext>
             </a:extLst>
           </a:blip>

--- a/卒業論文/2012/久保孝樹/最終発表/最終発表.pptx
+++ b/卒業論文/2012/久保孝樹/最終発表/最終発表.pptx
@@ -19,8 +19,8 @@
     <p:sldId id="283" r:id="rId10"/>
     <p:sldId id="271" r:id="rId11"/>
     <p:sldId id="264" r:id="rId12"/>
-    <p:sldId id="273" r:id="rId13"/>
-    <p:sldId id="284" r:id="rId14"/>
+    <p:sldId id="284" r:id="rId13"/>
+    <p:sldId id="273" r:id="rId14"/>
     <p:sldId id="278" r:id="rId15"/>
     <p:sldId id="279" r:id="rId16"/>
     <p:sldId id="265" r:id="rId17"/>
@@ -129,6 +129,2960 @@
     </a:lvl9pPr>
   </p:defaultTextStyle>
 </p:presentation>
+</file>
+
+<file path=ppt/diagrams/colors1.xml><?xml version="1.0" encoding="utf-8"?>
+<dgm:colorsDef xmlns:dgm="http://schemas.openxmlformats.org/drawingml/2006/diagram" xmlns:a="http://schemas.openxmlformats.org/drawingml/2006/main" uniqueId="urn:microsoft.com/office/officeart/2005/8/colors/accent1_2">
+  <dgm:title val=""/>
+  <dgm:desc val=""/>
+  <dgm:catLst>
+    <dgm:cat type="accent1" pri="11200"/>
+  </dgm:catLst>
+  <dgm:styleLbl name="node0">
+    <dgm:fillClrLst meth="repeat">
+      <a:schemeClr val="accent1"/>
+    </dgm:fillClrLst>
+    <dgm:linClrLst meth="repeat">
+      <a:schemeClr val="lt1"/>
+    </dgm:linClrLst>
+    <dgm:effectClrLst/>
+    <dgm:txLinClrLst/>
+    <dgm:txFillClrLst/>
+    <dgm:txEffectClrLst/>
+  </dgm:styleLbl>
+  <dgm:styleLbl name="alignNode1">
+    <dgm:fillClrLst meth="repeat">
+      <a:schemeClr val="accent1"/>
+    </dgm:fillClrLst>
+    <dgm:linClrLst meth="repeat">
+      <a:schemeClr val="accent1"/>
+    </dgm:linClrLst>
+    <dgm:effectClrLst/>
+    <dgm:txLinClrLst/>
+    <dgm:txFillClrLst/>
+    <dgm:txEffectClrLst/>
+  </dgm:styleLbl>
+  <dgm:styleLbl name="node1">
+    <dgm:fillClrLst meth="repeat">
+      <a:schemeClr val="accent1"/>
+    </dgm:fillClrLst>
+    <dgm:linClrLst meth="repeat">
+      <a:schemeClr val="lt1"/>
+    </dgm:linClrLst>
+    <dgm:effectClrLst/>
+    <dgm:txLinClrLst/>
+    <dgm:txFillClrLst/>
+    <dgm:txEffectClrLst/>
+  </dgm:styleLbl>
+  <dgm:styleLbl name="lnNode1">
+    <dgm:fillClrLst meth="repeat">
+      <a:schemeClr val="accent1"/>
+    </dgm:fillClrLst>
+    <dgm:linClrLst meth="repeat">
+      <a:schemeClr val="lt1"/>
+    </dgm:linClrLst>
+    <dgm:effectClrLst/>
+    <dgm:txLinClrLst/>
+    <dgm:txFillClrLst/>
+    <dgm:txEffectClrLst/>
+  </dgm:styleLbl>
+  <dgm:styleLbl name="vennNode1">
+    <dgm:fillClrLst meth="repeat">
+      <a:schemeClr val="accent1">
+        <a:alpha val="50000"/>
+      </a:schemeClr>
+    </dgm:fillClrLst>
+    <dgm:linClrLst meth="repeat">
+      <a:schemeClr val="lt1"/>
+    </dgm:linClrLst>
+    <dgm:effectClrLst/>
+    <dgm:txLinClrLst/>
+    <dgm:txFillClrLst/>
+    <dgm:txEffectClrLst/>
+  </dgm:styleLbl>
+  <dgm:styleLbl name="node2">
+    <dgm:fillClrLst meth="repeat">
+      <a:schemeClr val="accent1"/>
+    </dgm:fillClrLst>
+    <dgm:linClrLst meth="repeat">
+      <a:schemeClr val="lt1"/>
+    </dgm:linClrLst>
+    <dgm:effectClrLst/>
+    <dgm:txLinClrLst/>
+    <dgm:txFillClrLst/>
+    <dgm:txEffectClrLst/>
+  </dgm:styleLbl>
+  <dgm:styleLbl name="node3">
+    <dgm:fillClrLst meth="repeat">
+      <a:schemeClr val="accent1"/>
+    </dgm:fillClrLst>
+    <dgm:linClrLst meth="repeat">
+      <a:schemeClr val="lt1"/>
+    </dgm:linClrLst>
+    <dgm:effectClrLst/>
+    <dgm:txLinClrLst/>
+    <dgm:txFillClrLst/>
+    <dgm:txEffectClrLst/>
+  </dgm:styleLbl>
+  <dgm:styleLbl name="node4">
+    <dgm:fillClrLst meth="repeat">
+      <a:schemeClr val="accent1"/>
+    </dgm:fillClrLst>
+    <dgm:linClrLst meth="repeat">
+      <a:schemeClr val="lt1"/>
+    </dgm:linClrLst>
+    <dgm:effectClrLst/>
+    <dgm:txLinClrLst/>
+    <dgm:txFillClrLst/>
+    <dgm:txEffectClrLst/>
+  </dgm:styleLbl>
+  <dgm:styleLbl name="fgImgPlace1">
+    <dgm:fillClrLst meth="repeat">
+      <a:schemeClr val="accent1">
+        <a:tint val="50000"/>
+      </a:schemeClr>
+    </dgm:fillClrLst>
+    <dgm:linClrLst meth="repeat">
+      <a:schemeClr val="lt1"/>
+    </dgm:linClrLst>
+    <dgm:effectClrLst/>
+    <dgm:txLinClrLst/>
+    <dgm:txFillClrLst meth="repeat">
+      <a:schemeClr val="lt1"/>
+    </dgm:txFillClrLst>
+    <dgm:txEffectClrLst/>
+  </dgm:styleLbl>
+  <dgm:styleLbl name="alignImgPlace1">
+    <dgm:fillClrLst meth="repeat">
+      <a:schemeClr val="accent1">
+        <a:tint val="50000"/>
+      </a:schemeClr>
+    </dgm:fillClrLst>
+    <dgm:linClrLst meth="repeat">
+      <a:schemeClr val="lt1"/>
+    </dgm:linClrLst>
+    <dgm:effectClrLst/>
+    <dgm:txLinClrLst/>
+    <dgm:txFillClrLst meth="repeat">
+      <a:schemeClr val="lt1"/>
+    </dgm:txFillClrLst>
+    <dgm:txEffectClrLst/>
+  </dgm:styleLbl>
+  <dgm:styleLbl name="bgImgPlace1">
+    <dgm:fillClrLst meth="repeat">
+      <a:schemeClr val="accent1">
+        <a:tint val="50000"/>
+      </a:schemeClr>
+    </dgm:fillClrLst>
+    <dgm:linClrLst meth="repeat">
+      <a:schemeClr val="lt1"/>
+    </dgm:linClrLst>
+    <dgm:effectClrLst/>
+    <dgm:txLinClrLst/>
+    <dgm:txFillClrLst meth="repeat">
+      <a:schemeClr val="lt1"/>
+    </dgm:txFillClrLst>
+    <dgm:txEffectClrLst/>
+  </dgm:styleLbl>
+  <dgm:styleLbl name="sibTrans2D1">
+    <dgm:fillClrLst meth="repeat">
+      <a:schemeClr val="accent1">
+        <a:tint val="60000"/>
+      </a:schemeClr>
+    </dgm:fillClrLst>
+    <dgm:linClrLst meth="repeat">
+      <a:schemeClr val="accent1">
+        <a:tint val="60000"/>
+      </a:schemeClr>
+    </dgm:linClrLst>
+    <dgm:effectClrLst/>
+    <dgm:txLinClrLst/>
+    <dgm:txFillClrLst/>
+    <dgm:txEffectClrLst/>
+  </dgm:styleLbl>
+  <dgm:styleLbl name="fgSibTrans2D1">
+    <dgm:fillClrLst meth="repeat">
+      <a:schemeClr val="accent1">
+        <a:tint val="60000"/>
+      </a:schemeClr>
+    </dgm:fillClrLst>
+    <dgm:linClrLst meth="repeat">
+      <a:schemeClr val="accent1">
+        <a:tint val="60000"/>
+      </a:schemeClr>
+    </dgm:linClrLst>
+    <dgm:effectClrLst/>
+    <dgm:txLinClrLst/>
+    <dgm:txFillClrLst/>
+    <dgm:txEffectClrLst/>
+  </dgm:styleLbl>
+  <dgm:styleLbl name="bgSibTrans2D1">
+    <dgm:fillClrLst meth="repeat">
+      <a:schemeClr val="accent1">
+        <a:tint val="60000"/>
+      </a:schemeClr>
+    </dgm:fillClrLst>
+    <dgm:linClrLst meth="repeat">
+      <a:schemeClr val="accent1">
+        <a:tint val="60000"/>
+      </a:schemeClr>
+    </dgm:linClrLst>
+    <dgm:effectClrLst/>
+    <dgm:txLinClrLst/>
+    <dgm:txFillClrLst/>
+    <dgm:txEffectClrLst/>
+  </dgm:styleLbl>
+  <dgm:styleLbl name="sibTrans1D1">
+    <dgm:fillClrLst meth="repeat">
+      <a:schemeClr val="accent1"/>
+    </dgm:fillClrLst>
+    <dgm:linClrLst meth="repeat">
+      <a:schemeClr val="accent1"/>
+    </dgm:linClrLst>
+    <dgm:effectClrLst/>
+    <dgm:txLinClrLst/>
+    <dgm:txFillClrLst meth="repeat">
+      <a:schemeClr val="tx1"/>
+    </dgm:txFillClrLst>
+    <dgm:txEffectClrLst/>
+  </dgm:styleLbl>
+  <dgm:styleLbl name="callout">
+    <dgm:fillClrLst meth="repeat">
+      <a:schemeClr val="accent1"/>
+    </dgm:fillClrLst>
+    <dgm:linClrLst meth="repeat">
+      <a:schemeClr val="accent1">
+        <a:tint val="50000"/>
+      </a:schemeClr>
+    </dgm:linClrLst>
+    <dgm:effectClrLst/>
+    <dgm:txLinClrLst/>
+    <dgm:txFillClrLst meth="repeat">
+      <a:schemeClr val="tx1"/>
+    </dgm:txFillClrLst>
+    <dgm:txEffectClrLst/>
+  </dgm:styleLbl>
+  <dgm:styleLbl name="asst0">
+    <dgm:fillClrLst meth="repeat">
+      <a:schemeClr val="accent1"/>
+    </dgm:fillClrLst>
+    <dgm:linClrLst meth="repeat">
+      <a:schemeClr val="lt1"/>
+    </dgm:linClrLst>
+    <dgm:effectClrLst/>
+    <dgm:txLinClrLst/>
+    <dgm:txFillClrLst/>
+    <dgm:txEffectClrLst/>
+  </dgm:styleLbl>
+  <dgm:styleLbl name="asst1">
+    <dgm:fillClrLst meth="repeat">
+      <a:schemeClr val="accent1"/>
+    </dgm:fillClrLst>
+    <dgm:linClrLst meth="repeat">
+      <a:schemeClr val="lt1"/>
+    </dgm:linClrLst>
+    <dgm:effectClrLst/>
+    <dgm:txLinClrLst/>
+    <dgm:txFillClrLst/>
+    <dgm:txEffectClrLst/>
+  </dgm:styleLbl>
+  <dgm:styleLbl name="asst2">
+    <dgm:fillClrLst meth="repeat">
+      <a:schemeClr val="accent1"/>
+    </dgm:fillClrLst>
+    <dgm:linClrLst meth="repeat">
+      <a:schemeClr val="lt1"/>
+    </dgm:linClrLst>
+    <dgm:effectClrLst/>
+    <dgm:txLinClrLst/>
+    <dgm:txFillClrLst/>
+    <dgm:txEffectClrLst/>
+  </dgm:styleLbl>
+  <dgm:styleLbl name="asst3">
+    <dgm:fillClrLst meth="repeat">
+      <a:schemeClr val="accent1"/>
+    </dgm:fillClrLst>
+    <dgm:linClrLst meth="repeat">
+      <a:schemeClr val="lt1"/>
+    </dgm:linClrLst>
+    <dgm:effectClrLst/>
+    <dgm:txLinClrLst/>
+    <dgm:txFillClrLst/>
+    <dgm:txEffectClrLst/>
+  </dgm:styleLbl>
+  <dgm:styleLbl name="asst4">
+    <dgm:fillClrLst meth="repeat">
+      <a:schemeClr val="accent1"/>
+    </dgm:fillClrLst>
+    <dgm:linClrLst meth="repeat">
+      <a:schemeClr val="lt1"/>
+    </dgm:linClrLst>
+    <dgm:effectClrLst/>
+    <dgm:txLinClrLst/>
+    <dgm:txFillClrLst/>
+    <dgm:txEffectClrLst/>
+  </dgm:styleLbl>
+  <dgm:styleLbl name="parChTrans2D1">
+    <dgm:fillClrLst meth="repeat">
+      <a:schemeClr val="accent1">
+        <a:tint val="60000"/>
+      </a:schemeClr>
+    </dgm:fillClrLst>
+    <dgm:linClrLst meth="repeat">
+      <a:schemeClr val="accent1">
+        <a:tint val="60000"/>
+      </a:schemeClr>
+    </dgm:linClrLst>
+    <dgm:effectClrLst/>
+    <dgm:txLinClrLst/>
+    <dgm:txFillClrLst meth="repeat">
+      <a:schemeClr val="lt1"/>
+    </dgm:txFillClrLst>
+    <dgm:txEffectClrLst/>
+  </dgm:styleLbl>
+  <dgm:styleLbl name="parChTrans2D2">
+    <dgm:fillClrLst meth="repeat">
+      <a:schemeClr val="accent1"/>
+    </dgm:fillClrLst>
+    <dgm:linClrLst meth="repeat">
+      <a:schemeClr val="accent1"/>
+    </dgm:linClrLst>
+    <dgm:effectClrLst/>
+    <dgm:txLinClrLst/>
+    <dgm:txFillClrLst meth="repeat">
+      <a:schemeClr val="lt1"/>
+    </dgm:txFillClrLst>
+    <dgm:txEffectClrLst/>
+  </dgm:styleLbl>
+  <dgm:styleLbl name="parChTrans2D3">
+    <dgm:fillClrLst meth="repeat">
+      <a:schemeClr val="accent1"/>
+    </dgm:fillClrLst>
+    <dgm:linClrLst meth="repeat">
+      <a:schemeClr val="accent1"/>
+    </dgm:linClrLst>
+    <dgm:effectClrLst/>
+    <dgm:txLinClrLst/>
+    <dgm:txFillClrLst meth="repeat">
+      <a:schemeClr val="lt1"/>
+    </dgm:txFillClrLst>
+    <dgm:txEffectClrLst/>
+  </dgm:styleLbl>
+  <dgm:styleLbl name="parChTrans2D4">
+    <dgm:fillClrLst meth="repeat">
+      <a:schemeClr val="accent1"/>
+    </dgm:fillClrLst>
+    <dgm:linClrLst meth="repeat">
+      <a:schemeClr val="accent1"/>
+    </dgm:linClrLst>
+    <dgm:effectClrLst/>
+    <dgm:txLinClrLst/>
+    <dgm:txFillClrLst meth="repeat">
+      <a:schemeClr val="lt1"/>
+    </dgm:txFillClrLst>
+    <dgm:txEffectClrLst/>
+  </dgm:styleLbl>
+  <dgm:styleLbl name="parChTrans1D1">
+    <dgm:fillClrLst meth="repeat">
+      <a:schemeClr val="accent1"/>
+    </dgm:fillClrLst>
+    <dgm:linClrLst meth="repeat">
+      <a:schemeClr val="accent1">
+        <a:shade val="60000"/>
+      </a:schemeClr>
+    </dgm:linClrLst>
+    <dgm:effectClrLst/>
+    <dgm:txLinClrLst/>
+    <dgm:txFillClrLst meth="repeat">
+      <a:schemeClr val="tx1"/>
+    </dgm:txFillClrLst>
+    <dgm:txEffectClrLst/>
+  </dgm:styleLbl>
+  <dgm:styleLbl name="parChTrans1D2">
+    <dgm:fillClrLst meth="repeat">
+      <a:schemeClr val="accent1"/>
+    </dgm:fillClrLst>
+    <dgm:linClrLst meth="repeat">
+      <a:schemeClr val="accent1">
+        <a:shade val="60000"/>
+      </a:schemeClr>
+    </dgm:linClrLst>
+    <dgm:effectClrLst/>
+    <dgm:txLinClrLst/>
+    <dgm:txFillClrLst meth="repeat">
+      <a:schemeClr val="tx1"/>
+    </dgm:txFillClrLst>
+    <dgm:txEffectClrLst/>
+  </dgm:styleLbl>
+  <dgm:styleLbl name="parChTrans1D3">
+    <dgm:fillClrLst meth="repeat">
+      <a:schemeClr val="accent1"/>
+    </dgm:fillClrLst>
+    <dgm:linClrLst meth="repeat">
+      <a:schemeClr val="accent1">
+        <a:shade val="80000"/>
+      </a:schemeClr>
+    </dgm:linClrLst>
+    <dgm:effectClrLst/>
+    <dgm:txLinClrLst/>
+    <dgm:txFillClrLst meth="repeat">
+      <a:schemeClr val="tx1"/>
+    </dgm:txFillClrLst>
+    <dgm:txEffectClrLst/>
+  </dgm:styleLbl>
+  <dgm:styleLbl name="parChTrans1D4">
+    <dgm:fillClrLst meth="repeat">
+      <a:schemeClr val="accent1"/>
+    </dgm:fillClrLst>
+    <dgm:linClrLst meth="repeat">
+      <a:schemeClr val="accent1">
+        <a:shade val="80000"/>
+      </a:schemeClr>
+    </dgm:linClrLst>
+    <dgm:effectClrLst/>
+    <dgm:txLinClrLst/>
+    <dgm:txFillClrLst meth="repeat">
+      <a:schemeClr val="tx1"/>
+    </dgm:txFillClrLst>
+    <dgm:txEffectClrLst/>
+  </dgm:styleLbl>
+  <dgm:styleLbl name="fgAcc1">
+    <dgm:fillClrLst meth="repeat">
+      <a:schemeClr val="lt1">
+        <a:alpha val="90000"/>
+      </a:schemeClr>
+    </dgm:fillClrLst>
+    <dgm:linClrLst meth="repeat">
+      <a:schemeClr val="accent1"/>
+    </dgm:linClrLst>
+    <dgm:effectClrLst/>
+    <dgm:txLinClrLst/>
+    <dgm:txFillClrLst meth="repeat">
+      <a:schemeClr val="dk1"/>
+    </dgm:txFillClrLst>
+    <dgm:txEffectClrLst/>
+  </dgm:styleLbl>
+  <dgm:styleLbl name="conFgAcc1">
+    <dgm:fillClrLst meth="repeat">
+      <a:schemeClr val="lt1">
+        <a:alpha val="90000"/>
+      </a:schemeClr>
+    </dgm:fillClrLst>
+    <dgm:linClrLst meth="repeat">
+      <a:schemeClr val="accent1"/>
+    </dgm:linClrLst>
+    <dgm:effectClrLst/>
+    <dgm:txLinClrLst/>
+    <dgm:txFillClrLst meth="repeat">
+      <a:schemeClr val="dk1"/>
+    </dgm:txFillClrLst>
+    <dgm:txEffectClrLst/>
+  </dgm:styleLbl>
+  <dgm:styleLbl name="alignAcc1">
+    <dgm:fillClrLst meth="repeat">
+      <a:schemeClr val="lt1">
+        <a:alpha val="90000"/>
+      </a:schemeClr>
+    </dgm:fillClrLst>
+    <dgm:linClrLst meth="repeat">
+      <a:schemeClr val="accent1"/>
+    </dgm:linClrLst>
+    <dgm:effectClrLst/>
+    <dgm:txLinClrLst/>
+    <dgm:txFillClrLst meth="repeat">
+      <a:schemeClr val="dk1"/>
+    </dgm:txFillClrLst>
+    <dgm:txEffectClrLst/>
+  </dgm:styleLbl>
+  <dgm:styleLbl name="trAlignAcc1">
+    <dgm:fillClrLst meth="repeat">
+      <a:schemeClr val="lt1">
+        <a:alpha val="40000"/>
+      </a:schemeClr>
+    </dgm:fillClrLst>
+    <dgm:linClrLst meth="repeat">
+      <a:schemeClr val="accent1"/>
+    </dgm:linClrLst>
+    <dgm:effectClrLst/>
+    <dgm:txLinClrLst/>
+    <dgm:txFillClrLst meth="repeat">
+      <a:schemeClr val="dk1"/>
+    </dgm:txFillClrLst>
+    <dgm:txEffectClrLst/>
+  </dgm:styleLbl>
+  <dgm:styleLbl name="bgAcc1">
+    <dgm:fillClrLst meth="repeat">
+      <a:schemeClr val="lt1">
+        <a:alpha val="90000"/>
+      </a:schemeClr>
+    </dgm:fillClrLst>
+    <dgm:linClrLst meth="repeat">
+      <a:schemeClr val="accent1"/>
+    </dgm:linClrLst>
+    <dgm:effectClrLst/>
+    <dgm:txLinClrLst/>
+    <dgm:txFillClrLst meth="repeat">
+      <a:schemeClr val="dk1"/>
+    </dgm:txFillClrLst>
+    <dgm:txEffectClrLst/>
+  </dgm:styleLbl>
+  <dgm:styleLbl name="solidFgAcc1">
+    <dgm:fillClrLst meth="repeat">
+      <a:schemeClr val="lt1"/>
+    </dgm:fillClrLst>
+    <dgm:linClrLst meth="repeat">
+      <a:schemeClr val="accent1"/>
+    </dgm:linClrLst>
+    <dgm:effectClrLst/>
+    <dgm:txLinClrLst/>
+    <dgm:txFillClrLst meth="repeat">
+      <a:schemeClr val="dk1"/>
+    </dgm:txFillClrLst>
+    <dgm:txEffectClrLst/>
+  </dgm:styleLbl>
+  <dgm:styleLbl name="solidAlignAcc1">
+    <dgm:fillClrLst meth="repeat">
+      <a:schemeClr val="lt1"/>
+    </dgm:fillClrLst>
+    <dgm:linClrLst meth="repeat">
+      <a:schemeClr val="accent1"/>
+    </dgm:linClrLst>
+    <dgm:effectClrLst/>
+    <dgm:txLinClrLst/>
+    <dgm:txFillClrLst meth="repeat">
+      <a:schemeClr val="dk1"/>
+    </dgm:txFillClrLst>
+    <dgm:txEffectClrLst/>
+  </dgm:styleLbl>
+  <dgm:styleLbl name="solidBgAcc1">
+    <dgm:fillClrLst meth="repeat">
+      <a:schemeClr val="lt1"/>
+    </dgm:fillClrLst>
+    <dgm:linClrLst meth="repeat">
+      <a:schemeClr val="accent1"/>
+    </dgm:linClrLst>
+    <dgm:effectClrLst/>
+    <dgm:txLinClrLst/>
+    <dgm:txFillClrLst meth="repeat">
+      <a:schemeClr val="dk1"/>
+    </dgm:txFillClrLst>
+    <dgm:txEffectClrLst/>
+  </dgm:styleLbl>
+  <dgm:styleLbl name="fgAccFollowNode1">
+    <dgm:fillClrLst meth="repeat">
+      <a:schemeClr val="accent1">
+        <a:alpha val="90000"/>
+        <a:tint val="40000"/>
+      </a:schemeClr>
+    </dgm:fillClrLst>
+    <dgm:linClrLst meth="repeat">
+      <a:schemeClr val="accent1">
+        <a:alpha val="90000"/>
+        <a:tint val="40000"/>
+      </a:schemeClr>
+    </dgm:linClrLst>
+    <dgm:effectClrLst/>
+    <dgm:txLinClrLst/>
+    <dgm:txFillClrLst meth="repeat">
+      <a:schemeClr val="dk1"/>
+    </dgm:txFillClrLst>
+    <dgm:txEffectClrLst/>
+  </dgm:styleLbl>
+  <dgm:styleLbl name="alignAccFollowNode1">
+    <dgm:fillClrLst meth="repeat">
+      <a:schemeClr val="accent1">
+        <a:alpha val="90000"/>
+        <a:tint val="40000"/>
+      </a:schemeClr>
+    </dgm:fillClrLst>
+    <dgm:linClrLst meth="repeat">
+      <a:schemeClr val="accent1">
+        <a:alpha val="90000"/>
+        <a:tint val="40000"/>
+      </a:schemeClr>
+    </dgm:linClrLst>
+    <dgm:effectClrLst/>
+    <dgm:txLinClrLst/>
+    <dgm:txFillClrLst meth="repeat">
+      <a:schemeClr val="dk1"/>
+    </dgm:txFillClrLst>
+    <dgm:txEffectClrLst/>
+  </dgm:styleLbl>
+  <dgm:styleLbl name="bgAccFollowNode1">
+    <dgm:fillClrLst meth="repeat">
+      <a:schemeClr val="accent1">
+        <a:alpha val="90000"/>
+        <a:tint val="40000"/>
+      </a:schemeClr>
+    </dgm:fillClrLst>
+    <dgm:linClrLst meth="repeat">
+      <a:schemeClr val="accent1">
+        <a:alpha val="90000"/>
+        <a:tint val="40000"/>
+      </a:schemeClr>
+    </dgm:linClrLst>
+    <dgm:effectClrLst/>
+    <dgm:txLinClrLst/>
+    <dgm:txFillClrLst meth="repeat">
+      <a:schemeClr val="dk1"/>
+    </dgm:txFillClrLst>
+    <dgm:txEffectClrLst/>
+  </dgm:styleLbl>
+  <dgm:styleLbl name="fgAcc0">
+    <dgm:fillClrLst meth="repeat">
+      <a:schemeClr val="lt1">
+        <a:alpha val="90000"/>
+      </a:schemeClr>
+    </dgm:fillClrLst>
+    <dgm:linClrLst meth="repeat">
+      <a:schemeClr val="accent1"/>
+    </dgm:linClrLst>
+    <dgm:effectClrLst/>
+    <dgm:txLinClrLst/>
+    <dgm:txFillClrLst meth="repeat">
+      <a:schemeClr val="dk1"/>
+    </dgm:txFillClrLst>
+    <dgm:txEffectClrLst/>
+  </dgm:styleLbl>
+  <dgm:styleLbl name="fgAcc2">
+    <dgm:fillClrLst meth="repeat">
+      <a:schemeClr val="lt1">
+        <a:alpha val="90000"/>
+      </a:schemeClr>
+    </dgm:fillClrLst>
+    <dgm:linClrLst meth="repeat">
+      <a:schemeClr val="accent1"/>
+    </dgm:linClrLst>
+    <dgm:effectClrLst/>
+    <dgm:txLinClrLst/>
+    <dgm:txFillClrLst meth="repeat">
+      <a:schemeClr val="dk1"/>
+    </dgm:txFillClrLst>
+    <dgm:txEffectClrLst/>
+  </dgm:styleLbl>
+  <dgm:styleLbl name="fgAcc3">
+    <dgm:fillClrLst meth="repeat">
+      <a:schemeClr val="lt1">
+        <a:alpha val="90000"/>
+      </a:schemeClr>
+    </dgm:fillClrLst>
+    <dgm:linClrLst meth="repeat">
+      <a:schemeClr val="accent1"/>
+    </dgm:linClrLst>
+    <dgm:effectClrLst/>
+    <dgm:txLinClrLst/>
+    <dgm:txFillClrLst meth="repeat">
+      <a:schemeClr val="dk1"/>
+    </dgm:txFillClrLst>
+    <dgm:txEffectClrLst/>
+  </dgm:styleLbl>
+  <dgm:styleLbl name="fgAcc4">
+    <dgm:fillClrLst meth="repeat">
+      <a:schemeClr val="lt1">
+        <a:alpha val="90000"/>
+      </a:schemeClr>
+    </dgm:fillClrLst>
+    <dgm:linClrLst meth="repeat">
+      <a:schemeClr val="accent1"/>
+    </dgm:linClrLst>
+    <dgm:effectClrLst/>
+    <dgm:txLinClrLst/>
+    <dgm:txFillClrLst meth="repeat">
+      <a:schemeClr val="dk1"/>
+    </dgm:txFillClrLst>
+    <dgm:txEffectClrLst/>
+  </dgm:styleLbl>
+  <dgm:styleLbl name="bgShp">
+    <dgm:fillClrLst meth="repeat">
+      <a:schemeClr val="accent1">
+        <a:tint val="40000"/>
+      </a:schemeClr>
+    </dgm:fillClrLst>
+    <dgm:linClrLst meth="repeat">
+      <a:schemeClr val="accent1"/>
+    </dgm:linClrLst>
+    <dgm:effectClrLst/>
+    <dgm:txLinClrLst/>
+    <dgm:txFillClrLst meth="repeat">
+      <a:schemeClr val="dk1"/>
+    </dgm:txFillClrLst>
+    <dgm:txEffectClrLst/>
+  </dgm:styleLbl>
+  <dgm:styleLbl name="dkBgShp">
+    <dgm:fillClrLst meth="repeat">
+      <a:schemeClr val="accent1">
+        <a:shade val="80000"/>
+      </a:schemeClr>
+    </dgm:fillClrLst>
+    <dgm:linClrLst meth="repeat">
+      <a:schemeClr val="accent1"/>
+    </dgm:linClrLst>
+    <dgm:effectClrLst/>
+    <dgm:txLinClrLst/>
+    <dgm:txFillClrLst meth="repeat">
+      <a:schemeClr val="lt1"/>
+    </dgm:txFillClrLst>
+    <dgm:txEffectClrLst/>
+  </dgm:styleLbl>
+  <dgm:styleLbl name="trBgShp">
+    <dgm:fillClrLst meth="repeat">
+      <a:schemeClr val="accent1">
+        <a:tint val="50000"/>
+        <a:alpha val="40000"/>
+      </a:schemeClr>
+    </dgm:fillClrLst>
+    <dgm:linClrLst meth="repeat">
+      <a:schemeClr val="accent1"/>
+    </dgm:linClrLst>
+    <dgm:effectClrLst/>
+    <dgm:txLinClrLst/>
+    <dgm:txFillClrLst meth="repeat">
+      <a:schemeClr val="lt1"/>
+    </dgm:txFillClrLst>
+    <dgm:txEffectClrLst/>
+  </dgm:styleLbl>
+  <dgm:styleLbl name="fgShp">
+    <dgm:fillClrLst meth="repeat">
+      <a:schemeClr val="accent1">
+        <a:tint val="60000"/>
+      </a:schemeClr>
+    </dgm:fillClrLst>
+    <dgm:linClrLst meth="repeat">
+      <a:schemeClr val="lt1"/>
+    </dgm:linClrLst>
+    <dgm:effectClrLst/>
+    <dgm:txLinClrLst/>
+    <dgm:txFillClrLst meth="repeat">
+      <a:schemeClr val="dk1"/>
+    </dgm:txFillClrLst>
+    <dgm:txEffectClrLst/>
+  </dgm:styleLbl>
+  <dgm:styleLbl name="revTx">
+    <dgm:fillClrLst meth="repeat">
+      <a:schemeClr val="lt1">
+        <a:alpha val="0"/>
+      </a:schemeClr>
+    </dgm:fillClrLst>
+    <dgm:linClrLst meth="repeat">
+      <a:schemeClr val="dk1">
+        <a:alpha val="0"/>
+      </a:schemeClr>
+    </dgm:linClrLst>
+    <dgm:effectClrLst/>
+    <dgm:txLinClrLst/>
+    <dgm:txFillClrLst meth="repeat">
+      <a:schemeClr val="tx1"/>
+    </dgm:txFillClrLst>
+    <dgm:txEffectClrLst/>
+  </dgm:styleLbl>
+</dgm:colorsDef>
+</file>
+
+<file path=ppt/diagrams/data1.xml><?xml version="1.0" encoding="utf-8"?>
+<dgm:dataModel xmlns:dgm="http://schemas.openxmlformats.org/drawingml/2006/diagram" xmlns:a="http://schemas.openxmlformats.org/drawingml/2006/main">
+  <dgm:ptLst>
+    <dgm:pt modelId="{9AA76B87-D72B-4951-89C8-0832806EB352}" type="doc">
+      <dgm:prSet loTypeId="urn:microsoft.com/office/officeart/2005/8/layout/vList2" loCatId="list" qsTypeId="urn:microsoft.com/office/officeart/2005/8/quickstyle/simple1" qsCatId="simple" csTypeId="urn:microsoft.com/office/officeart/2005/8/colors/accent1_2" csCatId="accent1" phldr="1"/>
+      <dgm:spPr/>
+      <dgm:t>
+        <a:bodyPr/>
+        <a:lstStyle/>
+        <a:p>
+          <a:endParaRPr kumimoji="1" lang="ja-JP" altLang="en-US"/>
+        </a:p>
+      </dgm:t>
+    </dgm:pt>
+    <dgm:pt modelId="{779E81AF-460A-4B4E-A120-6224AED5F752}">
+      <dgm:prSet/>
+      <dgm:spPr/>
+      <dgm:t>
+        <a:bodyPr/>
+        <a:lstStyle/>
+        <a:p>
+          <a:pPr rtl="0"/>
+          <a:r>
+            <a:rPr kumimoji="1" lang="ja-JP" dirty="0" smtClean="0">
+              <a:latin typeface="+mn-ea"/>
+              <a:ea typeface="+mn-ea"/>
+            </a:rPr>
+            <a:t>・チケットと呼ばれるものに着目した．</a:t>
+          </a:r>
+          <a:endParaRPr lang="ja-JP" dirty="0">
+            <a:latin typeface="+mn-ea"/>
+            <a:ea typeface="+mn-ea"/>
+          </a:endParaRPr>
+        </a:p>
+      </dgm:t>
+    </dgm:pt>
+    <dgm:pt modelId="{1696540C-3CD0-4869-BEA1-68B994F39AD8}" type="parTrans" cxnId="{0BE6C7C0-1ACC-4442-99A4-3653F36C98A8}">
+      <dgm:prSet/>
+      <dgm:spPr/>
+      <dgm:t>
+        <a:bodyPr/>
+        <a:lstStyle/>
+        <a:p>
+          <a:endParaRPr kumimoji="1" lang="ja-JP" altLang="en-US"/>
+        </a:p>
+      </dgm:t>
+    </dgm:pt>
+    <dgm:pt modelId="{ABCA435D-24C3-4124-B09D-9F569D6944B6}" type="sibTrans" cxnId="{0BE6C7C0-1ACC-4442-99A4-3653F36C98A8}">
+      <dgm:prSet/>
+      <dgm:spPr/>
+      <dgm:t>
+        <a:bodyPr/>
+        <a:lstStyle/>
+        <a:p>
+          <a:endParaRPr kumimoji="1" lang="ja-JP" altLang="en-US"/>
+        </a:p>
+      </dgm:t>
+    </dgm:pt>
+    <dgm:pt modelId="{EC824E6D-4B44-4E06-A256-2B9AA5184D07}">
+      <dgm:prSet/>
+      <dgm:spPr/>
+      <dgm:t>
+        <a:bodyPr/>
+        <a:lstStyle/>
+        <a:p>
+          <a:pPr rtl="0"/>
+          <a:r>
+            <a:rPr kumimoji="1" lang="ja-JP" dirty="0" smtClean="0">
+              <a:latin typeface="+mn-ea"/>
+              <a:ea typeface="+mn-ea"/>
+            </a:rPr>
+            <a:t>・チケットの利用状況を収集，可視化するツールを開発．</a:t>
+          </a:r>
+          <a:endParaRPr lang="ja-JP" dirty="0">
+            <a:latin typeface="+mn-ea"/>
+            <a:ea typeface="+mn-ea"/>
+          </a:endParaRPr>
+        </a:p>
+      </dgm:t>
+    </dgm:pt>
+    <dgm:pt modelId="{34DBEE32-394B-490F-B2AE-A9EB30936817}" type="parTrans" cxnId="{B51ED597-8406-4D79-A23A-3FEFCACEDA5A}">
+      <dgm:prSet/>
+      <dgm:spPr/>
+      <dgm:t>
+        <a:bodyPr/>
+        <a:lstStyle/>
+        <a:p>
+          <a:endParaRPr kumimoji="1" lang="ja-JP" altLang="en-US"/>
+        </a:p>
+      </dgm:t>
+    </dgm:pt>
+    <dgm:pt modelId="{BD32FC47-DBE4-4223-B939-A047DB2D9BA6}" type="sibTrans" cxnId="{B51ED597-8406-4D79-A23A-3FEFCACEDA5A}">
+      <dgm:prSet/>
+      <dgm:spPr/>
+      <dgm:t>
+        <a:bodyPr/>
+        <a:lstStyle/>
+        <a:p>
+          <a:endParaRPr kumimoji="1" lang="ja-JP" altLang="en-US"/>
+        </a:p>
+      </dgm:t>
+    </dgm:pt>
+    <dgm:pt modelId="{F7D61CD8-938C-4B1B-B135-D46EC748595C}">
+      <dgm:prSet/>
+      <dgm:spPr/>
+      <dgm:t>
+        <a:bodyPr/>
+        <a:lstStyle/>
+        <a:p>
+          <a:pPr rtl="0"/>
+          <a:r>
+            <a:rPr kumimoji="1" lang="ja-JP" dirty="0" smtClean="0">
+              <a:latin typeface="+mn-ea"/>
+              <a:ea typeface="+mn-ea"/>
+            </a:rPr>
+            <a:t>・チケット数の時間変化を４つのパターンに分類．</a:t>
+          </a:r>
+          <a:endParaRPr lang="ja-JP" dirty="0">
+            <a:latin typeface="+mn-ea"/>
+            <a:ea typeface="+mn-ea"/>
+          </a:endParaRPr>
+        </a:p>
+      </dgm:t>
+    </dgm:pt>
+    <dgm:pt modelId="{FC547EDC-35CB-4237-A54E-EB923F1B087F}" type="parTrans" cxnId="{6DF53727-8EDB-4A4C-AA8C-7961C19ABA4B}">
+      <dgm:prSet/>
+      <dgm:spPr/>
+      <dgm:t>
+        <a:bodyPr/>
+        <a:lstStyle/>
+        <a:p>
+          <a:endParaRPr kumimoji="1" lang="ja-JP" altLang="en-US"/>
+        </a:p>
+      </dgm:t>
+    </dgm:pt>
+    <dgm:pt modelId="{103FD2B9-E9DC-4CE8-B104-D581220960AC}" type="sibTrans" cxnId="{6DF53727-8EDB-4A4C-AA8C-7961C19ABA4B}">
+      <dgm:prSet/>
+      <dgm:spPr/>
+      <dgm:t>
+        <a:bodyPr/>
+        <a:lstStyle/>
+        <a:p>
+          <a:endParaRPr kumimoji="1" lang="ja-JP" altLang="en-US"/>
+        </a:p>
+      </dgm:t>
+    </dgm:pt>
+    <dgm:pt modelId="{85DFC047-4960-41FB-A98D-D3D8C43C010E}">
+      <dgm:prSet/>
+      <dgm:spPr/>
+      <dgm:t>
+        <a:bodyPr/>
+        <a:lstStyle/>
+        <a:p>
+          <a:pPr rtl="0"/>
+          <a:r>
+            <a:rPr kumimoji="1" lang="ja-JP" dirty="0" smtClean="0">
+              <a:latin typeface="+mn-ea"/>
+              <a:ea typeface="+mn-ea"/>
+            </a:rPr>
+            <a:t>・</a:t>
+          </a:r>
+          <a:r>
+            <a:rPr kumimoji="1" lang="ja-JP" altLang="en-US" dirty="0" smtClean="0">
+              <a:latin typeface="+mn-ea"/>
+              <a:ea typeface="+mn-ea"/>
+            </a:rPr>
+            <a:t>チケット利用の実態が明らかになる</a:t>
+          </a:r>
+          <a:r>
+            <a:rPr kumimoji="1" lang="ja-JP" dirty="0" smtClean="0">
+              <a:latin typeface="+mn-ea"/>
+              <a:ea typeface="+mn-ea"/>
+            </a:rPr>
+            <a:t>．</a:t>
+          </a:r>
+          <a:endParaRPr lang="ja-JP" dirty="0">
+            <a:latin typeface="+mn-ea"/>
+            <a:ea typeface="+mn-ea"/>
+          </a:endParaRPr>
+        </a:p>
+      </dgm:t>
+    </dgm:pt>
+    <dgm:pt modelId="{6A627858-8F77-4E9F-9BEF-B88786411E20}" type="parTrans" cxnId="{46F26D45-742C-410F-8A20-D734C20FF370}">
+      <dgm:prSet/>
+      <dgm:spPr/>
+      <dgm:t>
+        <a:bodyPr/>
+        <a:lstStyle/>
+        <a:p>
+          <a:endParaRPr kumimoji="1" lang="ja-JP" altLang="en-US"/>
+        </a:p>
+      </dgm:t>
+    </dgm:pt>
+    <dgm:pt modelId="{89CBACC1-F37D-49C7-BEAB-7B0DC6EA0E66}" type="sibTrans" cxnId="{46F26D45-742C-410F-8A20-D734C20FF370}">
+      <dgm:prSet/>
+      <dgm:spPr/>
+      <dgm:t>
+        <a:bodyPr/>
+        <a:lstStyle/>
+        <a:p>
+          <a:endParaRPr kumimoji="1" lang="ja-JP" altLang="en-US"/>
+        </a:p>
+      </dgm:t>
+    </dgm:pt>
+    <dgm:pt modelId="{094A2738-30AE-4F51-A7DF-776BA757EB98}">
+      <dgm:prSet/>
+      <dgm:spPr/>
+      <dgm:t>
+        <a:bodyPr/>
+        <a:lstStyle/>
+        <a:p>
+          <a:pPr rtl="0"/>
+          <a:r>
+            <a:rPr kumimoji="1" lang="ja-JP" dirty="0" smtClean="0">
+              <a:latin typeface="+mn-ea"/>
+              <a:ea typeface="+mn-ea"/>
+            </a:rPr>
+            <a:t>・チケットの利用でタスク管理，進捗管理が行える．</a:t>
+          </a:r>
+          <a:endParaRPr lang="ja-JP" dirty="0">
+            <a:latin typeface="+mn-ea"/>
+            <a:ea typeface="+mn-ea"/>
+          </a:endParaRPr>
+        </a:p>
+      </dgm:t>
+    </dgm:pt>
+    <dgm:pt modelId="{DCF5E834-3392-43D8-8A44-9B0C9DA585B7}" type="parTrans" cxnId="{92AA2F39-AB4C-48C3-8A60-517BC7160EA0}">
+      <dgm:prSet/>
+      <dgm:spPr/>
+      <dgm:t>
+        <a:bodyPr/>
+        <a:lstStyle/>
+        <a:p>
+          <a:endParaRPr kumimoji="1" lang="ja-JP" altLang="en-US"/>
+        </a:p>
+      </dgm:t>
+    </dgm:pt>
+    <dgm:pt modelId="{28ACDECA-ABB7-4245-9A8C-57D220D5C257}" type="sibTrans" cxnId="{92AA2F39-AB4C-48C3-8A60-517BC7160EA0}">
+      <dgm:prSet/>
+      <dgm:spPr/>
+      <dgm:t>
+        <a:bodyPr/>
+        <a:lstStyle/>
+        <a:p>
+          <a:endParaRPr kumimoji="1" lang="ja-JP" altLang="en-US"/>
+        </a:p>
+      </dgm:t>
+    </dgm:pt>
+    <dgm:pt modelId="{48F52475-9DFE-4A2A-BF51-105B9723999C}">
+      <dgm:prSet/>
+      <dgm:spPr/>
+      <dgm:t>
+        <a:bodyPr/>
+        <a:lstStyle/>
+        <a:p>
+          <a:pPr rtl="0"/>
+          <a:r>
+            <a:rPr kumimoji="1" lang="ja-JP" dirty="0" smtClean="0">
+              <a:latin typeface="+mn-ea"/>
+              <a:ea typeface="+mn-ea"/>
+            </a:rPr>
+            <a:t>・</a:t>
+          </a:r>
+          <a:r>
+            <a:rPr kumimoji="1" lang="ja-JP" altLang="en-US" dirty="0" smtClean="0">
+              <a:latin typeface="+mn-ea"/>
+              <a:ea typeface="+mn-ea"/>
+            </a:rPr>
+            <a:t>ホスティングサービスのデータを調査することで</a:t>
+          </a:r>
+          <a:r>
+            <a:rPr kumimoji="1" lang="en-US" altLang="ja-JP" dirty="0" smtClean="0">
+              <a:latin typeface="+mn-ea"/>
+              <a:ea typeface="+mn-ea"/>
+            </a:rPr>
+            <a:t>PM</a:t>
+          </a:r>
+          <a:r>
+            <a:rPr kumimoji="1" lang="ja-JP" altLang="en-US" dirty="0" smtClean="0">
+              <a:latin typeface="+mn-ea"/>
+              <a:ea typeface="+mn-ea"/>
+            </a:rPr>
+            <a:t>にいかせる．</a:t>
+          </a:r>
+          <a:endParaRPr lang="ja-JP" dirty="0">
+            <a:latin typeface="+mn-ea"/>
+            <a:ea typeface="+mn-ea"/>
+          </a:endParaRPr>
+        </a:p>
+      </dgm:t>
+    </dgm:pt>
+    <dgm:pt modelId="{3384F487-706D-4182-9A96-1E08A241CD82}" type="sibTrans" cxnId="{EF343C60-3DF9-4801-AE9A-2EF1486C0585}">
+      <dgm:prSet/>
+      <dgm:spPr/>
+      <dgm:t>
+        <a:bodyPr/>
+        <a:lstStyle/>
+        <a:p>
+          <a:endParaRPr kumimoji="1" lang="ja-JP" altLang="en-US"/>
+        </a:p>
+      </dgm:t>
+    </dgm:pt>
+    <dgm:pt modelId="{F5995740-113A-44DF-85AF-2CCB0AB70691}" type="parTrans" cxnId="{EF343C60-3DF9-4801-AE9A-2EF1486C0585}">
+      <dgm:prSet/>
+      <dgm:spPr/>
+      <dgm:t>
+        <a:bodyPr/>
+        <a:lstStyle/>
+        <a:p>
+          <a:endParaRPr kumimoji="1" lang="ja-JP" altLang="en-US"/>
+        </a:p>
+      </dgm:t>
+    </dgm:pt>
+    <dgm:pt modelId="{7315C5A5-0D21-467F-B86C-CE2802AE9C16}" type="pres">
+      <dgm:prSet presAssocID="{9AA76B87-D72B-4951-89C8-0832806EB352}" presName="linear" presStyleCnt="0">
+        <dgm:presLayoutVars>
+          <dgm:animLvl val="lvl"/>
+          <dgm:resizeHandles val="exact"/>
+        </dgm:presLayoutVars>
+      </dgm:prSet>
+      <dgm:spPr/>
+    </dgm:pt>
+    <dgm:pt modelId="{78D7B4A2-AF49-4052-AF0C-467B7E49B8CA}" type="pres">
+      <dgm:prSet presAssocID="{48F52475-9DFE-4A2A-BF51-105B9723999C}" presName="parentText" presStyleLbl="node1" presStyleIdx="0" presStyleCnt="6">
+        <dgm:presLayoutVars>
+          <dgm:chMax val="0"/>
+          <dgm:bulletEnabled val="1"/>
+        </dgm:presLayoutVars>
+      </dgm:prSet>
+      <dgm:spPr/>
+      <dgm:t>
+        <a:bodyPr/>
+        <a:lstStyle/>
+        <a:p>
+          <a:endParaRPr kumimoji="1" lang="ja-JP" altLang="en-US"/>
+        </a:p>
+      </dgm:t>
+    </dgm:pt>
+    <dgm:pt modelId="{5BBB5032-77AE-4A0B-860F-5086F2DAE323}" type="pres">
+      <dgm:prSet presAssocID="{3384F487-706D-4182-9A96-1E08A241CD82}" presName="spacer" presStyleCnt="0"/>
+      <dgm:spPr/>
+    </dgm:pt>
+    <dgm:pt modelId="{EB099F21-4492-426E-B172-87A40564DDDB}" type="pres">
+      <dgm:prSet presAssocID="{779E81AF-460A-4B4E-A120-6224AED5F752}" presName="parentText" presStyleLbl="node1" presStyleIdx="1" presStyleCnt="6">
+        <dgm:presLayoutVars>
+          <dgm:chMax val="0"/>
+          <dgm:bulletEnabled val="1"/>
+        </dgm:presLayoutVars>
+      </dgm:prSet>
+      <dgm:spPr/>
+      <dgm:t>
+        <a:bodyPr/>
+        <a:lstStyle/>
+        <a:p>
+          <a:endParaRPr kumimoji="1" lang="ja-JP" altLang="en-US"/>
+        </a:p>
+      </dgm:t>
+    </dgm:pt>
+    <dgm:pt modelId="{0C55DBBF-CA37-4A34-8491-9AB311459B30}" type="pres">
+      <dgm:prSet presAssocID="{ABCA435D-24C3-4124-B09D-9F569D6944B6}" presName="spacer" presStyleCnt="0"/>
+      <dgm:spPr/>
+    </dgm:pt>
+    <dgm:pt modelId="{896E3851-7BDD-477D-BDD7-5E3E02091EFD}" type="pres">
+      <dgm:prSet presAssocID="{EC824E6D-4B44-4E06-A256-2B9AA5184D07}" presName="parentText" presStyleLbl="node1" presStyleIdx="2" presStyleCnt="6">
+        <dgm:presLayoutVars>
+          <dgm:chMax val="0"/>
+          <dgm:bulletEnabled val="1"/>
+        </dgm:presLayoutVars>
+      </dgm:prSet>
+      <dgm:spPr/>
+    </dgm:pt>
+    <dgm:pt modelId="{E2AEA4DA-8EE5-4D8F-9390-33B6218B09EE}" type="pres">
+      <dgm:prSet presAssocID="{BD32FC47-DBE4-4223-B939-A047DB2D9BA6}" presName="spacer" presStyleCnt="0"/>
+      <dgm:spPr/>
+    </dgm:pt>
+    <dgm:pt modelId="{4530CC45-5C6C-4F67-A3CA-A3EB253B6799}" type="pres">
+      <dgm:prSet presAssocID="{F7D61CD8-938C-4B1B-B135-D46EC748595C}" presName="parentText" presStyleLbl="node1" presStyleIdx="3" presStyleCnt="6">
+        <dgm:presLayoutVars>
+          <dgm:chMax val="0"/>
+          <dgm:bulletEnabled val="1"/>
+        </dgm:presLayoutVars>
+      </dgm:prSet>
+      <dgm:spPr/>
+      <dgm:t>
+        <a:bodyPr/>
+        <a:lstStyle/>
+        <a:p>
+          <a:endParaRPr kumimoji="1" lang="ja-JP" altLang="en-US"/>
+        </a:p>
+      </dgm:t>
+    </dgm:pt>
+    <dgm:pt modelId="{18D26DA7-0201-4881-A84D-F1F1B93B2FA6}" type="pres">
+      <dgm:prSet presAssocID="{103FD2B9-E9DC-4CE8-B104-D581220960AC}" presName="spacer" presStyleCnt="0"/>
+      <dgm:spPr/>
+    </dgm:pt>
+    <dgm:pt modelId="{3087372A-B14B-428D-8910-8882B4ED4591}" type="pres">
+      <dgm:prSet presAssocID="{85DFC047-4960-41FB-A98D-D3D8C43C010E}" presName="parentText" presStyleLbl="node1" presStyleIdx="4" presStyleCnt="6">
+        <dgm:presLayoutVars>
+          <dgm:chMax val="0"/>
+          <dgm:bulletEnabled val="1"/>
+        </dgm:presLayoutVars>
+      </dgm:prSet>
+      <dgm:spPr/>
+      <dgm:t>
+        <a:bodyPr/>
+        <a:lstStyle/>
+        <a:p>
+          <a:endParaRPr kumimoji="1" lang="ja-JP" altLang="en-US"/>
+        </a:p>
+      </dgm:t>
+    </dgm:pt>
+    <dgm:pt modelId="{2ACB3863-9BAD-459A-AF01-9B0699192456}" type="pres">
+      <dgm:prSet presAssocID="{89CBACC1-F37D-49C7-BEAB-7B0DC6EA0E66}" presName="spacer" presStyleCnt="0"/>
+      <dgm:spPr/>
+    </dgm:pt>
+    <dgm:pt modelId="{163AFBEF-07CD-479E-8BED-002B96E419B2}" type="pres">
+      <dgm:prSet presAssocID="{094A2738-30AE-4F51-A7DF-776BA757EB98}" presName="parentText" presStyleLbl="node1" presStyleIdx="5" presStyleCnt="6">
+        <dgm:presLayoutVars>
+          <dgm:chMax val="0"/>
+          <dgm:bulletEnabled val="1"/>
+        </dgm:presLayoutVars>
+      </dgm:prSet>
+      <dgm:spPr/>
+    </dgm:pt>
+  </dgm:ptLst>
+  <dgm:cxnLst>
+    <dgm:cxn modelId="{46F26D45-742C-410F-8A20-D734C20FF370}" srcId="{9AA76B87-D72B-4951-89C8-0832806EB352}" destId="{85DFC047-4960-41FB-A98D-D3D8C43C010E}" srcOrd="4" destOrd="0" parTransId="{6A627858-8F77-4E9F-9BEF-B88786411E20}" sibTransId="{89CBACC1-F37D-49C7-BEAB-7B0DC6EA0E66}"/>
+    <dgm:cxn modelId="{AC60EE10-722A-4701-8DBC-3CE4F03A2609}" type="presOf" srcId="{094A2738-30AE-4F51-A7DF-776BA757EB98}" destId="{163AFBEF-07CD-479E-8BED-002B96E419B2}" srcOrd="0" destOrd="0" presId="urn:microsoft.com/office/officeart/2005/8/layout/vList2"/>
+    <dgm:cxn modelId="{B85061C6-5684-4526-807C-6BA397B53B39}" type="presOf" srcId="{48F52475-9DFE-4A2A-BF51-105B9723999C}" destId="{78D7B4A2-AF49-4052-AF0C-467B7E49B8CA}" srcOrd="0" destOrd="0" presId="urn:microsoft.com/office/officeart/2005/8/layout/vList2"/>
+    <dgm:cxn modelId="{8AF4A886-106E-414C-8FAF-2066619C6037}" type="presOf" srcId="{9AA76B87-D72B-4951-89C8-0832806EB352}" destId="{7315C5A5-0D21-467F-B86C-CE2802AE9C16}" srcOrd="0" destOrd="0" presId="urn:microsoft.com/office/officeart/2005/8/layout/vList2"/>
+    <dgm:cxn modelId="{A8D3B467-B9C7-4495-BF49-9B26F0C1AC52}" type="presOf" srcId="{EC824E6D-4B44-4E06-A256-2B9AA5184D07}" destId="{896E3851-7BDD-477D-BDD7-5E3E02091EFD}" srcOrd="0" destOrd="0" presId="urn:microsoft.com/office/officeart/2005/8/layout/vList2"/>
+    <dgm:cxn modelId="{74A9A705-34CC-47DC-8D66-C0F779B6A958}" type="presOf" srcId="{85DFC047-4960-41FB-A98D-D3D8C43C010E}" destId="{3087372A-B14B-428D-8910-8882B4ED4591}" srcOrd="0" destOrd="0" presId="urn:microsoft.com/office/officeart/2005/8/layout/vList2"/>
+    <dgm:cxn modelId="{0BE6C7C0-1ACC-4442-99A4-3653F36C98A8}" srcId="{9AA76B87-D72B-4951-89C8-0832806EB352}" destId="{779E81AF-460A-4B4E-A120-6224AED5F752}" srcOrd="1" destOrd="0" parTransId="{1696540C-3CD0-4869-BEA1-68B994F39AD8}" sibTransId="{ABCA435D-24C3-4124-B09D-9F569D6944B6}"/>
+    <dgm:cxn modelId="{B51ED597-8406-4D79-A23A-3FEFCACEDA5A}" srcId="{9AA76B87-D72B-4951-89C8-0832806EB352}" destId="{EC824E6D-4B44-4E06-A256-2B9AA5184D07}" srcOrd="2" destOrd="0" parTransId="{34DBEE32-394B-490F-B2AE-A9EB30936817}" sibTransId="{BD32FC47-DBE4-4223-B939-A047DB2D9BA6}"/>
+    <dgm:cxn modelId="{E3004BEB-8E7C-48BB-A148-B2BC8D3FBC45}" type="presOf" srcId="{F7D61CD8-938C-4B1B-B135-D46EC748595C}" destId="{4530CC45-5C6C-4F67-A3CA-A3EB253B6799}" srcOrd="0" destOrd="0" presId="urn:microsoft.com/office/officeart/2005/8/layout/vList2"/>
+    <dgm:cxn modelId="{92AA2F39-AB4C-48C3-8A60-517BC7160EA0}" srcId="{9AA76B87-D72B-4951-89C8-0832806EB352}" destId="{094A2738-30AE-4F51-A7DF-776BA757EB98}" srcOrd="5" destOrd="0" parTransId="{DCF5E834-3392-43D8-8A44-9B0C9DA585B7}" sibTransId="{28ACDECA-ABB7-4245-9A8C-57D220D5C257}"/>
+    <dgm:cxn modelId="{EF343C60-3DF9-4801-AE9A-2EF1486C0585}" srcId="{9AA76B87-D72B-4951-89C8-0832806EB352}" destId="{48F52475-9DFE-4A2A-BF51-105B9723999C}" srcOrd="0" destOrd="0" parTransId="{F5995740-113A-44DF-85AF-2CCB0AB70691}" sibTransId="{3384F487-706D-4182-9A96-1E08A241CD82}"/>
+    <dgm:cxn modelId="{84DBF466-3E58-4E71-9CAE-7243E84993C4}" type="presOf" srcId="{779E81AF-460A-4B4E-A120-6224AED5F752}" destId="{EB099F21-4492-426E-B172-87A40564DDDB}" srcOrd="0" destOrd="0" presId="urn:microsoft.com/office/officeart/2005/8/layout/vList2"/>
+    <dgm:cxn modelId="{6DF53727-8EDB-4A4C-AA8C-7961C19ABA4B}" srcId="{9AA76B87-D72B-4951-89C8-0832806EB352}" destId="{F7D61CD8-938C-4B1B-B135-D46EC748595C}" srcOrd="3" destOrd="0" parTransId="{FC547EDC-35CB-4237-A54E-EB923F1B087F}" sibTransId="{103FD2B9-E9DC-4CE8-B104-D581220960AC}"/>
+    <dgm:cxn modelId="{5405A05C-E6B5-4B0B-9A59-3465FF3644AC}" type="presParOf" srcId="{7315C5A5-0D21-467F-B86C-CE2802AE9C16}" destId="{78D7B4A2-AF49-4052-AF0C-467B7E49B8CA}" srcOrd="0" destOrd="0" presId="urn:microsoft.com/office/officeart/2005/8/layout/vList2"/>
+    <dgm:cxn modelId="{E4BEACB9-E994-4226-96BE-DECE5E1CCDD4}" type="presParOf" srcId="{7315C5A5-0D21-467F-B86C-CE2802AE9C16}" destId="{5BBB5032-77AE-4A0B-860F-5086F2DAE323}" srcOrd="1" destOrd="0" presId="urn:microsoft.com/office/officeart/2005/8/layout/vList2"/>
+    <dgm:cxn modelId="{9AC57B77-B930-4AED-B00D-1E0DF17E7CDE}" type="presParOf" srcId="{7315C5A5-0D21-467F-B86C-CE2802AE9C16}" destId="{EB099F21-4492-426E-B172-87A40564DDDB}" srcOrd="2" destOrd="0" presId="urn:microsoft.com/office/officeart/2005/8/layout/vList2"/>
+    <dgm:cxn modelId="{5AD3CEB6-93D0-445C-8B0E-5F3C4AA09347}" type="presParOf" srcId="{7315C5A5-0D21-467F-B86C-CE2802AE9C16}" destId="{0C55DBBF-CA37-4A34-8491-9AB311459B30}" srcOrd="3" destOrd="0" presId="urn:microsoft.com/office/officeart/2005/8/layout/vList2"/>
+    <dgm:cxn modelId="{E86354F4-F821-4517-BA97-BE972D62E3CE}" type="presParOf" srcId="{7315C5A5-0D21-467F-B86C-CE2802AE9C16}" destId="{896E3851-7BDD-477D-BDD7-5E3E02091EFD}" srcOrd="4" destOrd="0" presId="urn:microsoft.com/office/officeart/2005/8/layout/vList2"/>
+    <dgm:cxn modelId="{DBDAE72B-C63A-499A-97A0-32D4C285CDF4}" type="presParOf" srcId="{7315C5A5-0D21-467F-B86C-CE2802AE9C16}" destId="{E2AEA4DA-8EE5-4D8F-9390-33B6218B09EE}" srcOrd="5" destOrd="0" presId="urn:microsoft.com/office/officeart/2005/8/layout/vList2"/>
+    <dgm:cxn modelId="{BE38662C-014A-4596-B9CA-75E27AB5F9A7}" type="presParOf" srcId="{7315C5A5-0D21-467F-B86C-CE2802AE9C16}" destId="{4530CC45-5C6C-4F67-A3CA-A3EB253B6799}" srcOrd="6" destOrd="0" presId="urn:microsoft.com/office/officeart/2005/8/layout/vList2"/>
+    <dgm:cxn modelId="{8F405A4C-9901-4B2E-9EBA-38B0128C116A}" type="presParOf" srcId="{7315C5A5-0D21-467F-B86C-CE2802AE9C16}" destId="{18D26DA7-0201-4881-A84D-F1F1B93B2FA6}" srcOrd="7" destOrd="0" presId="urn:microsoft.com/office/officeart/2005/8/layout/vList2"/>
+    <dgm:cxn modelId="{54A9C21C-24C0-4965-80A3-A1637D12D14D}" type="presParOf" srcId="{7315C5A5-0D21-467F-B86C-CE2802AE9C16}" destId="{3087372A-B14B-428D-8910-8882B4ED4591}" srcOrd="8" destOrd="0" presId="urn:microsoft.com/office/officeart/2005/8/layout/vList2"/>
+    <dgm:cxn modelId="{F14F0187-1510-4B9E-BF1E-44D775EAB80F}" type="presParOf" srcId="{7315C5A5-0D21-467F-B86C-CE2802AE9C16}" destId="{2ACB3863-9BAD-459A-AF01-9B0699192456}" srcOrd="9" destOrd="0" presId="urn:microsoft.com/office/officeart/2005/8/layout/vList2"/>
+    <dgm:cxn modelId="{10416E3C-72E0-4EB8-8DAF-14E79DC777CC}" type="presParOf" srcId="{7315C5A5-0D21-467F-B86C-CE2802AE9C16}" destId="{163AFBEF-07CD-479E-8BED-002B96E419B2}" srcOrd="10" destOrd="0" presId="urn:microsoft.com/office/officeart/2005/8/layout/vList2"/>
+  </dgm:cxnLst>
+  <dgm:bg/>
+  <dgm:whole/>
+  <dgm:extLst>
+    <a:ext uri="http://schemas.microsoft.com/office/drawing/2008/diagram">
+      <dsp:dataModelExt xmlns:dsp="http://schemas.microsoft.com/office/drawing/2008/diagram" relId="rId6" minVer="http://schemas.openxmlformats.org/drawingml/2006/diagram"/>
+    </a:ext>
+  </dgm:extLst>
+</dgm:dataModel>
+</file>
+
+<file path=ppt/diagrams/drawing1.xml><?xml version="1.0" encoding="utf-8"?>
+<dsp:drawing xmlns:dgm="http://schemas.openxmlformats.org/drawingml/2006/diagram" xmlns:dsp="http://schemas.microsoft.com/office/drawing/2008/diagram" xmlns:a="http://schemas.openxmlformats.org/drawingml/2006/main">
+  <dsp:spTree>
+    <dsp:nvGrpSpPr>
+      <dsp:cNvPr id="0" name=""/>
+      <dsp:cNvGrpSpPr/>
+    </dsp:nvGrpSpPr>
+    <dsp:grpSpPr/>
+    <dsp:sp modelId="{78D7B4A2-AF49-4052-AF0C-467B7E49B8CA}">
+      <dsp:nvSpPr>
+        <dsp:cNvPr id="0" name=""/>
+        <dsp:cNvSpPr/>
+      </dsp:nvSpPr>
+      <dsp:spPr>
+        <a:xfrm>
+          <a:off x="0" y="346605"/>
+          <a:ext cx="8153400" cy="578565"/>
+        </a:xfrm>
+        <a:prstGeom prst="roundRect">
+          <a:avLst/>
+        </a:prstGeom>
+        <a:solidFill>
+          <a:schemeClr val="accent1">
+            <a:hueOff val="0"/>
+            <a:satOff val="0"/>
+            <a:lumOff val="0"/>
+            <a:alphaOff val="0"/>
+          </a:schemeClr>
+        </a:solidFill>
+        <a:ln w="19050" cap="flat" cmpd="sng" algn="ctr">
+          <a:solidFill>
+            <a:schemeClr val="lt1">
+              <a:hueOff val="0"/>
+              <a:satOff val="0"/>
+              <a:lumOff val="0"/>
+              <a:alphaOff val="0"/>
+            </a:schemeClr>
+          </a:solidFill>
+          <a:prstDash val="solid"/>
+        </a:ln>
+        <a:effectLst/>
+      </dsp:spPr>
+      <dsp:style>
+        <a:lnRef idx="2">
+          <a:scrgbClr r="0" g="0" b="0"/>
+        </a:lnRef>
+        <a:fillRef idx="1">
+          <a:scrgbClr r="0" g="0" b="0"/>
+        </a:fillRef>
+        <a:effectRef idx="0">
+          <a:scrgbClr r="0" g="0" b="0"/>
+        </a:effectRef>
+        <a:fontRef idx="minor">
+          <a:schemeClr val="lt1"/>
+        </a:fontRef>
+      </dsp:style>
+      <dsp:txBody>
+        <a:bodyPr spcFirstLastPara="0" vert="horz" wrap="square" lIns="87630" tIns="87630" rIns="87630" bIns="87630" numCol="1" spcCol="1270" anchor="ctr" anchorCtr="0">
+          <a:noAutofit/>
+        </a:bodyPr>
+        <a:lstStyle/>
+        <a:p>
+          <a:pPr lvl="0" algn="l" defTabSz="1022350" rtl="0">
+            <a:lnSpc>
+              <a:spcPct val="90000"/>
+            </a:lnSpc>
+            <a:spcBef>
+              <a:spcPct val="0"/>
+            </a:spcBef>
+            <a:spcAft>
+              <a:spcPct val="35000"/>
+            </a:spcAft>
+          </a:pPr>
+          <a:r>
+            <a:rPr kumimoji="1" lang="ja-JP" sz="2300" kern="1200" dirty="0" smtClean="0">
+              <a:latin typeface="+mn-ea"/>
+              <a:ea typeface="+mn-ea"/>
+            </a:rPr>
+            <a:t>・</a:t>
+          </a:r>
+          <a:r>
+            <a:rPr kumimoji="1" lang="ja-JP" altLang="en-US" sz="2300" kern="1200" dirty="0" smtClean="0">
+              <a:latin typeface="+mn-ea"/>
+              <a:ea typeface="+mn-ea"/>
+            </a:rPr>
+            <a:t>ホスティングサービスのデータを調査することで</a:t>
+          </a:r>
+          <a:r>
+            <a:rPr kumimoji="1" lang="en-US" altLang="ja-JP" sz="2300" kern="1200" dirty="0" smtClean="0">
+              <a:latin typeface="+mn-ea"/>
+              <a:ea typeface="+mn-ea"/>
+            </a:rPr>
+            <a:t>PM</a:t>
+          </a:r>
+          <a:r>
+            <a:rPr kumimoji="1" lang="ja-JP" altLang="en-US" sz="2300" kern="1200" dirty="0" smtClean="0">
+              <a:latin typeface="+mn-ea"/>
+              <a:ea typeface="+mn-ea"/>
+            </a:rPr>
+            <a:t>にいかせる．</a:t>
+          </a:r>
+          <a:endParaRPr lang="ja-JP" sz="2300" kern="1200" dirty="0">
+            <a:latin typeface="+mn-ea"/>
+            <a:ea typeface="+mn-ea"/>
+          </a:endParaRPr>
+        </a:p>
+      </dsp:txBody>
+      <dsp:txXfrm>
+        <a:off x="28243" y="374848"/>
+        <a:ext cx="8096914" cy="522079"/>
+      </dsp:txXfrm>
+    </dsp:sp>
+    <dsp:sp modelId="{EB099F21-4492-426E-B172-87A40564DDDB}">
+      <dsp:nvSpPr>
+        <dsp:cNvPr id="0" name=""/>
+        <dsp:cNvSpPr/>
+      </dsp:nvSpPr>
+      <dsp:spPr>
+        <a:xfrm>
+          <a:off x="0" y="991410"/>
+          <a:ext cx="8153400" cy="578565"/>
+        </a:xfrm>
+        <a:prstGeom prst="roundRect">
+          <a:avLst/>
+        </a:prstGeom>
+        <a:solidFill>
+          <a:schemeClr val="accent1">
+            <a:hueOff val="0"/>
+            <a:satOff val="0"/>
+            <a:lumOff val="0"/>
+            <a:alphaOff val="0"/>
+          </a:schemeClr>
+        </a:solidFill>
+        <a:ln w="19050" cap="flat" cmpd="sng" algn="ctr">
+          <a:solidFill>
+            <a:schemeClr val="lt1">
+              <a:hueOff val="0"/>
+              <a:satOff val="0"/>
+              <a:lumOff val="0"/>
+              <a:alphaOff val="0"/>
+            </a:schemeClr>
+          </a:solidFill>
+          <a:prstDash val="solid"/>
+        </a:ln>
+        <a:effectLst/>
+      </dsp:spPr>
+      <dsp:style>
+        <a:lnRef idx="2">
+          <a:scrgbClr r="0" g="0" b="0"/>
+        </a:lnRef>
+        <a:fillRef idx="1">
+          <a:scrgbClr r="0" g="0" b="0"/>
+        </a:fillRef>
+        <a:effectRef idx="0">
+          <a:scrgbClr r="0" g="0" b="0"/>
+        </a:effectRef>
+        <a:fontRef idx="minor">
+          <a:schemeClr val="lt1"/>
+        </a:fontRef>
+      </dsp:style>
+      <dsp:txBody>
+        <a:bodyPr spcFirstLastPara="0" vert="horz" wrap="square" lIns="87630" tIns="87630" rIns="87630" bIns="87630" numCol="1" spcCol="1270" anchor="ctr" anchorCtr="0">
+          <a:noAutofit/>
+        </a:bodyPr>
+        <a:lstStyle/>
+        <a:p>
+          <a:pPr lvl="0" algn="l" defTabSz="1022350" rtl="0">
+            <a:lnSpc>
+              <a:spcPct val="90000"/>
+            </a:lnSpc>
+            <a:spcBef>
+              <a:spcPct val="0"/>
+            </a:spcBef>
+            <a:spcAft>
+              <a:spcPct val="35000"/>
+            </a:spcAft>
+          </a:pPr>
+          <a:r>
+            <a:rPr kumimoji="1" lang="ja-JP" sz="2300" kern="1200" dirty="0" smtClean="0">
+              <a:latin typeface="+mn-ea"/>
+              <a:ea typeface="+mn-ea"/>
+            </a:rPr>
+            <a:t>・チケットと呼ばれるものに着目した．</a:t>
+          </a:r>
+          <a:endParaRPr lang="ja-JP" sz="2300" kern="1200" dirty="0">
+            <a:latin typeface="+mn-ea"/>
+            <a:ea typeface="+mn-ea"/>
+          </a:endParaRPr>
+        </a:p>
+      </dsp:txBody>
+      <dsp:txXfrm>
+        <a:off x="28243" y="1019653"/>
+        <a:ext cx="8096914" cy="522079"/>
+      </dsp:txXfrm>
+    </dsp:sp>
+    <dsp:sp modelId="{896E3851-7BDD-477D-BDD7-5E3E02091EFD}">
+      <dsp:nvSpPr>
+        <dsp:cNvPr id="0" name=""/>
+        <dsp:cNvSpPr/>
+      </dsp:nvSpPr>
+      <dsp:spPr>
+        <a:xfrm>
+          <a:off x="0" y="1636215"/>
+          <a:ext cx="8153400" cy="578565"/>
+        </a:xfrm>
+        <a:prstGeom prst="roundRect">
+          <a:avLst/>
+        </a:prstGeom>
+        <a:solidFill>
+          <a:schemeClr val="accent1">
+            <a:hueOff val="0"/>
+            <a:satOff val="0"/>
+            <a:lumOff val="0"/>
+            <a:alphaOff val="0"/>
+          </a:schemeClr>
+        </a:solidFill>
+        <a:ln w="19050" cap="flat" cmpd="sng" algn="ctr">
+          <a:solidFill>
+            <a:schemeClr val="lt1">
+              <a:hueOff val="0"/>
+              <a:satOff val="0"/>
+              <a:lumOff val="0"/>
+              <a:alphaOff val="0"/>
+            </a:schemeClr>
+          </a:solidFill>
+          <a:prstDash val="solid"/>
+        </a:ln>
+        <a:effectLst/>
+      </dsp:spPr>
+      <dsp:style>
+        <a:lnRef idx="2">
+          <a:scrgbClr r="0" g="0" b="0"/>
+        </a:lnRef>
+        <a:fillRef idx="1">
+          <a:scrgbClr r="0" g="0" b="0"/>
+        </a:fillRef>
+        <a:effectRef idx="0">
+          <a:scrgbClr r="0" g="0" b="0"/>
+        </a:effectRef>
+        <a:fontRef idx="minor">
+          <a:schemeClr val="lt1"/>
+        </a:fontRef>
+      </dsp:style>
+      <dsp:txBody>
+        <a:bodyPr spcFirstLastPara="0" vert="horz" wrap="square" lIns="87630" tIns="87630" rIns="87630" bIns="87630" numCol="1" spcCol="1270" anchor="ctr" anchorCtr="0">
+          <a:noAutofit/>
+        </a:bodyPr>
+        <a:lstStyle/>
+        <a:p>
+          <a:pPr lvl="0" algn="l" defTabSz="1022350" rtl="0">
+            <a:lnSpc>
+              <a:spcPct val="90000"/>
+            </a:lnSpc>
+            <a:spcBef>
+              <a:spcPct val="0"/>
+            </a:spcBef>
+            <a:spcAft>
+              <a:spcPct val="35000"/>
+            </a:spcAft>
+          </a:pPr>
+          <a:r>
+            <a:rPr kumimoji="1" lang="ja-JP" sz="2300" kern="1200" dirty="0" smtClean="0">
+              <a:latin typeface="+mn-ea"/>
+              <a:ea typeface="+mn-ea"/>
+            </a:rPr>
+            <a:t>・チケットの利用状況を収集，可視化するツールを開発．</a:t>
+          </a:r>
+          <a:endParaRPr lang="ja-JP" sz="2300" kern="1200" dirty="0">
+            <a:latin typeface="+mn-ea"/>
+            <a:ea typeface="+mn-ea"/>
+          </a:endParaRPr>
+        </a:p>
+      </dsp:txBody>
+      <dsp:txXfrm>
+        <a:off x="28243" y="1664458"/>
+        <a:ext cx="8096914" cy="522079"/>
+      </dsp:txXfrm>
+    </dsp:sp>
+    <dsp:sp modelId="{4530CC45-5C6C-4F67-A3CA-A3EB253B6799}">
+      <dsp:nvSpPr>
+        <dsp:cNvPr id="0" name=""/>
+        <dsp:cNvSpPr/>
+      </dsp:nvSpPr>
+      <dsp:spPr>
+        <a:xfrm>
+          <a:off x="0" y="2281020"/>
+          <a:ext cx="8153400" cy="578565"/>
+        </a:xfrm>
+        <a:prstGeom prst="roundRect">
+          <a:avLst/>
+        </a:prstGeom>
+        <a:solidFill>
+          <a:schemeClr val="accent1">
+            <a:hueOff val="0"/>
+            <a:satOff val="0"/>
+            <a:lumOff val="0"/>
+            <a:alphaOff val="0"/>
+          </a:schemeClr>
+        </a:solidFill>
+        <a:ln w="19050" cap="flat" cmpd="sng" algn="ctr">
+          <a:solidFill>
+            <a:schemeClr val="lt1">
+              <a:hueOff val="0"/>
+              <a:satOff val="0"/>
+              <a:lumOff val="0"/>
+              <a:alphaOff val="0"/>
+            </a:schemeClr>
+          </a:solidFill>
+          <a:prstDash val="solid"/>
+        </a:ln>
+        <a:effectLst/>
+      </dsp:spPr>
+      <dsp:style>
+        <a:lnRef idx="2">
+          <a:scrgbClr r="0" g="0" b="0"/>
+        </a:lnRef>
+        <a:fillRef idx="1">
+          <a:scrgbClr r="0" g="0" b="0"/>
+        </a:fillRef>
+        <a:effectRef idx="0">
+          <a:scrgbClr r="0" g="0" b="0"/>
+        </a:effectRef>
+        <a:fontRef idx="minor">
+          <a:schemeClr val="lt1"/>
+        </a:fontRef>
+      </dsp:style>
+      <dsp:txBody>
+        <a:bodyPr spcFirstLastPara="0" vert="horz" wrap="square" lIns="87630" tIns="87630" rIns="87630" bIns="87630" numCol="1" spcCol="1270" anchor="ctr" anchorCtr="0">
+          <a:noAutofit/>
+        </a:bodyPr>
+        <a:lstStyle/>
+        <a:p>
+          <a:pPr lvl="0" algn="l" defTabSz="1022350" rtl="0">
+            <a:lnSpc>
+              <a:spcPct val="90000"/>
+            </a:lnSpc>
+            <a:spcBef>
+              <a:spcPct val="0"/>
+            </a:spcBef>
+            <a:spcAft>
+              <a:spcPct val="35000"/>
+            </a:spcAft>
+          </a:pPr>
+          <a:r>
+            <a:rPr kumimoji="1" lang="ja-JP" sz="2300" kern="1200" dirty="0" smtClean="0">
+              <a:latin typeface="+mn-ea"/>
+              <a:ea typeface="+mn-ea"/>
+            </a:rPr>
+            <a:t>・チケット数の時間変化を４つのパターンに分類．</a:t>
+          </a:r>
+          <a:endParaRPr lang="ja-JP" sz="2300" kern="1200" dirty="0">
+            <a:latin typeface="+mn-ea"/>
+            <a:ea typeface="+mn-ea"/>
+          </a:endParaRPr>
+        </a:p>
+      </dsp:txBody>
+      <dsp:txXfrm>
+        <a:off x="28243" y="2309263"/>
+        <a:ext cx="8096914" cy="522079"/>
+      </dsp:txXfrm>
+    </dsp:sp>
+    <dsp:sp modelId="{3087372A-B14B-428D-8910-8882B4ED4591}">
+      <dsp:nvSpPr>
+        <dsp:cNvPr id="0" name=""/>
+        <dsp:cNvSpPr/>
+      </dsp:nvSpPr>
+      <dsp:spPr>
+        <a:xfrm>
+          <a:off x="0" y="2925825"/>
+          <a:ext cx="8153400" cy="578565"/>
+        </a:xfrm>
+        <a:prstGeom prst="roundRect">
+          <a:avLst/>
+        </a:prstGeom>
+        <a:solidFill>
+          <a:schemeClr val="accent1">
+            <a:hueOff val="0"/>
+            <a:satOff val="0"/>
+            <a:lumOff val="0"/>
+            <a:alphaOff val="0"/>
+          </a:schemeClr>
+        </a:solidFill>
+        <a:ln w="19050" cap="flat" cmpd="sng" algn="ctr">
+          <a:solidFill>
+            <a:schemeClr val="lt1">
+              <a:hueOff val="0"/>
+              <a:satOff val="0"/>
+              <a:lumOff val="0"/>
+              <a:alphaOff val="0"/>
+            </a:schemeClr>
+          </a:solidFill>
+          <a:prstDash val="solid"/>
+        </a:ln>
+        <a:effectLst/>
+      </dsp:spPr>
+      <dsp:style>
+        <a:lnRef idx="2">
+          <a:scrgbClr r="0" g="0" b="0"/>
+        </a:lnRef>
+        <a:fillRef idx="1">
+          <a:scrgbClr r="0" g="0" b="0"/>
+        </a:fillRef>
+        <a:effectRef idx="0">
+          <a:scrgbClr r="0" g="0" b="0"/>
+        </a:effectRef>
+        <a:fontRef idx="minor">
+          <a:schemeClr val="lt1"/>
+        </a:fontRef>
+      </dsp:style>
+      <dsp:txBody>
+        <a:bodyPr spcFirstLastPara="0" vert="horz" wrap="square" lIns="87630" tIns="87630" rIns="87630" bIns="87630" numCol="1" spcCol="1270" anchor="ctr" anchorCtr="0">
+          <a:noAutofit/>
+        </a:bodyPr>
+        <a:lstStyle/>
+        <a:p>
+          <a:pPr lvl="0" algn="l" defTabSz="1022350" rtl="0">
+            <a:lnSpc>
+              <a:spcPct val="90000"/>
+            </a:lnSpc>
+            <a:spcBef>
+              <a:spcPct val="0"/>
+            </a:spcBef>
+            <a:spcAft>
+              <a:spcPct val="35000"/>
+            </a:spcAft>
+          </a:pPr>
+          <a:r>
+            <a:rPr kumimoji="1" lang="ja-JP" sz="2300" kern="1200" dirty="0" smtClean="0">
+              <a:latin typeface="+mn-ea"/>
+              <a:ea typeface="+mn-ea"/>
+            </a:rPr>
+            <a:t>・</a:t>
+          </a:r>
+          <a:r>
+            <a:rPr kumimoji="1" lang="ja-JP" altLang="en-US" sz="2300" kern="1200" dirty="0" smtClean="0">
+              <a:latin typeface="+mn-ea"/>
+              <a:ea typeface="+mn-ea"/>
+            </a:rPr>
+            <a:t>チケット利用の実態が明らかになる</a:t>
+          </a:r>
+          <a:r>
+            <a:rPr kumimoji="1" lang="ja-JP" sz="2300" kern="1200" dirty="0" smtClean="0">
+              <a:latin typeface="+mn-ea"/>
+              <a:ea typeface="+mn-ea"/>
+            </a:rPr>
+            <a:t>．</a:t>
+          </a:r>
+          <a:endParaRPr lang="ja-JP" sz="2300" kern="1200" dirty="0">
+            <a:latin typeface="+mn-ea"/>
+            <a:ea typeface="+mn-ea"/>
+          </a:endParaRPr>
+        </a:p>
+      </dsp:txBody>
+      <dsp:txXfrm>
+        <a:off x="28243" y="2954068"/>
+        <a:ext cx="8096914" cy="522079"/>
+      </dsp:txXfrm>
+    </dsp:sp>
+    <dsp:sp modelId="{163AFBEF-07CD-479E-8BED-002B96E419B2}">
+      <dsp:nvSpPr>
+        <dsp:cNvPr id="0" name=""/>
+        <dsp:cNvSpPr/>
+      </dsp:nvSpPr>
+      <dsp:spPr>
+        <a:xfrm>
+          <a:off x="0" y="3570630"/>
+          <a:ext cx="8153400" cy="578565"/>
+        </a:xfrm>
+        <a:prstGeom prst="roundRect">
+          <a:avLst/>
+        </a:prstGeom>
+        <a:solidFill>
+          <a:schemeClr val="accent1">
+            <a:hueOff val="0"/>
+            <a:satOff val="0"/>
+            <a:lumOff val="0"/>
+            <a:alphaOff val="0"/>
+          </a:schemeClr>
+        </a:solidFill>
+        <a:ln w="19050" cap="flat" cmpd="sng" algn="ctr">
+          <a:solidFill>
+            <a:schemeClr val="lt1">
+              <a:hueOff val="0"/>
+              <a:satOff val="0"/>
+              <a:lumOff val="0"/>
+              <a:alphaOff val="0"/>
+            </a:schemeClr>
+          </a:solidFill>
+          <a:prstDash val="solid"/>
+        </a:ln>
+        <a:effectLst/>
+      </dsp:spPr>
+      <dsp:style>
+        <a:lnRef idx="2">
+          <a:scrgbClr r="0" g="0" b="0"/>
+        </a:lnRef>
+        <a:fillRef idx="1">
+          <a:scrgbClr r="0" g="0" b="0"/>
+        </a:fillRef>
+        <a:effectRef idx="0">
+          <a:scrgbClr r="0" g="0" b="0"/>
+        </a:effectRef>
+        <a:fontRef idx="minor">
+          <a:schemeClr val="lt1"/>
+        </a:fontRef>
+      </dsp:style>
+      <dsp:txBody>
+        <a:bodyPr spcFirstLastPara="0" vert="horz" wrap="square" lIns="87630" tIns="87630" rIns="87630" bIns="87630" numCol="1" spcCol="1270" anchor="ctr" anchorCtr="0">
+          <a:noAutofit/>
+        </a:bodyPr>
+        <a:lstStyle/>
+        <a:p>
+          <a:pPr lvl="0" algn="l" defTabSz="1022350" rtl="0">
+            <a:lnSpc>
+              <a:spcPct val="90000"/>
+            </a:lnSpc>
+            <a:spcBef>
+              <a:spcPct val="0"/>
+            </a:spcBef>
+            <a:spcAft>
+              <a:spcPct val="35000"/>
+            </a:spcAft>
+          </a:pPr>
+          <a:r>
+            <a:rPr kumimoji="1" lang="ja-JP" sz="2300" kern="1200" dirty="0" smtClean="0">
+              <a:latin typeface="+mn-ea"/>
+              <a:ea typeface="+mn-ea"/>
+            </a:rPr>
+            <a:t>・チケットの利用でタスク管理，進捗管理が行える．</a:t>
+          </a:r>
+          <a:endParaRPr lang="ja-JP" sz="2300" kern="1200" dirty="0">
+            <a:latin typeface="+mn-ea"/>
+            <a:ea typeface="+mn-ea"/>
+          </a:endParaRPr>
+        </a:p>
+      </dsp:txBody>
+      <dsp:txXfrm>
+        <a:off x="28243" y="3598873"/>
+        <a:ext cx="8096914" cy="522079"/>
+      </dsp:txXfrm>
+    </dsp:sp>
+  </dsp:spTree>
+</dsp:drawing>
+</file>
+
+<file path=ppt/diagrams/layout1.xml><?xml version="1.0" encoding="utf-8"?>
+<dgm:layoutDef xmlns:dgm="http://schemas.openxmlformats.org/drawingml/2006/diagram" xmlns:a="http://schemas.openxmlformats.org/drawingml/2006/main" uniqueId="urn:microsoft.com/office/officeart/2005/8/layout/vList2">
+  <dgm:title val=""/>
+  <dgm:desc val=""/>
+  <dgm:catLst>
+    <dgm:cat type="list" pri="3000"/>
+    <dgm:cat type="convert" pri="1000"/>
+  </dgm:catLst>
+  <dgm:sampData>
+    <dgm:dataModel>
+      <dgm:ptLst>
+        <dgm:pt modelId="0" type="doc"/>
+        <dgm:pt modelId="1">
+          <dgm:prSet phldr="1"/>
+        </dgm:pt>
+        <dgm:pt modelId="11">
+          <dgm:prSet phldr="1"/>
+        </dgm:pt>
+        <dgm:pt modelId="2">
+          <dgm:prSet phldr="1"/>
+        </dgm:pt>
+        <dgm:pt modelId="21">
+          <dgm:prSet phldr="1"/>
+        </dgm:pt>
+      </dgm:ptLst>
+      <dgm:cxnLst>
+        <dgm:cxn modelId="4" srcId="0" destId="1" srcOrd="0" destOrd="0"/>
+        <dgm:cxn modelId="5" srcId="0" destId="2" srcOrd="1" destOrd="0"/>
+        <dgm:cxn modelId="12" srcId="1" destId="11" srcOrd="0" destOrd="0"/>
+        <dgm:cxn modelId="23" srcId="2" destId="21" srcOrd="0" destOrd="0"/>
+      </dgm:cxnLst>
+      <dgm:bg/>
+      <dgm:whole/>
+    </dgm:dataModel>
+  </dgm:sampData>
+  <dgm:styleData>
+    <dgm:dataModel>
+      <dgm:ptLst>
+        <dgm:pt modelId="0" type="doc"/>
+        <dgm:pt modelId="1"/>
+        <dgm:pt modelId="2"/>
+      </dgm:ptLst>
+      <dgm:cxnLst>
+        <dgm:cxn modelId="3" srcId="0" destId="1" srcOrd="0" destOrd="0"/>
+        <dgm:cxn modelId="4" srcId="0" destId="2" srcOrd="1" destOrd="0"/>
+      </dgm:cxnLst>
+      <dgm:bg/>
+      <dgm:whole/>
+    </dgm:dataModel>
+  </dgm:styleData>
+  <dgm:clrData>
+    <dgm:dataModel>
+      <dgm:ptLst>
+        <dgm:pt modelId="0" type="doc"/>
+        <dgm:pt modelId="1"/>
+        <dgm:pt modelId="2"/>
+        <dgm:pt modelId="3"/>
+        <dgm:pt modelId="4"/>
+      </dgm:ptLst>
+      <dgm:cxnLst>
+        <dgm:cxn modelId="5" srcId="0" destId="1" srcOrd="0" destOrd="0"/>
+        <dgm:cxn modelId="6" srcId="0" destId="2" srcOrd="1" destOrd="0"/>
+        <dgm:cxn modelId="7" srcId="0" destId="3" srcOrd="2" destOrd="0"/>
+        <dgm:cxn modelId="8" srcId="0" destId="4" srcOrd="3" destOrd="0"/>
+      </dgm:cxnLst>
+      <dgm:bg/>
+      <dgm:whole/>
+    </dgm:dataModel>
+  </dgm:clrData>
+  <dgm:layoutNode name="linear">
+    <dgm:varLst>
+      <dgm:animLvl val="lvl"/>
+      <dgm:resizeHandles val="exact"/>
+    </dgm:varLst>
+    <dgm:alg type="lin">
+      <dgm:param type="linDir" val="fromT"/>
+      <dgm:param type="vertAlign" val="mid"/>
+    </dgm:alg>
+    <dgm:shape xmlns:r="http://schemas.openxmlformats.org/officeDocument/2006/relationships" r:blip="">
+      <dgm:adjLst/>
+    </dgm:shape>
+    <dgm:presOf/>
+    <dgm:constrLst>
+      <dgm:constr type="w" for="ch" forName="parentText" refType="w"/>
+      <dgm:constr type="h" for="ch" forName="parentText" refType="primFontSz" refFor="ch" refForName="parentText" fact="0.52"/>
+      <dgm:constr type="w" for="ch" forName="childText" refType="w"/>
+      <dgm:constr type="h" for="ch" forName="childText" refType="primFontSz" refFor="ch" refForName="parentText" fact="0.46"/>
+      <dgm:constr type="h" for="ch" forName="parentText" op="equ"/>
+      <dgm:constr type="primFontSz" for="ch" forName="parentText" op="equ" val="65"/>
+      <dgm:constr type="primFontSz" for="ch" forName="childText" refType="primFontSz" refFor="ch" refForName="parentText" op="equ"/>
+      <dgm:constr type="h" for="ch" forName="spacer" refType="primFontSz" refFor="ch" refForName="parentText" fact="0.08"/>
+    </dgm:constrLst>
+    <dgm:ruleLst>
+      <dgm:rule type="primFontSz" for="ch" forName="parentText" val="5" fact="NaN" max="NaN"/>
+    </dgm:ruleLst>
+    <dgm:forEach name="Name0" axis="ch" ptType="node">
+      <dgm:layoutNode name="parentText" styleLbl="node1">
+        <dgm:varLst>
+          <dgm:chMax val="0"/>
+          <dgm:bulletEnabled val="1"/>
+        </dgm:varLst>
+        <dgm:alg type="tx">
+          <dgm:param type="parTxLTRAlign" val="l"/>
+          <dgm:param type="parTxRTLAlign" val="r"/>
+        </dgm:alg>
+        <dgm:shape xmlns:r="http://schemas.openxmlformats.org/officeDocument/2006/relationships" type="roundRect" r:blip="">
+          <dgm:adjLst/>
+        </dgm:shape>
+        <dgm:presOf axis="self"/>
+        <dgm:constrLst>
+          <dgm:constr type="tMarg" refType="primFontSz" fact="0.3"/>
+          <dgm:constr type="bMarg" refType="primFontSz" fact="0.3"/>
+          <dgm:constr type="lMarg" refType="primFontSz" fact="0.3"/>
+          <dgm:constr type="rMarg" refType="primFontSz" fact="0.3"/>
+        </dgm:constrLst>
+        <dgm:ruleLst>
+          <dgm:rule type="h" val="INF" fact="NaN" max="NaN"/>
+        </dgm:ruleLst>
+      </dgm:layoutNode>
+      <dgm:choose name="Name1">
+        <dgm:if name="Name2" axis="ch" ptType="node" func="cnt" op="gte" val="1">
+          <dgm:layoutNode name="childText" styleLbl="revTx">
+            <dgm:varLst>
+              <dgm:bulletEnabled val="1"/>
+            </dgm:varLst>
+            <dgm:alg type="tx">
+              <dgm:param type="stBulletLvl" val="1"/>
+              <dgm:param type="lnSpAfChP" val="20"/>
+            </dgm:alg>
+            <dgm:shape xmlns:r="http://schemas.openxmlformats.org/officeDocument/2006/relationships" type="rect" r:blip="">
+              <dgm:adjLst/>
+            </dgm:shape>
+            <dgm:presOf axis="des" ptType="node"/>
+            <dgm:constrLst>
+              <dgm:constr type="tMarg" refType="primFontSz" fact="0.1"/>
+              <dgm:constr type="bMarg" refType="primFontSz" fact="0.1"/>
+              <dgm:constr type="lMarg" refType="w" fact="0.09"/>
+            </dgm:constrLst>
+            <dgm:ruleLst>
+              <dgm:rule type="h" val="INF" fact="NaN" max="NaN"/>
+            </dgm:ruleLst>
+          </dgm:layoutNode>
+        </dgm:if>
+        <dgm:else name="Name3">
+          <dgm:choose name="Name4">
+            <dgm:if name="Name5" axis="par ch" ptType="doc node" func="cnt" op="gte" val="2">
+              <dgm:forEach name="Name6" axis="followSib" ptType="sibTrans" cnt="1">
+                <dgm:layoutNode name="spacer">
+                  <dgm:alg type="sp"/>
+                  <dgm:shape xmlns:r="http://schemas.openxmlformats.org/officeDocument/2006/relationships" r:blip="">
+                    <dgm:adjLst/>
+                  </dgm:shape>
+                  <dgm:presOf/>
+                  <dgm:constrLst/>
+                  <dgm:ruleLst/>
+                </dgm:layoutNode>
+              </dgm:forEach>
+            </dgm:if>
+            <dgm:else name="Name7"/>
+          </dgm:choose>
+        </dgm:else>
+      </dgm:choose>
+    </dgm:forEach>
+  </dgm:layoutNode>
+</dgm:layoutDef>
+</file>
+
+<file path=ppt/diagrams/quickStyle1.xml><?xml version="1.0" encoding="utf-8"?>
+<dgm:styleDef xmlns:dgm="http://schemas.openxmlformats.org/drawingml/2006/diagram" xmlns:a="http://schemas.openxmlformats.org/drawingml/2006/main" uniqueId="urn:microsoft.com/office/officeart/2005/8/quickstyle/simple1">
+  <dgm:title val=""/>
+  <dgm:desc val=""/>
+  <dgm:catLst>
+    <dgm:cat type="simple" pri="10100"/>
+  </dgm:catLst>
+  <dgm:scene3d>
+    <a:camera prst="orthographicFront"/>
+    <a:lightRig rig="threePt" dir="t"/>
+  </dgm:scene3d>
+  <dgm:styleLbl name="node0">
+    <dgm:scene3d>
+      <a:camera prst="orthographicFront"/>
+      <a:lightRig rig="threePt" dir="t"/>
+    </dgm:scene3d>
+    <dgm:sp3d/>
+    <dgm:txPr/>
+    <dgm:style>
+      <a:lnRef idx="2">
+        <a:scrgbClr r="0" g="0" b="0"/>
+      </a:lnRef>
+      <a:fillRef idx="1">
+        <a:scrgbClr r="0" g="0" b="0"/>
+      </a:fillRef>
+      <a:effectRef idx="0">
+        <a:scrgbClr r="0" g="0" b="0"/>
+      </a:effectRef>
+      <a:fontRef idx="minor">
+        <a:schemeClr val="lt1"/>
+      </a:fontRef>
+    </dgm:style>
+  </dgm:styleLbl>
+  <dgm:styleLbl name="lnNode1">
+    <dgm:scene3d>
+      <a:camera prst="orthographicFront"/>
+      <a:lightRig rig="threePt" dir="t"/>
+    </dgm:scene3d>
+    <dgm:sp3d/>
+    <dgm:txPr/>
+    <dgm:style>
+      <a:lnRef idx="2">
+        <a:scrgbClr r="0" g="0" b="0"/>
+      </a:lnRef>
+      <a:fillRef idx="1">
+        <a:scrgbClr r="0" g="0" b="0"/>
+      </a:fillRef>
+      <a:effectRef idx="0">
+        <a:scrgbClr r="0" g="0" b="0"/>
+      </a:effectRef>
+      <a:fontRef idx="minor">
+        <a:schemeClr val="lt1"/>
+      </a:fontRef>
+    </dgm:style>
+  </dgm:styleLbl>
+  <dgm:styleLbl name="vennNode1">
+    <dgm:scene3d>
+      <a:camera prst="orthographicFront"/>
+      <a:lightRig rig="threePt" dir="t"/>
+    </dgm:scene3d>
+    <dgm:sp3d/>
+    <dgm:txPr/>
+    <dgm:style>
+      <a:lnRef idx="2">
+        <a:scrgbClr r="0" g="0" b="0"/>
+      </a:lnRef>
+      <a:fillRef idx="1">
+        <a:scrgbClr r="0" g="0" b="0"/>
+      </a:fillRef>
+      <a:effectRef idx="0">
+        <a:scrgbClr r="0" g="0" b="0"/>
+      </a:effectRef>
+      <a:fontRef idx="minor">
+        <a:schemeClr val="tx1"/>
+      </a:fontRef>
+    </dgm:style>
+  </dgm:styleLbl>
+  <dgm:styleLbl name="alignNode1">
+    <dgm:scene3d>
+      <a:camera prst="orthographicFront"/>
+      <a:lightRig rig="threePt" dir="t"/>
+    </dgm:scene3d>
+    <dgm:sp3d/>
+    <dgm:txPr/>
+    <dgm:style>
+      <a:lnRef idx="2">
+        <a:scrgbClr r="0" g="0" b="0"/>
+      </a:lnRef>
+      <a:fillRef idx="1">
+        <a:scrgbClr r="0" g="0" b="0"/>
+      </a:fillRef>
+      <a:effectRef idx="0">
+        <a:scrgbClr r="0" g="0" b="0"/>
+      </a:effectRef>
+      <a:fontRef idx="minor">
+        <a:schemeClr val="lt1"/>
+      </a:fontRef>
+    </dgm:style>
+  </dgm:styleLbl>
+  <dgm:styleLbl name="node1">
+    <dgm:scene3d>
+      <a:camera prst="orthographicFront"/>
+      <a:lightRig rig="threePt" dir="t"/>
+    </dgm:scene3d>
+    <dgm:sp3d/>
+    <dgm:txPr/>
+    <dgm:style>
+      <a:lnRef idx="2">
+        <a:scrgbClr r="0" g="0" b="0"/>
+      </a:lnRef>
+      <a:fillRef idx="1">
+        <a:scrgbClr r="0" g="0" b="0"/>
+      </a:fillRef>
+      <a:effectRef idx="0">
+        <a:scrgbClr r="0" g="0" b="0"/>
+      </a:effectRef>
+      <a:fontRef idx="minor">
+        <a:schemeClr val="lt1"/>
+      </a:fontRef>
+    </dgm:style>
+  </dgm:styleLbl>
+  <dgm:styleLbl name="node2">
+    <dgm:scene3d>
+      <a:camera prst="orthographicFront"/>
+      <a:lightRig rig="threePt" dir="t"/>
+    </dgm:scene3d>
+    <dgm:sp3d/>
+    <dgm:txPr/>
+    <dgm:style>
+      <a:lnRef idx="2">
+        <a:scrgbClr r="0" g="0" b="0"/>
+      </a:lnRef>
+      <a:fillRef idx="1">
+        <a:scrgbClr r="0" g="0" b="0"/>
+      </a:fillRef>
+      <a:effectRef idx="0">
+        <a:scrgbClr r="0" g="0" b="0"/>
+      </a:effectRef>
+      <a:fontRef idx="minor">
+        <a:schemeClr val="lt1"/>
+      </a:fontRef>
+    </dgm:style>
+  </dgm:styleLbl>
+  <dgm:styleLbl name="node3">
+    <dgm:scene3d>
+      <a:camera prst="orthographicFront"/>
+      <a:lightRig rig="threePt" dir="t"/>
+    </dgm:scene3d>
+    <dgm:sp3d/>
+    <dgm:txPr/>
+    <dgm:style>
+      <a:lnRef idx="2">
+        <a:scrgbClr r="0" g="0" b="0"/>
+      </a:lnRef>
+      <a:fillRef idx="1">
+        <a:scrgbClr r="0" g="0" b="0"/>
+      </a:fillRef>
+      <a:effectRef idx="0">
+        <a:scrgbClr r="0" g="0" b="0"/>
+      </a:effectRef>
+      <a:fontRef idx="minor">
+        <a:schemeClr val="lt1"/>
+      </a:fontRef>
+    </dgm:style>
+  </dgm:styleLbl>
+  <dgm:styleLbl name="node4">
+    <dgm:scene3d>
+      <a:camera prst="orthographicFront"/>
+      <a:lightRig rig="threePt" dir="t"/>
+    </dgm:scene3d>
+    <dgm:sp3d/>
+    <dgm:txPr/>
+    <dgm:style>
+      <a:lnRef idx="2">
+        <a:scrgbClr r="0" g="0" b="0"/>
+      </a:lnRef>
+      <a:fillRef idx="1">
+        <a:scrgbClr r="0" g="0" b="0"/>
+      </a:fillRef>
+      <a:effectRef idx="0">
+        <a:scrgbClr r="0" g="0" b="0"/>
+      </a:effectRef>
+      <a:fontRef idx="minor">
+        <a:schemeClr val="lt1"/>
+      </a:fontRef>
+    </dgm:style>
+  </dgm:styleLbl>
+  <dgm:styleLbl name="fgImgPlace1">
+    <dgm:scene3d>
+      <a:camera prst="orthographicFront"/>
+      <a:lightRig rig="threePt" dir="t"/>
+    </dgm:scene3d>
+    <dgm:sp3d/>
+    <dgm:txPr/>
+    <dgm:style>
+      <a:lnRef idx="2">
+        <a:scrgbClr r="0" g="0" b="0"/>
+      </a:lnRef>
+      <a:fillRef idx="1">
+        <a:scrgbClr r="0" g="0" b="0"/>
+      </a:fillRef>
+      <a:effectRef idx="0">
+        <a:scrgbClr r="0" g="0" b="0"/>
+      </a:effectRef>
+      <a:fontRef idx="minor"/>
+    </dgm:style>
+  </dgm:styleLbl>
+  <dgm:styleLbl name="alignImgPlace1">
+    <dgm:scene3d>
+      <a:camera prst="orthographicFront"/>
+      <a:lightRig rig="threePt" dir="t"/>
+    </dgm:scene3d>
+    <dgm:sp3d/>
+    <dgm:txPr/>
+    <dgm:style>
+      <a:lnRef idx="2">
+        <a:scrgbClr r="0" g="0" b="0"/>
+      </a:lnRef>
+      <a:fillRef idx="1">
+        <a:scrgbClr r="0" g="0" b="0"/>
+      </a:fillRef>
+      <a:effectRef idx="0">
+        <a:scrgbClr r="0" g="0" b="0"/>
+      </a:effectRef>
+      <a:fontRef idx="minor"/>
+    </dgm:style>
+  </dgm:styleLbl>
+  <dgm:styleLbl name="bgImgPlace1">
+    <dgm:scene3d>
+      <a:camera prst="orthographicFront"/>
+      <a:lightRig rig="threePt" dir="t"/>
+    </dgm:scene3d>
+    <dgm:sp3d/>
+    <dgm:txPr/>
+    <dgm:style>
+      <a:lnRef idx="2">
+        <a:scrgbClr r="0" g="0" b="0"/>
+      </a:lnRef>
+      <a:fillRef idx="1">
+        <a:scrgbClr r="0" g="0" b="0"/>
+      </a:fillRef>
+      <a:effectRef idx="0">
+        <a:scrgbClr r="0" g="0" b="0"/>
+      </a:effectRef>
+      <a:fontRef idx="minor"/>
+    </dgm:style>
+  </dgm:styleLbl>
+  <dgm:styleLbl name="sibTrans2D1">
+    <dgm:scene3d>
+      <a:camera prst="orthographicFront"/>
+      <a:lightRig rig="threePt" dir="t"/>
+    </dgm:scene3d>
+    <dgm:sp3d/>
+    <dgm:txPr/>
+    <dgm:style>
+      <a:lnRef idx="0">
+        <a:scrgbClr r="0" g="0" b="0"/>
+      </a:lnRef>
+      <a:fillRef idx="1">
+        <a:scrgbClr r="0" g="0" b="0"/>
+      </a:fillRef>
+      <a:effectRef idx="0">
+        <a:scrgbClr r="0" g="0" b="0"/>
+      </a:effectRef>
+      <a:fontRef idx="minor">
+        <a:schemeClr val="lt1"/>
+      </a:fontRef>
+    </dgm:style>
+  </dgm:styleLbl>
+  <dgm:styleLbl name="fgSibTrans2D1">
+    <dgm:scene3d>
+      <a:camera prst="orthographicFront"/>
+      <a:lightRig rig="threePt" dir="t"/>
+    </dgm:scene3d>
+    <dgm:sp3d/>
+    <dgm:txPr/>
+    <dgm:style>
+      <a:lnRef idx="0">
+        <a:scrgbClr r="0" g="0" b="0"/>
+      </a:lnRef>
+      <a:fillRef idx="1">
+        <a:scrgbClr r="0" g="0" b="0"/>
+      </a:fillRef>
+      <a:effectRef idx="0">
+        <a:scrgbClr r="0" g="0" b="0"/>
+      </a:effectRef>
+      <a:fontRef idx="minor">
+        <a:schemeClr val="lt1"/>
+      </a:fontRef>
+    </dgm:style>
+  </dgm:styleLbl>
+  <dgm:styleLbl name="bgSibTrans2D1">
+    <dgm:scene3d>
+      <a:camera prst="orthographicFront"/>
+      <a:lightRig rig="threePt" dir="t"/>
+    </dgm:scene3d>
+    <dgm:sp3d/>
+    <dgm:txPr/>
+    <dgm:style>
+      <a:lnRef idx="0">
+        <a:scrgbClr r="0" g="0" b="0"/>
+      </a:lnRef>
+      <a:fillRef idx="1">
+        <a:scrgbClr r="0" g="0" b="0"/>
+      </a:fillRef>
+      <a:effectRef idx="0">
+        <a:scrgbClr r="0" g="0" b="0"/>
+      </a:effectRef>
+      <a:fontRef idx="minor">
+        <a:schemeClr val="lt1"/>
+      </a:fontRef>
+    </dgm:style>
+  </dgm:styleLbl>
+  <dgm:styleLbl name="sibTrans1D1">
+    <dgm:scene3d>
+      <a:camera prst="orthographicFront"/>
+      <a:lightRig rig="threePt" dir="t"/>
+    </dgm:scene3d>
+    <dgm:sp3d/>
+    <dgm:txPr/>
+    <dgm:style>
+      <a:lnRef idx="1">
+        <a:scrgbClr r="0" g="0" b="0"/>
+      </a:lnRef>
+      <a:fillRef idx="0">
+        <a:scrgbClr r="0" g="0" b="0"/>
+      </a:fillRef>
+      <a:effectRef idx="0">
+        <a:scrgbClr r="0" g="0" b="0"/>
+      </a:effectRef>
+      <a:fontRef idx="minor"/>
+    </dgm:style>
+  </dgm:styleLbl>
+  <dgm:styleLbl name="callout">
+    <dgm:scene3d>
+      <a:camera prst="orthographicFront"/>
+      <a:lightRig rig="threePt" dir="t"/>
+    </dgm:scene3d>
+    <dgm:sp3d/>
+    <dgm:txPr/>
+    <dgm:style>
+      <a:lnRef idx="2">
+        <a:scrgbClr r="0" g="0" b="0"/>
+      </a:lnRef>
+      <a:fillRef idx="1">
+        <a:scrgbClr r="0" g="0" b="0"/>
+      </a:fillRef>
+      <a:effectRef idx="0">
+        <a:scrgbClr r="0" g="0" b="0"/>
+      </a:effectRef>
+      <a:fontRef idx="minor"/>
+    </dgm:style>
+  </dgm:styleLbl>
+  <dgm:styleLbl name="asst0">
+    <dgm:scene3d>
+      <a:camera prst="orthographicFront"/>
+      <a:lightRig rig="threePt" dir="t"/>
+    </dgm:scene3d>
+    <dgm:sp3d/>
+    <dgm:txPr/>
+    <dgm:style>
+      <a:lnRef idx="2">
+        <a:scrgbClr r="0" g="0" b="0"/>
+      </a:lnRef>
+      <a:fillRef idx="1">
+        <a:scrgbClr r="0" g="0" b="0"/>
+      </a:fillRef>
+      <a:effectRef idx="0">
+        <a:scrgbClr r="0" g="0" b="0"/>
+      </a:effectRef>
+      <a:fontRef idx="minor">
+        <a:schemeClr val="lt1"/>
+      </a:fontRef>
+    </dgm:style>
+  </dgm:styleLbl>
+  <dgm:styleLbl name="asst1">
+    <dgm:scene3d>
+      <a:camera prst="orthographicFront"/>
+      <a:lightRig rig="threePt" dir="t"/>
+    </dgm:scene3d>
+    <dgm:sp3d/>
+    <dgm:txPr/>
+    <dgm:style>
+      <a:lnRef idx="2">
+        <a:scrgbClr r="0" g="0" b="0"/>
+      </a:lnRef>
+      <a:fillRef idx="1">
+        <a:scrgbClr r="0" g="0" b="0"/>
+      </a:fillRef>
+      <a:effectRef idx="0">
+        <a:scrgbClr r="0" g="0" b="0"/>
+      </a:effectRef>
+      <a:fontRef idx="minor">
+        <a:schemeClr val="lt1"/>
+      </a:fontRef>
+    </dgm:style>
+  </dgm:styleLbl>
+  <dgm:styleLbl name="asst2">
+    <dgm:scene3d>
+      <a:camera prst="orthographicFront"/>
+      <a:lightRig rig="threePt" dir="t"/>
+    </dgm:scene3d>
+    <dgm:sp3d/>
+    <dgm:txPr/>
+    <dgm:style>
+      <a:lnRef idx="2">
+        <a:scrgbClr r="0" g="0" b="0"/>
+      </a:lnRef>
+      <a:fillRef idx="1">
+        <a:scrgbClr r="0" g="0" b="0"/>
+      </a:fillRef>
+      <a:effectRef idx="0">
+        <a:scrgbClr r="0" g="0" b="0"/>
+      </a:effectRef>
+      <a:fontRef idx="minor">
+        <a:schemeClr val="lt1"/>
+      </a:fontRef>
+    </dgm:style>
+  </dgm:styleLbl>
+  <dgm:styleLbl name="asst3">
+    <dgm:scene3d>
+      <a:camera prst="orthographicFront"/>
+      <a:lightRig rig="threePt" dir="t"/>
+    </dgm:scene3d>
+    <dgm:sp3d/>
+    <dgm:txPr/>
+    <dgm:style>
+      <a:lnRef idx="2">
+        <a:scrgbClr r="0" g="0" b="0"/>
+      </a:lnRef>
+      <a:fillRef idx="1">
+        <a:scrgbClr r="0" g="0" b="0"/>
+      </a:fillRef>
+      <a:effectRef idx="0">
+        <a:scrgbClr r="0" g="0" b="0"/>
+      </a:effectRef>
+      <a:fontRef idx="minor">
+        <a:schemeClr val="lt1"/>
+      </a:fontRef>
+    </dgm:style>
+  </dgm:styleLbl>
+  <dgm:styleLbl name="asst4">
+    <dgm:scene3d>
+      <a:camera prst="orthographicFront"/>
+      <a:lightRig rig="threePt" dir="t"/>
+    </dgm:scene3d>
+    <dgm:sp3d/>
+    <dgm:txPr/>
+    <dgm:style>
+      <a:lnRef idx="2">
+        <a:scrgbClr r="0" g="0" b="0"/>
+      </a:lnRef>
+      <a:fillRef idx="1">
+        <a:scrgbClr r="0" g="0" b="0"/>
+      </a:fillRef>
+      <a:effectRef idx="0">
+        <a:scrgbClr r="0" g="0" b="0"/>
+      </a:effectRef>
+      <a:fontRef idx="minor">
+        <a:schemeClr val="lt1"/>
+      </a:fontRef>
+    </dgm:style>
+  </dgm:styleLbl>
+  <dgm:styleLbl name="parChTrans2D1">
+    <dgm:scene3d>
+      <a:camera prst="orthographicFront"/>
+      <a:lightRig rig="threePt" dir="t"/>
+    </dgm:scene3d>
+    <dgm:sp3d/>
+    <dgm:txPr/>
+    <dgm:style>
+      <a:lnRef idx="2">
+        <a:scrgbClr r="0" g="0" b="0"/>
+      </a:lnRef>
+      <a:fillRef idx="1">
+        <a:scrgbClr r="0" g="0" b="0"/>
+      </a:fillRef>
+      <a:effectRef idx="0">
+        <a:scrgbClr r="0" g="0" b="0"/>
+      </a:effectRef>
+      <a:fontRef idx="minor">
+        <a:schemeClr val="lt1"/>
+      </a:fontRef>
+    </dgm:style>
+  </dgm:styleLbl>
+  <dgm:styleLbl name="parChTrans2D2">
+    <dgm:scene3d>
+      <a:camera prst="orthographicFront"/>
+      <a:lightRig rig="threePt" dir="t"/>
+    </dgm:scene3d>
+    <dgm:sp3d/>
+    <dgm:txPr/>
+    <dgm:style>
+      <a:lnRef idx="2">
+        <a:scrgbClr r="0" g="0" b="0"/>
+      </a:lnRef>
+      <a:fillRef idx="1">
+        <a:scrgbClr r="0" g="0" b="0"/>
+      </a:fillRef>
+      <a:effectRef idx="0">
+        <a:scrgbClr r="0" g="0" b="0"/>
+      </a:effectRef>
+      <a:fontRef idx="minor">
+        <a:schemeClr val="lt1"/>
+      </a:fontRef>
+    </dgm:style>
+  </dgm:styleLbl>
+  <dgm:styleLbl name="parChTrans2D3">
+    <dgm:scene3d>
+      <a:camera prst="orthographicFront"/>
+      <a:lightRig rig="threePt" dir="t"/>
+    </dgm:scene3d>
+    <dgm:sp3d/>
+    <dgm:txPr/>
+    <dgm:style>
+      <a:lnRef idx="2">
+        <a:scrgbClr r="0" g="0" b="0"/>
+      </a:lnRef>
+      <a:fillRef idx="1">
+        <a:scrgbClr r="0" g="0" b="0"/>
+      </a:fillRef>
+      <a:effectRef idx="0">
+        <a:scrgbClr r="0" g="0" b="0"/>
+      </a:effectRef>
+      <a:fontRef idx="minor">
+        <a:schemeClr val="lt1"/>
+      </a:fontRef>
+    </dgm:style>
+  </dgm:styleLbl>
+  <dgm:styleLbl name="parChTrans2D4">
+    <dgm:scene3d>
+      <a:camera prst="orthographicFront"/>
+      <a:lightRig rig="threePt" dir="t"/>
+    </dgm:scene3d>
+    <dgm:sp3d/>
+    <dgm:txPr/>
+    <dgm:style>
+      <a:lnRef idx="2">
+        <a:scrgbClr r="0" g="0" b="0"/>
+      </a:lnRef>
+      <a:fillRef idx="1">
+        <a:scrgbClr r="0" g="0" b="0"/>
+      </a:fillRef>
+      <a:effectRef idx="0">
+        <a:scrgbClr r="0" g="0" b="0"/>
+      </a:effectRef>
+      <a:fontRef idx="minor">
+        <a:schemeClr val="lt1"/>
+      </a:fontRef>
+    </dgm:style>
+  </dgm:styleLbl>
+  <dgm:styleLbl name="parChTrans1D1">
+    <dgm:scene3d>
+      <a:camera prst="orthographicFront"/>
+      <a:lightRig rig="threePt" dir="t"/>
+    </dgm:scene3d>
+    <dgm:sp3d/>
+    <dgm:txPr/>
+    <dgm:style>
+      <a:lnRef idx="2">
+        <a:scrgbClr r="0" g="0" b="0"/>
+      </a:lnRef>
+      <a:fillRef idx="0">
+        <a:scrgbClr r="0" g="0" b="0"/>
+      </a:fillRef>
+      <a:effectRef idx="0">
+        <a:scrgbClr r="0" g="0" b="0"/>
+      </a:effectRef>
+      <a:fontRef idx="minor"/>
+    </dgm:style>
+  </dgm:styleLbl>
+  <dgm:styleLbl name="parChTrans1D2">
+    <dgm:scene3d>
+      <a:camera prst="orthographicFront"/>
+      <a:lightRig rig="threePt" dir="t"/>
+    </dgm:scene3d>
+    <dgm:sp3d/>
+    <dgm:txPr/>
+    <dgm:style>
+      <a:lnRef idx="2">
+        <a:scrgbClr r="0" g="0" b="0"/>
+      </a:lnRef>
+      <a:fillRef idx="0">
+        <a:scrgbClr r="0" g="0" b="0"/>
+      </a:fillRef>
+      <a:effectRef idx="0">
+        <a:scrgbClr r="0" g="0" b="0"/>
+      </a:effectRef>
+      <a:fontRef idx="minor"/>
+    </dgm:style>
+  </dgm:styleLbl>
+  <dgm:styleLbl name="parChTrans1D3">
+    <dgm:scene3d>
+      <a:camera prst="orthographicFront"/>
+      <a:lightRig rig="threePt" dir="t"/>
+    </dgm:scene3d>
+    <dgm:sp3d/>
+    <dgm:txPr/>
+    <dgm:style>
+      <a:lnRef idx="2">
+        <a:scrgbClr r="0" g="0" b="0"/>
+      </a:lnRef>
+      <a:fillRef idx="0">
+        <a:scrgbClr r="0" g="0" b="0"/>
+      </a:fillRef>
+      <a:effectRef idx="0">
+        <a:scrgbClr r="0" g="0" b="0"/>
+      </a:effectRef>
+      <a:fontRef idx="minor"/>
+    </dgm:style>
+  </dgm:styleLbl>
+  <dgm:styleLbl name="parChTrans1D4">
+    <dgm:scene3d>
+      <a:camera prst="orthographicFront"/>
+      <a:lightRig rig="threePt" dir="t"/>
+    </dgm:scene3d>
+    <dgm:sp3d/>
+    <dgm:txPr/>
+    <dgm:style>
+      <a:lnRef idx="2">
+        <a:scrgbClr r="0" g="0" b="0"/>
+      </a:lnRef>
+      <a:fillRef idx="0">
+        <a:scrgbClr r="0" g="0" b="0"/>
+      </a:fillRef>
+      <a:effectRef idx="0">
+        <a:scrgbClr r="0" g="0" b="0"/>
+      </a:effectRef>
+      <a:fontRef idx="minor"/>
+    </dgm:style>
+  </dgm:styleLbl>
+  <dgm:styleLbl name="fgAcc1">
+    <dgm:scene3d>
+      <a:camera prst="orthographicFront"/>
+      <a:lightRig rig="threePt" dir="t"/>
+    </dgm:scene3d>
+    <dgm:sp3d/>
+    <dgm:txPr/>
+    <dgm:style>
+      <a:lnRef idx="2">
+        <a:scrgbClr r="0" g="0" b="0"/>
+      </a:lnRef>
+      <a:fillRef idx="1">
+        <a:scrgbClr r="0" g="0" b="0"/>
+      </a:fillRef>
+      <a:effectRef idx="0">
+        <a:scrgbClr r="0" g="0" b="0"/>
+      </a:effectRef>
+      <a:fontRef idx="minor"/>
+    </dgm:style>
+  </dgm:styleLbl>
+  <dgm:styleLbl name="conFgAcc1">
+    <dgm:scene3d>
+      <a:camera prst="orthographicFront"/>
+      <a:lightRig rig="threePt" dir="t"/>
+    </dgm:scene3d>
+    <dgm:sp3d/>
+    <dgm:txPr/>
+    <dgm:style>
+      <a:lnRef idx="2">
+        <a:scrgbClr r="0" g="0" b="0"/>
+      </a:lnRef>
+      <a:fillRef idx="1">
+        <a:scrgbClr r="0" g="0" b="0"/>
+      </a:fillRef>
+      <a:effectRef idx="0">
+        <a:scrgbClr r="0" g="0" b="0"/>
+      </a:effectRef>
+      <a:fontRef idx="minor"/>
+    </dgm:style>
+  </dgm:styleLbl>
+  <dgm:styleLbl name="alignAcc1">
+    <dgm:scene3d>
+      <a:camera prst="orthographicFront"/>
+      <a:lightRig rig="threePt" dir="t"/>
+    </dgm:scene3d>
+    <dgm:sp3d/>
+    <dgm:txPr/>
+    <dgm:style>
+      <a:lnRef idx="2">
+        <a:scrgbClr r="0" g="0" b="0"/>
+      </a:lnRef>
+      <a:fillRef idx="1">
+        <a:scrgbClr r="0" g="0" b="0"/>
+      </a:fillRef>
+      <a:effectRef idx="0">
+        <a:scrgbClr r="0" g="0" b="0"/>
+      </a:effectRef>
+      <a:fontRef idx="minor"/>
+    </dgm:style>
+  </dgm:styleLbl>
+  <dgm:styleLbl name="trAlignAcc1">
+    <dgm:scene3d>
+      <a:camera prst="orthographicFront"/>
+      <a:lightRig rig="threePt" dir="t"/>
+    </dgm:scene3d>
+    <dgm:sp3d/>
+    <dgm:txPr/>
+    <dgm:style>
+      <a:lnRef idx="1">
+        <a:scrgbClr r="0" g="0" b="0"/>
+      </a:lnRef>
+      <a:fillRef idx="1">
+        <a:scrgbClr r="0" g="0" b="0"/>
+      </a:fillRef>
+      <a:effectRef idx="0">
+        <a:scrgbClr r="0" g="0" b="0"/>
+      </a:effectRef>
+      <a:fontRef idx="minor"/>
+    </dgm:style>
+  </dgm:styleLbl>
+  <dgm:styleLbl name="bgAcc1">
+    <dgm:scene3d>
+      <a:camera prst="orthographicFront"/>
+      <a:lightRig rig="threePt" dir="t"/>
+    </dgm:scene3d>
+    <dgm:sp3d/>
+    <dgm:txPr/>
+    <dgm:style>
+      <a:lnRef idx="2">
+        <a:scrgbClr r="0" g="0" b="0"/>
+      </a:lnRef>
+      <a:fillRef idx="1">
+        <a:scrgbClr r="0" g="0" b="0"/>
+      </a:fillRef>
+      <a:effectRef idx="0">
+        <a:scrgbClr r="0" g="0" b="0"/>
+      </a:effectRef>
+      <a:fontRef idx="minor"/>
+    </dgm:style>
+  </dgm:styleLbl>
+  <dgm:styleLbl name="solidFgAcc1">
+    <dgm:scene3d>
+      <a:camera prst="orthographicFront"/>
+      <a:lightRig rig="threePt" dir="t"/>
+    </dgm:scene3d>
+    <dgm:sp3d/>
+    <dgm:txPr/>
+    <dgm:style>
+      <a:lnRef idx="2">
+        <a:scrgbClr r="0" g="0" b="0"/>
+      </a:lnRef>
+      <a:fillRef idx="1">
+        <a:scrgbClr r="0" g="0" b="0"/>
+      </a:fillRef>
+      <a:effectRef idx="0">
+        <a:scrgbClr r="0" g="0" b="0"/>
+      </a:effectRef>
+      <a:fontRef idx="minor"/>
+    </dgm:style>
+  </dgm:styleLbl>
+  <dgm:styleLbl name="solidAlignAcc1">
+    <dgm:scene3d>
+      <a:camera prst="orthographicFront"/>
+      <a:lightRig rig="threePt" dir="t"/>
+    </dgm:scene3d>
+    <dgm:sp3d/>
+    <dgm:txPr/>
+    <dgm:style>
+      <a:lnRef idx="2">
+        <a:scrgbClr r="0" g="0" b="0"/>
+      </a:lnRef>
+      <a:fillRef idx="1">
+        <a:scrgbClr r="0" g="0" b="0"/>
+      </a:fillRef>
+      <a:effectRef idx="0">
+        <a:scrgbClr r="0" g="0" b="0"/>
+      </a:effectRef>
+      <a:fontRef idx="minor"/>
+    </dgm:style>
+  </dgm:styleLbl>
+  <dgm:styleLbl name="solidBgAcc1">
+    <dgm:scene3d>
+      <a:camera prst="orthographicFront"/>
+      <a:lightRig rig="threePt" dir="t"/>
+    </dgm:scene3d>
+    <dgm:sp3d/>
+    <dgm:txPr/>
+    <dgm:style>
+      <a:lnRef idx="2">
+        <a:scrgbClr r="0" g="0" b="0"/>
+      </a:lnRef>
+      <a:fillRef idx="1">
+        <a:scrgbClr r="0" g="0" b="0"/>
+      </a:fillRef>
+      <a:effectRef idx="0">
+        <a:scrgbClr r="0" g="0" b="0"/>
+      </a:effectRef>
+      <a:fontRef idx="minor"/>
+    </dgm:style>
+  </dgm:styleLbl>
+  <dgm:styleLbl name="fgAccFollowNode1">
+    <dgm:scene3d>
+      <a:camera prst="orthographicFront"/>
+      <a:lightRig rig="threePt" dir="t"/>
+    </dgm:scene3d>
+    <dgm:sp3d/>
+    <dgm:txPr/>
+    <dgm:style>
+      <a:lnRef idx="2">
+        <a:scrgbClr r="0" g="0" b="0"/>
+      </a:lnRef>
+      <a:fillRef idx="1">
+        <a:scrgbClr r="0" g="0" b="0"/>
+      </a:fillRef>
+      <a:effectRef idx="0">
+        <a:scrgbClr r="0" g="0" b="0"/>
+      </a:effectRef>
+      <a:fontRef idx="minor"/>
+    </dgm:style>
+  </dgm:styleLbl>
+  <dgm:styleLbl name="alignAccFollowNode1">
+    <dgm:scene3d>
+      <a:camera prst="orthographicFront"/>
+      <a:lightRig rig="threePt" dir="t"/>
+    </dgm:scene3d>
+    <dgm:sp3d/>
+    <dgm:txPr/>
+    <dgm:style>
+      <a:lnRef idx="2">
+        <a:scrgbClr r="0" g="0" b="0"/>
+      </a:lnRef>
+      <a:fillRef idx="1">
+        <a:scrgbClr r="0" g="0" b="0"/>
+      </a:fillRef>
+      <a:effectRef idx="0">
+        <a:scrgbClr r="0" g="0" b="0"/>
+      </a:effectRef>
+      <a:fontRef idx="minor"/>
+    </dgm:style>
+  </dgm:styleLbl>
+  <dgm:styleLbl name="bgAccFollowNode1">
+    <dgm:scene3d>
+      <a:camera prst="orthographicFront"/>
+      <a:lightRig rig="threePt" dir="t"/>
+    </dgm:scene3d>
+    <dgm:sp3d/>
+    <dgm:txPr/>
+    <dgm:style>
+      <a:lnRef idx="2">
+        <a:scrgbClr r="0" g="0" b="0"/>
+      </a:lnRef>
+      <a:fillRef idx="1">
+        <a:scrgbClr r="0" g="0" b="0"/>
+      </a:fillRef>
+      <a:effectRef idx="0">
+        <a:scrgbClr r="0" g="0" b="0"/>
+      </a:effectRef>
+      <a:fontRef idx="minor"/>
+    </dgm:style>
+  </dgm:styleLbl>
+  <dgm:styleLbl name="fgAcc0">
+    <dgm:scene3d>
+      <a:camera prst="orthographicFront"/>
+      <a:lightRig rig="threePt" dir="t"/>
+    </dgm:scene3d>
+    <dgm:sp3d/>
+    <dgm:txPr/>
+    <dgm:style>
+      <a:lnRef idx="2">
+        <a:scrgbClr r="0" g="0" b="0"/>
+      </a:lnRef>
+      <a:fillRef idx="1">
+        <a:scrgbClr r="0" g="0" b="0"/>
+      </a:fillRef>
+      <a:effectRef idx="0">
+        <a:scrgbClr r="0" g="0" b="0"/>
+      </a:effectRef>
+      <a:fontRef idx="minor"/>
+    </dgm:style>
+  </dgm:styleLbl>
+  <dgm:styleLbl name="fgAcc2">
+    <dgm:scene3d>
+      <a:camera prst="orthographicFront"/>
+      <a:lightRig rig="threePt" dir="t"/>
+    </dgm:scene3d>
+    <dgm:sp3d/>
+    <dgm:txPr/>
+    <dgm:style>
+      <a:lnRef idx="2">
+        <a:scrgbClr r="0" g="0" b="0"/>
+      </a:lnRef>
+      <a:fillRef idx="1">
+        <a:scrgbClr r="0" g="0" b="0"/>
+      </a:fillRef>
+      <a:effectRef idx="0">
+        <a:scrgbClr r="0" g="0" b="0"/>
+      </a:effectRef>
+      <a:fontRef idx="minor"/>
+    </dgm:style>
+  </dgm:styleLbl>
+  <dgm:styleLbl name="fgAcc3">
+    <dgm:scene3d>
+      <a:camera prst="orthographicFront"/>
+      <a:lightRig rig="threePt" dir="t"/>
+    </dgm:scene3d>
+    <dgm:sp3d/>
+    <dgm:txPr/>
+    <dgm:style>
+      <a:lnRef idx="2">
+        <a:scrgbClr r="0" g="0" b="0"/>
+      </a:lnRef>
+      <a:fillRef idx="1">
+        <a:scrgbClr r="0" g="0" b="0"/>
+      </a:fillRef>
+      <a:effectRef idx="0">
+        <a:scrgbClr r="0" g="0" b="0"/>
+      </a:effectRef>
+      <a:fontRef idx="minor"/>
+    </dgm:style>
+  </dgm:styleLbl>
+  <dgm:styleLbl name="fgAcc4">
+    <dgm:scene3d>
+      <a:camera prst="orthographicFront"/>
+      <a:lightRig rig="threePt" dir="t"/>
+    </dgm:scene3d>
+    <dgm:sp3d/>
+    <dgm:txPr/>
+    <dgm:style>
+      <a:lnRef idx="2">
+        <a:scrgbClr r="0" g="0" b="0"/>
+      </a:lnRef>
+      <a:fillRef idx="1">
+        <a:scrgbClr r="0" g="0" b="0"/>
+      </a:fillRef>
+      <a:effectRef idx="0">
+        <a:scrgbClr r="0" g="0" b="0"/>
+      </a:effectRef>
+      <a:fontRef idx="minor"/>
+    </dgm:style>
+  </dgm:styleLbl>
+  <dgm:styleLbl name="bgShp">
+    <dgm:scene3d>
+      <a:camera prst="orthographicFront"/>
+      <a:lightRig rig="threePt" dir="t"/>
+    </dgm:scene3d>
+    <dgm:sp3d/>
+    <dgm:txPr/>
+    <dgm:style>
+      <a:lnRef idx="0">
+        <a:scrgbClr r="0" g="0" b="0"/>
+      </a:lnRef>
+      <a:fillRef idx="1">
+        <a:scrgbClr r="0" g="0" b="0"/>
+      </a:fillRef>
+      <a:effectRef idx="0">
+        <a:scrgbClr r="0" g="0" b="0"/>
+      </a:effectRef>
+      <a:fontRef idx="minor"/>
+    </dgm:style>
+  </dgm:styleLbl>
+  <dgm:styleLbl name="dkBgShp">
+    <dgm:scene3d>
+      <a:camera prst="orthographicFront"/>
+      <a:lightRig rig="threePt" dir="t"/>
+    </dgm:scene3d>
+    <dgm:sp3d/>
+    <dgm:txPr/>
+    <dgm:style>
+      <a:lnRef idx="0">
+        <a:scrgbClr r="0" g="0" b="0"/>
+      </a:lnRef>
+      <a:fillRef idx="1">
+        <a:scrgbClr r="0" g="0" b="0"/>
+      </a:fillRef>
+      <a:effectRef idx="0">
+        <a:scrgbClr r="0" g="0" b="0"/>
+      </a:effectRef>
+      <a:fontRef idx="minor"/>
+    </dgm:style>
+  </dgm:styleLbl>
+  <dgm:styleLbl name="trBgShp">
+    <dgm:scene3d>
+      <a:camera prst="orthographicFront"/>
+      <a:lightRig rig="threePt" dir="t"/>
+    </dgm:scene3d>
+    <dgm:sp3d/>
+    <dgm:txPr/>
+    <dgm:style>
+      <a:lnRef idx="0">
+        <a:scrgbClr r="0" g="0" b="0"/>
+      </a:lnRef>
+      <a:fillRef idx="1">
+        <a:scrgbClr r="0" g="0" b="0"/>
+      </a:fillRef>
+      <a:effectRef idx="0">
+        <a:scrgbClr r="0" g="0" b="0"/>
+      </a:effectRef>
+      <a:fontRef idx="minor"/>
+    </dgm:style>
+  </dgm:styleLbl>
+  <dgm:styleLbl name="fgShp">
+    <dgm:scene3d>
+      <a:camera prst="orthographicFront"/>
+      <a:lightRig rig="threePt" dir="t"/>
+    </dgm:scene3d>
+    <dgm:sp3d/>
+    <dgm:txPr/>
+    <dgm:style>
+      <a:lnRef idx="2">
+        <a:scrgbClr r="0" g="0" b="0"/>
+      </a:lnRef>
+      <a:fillRef idx="1">
+        <a:scrgbClr r="0" g="0" b="0"/>
+      </a:fillRef>
+      <a:effectRef idx="0">
+        <a:scrgbClr r="0" g="0" b="0"/>
+      </a:effectRef>
+      <a:fontRef idx="minor"/>
+    </dgm:style>
+  </dgm:styleLbl>
+  <dgm:styleLbl name="revTx">
+    <dgm:scene3d>
+      <a:camera prst="orthographicFront"/>
+      <a:lightRig rig="threePt" dir="t"/>
+    </dgm:scene3d>
+    <dgm:sp3d/>
+    <dgm:txPr/>
+    <dgm:style>
+      <a:lnRef idx="0">
+        <a:scrgbClr r="0" g="0" b="0"/>
+      </a:lnRef>
+      <a:fillRef idx="0">
+        <a:scrgbClr r="0" g="0" b="0"/>
+      </a:fillRef>
+      <a:effectRef idx="0">
+        <a:scrgbClr r="0" g="0" b="0"/>
+      </a:effectRef>
+      <a:fontRef idx="minor"/>
+    </dgm:style>
+  </dgm:styleLbl>
+</dgm:styleDef>
 </file>
 
 <file path=ppt/notesMasters/notesMaster1.xml><?xml version="1.0" encoding="utf-8"?>
@@ -5010,10 +7964,6 @@
           <a:bodyPr/>
           <a:lstStyle/>
           <a:p>
-            <a:r>
-              <a:rPr kumimoji="1" lang="ja-JP" altLang="en-US" dirty="0" smtClean="0"/>
-              <a:t>調査対象データ</a:t>
-            </a:r>
             <a:endParaRPr kumimoji="1" lang="en-US" altLang="ja-JP" dirty="0" smtClean="0"/>
           </a:p>
           <a:p>
@@ -5038,15 +7988,29 @@
             <a:pPr>
               <a:buNone/>
             </a:pPr>
-            <a:r>
-              <a:rPr kumimoji="1" lang="en-US" altLang="ja-JP" sz="2000" dirty="0" err="1" smtClean="0"/>
+            <a:endParaRPr kumimoji="1" lang="en-US" altLang="ja-JP" sz="2000" dirty="0" smtClean="0">
+              <a:latin typeface="+mn-ea"/>
+            </a:endParaRPr>
+          </a:p>
+          <a:p>
+            <a:pPr>
+              <a:buNone/>
+            </a:pPr>
+            <a:r>
+              <a:rPr kumimoji="1" lang="en-US" altLang="ja-JP" sz="2000" dirty="0" smtClean="0">
+                <a:latin typeface="+mn-ea"/>
+              </a:rPr>
               <a:t>GitHub</a:t>
             </a:r>
             <a:r>
-              <a:rPr kumimoji="1" lang="ja-JP" altLang="en-US" sz="2000" dirty="0" smtClean="0"/>
+              <a:rPr kumimoji="1" lang="ja-JP" altLang="en-US" sz="2000" dirty="0" smtClean="0">
+                <a:latin typeface="+mn-ea"/>
+              </a:rPr>
               <a:t>内のプロジェクトから以上のデータを対象に収集を行った．</a:t>
             </a:r>
-            <a:endParaRPr kumimoji="1" lang="ja-JP" altLang="en-US" sz="2000" dirty="0"/>
+            <a:endParaRPr kumimoji="1" lang="ja-JP" altLang="en-US" sz="2000" dirty="0">
+              <a:latin typeface="+mn-ea"/>
+            </a:endParaRPr>
           </a:p>
         </p:txBody>
       </p:sp>
@@ -5059,14 +8023,14 @@
           <p:nvPr>
             <p:extLst>
               <p:ext uri="{D42A27DB-BD31-4B8C-83A1-F6EECF244321}">
-                <p14:modId xmlns:p14="http://schemas.microsoft.com/office/powerpoint/2010/main" val="310704437"/>
+                <p14:modId xmlns:p14="http://schemas.microsoft.com/office/powerpoint/2010/main" val="4162915094"/>
               </p:ext>
             </p:extLst>
           </p:nvPr>
         </p:nvGraphicFramePr>
         <p:xfrm>
           <a:off x="251520" y="2505166"/>
-          <a:ext cx="8712968" cy="1427890"/>
+          <a:ext cx="8280920" cy="2075963"/>
         </p:xfrm>
         <a:graphic>
           <a:graphicData uri="http://schemas.openxmlformats.org/drawingml/2006/table">
@@ -5075,27 +8039,30 @@
                 <a:tableStyleId>{3C2FFA5D-87B4-456A-9821-1D502468CF0F}</a:tableStyleId>
               </a:tblPr>
               <a:tblGrid>
-                <a:gridCol w="1907704"/>
-                <a:gridCol w="6805264"/>
+                <a:gridCol w="1813106"/>
+                <a:gridCol w="6467814"/>
               </a:tblGrid>
-              <a:tr h="353905">
+              <a:tr h="514531">
                 <a:tc>
                   <a:txBody>
                     <a:bodyPr/>
                     <a:lstStyle/>
                     <a:p>
-                      <a:pPr algn="ctr">
+                      <a:pPr algn="l">
                         <a:spcAft>
                           <a:spcPts val="0"/>
                         </a:spcAft>
                       </a:pPr>
                       <a:r>
-                        <a:rPr lang="ja-JP" sz="1800" kern="100" dirty="0"/>
+                        <a:rPr lang="ja-JP" sz="2400" kern="100" dirty="0">
+                          <a:latin typeface="+mn-ea"/>
+                          <a:ea typeface="+mn-ea"/>
+                        </a:rPr>
                         <a:t>対象データ</a:t>
                       </a:r>
-                      <a:endParaRPr lang="ja-JP" sz="1800" kern="100" dirty="0">
-                        <a:latin typeface="+mj-ea"/>
-                        <a:ea typeface="+mj-ea"/>
+                      <a:endParaRPr lang="ja-JP" sz="2400" kern="100" dirty="0">
+                        <a:latin typeface="+mn-ea"/>
+                        <a:ea typeface="+mn-ea"/>
                         <a:cs typeface="Times New Roman"/>
                       </a:endParaRPr>
                     </a:p>
@@ -5107,18 +8074,21 @@
                     <a:bodyPr/>
                     <a:lstStyle/>
                     <a:p>
-                      <a:pPr algn="ctr">
+                      <a:pPr algn="l">
                         <a:spcAft>
                           <a:spcPts val="0"/>
                         </a:spcAft>
                       </a:pPr>
                       <a:r>
-                        <a:rPr lang="ja-JP" sz="1800" kern="100" dirty="0"/>
+                        <a:rPr lang="ja-JP" sz="2400" kern="100" dirty="0">
+                          <a:latin typeface="+mn-ea"/>
+                          <a:ea typeface="+mn-ea"/>
+                        </a:rPr>
                         <a:t>解説</a:t>
                       </a:r>
-                      <a:endParaRPr lang="ja-JP" sz="1800" kern="100" dirty="0">
-                        <a:latin typeface="+mj-ea"/>
-                        <a:ea typeface="+mj-ea"/>
+                      <a:endParaRPr lang="ja-JP" sz="2400" kern="100" dirty="0">
+                        <a:latin typeface="+mn-ea"/>
+                        <a:ea typeface="+mn-ea"/>
                         <a:cs typeface="Times New Roman"/>
                       </a:endParaRPr>
                     </a:p>
@@ -5126,24 +8096,27 @@
                   <a:tcPr marL="151673" marR="151673" marT="0" marB="0"/>
                 </a:tc>
               </a:tr>
-              <a:tr h="366175">
+              <a:tr h="532370">
                 <a:tc>
                   <a:txBody>
                     <a:bodyPr/>
                     <a:lstStyle/>
                     <a:p>
-                      <a:pPr algn="just">
+                      <a:pPr algn="l">
                         <a:spcAft>
                           <a:spcPts val="0"/>
                         </a:spcAft>
                       </a:pPr>
                       <a:r>
-                        <a:rPr lang="en-US" sz="1800" kern="100"/>
+                        <a:rPr lang="en-US" sz="2400" kern="100">
+                          <a:latin typeface="+mn-ea"/>
+                          <a:ea typeface="+mn-ea"/>
+                        </a:rPr>
                         <a:t>state</a:t>
                       </a:r>
-                      <a:endParaRPr lang="ja-JP" sz="1800" kern="100">
-                        <a:latin typeface="+mj-ea"/>
-                        <a:ea typeface="+mj-ea"/>
+                      <a:endParaRPr lang="ja-JP" sz="2400" kern="100">
+                        <a:latin typeface="+mn-ea"/>
+                        <a:ea typeface="+mn-ea"/>
                         <a:cs typeface="Times New Roman"/>
                       </a:endParaRPr>
                     </a:p>
@@ -5155,26 +8128,35 @@
                     <a:bodyPr/>
                     <a:lstStyle/>
                     <a:p>
-                      <a:pPr algn="just">
+                      <a:pPr algn="l">
                         <a:spcAft>
                           <a:spcPts val="0"/>
                         </a:spcAft>
                       </a:pPr>
                       <a:r>
-                        <a:rPr lang="en-US" sz="1800" kern="100" dirty="0"/>
+                        <a:rPr lang="en-US" sz="2400" kern="100" dirty="0">
+                          <a:latin typeface="+mn-ea"/>
+                          <a:ea typeface="+mn-ea"/>
+                        </a:rPr>
                         <a:t>Issue</a:t>
                       </a:r>
                       <a:r>
-                        <a:rPr lang="ja-JP" sz="1800" kern="100" dirty="0" smtClean="0"/>
+                        <a:rPr lang="ja-JP" sz="2400" kern="100" dirty="0" smtClean="0">
+                          <a:latin typeface="+mn-ea"/>
+                          <a:ea typeface="+mn-ea"/>
+                        </a:rPr>
                         <a:t>がオープン</a:t>
                       </a:r>
                       <a:r>
-                        <a:rPr lang="ja-JP" sz="1800" kern="100" dirty="0"/>
+                        <a:rPr lang="ja-JP" sz="2400" kern="100" dirty="0">
+                          <a:latin typeface="+mn-ea"/>
+                          <a:ea typeface="+mn-ea"/>
+                        </a:rPr>
                         <a:t>であるかクローズであるか表す．</a:t>
                       </a:r>
-                      <a:endParaRPr lang="ja-JP" sz="1800" kern="100" dirty="0">
-                        <a:latin typeface="+mj-ea"/>
-                        <a:ea typeface="+mj-ea"/>
+                      <a:endParaRPr lang="ja-JP" sz="2400" kern="100" dirty="0">
+                        <a:latin typeface="+mn-ea"/>
+                        <a:ea typeface="+mn-ea"/>
                         <a:cs typeface="Times New Roman"/>
                       </a:endParaRPr>
                     </a:p>
@@ -5182,24 +8164,27 @@
                   <a:tcPr marL="151673" marR="151673" marT="0" marB="0"/>
                 </a:tc>
               </a:tr>
-              <a:tr h="353905">
+              <a:tr h="514531">
                 <a:tc>
                   <a:txBody>
                     <a:bodyPr/>
                     <a:lstStyle/>
                     <a:p>
-                      <a:pPr algn="just">
+                      <a:pPr algn="l">
                         <a:spcAft>
                           <a:spcPts val="0"/>
                         </a:spcAft>
                       </a:pPr>
                       <a:r>
-                        <a:rPr lang="en-US" sz="1800" kern="100"/>
+                        <a:rPr lang="en-US" sz="2400" kern="100">
+                          <a:latin typeface="+mn-ea"/>
+                          <a:ea typeface="+mn-ea"/>
+                        </a:rPr>
                         <a:t>created_at</a:t>
                       </a:r>
-                      <a:endParaRPr lang="ja-JP" sz="1800" kern="100">
-                        <a:latin typeface="+mj-ea"/>
-                        <a:ea typeface="+mj-ea"/>
+                      <a:endParaRPr lang="ja-JP" sz="2400" kern="100">
+                        <a:latin typeface="+mn-ea"/>
+                        <a:ea typeface="+mn-ea"/>
                         <a:cs typeface="Times New Roman"/>
                       </a:endParaRPr>
                     </a:p>
@@ -5211,22 +8196,28 @@
                     <a:bodyPr/>
                     <a:lstStyle/>
                     <a:p>
-                      <a:pPr algn="just">
+                      <a:pPr algn="l">
                         <a:spcAft>
                           <a:spcPts val="0"/>
                         </a:spcAft>
                       </a:pPr>
                       <a:r>
-                        <a:rPr lang="en-US" sz="1800" kern="100" dirty="0"/>
+                        <a:rPr lang="en-US" sz="2400" kern="100" dirty="0">
+                          <a:latin typeface="+mn-ea"/>
+                          <a:ea typeface="+mn-ea"/>
+                        </a:rPr>
                         <a:t>Issue</a:t>
                       </a:r>
                       <a:r>
-                        <a:rPr lang="ja-JP" sz="1800" kern="100" dirty="0"/>
+                        <a:rPr lang="ja-JP" sz="2400" kern="100" dirty="0">
+                          <a:latin typeface="+mn-ea"/>
+                          <a:ea typeface="+mn-ea"/>
+                        </a:rPr>
                         <a:t>がいつ発行されたのかを表す．</a:t>
                       </a:r>
-                      <a:endParaRPr lang="ja-JP" sz="1800" kern="100" dirty="0">
-                        <a:latin typeface="+mj-ea"/>
-                        <a:ea typeface="+mj-ea"/>
+                      <a:endParaRPr lang="ja-JP" sz="2400" kern="100" dirty="0">
+                        <a:latin typeface="+mn-ea"/>
+                        <a:ea typeface="+mn-ea"/>
                         <a:cs typeface="Times New Roman"/>
                       </a:endParaRPr>
                     </a:p>
@@ -5234,24 +8225,27 @@
                   <a:tcPr marL="151673" marR="151673" marT="0" marB="0"/>
                 </a:tc>
               </a:tr>
-              <a:tr h="353905">
+              <a:tr h="514531">
                 <a:tc>
                   <a:txBody>
                     <a:bodyPr/>
                     <a:lstStyle/>
                     <a:p>
-                      <a:pPr algn="just">
+                      <a:pPr algn="l">
                         <a:spcAft>
                           <a:spcPts val="0"/>
                         </a:spcAft>
                       </a:pPr>
                       <a:r>
-                        <a:rPr lang="en-US" sz="1800" kern="100"/>
+                        <a:rPr lang="en-US" sz="2400" kern="100" dirty="0" err="1">
+                          <a:latin typeface="+mn-ea"/>
+                          <a:ea typeface="+mn-ea"/>
+                        </a:rPr>
                         <a:t>closed_at</a:t>
                       </a:r>
-                      <a:endParaRPr lang="ja-JP" sz="1800" kern="100">
-                        <a:latin typeface="+mj-ea"/>
-                        <a:ea typeface="+mj-ea"/>
+                      <a:endParaRPr lang="ja-JP" sz="2400" kern="100" dirty="0">
+                        <a:latin typeface="+mn-ea"/>
+                        <a:ea typeface="+mn-ea"/>
                         <a:cs typeface="Times New Roman"/>
                       </a:endParaRPr>
                     </a:p>
@@ -5263,22 +8257,28 @@
                     <a:bodyPr/>
                     <a:lstStyle/>
                     <a:p>
-                      <a:pPr algn="just">
+                      <a:pPr algn="l">
                         <a:spcAft>
                           <a:spcPts val="0"/>
                         </a:spcAft>
                       </a:pPr>
                       <a:r>
-                        <a:rPr lang="en-US" sz="1800" kern="100" dirty="0"/>
+                        <a:rPr lang="en-US" sz="2400" kern="100" dirty="0">
+                          <a:latin typeface="+mn-ea"/>
+                          <a:ea typeface="+mn-ea"/>
+                        </a:rPr>
                         <a:t>Issue</a:t>
                       </a:r>
                       <a:r>
-                        <a:rPr lang="ja-JP" sz="1800" kern="100" dirty="0"/>
+                        <a:rPr lang="ja-JP" sz="2400" kern="100" dirty="0">
+                          <a:latin typeface="+mn-ea"/>
+                          <a:ea typeface="+mn-ea"/>
+                        </a:rPr>
                         <a:t>がいつ終了されたのかを表す．</a:t>
                       </a:r>
-                      <a:endParaRPr lang="ja-JP" sz="1800" kern="100" dirty="0">
-                        <a:latin typeface="+mj-ea"/>
-                        <a:ea typeface="+mj-ea"/>
+                      <a:endParaRPr lang="ja-JP" sz="2400" kern="100" dirty="0">
+                        <a:latin typeface="+mn-ea"/>
+                        <a:ea typeface="+mn-ea"/>
                         <a:cs typeface="Times New Roman"/>
                       </a:endParaRPr>
                     </a:p>
@@ -7267,6 +10267,408 @@
       </p:grpSpPr>
       <p:sp>
         <p:nvSpPr>
+          <p:cNvPr id="2" name="タイトル 1"/>
+          <p:cNvSpPr>
+            <a:spLocks noGrp="1"/>
+          </p:cNvSpPr>
+          <p:nvPr>
+            <p:ph type="title"/>
+          </p:nvPr>
+        </p:nvSpPr>
+        <p:spPr/>
+        <p:txBody>
+          <a:bodyPr/>
+          <a:lstStyle/>
+          <a:p>
+            <a:r>
+              <a:rPr kumimoji="1" lang="ja-JP" altLang="en-US" dirty="0" smtClean="0"/>
+              <a:t>調査ツール概要</a:t>
+            </a:r>
+            <a:endParaRPr kumimoji="1" lang="ja-JP" altLang="en-US" dirty="0"/>
+          </a:p>
+        </p:txBody>
+      </p:sp>
+      <p:sp>
+        <p:nvSpPr>
+          <p:cNvPr id="4" name="フローチャート : 磁気ディスク 3"/>
+          <p:cNvSpPr/>
+          <p:nvPr/>
+        </p:nvSpPr>
+        <p:spPr>
+          <a:xfrm>
+            <a:off x="755576" y="1772816"/>
+            <a:ext cx="1872208" cy="1152128"/>
+          </a:xfrm>
+          <a:prstGeom prst="flowChartMagneticDisk">
+            <a:avLst/>
+          </a:prstGeom>
+        </p:spPr>
+        <p:style>
+          <a:lnRef idx="2">
+            <a:schemeClr val="accent1">
+              <a:shade val="50000"/>
+            </a:schemeClr>
+          </a:lnRef>
+          <a:fillRef idx="1">
+            <a:schemeClr val="accent1"/>
+          </a:fillRef>
+          <a:effectRef idx="0">
+            <a:schemeClr val="accent1"/>
+          </a:effectRef>
+          <a:fontRef idx="minor">
+            <a:schemeClr val="lt1"/>
+          </a:fontRef>
+        </p:style>
+        <p:txBody>
+          <a:bodyPr rtlCol="0" anchor="ctr"/>
+          <a:lstStyle/>
+          <a:p>
+            <a:pPr algn="ctr"/>
+            <a:r>
+              <a:rPr kumimoji="1" lang="en-US" altLang="ja-JP" sz="4000" dirty="0" smtClean="0"/>
+              <a:t>GitHub</a:t>
+            </a:r>
+            <a:endParaRPr kumimoji="1" lang="ja-JP" altLang="en-US" sz="4000" dirty="0"/>
+          </a:p>
+        </p:txBody>
+      </p:sp>
+      <p:sp>
+        <p:nvSpPr>
+          <p:cNvPr id="5" name="上矢印 4"/>
+          <p:cNvSpPr/>
+          <p:nvPr/>
+        </p:nvSpPr>
+        <p:spPr>
+          <a:xfrm rot="5400000">
+            <a:off x="3383868" y="1619089"/>
+            <a:ext cx="864096" cy="1512168"/>
+          </a:xfrm>
+          <a:prstGeom prst="upArrow">
+            <a:avLst/>
+          </a:prstGeom>
+        </p:spPr>
+        <p:style>
+          <a:lnRef idx="2">
+            <a:schemeClr val="accent2">
+              <a:shade val="50000"/>
+            </a:schemeClr>
+          </a:lnRef>
+          <a:fillRef idx="1">
+            <a:schemeClr val="accent2"/>
+          </a:fillRef>
+          <a:effectRef idx="0">
+            <a:schemeClr val="accent2"/>
+          </a:effectRef>
+          <a:fontRef idx="minor">
+            <a:schemeClr val="lt1"/>
+          </a:fontRef>
+        </p:style>
+        <p:txBody>
+          <a:bodyPr rtlCol="0" anchor="ctr"/>
+          <a:lstStyle/>
+          <a:p>
+            <a:pPr algn="ctr"/>
+            <a:endParaRPr kumimoji="1" lang="ja-JP" altLang="en-US" dirty="0"/>
+          </a:p>
+        </p:txBody>
+      </p:sp>
+      <p:sp>
+        <p:nvSpPr>
+          <p:cNvPr id="6" name="1 つの角を丸めた四角形 5"/>
+          <p:cNvSpPr/>
+          <p:nvPr/>
+        </p:nvSpPr>
+        <p:spPr>
+          <a:xfrm>
+            <a:off x="5004048" y="1916832"/>
+            <a:ext cx="2880320" cy="864096"/>
+          </a:xfrm>
+          <a:prstGeom prst="round1Rect">
+            <a:avLst/>
+          </a:prstGeom>
+        </p:spPr>
+        <p:style>
+          <a:lnRef idx="2">
+            <a:schemeClr val="accent1">
+              <a:shade val="50000"/>
+            </a:schemeClr>
+          </a:lnRef>
+          <a:fillRef idx="1">
+            <a:schemeClr val="accent1"/>
+          </a:fillRef>
+          <a:effectRef idx="0">
+            <a:schemeClr val="accent1"/>
+          </a:effectRef>
+          <a:fontRef idx="minor">
+            <a:schemeClr val="lt1"/>
+          </a:fontRef>
+        </p:style>
+        <p:txBody>
+          <a:bodyPr rtlCol="0" anchor="ctr"/>
+          <a:lstStyle/>
+          <a:p>
+            <a:pPr algn="ctr"/>
+            <a:r>
+              <a:rPr kumimoji="1" lang="en-US" altLang="ja-JP" sz="2400" dirty="0" smtClean="0">
+                <a:latin typeface="+mn-ea"/>
+              </a:rPr>
+              <a:t>Issue</a:t>
+            </a:r>
+            <a:r>
+              <a:rPr kumimoji="1" lang="ja-JP" altLang="en-US" sz="2400" dirty="0" smtClean="0">
+                <a:latin typeface="+mn-ea"/>
+              </a:rPr>
+              <a:t>のデータを取る</a:t>
+            </a:r>
+            <a:endParaRPr kumimoji="1" lang="ja-JP" altLang="en-US" sz="2400" dirty="0">
+              <a:latin typeface="+mn-ea"/>
+            </a:endParaRPr>
+          </a:p>
+        </p:txBody>
+      </p:sp>
+      <p:sp>
+        <p:nvSpPr>
+          <p:cNvPr id="7" name="上矢印 6"/>
+          <p:cNvSpPr/>
+          <p:nvPr/>
+        </p:nvSpPr>
+        <p:spPr>
+          <a:xfrm rot="10800000">
+            <a:off x="6012160" y="3068960"/>
+            <a:ext cx="864096" cy="1440160"/>
+          </a:xfrm>
+          <a:prstGeom prst="upArrow">
+            <a:avLst/>
+          </a:prstGeom>
+        </p:spPr>
+        <p:style>
+          <a:lnRef idx="2">
+            <a:schemeClr val="accent2">
+              <a:shade val="50000"/>
+            </a:schemeClr>
+          </a:lnRef>
+          <a:fillRef idx="1">
+            <a:schemeClr val="accent2"/>
+          </a:fillRef>
+          <a:effectRef idx="0">
+            <a:schemeClr val="accent2"/>
+          </a:effectRef>
+          <a:fontRef idx="minor">
+            <a:schemeClr val="lt1"/>
+          </a:fontRef>
+        </p:style>
+        <p:txBody>
+          <a:bodyPr rtlCol="0" anchor="ctr"/>
+          <a:lstStyle/>
+          <a:p>
+            <a:pPr algn="ctr"/>
+            <a:endParaRPr kumimoji="1" lang="ja-JP" altLang="en-US"/>
+          </a:p>
+        </p:txBody>
+      </p:sp>
+      <p:sp>
+        <p:nvSpPr>
+          <p:cNvPr id="8" name="円/楕円 7"/>
+          <p:cNvSpPr/>
+          <p:nvPr/>
+        </p:nvSpPr>
+        <p:spPr>
+          <a:xfrm>
+            <a:off x="5107707" y="4547286"/>
+            <a:ext cx="2704653" cy="1257978"/>
+          </a:xfrm>
+          <a:prstGeom prst="ellipse">
+            <a:avLst/>
+          </a:prstGeom>
+        </p:spPr>
+        <p:style>
+          <a:lnRef idx="2">
+            <a:schemeClr val="accent1">
+              <a:shade val="50000"/>
+            </a:schemeClr>
+          </a:lnRef>
+          <a:fillRef idx="1">
+            <a:schemeClr val="accent1"/>
+          </a:fillRef>
+          <a:effectRef idx="0">
+            <a:schemeClr val="accent1"/>
+          </a:effectRef>
+          <a:fontRef idx="minor">
+            <a:schemeClr val="lt1"/>
+          </a:fontRef>
+        </p:style>
+        <p:txBody>
+          <a:bodyPr rtlCol="0" anchor="ctr"/>
+          <a:lstStyle/>
+          <a:p>
+            <a:pPr algn="ctr"/>
+            <a:r>
+              <a:rPr kumimoji="1" lang="ja-JP" altLang="en-US" sz="3200" dirty="0" smtClean="0"/>
+              <a:t>集計</a:t>
+            </a:r>
+            <a:endParaRPr kumimoji="1" lang="ja-JP" altLang="en-US" sz="3200" dirty="0"/>
+          </a:p>
+        </p:txBody>
+      </p:sp>
+      <p:sp>
+        <p:nvSpPr>
+          <p:cNvPr id="9" name="正方形/長方形 8"/>
+          <p:cNvSpPr/>
+          <p:nvPr/>
+        </p:nvSpPr>
+        <p:spPr>
+          <a:xfrm>
+            <a:off x="611560" y="4600211"/>
+            <a:ext cx="2257375" cy="1205053"/>
+          </a:xfrm>
+          <a:prstGeom prst="rect">
+            <a:avLst/>
+          </a:prstGeom>
+        </p:spPr>
+        <p:style>
+          <a:lnRef idx="2">
+            <a:schemeClr val="accent1">
+              <a:shade val="50000"/>
+            </a:schemeClr>
+          </a:lnRef>
+          <a:fillRef idx="1">
+            <a:schemeClr val="accent1"/>
+          </a:fillRef>
+          <a:effectRef idx="0">
+            <a:schemeClr val="accent1"/>
+          </a:effectRef>
+          <a:fontRef idx="minor">
+            <a:schemeClr val="lt1"/>
+          </a:fontRef>
+        </p:style>
+        <p:txBody>
+          <a:bodyPr rtlCol="0" anchor="ctr"/>
+          <a:lstStyle/>
+          <a:p>
+            <a:pPr algn="ctr"/>
+            <a:r>
+              <a:rPr kumimoji="1" lang="ja-JP" altLang="en-US" sz="3200" dirty="0" smtClean="0"/>
+              <a:t>可視化</a:t>
+            </a:r>
+            <a:endParaRPr kumimoji="1" lang="ja-JP" altLang="en-US" sz="3200" dirty="0"/>
+          </a:p>
+        </p:txBody>
+      </p:sp>
+      <p:sp>
+        <p:nvSpPr>
+          <p:cNvPr id="10" name="上矢印 9"/>
+          <p:cNvSpPr/>
+          <p:nvPr/>
+        </p:nvSpPr>
+        <p:spPr>
+          <a:xfrm rot="16200000">
+            <a:off x="3563888" y="4456195"/>
+            <a:ext cx="864096" cy="1440160"/>
+          </a:xfrm>
+          <a:prstGeom prst="upArrow">
+            <a:avLst/>
+          </a:prstGeom>
+        </p:spPr>
+        <p:style>
+          <a:lnRef idx="2">
+            <a:schemeClr val="accent2">
+              <a:shade val="50000"/>
+            </a:schemeClr>
+          </a:lnRef>
+          <a:fillRef idx="1">
+            <a:schemeClr val="accent2"/>
+          </a:fillRef>
+          <a:effectRef idx="0">
+            <a:schemeClr val="accent2"/>
+          </a:effectRef>
+          <a:fontRef idx="minor">
+            <a:schemeClr val="lt1"/>
+          </a:fontRef>
+        </p:style>
+        <p:txBody>
+          <a:bodyPr rtlCol="0" anchor="ctr"/>
+          <a:lstStyle/>
+          <a:p>
+            <a:pPr algn="ctr"/>
+            <a:endParaRPr kumimoji="1" lang="ja-JP" altLang="en-US"/>
+          </a:p>
+        </p:txBody>
+      </p:sp>
+      <p:sp>
+        <p:nvSpPr>
+          <p:cNvPr id="11" name="テキスト ボックス 10"/>
+          <p:cNvSpPr txBox="1"/>
+          <p:nvPr/>
+        </p:nvSpPr>
+        <p:spPr>
+          <a:xfrm>
+            <a:off x="3059832" y="2170956"/>
+            <a:ext cx="1152128" cy="400110"/>
+          </a:xfrm>
+          <a:prstGeom prst="rect">
+            <a:avLst/>
+          </a:prstGeom>
+          <a:noFill/>
+        </p:spPr>
+        <p:txBody>
+          <a:bodyPr wrap="square" rtlCol="0">
+            <a:spAutoFit/>
+          </a:bodyPr>
+          <a:lstStyle/>
+          <a:p>
+            <a:r>
+              <a:rPr kumimoji="1" lang="en-US" altLang="ja-JP" sz="2000" dirty="0" smtClean="0">
+                <a:latin typeface="+mj-ea"/>
+                <a:ea typeface="+mj-ea"/>
+              </a:rPr>
+              <a:t>API</a:t>
+            </a:r>
+            <a:r>
+              <a:rPr kumimoji="1" lang="ja-JP" altLang="en-US" sz="2000" dirty="0" smtClean="0">
+                <a:latin typeface="+mj-ea"/>
+                <a:ea typeface="+mj-ea"/>
+              </a:rPr>
+              <a:t>利用</a:t>
+            </a:r>
+            <a:endParaRPr kumimoji="1" lang="ja-JP" altLang="en-US" sz="2000" dirty="0">
+              <a:latin typeface="+mj-ea"/>
+              <a:ea typeface="+mj-ea"/>
+            </a:endParaRPr>
+          </a:p>
+        </p:txBody>
+      </p:sp>
+    </p:spTree>
+    <p:extLst>
+      <p:ext uri="{BB962C8B-B14F-4D97-AF65-F5344CB8AC3E}">
+        <p14:creationId xmlns:p14="http://schemas.microsoft.com/office/powerpoint/2010/main" val="2516835976"/>
+      </p:ext>
+    </p:extLst>
+  </p:cSld>
+  <p:clrMapOvr>
+    <a:masterClrMapping/>
+  </p:clrMapOvr>
+</p:sld>
+</file>
+
+<file path=ppt/slides/slide13.xml><?xml version="1.0" encoding="utf-8"?>
+<p:sld xmlns:a="http://schemas.openxmlformats.org/drawingml/2006/main" xmlns:r="http://schemas.openxmlformats.org/officeDocument/2006/relationships" xmlns:p="http://schemas.openxmlformats.org/presentationml/2006/main">
+  <p:cSld>
+    <p:spTree>
+      <p:nvGrpSpPr>
+        <p:cNvPr id="1" name=""/>
+        <p:cNvGrpSpPr/>
+        <p:nvPr/>
+      </p:nvGrpSpPr>
+      <p:grpSpPr>
+        <a:xfrm>
+          <a:off x="0" y="0"/>
+          <a:ext cx="0" cy="0"/>
+          <a:chOff x="0" y="0"/>
+          <a:chExt cx="0" cy="0"/>
+        </a:xfrm>
+      </p:grpSpPr>
+      <p:sp>
+        <p:nvSpPr>
           <p:cNvPr id="3" name="タイトル 2"/>
           <p:cNvSpPr>
             <a:spLocks noGrp="1"/>
@@ -7281,14 +10683,23 @@
           <a:lstStyle/>
           <a:p>
             <a:r>
-              <a:rPr lang="ja-JP" altLang="en-US" dirty="0" smtClean="0"/>
+              <a:rPr lang="ja-JP" altLang="en-US" dirty="0" smtClean="0">
+                <a:latin typeface="+mn-ea"/>
+                <a:ea typeface="+mn-ea"/>
+              </a:rPr>
               <a:t>使用</a:t>
             </a:r>
             <a:r>
-              <a:rPr lang="en-US" altLang="ja-JP" dirty="0" smtClean="0"/>
+              <a:rPr lang="en-US" altLang="ja-JP" dirty="0" smtClean="0">
+                <a:latin typeface="+mn-ea"/>
+                <a:ea typeface="+mn-ea"/>
+              </a:rPr>
               <a:t>API</a:t>
             </a:r>
-            <a:endParaRPr kumimoji="1" lang="ja-JP" altLang="en-US" dirty="0"/>
+            <a:endParaRPr kumimoji="1" lang="ja-JP" altLang="en-US" dirty="0">
+              <a:latin typeface="+mn-ea"/>
+              <a:ea typeface="+mn-ea"/>
+            </a:endParaRPr>
           </a:p>
         </p:txBody>
       </p:sp>
@@ -7301,13 +10712,13 @@
           <p:nvPr>
             <p:extLst>
               <p:ext uri="{D42A27DB-BD31-4B8C-83A1-F6EECF244321}">
-                <p14:modId xmlns:p14="http://schemas.microsoft.com/office/powerpoint/2010/main" val="2111200692"/>
+                <p14:modId xmlns:p14="http://schemas.microsoft.com/office/powerpoint/2010/main" val="2119365295"/>
               </p:ext>
             </p:extLst>
           </p:nvPr>
         </p:nvGraphicFramePr>
         <p:xfrm>
-          <a:off x="395536" y="1772814"/>
+          <a:off x="341115" y="2564904"/>
           <a:ext cx="8424936" cy="1872210"/>
         </p:xfrm>
         <a:graphic>
@@ -7445,12 +10856,36 @@
                         </a:spcAft>
                       </a:pPr>
                       <a:r>
-                        <a:rPr lang="en-US" sz="1400" kern="100">
+                        <a:rPr lang="en-US" sz="1400" kern="100" dirty="0">
                           <a:effectLst/>
                         </a:rPr>
-                        <a:t>/repos/{userName}/{repoName}/issues/{id}</a:t>
+                        <a:t>/repos/{</a:t>
                       </a:r>
-                      <a:endParaRPr lang="ja-JP" sz="1400" kern="100">
+                      <a:r>
+                        <a:rPr lang="en-US" sz="1400" kern="100" dirty="0" err="1">
+                          <a:effectLst/>
+                        </a:rPr>
+                        <a:t>userName</a:t>
+                      </a:r>
+                      <a:r>
+                        <a:rPr lang="en-US" sz="1400" kern="100" dirty="0">
+                          <a:effectLst/>
+                        </a:rPr>
+                        <a:t>}/{</a:t>
+                      </a:r>
+                      <a:r>
+                        <a:rPr lang="en-US" sz="1400" kern="100" dirty="0" err="1">
+                          <a:effectLst/>
+                        </a:rPr>
+                        <a:t>repoName</a:t>
+                      </a:r>
+                      <a:r>
+                        <a:rPr lang="en-US" sz="1400" kern="100" dirty="0">
+                          <a:effectLst/>
+                        </a:rPr>
+                        <a:t>}/issues/{id}</a:t>
+                      </a:r>
+                      <a:endParaRPr lang="ja-JP" sz="1400" kern="100" dirty="0">
                         <a:effectLst/>
                         <a:latin typeface="+mj-ea"/>
                         <a:ea typeface="+mj-ea"/>
@@ -7541,30 +10976,45 @@
                       </a:pPr>
                       <a:r>
                         <a:rPr lang="en-US" sz="1400" kern="100" dirty="0">
+                          <a:solidFill>
+                            <a:srgbClr val="FF0000"/>
+                          </a:solidFill>
                           <a:effectLst/>
                         </a:rPr>
                         <a:t>/repos/{</a:t>
                       </a:r>
                       <a:r>
                         <a:rPr lang="en-US" sz="1400" kern="100" dirty="0" err="1">
+                          <a:solidFill>
+                            <a:srgbClr val="FF0000"/>
+                          </a:solidFill>
                           <a:effectLst/>
                         </a:rPr>
                         <a:t>userName</a:t>
                       </a:r>
                       <a:r>
                         <a:rPr lang="en-US" sz="1400" kern="100" dirty="0">
+                          <a:solidFill>
+                            <a:srgbClr val="FF0000"/>
+                          </a:solidFill>
                           <a:effectLst/>
                         </a:rPr>
                         <a:t>}/{</a:t>
                       </a:r>
                       <a:r>
                         <a:rPr lang="en-US" sz="1400" kern="100" dirty="0" err="1">
+                          <a:solidFill>
+                            <a:srgbClr val="FF0000"/>
+                          </a:solidFill>
                           <a:effectLst/>
                         </a:rPr>
                         <a:t>repoName</a:t>
                       </a:r>
                       <a:r>
                         <a:rPr lang="en-US" sz="1400" kern="100" dirty="0">
+                          <a:solidFill>
+                            <a:srgbClr val="FF0000"/>
+                          </a:solidFill>
                           <a:effectLst/>
                         </a:rPr>
                         <a:t>}/issues</a:t>
@@ -7909,7 +11359,7 @@
         </p:nvSpPr>
         <p:spPr>
           <a:xfrm>
-            <a:off x="384820" y="3933056"/>
+            <a:off x="365820" y="4941168"/>
             <a:ext cx="8568952" cy="1569660"/>
           </a:xfrm>
           <a:prstGeom prst="rect">
@@ -7928,31 +11378,36 @@
             </a:pPr>
             <a:r>
               <a:rPr lang="en-US" altLang="ja-JP" sz="3600" dirty="0">
-                <a:latin typeface="+mn-ea"/>
+                <a:latin typeface="+mj-ea"/>
+                <a:ea typeface="+mj-ea"/>
               </a:rPr>
               <a:t>/repos/{</a:t>
             </a:r>
             <a:r>
               <a:rPr lang="en-US" altLang="ja-JP" sz="3600" dirty="0" err="1">
-                <a:latin typeface="+mn-ea"/>
+                <a:latin typeface="+mj-ea"/>
+                <a:ea typeface="+mj-ea"/>
               </a:rPr>
               <a:t>userName</a:t>
             </a:r>
             <a:r>
               <a:rPr lang="en-US" altLang="ja-JP" sz="3600" dirty="0">
-                <a:latin typeface="+mn-ea"/>
+                <a:latin typeface="+mj-ea"/>
+                <a:ea typeface="+mj-ea"/>
               </a:rPr>
               <a:t>}/{</a:t>
             </a:r>
             <a:r>
               <a:rPr lang="en-US" altLang="ja-JP" sz="3600" dirty="0" err="1">
-                <a:latin typeface="+mn-ea"/>
+                <a:latin typeface="+mj-ea"/>
+                <a:ea typeface="+mj-ea"/>
               </a:rPr>
               <a:t>repoName</a:t>
             </a:r>
             <a:r>
               <a:rPr lang="en-US" altLang="ja-JP" sz="3600" dirty="0">
-                <a:latin typeface="+mn-ea"/>
+                <a:latin typeface="+mj-ea"/>
+                <a:ea typeface="+mj-ea"/>
               </a:rPr>
               <a:t>}/issues</a:t>
             </a:r>
@@ -7962,10 +11417,16 @@
               <a:buNone/>
             </a:pPr>
             <a:r>
-              <a:rPr lang="ja-JP" altLang="en-US" dirty="0"/>
+              <a:rPr lang="ja-JP" altLang="en-US" dirty="0">
+                <a:latin typeface="+mj-ea"/>
+                <a:ea typeface="+mj-ea"/>
+              </a:rPr>
               <a:t>　</a:t>
             </a:r>
-            <a:endParaRPr lang="en-US" altLang="ja-JP" dirty="0"/>
+            <a:endParaRPr lang="en-US" altLang="ja-JP" dirty="0">
+              <a:latin typeface="+mj-ea"/>
+              <a:ea typeface="+mj-ea"/>
+            </a:endParaRPr>
           </a:p>
           <a:p>
             <a:pPr>
@@ -7973,28 +11434,78 @@
             </a:pPr>
             <a:r>
               <a:rPr lang="ja-JP" altLang="en-US" sz="2400" dirty="0">
+                <a:latin typeface="+mj-ea"/>
+                <a:ea typeface="+mj-ea"/>
+              </a:rPr>
+              <a:t>指定したリポジトリの</a:t>
+            </a:r>
+            <a:r>
+              <a:rPr lang="en-US" altLang="ja-JP" sz="2400" dirty="0">
+                <a:latin typeface="+mj-ea"/>
+                <a:ea typeface="+mj-ea"/>
+              </a:rPr>
+              <a:t>Issue</a:t>
+            </a:r>
+            <a:r>
+              <a:rPr lang="ja-JP" altLang="en-US" sz="2400" dirty="0">
+                <a:latin typeface="+mj-ea"/>
+                <a:ea typeface="+mj-ea"/>
+              </a:rPr>
+              <a:t>の一覧を取り出す．</a:t>
+            </a:r>
+            <a:endParaRPr lang="ja-JP" altLang="ja-JP" sz="2400" dirty="0">
+              <a:latin typeface="+mj-ea"/>
+              <a:ea typeface="+mj-ea"/>
+            </a:endParaRPr>
+          </a:p>
+          <a:p>
+            <a:endParaRPr kumimoji="1" lang="ja-JP" altLang="en-US" dirty="0"/>
+          </a:p>
+        </p:txBody>
+      </p:sp>
+      <p:sp>
+        <p:nvSpPr>
+          <p:cNvPr id="2" name="テキスト ボックス 1"/>
+          <p:cNvSpPr txBox="1"/>
+          <p:nvPr/>
+        </p:nvSpPr>
+        <p:spPr>
+          <a:xfrm>
+            <a:off x="539552" y="1700808"/>
+            <a:ext cx="7488832" cy="461665"/>
+          </a:xfrm>
+          <a:prstGeom prst="rect">
+            <a:avLst/>
+          </a:prstGeom>
+          <a:noFill/>
+        </p:spPr>
+        <p:txBody>
+          <a:bodyPr wrap="square" rtlCol="0">
+            <a:spAutoFit/>
+          </a:bodyPr>
+          <a:lstStyle/>
+          <a:p>
+            <a:r>
+              <a:rPr kumimoji="1" lang="en-US" altLang="ja-JP" sz="2400" dirty="0" smtClean="0">
                 <a:latin typeface="+mn-ea"/>
               </a:rPr>
-              <a:t>指定したリポジトリの</a:t>
-            </a:r>
-            <a:r>
-              <a:rPr lang="en-US" altLang="ja-JP" sz="2400" dirty="0">
-                <a:latin typeface="+mn-ea"/>
-              </a:rPr>
-              <a:t>Issue</a:t>
+              <a:t>GitHub</a:t>
             </a:r>
             <a:r>
               <a:rPr lang="ja-JP" altLang="en-US" sz="2400" dirty="0">
                 <a:latin typeface="+mn-ea"/>
               </a:rPr>
-              <a:t>の一覧を取り出す．</a:t>
-            </a:r>
-            <a:endParaRPr lang="ja-JP" altLang="ja-JP" sz="2400" dirty="0">
+              <a:t>を</a:t>
+            </a:r>
+            <a:r>
+              <a:rPr kumimoji="1" lang="ja-JP" altLang="en-US" sz="2400" dirty="0" smtClean="0">
+                <a:latin typeface="+mn-ea"/>
+              </a:rPr>
+              <a:t>プログラムから操作するためのもの．</a:t>
+            </a:r>
+            <a:endParaRPr kumimoji="1" lang="ja-JP" altLang="en-US" sz="2400" dirty="0">
               <a:latin typeface="+mn-ea"/>
             </a:endParaRPr>
-          </a:p>
-          <a:p>
-            <a:endParaRPr kumimoji="1" lang="ja-JP" altLang="en-US" dirty="0"/>
           </a:p>
         </p:txBody>
       </p:sp>
@@ -8010,408 +11521,6 @@
       </p:par>
     </p:tnLst>
   </p:timing>
-</p:sld>
-</file>
-
-<file path=ppt/slides/slide13.xml><?xml version="1.0" encoding="utf-8"?>
-<p:sld xmlns:a="http://schemas.openxmlformats.org/drawingml/2006/main" xmlns:r="http://schemas.openxmlformats.org/officeDocument/2006/relationships" xmlns:p="http://schemas.openxmlformats.org/presentationml/2006/main">
-  <p:cSld>
-    <p:spTree>
-      <p:nvGrpSpPr>
-        <p:cNvPr id="1" name=""/>
-        <p:cNvGrpSpPr/>
-        <p:nvPr/>
-      </p:nvGrpSpPr>
-      <p:grpSpPr>
-        <a:xfrm>
-          <a:off x="0" y="0"/>
-          <a:ext cx="0" cy="0"/>
-          <a:chOff x="0" y="0"/>
-          <a:chExt cx="0" cy="0"/>
-        </a:xfrm>
-      </p:grpSpPr>
-      <p:sp>
-        <p:nvSpPr>
-          <p:cNvPr id="2" name="タイトル 1"/>
-          <p:cNvSpPr>
-            <a:spLocks noGrp="1"/>
-          </p:cNvSpPr>
-          <p:nvPr>
-            <p:ph type="title"/>
-          </p:nvPr>
-        </p:nvSpPr>
-        <p:spPr/>
-        <p:txBody>
-          <a:bodyPr/>
-          <a:lstStyle/>
-          <a:p>
-            <a:r>
-              <a:rPr kumimoji="1" lang="ja-JP" altLang="en-US" dirty="0" smtClean="0"/>
-              <a:t>調査ツール概要</a:t>
-            </a:r>
-            <a:endParaRPr kumimoji="1" lang="ja-JP" altLang="en-US" dirty="0"/>
-          </a:p>
-        </p:txBody>
-      </p:sp>
-      <p:sp>
-        <p:nvSpPr>
-          <p:cNvPr id="4" name="フローチャート : 磁気ディスク 3"/>
-          <p:cNvSpPr/>
-          <p:nvPr/>
-        </p:nvSpPr>
-        <p:spPr>
-          <a:xfrm>
-            <a:off x="755576" y="1772816"/>
-            <a:ext cx="1872208" cy="1152128"/>
-          </a:xfrm>
-          <a:prstGeom prst="flowChartMagneticDisk">
-            <a:avLst/>
-          </a:prstGeom>
-        </p:spPr>
-        <p:style>
-          <a:lnRef idx="2">
-            <a:schemeClr val="accent1">
-              <a:shade val="50000"/>
-            </a:schemeClr>
-          </a:lnRef>
-          <a:fillRef idx="1">
-            <a:schemeClr val="accent1"/>
-          </a:fillRef>
-          <a:effectRef idx="0">
-            <a:schemeClr val="accent1"/>
-          </a:effectRef>
-          <a:fontRef idx="minor">
-            <a:schemeClr val="lt1"/>
-          </a:fontRef>
-        </p:style>
-        <p:txBody>
-          <a:bodyPr rtlCol="0" anchor="ctr"/>
-          <a:lstStyle/>
-          <a:p>
-            <a:pPr algn="ctr"/>
-            <a:r>
-              <a:rPr kumimoji="1" lang="en-US" altLang="ja-JP" sz="4000" dirty="0" smtClean="0"/>
-              <a:t>GitHub</a:t>
-            </a:r>
-            <a:endParaRPr kumimoji="1" lang="ja-JP" altLang="en-US" sz="4000" dirty="0"/>
-          </a:p>
-        </p:txBody>
-      </p:sp>
-      <p:sp>
-        <p:nvSpPr>
-          <p:cNvPr id="5" name="上矢印 4"/>
-          <p:cNvSpPr/>
-          <p:nvPr/>
-        </p:nvSpPr>
-        <p:spPr>
-          <a:xfrm rot="5400000">
-            <a:off x="3383868" y="1619089"/>
-            <a:ext cx="864096" cy="1512168"/>
-          </a:xfrm>
-          <a:prstGeom prst="upArrow">
-            <a:avLst/>
-          </a:prstGeom>
-        </p:spPr>
-        <p:style>
-          <a:lnRef idx="2">
-            <a:schemeClr val="accent2">
-              <a:shade val="50000"/>
-            </a:schemeClr>
-          </a:lnRef>
-          <a:fillRef idx="1">
-            <a:schemeClr val="accent2"/>
-          </a:fillRef>
-          <a:effectRef idx="0">
-            <a:schemeClr val="accent2"/>
-          </a:effectRef>
-          <a:fontRef idx="minor">
-            <a:schemeClr val="lt1"/>
-          </a:fontRef>
-        </p:style>
-        <p:txBody>
-          <a:bodyPr rtlCol="0" anchor="ctr"/>
-          <a:lstStyle/>
-          <a:p>
-            <a:pPr algn="ctr"/>
-            <a:endParaRPr kumimoji="1" lang="ja-JP" altLang="en-US" dirty="0"/>
-          </a:p>
-        </p:txBody>
-      </p:sp>
-      <p:sp>
-        <p:nvSpPr>
-          <p:cNvPr id="6" name="1 つの角を丸めた四角形 5"/>
-          <p:cNvSpPr/>
-          <p:nvPr/>
-        </p:nvSpPr>
-        <p:spPr>
-          <a:xfrm>
-            <a:off x="5004048" y="1916832"/>
-            <a:ext cx="2880320" cy="864096"/>
-          </a:xfrm>
-          <a:prstGeom prst="round1Rect">
-            <a:avLst/>
-          </a:prstGeom>
-        </p:spPr>
-        <p:style>
-          <a:lnRef idx="2">
-            <a:schemeClr val="accent1">
-              <a:shade val="50000"/>
-            </a:schemeClr>
-          </a:lnRef>
-          <a:fillRef idx="1">
-            <a:schemeClr val="accent1"/>
-          </a:fillRef>
-          <a:effectRef idx="0">
-            <a:schemeClr val="accent1"/>
-          </a:effectRef>
-          <a:fontRef idx="minor">
-            <a:schemeClr val="lt1"/>
-          </a:fontRef>
-        </p:style>
-        <p:txBody>
-          <a:bodyPr rtlCol="0" anchor="ctr"/>
-          <a:lstStyle/>
-          <a:p>
-            <a:pPr algn="ctr"/>
-            <a:r>
-              <a:rPr kumimoji="1" lang="en-US" altLang="ja-JP" sz="2400" dirty="0" smtClean="0">
-                <a:latin typeface="+mn-ea"/>
-              </a:rPr>
-              <a:t>Issue</a:t>
-            </a:r>
-            <a:r>
-              <a:rPr kumimoji="1" lang="ja-JP" altLang="en-US" sz="2400" dirty="0" smtClean="0">
-                <a:latin typeface="+mn-ea"/>
-              </a:rPr>
-              <a:t>のデータを取る</a:t>
-            </a:r>
-            <a:endParaRPr kumimoji="1" lang="ja-JP" altLang="en-US" sz="2400" dirty="0">
-              <a:latin typeface="+mn-ea"/>
-            </a:endParaRPr>
-          </a:p>
-        </p:txBody>
-      </p:sp>
-      <p:sp>
-        <p:nvSpPr>
-          <p:cNvPr id="7" name="上矢印 6"/>
-          <p:cNvSpPr/>
-          <p:nvPr/>
-        </p:nvSpPr>
-        <p:spPr>
-          <a:xfrm rot="10800000">
-            <a:off x="6012160" y="3068960"/>
-            <a:ext cx="864096" cy="1440160"/>
-          </a:xfrm>
-          <a:prstGeom prst="upArrow">
-            <a:avLst/>
-          </a:prstGeom>
-        </p:spPr>
-        <p:style>
-          <a:lnRef idx="2">
-            <a:schemeClr val="accent2">
-              <a:shade val="50000"/>
-            </a:schemeClr>
-          </a:lnRef>
-          <a:fillRef idx="1">
-            <a:schemeClr val="accent2"/>
-          </a:fillRef>
-          <a:effectRef idx="0">
-            <a:schemeClr val="accent2"/>
-          </a:effectRef>
-          <a:fontRef idx="minor">
-            <a:schemeClr val="lt1"/>
-          </a:fontRef>
-        </p:style>
-        <p:txBody>
-          <a:bodyPr rtlCol="0" anchor="ctr"/>
-          <a:lstStyle/>
-          <a:p>
-            <a:pPr algn="ctr"/>
-            <a:endParaRPr kumimoji="1" lang="ja-JP" altLang="en-US"/>
-          </a:p>
-        </p:txBody>
-      </p:sp>
-      <p:sp>
-        <p:nvSpPr>
-          <p:cNvPr id="8" name="円/楕円 7"/>
-          <p:cNvSpPr/>
-          <p:nvPr/>
-        </p:nvSpPr>
-        <p:spPr>
-          <a:xfrm>
-            <a:off x="5107707" y="4547286"/>
-            <a:ext cx="2704653" cy="1257978"/>
-          </a:xfrm>
-          <a:prstGeom prst="ellipse">
-            <a:avLst/>
-          </a:prstGeom>
-        </p:spPr>
-        <p:style>
-          <a:lnRef idx="2">
-            <a:schemeClr val="accent1">
-              <a:shade val="50000"/>
-            </a:schemeClr>
-          </a:lnRef>
-          <a:fillRef idx="1">
-            <a:schemeClr val="accent1"/>
-          </a:fillRef>
-          <a:effectRef idx="0">
-            <a:schemeClr val="accent1"/>
-          </a:effectRef>
-          <a:fontRef idx="minor">
-            <a:schemeClr val="lt1"/>
-          </a:fontRef>
-        </p:style>
-        <p:txBody>
-          <a:bodyPr rtlCol="0" anchor="ctr"/>
-          <a:lstStyle/>
-          <a:p>
-            <a:pPr algn="ctr"/>
-            <a:r>
-              <a:rPr kumimoji="1" lang="ja-JP" altLang="en-US" sz="3200" dirty="0" smtClean="0"/>
-              <a:t>集計</a:t>
-            </a:r>
-            <a:endParaRPr kumimoji="1" lang="ja-JP" altLang="en-US" sz="3200" dirty="0"/>
-          </a:p>
-        </p:txBody>
-      </p:sp>
-      <p:sp>
-        <p:nvSpPr>
-          <p:cNvPr id="9" name="正方形/長方形 8"/>
-          <p:cNvSpPr/>
-          <p:nvPr/>
-        </p:nvSpPr>
-        <p:spPr>
-          <a:xfrm>
-            <a:off x="611560" y="4600211"/>
-            <a:ext cx="2257375" cy="1205053"/>
-          </a:xfrm>
-          <a:prstGeom prst="rect">
-            <a:avLst/>
-          </a:prstGeom>
-        </p:spPr>
-        <p:style>
-          <a:lnRef idx="2">
-            <a:schemeClr val="accent1">
-              <a:shade val="50000"/>
-            </a:schemeClr>
-          </a:lnRef>
-          <a:fillRef idx="1">
-            <a:schemeClr val="accent1"/>
-          </a:fillRef>
-          <a:effectRef idx="0">
-            <a:schemeClr val="accent1"/>
-          </a:effectRef>
-          <a:fontRef idx="minor">
-            <a:schemeClr val="lt1"/>
-          </a:fontRef>
-        </p:style>
-        <p:txBody>
-          <a:bodyPr rtlCol="0" anchor="ctr"/>
-          <a:lstStyle/>
-          <a:p>
-            <a:pPr algn="ctr"/>
-            <a:r>
-              <a:rPr kumimoji="1" lang="ja-JP" altLang="en-US" sz="3200" dirty="0" smtClean="0"/>
-              <a:t>可視化</a:t>
-            </a:r>
-            <a:endParaRPr kumimoji="1" lang="ja-JP" altLang="en-US" sz="3200" dirty="0"/>
-          </a:p>
-        </p:txBody>
-      </p:sp>
-      <p:sp>
-        <p:nvSpPr>
-          <p:cNvPr id="10" name="上矢印 9"/>
-          <p:cNvSpPr/>
-          <p:nvPr/>
-        </p:nvSpPr>
-        <p:spPr>
-          <a:xfrm rot="16200000">
-            <a:off x="3563888" y="4456195"/>
-            <a:ext cx="864096" cy="1440160"/>
-          </a:xfrm>
-          <a:prstGeom prst="upArrow">
-            <a:avLst/>
-          </a:prstGeom>
-        </p:spPr>
-        <p:style>
-          <a:lnRef idx="2">
-            <a:schemeClr val="accent2">
-              <a:shade val="50000"/>
-            </a:schemeClr>
-          </a:lnRef>
-          <a:fillRef idx="1">
-            <a:schemeClr val="accent2"/>
-          </a:fillRef>
-          <a:effectRef idx="0">
-            <a:schemeClr val="accent2"/>
-          </a:effectRef>
-          <a:fontRef idx="minor">
-            <a:schemeClr val="lt1"/>
-          </a:fontRef>
-        </p:style>
-        <p:txBody>
-          <a:bodyPr rtlCol="0" anchor="ctr"/>
-          <a:lstStyle/>
-          <a:p>
-            <a:pPr algn="ctr"/>
-            <a:endParaRPr kumimoji="1" lang="ja-JP" altLang="en-US"/>
-          </a:p>
-        </p:txBody>
-      </p:sp>
-      <p:sp>
-        <p:nvSpPr>
-          <p:cNvPr id="11" name="テキスト ボックス 10"/>
-          <p:cNvSpPr txBox="1"/>
-          <p:nvPr/>
-        </p:nvSpPr>
-        <p:spPr>
-          <a:xfrm>
-            <a:off x="3059832" y="2170956"/>
-            <a:ext cx="1152128" cy="400110"/>
-          </a:xfrm>
-          <a:prstGeom prst="rect">
-            <a:avLst/>
-          </a:prstGeom>
-          <a:noFill/>
-        </p:spPr>
-        <p:txBody>
-          <a:bodyPr wrap="square" rtlCol="0">
-            <a:spAutoFit/>
-          </a:bodyPr>
-          <a:lstStyle/>
-          <a:p>
-            <a:r>
-              <a:rPr kumimoji="1" lang="en-US" altLang="ja-JP" sz="2000" dirty="0" smtClean="0">
-                <a:latin typeface="+mj-ea"/>
-                <a:ea typeface="+mj-ea"/>
-              </a:rPr>
-              <a:t>API</a:t>
-            </a:r>
-            <a:r>
-              <a:rPr kumimoji="1" lang="ja-JP" altLang="en-US" sz="2000" dirty="0" smtClean="0">
-                <a:latin typeface="+mj-ea"/>
-                <a:ea typeface="+mj-ea"/>
-              </a:rPr>
-              <a:t>利用</a:t>
-            </a:r>
-            <a:endParaRPr kumimoji="1" lang="ja-JP" altLang="en-US" sz="2000" dirty="0">
-              <a:latin typeface="+mj-ea"/>
-              <a:ea typeface="+mj-ea"/>
-            </a:endParaRPr>
-          </a:p>
-        </p:txBody>
-      </p:sp>
-    </p:spTree>
-    <p:extLst>
-      <p:ext uri="{BB962C8B-B14F-4D97-AF65-F5344CB8AC3E}">
-        <p14:creationId xmlns:p14="http://schemas.microsoft.com/office/powerpoint/2010/main" val="2516835976"/>
-      </p:ext>
-    </p:extLst>
-  </p:cSld>
-  <p:clrMapOvr>
-    <a:masterClrMapping/>
-  </p:clrMapOvr>
 </p:sld>
 </file>
 
@@ -8479,7 +11588,7 @@
         </p:blipFill>
         <p:spPr>
           <a:xfrm>
-            <a:off x="1115616" y="2276872"/>
+            <a:off x="1123136" y="2082388"/>
             <a:ext cx="7193280" cy="4495800"/>
           </a:xfrm>
         </p:spPr>
@@ -8493,7 +11602,7 @@
         <p:spPr>
           <a:xfrm>
             <a:off x="179512" y="1537628"/>
-            <a:ext cx="8784976" cy="954107"/>
+            <a:ext cx="8784976" cy="892552"/>
           </a:xfrm>
           <a:prstGeom prst="rect">
             <a:avLst/>
@@ -8507,27 +11616,55 @@
           <a:lstStyle/>
           <a:p>
             <a:r>
-              <a:rPr kumimoji="1" lang="ja-JP" altLang="en-US" sz="2800" dirty="0" smtClean="0">
+              <a:rPr kumimoji="1" lang="ja-JP" altLang="en-US" sz="2400" dirty="0" smtClean="0">
                 <a:latin typeface="+mj-ea"/>
                 <a:ea typeface="+mj-ea"/>
               </a:rPr>
-              <a:t>　横軸を時間，縦軸を</a:t>
-            </a:r>
-            <a:r>
-              <a:rPr kumimoji="1" lang="en-US" altLang="ja-JP" sz="2800" dirty="0" smtClean="0">
+              <a:t>横軸</a:t>
+            </a:r>
+            <a:r>
+              <a:rPr kumimoji="1" lang="ja-JP" altLang="en-US" sz="2400" dirty="0" smtClean="0">
+                <a:latin typeface="+mj-ea"/>
+                <a:ea typeface="+mj-ea"/>
+              </a:rPr>
+              <a:t>を時間，縦軸を</a:t>
+            </a:r>
+            <a:r>
+              <a:rPr kumimoji="1" lang="en-US" altLang="ja-JP" sz="2400" dirty="0" smtClean="0">
                 <a:latin typeface="+mj-ea"/>
                 <a:ea typeface="+mj-ea"/>
               </a:rPr>
               <a:t>Issue</a:t>
             </a:r>
             <a:r>
-              <a:rPr kumimoji="1" lang="ja-JP" altLang="en-US" sz="2800" dirty="0" smtClean="0">
+              <a:rPr kumimoji="1" lang="ja-JP" altLang="en-US" sz="2400" dirty="0" smtClean="0">
                 <a:latin typeface="+mj-ea"/>
                 <a:ea typeface="+mj-ea"/>
               </a:rPr>
-              <a:t>数としたグラフ</a:t>
-            </a:r>
-            <a:endParaRPr kumimoji="1" lang="en-US" altLang="ja-JP" sz="2800" dirty="0" smtClean="0">
+              <a:t>数と</a:t>
+            </a:r>
+            <a:r>
+              <a:rPr kumimoji="1" lang="ja-JP" altLang="en-US" sz="2400" dirty="0" smtClean="0">
+                <a:latin typeface="+mj-ea"/>
+                <a:ea typeface="+mj-ea"/>
+              </a:rPr>
+              <a:t>した，</a:t>
+            </a:r>
+            <a:r>
+              <a:rPr kumimoji="1" lang="en-US" altLang="ja-JP" sz="2400" dirty="0" smtClean="0">
+                <a:latin typeface="+mj-ea"/>
+                <a:ea typeface="+mj-ea"/>
+              </a:rPr>
+              <a:t>Issue</a:t>
+            </a:r>
+            <a:r>
+              <a:rPr kumimoji="1" lang="ja-JP" altLang="en-US" sz="2400" dirty="0" smtClean="0">
+                <a:latin typeface="+mj-ea"/>
+                <a:ea typeface="+mj-ea"/>
+              </a:rPr>
+              <a:t>数の時間変化のグラフ</a:t>
+            </a:r>
+            <a:endParaRPr kumimoji="1" lang="en-US" altLang="ja-JP" sz="2400" dirty="0" smtClean="0">
               <a:latin typeface="+mj-ea"/>
               <a:ea typeface="+mj-ea"/>
             </a:endParaRPr>
@@ -8537,6 +11674,82 @@
               <a:latin typeface="+mj-ea"/>
               <a:ea typeface="+mj-ea"/>
             </a:endParaRPr>
+          </a:p>
+        </p:txBody>
+      </p:sp>
+      <p:sp>
+        <p:nvSpPr>
+          <p:cNvPr id="2" name="テキスト ボックス 1"/>
+          <p:cNvSpPr txBox="1"/>
+          <p:nvPr/>
+        </p:nvSpPr>
+        <p:spPr>
+          <a:xfrm>
+            <a:off x="817712" y="3625860"/>
+            <a:ext cx="615553" cy="1728192"/>
+          </a:xfrm>
+          <a:prstGeom prst="rect">
+            <a:avLst/>
+          </a:prstGeom>
+          <a:solidFill>
+            <a:schemeClr val="bg1"/>
+          </a:solidFill>
+        </p:spPr>
+        <p:txBody>
+          <a:bodyPr vert="eaVert" wrap="square" rtlCol="0">
+            <a:spAutoFit/>
+          </a:bodyPr>
+          <a:lstStyle/>
+          <a:p>
+            <a:pPr algn="ctr"/>
+            <a:r>
+              <a:rPr kumimoji="1" lang="en-US" altLang="ja-JP" sz="2800" dirty="0" smtClean="0">
+                <a:latin typeface="+mn-ea"/>
+              </a:rPr>
+              <a:t>Issue</a:t>
+            </a:r>
+            <a:r>
+              <a:rPr kumimoji="1" lang="ja-JP" altLang="en-US" sz="2800" dirty="0" smtClean="0">
+                <a:latin typeface="+mn-ea"/>
+              </a:rPr>
+              <a:t>数</a:t>
+            </a:r>
+            <a:endParaRPr kumimoji="1" lang="ja-JP" altLang="en-US" sz="2800" dirty="0">
+              <a:latin typeface="+mn-ea"/>
+            </a:endParaRPr>
+          </a:p>
+        </p:txBody>
+      </p:sp>
+      <p:sp>
+        <p:nvSpPr>
+          <p:cNvPr id="6" name="テキスト ボックス 5"/>
+          <p:cNvSpPr txBox="1"/>
+          <p:nvPr/>
+        </p:nvSpPr>
+        <p:spPr>
+          <a:xfrm>
+            <a:off x="3059832" y="6434172"/>
+            <a:ext cx="3024336" cy="523220"/>
+          </a:xfrm>
+          <a:prstGeom prst="rect">
+            <a:avLst/>
+          </a:prstGeom>
+          <a:solidFill>
+            <a:schemeClr val="bg1"/>
+          </a:solidFill>
+        </p:spPr>
+        <p:txBody>
+          <a:bodyPr wrap="square" rtlCol="0">
+            <a:spAutoFit/>
+          </a:bodyPr>
+          <a:lstStyle/>
+          <a:p>
+            <a:pPr algn="ctr"/>
+            <a:r>
+              <a:rPr kumimoji="1" lang="ja-JP" altLang="en-US" sz="2800" dirty="0" smtClean="0"/>
+              <a:t>時間</a:t>
+            </a:r>
+            <a:endParaRPr kumimoji="1" lang="ja-JP" altLang="en-US" sz="2800" dirty="0"/>
           </a:p>
         </p:txBody>
       </p:sp>
@@ -8545,6 +11758,13 @@
   <p:clrMapOvr>
     <a:masterClrMapping/>
   </p:clrMapOvr>
+  <p:timing>
+    <p:tnLst>
+      <p:par>
+        <p:cTn id="1" dur="indefinite" restart="never" nodeType="tmRoot"/>
+      </p:par>
+    </p:tnLst>
+  </p:timing>
 </p:sld>
 </file>
 
@@ -8922,7 +12142,7 @@
         </p:blipFill>
         <p:spPr>
           <a:xfrm>
-            <a:off x="4607225" y="2533791"/>
+            <a:off x="4519233" y="2533791"/>
             <a:ext cx="1280160" cy="800100"/>
           </a:xfrm>
           <a:prstGeom prst="rect">
@@ -8946,7 +12166,7 @@
         </p:blipFill>
         <p:spPr>
           <a:xfrm>
-            <a:off x="5832901" y="2543311"/>
+            <a:off x="5744909" y="2543311"/>
             <a:ext cx="1280160" cy="800100"/>
           </a:xfrm>
           <a:prstGeom prst="rect">
@@ -8970,7 +12190,7 @@
         </p:blipFill>
         <p:spPr>
           <a:xfrm>
-            <a:off x="4587984" y="1722438"/>
+            <a:off x="4499992" y="1722438"/>
             <a:ext cx="1280160" cy="800100"/>
           </a:xfrm>
           <a:prstGeom prst="rect">
@@ -8994,7 +12214,7 @@
         </p:blipFill>
         <p:spPr>
           <a:xfrm>
-            <a:off x="4616750" y="4165631"/>
+            <a:off x="4528758" y="4165631"/>
             <a:ext cx="1280160" cy="800100"/>
           </a:xfrm>
           <a:prstGeom prst="rect">
@@ -9042,7 +12262,7 @@
         </p:blipFill>
         <p:spPr>
           <a:xfrm>
-            <a:off x="4616750" y="3352941"/>
+            <a:off x="4528758" y="3352941"/>
             <a:ext cx="1280160" cy="800100"/>
           </a:xfrm>
           <a:prstGeom prst="rect">
@@ -9162,7 +12382,7 @@
         </p:blipFill>
         <p:spPr>
           <a:xfrm>
-            <a:off x="4616750" y="4965731"/>
+            <a:off x="4528758" y="4965731"/>
             <a:ext cx="1280160" cy="800100"/>
           </a:xfrm>
           <a:prstGeom prst="rect">
@@ -9186,7 +12406,7 @@
         </p:blipFill>
         <p:spPr>
           <a:xfrm>
-            <a:off x="4616750" y="5765831"/>
+            <a:off x="4528758" y="5765831"/>
             <a:ext cx="1280160" cy="800100"/>
           </a:xfrm>
           <a:prstGeom prst="rect">
@@ -9210,7 +12430,7 @@
         </p:blipFill>
         <p:spPr>
           <a:xfrm>
-            <a:off x="5832901" y="5765831"/>
+            <a:off x="5744909" y="5765831"/>
             <a:ext cx="1280160" cy="800100"/>
           </a:xfrm>
           <a:prstGeom prst="rect">
@@ -9234,7 +12454,7 @@
         </p:blipFill>
         <p:spPr>
           <a:xfrm>
-            <a:off x="5832901" y="4965731"/>
+            <a:off x="5744909" y="4965731"/>
             <a:ext cx="1280160" cy="800100"/>
           </a:xfrm>
           <a:prstGeom prst="rect">
@@ -9258,7 +12478,7 @@
         </p:blipFill>
         <p:spPr>
           <a:xfrm>
-            <a:off x="5832901" y="4165631"/>
+            <a:off x="5744909" y="4165631"/>
             <a:ext cx="1280160" cy="800100"/>
           </a:xfrm>
           <a:prstGeom prst="rect">
@@ -9282,7 +12502,7 @@
         </p:blipFill>
         <p:spPr>
           <a:xfrm>
-            <a:off x="5832901" y="3352941"/>
+            <a:off x="5744909" y="3352941"/>
             <a:ext cx="1280160" cy="800100"/>
           </a:xfrm>
           <a:prstGeom prst="rect">
@@ -9306,7 +12526,7 @@
         </p:blipFill>
         <p:spPr>
           <a:xfrm>
-            <a:off x="5832901" y="1733686"/>
+            <a:off x="5744909" y="1733686"/>
             <a:ext cx="1280160" cy="800100"/>
           </a:xfrm>
           <a:prstGeom prst="rect">
@@ -9330,7 +12550,7 @@
         </p:blipFill>
         <p:spPr>
           <a:xfrm>
-            <a:off x="7065022" y="5765831"/>
+            <a:off x="6977030" y="5765831"/>
             <a:ext cx="1280160" cy="800100"/>
           </a:xfrm>
           <a:prstGeom prst="rect">
@@ -9354,7 +12574,7 @@
         </p:blipFill>
         <p:spPr>
           <a:xfrm>
-            <a:off x="7065022" y="1741698"/>
+            <a:off x="6977030" y="1741698"/>
             <a:ext cx="1280160" cy="800100"/>
           </a:xfrm>
           <a:prstGeom prst="rect">
@@ -9378,7 +12598,7 @@
         </p:blipFill>
         <p:spPr>
           <a:xfrm>
-            <a:off x="7065022" y="2555906"/>
+            <a:off x="6977030" y="2555906"/>
             <a:ext cx="1280160" cy="800100"/>
           </a:xfrm>
           <a:prstGeom prst="rect">
@@ -9402,7 +12622,7 @@
         </p:blipFill>
         <p:spPr>
           <a:xfrm>
-            <a:off x="7065022" y="4965731"/>
+            <a:off x="6977030" y="4965731"/>
             <a:ext cx="1280160" cy="800100"/>
           </a:xfrm>
           <a:prstGeom prst="rect">
@@ -9426,7 +12646,7 @@
         </p:blipFill>
         <p:spPr>
           <a:xfrm>
-            <a:off x="7065022" y="4165631"/>
+            <a:off x="6977030" y="4165631"/>
             <a:ext cx="1280160" cy="800100"/>
           </a:xfrm>
           <a:prstGeom prst="rect">
@@ -9450,7 +12670,7 @@
         </p:blipFill>
         <p:spPr>
           <a:xfrm>
-            <a:off x="7065022" y="3365531"/>
+            <a:off x="6977030" y="3365531"/>
             <a:ext cx="1280160" cy="800100"/>
           </a:xfrm>
           <a:prstGeom prst="rect">
@@ -9463,6 +12683,13 @@
   <p:clrMapOvr>
     <a:masterClrMapping/>
   </p:clrMapOvr>
+  <p:timing>
+    <p:tnLst>
+      <p:par>
+        <p:cTn id="1" dur="indefinite" restart="never" nodeType="tmRoot"/>
+      </p:par>
+    </p:tnLst>
+  </p:timing>
 </p:sld>
 </file>
 
@@ -9500,7 +12727,7 @@
           <a:p>
             <a:r>
               <a:rPr kumimoji="1" lang="ja-JP" altLang="en-US" dirty="0" smtClean="0"/>
-              <a:t>調査結果の分類</a:t>
+              <a:t>分類した結果（典型例）</a:t>
             </a:r>
             <a:endParaRPr kumimoji="1" lang="ja-JP" altLang="en-US" dirty="0"/>
           </a:p>
@@ -9793,7 +13020,7 @@
           </a:bodyPr>
           <a:lstStyle/>
           <a:p>
-            <a:pPr marL="365760" lvl="0" indent="-256032">
+            <a:pPr marL="109728" lvl="0">
               <a:spcBef>
                 <a:spcPts val="400"/>
               </a:spcBef>
@@ -9801,17 +13028,7 @@
                 <a:schemeClr val="accent1"/>
               </a:buClr>
               <a:buSzPct val="68000"/>
-              <a:buFont typeface="Wingdings 3"/>
-              <a:buChar char=""/>
             </a:pPr>
-            <a:r>
-              <a:rPr lang="en-US" altLang="ja-JP" sz="2800" dirty="0" smtClean="0"/>
-              <a:t>Issue</a:t>
-            </a:r>
-            <a:r>
-              <a:rPr lang="ja-JP" altLang="ja-JP" sz="2800" dirty="0" smtClean="0"/>
-              <a:t>の時間変化の典型例</a:t>
-            </a:r>
             <a:endParaRPr kumimoji="1" lang="ja-JP" altLang="en-US" sz="2700" b="0" i="0" u="none" strike="noStrike" kern="1200" cap="none" spc="0" normalizeH="0" baseline="0" noProof="0" dirty="0">
               <a:ln>
                 <a:noFill/>
@@ -10485,11 +13702,7 @@
           <a:p>
             <a:r>
               <a:rPr kumimoji="1" lang="ja-JP" altLang="en-US" dirty="0" smtClean="0"/>
-              <a:t>研究</a:t>
-            </a:r>
-            <a:r>
-              <a:rPr kumimoji="1" lang="ja-JP" altLang="en-US" dirty="0" smtClean="0"/>
-              <a:t>背景</a:t>
+              <a:t>研究背景</a:t>
             </a:r>
             <a:endParaRPr lang="en-US" altLang="ja-JP" dirty="0"/>
           </a:p>
@@ -10507,22 +13720,14 @@
           <a:p>
             <a:r>
               <a:rPr lang="ja-JP" altLang="en-US" dirty="0" smtClean="0"/>
-              <a:t>研究</a:t>
-            </a:r>
-            <a:r>
-              <a:rPr lang="ja-JP" altLang="en-US" dirty="0" smtClean="0"/>
-              <a:t>目的</a:t>
+              <a:t>研究目的</a:t>
             </a:r>
             <a:endParaRPr lang="en-US" altLang="ja-JP" dirty="0" smtClean="0"/>
           </a:p>
           <a:p>
             <a:r>
               <a:rPr kumimoji="1" lang="ja-JP" altLang="en-US" dirty="0" smtClean="0"/>
-              <a:t>研究</a:t>
-            </a:r>
-            <a:r>
-              <a:rPr kumimoji="1" lang="ja-JP" altLang="en-US" dirty="0" smtClean="0"/>
-              <a:t>方法</a:t>
+              <a:t>研究方法</a:t>
             </a:r>
             <a:endParaRPr kumimoji="1" lang="en-US" altLang="ja-JP" dirty="0" smtClean="0"/>
           </a:p>
@@ -10984,11 +14189,7 @@
             <a:pPr algn="ctr"/>
             <a:r>
               <a:rPr kumimoji="1" lang="ja-JP" altLang="en-US" sz="3200" dirty="0" smtClean="0"/>
-              <a:t>チケット利用で上手く</a:t>
-            </a:r>
-            <a:r>
-              <a:rPr kumimoji="1" lang="ja-JP" altLang="en-US" sz="3200" dirty="0" smtClean="0"/>
-              <a:t>行えるようになる．</a:t>
+              <a:t>チケット利用で上手く行えるようになる．</a:t>
             </a:r>
             <a:endParaRPr kumimoji="1" lang="ja-JP" altLang="en-US" sz="3200" dirty="0"/>
           </a:p>
@@ -11049,54 +14250,31 @@
           </a:p>
         </p:txBody>
       </p:sp>
-      <p:sp>
-        <p:nvSpPr>
-          <p:cNvPr id="2" name="コンテンツ プレースホルダ 1"/>
-          <p:cNvSpPr>
-            <a:spLocks noGrp="1"/>
-          </p:cNvSpPr>
+      <p:graphicFrame>
+        <p:nvGraphicFramePr>
+          <p:cNvPr id="4" name="コンテンツ プレースホルダー 3"/>
+          <p:cNvGraphicFramePr>
+            <a:graphicFrameLocks noGrp="1"/>
+          </p:cNvGraphicFramePr>
           <p:nvPr>
             <p:ph sz="quarter" idx="1"/>
+            <p:extLst>
+              <p:ext uri="{D42A27DB-BD31-4B8C-83A1-F6EECF244321}">
+                <p14:modId xmlns:p14="http://schemas.microsoft.com/office/powerpoint/2010/main" val="3503254451"/>
+              </p:ext>
+            </p:extLst>
           </p:nvPr>
-        </p:nvSpPr>
-        <p:spPr/>
-        <p:txBody>
-          <a:bodyPr/>
-          <a:lstStyle/>
-          <a:p>
-            <a:r>
-              <a:rPr kumimoji="1" lang="ja-JP" altLang="en-US" dirty="0" smtClean="0"/>
-              <a:t>チケットの時間変化のデータを調べ，可視化する為にツールを作</a:t>
-            </a:r>
-            <a:r>
-              <a:rPr lang="ja-JP" altLang="en-US" dirty="0" smtClean="0"/>
-              <a:t>り，そのツールを利用することで，</a:t>
-            </a:r>
-            <a:r>
-              <a:rPr lang="ja-JP" altLang="en-US" dirty="0"/>
-              <a:t>チケット</a:t>
-            </a:r>
-            <a:r>
-              <a:rPr lang="ja-JP" altLang="en-US" dirty="0" smtClean="0"/>
-              <a:t>の状態を知り，プロジェクトの現状を知ることが出来た．</a:t>
-            </a:r>
-            <a:endParaRPr lang="en-US" altLang="ja-JP" dirty="0" smtClean="0"/>
-          </a:p>
-          <a:p>
-            <a:pPr marL="0" indent="0">
-              <a:buNone/>
-            </a:pPr>
-            <a:endParaRPr kumimoji="1" lang="en-US" altLang="ja-JP" dirty="0" smtClean="0"/>
-          </a:p>
-          <a:p>
-            <a:r>
-              <a:rPr lang="ja-JP" altLang="en-US" dirty="0" smtClean="0"/>
-              <a:t>このツールを使うことにより，今後のプロジェクトマネジメントにおいて，タスクの管理，進捗の管理の実態を理解し，うまくマネジメントを行えるようにすることが出来る．</a:t>
-            </a:r>
-            <a:endParaRPr kumimoji="1" lang="ja-JP" altLang="en-US" dirty="0"/>
-          </a:p>
-        </p:txBody>
-      </p:sp>
+        </p:nvGraphicFramePr>
+        <p:xfrm>
+          <a:off x="612648" y="1600200"/>
+          <a:ext cx="8153400" cy="4495800"/>
+        </p:xfrm>
+        <a:graphic>
+          <a:graphicData uri="http://schemas.openxmlformats.org/drawingml/2006/diagram">
+            <dgm:relIds xmlns:dgm="http://schemas.openxmlformats.org/drawingml/2006/diagram" xmlns:r="http://schemas.openxmlformats.org/officeDocument/2006/relationships" r:dm="rId2" r:lo="rId3" r:qs="rId4" r:cs="rId5"/>
+          </a:graphicData>
+        </a:graphic>
+      </p:graphicFrame>
     </p:spTree>
   </p:cSld>
   <p:clrMapOvr>
@@ -11263,11 +14441,7 @@
             <a:pPr algn="ctr"/>
             <a:r>
               <a:rPr kumimoji="1" lang="ja-JP" altLang="en-US" sz="2800" dirty="0" smtClean="0"/>
-              <a:t>オープンソースソフトウェア</a:t>
-            </a:r>
-            <a:r>
-              <a:rPr kumimoji="1" lang="ja-JP" altLang="en-US" sz="2800" dirty="0" smtClean="0"/>
-              <a:t>開発の</a:t>
+              <a:t>オープンソースソフトウェア開発の</a:t>
             </a:r>
             <a:endParaRPr kumimoji="1" lang="en-US" altLang="ja-JP" sz="2800" dirty="0" smtClean="0"/>
           </a:p>
@@ -11289,7 +14463,7 @@
         </p:nvSpPr>
         <p:spPr>
           <a:xfrm>
-            <a:off x="2051720" y="3356992"/>
+            <a:off x="2051720" y="3284984"/>
             <a:ext cx="4608512" cy="1008112"/>
           </a:xfrm>
           <a:prstGeom prst="ellipse">
@@ -11387,11 +14561,7 @@
             <a:pPr algn="ctr"/>
             <a:r>
               <a:rPr kumimoji="1" lang="ja-JP" altLang="en-US" sz="2800" dirty="0" smtClean="0"/>
-              <a:t>チケットを利用してプロジェクトの</a:t>
-            </a:r>
-            <a:r>
-              <a:rPr kumimoji="1" lang="ja-JP" altLang="en-US" sz="2800" dirty="0" smtClean="0"/>
-              <a:t>管理</a:t>
+              <a:t>チケットを利用してプロジェクトの管理</a:t>
             </a:r>
             <a:r>
               <a:rPr lang="ja-JP" altLang="en-US" sz="2800" dirty="0" smtClean="0"/>
@@ -12320,8 +15490,8 @@
           </p:nvSpPr>
           <p:spPr>
             <a:xfrm>
-              <a:off x="2483768" y="5157192"/>
-              <a:ext cx="1074976" cy="648072"/>
+              <a:off x="2159732" y="5157192"/>
+              <a:ext cx="1584176" cy="648072"/>
             </a:xfrm>
             <a:prstGeom prst="roundRect">
               <a:avLst/>
@@ -12347,10 +15517,10 @@
             <a:p>
               <a:pPr algn="ctr"/>
               <a:r>
-                <a:rPr kumimoji="1" lang="ja-JP" altLang="en-US" sz="2800" dirty="0" smtClean="0"/>
-                <a:t>終了</a:t>
+                <a:rPr lang="ja-JP" altLang="en-US" sz="2400" dirty="0"/>
+                <a:t>クローズ</a:t>
               </a:r>
-              <a:endParaRPr kumimoji="1" lang="ja-JP" altLang="en-US" sz="2800" dirty="0"/>
+              <a:endParaRPr kumimoji="1" lang="ja-JP" altLang="en-US" sz="2400" dirty="0"/>
             </a:p>
           </p:txBody>
         </p:sp>
@@ -12754,21 +15924,9 @@
             <a:pPr algn="ctr"/>
             <a:r>
               <a:rPr kumimoji="1" lang="ja-JP" altLang="en-US" sz="2800" dirty="0" smtClean="0"/>
-              <a:t>可視化する</a:t>
+              <a:t>可視化</a:t>
             </a:r>
             <a:endParaRPr kumimoji="1" lang="en-US" altLang="ja-JP" sz="2800" dirty="0" smtClean="0"/>
-          </a:p>
-          <a:p>
-            <a:pPr algn="ctr"/>
-            <a:r>
-              <a:rPr lang="ja-JP" altLang="en-US" sz="2800" dirty="0"/>
-              <a:t>グラフ</a:t>
-            </a:r>
-            <a:r>
-              <a:rPr lang="ja-JP" altLang="en-US" sz="2800" dirty="0" smtClean="0"/>
-              <a:t>の描画</a:t>
-            </a:r>
-            <a:endParaRPr kumimoji="1" lang="ja-JP" altLang="en-US" sz="2800" dirty="0"/>
           </a:p>
         </p:txBody>
       </p:sp>
@@ -12910,11 +16068,7 @@
             <a:pPr algn="ctr"/>
             <a:r>
               <a:rPr lang="ja-JP" altLang="en-US" sz="2400" dirty="0" smtClean="0"/>
-              <a:t>チケットがどのよう</a:t>
-            </a:r>
-            <a:r>
-              <a:rPr lang="ja-JP" altLang="en-US" sz="2400" dirty="0" smtClean="0"/>
-              <a:t>に</a:t>
+              <a:t>チケットがどのように</a:t>
             </a:r>
             <a:endParaRPr lang="en-US" altLang="ja-JP" sz="2400" dirty="0" smtClean="0"/>
           </a:p>
@@ -12930,15 +16084,7 @@
             <a:pPr algn="ctr"/>
             <a:r>
               <a:rPr lang="ja-JP" altLang="en-US" sz="2400" dirty="0" smtClean="0"/>
-              <a:t>活用</a:t>
-            </a:r>
-            <a:r>
-              <a:rPr lang="ja-JP" altLang="en-US" sz="2400" dirty="0" smtClean="0"/>
-              <a:t>できる</a:t>
-            </a:r>
-            <a:r>
-              <a:rPr lang="ja-JP" altLang="en-US" sz="2400" dirty="0" smtClean="0"/>
-              <a:t>か．</a:t>
+              <a:t>活用できるか．</a:t>
             </a:r>
             <a:endParaRPr lang="en-US" altLang="ja-JP" sz="2400" dirty="0" smtClean="0"/>
           </a:p>
@@ -13073,15 +16219,15 @@
         </p:spPr>
         <p:style>
           <a:lnRef idx="2">
-            <a:schemeClr val="accent1">
+            <a:schemeClr val="accent2">
               <a:shade val="50000"/>
             </a:schemeClr>
           </a:lnRef>
           <a:fillRef idx="1">
-            <a:schemeClr val="accent1"/>
+            <a:schemeClr val="accent2"/>
           </a:fillRef>
           <a:effectRef idx="0">
-            <a:schemeClr val="accent1"/>
+            <a:schemeClr val="accent2"/>
           </a:effectRef>
           <a:fontRef idx="minor">
             <a:schemeClr val="lt1"/>
@@ -13134,21 +16280,9 @@
             <a:pPr algn="ctr"/>
             <a:r>
               <a:rPr kumimoji="1" lang="ja-JP" altLang="en-US" sz="2800" dirty="0" smtClean="0"/>
-              <a:t>可視化する</a:t>
+              <a:t>可視化</a:t>
             </a:r>
             <a:endParaRPr kumimoji="1" lang="en-US" altLang="ja-JP" sz="2800" dirty="0" smtClean="0"/>
-          </a:p>
-          <a:p>
-            <a:pPr algn="ctr"/>
-            <a:r>
-              <a:rPr lang="ja-JP" altLang="en-US" sz="2800" dirty="0"/>
-              <a:t>グラフ</a:t>
-            </a:r>
-            <a:r>
-              <a:rPr lang="ja-JP" altLang="en-US" sz="2800" dirty="0" smtClean="0"/>
-              <a:t>の描画</a:t>
-            </a:r>
-            <a:endParaRPr kumimoji="1" lang="ja-JP" altLang="en-US" sz="2800" dirty="0"/>
           </a:p>
         </p:txBody>
       </p:sp>
@@ -13297,15 +16431,15 @@
         </p:spPr>
         <p:style>
           <a:lnRef idx="2">
-            <a:schemeClr val="accent1">
+            <a:schemeClr val="accent2">
               <a:shade val="50000"/>
             </a:schemeClr>
           </a:lnRef>
           <a:fillRef idx="1">
-            <a:schemeClr val="accent1"/>
+            <a:schemeClr val="accent2"/>
           </a:fillRef>
           <a:effectRef idx="0">
-            <a:schemeClr val="accent1"/>
+            <a:schemeClr val="accent2"/>
           </a:effectRef>
           <a:fontRef idx="minor">
             <a:schemeClr val="lt1"/>

--- a/卒業論文/2012/久保孝樹/最終発表/最終発表.pptx
+++ b/卒業論文/2012/久保孝樹/最終発表/最終発表.pptx
@@ -1199,6 +1199,13 @@
         </dgm:presLayoutVars>
       </dgm:prSet>
       <dgm:spPr/>
+      <dgm:t>
+        <a:bodyPr/>
+        <a:lstStyle/>
+        <a:p>
+          <a:endParaRPr kumimoji="1" lang="ja-JP" altLang="en-US"/>
+        </a:p>
+      </dgm:t>
     </dgm:pt>
     <dgm:pt modelId="{78D7B4A2-AF49-4052-AF0C-467B7E49B8CA}" type="pres">
       <dgm:prSet presAssocID="{48F52475-9DFE-4A2A-BF51-105B9723999C}" presName="parentText" presStyleLbl="node1" presStyleIdx="0" presStyleCnt="6">
@@ -1248,6 +1255,13 @@
         </dgm:presLayoutVars>
       </dgm:prSet>
       <dgm:spPr/>
+      <dgm:t>
+        <a:bodyPr/>
+        <a:lstStyle/>
+        <a:p>
+          <a:endParaRPr kumimoji="1" lang="ja-JP" altLang="en-US"/>
+        </a:p>
+      </dgm:t>
     </dgm:pt>
     <dgm:pt modelId="{E2AEA4DA-8EE5-4D8F-9390-33B6218B09EE}" type="pres">
       <dgm:prSet presAssocID="{BD32FC47-DBE4-4223-B939-A047DB2D9BA6}" presName="spacer" presStyleCnt="0"/>
@@ -1301,6 +1315,13 @@
         </dgm:presLayoutVars>
       </dgm:prSet>
       <dgm:spPr/>
+      <dgm:t>
+        <a:bodyPr/>
+        <a:lstStyle/>
+        <a:p>
+          <a:endParaRPr kumimoji="1" lang="ja-JP" altLang="en-US"/>
+        </a:p>
+      </dgm:t>
     </dgm:pt>
   </dgm:ptLst>
   <dgm:cxnLst>
@@ -11620,14 +11641,7 @@
                 <a:latin typeface="+mj-ea"/>
                 <a:ea typeface="+mj-ea"/>
               </a:rPr>
-              <a:t>横軸</a:t>
-            </a:r>
-            <a:r>
-              <a:rPr kumimoji="1" lang="ja-JP" altLang="en-US" sz="2400" dirty="0" smtClean="0">
-                <a:latin typeface="+mj-ea"/>
-                <a:ea typeface="+mj-ea"/>
-              </a:rPr>
-              <a:t>を時間，縦軸を</a:t>
+              <a:t>横軸を時間，縦軸を</a:t>
             </a:r>
             <a:r>
               <a:rPr kumimoji="1" lang="en-US" altLang="ja-JP" sz="2400" dirty="0" smtClean="0">
@@ -11641,14 +11655,7 @@
                 <a:latin typeface="+mj-ea"/>
                 <a:ea typeface="+mj-ea"/>
               </a:rPr>
-              <a:t>数と</a:t>
-            </a:r>
-            <a:r>
-              <a:rPr kumimoji="1" lang="ja-JP" altLang="en-US" sz="2400" dirty="0" smtClean="0">
-                <a:latin typeface="+mj-ea"/>
-                <a:ea typeface="+mj-ea"/>
-              </a:rPr>
-              <a:t>した，</a:t>
+              <a:t>数とした，</a:t>
             </a:r>
             <a:r>
               <a:rPr kumimoji="1" lang="en-US" altLang="ja-JP" sz="2400" dirty="0" smtClean="0">
@@ -13702,18 +13709,11 @@
           <a:p>
             <a:r>
               <a:rPr kumimoji="1" lang="ja-JP" altLang="en-US" dirty="0" smtClean="0"/>
-              <a:t>研究背景</a:t>
-            </a:r>
-            <a:endParaRPr lang="en-US" altLang="ja-JP" dirty="0"/>
-          </a:p>
-          <a:p>
-            <a:r>
-              <a:rPr lang="ja-JP" altLang="en-US" smtClean="0"/>
-              <a:t>チケット</a:t>
-            </a:r>
-            <a:r>
-              <a:rPr lang="ja-JP" altLang="en-US" dirty="0" smtClean="0"/>
-              <a:t>とは</a:t>
+              <a:t>研究</a:t>
+            </a:r>
+            <a:r>
+              <a:rPr kumimoji="1" lang="ja-JP" altLang="en-US" dirty="0" smtClean="0"/>
+              <a:t>背景</a:t>
             </a:r>
             <a:endParaRPr lang="en-US" altLang="ja-JP" dirty="0" smtClean="0"/>
           </a:p>
@@ -13736,12 +13736,9 @@
               <a:rPr kumimoji="1" lang="ja-JP" altLang="en-US" dirty="0" smtClean="0"/>
               <a:t>調査</a:t>
             </a:r>
-            <a:endParaRPr kumimoji="1" lang="en-US" altLang="ja-JP" dirty="0" smtClean="0"/>
-          </a:p>
-          <a:p>
             <a:r>
               <a:rPr kumimoji="1" lang="ja-JP" altLang="en-US" dirty="0" smtClean="0"/>
-              <a:t>調査結果</a:t>
+              <a:t>結果</a:t>
             </a:r>
             <a:endParaRPr kumimoji="1" lang="en-US" altLang="ja-JP" dirty="0" smtClean="0"/>
           </a:p>
@@ -13749,6 +13746,13 @@
             <a:r>
               <a:rPr lang="ja-JP" altLang="en-US" dirty="0" smtClean="0"/>
               <a:t>考察</a:t>
+            </a:r>
+            <a:endParaRPr lang="en-US" altLang="ja-JP" dirty="0" smtClean="0"/>
+          </a:p>
+          <a:p>
+            <a:r>
+              <a:rPr kumimoji="1" lang="ja-JP" altLang="en-US" dirty="0"/>
+              <a:t>まとめ</a:t>
             </a:r>
             <a:endParaRPr kumimoji="1" lang="ja-JP" altLang="en-US" dirty="0"/>
           </a:p>

--- a/卒業論文/2012/久保孝樹/最終発表/最終発表.pptx
+++ b/卒業論文/2012/久保孝樹/最終発表/最終発表.pptx
@@ -7700,8 +7700,8 @@
         </p:nvSpPr>
         <p:spPr>
           <a:xfrm>
-            <a:off x="0" y="-171400"/>
-            <a:ext cx="9144000" cy="6192688"/>
+            <a:off x="-36512" y="-243408"/>
+            <a:ext cx="9479657" cy="6271195"/>
           </a:xfrm>
           <a:prstGeom prst="rect">
             <a:avLst/>
@@ -7709,6 +7709,9 @@
           <a:solidFill>
             <a:schemeClr val="tx1"/>
           </a:solidFill>
+          <a:ln>
+            <a:noFill/>
+          </a:ln>
         </p:spPr>
         <p:style>
           <a:lnRef idx="2">
@@ -7912,6 +7915,148 @@
                 <a:schemeClr val="bg1"/>
               </a:solidFill>
             </a:endParaRPr>
+          </a:p>
+        </p:txBody>
+      </p:sp>
+      <p:sp>
+        <p:nvSpPr>
+          <p:cNvPr id="5" name="タイトル 1"/>
+          <p:cNvSpPr txBox="1">
+            <a:spLocks/>
+          </p:cNvSpPr>
+          <p:nvPr/>
+        </p:nvSpPr>
+        <p:spPr>
+          <a:xfrm>
+            <a:off x="0" y="1412775"/>
+            <a:ext cx="539552" cy="1902073"/>
+          </a:xfrm>
+          <a:prstGeom prst="rect">
+            <a:avLst/>
+          </a:prstGeom>
+          <a:ln>
+            <a:noFill/>
+          </a:ln>
+        </p:spPr>
+        <p:style>
+          <a:lnRef idx="2">
+            <a:schemeClr val="accent2">
+              <a:shade val="50000"/>
+            </a:schemeClr>
+          </a:lnRef>
+          <a:fillRef idx="1">
+            <a:schemeClr val="accent2"/>
+          </a:fillRef>
+          <a:effectRef idx="0">
+            <a:schemeClr val="accent2"/>
+          </a:effectRef>
+          <a:fontRef idx="minor">
+            <a:schemeClr val="lt1"/>
+          </a:fontRef>
+        </p:style>
+        <p:txBody>
+          <a:bodyPr vert="horz" anchor="b">
+            <a:noAutofit/>
+          </a:bodyPr>
+          <a:lstStyle>
+            <a:lvl1pPr algn="l" rtl="0" eaLnBrk="1" latinLnBrk="0" hangingPunct="1">
+              <a:spcBef>
+                <a:spcPct val="0"/>
+              </a:spcBef>
+              <a:buNone/>
+              <a:defRPr kumimoji="1" sz="4400" kern="1200" cap="all" baseline="0">
+                <a:solidFill>
+                  <a:schemeClr val="lt1"/>
+                </a:solidFill>
+                <a:latin typeface="+mn-lt"/>
+                <a:ea typeface="+mn-ea"/>
+                <a:cs typeface="+mn-cs"/>
+              </a:defRPr>
+            </a:lvl1pPr>
+            <a:lvl2pPr>
+              <a:defRPr>
+                <a:solidFill>
+                  <a:schemeClr val="lt1"/>
+                </a:solidFill>
+                <a:latin typeface="+mn-lt"/>
+                <a:ea typeface="+mn-ea"/>
+                <a:cs typeface="+mn-cs"/>
+              </a:defRPr>
+            </a:lvl2pPr>
+            <a:lvl3pPr>
+              <a:defRPr>
+                <a:solidFill>
+                  <a:schemeClr val="lt1"/>
+                </a:solidFill>
+                <a:latin typeface="+mn-lt"/>
+                <a:ea typeface="+mn-ea"/>
+                <a:cs typeface="+mn-cs"/>
+              </a:defRPr>
+            </a:lvl3pPr>
+            <a:lvl4pPr>
+              <a:defRPr>
+                <a:solidFill>
+                  <a:schemeClr val="lt1"/>
+                </a:solidFill>
+                <a:latin typeface="+mn-lt"/>
+                <a:ea typeface="+mn-ea"/>
+                <a:cs typeface="+mn-cs"/>
+              </a:defRPr>
+            </a:lvl4pPr>
+            <a:lvl5pPr>
+              <a:defRPr>
+                <a:solidFill>
+                  <a:schemeClr val="lt1"/>
+                </a:solidFill>
+                <a:latin typeface="+mn-lt"/>
+                <a:ea typeface="+mn-ea"/>
+                <a:cs typeface="+mn-cs"/>
+              </a:defRPr>
+            </a:lvl5pPr>
+            <a:lvl6pPr>
+              <a:defRPr>
+                <a:solidFill>
+                  <a:schemeClr val="lt1"/>
+                </a:solidFill>
+                <a:latin typeface="+mn-lt"/>
+                <a:ea typeface="+mn-ea"/>
+                <a:cs typeface="+mn-cs"/>
+              </a:defRPr>
+            </a:lvl6pPr>
+            <a:lvl7pPr>
+              <a:defRPr>
+                <a:solidFill>
+                  <a:schemeClr val="lt1"/>
+                </a:solidFill>
+                <a:latin typeface="+mn-lt"/>
+                <a:ea typeface="+mn-ea"/>
+                <a:cs typeface="+mn-cs"/>
+              </a:defRPr>
+            </a:lvl7pPr>
+            <a:lvl8pPr>
+              <a:defRPr>
+                <a:solidFill>
+                  <a:schemeClr val="lt1"/>
+                </a:solidFill>
+                <a:latin typeface="+mn-lt"/>
+                <a:ea typeface="+mn-ea"/>
+                <a:cs typeface="+mn-cs"/>
+              </a:defRPr>
+            </a:lvl8pPr>
+            <a:lvl9pPr>
+              <a:defRPr>
+                <a:solidFill>
+                  <a:schemeClr val="lt1"/>
+                </a:solidFill>
+                <a:latin typeface="+mn-lt"/>
+                <a:ea typeface="+mn-ea"/>
+                <a:cs typeface="+mn-cs"/>
+              </a:defRPr>
+            </a:lvl9pPr>
+          </a:lstStyle>
+          <a:p>
+            <a:pPr algn="ctr"/>
+            <a:endParaRPr lang="ja-JP" altLang="en-US" sz="3600" dirty="0"/>
           </a:p>
         </p:txBody>
       </p:sp>
@@ -10668,6 +10813,13 @@
   <p:clrMapOvr>
     <a:masterClrMapping/>
   </p:clrMapOvr>
+  <p:timing>
+    <p:tnLst>
+      <p:par>
+        <p:cTn id="1" dur="indefinite" restart="never" nodeType="tmRoot"/>
+      </p:par>
+    </p:tnLst>
+  </p:timing>
 </p:sld>
 </file>
 
@@ -13709,11 +13861,7 @@
           <a:p>
             <a:r>
               <a:rPr kumimoji="1" lang="ja-JP" altLang="en-US" dirty="0" smtClean="0"/>
-              <a:t>研究</a:t>
-            </a:r>
-            <a:r>
-              <a:rPr kumimoji="1" lang="ja-JP" altLang="en-US" dirty="0" smtClean="0"/>
-              <a:t>背景</a:t>
+              <a:t>研究背景</a:t>
             </a:r>
             <a:endParaRPr lang="en-US" altLang="ja-JP" dirty="0" smtClean="0"/>
           </a:p>
@@ -13734,11 +13882,7 @@
           <a:p>
             <a:r>
               <a:rPr kumimoji="1" lang="ja-JP" altLang="en-US" dirty="0" smtClean="0"/>
-              <a:t>調査</a:t>
-            </a:r>
-            <a:r>
-              <a:rPr kumimoji="1" lang="ja-JP" altLang="en-US" dirty="0" smtClean="0"/>
-              <a:t>結果</a:t>
+              <a:t>調査結果</a:t>
             </a:r>
             <a:endParaRPr kumimoji="1" lang="en-US" altLang="ja-JP" dirty="0" smtClean="0"/>
           </a:p>
@@ -13754,7 +13898,6 @@
               <a:rPr kumimoji="1" lang="ja-JP" altLang="en-US" dirty="0"/>
               <a:t>まとめ</a:t>
             </a:r>
-            <a:endParaRPr kumimoji="1" lang="ja-JP" altLang="en-US" dirty="0"/>
           </a:p>
         </p:txBody>
       </p:sp>
@@ -14284,6 +14427,13 @@
   <p:clrMapOvr>
     <a:masterClrMapping/>
   </p:clrMapOvr>
+  <p:timing>
+    <p:tnLst>
+      <p:par>
+        <p:cTn id="1" dur="indefinite" restart="never" nodeType="tmRoot"/>
+      </p:par>
+    </p:tnLst>
+  </p:timing>
 </p:sld>
 </file>
 
@@ -14885,8 +15035,8 @@
         </p:blipFill>
         <p:spPr bwMode="auto">
           <a:xfrm>
-            <a:off x="1608624" y="1600200"/>
-            <a:ext cx="6161702" cy="4495800"/>
+            <a:off x="971600" y="1600200"/>
+            <a:ext cx="7056784" cy="5148884"/>
           </a:xfrm>
           <a:prstGeom prst="rect">
             <a:avLst/>
@@ -14999,13 +15149,13 @@
             </p:spPr>
             <p:style>
               <a:lnRef idx="1">
-                <a:schemeClr val="accent1"/>
+                <a:schemeClr val="accent2"/>
               </a:lnRef>
               <a:fillRef idx="2">
-                <a:schemeClr val="accent1"/>
+                <a:schemeClr val="accent2"/>
               </a:fillRef>
               <a:effectRef idx="1">
-                <a:schemeClr val="accent1"/>
+                <a:schemeClr val="accent2"/>
               </a:effectRef>
               <a:fontRef idx="minor">
                 <a:schemeClr val="dk1"/>
@@ -15083,13 +15233,13 @@
             </p:spPr>
             <p:style>
               <a:lnRef idx="1">
-                <a:schemeClr val="accent1"/>
+                <a:schemeClr val="accent3"/>
               </a:lnRef>
               <a:fillRef idx="2">
-                <a:schemeClr val="accent1"/>
+                <a:schemeClr val="accent3"/>
               </a:fillRef>
               <a:effectRef idx="1">
-                <a:schemeClr val="accent1"/>
+                <a:schemeClr val="accent3"/>
               </a:effectRef>
               <a:fontRef idx="minor">
                 <a:schemeClr val="dk1"/>
@@ -15503,13 +15653,13 @@
           </p:spPr>
           <p:style>
             <a:lnRef idx="1">
-              <a:schemeClr val="accent1"/>
+              <a:schemeClr val="dk1"/>
             </a:lnRef>
             <a:fillRef idx="2">
-              <a:schemeClr val="accent1"/>
+              <a:schemeClr val="dk1"/>
             </a:fillRef>
             <a:effectRef idx="1">
-              <a:schemeClr val="accent1"/>
+              <a:schemeClr val="dk1"/>
             </a:effectRef>
             <a:fontRef idx="minor">
               <a:schemeClr val="dk1"/>
@@ -16104,6 +16254,13 @@
   <p:clrMapOvr>
     <a:masterClrMapping/>
   </p:clrMapOvr>
+  <p:timing>
+    <p:tnLst>
+      <p:par>
+        <p:cTn id="1" dur="indefinite" restart="never" nodeType="tmRoot"/>
+      </p:par>
+    </p:tnLst>
+  </p:timing>
 </p:sld>
 </file>
 
@@ -16576,6 +16733,13 @@
   <p:clrMapOvr>
     <a:masterClrMapping/>
   </p:clrMapOvr>
+  <p:timing>
+    <p:tnLst>
+      <p:par>
+        <p:cTn id="1" dur="indefinite" restart="never" nodeType="tmRoot"/>
+      </p:par>
+    </p:tnLst>
+  </p:timing>
 </p:sld>
 </file>
 

--- a/卒業論文/2012/久保孝樹/最終発表/最終発表.pptx
+++ b/卒業論文/2012/久保孝樹/最終発表/最終発表.pptx
@@ -33,6 +33,9 @@
   </p:sldIdLst>
   <p:sldSz cx="9144000" cy="6858000" type="screen4x3"/>
   <p:notesSz cx="6858000" cy="9144000"/>
+  <p:custDataLst>
+    <p:tags r:id="rId25"/>
+  </p:custDataLst>
   <p:defaultTextStyle>
     <a:defPPr>
       <a:defRPr lang="ja-JP"/>
@@ -128,6 +131,22 @@
       </a:defRPr>
     </a:lvl9pPr>
   </p:defaultTextStyle>
+  <p:extLst>
+    <p:ext uri="{EFAFB233-063F-42B5-8137-9DF3F51BA10A}">
+      <p15:sldGuideLst xmlns:p15="http://schemas.microsoft.com/office/powerpoint/2012/main">
+        <p15:guide id="1" orient="horz" pos="2160">
+          <p15:clr>
+            <a:srgbClr val="A4A3A4"/>
+          </p15:clr>
+        </p15:guide>
+        <p15:guide id="2" pos="2880">
+          <p15:clr>
+            <a:srgbClr val="A4A3A4"/>
+          </p15:clr>
+        </p15:guide>
+      </p15:sldGuideLst>
+    </p:ext>
+  </p:extLst>
 </p:presentation>
 </file>
 
@@ -905,7 +924,28 @@
               <a:latin typeface="+mn-ea"/>
               <a:ea typeface="+mn-ea"/>
             </a:rPr>
-            <a:t>・チケットと呼ばれるものに着目した．</a:t>
+            <a:t>・</a:t>
+          </a:r>
+          <a:r>
+            <a:rPr kumimoji="1" lang="ja-JP" altLang="en-US" dirty="0" smtClean="0">
+              <a:latin typeface="+mn-ea"/>
+              <a:ea typeface="+mn-ea"/>
+            </a:rPr>
+            <a:t>本研究では</a:t>
+          </a:r>
+          <a:r>
+            <a:rPr kumimoji="1" lang="ja-JP" dirty="0" smtClean="0">
+              <a:latin typeface="+mn-ea"/>
+              <a:ea typeface="+mn-ea"/>
+            </a:rPr>
+            <a:t>チケットに</a:t>
+          </a:r>
+          <a:r>
+            <a:rPr kumimoji="1" lang="ja-JP" dirty="0" smtClean="0">
+              <a:latin typeface="+mn-ea"/>
+              <a:ea typeface="+mn-ea"/>
+            </a:rPr>
+            <a:t>着目した．</a:t>
           </a:r>
           <a:endParaRPr lang="ja-JP" dirty="0">
             <a:latin typeface="+mn-ea"/>
@@ -949,7 +989,28 @@
               <a:latin typeface="+mn-ea"/>
               <a:ea typeface="+mn-ea"/>
             </a:rPr>
-            <a:t>・チケットの利用状況を収集，可視化するツールを開発．</a:t>
+            <a:t>・チケットの利用状況を収集，可視化するツールを</a:t>
+          </a:r>
+          <a:r>
+            <a:rPr kumimoji="1" lang="ja-JP" dirty="0" smtClean="0">
+              <a:latin typeface="+mn-ea"/>
+              <a:ea typeface="+mn-ea"/>
+            </a:rPr>
+            <a:t>開発</a:t>
+          </a:r>
+          <a:r>
+            <a:rPr kumimoji="1" lang="ja-JP" altLang="en-US" dirty="0" smtClean="0">
+              <a:latin typeface="+mn-ea"/>
+              <a:ea typeface="+mn-ea"/>
+            </a:rPr>
+            <a:t>した</a:t>
+          </a:r>
+          <a:r>
+            <a:rPr kumimoji="1" lang="ja-JP" dirty="0" smtClean="0">
+              <a:latin typeface="+mn-ea"/>
+              <a:ea typeface="+mn-ea"/>
+            </a:rPr>
+            <a:t>．</a:t>
           </a:r>
           <a:endParaRPr lang="ja-JP" dirty="0">
             <a:latin typeface="+mn-ea"/>
@@ -993,7 +1054,56 @@
               <a:latin typeface="+mn-ea"/>
               <a:ea typeface="+mn-ea"/>
             </a:rPr>
-            <a:t>・チケット数の時間変化を４つのパターンに分類．</a:t>
+            <a:t>・</a:t>
+          </a:r>
+          <a:r>
+            <a:rPr kumimoji="1" lang="ja-JP" dirty="0" smtClean="0">
+              <a:latin typeface="+mn-ea"/>
+              <a:ea typeface="+mn-ea"/>
+            </a:rPr>
+            <a:t>チケット</a:t>
+          </a:r>
+          <a:r>
+            <a:rPr kumimoji="1" lang="ja-JP" altLang="en-US" dirty="0" smtClean="0">
+              <a:latin typeface="+mn-ea"/>
+              <a:ea typeface="+mn-ea"/>
+            </a:rPr>
+            <a:t>の活用方法は</a:t>
+          </a:r>
+          <a:r>
+            <a:rPr kumimoji="1" lang="ja-JP" dirty="0" smtClean="0">
+              <a:latin typeface="+mn-ea"/>
+              <a:ea typeface="+mn-ea"/>
+            </a:rPr>
+            <a:t>４パターン</a:t>
+          </a:r>
+          <a:r>
+            <a:rPr kumimoji="1" lang="ja-JP" dirty="0" smtClean="0">
+              <a:latin typeface="+mn-ea"/>
+              <a:ea typeface="+mn-ea"/>
+            </a:rPr>
+            <a:t>に</a:t>
+          </a:r>
+          <a:r>
+            <a:rPr kumimoji="1" lang="ja-JP" dirty="0" smtClean="0">
+              <a:latin typeface="+mn-ea"/>
+              <a:ea typeface="+mn-ea"/>
+            </a:rPr>
+            <a:t>分類</a:t>
+          </a:r>
+          <a:r>
+            <a:rPr kumimoji="1" lang="ja-JP" altLang="en-US" dirty="0" smtClean="0">
+              <a:latin typeface="+mn-ea"/>
+              <a:ea typeface="+mn-ea"/>
+            </a:rPr>
+            <a:t>できる</a:t>
+          </a:r>
+          <a:r>
+            <a:rPr kumimoji="1" lang="ja-JP" dirty="0" smtClean="0">
+              <a:latin typeface="+mn-ea"/>
+              <a:ea typeface="+mn-ea"/>
+            </a:rPr>
+            <a:t>．</a:t>
           </a:r>
           <a:endParaRPr lang="ja-JP" dirty="0">
             <a:latin typeface="+mn-ea"/>
@@ -1044,14 +1154,7 @@
               <a:latin typeface="+mn-ea"/>
               <a:ea typeface="+mn-ea"/>
             </a:rPr>
-            <a:t>チケット利用の実態が明らかになる</a:t>
-          </a:r>
-          <a:r>
-            <a:rPr kumimoji="1" lang="ja-JP" dirty="0" smtClean="0">
-              <a:latin typeface="+mn-ea"/>
-              <a:ea typeface="+mn-ea"/>
-            </a:rPr>
-            <a:t>．</a:t>
+            <a:t>チケットの時間変化がプロジェクトの実態を反映している．</a:t>
           </a:r>
           <a:endParaRPr lang="ja-JP" dirty="0">
             <a:latin typeface="+mn-ea"/>
@@ -1091,11 +1194,46 @@
         <a:p>
           <a:pPr rtl="0"/>
           <a:r>
-            <a:rPr kumimoji="1" lang="ja-JP" dirty="0" smtClean="0">
+            <a:rPr kumimoji="1" lang="ja-JP" altLang="en-US" smtClean="0">
               <a:latin typeface="+mn-ea"/>
               <a:ea typeface="+mn-ea"/>
             </a:rPr>
-            <a:t>・チケットの利用でタスク管理，進捗管理が行える．</a:t>
+            <a:t>・チケット</a:t>
+          </a:r>
+          <a:r>
+            <a:rPr kumimoji="1" lang="ja-JP" altLang="en-US" dirty="0" smtClean="0">
+              <a:latin typeface="+mn-ea"/>
+              <a:ea typeface="+mn-ea"/>
+            </a:rPr>
+            <a:t>の調査は，</a:t>
+          </a:r>
+          <a:r>
+            <a:rPr kumimoji="1" lang="en-US" altLang="ja-JP" dirty="0" smtClean="0">
+              <a:latin typeface="+mn-ea"/>
+              <a:ea typeface="+mn-ea"/>
+            </a:rPr>
+            <a:t>OSS</a:t>
+          </a:r>
+          <a:r>
+            <a:rPr kumimoji="1" lang="ja-JP" altLang="en-US" dirty="0" smtClean="0">
+              <a:latin typeface="+mn-ea"/>
+              <a:ea typeface="+mn-ea"/>
+            </a:rPr>
+            <a:t>開発における</a:t>
+          </a:r>
+          <a:r>
+            <a:rPr kumimoji="1" lang="en-US" altLang="ja-JP" dirty="0" smtClean="0">
+              <a:latin typeface="+mn-ea"/>
+              <a:ea typeface="+mn-ea"/>
+            </a:rPr>
+            <a:t>PM</a:t>
+          </a:r>
+          <a:r>
+            <a:rPr kumimoji="1" lang="ja-JP" altLang="en-US" dirty="0" smtClean="0">
+              <a:latin typeface="+mn-ea"/>
+              <a:ea typeface="+mn-ea"/>
+            </a:rPr>
+            <a:t>の重要なツールになる．</a:t>
           </a:r>
           <a:endParaRPr lang="ja-JP" dirty="0">
             <a:latin typeface="+mn-ea"/>
@@ -1542,7 +1680,28 @@
               <a:latin typeface="+mn-ea"/>
               <a:ea typeface="+mn-ea"/>
             </a:rPr>
-            <a:t>・チケットと呼ばれるものに着目した．</a:t>
+            <a:t>・</a:t>
+          </a:r>
+          <a:r>
+            <a:rPr kumimoji="1" lang="ja-JP" altLang="en-US" sz="2300" kern="1200" dirty="0" smtClean="0">
+              <a:latin typeface="+mn-ea"/>
+              <a:ea typeface="+mn-ea"/>
+            </a:rPr>
+            <a:t>本研究では</a:t>
+          </a:r>
+          <a:r>
+            <a:rPr kumimoji="1" lang="ja-JP" sz="2300" kern="1200" dirty="0" smtClean="0">
+              <a:latin typeface="+mn-ea"/>
+              <a:ea typeface="+mn-ea"/>
+            </a:rPr>
+            <a:t>チケットに</a:t>
+          </a:r>
+          <a:r>
+            <a:rPr kumimoji="1" lang="ja-JP" sz="2300" kern="1200" dirty="0" smtClean="0">
+              <a:latin typeface="+mn-ea"/>
+              <a:ea typeface="+mn-ea"/>
+            </a:rPr>
+            <a:t>着目した．</a:t>
           </a:r>
           <a:endParaRPr lang="ja-JP" sz="2300" kern="1200" dirty="0">
             <a:latin typeface="+mn-ea"/>
@@ -1625,7 +1784,28 @@
               <a:latin typeface="+mn-ea"/>
               <a:ea typeface="+mn-ea"/>
             </a:rPr>
-            <a:t>・チケットの利用状況を収集，可視化するツールを開発．</a:t>
+            <a:t>・チケットの利用状況を収集，可視化するツールを</a:t>
+          </a:r>
+          <a:r>
+            <a:rPr kumimoji="1" lang="ja-JP" sz="2300" kern="1200" dirty="0" smtClean="0">
+              <a:latin typeface="+mn-ea"/>
+              <a:ea typeface="+mn-ea"/>
+            </a:rPr>
+            <a:t>開発</a:t>
+          </a:r>
+          <a:r>
+            <a:rPr kumimoji="1" lang="ja-JP" altLang="en-US" sz="2300" kern="1200" dirty="0" smtClean="0">
+              <a:latin typeface="+mn-ea"/>
+              <a:ea typeface="+mn-ea"/>
+            </a:rPr>
+            <a:t>した</a:t>
+          </a:r>
+          <a:r>
+            <a:rPr kumimoji="1" lang="ja-JP" sz="2300" kern="1200" dirty="0" smtClean="0">
+              <a:latin typeface="+mn-ea"/>
+              <a:ea typeface="+mn-ea"/>
+            </a:rPr>
+            <a:t>．</a:t>
           </a:r>
           <a:endParaRPr lang="ja-JP" sz="2300" kern="1200" dirty="0">
             <a:latin typeface="+mn-ea"/>
@@ -1708,7 +1888,56 @@
               <a:latin typeface="+mn-ea"/>
               <a:ea typeface="+mn-ea"/>
             </a:rPr>
-            <a:t>・チケット数の時間変化を４つのパターンに分類．</a:t>
+            <a:t>・</a:t>
+          </a:r>
+          <a:r>
+            <a:rPr kumimoji="1" lang="ja-JP" sz="2300" kern="1200" dirty="0" smtClean="0">
+              <a:latin typeface="+mn-ea"/>
+              <a:ea typeface="+mn-ea"/>
+            </a:rPr>
+            <a:t>チケット</a:t>
+          </a:r>
+          <a:r>
+            <a:rPr kumimoji="1" lang="ja-JP" altLang="en-US" sz="2300" kern="1200" dirty="0" smtClean="0">
+              <a:latin typeface="+mn-ea"/>
+              <a:ea typeface="+mn-ea"/>
+            </a:rPr>
+            <a:t>の活用方法は</a:t>
+          </a:r>
+          <a:r>
+            <a:rPr kumimoji="1" lang="ja-JP" sz="2300" kern="1200" dirty="0" smtClean="0">
+              <a:latin typeface="+mn-ea"/>
+              <a:ea typeface="+mn-ea"/>
+            </a:rPr>
+            <a:t>４パターン</a:t>
+          </a:r>
+          <a:r>
+            <a:rPr kumimoji="1" lang="ja-JP" sz="2300" kern="1200" dirty="0" smtClean="0">
+              <a:latin typeface="+mn-ea"/>
+              <a:ea typeface="+mn-ea"/>
+            </a:rPr>
+            <a:t>に</a:t>
+          </a:r>
+          <a:r>
+            <a:rPr kumimoji="1" lang="ja-JP" sz="2300" kern="1200" dirty="0" smtClean="0">
+              <a:latin typeface="+mn-ea"/>
+              <a:ea typeface="+mn-ea"/>
+            </a:rPr>
+            <a:t>分類</a:t>
+          </a:r>
+          <a:r>
+            <a:rPr kumimoji="1" lang="ja-JP" altLang="en-US" sz="2300" kern="1200" dirty="0" smtClean="0">
+              <a:latin typeface="+mn-ea"/>
+              <a:ea typeface="+mn-ea"/>
+            </a:rPr>
+            <a:t>できる</a:t>
+          </a:r>
+          <a:r>
+            <a:rPr kumimoji="1" lang="ja-JP" sz="2300" kern="1200" dirty="0" smtClean="0">
+              <a:latin typeface="+mn-ea"/>
+              <a:ea typeface="+mn-ea"/>
+            </a:rPr>
+            <a:t>．</a:t>
           </a:r>
           <a:endParaRPr lang="ja-JP" sz="2300" kern="1200" dirty="0">
             <a:latin typeface="+mn-ea"/>
@@ -1798,14 +2027,7 @@
               <a:latin typeface="+mn-ea"/>
               <a:ea typeface="+mn-ea"/>
             </a:rPr>
-            <a:t>チケット利用の実態が明らかになる</a:t>
-          </a:r>
-          <a:r>
-            <a:rPr kumimoji="1" lang="ja-JP" sz="2300" kern="1200" dirty="0" smtClean="0">
-              <a:latin typeface="+mn-ea"/>
-              <a:ea typeface="+mn-ea"/>
-            </a:rPr>
-            <a:t>．</a:t>
+            <a:t>チケットの時間変化がプロジェクトの実態を反映している．</a:t>
           </a:r>
           <a:endParaRPr lang="ja-JP" sz="2300" kern="1200" dirty="0">
             <a:latin typeface="+mn-ea"/>
@@ -1884,11 +2106,46 @@
             </a:spcAft>
           </a:pPr>
           <a:r>
-            <a:rPr kumimoji="1" lang="ja-JP" sz="2300" kern="1200" dirty="0" smtClean="0">
+            <a:rPr kumimoji="1" lang="ja-JP" altLang="en-US" sz="2300" kern="1200" smtClean="0">
               <a:latin typeface="+mn-ea"/>
               <a:ea typeface="+mn-ea"/>
             </a:rPr>
-            <a:t>・チケットの利用でタスク管理，進捗管理が行える．</a:t>
+            <a:t>・チケット</a:t>
+          </a:r>
+          <a:r>
+            <a:rPr kumimoji="1" lang="ja-JP" altLang="en-US" sz="2300" kern="1200" dirty="0" smtClean="0">
+              <a:latin typeface="+mn-ea"/>
+              <a:ea typeface="+mn-ea"/>
+            </a:rPr>
+            <a:t>の調査は，</a:t>
+          </a:r>
+          <a:r>
+            <a:rPr kumimoji="1" lang="en-US" altLang="ja-JP" sz="2300" kern="1200" dirty="0" smtClean="0">
+              <a:latin typeface="+mn-ea"/>
+              <a:ea typeface="+mn-ea"/>
+            </a:rPr>
+            <a:t>OSS</a:t>
+          </a:r>
+          <a:r>
+            <a:rPr kumimoji="1" lang="ja-JP" altLang="en-US" sz="2300" kern="1200" dirty="0" smtClean="0">
+              <a:latin typeface="+mn-ea"/>
+              <a:ea typeface="+mn-ea"/>
+            </a:rPr>
+            <a:t>開発における</a:t>
+          </a:r>
+          <a:r>
+            <a:rPr kumimoji="1" lang="en-US" altLang="ja-JP" sz="2300" kern="1200" dirty="0" smtClean="0">
+              <a:latin typeface="+mn-ea"/>
+              <a:ea typeface="+mn-ea"/>
+            </a:rPr>
+            <a:t>PM</a:t>
+          </a:r>
+          <a:r>
+            <a:rPr kumimoji="1" lang="ja-JP" altLang="en-US" sz="2300" kern="1200" dirty="0" smtClean="0">
+              <a:latin typeface="+mn-ea"/>
+              <a:ea typeface="+mn-ea"/>
+            </a:rPr>
+            <a:t>の重要なツールになる．</a:t>
           </a:r>
           <a:endParaRPr lang="ja-JP" sz="2300" kern="1200" dirty="0">
             <a:latin typeface="+mn-ea"/>
@@ -3802,6 +4059,11 @@
         </p:txBody>
       </p:sp>
     </p:spTree>
+    <p:extLst>
+      <p:ext uri="{BB962C8B-B14F-4D97-AF65-F5344CB8AC3E}">
+        <p14:creationId xmlns:p14="http://schemas.microsoft.com/office/powerpoint/2010/main" val="3457744451"/>
+      </p:ext>
+    </p:extLst>
   </p:cSld>
   <p:clrMapOvr>
     <a:masterClrMapping/>
@@ -14407,7 +14669,7 @@
             <p:ph sz="quarter" idx="1"/>
             <p:extLst>
               <p:ext uri="{D42A27DB-BD31-4B8C-83A1-F6EECF244321}">
-                <p14:modId xmlns:p14="http://schemas.microsoft.com/office/powerpoint/2010/main" val="3503254451"/>
+                <p14:modId xmlns:p14="http://schemas.microsoft.com/office/powerpoint/2010/main" val="3313432546"/>
               </p:ext>
             </p:extLst>
           </p:nvPr>
@@ -16743,6 +17005,12 @@
 </p:sld>
 </file>
 
+<file path=ppt/tags/tag1.xml><?xml version="1.0" encoding="utf-8"?>
+<p:tagLst xmlns:a="http://schemas.openxmlformats.org/drawingml/2006/main" xmlns:r="http://schemas.openxmlformats.org/officeDocument/2006/relationships" xmlns:p="http://schemas.openxmlformats.org/presentationml/2006/main">
+  <p:tag name="TAG" val="8977119f-d2d5-4cb2-9095-4836698d500e"/>
+</p:tagLst>
+</file>
+
 <file path=ppt/theme/theme1.xml><?xml version="1.0" encoding="utf-8"?>
 <a:theme xmlns:a="http://schemas.openxmlformats.org/drawingml/2006/main" name="デザート">
   <a:themeElements>

--- a/卒業論文/2012/久保孝樹/最終発表/最終発表.pptx
+++ b/卒業論文/2012/久保孝樹/最終発表/最終発表.pptx
@@ -7,6 +7,9 @@
   <p:notesMasterIdLst>
     <p:notesMasterId r:id="rId24"/>
   </p:notesMasterIdLst>
+  <p:handoutMasterIdLst>
+    <p:handoutMasterId r:id="rId25"/>
+  </p:handoutMasterIdLst>
   <p:sldIdLst>
     <p:sldId id="256" r:id="rId2"/>
     <p:sldId id="268" r:id="rId3"/>
@@ -34,7 +37,7 @@
   <p:sldSz cx="9144000" cy="6858000" type="screen4x3"/>
   <p:notesSz cx="6858000" cy="9144000"/>
   <p:custDataLst>
-    <p:tags r:id="rId25"/>
+    <p:tags r:id="rId26"/>
   </p:custDataLst>
   <p:defaultTextStyle>
     <a:defPPr>
@@ -133,7 +136,7 @@
   </p:defaultTextStyle>
   <p:extLst>
     <p:ext uri="{EFAFB233-063F-42B5-8137-9DF3F51BA10A}">
-      <p15:sldGuideLst xmlns:p15="http://schemas.microsoft.com/office/powerpoint/2012/main">
+      <p15:sldGuideLst xmlns:p15="http://schemas.microsoft.com/office/powerpoint/2012/main" xmlns="">
         <p15:guide id="1" orient="horz" pos="2160">
           <p15:clr>
             <a:srgbClr val="A4A3A4"/>
@@ -897,7 +900,1140 @@
 </dgm:colorsDef>
 </file>
 
+<file path=ppt/diagrams/colors2.xml><?xml version="1.0" encoding="utf-8"?>
+<dgm:colorsDef xmlns:dgm="http://schemas.openxmlformats.org/drawingml/2006/diagram" xmlns:a="http://schemas.openxmlformats.org/drawingml/2006/main" uniqueId="urn:microsoft.com/office/officeart/2005/8/colors/accent1_2">
+  <dgm:title val=""/>
+  <dgm:desc val=""/>
+  <dgm:catLst>
+    <dgm:cat type="accent1" pri="11200"/>
+  </dgm:catLst>
+  <dgm:styleLbl name="node0">
+    <dgm:fillClrLst meth="repeat">
+      <a:schemeClr val="accent1"/>
+    </dgm:fillClrLst>
+    <dgm:linClrLst meth="repeat">
+      <a:schemeClr val="lt1"/>
+    </dgm:linClrLst>
+    <dgm:effectClrLst/>
+    <dgm:txLinClrLst/>
+    <dgm:txFillClrLst/>
+    <dgm:txEffectClrLst/>
+  </dgm:styleLbl>
+  <dgm:styleLbl name="alignNode1">
+    <dgm:fillClrLst meth="repeat">
+      <a:schemeClr val="accent1"/>
+    </dgm:fillClrLst>
+    <dgm:linClrLst meth="repeat">
+      <a:schemeClr val="accent1"/>
+    </dgm:linClrLst>
+    <dgm:effectClrLst/>
+    <dgm:txLinClrLst/>
+    <dgm:txFillClrLst/>
+    <dgm:txEffectClrLst/>
+  </dgm:styleLbl>
+  <dgm:styleLbl name="node1">
+    <dgm:fillClrLst meth="repeat">
+      <a:schemeClr val="accent1"/>
+    </dgm:fillClrLst>
+    <dgm:linClrLst meth="repeat">
+      <a:schemeClr val="lt1"/>
+    </dgm:linClrLst>
+    <dgm:effectClrLst/>
+    <dgm:txLinClrLst/>
+    <dgm:txFillClrLst/>
+    <dgm:txEffectClrLst/>
+  </dgm:styleLbl>
+  <dgm:styleLbl name="lnNode1">
+    <dgm:fillClrLst meth="repeat">
+      <a:schemeClr val="accent1"/>
+    </dgm:fillClrLst>
+    <dgm:linClrLst meth="repeat">
+      <a:schemeClr val="lt1"/>
+    </dgm:linClrLst>
+    <dgm:effectClrLst/>
+    <dgm:txLinClrLst/>
+    <dgm:txFillClrLst/>
+    <dgm:txEffectClrLst/>
+  </dgm:styleLbl>
+  <dgm:styleLbl name="vennNode1">
+    <dgm:fillClrLst meth="repeat">
+      <a:schemeClr val="accent1">
+        <a:alpha val="50000"/>
+      </a:schemeClr>
+    </dgm:fillClrLst>
+    <dgm:linClrLst meth="repeat">
+      <a:schemeClr val="lt1"/>
+    </dgm:linClrLst>
+    <dgm:effectClrLst/>
+    <dgm:txLinClrLst/>
+    <dgm:txFillClrLst/>
+    <dgm:txEffectClrLst/>
+  </dgm:styleLbl>
+  <dgm:styleLbl name="node2">
+    <dgm:fillClrLst meth="repeat">
+      <a:schemeClr val="accent1"/>
+    </dgm:fillClrLst>
+    <dgm:linClrLst meth="repeat">
+      <a:schemeClr val="lt1"/>
+    </dgm:linClrLst>
+    <dgm:effectClrLst/>
+    <dgm:txLinClrLst/>
+    <dgm:txFillClrLst/>
+    <dgm:txEffectClrLst/>
+  </dgm:styleLbl>
+  <dgm:styleLbl name="node3">
+    <dgm:fillClrLst meth="repeat">
+      <a:schemeClr val="accent1"/>
+    </dgm:fillClrLst>
+    <dgm:linClrLst meth="repeat">
+      <a:schemeClr val="lt1"/>
+    </dgm:linClrLst>
+    <dgm:effectClrLst/>
+    <dgm:txLinClrLst/>
+    <dgm:txFillClrLst/>
+    <dgm:txEffectClrLst/>
+  </dgm:styleLbl>
+  <dgm:styleLbl name="node4">
+    <dgm:fillClrLst meth="repeat">
+      <a:schemeClr val="accent1"/>
+    </dgm:fillClrLst>
+    <dgm:linClrLst meth="repeat">
+      <a:schemeClr val="lt1"/>
+    </dgm:linClrLst>
+    <dgm:effectClrLst/>
+    <dgm:txLinClrLst/>
+    <dgm:txFillClrLst/>
+    <dgm:txEffectClrLst/>
+  </dgm:styleLbl>
+  <dgm:styleLbl name="fgImgPlace1">
+    <dgm:fillClrLst meth="repeat">
+      <a:schemeClr val="accent1">
+        <a:tint val="50000"/>
+      </a:schemeClr>
+    </dgm:fillClrLst>
+    <dgm:linClrLst meth="repeat">
+      <a:schemeClr val="lt1"/>
+    </dgm:linClrLst>
+    <dgm:effectClrLst/>
+    <dgm:txLinClrLst/>
+    <dgm:txFillClrLst meth="repeat">
+      <a:schemeClr val="lt1"/>
+    </dgm:txFillClrLst>
+    <dgm:txEffectClrLst/>
+  </dgm:styleLbl>
+  <dgm:styleLbl name="alignImgPlace1">
+    <dgm:fillClrLst meth="repeat">
+      <a:schemeClr val="accent1">
+        <a:tint val="50000"/>
+      </a:schemeClr>
+    </dgm:fillClrLst>
+    <dgm:linClrLst meth="repeat">
+      <a:schemeClr val="lt1"/>
+    </dgm:linClrLst>
+    <dgm:effectClrLst/>
+    <dgm:txLinClrLst/>
+    <dgm:txFillClrLst meth="repeat">
+      <a:schemeClr val="lt1"/>
+    </dgm:txFillClrLst>
+    <dgm:txEffectClrLst/>
+  </dgm:styleLbl>
+  <dgm:styleLbl name="bgImgPlace1">
+    <dgm:fillClrLst meth="repeat">
+      <a:schemeClr val="accent1">
+        <a:tint val="50000"/>
+      </a:schemeClr>
+    </dgm:fillClrLst>
+    <dgm:linClrLst meth="repeat">
+      <a:schemeClr val="lt1"/>
+    </dgm:linClrLst>
+    <dgm:effectClrLst/>
+    <dgm:txLinClrLst/>
+    <dgm:txFillClrLst meth="repeat">
+      <a:schemeClr val="lt1"/>
+    </dgm:txFillClrLst>
+    <dgm:txEffectClrLst/>
+  </dgm:styleLbl>
+  <dgm:styleLbl name="sibTrans2D1">
+    <dgm:fillClrLst meth="repeat">
+      <a:schemeClr val="accent1">
+        <a:tint val="60000"/>
+      </a:schemeClr>
+    </dgm:fillClrLst>
+    <dgm:linClrLst meth="repeat">
+      <a:schemeClr val="accent1">
+        <a:tint val="60000"/>
+      </a:schemeClr>
+    </dgm:linClrLst>
+    <dgm:effectClrLst/>
+    <dgm:txLinClrLst/>
+    <dgm:txFillClrLst/>
+    <dgm:txEffectClrLst/>
+  </dgm:styleLbl>
+  <dgm:styleLbl name="fgSibTrans2D1">
+    <dgm:fillClrLst meth="repeat">
+      <a:schemeClr val="accent1">
+        <a:tint val="60000"/>
+      </a:schemeClr>
+    </dgm:fillClrLst>
+    <dgm:linClrLst meth="repeat">
+      <a:schemeClr val="accent1">
+        <a:tint val="60000"/>
+      </a:schemeClr>
+    </dgm:linClrLst>
+    <dgm:effectClrLst/>
+    <dgm:txLinClrLst/>
+    <dgm:txFillClrLst/>
+    <dgm:txEffectClrLst/>
+  </dgm:styleLbl>
+  <dgm:styleLbl name="bgSibTrans2D1">
+    <dgm:fillClrLst meth="repeat">
+      <a:schemeClr val="accent1">
+        <a:tint val="60000"/>
+      </a:schemeClr>
+    </dgm:fillClrLst>
+    <dgm:linClrLst meth="repeat">
+      <a:schemeClr val="accent1">
+        <a:tint val="60000"/>
+      </a:schemeClr>
+    </dgm:linClrLst>
+    <dgm:effectClrLst/>
+    <dgm:txLinClrLst/>
+    <dgm:txFillClrLst/>
+    <dgm:txEffectClrLst/>
+  </dgm:styleLbl>
+  <dgm:styleLbl name="sibTrans1D1">
+    <dgm:fillClrLst meth="repeat">
+      <a:schemeClr val="accent1"/>
+    </dgm:fillClrLst>
+    <dgm:linClrLst meth="repeat">
+      <a:schemeClr val="accent1"/>
+    </dgm:linClrLst>
+    <dgm:effectClrLst/>
+    <dgm:txLinClrLst/>
+    <dgm:txFillClrLst meth="repeat">
+      <a:schemeClr val="tx1"/>
+    </dgm:txFillClrLst>
+    <dgm:txEffectClrLst/>
+  </dgm:styleLbl>
+  <dgm:styleLbl name="callout">
+    <dgm:fillClrLst meth="repeat">
+      <a:schemeClr val="accent1"/>
+    </dgm:fillClrLst>
+    <dgm:linClrLst meth="repeat">
+      <a:schemeClr val="accent1">
+        <a:tint val="50000"/>
+      </a:schemeClr>
+    </dgm:linClrLst>
+    <dgm:effectClrLst/>
+    <dgm:txLinClrLst/>
+    <dgm:txFillClrLst meth="repeat">
+      <a:schemeClr val="tx1"/>
+    </dgm:txFillClrLst>
+    <dgm:txEffectClrLst/>
+  </dgm:styleLbl>
+  <dgm:styleLbl name="asst0">
+    <dgm:fillClrLst meth="repeat">
+      <a:schemeClr val="accent1"/>
+    </dgm:fillClrLst>
+    <dgm:linClrLst meth="repeat">
+      <a:schemeClr val="lt1"/>
+    </dgm:linClrLst>
+    <dgm:effectClrLst/>
+    <dgm:txLinClrLst/>
+    <dgm:txFillClrLst/>
+    <dgm:txEffectClrLst/>
+  </dgm:styleLbl>
+  <dgm:styleLbl name="asst1">
+    <dgm:fillClrLst meth="repeat">
+      <a:schemeClr val="accent1"/>
+    </dgm:fillClrLst>
+    <dgm:linClrLst meth="repeat">
+      <a:schemeClr val="lt1"/>
+    </dgm:linClrLst>
+    <dgm:effectClrLst/>
+    <dgm:txLinClrLst/>
+    <dgm:txFillClrLst/>
+    <dgm:txEffectClrLst/>
+  </dgm:styleLbl>
+  <dgm:styleLbl name="asst2">
+    <dgm:fillClrLst meth="repeat">
+      <a:schemeClr val="accent1"/>
+    </dgm:fillClrLst>
+    <dgm:linClrLst meth="repeat">
+      <a:schemeClr val="lt1"/>
+    </dgm:linClrLst>
+    <dgm:effectClrLst/>
+    <dgm:txLinClrLst/>
+    <dgm:txFillClrLst/>
+    <dgm:txEffectClrLst/>
+  </dgm:styleLbl>
+  <dgm:styleLbl name="asst3">
+    <dgm:fillClrLst meth="repeat">
+      <a:schemeClr val="accent1"/>
+    </dgm:fillClrLst>
+    <dgm:linClrLst meth="repeat">
+      <a:schemeClr val="lt1"/>
+    </dgm:linClrLst>
+    <dgm:effectClrLst/>
+    <dgm:txLinClrLst/>
+    <dgm:txFillClrLst/>
+    <dgm:txEffectClrLst/>
+  </dgm:styleLbl>
+  <dgm:styleLbl name="asst4">
+    <dgm:fillClrLst meth="repeat">
+      <a:schemeClr val="accent1"/>
+    </dgm:fillClrLst>
+    <dgm:linClrLst meth="repeat">
+      <a:schemeClr val="lt1"/>
+    </dgm:linClrLst>
+    <dgm:effectClrLst/>
+    <dgm:txLinClrLst/>
+    <dgm:txFillClrLst/>
+    <dgm:txEffectClrLst/>
+  </dgm:styleLbl>
+  <dgm:styleLbl name="parChTrans2D1">
+    <dgm:fillClrLst meth="repeat">
+      <a:schemeClr val="accent1">
+        <a:tint val="60000"/>
+      </a:schemeClr>
+    </dgm:fillClrLst>
+    <dgm:linClrLst meth="repeat">
+      <a:schemeClr val="accent1">
+        <a:tint val="60000"/>
+      </a:schemeClr>
+    </dgm:linClrLst>
+    <dgm:effectClrLst/>
+    <dgm:txLinClrLst/>
+    <dgm:txFillClrLst meth="repeat">
+      <a:schemeClr val="lt1"/>
+    </dgm:txFillClrLst>
+    <dgm:txEffectClrLst/>
+  </dgm:styleLbl>
+  <dgm:styleLbl name="parChTrans2D2">
+    <dgm:fillClrLst meth="repeat">
+      <a:schemeClr val="accent1"/>
+    </dgm:fillClrLst>
+    <dgm:linClrLst meth="repeat">
+      <a:schemeClr val="accent1"/>
+    </dgm:linClrLst>
+    <dgm:effectClrLst/>
+    <dgm:txLinClrLst/>
+    <dgm:txFillClrLst meth="repeat">
+      <a:schemeClr val="lt1"/>
+    </dgm:txFillClrLst>
+    <dgm:txEffectClrLst/>
+  </dgm:styleLbl>
+  <dgm:styleLbl name="parChTrans2D3">
+    <dgm:fillClrLst meth="repeat">
+      <a:schemeClr val="accent1"/>
+    </dgm:fillClrLst>
+    <dgm:linClrLst meth="repeat">
+      <a:schemeClr val="accent1"/>
+    </dgm:linClrLst>
+    <dgm:effectClrLst/>
+    <dgm:txLinClrLst/>
+    <dgm:txFillClrLst meth="repeat">
+      <a:schemeClr val="lt1"/>
+    </dgm:txFillClrLst>
+    <dgm:txEffectClrLst/>
+  </dgm:styleLbl>
+  <dgm:styleLbl name="parChTrans2D4">
+    <dgm:fillClrLst meth="repeat">
+      <a:schemeClr val="accent1"/>
+    </dgm:fillClrLst>
+    <dgm:linClrLst meth="repeat">
+      <a:schemeClr val="accent1"/>
+    </dgm:linClrLst>
+    <dgm:effectClrLst/>
+    <dgm:txLinClrLst/>
+    <dgm:txFillClrLst meth="repeat">
+      <a:schemeClr val="lt1"/>
+    </dgm:txFillClrLst>
+    <dgm:txEffectClrLst/>
+  </dgm:styleLbl>
+  <dgm:styleLbl name="parChTrans1D1">
+    <dgm:fillClrLst meth="repeat">
+      <a:schemeClr val="accent1"/>
+    </dgm:fillClrLst>
+    <dgm:linClrLst meth="repeat">
+      <a:schemeClr val="accent1">
+        <a:shade val="60000"/>
+      </a:schemeClr>
+    </dgm:linClrLst>
+    <dgm:effectClrLst/>
+    <dgm:txLinClrLst/>
+    <dgm:txFillClrLst meth="repeat">
+      <a:schemeClr val="tx1"/>
+    </dgm:txFillClrLst>
+    <dgm:txEffectClrLst/>
+  </dgm:styleLbl>
+  <dgm:styleLbl name="parChTrans1D2">
+    <dgm:fillClrLst meth="repeat">
+      <a:schemeClr val="accent1"/>
+    </dgm:fillClrLst>
+    <dgm:linClrLst meth="repeat">
+      <a:schemeClr val="accent1">
+        <a:shade val="60000"/>
+      </a:schemeClr>
+    </dgm:linClrLst>
+    <dgm:effectClrLst/>
+    <dgm:txLinClrLst/>
+    <dgm:txFillClrLst meth="repeat">
+      <a:schemeClr val="tx1"/>
+    </dgm:txFillClrLst>
+    <dgm:txEffectClrLst/>
+  </dgm:styleLbl>
+  <dgm:styleLbl name="parChTrans1D3">
+    <dgm:fillClrLst meth="repeat">
+      <a:schemeClr val="accent1"/>
+    </dgm:fillClrLst>
+    <dgm:linClrLst meth="repeat">
+      <a:schemeClr val="accent1">
+        <a:shade val="80000"/>
+      </a:schemeClr>
+    </dgm:linClrLst>
+    <dgm:effectClrLst/>
+    <dgm:txLinClrLst/>
+    <dgm:txFillClrLst meth="repeat">
+      <a:schemeClr val="tx1"/>
+    </dgm:txFillClrLst>
+    <dgm:txEffectClrLst/>
+  </dgm:styleLbl>
+  <dgm:styleLbl name="parChTrans1D4">
+    <dgm:fillClrLst meth="repeat">
+      <a:schemeClr val="accent1"/>
+    </dgm:fillClrLst>
+    <dgm:linClrLst meth="repeat">
+      <a:schemeClr val="accent1">
+        <a:shade val="80000"/>
+      </a:schemeClr>
+    </dgm:linClrLst>
+    <dgm:effectClrLst/>
+    <dgm:txLinClrLst/>
+    <dgm:txFillClrLst meth="repeat">
+      <a:schemeClr val="tx1"/>
+    </dgm:txFillClrLst>
+    <dgm:txEffectClrLst/>
+  </dgm:styleLbl>
+  <dgm:styleLbl name="fgAcc1">
+    <dgm:fillClrLst meth="repeat">
+      <a:schemeClr val="lt1">
+        <a:alpha val="90000"/>
+      </a:schemeClr>
+    </dgm:fillClrLst>
+    <dgm:linClrLst meth="repeat">
+      <a:schemeClr val="accent1"/>
+    </dgm:linClrLst>
+    <dgm:effectClrLst/>
+    <dgm:txLinClrLst/>
+    <dgm:txFillClrLst meth="repeat">
+      <a:schemeClr val="dk1"/>
+    </dgm:txFillClrLst>
+    <dgm:txEffectClrLst/>
+  </dgm:styleLbl>
+  <dgm:styleLbl name="conFgAcc1">
+    <dgm:fillClrLst meth="repeat">
+      <a:schemeClr val="lt1">
+        <a:alpha val="90000"/>
+      </a:schemeClr>
+    </dgm:fillClrLst>
+    <dgm:linClrLst meth="repeat">
+      <a:schemeClr val="accent1"/>
+    </dgm:linClrLst>
+    <dgm:effectClrLst/>
+    <dgm:txLinClrLst/>
+    <dgm:txFillClrLst meth="repeat">
+      <a:schemeClr val="dk1"/>
+    </dgm:txFillClrLst>
+    <dgm:txEffectClrLst/>
+  </dgm:styleLbl>
+  <dgm:styleLbl name="alignAcc1">
+    <dgm:fillClrLst meth="repeat">
+      <a:schemeClr val="lt1">
+        <a:alpha val="90000"/>
+      </a:schemeClr>
+    </dgm:fillClrLst>
+    <dgm:linClrLst meth="repeat">
+      <a:schemeClr val="accent1"/>
+    </dgm:linClrLst>
+    <dgm:effectClrLst/>
+    <dgm:txLinClrLst/>
+    <dgm:txFillClrLst meth="repeat">
+      <a:schemeClr val="dk1"/>
+    </dgm:txFillClrLst>
+    <dgm:txEffectClrLst/>
+  </dgm:styleLbl>
+  <dgm:styleLbl name="trAlignAcc1">
+    <dgm:fillClrLst meth="repeat">
+      <a:schemeClr val="lt1">
+        <a:alpha val="40000"/>
+      </a:schemeClr>
+    </dgm:fillClrLst>
+    <dgm:linClrLst meth="repeat">
+      <a:schemeClr val="accent1"/>
+    </dgm:linClrLst>
+    <dgm:effectClrLst/>
+    <dgm:txLinClrLst/>
+    <dgm:txFillClrLst meth="repeat">
+      <a:schemeClr val="dk1"/>
+    </dgm:txFillClrLst>
+    <dgm:txEffectClrLst/>
+  </dgm:styleLbl>
+  <dgm:styleLbl name="bgAcc1">
+    <dgm:fillClrLst meth="repeat">
+      <a:schemeClr val="lt1">
+        <a:alpha val="90000"/>
+      </a:schemeClr>
+    </dgm:fillClrLst>
+    <dgm:linClrLst meth="repeat">
+      <a:schemeClr val="accent1"/>
+    </dgm:linClrLst>
+    <dgm:effectClrLst/>
+    <dgm:txLinClrLst/>
+    <dgm:txFillClrLst meth="repeat">
+      <a:schemeClr val="dk1"/>
+    </dgm:txFillClrLst>
+    <dgm:txEffectClrLst/>
+  </dgm:styleLbl>
+  <dgm:styleLbl name="solidFgAcc1">
+    <dgm:fillClrLst meth="repeat">
+      <a:schemeClr val="lt1"/>
+    </dgm:fillClrLst>
+    <dgm:linClrLst meth="repeat">
+      <a:schemeClr val="accent1"/>
+    </dgm:linClrLst>
+    <dgm:effectClrLst/>
+    <dgm:txLinClrLst/>
+    <dgm:txFillClrLst meth="repeat">
+      <a:schemeClr val="dk1"/>
+    </dgm:txFillClrLst>
+    <dgm:txEffectClrLst/>
+  </dgm:styleLbl>
+  <dgm:styleLbl name="solidAlignAcc1">
+    <dgm:fillClrLst meth="repeat">
+      <a:schemeClr val="lt1"/>
+    </dgm:fillClrLst>
+    <dgm:linClrLst meth="repeat">
+      <a:schemeClr val="accent1"/>
+    </dgm:linClrLst>
+    <dgm:effectClrLst/>
+    <dgm:txLinClrLst/>
+    <dgm:txFillClrLst meth="repeat">
+      <a:schemeClr val="dk1"/>
+    </dgm:txFillClrLst>
+    <dgm:txEffectClrLst/>
+  </dgm:styleLbl>
+  <dgm:styleLbl name="solidBgAcc1">
+    <dgm:fillClrLst meth="repeat">
+      <a:schemeClr val="lt1"/>
+    </dgm:fillClrLst>
+    <dgm:linClrLst meth="repeat">
+      <a:schemeClr val="accent1"/>
+    </dgm:linClrLst>
+    <dgm:effectClrLst/>
+    <dgm:txLinClrLst/>
+    <dgm:txFillClrLst meth="repeat">
+      <a:schemeClr val="dk1"/>
+    </dgm:txFillClrLst>
+    <dgm:txEffectClrLst/>
+  </dgm:styleLbl>
+  <dgm:styleLbl name="fgAccFollowNode1">
+    <dgm:fillClrLst meth="repeat">
+      <a:schemeClr val="accent1">
+        <a:alpha val="90000"/>
+        <a:tint val="40000"/>
+      </a:schemeClr>
+    </dgm:fillClrLst>
+    <dgm:linClrLst meth="repeat">
+      <a:schemeClr val="accent1">
+        <a:alpha val="90000"/>
+        <a:tint val="40000"/>
+      </a:schemeClr>
+    </dgm:linClrLst>
+    <dgm:effectClrLst/>
+    <dgm:txLinClrLst/>
+    <dgm:txFillClrLst meth="repeat">
+      <a:schemeClr val="dk1"/>
+    </dgm:txFillClrLst>
+    <dgm:txEffectClrLst/>
+  </dgm:styleLbl>
+  <dgm:styleLbl name="alignAccFollowNode1">
+    <dgm:fillClrLst meth="repeat">
+      <a:schemeClr val="accent1">
+        <a:alpha val="90000"/>
+        <a:tint val="40000"/>
+      </a:schemeClr>
+    </dgm:fillClrLst>
+    <dgm:linClrLst meth="repeat">
+      <a:schemeClr val="accent1">
+        <a:alpha val="90000"/>
+        <a:tint val="40000"/>
+      </a:schemeClr>
+    </dgm:linClrLst>
+    <dgm:effectClrLst/>
+    <dgm:txLinClrLst/>
+    <dgm:txFillClrLst meth="repeat">
+      <a:schemeClr val="dk1"/>
+    </dgm:txFillClrLst>
+    <dgm:txEffectClrLst/>
+  </dgm:styleLbl>
+  <dgm:styleLbl name="bgAccFollowNode1">
+    <dgm:fillClrLst meth="repeat">
+      <a:schemeClr val="accent1">
+        <a:alpha val="90000"/>
+        <a:tint val="40000"/>
+      </a:schemeClr>
+    </dgm:fillClrLst>
+    <dgm:linClrLst meth="repeat">
+      <a:schemeClr val="accent1">
+        <a:alpha val="90000"/>
+        <a:tint val="40000"/>
+      </a:schemeClr>
+    </dgm:linClrLst>
+    <dgm:effectClrLst/>
+    <dgm:txLinClrLst/>
+    <dgm:txFillClrLst meth="repeat">
+      <a:schemeClr val="dk1"/>
+    </dgm:txFillClrLst>
+    <dgm:txEffectClrLst/>
+  </dgm:styleLbl>
+  <dgm:styleLbl name="fgAcc0">
+    <dgm:fillClrLst meth="repeat">
+      <a:schemeClr val="lt1">
+        <a:alpha val="90000"/>
+      </a:schemeClr>
+    </dgm:fillClrLst>
+    <dgm:linClrLst meth="repeat">
+      <a:schemeClr val="accent1"/>
+    </dgm:linClrLst>
+    <dgm:effectClrLst/>
+    <dgm:txLinClrLst/>
+    <dgm:txFillClrLst meth="repeat">
+      <a:schemeClr val="dk1"/>
+    </dgm:txFillClrLst>
+    <dgm:txEffectClrLst/>
+  </dgm:styleLbl>
+  <dgm:styleLbl name="fgAcc2">
+    <dgm:fillClrLst meth="repeat">
+      <a:schemeClr val="lt1">
+        <a:alpha val="90000"/>
+      </a:schemeClr>
+    </dgm:fillClrLst>
+    <dgm:linClrLst meth="repeat">
+      <a:schemeClr val="accent1"/>
+    </dgm:linClrLst>
+    <dgm:effectClrLst/>
+    <dgm:txLinClrLst/>
+    <dgm:txFillClrLst meth="repeat">
+      <a:schemeClr val="dk1"/>
+    </dgm:txFillClrLst>
+    <dgm:txEffectClrLst/>
+  </dgm:styleLbl>
+  <dgm:styleLbl name="fgAcc3">
+    <dgm:fillClrLst meth="repeat">
+      <a:schemeClr val="lt1">
+        <a:alpha val="90000"/>
+      </a:schemeClr>
+    </dgm:fillClrLst>
+    <dgm:linClrLst meth="repeat">
+      <a:schemeClr val="accent1"/>
+    </dgm:linClrLst>
+    <dgm:effectClrLst/>
+    <dgm:txLinClrLst/>
+    <dgm:txFillClrLst meth="repeat">
+      <a:schemeClr val="dk1"/>
+    </dgm:txFillClrLst>
+    <dgm:txEffectClrLst/>
+  </dgm:styleLbl>
+  <dgm:styleLbl name="fgAcc4">
+    <dgm:fillClrLst meth="repeat">
+      <a:schemeClr val="lt1">
+        <a:alpha val="90000"/>
+      </a:schemeClr>
+    </dgm:fillClrLst>
+    <dgm:linClrLst meth="repeat">
+      <a:schemeClr val="accent1"/>
+    </dgm:linClrLst>
+    <dgm:effectClrLst/>
+    <dgm:txLinClrLst/>
+    <dgm:txFillClrLst meth="repeat">
+      <a:schemeClr val="dk1"/>
+    </dgm:txFillClrLst>
+    <dgm:txEffectClrLst/>
+  </dgm:styleLbl>
+  <dgm:styleLbl name="bgShp">
+    <dgm:fillClrLst meth="repeat">
+      <a:schemeClr val="accent1">
+        <a:tint val="40000"/>
+      </a:schemeClr>
+    </dgm:fillClrLst>
+    <dgm:linClrLst meth="repeat">
+      <a:schemeClr val="accent1"/>
+    </dgm:linClrLst>
+    <dgm:effectClrLst/>
+    <dgm:txLinClrLst/>
+    <dgm:txFillClrLst meth="repeat">
+      <a:schemeClr val="dk1"/>
+    </dgm:txFillClrLst>
+    <dgm:txEffectClrLst/>
+  </dgm:styleLbl>
+  <dgm:styleLbl name="dkBgShp">
+    <dgm:fillClrLst meth="repeat">
+      <a:schemeClr val="accent1">
+        <a:shade val="80000"/>
+      </a:schemeClr>
+    </dgm:fillClrLst>
+    <dgm:linClrLst meth="repeat">
+      <a:schemeClr val="accent1"/>
+    </dgm:linClrLst>
+    <dgm:effectClrLst/>
+    <dgm:txLinClrLst/>
+    <dgm:txFillClrLst meth="repeat">
+      <a:schemeClr val="lt1"/>
+    </dgm:txFillClrLst>
+    <dgm:txEffectClrLst/>
+  </dgm:styleLbl>
+  <dgm:styleLbl name="trBgShp">
+    <dgm:fillClrLst meth="repeat">
+      <a:schemeClr val="accent1">
+        <a:tint val="50000"/>
+        <a:alpha val="40000"/>
+      </a:schemeClr>
+    </dgm:fillClrLst>
+    <dgm:linClrLst meth="repeat">
+      <a:schemeClr val="accent1"/>
+    </dgm:linClrLst>
+    <dgm:effectClrLst/>
+    <dgm:txLinClrLst/>
+    <dgm:txFillClrLst meth="repeat">
+      <a:schemeClr val="lt1"/>
+    </dgm:txFillClrLst>
+    <dgm:txEffectClrLst/>
+  </dgm:styleLbl>
+  <dgm:styleLbl name="fgShp">
+    <dgm:fillClrLst meth="repeat">
+      <a:schemeClr val="accent1">
+        <a:tint val="60000"/>
+      </a:schemeClr>
+    </dgm:fillClrLst>
+    <dgm:linClrLst meth="repeat">
+      <a:schemeClr val="lt1"/>
+    </dgm:linClrLst>
+    <dgm:effectClrLst/>
+    <dgm:txLinClrLst/>
+    <dgm:txFillClrLst meth="repeat">
+      <a:schemeClr val="dk1"/>
+    </dgm:txFillClrLst>
+    <dgm:txEffectClrLst/>
+  </dgm:styleLbl>
+  <dgm:styleLbl name="revTx">
+    <dgm:fillClrLst meth="repeat">
+      <a:schemeClr val="lt1">
+        <a:alpha val="0"/>
+      </a:schemeClr>
+    </dgm:fillClrLst>
+    <dgm:linClrLst meth="repeat">
+      <a:schemeClr val="dk1">
+        <a:alpha val="0"/>
+      </a:schemeClr>
+    </dgm:linClrLst>
+    <dgm:effectClrLst/>
+    <dgm:txLinClrLst/>
+    <dgm:txFillClrLst meth="repeat">
+      <a:schemeClr val="tx1"/>
+    </dgm:txFillClrLst>
+    <dgm:txEffectClrLst/>
+  </dgm:styleLbl>
+</dgm:colorsDef>
+</file>
+
 <file path=ppt/diagrams/data1.xml><?xml version="1.0" encoding="utf-8"?>
+<dgm:dataModel xmlns:dgm="http://schemas.openxmlformats.org/drawingml/2006/diagram" xmlns:a="http://schemas.openxmlformats.org/drawingml/2006/main">
+  <dgm:ptLst>
+    <dgm:pt modelId="{A6302F47-2961-45F3-A8B4-7EE29F31A881}" type="doc">
+      <dgm:prSet loTypeId="urn:microsoft.com/office/officeart/2005/8/layout/vList2" loCatId="list" qsTypeId="urn:microsoft.com/office/officeart/2005/8/quickstyle/simple1" qsCatId="simple" csTypeId="urn:microsoft.com/office/officeart/2005/8/colors/accent1_2" csCatId="accent1" phldr="1"/>
+      <dgm:spPr/>
+      <dgm:t>
+        <a:bodyPr/>
+        <a:lstStyle/>
+        <a:p>
+          <a:endParaRPr kumimoji="1" lang="ja-JP" altLang="en-US"/>
+        </a:p>
+      </dgm:t>
+    </dgm:pt>
+    <dgm:pt modelId="{C75404C8-CE14-426F-856D-D6391C3A08DB}">
+      <dgm:prSet/>
+      <dgm:spPr/>
+      <dgm:t>
+        <a:bodyPr/>
+        <a:lstStyle/>
+        <a:p>
+          <a:pPr rtl="0"/>
+          <a:r>
+            <a:rPr kumimoji="1" lang="ja-JP" altLang="en-US" dirty="0" smtClean="0"/>
+            <a:t>１．</a:t>
+          </a:r>
+          <a:r>
+            <a:rPr kumimoji="1" lang="ja-JP" dirty="0" smtClean="0"/>
+            <a:t>研究背景</a:t>
+          </a:r>
+          <a:endParaRPr kumimoji="1" lang="en-US" dirty="0"/>
+        </a:p>
+      </dgm:t>
+    </dgm:pt>
+    <dgm:pt modelId="{50D2585C-486D-4D68-B274-20ACE2EB15FE}" type="parTrans" cxnId="{96F17856-CC79-4EF9-8016-1C40047A25FE}">
+      <dgm:prSet/>
+      <dgm:spPr/>
+      <dgm:t>
+        <a:bodyPr/>
+        <a:lstStyle/>
+        <a:p>
+          <a:endParaRPr kumimoji="1" lang="ja-JP" altLang="en-US"/>
+        </a:p>
+      </dgm:t>
+    </dgm:pt>
+    <dgm:pt modelId="{7901B888-D867-4595-BF91-360E1223A0FB}" type="sibTrans" cxnId="{96F17856-CC79-4EF9-8016-1C40047A25FE}">
+      <dgm:prSet/>
+      <dgm:spPr/>
+      <dgm:t>
+        <a:bodyPr/>
+        <a:lstStyle/>
+        <a:p>
+          <a:endParaRPr kumimoji="1" lang="ja-JP" altLang="en-US"/>
+        </a:p>
+      </dgm:t>
+    </dgm:pt>
+    <dgm:pt modelId="{1D7E22A4-6598-4A48-9CFA-70EA4910B8F8}">
+      <dgm:prSet/>
+      <dgm:spPr/>
+      <dgm:t>
+        <a:bodyPr/>
+        <a:lstStyle/>
+        <a:p>
+          <a:pPr rtl="0"/>
+          <a:r>
+            <a:rPr kumimoji="1" lang="ja-JP" altLang="en-US" dirty="0" smtClean="0"/>
+            <a:t>２．</a:t>
+          </a:r>
+          <a:r>
+            <a:rPr kumimoji="1" lang="ja-JP" dirty="0" smtClean="0"/>
+            <a:t>研究目的</a:t>
+          </a:r>
+          <a:endParaRPr kumimoji="1" lang="en-US" dirty="0"/>
+        </a:p>
+      </dgm:t>
+    </dgm:pt>
+    <dgm:pt modelId="{34AA1C90-BCBE-4AFC-9F54-523998855944}" type="parTrans" cxnId="{90428295-280D-412C-85A6-B5BCA0A5DEA7}">
+      <dgm:prSet/>
+      <dgm:spPr/>
+      <dgm:t>
+        <a:bodyPr/>
+        <a:lstStyle/>
+        <a:p>
+          <a:endParaRPr kumimoji="1" lang="ja-JP" altLang="en-US"/>
+        </a:p>
+      </dgm:t>
+    </dgm:pt>
+    <dgm:pt modelId="{F0DFFD79-130C-4D48-807B-6AAA9A326942}" type="sibTrans" cxnId="{90428295-280D-412C-85A6-B5BCA0A5DEA7}">
+      <dgm:prSet/>
+      <dgm:spPr/>
+      <dgm:t>
+        <a:bodyPr/>
+        <a:lstStyle/>
+        <a:p>
+          <a:endParaRPr kumimoji="1" lang="ja-JP" altLang="en-US"/>
+        </a:p>
+      </dgm:t>
+    </dgm:pt>
+    <dgm:pt modelId="{F196CDDF-52CE-489F-92FE-117E2E7972D2}">
+      <dgm:prSet/>
+      <dgm:spPr/>
+      <dgm:t>
+        <a:bodyPr/>
+        <a:lstStyle/>
+        <a:p>
+          <a:pPr rtl="0"/>
+          <a:r>
+            <a:rPr kumimoji="1" lang="ja-JP" altLang="en-US" dirty="0" smtClean="0"/>
+            <a:t>３．</a:t>
+          </a:r>
+          <a:r>
+            <a:rPr kumimoji="1" lang="ja-JP" dirty="0" smtClean="0"/>
+            <a:t>研究方法</a:t>
+          </a:r>
+          <a:endParaRPr kumimoji="1" lang="en-US" dirty="0"/>
+        </a:p>
+      </dgm:t>
+    </dgm:pt>
+    <dgm:pt modelId="{2B2793DA-EEAF-4730-813B-7599BA4ACFD7}" type="parTrans" cxnId="{79A6D03E-621B-4EF9-AB77-CB376B7C7AF9}">
+      <dgm:prSet/>
+      <dgm:spPr/>
+      <dgm:t>
+        <a:bodyPr/>
+        <a:lstStyle/>
+        <a:p>
+          <a:endParaRPr kumimoji="1" lang="ja-JP" altLang="en-US"/>
+        </a:p>
+      </dgm:t>
+    </dgm:pt>
+    <dgm:pt modelId="{2E766986-9BAB-48B3-AEB3-9A619CAE6F7F}" type="sibTrans" cxnId="{79A6D03E-621B-4EF9-AB77-CB376B7C7AF9}">
+      <dgm:prSet/>
+      <dgm:spPr/>
+      <dgm:t>
+        <a:bodyPr/>
+        <a:lstStyle/>
+        <a:p>
+          <a:endParaRPr kumimoji="1" lang="ja-JP" altLang="en-US"/>
+        </a:p>
+      </dgm:t>
+    </dgm:pt>
+    <dgm:pt modelId="{C2948C20-0B41-4B9B-A6AB-A0838DE50456}">
+      <dgm:prSet/>
+      <dgm:spPr/>
+      <dgm:t>
+        <a:bodyPr/>
+        <a:lstStyle/>
+        <a:p>
+          <a:pPr rtl="0"/>
+          <a:r>
+            <a:rPr kumimoji="1" lang="ja-JP" altLang="en-US" dirty="0" smtClean="0"/>
+            <a:t>４．</a:t>
+          </a:r>
+          <a:r>
+            <a:rPr kumimoji="1" lang="ja-JP" dirty="0" smtClean="0"/>
+            <a:t>調査結果</a:t>
+          </a:r>
+          <a:endParaRPr kumimoji="1" lang="en-US" dirty="0"/>
+        </a:p>
+      </dgm:t>
+    </dgm:pt>
+    <dgm:pt modelId="{8DFFA7D4-2B50-4A12-A3A3-41C5FE6894BC}" type="parTrans" cxnId="{953EA1AA-414E-4F37-BE46-712D89F063ED}">
+      <dgm:prSet/>
+      <dgm:spPr/>
+      <dgm:t>
+        <a:bodyPr/>
+        <a:lstStyle/>
+        <a:p>
+          <a:endParaRPr kumimoji="1" lang="ja-JP" altLang="en-US"/>
+        </a:p>
+      </dgm:t>
+    </dgm:pt>
+    <dgm:pt modelId="{D25A5A2E-44D6-4E0A-B0BA-774BDC696B03}" type="sibTrans" cxnId="{953EA1AA-414E-4F37-BE46-712D89F063ED}">
+      <dgm:prSet/>
+      <dgm:spPr/>
+      <dgm:t>
+        <a:bodyPr/>
+        <a:lstStyle/>
+        <a:p>
+          <a:endParaRPr kumimoji="1" lang="ja-JP" altLang="en-US"/>
+        </a:p>
+      </dgm:t>
+    </dgm:pt>
+    <dgm:pt modelId="{D63DC627-22D8-4CB0-A1B8-D678262624E6}">
+      <dgm:prSet/>
+      <dgm:spPr/>
+      <dgm:t>
+        <a:bodyPr/>
+        <a:lstStyle/>
+        <a:p>
+          <a:pPr rtl="0"/>
+          <a:r>
+            <a:rPr kumimoji="1" lang="ja-JP" altLang="en-US" dirty="0" smtClean="0"/>
+            <a:t>５．</a:t>
+          </a:r>
+          <a:r>
+            <a:rPr kumimoji="1" lang="ja-JP" dirty="0" smtClean="0"/>
+            <a:t>考察</a:t>
+          </a:r>
+          <a:endParaRPr kumimoji="1" lang="en-US" dirty="0"/>
+        </a:p>
+      </dgm:t>
+    </dgm:pt>
+    <dgm:pt modelId="{88CAD67C-E2FF-4023-9C8A-A9784BDED221}" type="parTrans" cxnId="{7FE3BE4E-42F3-4ADF-8FCF-AB81BADB97CC}">
+      <dgm:prSet/>
+      <dgm:spPr/>
+      <dgm:t>
+        <a:bodyPr/>
+        <a:lstStyle/>
+        <a:p>
+          <a:endParaRPr kumimoji="1" lang="ja-JP" altLang="en-US"/>
+        </a:p>
+      </dgm:t>
+    </dgm:pt>
+    <dgm:pt modelId="{628DEEBE-E7BD-44FA-865A-5F5761FAF073}" type="sibTrans" cxnId="{7FE3BE4E-42F3-4ADF-8FCF-AB81BADB97CC}">
+      <dgm:prSet/>
+      <dgm:spPr/>
+      <dgm:t>
+        <a:bodyPr/>
+        <a:lstStyle/>
+        <a:p>
+          <a:endParaRPr kumimoji="1" lang="ja-JP" altLang="en-US"/>
+        </a:p>
+      </dgm:t>
+    </dgm:pt>
+    <dgm:pt modelId="{17AC0D3C-DA0F-4E04-8910-F16B46A58399}">
+      <dgm:prSet/>
+      <dgm:spPr/>
+      <dgm:t>
+        <a:bodyPr/>
+        <a:lstStyle/>
+        <a:p>
+          <a:pPr rtl="0"/>
+          <a:r>
+            <a:rPr kumimoji="1" lang="ja-JP" altLang="en-US" dirty="0" smtClean="0"/>
+            <a:t>６．</a:t>
+          </a:r>
+          <a:r>
+            <a:rPr kumimoji="1" lang="ja-JP" dirty="0" smtClean="0"/>
+            <a:t>まとめ</a:t>
+          </a:r>
+          <a:endParaRPr lang="ja-JP" dirty="0"/>
+        </a:p>
+      </dgm:t>
+    </dgm:pt>
+    <dgm:pt modelId="{BB4E0B7C-1A3B-499F-87B3-98CC26D6D4B6}" type="parTrans" cxnId="{05C77D96-D686-4FC1-A5A0-BCA0080ACA4D}">
+      <dgm:prSet/>
+      <dgm:spPr/>
+      <dgm:t>
+        <a:bodyPr/>
+        <a:lstStyle/>
+        <a:p>
+          <a:endParaRPr kumimoji="1" lang="ja-JP" altLang="en-US"/>
+        </a:p>
+      </dgm:t>
+    </dgm:pt>
+    <dgm:pt modelId="{5B880325-EB93-40B9-A3DB-3F6783E403BA}" type="sibTrans" cxnId="{05C77D96-D686-4FC1-A5A0-BCA0080ACA4D}">
+      <dgm:prSet/>
+      <dgm:spPr/>
+      <dgm:t>
+        <a:bodyPr/>
+        <a:lstStyle/>
+        <a:p>
+          <a:endParaRPr kumimoji="1" lang="ja-JP" altLang="en-US"/>
+        </a:p>
+      </dgm:t>
+    </dgm:pt>
+    <dgm:pt modelId="{B190C499-703F-43B1-B1DF-2A8B06641727}" type="pres">
+      <dgm:prSet presAssocID="{A6302F47-2961-45F3-A8B4-7EE29F31A881}" presName="linear" presStyleCnt="0">
+        <dgm:presLayoutVars>
+          <dgm:animLvl val="lvl"/>
+          <dgm:resizeHandles val="exact"/>
+        </dgm:presLayoutVars>
+      </dgm:prSet>
+      <dgm:spPr/>
+    </dgm:pt>
+    <dgm:pt modelId="{E81E7DE9-1AA6-4E44-8893-8E5F7C55B274}" type="pres">
+      <dgm:prSet presAssocID="{C75404C8-CE14-426F-856D-D6391C3A08DB}" presName="parentText" presStyleLbl="node1" presStyleIdx="0" presStyleCnt="6">
+        <dgm:presLayoutVars>
+          <dgm:chMax val="0"/>
+          <dgm:bulletEnabled val="1"/>
+        </dgm:presLayoutVars>
+      </dgm:prSet>
+      <dgm:spPr/>
+    </dgm:pt>
+    <dgm:pt modelId="{8D87823E-3C61-4E1C-BC43-E1B5DC424111}" type="pres">
+      <dgm:prSet presAssocID="{7901B888-D867-4595-BF91-360E1223A0FB}" presName="spacer" presStyleCnt="0"/>
+      <dgm:spPr/>
+    </dgm:pt>
+    <dgm:pt modelId="{1B5F402E-28D3-432A-A49D-1809A2CF1685}" type="pres">
+      <dgm:prSet presAssocID="{1D7E22A4-6598-4A48-9CFA-70EA4910B8F8}" presName="parentText" presStyleLbl="node1" presStyleIdx="1" presStyleCnt="6">
+        <dgm:presLayoutVars>
+          <dgm:chMax val="0"/>
+          <dgm:bulletEnabled val="1"/>
+        </dgm:presLayoutVars>
+      </dgm:prSet>
+      <dgm:spPr/>
+    </dgm:pt>
+    <dgm:pt modelId="{E7444914-C7B6-4629-9FD8-00AE7FCC1337}" type="pres">
+      <dgm:prSet presAssocID="{F0DFFD79-130C-4D48-807B-6AAA9A326942}" presName="spacer" presStyleCnt="0"/>
+      <dgm:spPr/>
+    </dgm:pt>
+    <dgm:pt modelId="{0C1C44AF-403F-45C8-8011-9E6E47DBF274}" type="pres">
+      <dgm:prSet presAssocID="{F196CDDF-52CE-489F-92FE-117E2E7972D2}" presName="parentText" presStyleLbl="node1" presStyleIdx="2" presStyleCnt="6">
+        <dgm:presLayoutVars>
+          <dgm:chMax val="0"/>
+          <dgm:bulletEnabled val="1"/>
+        </dgm:presLayoutVars>
+      </dgm:prSet>
+      <dgm:spPr/>
+    </dgm:pt>
+    <dgm:pt modelId="{B1030EC7-24EA-4686-AA9C-12EC64786088}" type="pres">
+      <dgm:prSet presAssocID="{2E766986-9BAB-48B3-AEB3-9A619CAE6F7F}" presName="spacer" presStyleCnt="0"/>
+      <dgm:spPr/>
+    </dgm:pt>
+    <dgm:pt modelId="{3E8FA72C-9D38-464F-BA5F-B8726C8494E8}" type="pres">
+      <dgm:prSet presAssocID="{C2948C20-0B41-4B9B-A6AB-A0838DE50456}" presName="parentText" presStyleLbl="node1" presStyleIdx="3" presStyleCnt="6">
+        <dgm:presLayoutVars>
+          <dgm:chMax val="0"/>
+          <dgm:bulletEnabled val="1"/>
+        </dgm:presLayoutVars>
+      </dgm:prSet>
+      <dgm:spPr/>
+    </dgm:pt>
+    <dgm:pt modelId="{491AAF46-4EA4-4AA7-B8CF-80907F7AF662}" type="pres">
+      <dgm:prSet presAssocID="{D25A5A2E-44D6-4E0A-B0BA-774BDC696B03}" presName="spacer" presStyleCnt="0"/>
+      <dgm:spPr/>
+    </dgm:pt>
+    <dgm:pt modelId="{21E71746-D943-4E9F-9FDF-3BD1B65D6FDE}" type="pres">
+      <dgm:prSet presAssocID="{D63DC627-22D8-4CB0-A1B8-D678262624E6}" presName="parentText" presStyleLbl="node1" presStyleIdx="4" presStyleCnt="6">
+        <dgm:presLayoutVars>
+          <dgm:chMax val="0"/>
+          <dgm:bulletEnabled val="1"/>
+        </dgm:presLayoutVars>
+      </dgm:prSet>
+      <dgm:spPr/>
+    </dgm:pt>
+    <dgm:pt modelId="{502AD020-D3B0-4249-B349-3974F1C800AD}" type="pres">
+      <dgm:prSet presAssocID="{628DEEBE-E7BD-44FA-865A-5F5761FAF073}" presName="spacer" presStyleCnt="0"/>
+      <dgm:spPr/>
+    </dgm:pt>
+    <dgm:pt modelId="{F300E3B5-022C-404A-95E9-4503334AC969}" type="pres">
+      <dgm:prSet presAssocID="{17AC0D3C-DA0F-4E04-8910-F16B46A58399}" presName="parentText" presStyleLbl="node1" presStyleIdx="5" presStyleCnt="6">
+        <dgm:presLayoutVars>
+          <dgm:chMax val="0"/>
+          <dgm:bulletEnabled val="1"/>
+        </dgm:presLayoutVars>
+      </dgm:prSet>
+      <dgm:spPr/>
+    </dgm:pt>
+  </dgm:ptLst>
+  <dgm:cxnLst>
+    <dgm:cxn modelId="{7FE3BE4E-42F3-4ADF-8FCF-AB81BADB97CC}" srcId="{A6302F47-2961-45F3-A8B4-7EE29F31A881}" destId="{D63DC627-22D8-4CB0-A1B8-D678262624E6}" srcOrd="4" destOrd="0" parTransId="{88CAD67C-E2FF-4023-9C8A-A9784BDED221}" sibTransId="{628DEEBE-E7BD-44FA-865A-5F5761FAF073}"/>
+    <dgm:cxn modelId="{4E0435BB-D3C6-4A66-B882-6D233AC2F982}" type="presOf" srcId="{A6302F47-2961-45F3-A8B4-7EE29F31A881}" destId="{B190C499-703F-43B1-B1DF-2A8B06641727}" srcOrd="0" destOrd="0" presId="urn:microsoft.com/office/officeart/2005/8/layout/vList2"/>
+    <dgm:cxn modelId="{90428295-280D-412C-85A6-B5BCA0A5DEA7}" srcId="{A6302F47-2961-45F3-A8B4-7EE29F31A881}" destId="{1D7E22A4-6598-4A48-9CFA-70EA4910B8F8}" srcOrd="1" destOrd="0" parTransId="{34AA1C90-BCBE-4AFC-9F54-523998855944}" sibTransId="{F0DFFD79-130C-4D48-807B-6AAA9A326942}"/>
+    <dgm:cxn modelId="{76C62B27-61D7-4457-828E-1FAFB13B4636}" type="presOf" srcId="{C75404C8-CE14-426F-856D-D6391C3A08DB}" destId="{E81E7DE9-1AA6-4E44-8893-8E5F7C55B274}" srcOrd="0" destOrd="0" presId="urn:microsoft.com/office/officeart/2005/8/layout/vList2"/>
+    <dgm:cxn modelId="{745ED441-5595-41FD-B147-BFE4133DFF72}" type="presOf" srcId="{C2948C20-0B41-4B9B-A6AB-A0838DE50456}" destId="{3E8FA72C-9D38-464F-BA5F-B8726C8494E8}" srcOrd="0" destOrd="0" presId="urn:microsoft.com/office/officeart/2005/8/layout/vList2"/>
+    <dgm:cxn modelId="{A00CDADB-478F-4B77-8FAD-F2D0C0716F45}" type="presOf" srcId="{D63DC627-22D8-4CB0-A1B8-D678262624E6}" destId="{21E71746-D943-4E9F-9FDF-3BD1B65D6FDE}" srcOrd="0" destOrd="0" presId="urn:microsoft.com/office/officeart/2005/8/layout/vList2"/>
+    <dgm:cxn modelId="{AF52D7CE-6304-4EBA-808A-2CBC241AD1F6}" type="presOf" srcId="{1D7E22A4-6598-4A48-9CFA-70EA4910B8F8}" destId="{1B5F402E-28D3-432A-A49D-1809A2CF1685}" srcOrd="0" destOrd="0" presId="urn:microsoft.com/office/officeart/2005/8/layout/vList2"/>
+    <dgm:cxn modelId="{953EA1AA-414E-4F37-BE46-712D89F063ED}" srcId="{A6302F47-2961-45F3-A8B4-7EE29F31A881}" destId="{C2948C20-0B41-4B9B-A6AB-A0838DE50456}" srcOrd="3" destOrd="0" parTransId="{8DFFA7D4-2B50-4A12-A3A3-41C5FE6894BC}" sibTransId="{D25A5A2E-44D6-4E0A-B0BA-774BDC696B03}"/>
+    <dgm:cxn modelId="{05C77D96-D686-4FC1-A5A0-BCA0080ACA4D}" srcId="{A6302F47-2961-45F3-A8B4-7EE29F31A881}" destId="{17AC0D3C-DA0F-4E04-8910-F16B46A58399}" srcOrd="5" destOrd="0" parTransId="{BB4E0B7C-1A3B-499F-87B3-98CC26D6D4B6}" sibTransId="{5B880325-EB93-40B9-A3DB-3F6783E403BA}"/>
+    <dgm:cxn modelId="{35847ED9-CC70-4A41-90A3-EB3D9514506C}" type="presOf" srcId="{17AC0D3C-DA0F-4E04-8910-F16B46A58399}" destId="{F300E3B5-022C-404A-95E9-4503334AC969}" srcOrd="0" destOrd="0" presId="urn:microsoft.com/office/officeart/2005/8/layout/vList2"/>
+    <dgm:cxn modelId="{96F17856-CC79-4EF9-8016-1C40047A25FE}" srcId="{A6302F47-2961-45F3-A8B4-7EE29F31A881}" destId="{C75404C8-CE14-426F-856D-D6391C3A08DB}" srcOrd="0" destOrd="0" parTransId="{50D2585C-486D-4D68-B274-20ACE2EB15FE}" sibTransId="{7901B888-D867-4595-BF91-360E1223A0FB}"/>
+    <dgm:cxn modelId="{79A6D03E-621B-4EF9-AB77-CB376B7C7AF9}" srcId="{A6302F47-2961-45F3-A8B4-7EE29F31A881}" destId="{F196CDDF-52CE-489F-92FE-117E2E7972D2}" srcOrd="2" destOrd="0" parTransId="{2B2793DA-EEAF-4730-813B-7599BA4ACFD7}" sibTransId="{2E766986-9BAB-48B3-AEB3-9A619CAE6F7F}"/>
+    <dgm:cxn modelId="{3AE611DC-9166-4EA9-9FDC-40559A84F237}" type="presOf" srcId="{F196CDDF-52CE-489F-92FE-117E2E7972D2}" destId="{0C1C44AF-403F-45C8-8011-9E6E47DBF274}" srcOrd="0" destOrd="0" presId="urn:microsoft.com/office/officeart/2005/8/layout/vList2"/>
+    <dgm:cxn modelId="{AFD9BC4B-D019-4F41-8127-F8F01CAFE424}" type="presParOf" srcId="{B190C499-703F-43B1-B1DF-2A8B06641727}" destId="{E81E7DE9-1AA6-4E44-8893-8E5F7C55B274}" srcOrd="0" destOrd="0" presId="urn:microsoft.com/office/officeart/2005/8/layout/vList2"/>
+    <dgm:cxn modelId="{1FE06E63-254F-4B41-88D0-B3E3F278F30A}" type="presParOf" srcId="{B190C499-703F-43B1-B1DF-2A8B06641727}" destId="{8D87823E-3C61-4E1C-BC43-E1B5DC424111}" srcOrd="1" destOrd="0" presId="urn:microsoft.com/office/officeart/2005/8/layout/vList2"/>
+    <dgm:cxn modelId="{56FBA0F0-BA5C-4CF5-A5B2-AA13AB422656}" type="presParOf" srcId="{B190C499-703F-43B1-B1DF-2A8B06641727}" destId="{1B5F402E-28D3-432A-A49D-1809A2CF1685}" srcOrd="2" destOrd="0" presId="urn:microsoft.com/office/officeart/2005/8/layout/vList2"/>
+    <dgm:cxn modelId="{9DB121FF-3C1D-407E-A337-78D30C236290}" type="presParOf" srcId="{B190C499-703F-43B1-B1DF-2A8B06641727}" destId="{E7444914-C7B6-4629-9FD8-00AE7FCC1337}" srcOrd="3" destOrd="0" presId="urn:microsoft.com/office/officeart/2005/8/layout/vList2"/>
+    <dgm:cxn modelId="{B223038E-64ED-4B92-862C-2C13DC985EAD}" type="presParOf" srcId="{B190C499-703F-43B1-B1DF-2A8B06641727}" destId="{0C1C44AF-403F-45C8-8011-9E6E47DBF274}" srcOrd="4" destOrd="0" presId="urn:microsoft.com/office/officeart/2005/8/layout/vList2"/>
+    <dgm:cxn modelId="{40605F05-62B3-4BEB-A583-7923DC6E4206}" type="presParOf" srcId="{B190C499-703F-43B1-B1DF-2A8B06641727}" destId="{B1030EC7-24EA-4686-AA9C-12EC64786088}" srcOrd="5" destOrd="0" presId="urn:microsoft.com/office/officeart/2005/8/layout/vList2"/>
+    <dgm:cxn modelId="{79AE31C8-3070-4DE7-8DF4-F4F9CB4A01F7}" type="presParOf" srcId="{B190C499-703F-43B1-B1DF-2A8B06641727}" destId="{3E8FA72C-9D38-464F-BA5F-B8726C8494E8}" srcOrd="6" destOrd="0" presId="urn:microsoft.com/office/officeart/2005/8/layout/vList2"/>
+    <dgm:cxn modelId="{8AF72294-853D-4BEA-87B1-6ECF919B78E9}" type="presParOf" srcId="{B190C499-703F-43B1-B1DF-2A8B06641727}" destId="{491AAF46-4EA4-4AA7-B8CF-80907F7AF662}" srcOrd="7" destOrd="0" presId="urn:microsoft.com/office/officeart/2005/8/layout/vList2"/>
+    <dgm:cxn modelId="{800F0AE7-9C7C-428C-A2B4-1EA42A363557}" type="presParOf" srcId="{B190C499-703F-43B1-B1DF-2A8B06641727}" destId="{21E71746-D943-4E9F-9FDF-3BD1B65D6FDE}" srcOrd="8" destOrd="0" presId="urn:microsoft.com/office/officeart/2005/8/layout/vList2"/>
+    <dgm:cxn modelId="{8B0D6F86-1F7A-49F5-B797-DB9EB103FDD0}" type="presParOf" srcId="{B190C499-703F-43B1-B1DF-2A8B06641727}" destId="{502AD020-D3B0-4249-B349-3974F1C800AD}" srcOrd="9" destOrd="0" presId="urn:microsoft.com/office/officeart/2005/8/layout/vList2"/>
+    <dgm:cxn modelId="{3DD2495C-C9F6-4BB2-A82E-93DD3D1E8377}" type="presParOf" srcId="{B190C499-703F-43B1-B1DF-2A8B06641727}" destId="{F300E3B5-022C-404A-95E9-4503334AC969}" srcOrd="10" destOrd="0" presId="urn:microsoft.com/office/officeart/2005/8/layout/vList2"/>
+  </dgm:cxnLst>
+  <dgm:bg/>
+  <dgm:whole/>
+  <dgm:extLst>
+    <a:ext uri="http://schemas.microsoft.com/office/drawing/2008/diagram">
+      <dsp:dataModelExt xmlns:dsp="http://schemas.microsoft.com/office/drawing/2008/diagram" xmlns="" relId="rId7" minVer="http://schemas.openxmlformats.org/drawingml/2006/diagram"/>
+    </a:ext>
+  </dgm:extLst>
+</dgm:dataModel>
+</file>
+
+<file path=ppt/diagrams/data2.xml><?xml version="1.0" encoding="utf-8"?>
 <dgm:dataModel xmlns:dgm="http://schemas.openxmlformats.org/drawingml/2006/diagram" xmlns:a="http://schemas.openxmlformats.org/drawingml/2006/main">
   <dgm:ptLst>
     <dgm:pt modelId="{9AA76B87-D72B-4951-89C8-0832806EB352}" type="doc">
@@ -938,14 +2074,7 @@
               <a:latin typeface="+mn-ea"/>
               <a:ea typeface="+mn-ea"/>
             </a:rPr>
-            <a:t>チケットに</a:t>
-          </a:r>
-          <a:r>
-            <a:rPr kumimoji="1" lang="ja-JP" dirty="0" smtClean="0">
-              <a:latin typeface="+mn-ea"/>
-              <a:ea typeface="+mn-ea"/>
-            </a:rPr>
-            <a:t>着目した．</a:t>
+            <a:t>チケットに着目した．</a:t>
           </a:r>
           <a:endParaRPr lang="ja-JP" dirty="0">
             <a:latin typeface="+mn-ea"/>
@@ -989,14 +2118,7 @@
               <a:latin typeface="+mn-ea"/>
               <a:ea typeface="+mn-ea"/>
             </a:rPr>
-            <a:t>・チケットの利用状況を収集，可視化するツールを</a:t>
-          </a:r>
-          <a:r>
-            <a:rPr kumimoji="1" lang="ja-JP" dirty="0" smtClean="0">
-              <a:latin typeface="+mn-ea"/>
-              <a:ea typeface="+mn-ea"/>
-            </a:rPr>
-            <a:t>開発</a:t>
+            <a:t>・チケットの利用状況を収集，可視化するツールを開発</a:t>
           </a:r>
           <a:r>
             <a:rPr kumimoji="1" lang="ja-JP" altLang="en-US" dirty="0" smtClean="0">
@@ -1054,14 +2176,7 @@
               <a:latin typeface="+mn-ea"/>
               <a:ea typeface="+mn-ea"/>
             </a:rPr>
-            <a:t>・</a:t>
-          </a:r>
-          <a:r>
-            <a:rPr kumimoji="1" lang="ja-JP" dirty="0" smtClean="0">
-              <a:latin typeface="+mn-ea"/>
-              <a:ea typeface="+mn-ea"/>
-            </a:rPr>
-            <a:t>チケット</a:t>
+            <a:t>・チケット</a:t>
           </a:r>
           <a:r>
             <a:rPr kumimoji="1" lang="ja-JP" altLang="en-US" dirty="0" smtClean="0">
@@ -1075,21 +2190,7 @@
               <a:latin typeface="+mn-ea"/>
               <a:ea typeface="+mn-ea"/>
             </a:rPr>
-            <a:t>４パターン</a:t>
-          </a:r>
-          <a:r>
-            <a:rPr kumimoji="1" lang="ja-JP" dirty="0" smtClean="0">
-              <a:latin typeface="+mn-ea"/>
-              <a:ea typeface="+mn-ea"/>
-            </a:rPr>
-            <a:t>に</a:t>
-          </a:r>
-          <a:r>
-            <a:rPr kumimoji="1" lang="ja-JP" dirty="0" smtClean="0">
-              <a:latin typeface="+mn-ea"/>
-              <a:ea typeface="+mn-ea"/>
-            </a:rPr>
-            <a:t>分類</a:t>
+            <a:t>４パターンに分類</a:t>
           </a:r>
           <a:r>
             <a:rPr kumimoji="1" lang="ja-JP" altLang="en-US" dirty="0" smtClean="0">
@@ -1465,17 +2566,17 @@
   <dgm:cxnLst>
     <dgm:cxn modelId="{46F26D45-742C-410F-8A20-D734C20FF370}" srcId="{9AA76B87-D72B-4951-89C8-0832806EB352}" destId="{85DFC047-4960-41FB-A98D-D3D8C43C010E}" srcOrd="4" destOrd="0" parTransId="{6A627858-8F77-4E9F-9BEF-B88786411E20}" sibTransId="{89CBACC1-F37D-49C7-BEAB-7B0DC6EA0E66}"/>
     <dgm:cxn modelId="{AC60EE10-722A-4701-8DBC-3CE4F03A2609}" type="presOf" srcId="{094A2738-30AE-4F51-A7DF-776BA757EB98}" destId="{163AFBEF-07CD-479E-8BED-002B96E419B2}" srcOrd="0" destOrd="0" presId="urn:microsoft.com/office/officeart/2005/8/layout/vList2"/>
-    <dgm:cxn modelId="{B85061C6-5684-4526-807C-6BA397B53B39}" type="presOf" srcId="{48F52475-9DFE-4A2A-BF51-105B9723999C}" destId="{78D7B4A2-AF49-4052-AF0C-467B7E49B8CA}" srcOrd="0" destOrd="0" presId="urn:microsoft.com/office/officeart/2005/8/layout/vList2"/>
     <dgm:cxn modelId="{8AF4A886-106E-414C-8FAF-2066619C6037}" type="presOf" srcId="{9AA76B87-D72B-4951-89C8-0832806EB352}" destId="{7315C5A5-0D21-467F-B86C-CE2802AE9C16}" srcOrd="0" destOrd="0" presId="urn:microsoft.com/office/officeart/2005/8/layout/vList2"/>
-    <dgm:cxn modelId="{A8D3B467-B9C7-4495-BF49-9B26F0C1AC52}" type="presOf" srcId="{EC824E6D-4B44-4E06-A256-2B9AA5184D07}" destId="{896E3851-7BDD-477D-BDD7-5E3E02091EFD}" srcOrd="0" destOrd="0" presId="urn:microsoft.com/office/officeart/2005/8/layout/vList2"/>
+    <dgm:cxn modelId="{0BE6C7C0-1ACC-4442-99A4-3653F36C98A8}" srcId="{9AA76B87-D72B-4951-89C8-0832806EB352}" destId="{779E81AF-460A-4B4E-A120-6224AED5F752}" srcOrd="1" destOrd="0" parTransId="{1696540C-3CD0-4869-BEA1-68B994F39AD8}" sibTransId="{ABCA435D-24C3-4124-B09D-9F569D6944B6}"/>
     <dgm:cxn modelId="{74A9A705-34CC-47DC-8D66-C0F779B6A958}" type="presOf" srcId="{85DFC047-4960-41FB-A98D-D3D8C43C010E}" destId="{3087372A-B14B-428D-8910-8882B4ED4591}" srcOrd="0" destOrd="0" presId="urn:microsoft.com/office/officeart/2005/8/layout/vList2"/>
-    <dgm:cxn modelId="{0BE6C7C0-1ACC-4442-99A4-3653F36C98A8}" srcId="{9AA76B87-D72B-4951-89C8-0832806EB352}" destId="{779E81AF-460A-4B4E-A120-6224AED5F752}" srcOrd="1" destOrd="0" parTransId="{1696540C-3CD0-4869-BEA1-68B994F39AD8}" sibTransId="{ABCA435D-24C3-4124-B09D-9F569D6944B6}"/>
-    <dgm:cxn modelId="{B51ED597-8406-4D79-A23A-3FEFCACEDA5A}" srcId="{9AA76B87-D72B-4951-89C8-0832806EB352}" destId="{EC824E6D-4B44-4E06-A256-2B9AA5184D07}" srcOrd="2" destOrd="0" parTransId="{34DBEE32-394B-490F-B2AE-A9EB30936817}" sibTransId="{BD32FC47-DBE4-4223-B939-A047DB2D9BA6}"/>
     <dgm:cxn modelId="{E3004BEB-8E7C-48BB-A148-B2BC8D3FBC45}" type="presOf" srcId="{F7D61CD8-938C-4B1B-B135-D46EC748595C}" destId="{4530CC45-5C6C-4F67-A3CA-A3EB253B6799}" srcOrd="0" destOrd="0" presId="urn:microsoft.com/office/officeart/2005/8/layout/vList2"/>
     <dgm:cxn modelId="{92AA2F39-AB4C-48C3-8A60-517BC7160EA0}" srcId="{9AA76B87-D72B-4951-89C8-0832806EB352}" destId="{094A2738-30AE-4F51-A7DF-776BA757EB98}" srcOrd="5" destOrd="0" parTransId="{DCF5E834-3392-43D8-8A44-9B0C9DA585B7}" sibTransId="{28ACDECA-ABB7-4245-9A8C-57D220D5C257}"/>
+    <dgm:cxn modelId="{B51ED597-8406-4D79-A23A-3FEFCACEDA5A}" srcId="{9AA76B87-D72B-4951-89C8-0832806EB352}" destId="{EC824E6D-4B44-4E06-A256-2B9AA5184D07}" srcOrd="2" destOrd="0" parTransId="{34DBEE32-394B-490F-B2AE-A9EB30936817}" sibTransId="{BD32FC47-DBE4-4223-B939-A047DB2D9BA6}"/>
+    <dgm:cxn modelId="{B85061C6-5684-4526-807C-6BA397B53B39}" type="presOf" srcId="{48F52475-9DFE-4A2A-BF51-105B9723999C}" destId="{78D7B4A2-AF49-4052-AF0C-467B7E49B8CA}" srcOrd="0" destOrd="0" presId="urn:microsoft.com/office/officeart/2005/8/layout/vList2"/>
+    <dgm:cxn modelId="{6DF53727-8EDB-4A4C-AA8C-7961C19ABA4B}" srcId="{9AA76B87-D72B-4951-89C8-0832806EB352}" destId="{F7D61CD8-938C-4B1B-B135-D46EC748595C}" srcOrd="3" destOrd="0" parTransId="{FC547EDC-35CB-4237-A54E-EB923F1B087F}" sibTransId="{103FD2B9-E9DC-4CE8-B104-D581220960AC}"/>
+    <dgm:cxn modelId="{A8D3B467-B9C7-4495-BF49-9B26F0C1AC52}" type="presOf" srcId="{EC824E6D-4B44-4E06-A256-2B9AA5184D07}" destId="{896E3851-7BDD-477D-BDD7-5E3E02091EFD}" srcOrd="0" destOrd="0" presId="urn:microsoft.com/office/officeart/2005/8/layout/vList2"/>
     <dgm:cxn modelId="{EF343C60-3DF9-4801-AE9A-2EF1486C0585}" srcId="{9AA76B87-D72B-4951-89C8-0832806EB352}" destId="{48F52475-9DFE-4A2A-BF51-105B9723999C}" srcOrd="0" destOrd="0" parTransId="{F5995740-113A-44DF-85AF-2CCB0AB70691}" sibTransId="{3384F487-706D-4182-9A96-1E08A241CD82}"/>
     <dgm:cxn modelId="{84DBF466-3E58-4E71-9CAE-7243E84993C4}" type="presOf" srcId="{779E81AF-460A-4B4E-A120-6224AED5F752}" destId="{EB099F21-4492-426E-B172-87A40564DDDB}" srcOrd="0" destOrd="0" presId="urn:microsoft.com/office/officeart/2005/8/layout/vList2"/>
-    <dgm:cxn modelId="{6DF53727-8EDB-4A4C-AA8C-7961C19ABA4B}" srcId="{9AA76B87-D72B-4951-89C8-0832806EB352}" destId="{F7D61CD8-938C-4B1B-B135-D46EC748595C}" srcOrd="3" destOrd="0" parTransId="{FC547EDC-35CB-4237-A54E-EB923F1B087F}" sibTransId="{103FD2B9-E9DC-4CE8-B104-D581220960AC}"/>
     <dgm:cxn modelId="{5405A05C-E6B5-4B0B-9A59-3465FF3644AC}" type="presParOf" srcId="{7315C5A5-0D21-467F-B86C-CE2802AE9C16}" destId="{78D7B4A2-AF49-4052-AF0C-467B7E49B8CA}" srcOrd="0" destOrd="0" presId="urn:microsoft.com/office/officeart/2005/8/layout/vList2"/>
     <dgm:cxn modelId="{E4BEACB9-E994-4226-96BE-DECE5E1CCDD4}" type="presParOf" srcId="{7315C5A5-0D21-467F-B86C-CE2802AE9C16}" destId="{5BBB5032-77AE-4A0B-860F-5086F2DAE323}" srcOrd="1" destOrd="0" presId="urn:microsoft.com/office/officeart/2005/8/layout/vList2"/>
     <dgm:cxn modelId="{9AC57B77-B930-4AED-B00D-1E0DF17E7CDE}" type="presParOf" srcId="{7315C5A5-0D21-467F-B86C-CE2802AE9C16}" destId="{EB099F21-4492-426E-B172-87A40564DDDB}" srcOrd="2" destOrd="0" presId="urn:microsoft.com/office/officeart/2005/8/layout/vList2"/>
@@ -1492,14 +2593,512 @@
   <dgm:whole/>
   <dgm:extLst>
     <a:ext uri="http://schemas.microsoft.com/office/drawing/2008/diagram">
-      <dsp:dataModelExt xmlns:dsp="http://schemas.microsoft.com/office/drawing/2008/diagram" relId="rId6" minVer="http://schemas.openxmlformats.org/drawingml/2006/diagram"/>
+      <dsp:dataModelExt xmlns:dsp="http://schemas.microsoft.com/office/drawing/2008/diagram" xmlns="" relId="rId6" minVer="http://schemas.openxmlformats.org/drawingml/2006/diagram"/>
     </a:ext>
   </dgm:extLst>
 </dgm:dataModel>
 </file>
 
 <file path=ppt/diagrams/drawing1.xml><?xml version="1.0" encoding="utf-8"?>
-<dsp:drawing xmlns:dgm="http://schemas.openxmlformats.org/drawingml/2006/diagram" xmlns:dsp="http://schemas.microsoft.com/office/drawing/2008/diagram" xmlns:a="http://schemas.openxmlformats.org/drawingml/2006/main">
+<dsp:drawing xmlns:dgm="http://schemas.openxmlformats.org/drawingml/2006/diagram" xmlns:a="http://schemas.openxmlformats.org/drawingml/2006/main" xmlns:dsp="http://schemas.microsoft.com/office/drawing/2008/diagram">
+  <dsp:spTree>
+    <dsp:nvGrpSpPr>
+      <dsp:cNvPr id="0" name=""/>
+      <dsp:cNvGrpSpPr/>
+    </dsp:nvGrpSpPr>
+    <dsp:grpSpPr/>
+    <dsp:sp modelId="{E81E7DE9-1AA6-4E44-8893-8E5F7C55B274}">
+      <dsp:nvSpPr>
+        <dsp:cNvPr id="0" name=""/>
+        <dsp:cNvSpPr/>
+      </dsp:nvSpPr>
+      <dsp:spPr>
+        <a:xfrm>
+          <a:off x="0" y="15945"/>
+          <a:ext cx="8153400" cy="679184"/>
+        </a:xfrm>
+        <a:prstGeom prst="roundRect">
+          <a:avLst/>
+        </a:prstGeom>
+        <a:solidFill>
+          <a:schemeClr val="accent1">
+            <a:hueOff val="0"/>
+            <a:satOff val="0"/>
+            <a:lumOff val="0"/>
+            <a:alphaOff val="0"/>
+          </a:schemeClr>
+        </a:solidFill>
+        <a:ln w="19050" cap="flat" cmpd="sng" algn="ctr">
+          <a:solidFill>
+            <a:schemeClr val="lt1">
+              <a:hueOff val="0"/>
+              <a:satOff val="0"/>
+              <a:lumOff val="0"/>
+              <a:alphaOff val="0"/>
+            </a:schemeClr>
+          </a:solidFill>
+          <a:prstDash val="solid"/>
+        </a:ln>
+        <a:effectLst/>
+      </dsp:spPr>
+      <dsp:style>
+        <a:lnRef idx="2">
+          <a:scrgbClr r="0" g="0" b="0"/>
+        </a:lnRef>
+        <a:fillRef idx="1">
+          <a:scrgbClr r="0" g="0" b="0"/>
+        </a:fillRef>
+        <a:effectRef idx="0">
+          <a:scrgbClr r="0" g="0" b="0"/>
+        </a:effectRef>
+        <a:fontRef idx="minor">
+          <a:schemeClr val="lt1"/>
+        </a:fontRef>
+      </dsp:style>
+      <dsp:txBody>
+        <a:bodyPr spcFirstLastPara="0" vert="horz" wrap="square" lIns="102870" tIns="102870" rIns="102870" bIns="102870" numCol="1" spcCol="1270" anchor="ctr" anchorCtr="0">
+          <a:noAutofit/>
+        </a:bodyPr>
+        <a:lstStyle/>
+        <a:p>
+          <a:pPr lvl="0" algn="l" defTabSz="1200150" rtl="0">
+            <a:lnSpc>
+              <a:spcPct val="90000"/>
+            </a:lnSpc>
+            <a:spcBef>
+              <a:spcPct val="0"/>
+            </a:spcBef>
+            <a:spcAft>
+              <a:spcPct val="35000"/>
+            </a:spcAft>
+          </a:pPr>
+          <a:r>
+            <a:rPr kumimoji="1" lang="ja-JP" altLang="en-US" sz="2700" kern="1200" dirty="0" smtClean="0"/>
+            <a:t>１．</a:t>
+          </a:r>
+          <a:r>
+            <a:rPr kumimoji="1" lang="ja-JP" sz="2700" kern="1200" dirty="0" smtClean="0"/>
+            <a:t>研究背景</a:t>
+          </a:r>
+          <a:endParaRPr kumimoji="1" lang="en-US" sz="2700" kern="1200" dirty="0"/>
+        </a:p>
+      </dsp:txBody>
+      <dsp:txXfrm>
+        <a:off x="0" y="15945"/>
+        <a:ext cx="8153400" cy="679184"/>
+      </dsp:txXfrm>
+    </dsp:sp>
+    <dsp:sp modelId="{1B5F402E-28D3-432A-A49D-1809A2CF1685}">
+      <dsp:nvSpPr>
+        <dsp:cNvPr id="0" name=""/>
+        <dsp:cNvSpPr/>
+      </dsp:nvSpPr>
+      <dsp:spPr>
+        <a:xfrm>
+          <a:off x="0" y="772890"/>
+          <a:ext cx="8153400" cy="679184"/>
+        </a:xfrm>
+        <a:prstGeom prst="roundRect">
+          <a:avLst/>
+        </a:prstGeom>
+        <a:solidFill>
+          <a:schemeClr val="accent1">
+            <a:hueOff val="0"/>
+            <a:satOff val="0"/>
+            <a:lumOff val="0"/>
+            <a:alphaOff val="0"/>
+          </a:schemeClr>
+        </a:solidFill>
+        <a:ln w="19050" cap="flat" cmpd="sng" algn="ctr">
+          <a:solidFill>
+            <a:schemeClr val="lt1">
+              <a:hueOff val="0"/>
+              <a:satOff val="0"/>
+              <a:lumOff val="0"/>
+              <a:alphaOff val="0"/>
+            </a:schemeClr>
+          </a:solidFill>
+          <a:prstDash val="solid"/>
+        </a:ln>
+        <a:effectLst/>
+      </dsp:spPr>
+      <dsp:style>
+        <a:lnRef idx="2">
+          <a:scrgbClr r="0" g="0" b="0"/>
+        </a:lnRef>
+        <a:fillRef idx="1">
+          <a:scrgbClr r="0" g="0" b="0"/>
+        </a:fillRef>
+        <a:effectRef idx="0">
+          <a:scrgbClr r="0" g="0" b="0"/>
+        </a:effectRef>
+        <a:fontRef idx="minor">
+          <a:schemeClr val="lt1"/>
+        </a:fontRef>
+      </dsp:style>
+      <dsp:txBody>
+        <a:bodyPr spcFirstLastPara="0" vert="horz" wrap="square" lIns="102870" tIns="102870" rIns="102870" bIns="102870" numCol="1" spcCol="1270" anchor="ctr" anchorCtr="0">
+          <a:noAutofit/>
+        </a:bodyPr>
+        <a:lstStyle/>
+        <a:p>
+          <a:pPr lvl="0" algn="l" defTabSz="1200150" rtl="0">
+            <a:lnSpc>
+              <a:spcPct val="90000"/>
+            </a:lnSpc>
+            <a:spcBef>
+              <a:spcPct val="0"/>
+            </a:spcBef>
+            <a:spcAft>
+              <a:spcPct val="35000"/>
+            </a:spcAft>
+          </a:pPr>
+          <a:r>
+            <a:rPr kumimoji="1" lang="ja-JP" altLang="en-US" sz="2700" kern="1200" dirty="0" smtClean="0"/>
+            <a:t>２．</a:t>
+          </a:r>
+          <a:r>
+            <a:rPr kumimoji="1" lang="ja-JP" sz="2700" kern="1200" dirty="0" smtClean="0"/>
+            <a:t>研究目的</a:t>
+          </a:r>
+          <a:endParaRPr kumimoji="1" lang="en-US" sz="2700" kern="1200" dirty="0"/>
+        </a:p>
+      </dsp:txBody>
+      <dsp:txXfrm>
+        <a:off x="0" y="772890"/>
+        <a:ext cx="8153400" cy="679184"/>
+      </dsp:txXfrm>
+    </dsp:sp>
+    <dsp:sp modelId="{0C1C44AF-403F-45C8-8011-9E6E47DBF274}">
+      <dsp:nvSpPr>
+        <dsp:cNvPr id="0" name=""/>
+        <dsp:cNvSpPr/>
+      </dsp:nvSpPr>
+      <dsp:spPr>
+        <a:xfrm>
+          <a:off x="0" y="1529835"/>
+          <a:ext cx="8153400" cy="679184"/>
+        </a:xfrm>
+        <a:prstGeom prst="roundRect">
+          <a:avLst/>
+        </a:prstGeom>
+        <a:solidFill>
+          <a:schemeClr val="accent1">
+            <a:hueOff val="0"/>
+            <a:satOff val="0"/>
+            <a:lumOff val="0"/>
+            <a:alphaOff val="0"/>
+          </a:schemeClr>
+        </a:solidFill>
+        <a:ln w="19050" cap="flat" cmpd="sng" algn="ctr">
+          <a:solidFill>
+            <a:schemeClr val="lt1">
+              <a:hueOff val="0"/>
+              <a:satOff val="0"/>
+              <a:lumOff val="0"/>
+              <a:alphaOff val="0"/>
+            </a:schemeClr>
+          </a:solidFill>
+          <a:prstDash val="solid"/>
+        </a:ln>
+        <a:effectLst/>
+      </dsp:spPr>
+      <dsp:style>
+        <a:lnRef idx="2">
+          <a:scrgbClr r="0" g="0" b="0"/>
+        </a:lnRef>
+        <a:fillRef idx="1">
+          <a:scrgbClr r="0" g="0" b="0"/>
+        </a:fillRef>
+        <a:effectRef idx="0">
+          <a:scrgbClr r="0" g="0" b="0"/>
+        </a:effectRef>
+        <a:fontRef idx="minor">
+          <a:schemeClr val="lt1"/>
+        </a:fontRef>
+      </dsp:style>
+      <dsp:txBody>
+        <a:bodyPr spcFirstLastPara="0" vert="horz" wrap="square" lIns="102870" tIns="102870" rIns="102870" bIns="102870" numCol="1" spcCol="1270" anchor="ctr" anchorCtr="0">
+          <a:noAutofit/>
+        </a:bodyPr>
+        <a:lstStyle/>
+        <a:p>
+          <a:pPr lvl="0" algn="l" defTabSz="1200150" rtl="0">
+            <a:lnSpc>
+              <a:spcPct val="90000"/>
+            </a:lnSpc>
+            <a:spcBef>
+              <a:spcPct val="0"/>
+            </a:spcBef>
+            <a:spcAft>
+              <a:spcPct val="35000"/>
+            </a:spcAft>
+          </a:pPr>
+          <a:r>
+            <a:rPr kumimoji="1" lang="ja-JP" altLang="en-US" sz="2700" kern="1200" dirty="0" smtClean="0"/>
+            <a:t>３．</a:t>
+          </a:r>
+          <a:r>
+            <a:rPr kumimoji="1" lang="ja-JP" sz="2700" kern="1200" dirty="0" smtClean="0"/>
+            <a:t>研究方法</a:t>
+          </a:r>
+          <a:endParaRPr kumimoji="1" lang="en-US" sz="2700" kern="1200" dirty="0"/>
+        </a:p>
+      </dsp:txBody>
+      <dsp:txXfrm>
+        <a:off x="0" y="1529835"/>
+        <a:ext cx="8153400" cy="679184"/>
+      </dsp:txXfrm>
+    </dsp:sp>
+    <dsp:sp modelId="{3E8FA72C-9D38-464F-BA5F-B8726C8494E8}">
+      <dsp:nvSpPr>
+        <dsp:cNvPr id="0" name=""/>
+        <dsp:cNvSpPr/>
+      </dsp:nvSpPr>
+      <dsp:spPr>
+        <a:xfrm>
+          <a:off x="0" y="2286780"/>
+          <a:ext cx="8153400" cy="679184"/>
+        </a:xfrm>
+        <a:prstGeom prst="roundRect">
+          <a:avLst/>
+        </a:prstGeom>
+        <a:solidFill>
+          <a:schemeClr val="accent1">
+            <a:hueOff val="0"/>
+            <a:satOff val="0"/>
+            <a:lumOff val="0"/>
+            <a:alphaOff val="0"/>
+          </a:schemeClr>
+        </a:solidFill>
+        <a:ln w="19050" cap="flat" cmpd="sng" algn="ctr">
+          <a:solidFill>
+            <a:schemeClr val="lt1">
+              <a:hueOff val="0"/>
+              <a:satOff val="0"/>
+              <a:lumOff val="0"/>
+              <a:alphaOff val="0"/>
+            </a:schemeClr>
+          </a:solidFill>
+          <a:prstDash val="solid"/>
+        </a:ln>
+        <a:effectLst/>
+      </dsp:spPr>
+      <dsp:style>
+        <a:lnRef idx="2">
+          <a:scrgbClr r="0" g="0" b="0"/>
+        </a:lnRef>
+        <a:fillRef idx="1">
+          <a:scrgbClr r="0" g="0" b="0"/>
+        </a:fillRef>
+        <a:effectRef idx="0">
+          <a:scrgbClr r="0" g="0" b="0"/>
+        </a:effectRef>
+        <a:fontRef idx="minor">
+          <a:schemeClr val="lt1"/>
+        </a:fontRef>
+      </dsp:style>
+      <dsp:txBody>
+        <a:bodyPr spcFirstLastPara="0" vert="horz" wrap="square" lIns="102870" tIns="102870" rIns="102870" bIns="102870" numCol="1" spcCol="1270" anchor="ctr" anchorCtr="0">
+          <a:noAutofit/>
+        </a:bodyPr>
+        <a:lstStyle/>
+        <a:p>
+          <a:pPr lvl="0" algn="l" defTabSz="1200150" rtl="0">
+            <a:lnSpc>
+              <a:spcPct val="90000"/>
+            </a:lnSpc>
+            <a:spcBef>
+              <a:spcPct val="0"/>
+            </a:spcBef>
+            <a:spcAft>
+              <a:spcPct val="35000"/>
+            </a:spcAft>
+          </a:pPr>
+          <a:r>
+            <a:rPr kumimoji="1" lang="ja-JP" altLang="en-US" sz="2700" kern="1200" dirty="0" smtClean="0"/>
+            <a:t>４．</a:t>
+          </a:r>
+          <a:r>
+            <a:rPr kumimoji="1" lang="ja-JP" sz="2700" kern="1200" dirty="0" smtClean="0"/>
+            <a:t>調査結果</a:t>
+          </a:r>
+          <a:endParaRPr kumimoji="1" lang="en-US" sz="2700" kern="1200" dirty="0"/>
+        </a:p>
+      </dsp:txBody>
+      <dsp:txXfrm>
+        <a:off x="0" y="2286780"/>
+        <a:ext cx="8153400" cy="679184"/>
+      </dsp:txXfrm>
+    </dsp:sp>
+    <dsp:sp modelId="{21E71746-D943-4E9F-9FDF-3BD1B65D6FDE}">
+      <dsp:nvSpPr>
+        <dsp:cNvPr id="0" name=""/>
+        <dsp:cNvSpPr/>
+      </dsp:nvSpPr>
+      <dsp:spPr>
+        <a:xfrm>
+          <a:off x="0" y="3043725"/>
+          <a:ext cx="8153400" cy="679184"/>
+        </a:xfrm>
+        <a:prstGeom prst="roundRect">
+          <a:avLst/>
+        </a:prstGeom>
+        <a:solidFill>
+          <a:schemeClr val="accent1">
+            <a:hueOff val="0"/>
+            <a:satOff val="0"/>
+            <a:lumOff val="0"/>
+            <a:alphaOff val="0"/>
+          </a:schemeClr>
+        </a:solidFill>
+        <a:ln w="19050" cap="flat" cmpd="sng" algn="ctr">
+          <a:solidFill>
+            <a:schemeClr val="lt1">
+              <a:hueOff val="0"/>
+              <a:satOff val="0"/>
+              <a:lumOff val="0"/>
+              <a:alphaOff val="0"/>
+            </a:schemeClr>
+          </a:solidFill>
+          <a:prstDash val="solid"/>
+        </a:ln>
+        <a:effectLst/>
+      </dsp:spPr>
+      <dsp:style>
+        <a:lnRef idx="2">
+          <a:scrgbClr r="0" g="0" b="0"/>
+        </a:lnRef>
+        <a:fillRef idx="1">
+          <a:scrgbClr r="0" g="0" b="0"/>
+        </a:fillRef>
+        <a:effectRef idx="0">
+          <a:scrgbClr r="0" g="0" b="0"/>
+        </a:effectRef>
+        <a:fontRef idx="minor">
+          <a:schemeClr val="lt1"/>
+        </a:fontRef>
+      </dsp:style>
+      <dsp:txBody>
+        <a:bodyPr spcFirstLastPara="0" vert="horz" wrap="square" lIns="102870" tIns="102870" rIns="102870" bIns="102870" numCol="1" spcCol="1270" anchor="ctr" anchorCtr="0">
+          <a:noAutofit/>
+        </a:bodyPr>
+        <a:lstStyle/>
+        <a:p>
+          <a:pPr lvl="0" algn="l" defTabSz="1200150" rtl="0">
+            <a:lnSpc>
+              <a:spcPct val="90000"/>
+            </a:lnSpc>
+            <a:spcBef>
+              <a:spcPct val="0"/>
+            </a:spcBef>
+            <a:spcAft>
+              <a:spcPct val="35000"/>
+            </a:spcAft>
+          </a:pPr>
+          <a:r>
+            <a:rPr kumimoji="1" lang="ja-JP" altLang="en-US" sz="2700" kern="1200" dirty="0" smtClean="0"/>
+            <a:t>５．</a:t>
+          </a:r>
+          <a:r>
+            <a:rPr kumimoji="1" lang="ja-JP" sz="2700" kern="1200" dirty="0" smtClean="0"/>
+            <a:t>考察</a:t>
+          </a:r>
+          <a:endParaRPr kumimoji="1" lang="en-US" sz="2700" kern="1200" dirty="0"/>
+        </a:p>
+      </dsp:txBody>
+      <dsp:txXfrm>
+        <a:off x="0" y="3043725"/>
+        <a:ext cx="8153400" cy="679184"/>
+      </dsp:txXfrm>
+    </dsp:sp>
+    <dsp:sp modelId="{F300E3B5-022C-404A-95E9-4503334AC969}">
+      <dsp:nvSpPr>
+        <dsp:cNvPr id="0" name=""/>
+        <dsp:cNvSpPr/>
+      </dsp:nvSpPr>
+      <dsp:spPr>
+        <a:xfrm>
+          <a:off x="0" y="3800670"/>
+          <a:ext cx="8153400" cy="679184"/>
+        </a:xfrm>
+        <a:prstGeom prst="roundRect">
+          <a:avLst/>
+        </a:prstGeom>
+        <a:solidFill>
+          <a:schemeClr val="accent1">
+            <a:hueOff val="0"/>
+            <a:satOff val="0"/>
+            <a:lumOff val="0"/>
+            <a:alphaOff val="0"/>
+          </a:schemeClr>
+        </a:solidFill>
+        <a:ln w="19050" cap="flat" cmpd="sng" algn="ctr">
+          <a:solidFill>
+            <a:schemeClr val="lt1">
+              <a:hueOff val="0"/>
+              <a:satOff val="0"/>
+              <a:lumOff val="0"/>
+              <a:alphaOff val="0"/>
+            </a:schemeClr>
+          </a:solidFill>
+          <a:prstDash val="solid"/>
+        </a:ln>
+        <a:effectLst/>
+      </dsp:spPr>
+      <dsp:style>
+        <a:lnRef idx="2">
+          <a:scrgbClr r="0" g="0" b="0"/>
+        </a:lnRef>
+        <a:fillRef idx="1">
+          <a:scrgbClr r="0" g="0" b="0"/>
+        </a:fillRef>
+        <a:effectRef idx="0">
+          <a:scrgbClr r="0" g="0" b="0"/>
+        </a:effectRef>
+        <a:fontRef idx="minor">
+          <a:schemeClr val="lt1"/>
+        </a:fontRef>
+      </dsp:style>
+      <dsp:txBody>
+        <a:bodyPr spcFirstLastPara="0" vert="horz" wrap="square" lIns="102870" tIns="102870" rIns="102870" bIns="102870" numCol="1" spcCol="1270" anchor="ctr" anchorCtr="0">
+          <a:noAutofit/>
+        </a:bodyPr>
+        <a:lstStyle/>
+        <a:p>
+          <a:pPr lvl="0" algn="l" defTabSz="1200150" rtl="0">
+            <a:lnSpc>
+              <a:spcPct val="90000"/>
+            </a:lnSpc>
+            <a:spcBef>
+              <a:spcPct val="0"/>
+            </a:spcBef>
+            <a:spcAft>
+              <a:spcPct val="35000"/>
+            </a:spcAft>
+          </a:pPr>
+          <a:r>
+            <a:rPr kumimoji="1" lang="ja-JP" altLang="en-US" sz="2700" kern="1200" dirty="0" smtClean="0"/>
+            <a:t>６．</a:t>
+          </a:r>
+          <a:r>
+            <a:rPr kumimoji="1" lang="ja-JP" sz="2700" kern="1200" dirty="0" smtClean="0"/>
+            <a:t>まとめ</a:t>
+          </a:r>
+          <a:endParaRPr lang="ja-JP" sz="2700" kern="1200" dirty="0"/>
+        </a:p>
+      </dsp:txBody>
+      <dsp:txXfrm>
+        <a:off x="0" y="3800670"/>
+        <a:ext cx="8153400" cy="679184"/>
+      </dsp:txXfrm>
+    </dsp:sp>
+  </dsp:spTree>
+</dsp:drawing>
+</file>
+
+<file path=ppt/diagrams/drawing2.xml><?xml version="1.0" encoding="utf-8"?>
+<dsp:drawing xmlns:dgm="http://schemas.openxmlformats.org/drawingml/2006/diagram" xmlns:a="http://schemas.openxmlformats.org/drawingml/2006/main" xmlns:dsp="http://schemas.microsoft.com/office/drawing/2008/diagram">
   <dsp:spTree>
     <dsp:nvGrpSpPr>
       <dsp:cNvPr id="0" name=""/>
@@ -1606,8 +3205,8 @@
         </a:p>
       </dsp:txBody>
       <dsp:txXfrm>
-        <a:off x="28243" y="374848"/>
-        <a:ext cx="8096914" cy="522079"/>
+        <a:off x="0" y="346605"/>
+        <a:ext cx="8153400" cy="578565"/>
       </dsp:txXfrm>
     </dsp:sp>
     <dsp:sp modelId="{EB099F21-4492-426E-B172-87A40564DDDB}">
@@ -1694,14 +3293,7 @@
               <a:latin typeface="+mn-ea"/>
               <a:ea typeface="+mn-ea"/>
             </a:rPr>
-            <a:t>チケットに</a:t>
-          </a:r>
-          <a:r>
-            <a:rPr kumimoji="1" lang="ja-JP" sz="2300" kern="1200" dirty="0" smtClean="0">
-              <a:latin typeface="+mn-ea"/>
-              <a:ea typeface="+mn-ea"/>
-            </a:rPr>
-            <a:t>着目した．</a:t>
+            <a:t>チケットに着目した．</a:t>
           </a:r>
           <a:endParaRPr lang="ja-JP" sz="2300" kern="1200" dirty="0">
             <a:latin typeface="+mn-ea"/>
@@ -1710,8 +3302,8 @@
         </a:p>
       </dsp:txBody>
       <dsp:txXfrm>
-        <a:off x="28243" y="1019653"/>
-        <a:ext cx="8096914" cy="522079"/>
+        <a:off x="0" y="991410"/>
+        <a:ext cx="8153400" cy="578565"/>
       </dsp:txXfrm>
     </dsp:sp>
     <dsp:sp modelId="{896E3851-7BDD-477D-BDD7-5E3E02091EFD}">
@@ -1784,14 +3376,7 @@
               <a:latin typeface="+mn-ea"/>
               <a:ea typeface="+mn-ea"/>
             </a:rPr>
-            <a:t>・チケットの利用状況を収集，可視化するツールを</a:t>
-          </a:r>
-          <a:r>
-            <a:rPr kumimoji="1" lang="ja-JP" sz="2300" kern="1200" dirty="0" smtClean="0">
-              <a:latin typeface="+mn-ea"/>
-              <a:ea typeface="+mn-ea"/>
-            </a:rPr>
-            <a:t>開発</a:t>
+            <a:t>・チケットの利用状況を収集，可視化するツールを開発</a:t>
           </a:r>
           <a:r>
             <a:rPr kumimoji="1" lang="ja-JP" altLang="en-US" sz="2300" kern="1200" dirty="0" smtClean="0">
@@ -1814,8 +3399,8 @@
         </a:p>
       </dsp:txBody>
       <dsp:txXfrm>
-        <a:off x="28243" y="1664458"/>
-        <a:ext cx="8096914" cy="522079"/>
+        <a:off x="0" y="1636215"/>
+        <a:ext cx="8153400" cy="578565"/>
       </dsp:txXfrm>
     </dsp:sp>
     <dsp:sp modelId="{4530CC45-5C6C-4F67-A3CA-A3EB253B6799}">
@@ -1888,14 +3473,7 @@
               <a:latin typeface="+mn-ea"/>
               <a:ea typeface="+mn-ea"/>
             </a:rPr>
-            <a:t>・</a:t>
-          </a:r>
-          <a:r>
-            <a:rPr kumimoji="1" lang="ja-JP" sz="2300" kern="1200" dirty="0" smtClean="0">
-              <a:latin typeface="+mn-ea"/>
-              <a:ea typeface="+mn-ea"/>
-            </a:rPr>
-            <a:t>チケット</a:t>
+            <a:t>・チケット</a:t>
           </a:r>
           <a:r>
             <a:rPr kumimoji="1" lang="ja-JP" altLang="en-US" sz="2300" kern="1200" dirty="0" smtClean="0">
@@ -1909,21 +3487,7 @@
               <a:latin typeface="+mn-ea"/>
               <a:ea typeface="+mn-ea"/>
             </a:rPr>
-            <a:t>４パターン</a:t>
-          </a:r>
-          <a:r>
-            <a:rPr kumimoji="1" lang="ja-JP" sz="2300" kern="1200" dirty="0" smtClean="0">
-              <a:latin typeface="+mn-ea"/>
-              <a:ea typeface="+mn-ea"/>
-            </a:rPr>
-            <a:t>に</a:t>
-          </a:r>
-          <a:r>
-            <a:rPr kumimoji="1" lang="ja-JP" sz="2300" kern="1200" dirty="0" smtClean="0">
-              <a:latin typeface="+mn-ea"/>
-              <a:ea typeface="+mn-ea"/>
-            </a:rPr>
-            <a:t>分類</a:t>
+            <a:t>４パターンに分類</a:t>
           </a:r>
           <a:r>
             <a:rPr kumimoji="1" lang="ja-JP" altLang="en-US" sz="2300" kern="1200" dirty="0" smtClean="0">
@@ -1946,8 +3510,8 @@
         </a:p>
       </dsp:txBody>
       <dsp:txXfrm>
-        <a:off x="28243" y="2309263"/>
-        <a:ext cx="8096914" cy="522079"/>
+        <a:off x="0" y="2281020"/>
+        <a:ext cx="8153400" cy="578565"/>
       </dsp:txXfrm>
     </dsp:sp>
     <dsp:sp modelId="{3087372A-B14B-428D-8910-8882B4ED4591}">
@@ -2036,8 +3600,8 @@
         </a:p>
       </dsp:txBody>
       <dsp:txXfrm>
-        <a:off x="28243" y="2954068"/>
-        <a:ext cx="8096914" cy="522079"/>
+        <a:off x="0" y="2925825"/>
+        <a:ext cx="8153400" cy="578565"/>
       </dsp:txXfrm>
     </dsp:sp>
     <dsp:sp modelId="{163AFBEF-07CD-479E-8BED-002B96E419B2}">
@@ -2154,8 +3718,8 @@
         </a:p>
       </dsp:txBody>
       <dsp:txXfrm>
-        <a:off x="28243" y="3598873"/>
-        <a:ext cx="8096914" cy="522079"/>
+        <a:off x="0" y="3570630"/>
+        <a:ext cx="8153400" cy="578565"/>
       </dsp:txXfrm>
     </dsp:sp>
   </dsp:spTree>
@@ -2163,6 +3727,173 @@
 </file>
 
 <file path=ppt/diagrams/layout1.xml><?xml version="1.0" encoding="utf-8"?>
+<dgm:layoutDef xmlns:dgm="http://schemas.openxmlformats.org/drawingml/2006/diagram" xmlns:a="http://schemas.openxmlformats.org/drawingml/2006/main" uniqueId="urn:microsoft.com/office/officeart/2005/8/layout/vList2">
+  <dgm:title val=""/>
+  <dgm:desc val=""/>
+  <dgm:catLst>
+    <dgm:cat type="list" pri="3000"/>
+    <dgm:cat type="convert" pri="1000"/>
+  </dgm:catLst>
+  <dgm:sampData>
+    <dgm:dataModel>
+      <dgm:ptLst>
+        <dgm:pt modelId="0" type="doc"/>
+        <dgm:pt modelId="1">
+          <dgm:prSet phldr="1"/>
+        </dgm:pt>
+        <dgm:pt modelId="11">
+          <dgm:prSet phldr="1"/>
+        </dgm:pt>
+        <dgm:pt modelId="2">
+          <dgm:prSet phldr="1"/>
+        </dgm:pt>
+        <dgm:pt modelId="21">
+          <dgm:prSet phldr="1"/>
+        </dgm:pt>
+      </dgm:ptLst>
+      <dgm:cxnLst>
+        <dgm:cxn modelId="4" srcId="0" destId="1" srcOrd="0" destOrd="0"/>
+        <dgm:cxn modelId="5" srcId="0" destId="2" srcOrd="1" destOrd="0"/>
+        <dgm:cxn modelId="12" srcId="1" destId="11" srcOrd="0" destOrd="0"/>
+        <dgm:cxn modelId="23" srcId="2" destId="21" srcOrd="0" destOrd="0"/>
+      </dgm:cxnLst>
+      <dgm:bg/>
+      <dgm:whole/>
+    </dgm:dataModel>
+  </dgm:sampData>
+  <dgm:styleData>
+    <dgm:dataModel>
+      <dgm:ptLst>
+        <dgm:pt modelId="0" type="doc"/>
+        <dgm:pt modelId="1"/>
+        <dgm:pt modelId="2"/>
+      </dgm:ptLst>
+      <dgm:cxnLst>
+        <dgm:cxn modelId="3" srcId="0" destId="1" srcOrd="0" destOrd="0"/>
+        <dgm:cxn modelId="4" srcId="0" destId="2" srcOrd="1" destOrd="0"/>
+      </dgm:cxnLst>
+      <dgm:bg/>
+      <dgm:whole/>
+    </dgm:dataModel>
+  </dgm:styleData>
+  <dgm:clrData>
+    <dgm:dataModel>
+      <dgm:ptLst>
+        <dgm:pt modelId="0" type="doc"/>
+        <dgm:pt modelId="1"/>
+        <dgm:pt modelId="2"/>
+        <dgm:pt modelId="3"/>
+        <dgm:pt modelId="4"/>
+      </dgm:ptLst>
+      <dgm:cxnLst>
+        <dgm:cxn modelId="5" srcId="0" destId="1" srcOrd="0" destOrd="0"/>
+        <dgm:cxn modelId="6" srcId="0" destId="2" srcOrd="1" destOrd="0"/>
+        <dgm:cxn modelId="7" srcId="0" destId="3" srcOrd="2" destOrd="0"/>
+        <dgm:cxn modelId="8" srcId="0" destId="4" srcOrd="3" destOrd="0"/>
+      </dgm:cxnLst>
+      <dgm:bg/>
+      <dgm:whole/>
+    </dgm:dataModel>
+  </dgm:clrData>
+  <dgm:layoutNode name="linear">
+    <dgm:varLst>
+      <dgm:animLvl val="lvl"/>
+      <dgm:resizeHandles val="exact"/>
+    </dgm:varLst>
+    <dgm:alg type="lin">
+      <dgm:param type="linDir" val="fromT"/>
+      <dgm:param type="vertAlign" val="mid"/>
+    </dgm:alg>
+    <dgm:shape xmlns:r="http://schemas.openxmlformats.org/officeDocument/2006/relationships" r:blip="">
+      <dgm:adjLst/>
+    </dgm:shape>
+    <dgm:presOf/>
+    <dgm:constrLst>
+      <dgm:constr type="w" for="ch" forName="parentText" refType="w"/>
+      <dgm:constr type="h" for="ch" forName="parentText" refType="primFontSz" refFor="ch" refForName="parentText" fact="0.52"/>
+      <dgm:constr type="w" for="ch" forName="childText" refType="w"/>
+      <dgm:constr type="h" for="ch" forName="childText" refType="primFontSz" refFor="ch" refForName="parentText" fact="0.46"/>
+      <dgm:constr type="h" for="ch" forName="parentText" op="equ"/>
+      <dgm:constr type="primFontSz" for="ch" forName="parentText" op="equ" val="65"/>
+      <dgm:constr type="primFontSz" for="ch" forName="childText" refType="primFontSz" refFor="ch" refForName="parentText" op="equ"/>
+      <dgm:constr type="h" for="ch" forName="spacer" refType="primFontSz" refFor="ch" refForName="parentText" fact="0.08"/>
+    </dgm:constrLst>
+    <dgm:ruleLst>
+      <dgm:rule type="primFontSz" for="ch" forName="parentText" val="5" fact="NaN" max="NaN"/>
+    </dgm:ruleLst>
+    <dgm:forEach name="Name0" axis="ch" ptType="node">
+      <dgm:layoutNode name="parentText" styleLbl="node1">
+        <dgm:varLst>
+          <dgm:chMax val="0"/>
+          <dgm:bulletEnabled val="1"/>
+        </dgm:varLst>
+        <dgm:alg type="tx">
+          <dgm:param type="parTxLTRAlign" val="l"/>
+          <dgm:param type="parTxRTLAlign" val="r"/>
+        </dgm:alg>
+        <dgm:shape xmlns:r="http://schemas.openxmlformats.org/officeDocument/2006/relationships" type="roundRect" r:blip="">
+          <dgm:adjLst/>
+        </dgm:shape>
+        <dgm:presOf axis="self"/>
+        <dgm:constrLst>
+          <dgm:constr type="tMarg" refType="primFontSz" fact="0.3"/>
+          <dgm:constr type="bMarg" refType="primFontSz" fact="0.3"/>
+          <dgm:constr type="lMarg" refType="primFontSz" fact="0.3"/>
+          <dgm:constr type="rMarg" refType="primFontSz" fact="0.3"/>
+        </dgm:constrLst>
+        <dgm:ruleLst>
+          <dgm:rule type="h" val="INF" fact="NaN" max="NaN"/>
+        </dgm:ruleLst>
+      </dgm:layoutNode>
+      <dgm:choose name="Name1">
+        <dgm:if name="Name2" axis="ch" ptType="node" func="cnt" op="gte" val="1">
+          <dgm:layoutNode name="childText" styleLbl="revTx">
+            <dgm:varLst>
+              <dgm:bulletEnabled val="1"/>
+            </dgm:varLst>
+            <dgm:alg type="tx">
+              <dgm:param type="stBulletLvl" val="1"/>
+              <dgm:param type="lnSpAfChP" val="20"/>
+            </dgm:alg>
+            <dgm:shape xmlns:r="http://schemas.openxmlformats.org/officeDocument/2006/relationships" type="rect" r:blip="">
+              <dgm:adjLst/>
+            </dgm:shape>
+            <dgm:presOf axis="des" ptType="node"/>
+            <dgm:constrLst>
+              <dgm:constr type="tMarg" refType="primFontSz" fact="0.1"/>
+              <dgm:constr type="bMarg" refType="primFontSz" fact="0.1"/>
+              <dgm:constr type="lMarg" refType="w" fact="0.09"/>
+            </dgm:constrLst>
+            <dgm:ruleLst>
+              <dgm:rule type="h" val="INF" fact="NaN" max="NaN"/>
+            </dgm:ruleLst>
+          </dgm:layoutNode>
+        </dgm:if>
+        <dgm:else name="Name3">
+          <dgm:choose name="Name4">
+            <dgm:if name="Name5" axis="par ch" ptType="doc node" func="cnt" op="gte" val="2">
+              <dgm:forEach name="Name6" axis="followSib" ptType="sibTrans" cnt="1">
+                <dgm:layoutNode name="spacer">
+                  <dgm:alg type="sp"/>
+                  <dgm:shape xmlns:r="http://schemas.openxmlformats.org/officeDocument/2006/relationships" r:blip="">
+                    <dgm:adjLst/>
+                  </dgm:shape>
+                  <dgm:presOf/>
+                  <dgm:constrLst/>
+                  <dgm:ruleLst/>
+                </dgm:layoutNode>
+              </dgm:forEach>
+            </dgm:if>
+            <dgm:else name="Name7"/>
+          </dgm:choose>
+        </dgm:else>
+      </dgm:choose>
+    </dgm:forEach>
+  </dgm:layoutNode>
+</dgm:layoutDef>
+</file>
+
+<file path=ppt/diagrams/layout2.xml><?xml version="1.0" encoding="utf-8"?>
 <dgm:layoutDef xmlns:dgm="http://schemas.openxmlformats.org/drawingml/2006/diagram" xmlns:a="http://schemas.openxmlformats.org/drawingml/2006/main" uniqueId="urn:microsoft.com/office/officeart/2005/8/layout/vList2">
   <dgm:title val=""/>
   <dgm:desc val=""/>
@@ -3363,6 +5094,1200 @@
 </dgm:styleDef>
 </file>
 
+<file path=ppt/diagrams/quickStyle2.xml><?xml version="1.0" encoding="utf-8"?>
+<dgm:styleDef xmlns:dgm="http://schemas.openxmlformats.org/drawingml/2006/diagram" xmlns:a="http://schemas.openxmlformats.org/drawingml/2006/main" uniqueId="urn:microsoft.com/office/officeart/2005/8/quickstyle/simple1">
+  <dgm:title val=""/>
+  <dgm:desc val=""/>
+  <dgm:catLst>
+    <dgm:cat type="simple" pri="10100"/>
+  </dgm:catLst>
+  <dgm:scene3d>
+    <a:camera prst="orthographicFront"/>
+    <a:lightRig rig="threePt" dir="t"/>
+  </dgm:scene3d>
+  <dgm:styleLbl name="node0">
+    <dgm:scene3d>
+      <a:camera prst="orthographicFront"/>
+      <a:lightRig rig="threePt" dir="t"/>
+    </dgm:scene3d>
+    <dgm:sp3d/>
+    <dgm:txPr/>
+    <dgm:style>
+      <a:lnRef idx="2">
+        <a:scrgbClr r="0" g="0" b="0"/>
+      </a:lnRef>
+      <a:fillRef idx="1">
+        <a:scrgbClr r="0" g="0" b="0"/>
+      </a:fillRef>
+      <a:effectRef idx="0">
+        <a:scrgbClr r="0" g="0" b="0"/>
+      </a:effectRef>
+      <a:fontRef idx="minor">
+        <a:schemeClr val="lt1"/>
+      </a:fontRef>
+    </dgm:style>
+  </dgm:styleLbl>
+  <dgm:styleLbl name="lnNode1">
+    <dgm:scene3d>
+      <a:camera prst="orthographicFront"/>
+      <a:lightRig rig="threePt" dir="t"/>
+    </dgm:scene3d>
+    <dgm:sp3d/>
+    <dgm:txPr/>
+    <dgm:style>
+      <a:lnRef idx="2">
+        <a:scrgbClr r="0" g="0" b="0"/>
+      </a:lnRef>
+      <a:fillRef idx="1">
+        <a:scrgbClr r="0" g="0" b="0"/>
+      </a:fillRef>
+      <a:effectRef idx="0">
+        <a:scrgbClr r="0" g="0" b="0"/>
+      </a:effectRef>
+      <a:fontRef idx="minor">
+        <a:schemeClr val="lt1"/>
+      </a:fontRef>
+    </dgm:style>
+  </dgm:styleLbl>
+  <dgm:styleLbl name="vennNode1">
+    <dgm:scene3d>
+      <a:camera prst="orthographicFront"/>
+      <a:lightRig rig="threePt" dir="t"/>
+    </dgm:scene3d>
+    <dgm:sp3d/>
+    <dgm:txPr/>
+    <dgm:style>
+      <a:lnRef idx="2">
+        <a:scrgbClr r="0" g="0" b="0"/>
+      </a:lnRef>
+      <a:fillRef idx="1">
+        <a:scrgbClr r="0" g="0" b="0"/>
+      </a:fillRef>
+      <a:effectRef idx="0">
+        <a:scrgbClr r="0" g="0" b="0"/>
+      </a:effectRef>
+      <a:fontRef idx="minor">
+        <a:schemeClr val="tx1"/>
+      </a:fontRef>
+    </dgm:style>
+  </dgm:styleLbl>
+  <dgm:styleLbl name="alignNode1">
+    <dgm:scene3d>
+      <a:camera prst="orthographicFront"/>
+      <a:lightRig rig="threePt" dir="t"/>
+    </dgm:scene3d>
+    <dgm:sp3d/>
+    <dgm:txPr/>
+    <dgm:style>
+      <a:lnRef idx="2">
+        <a:scrgbClr r="0" g="0" b="0"/>
+      </a:lnRef>
+      <a:fillRef idx="1">
+        <a:scrgbClr r="0" g="0" b="0"/>
+      </a:fillRef>
+      <a:effectRef idx="0">
+        <a:scrgbClr r="0" g="0" b="0"/>
+      </a:effectRef>
+      <a:fontRef idx="minor">
+        <a:schemeClr val="lt1"/>
+      </a:fontRef>
+    </dgm:style>
+  </dgm:styleLbl>
+  <dgm:styleLbl name="node1">
+    <dgm:scene3d>
+      <a:camera prst="orthographicFront"/>
+      <a:lightRig rig="threePt" dir="t"/>
+    </dgm:scene3d>
+    <dgm:sp3d/>
+    <dgm:txPr/>
+    <dgm:style>
+      <a:lnRef idx="2">
+        <a:scrgbClr r="0" g="0" b="0"/>
+      </a:lnRef>
+      <a:fillRef idx="1">
+        <a:scrgbClr r="0" g="0" b="0"/>
+      </a:fillRef>
+      <a:effectRef idx="0">
+        <a:scrgbClr r="0" g="0" b="0"/>
+      </a:effectRef>
+      <a:fontRef idx="minor">
+        <a:schemeClr val="lt1"/>
+      </a:fontRef>
+    </dgm:style>
+  </dgm:styleLbl>
+  <dgm:styleLbl name="node2">
+    <dgm:scene3d>
+      <a:camera prst="orthographicFront"/>
+      <a:lightRig rig="threePt" dir="t"/>
+    </dgm:scene3d>
+    <dgm:sp3d/>
+    <dgm:txPr/>
+    <dgm:style>
+      <a:lnRef idx="2">
+        <a:scrgbClr r="0" g="0" b="0"/>
+      </a:lnRef>
+      <a:fillRef idx="1">
+        <a:scrgbClr r="0" g="0" b="0"/>
+      </a:fillRef>
+      <a:effectRef idx="0">
+        <a:scrgbClr r="0" g="0" b="0"/>
+      </a:effectRef>
+      <a:fontRef idx="minor">
+        <a:schemeClr val="lt1"/>
+      </a:fontRef>
+    </dgm:style>
+  </dgm:styleLbl>
+  <dgm:styleLbl name="node3">
+    <dgm:scene3d>
+      <a:camera prst="orthographicFront"/>
+      <a:lightRig rig="threePt" dir="t"/>
+    </dgm:scene3d>
+    <dgm:sp3d/>
+    <dgm:txPr/>
+    <dgm:style>
+      <a:lnRef idx="2">
+        <a:scrgbClr r="0" g="0" b="0"/>
+      </a:lnRef>
+      <a:fillRef idx="1">
+        <a:scrgbClr r="0" g="0" b="0"/>
+      </a:fillRef>
+      <a:effectRef idx="0">
+        <a:scrgbClr r="0" g="0" b="0"/>
+      </a:effectRef>
+      <a:fontRef idx="minor">
+        <a:schemeClr val="lt1"/>
+      </a:fontRef>
+    </dgm:style>
+  </dgm:styleLbl>
+  <dgm:styleLbl name="node4">
+    <dgm:scene3d>
+      <a:camera prst="orthographicFront"/>
+      <a:lightRig rig="threePt" dir="t"/>
+    </dgm:scene3d>
+    <dgm:sp3d/>
+    <dgm:txPr/>
+    <dgm:style>
+      <a:lnRef idx="2">
+        <a:scrgbClr r="0" g="0" b="0"/>
+      </a:lnRef>
+      <a:fillRef idx="1">
+        <a:scrgbClr r="0" g="0" b="0"/>
+      </a:fillRef>
+      <a:effectRef idx="0">
+        <a:scrgbClr r="0" g="0" b="0"/>
+      </a:effectRef>
+      <a:fontRef idx="minor">
+        <a:schemeClr val="lt1"/>
+      </a:fontRef>
+    </dgm:style>
+  </dgm:styleLbl>
+  <dgm:styleLbl name="fgImgPlace1">
+    <dgm:scene3d>
+      <a:camera prst="orthographicFront"/>
+      <a:lightRig rig="threePt" dir="t"/>
+    </dgm:scene3d>
+    <dgm:sp3d/>
+    <dgm:txPr/>
+    <dgm:style>
+      <a:lnRef idx="2">
+        <a:scrgbClr r="0" g="0" b="0"/>
+      </a:lnRef>
+      <a:fillRef idx="1">
+        <a:scrgbClr r="0" g="0" b="0"/>
+      </a:fillRef>
+      <a:effectRef idx="0">
+        <a:scrgbClr r="0" g="0" b="0"/>
+      </a:effectRef>
+      <a:fontRef idx="minor"/>
+    </dgm:style>
+  </dgm:styleLbl>
+  <dgm:styleLbl name="alignImgPlace1">
+    <dgm:scene3d>
+      <a:camera prst="orthographicFront"/>
+      <a:lightRig rig="threePt" dir="t"/>
+    </dgm:scene3d>
+    <dgm:sp3d/>
+    <dgm:txPr/>
+    <dgm:style>
+      <a:lnRef idx="2">
+        <a:scrgbClr r="0" g="0" b="0"/>
+      </a:lnRef>
+      <a:fillRef idx="1">
+        <a:scrgbClr r="0" g="0" b="0"/>
+      </a:fillRef>
+      <a:effectRef idx="0">
+        <a:scrgbClr r="0" g="0" b="0"/>
+      </a:effectRef>
+      <a:fontRef idx="minor"/>
+    </dgm:style>
+  </dgm:styleLbl>
+  <dgm:styleLbl name="bgImgPlace1">
+    <dgm:scene3d>
+      <a:camera prst="orthographicFront"/>
+      <a:lightRig rig="threePt" dir="t"/>
+    </dgm:scene3d>
+    <dgm:sp3d/>
+    <dgm:txPr/>
+    <dgm:style>
+      <a:lnRef idx="2">
+        <a:scrgbClr r="0" g="0" b="0"/>
+      </a:lnRef>
+      <a:fillRef idx="1">
+        <a:scrgbClr r="0" g="0" b="0"/>
+      </a:fillRef>
+      <a:effectRef idx="0">
+        <a:scrgbClr r="0" g="0" b="0"/>
+      </a:effectRef>
+      <a:fontRef idx="minor"/>
+    </dgm:style>
+  </dgm:styleLbl>
+  <dgm:styleLbl name="sibTrans2D1">
+    <dgm:scene3d>
+      <a:camera prst="orthographicFront"/>
+      <a:lightRig rig="threePt" dir="t"/>
+    </dgm:scene3d>
+    <dgm:sp3d/>
+    <dgm:txPr/>
+    <dgm:style>
+      <a:lnRef idx="0">
+        <a:scrgbClr r="0" g="0" b="0"/>
+      </a:lnRef>
+      <a:fillRef idx="1">
+        <a:scrgbClr r="0" g="0" b="0"/>
+      </a:fillRef>
+      <a:effectRef idx="0">
+        <a:scrgbClr r="0" g="0" b="0"/>
+      </a:effectRef>
+      <a:fontRef idx="minor">
+        <a:schemeClr val="lt1"/>
+      </a:fontRef>
+    </dgm:style>
+  </dgm:styleLbl>
+  <dgm:styleLbl name="fgSibTrans2D1">
+    <dgm:scene3d>
+      <a:camera prst="orthographicFront"/>
+      <a:lightRig rig="threePt" dir="t"/>
+    </dgm:scene3d>
+    <dgm:sp3d/>
+    <dgm:txPr/>
+    <dgm:style>
+      <a:lnRef idx="0">
+        <a:scrgbClr r="0" g="0" b="0"/>
+      </a:lnRef>
+      <a:fillRef idx="1">
+        <a:scrgbClr r="0" g="0" b="0"/>
+      </a:fillRef>
+      <a:effectRef idx="0">
+        <a:scrgbClr r="0" g="0" b="0"/>
+      </a:effectRef>
+      <a:fontRef idx="minor">
+        <a:schemeClr val="lt1"/>
+      </a:fontRef>
+    </dgm:style>
+  </dgm:styleLbl>
+  <dgm:styleLbl name="bgSibTrans2D1">
+    <dgm:scene3d>
+      <a:camera prst="orthographicFront"/>
+      <a:lightRig rig="threePt" dir="t"/>
+    </dgm:scene3d>
+    <dgm:sp3d/>
+    <dgm:txPr/>
+    <dgm:style>
+      <a:lnRef idx="0">
+        <a:scrgbClr r="0" g="0" b="0"/>
+      </a:lnRef>
+      <a:fillRef idx="1">
+        <a:scrgbClr r="0" g="0" b="0"/>
+      </a:fillRef>
+      <a:effectRef idx="0">
+        <a:scrgbClr r="0" g="0" b="0"/>
+      </a:effectRef>
+      <a:fontRef idx="minor">
+        <a:schemeClr val="lt1"/>
+      </a:fontRef>
+    </dgm:style>
+  </dgm:styleLbl>
+  <dgm:styleLbl name="sibTrans1D1">
+    <dgm:scene3d>
+      <a:camera prst="orthographicFront"/>
+      <a:lightRig rig="threePt" dir="t"/>
+    </dgm:scene3d>
+    <dgm:sp3d/>
+    <dgm:txPr/>
+    <dgm:style>
+      <a:lnRef idx="1">
+        <a:scrgbClr r="0" g="0" b="0"/>
+      </a:lnRef>
+      <a:fillRef idx="0">
+        <a:scrgbClr r="0" g="0" b="0"/>
+      </a:fillRef>
+      <a:effectRef idx="0">
+        <a:scrgbClr r="0" g="0" b="0"/>
+      </a:effectRef>
+      <a:fontRef idx="minor"/>
+    </dgm:style>
+  </dgm:styleLbl>
+  <dgm:styleLbl name="callout">
+    <dgm:scene3d>
+      <a:camera prst="orthographicFront"/>
+      <a:lightRig rig="threePt" dir="t"/>
+    </dgm:scene3d>
+    <dgm:sp3d/>
+    <dgm:txPr/>
+    <dgm:style>
+      <a:lnRef idx="2">
+        <a:scrgbClr r="0" g="0" b="0"/>
+      </a:lnRef>
+      <a:fillRef idx="1">
+        <a:scrgbClr r="0" g="0" b="0"/>
+      </a:fillRef>
+      <a:effectRef idx="0">
+        <a:scrgbClr r="0" g="0" b="0"/>
+      </a:effectRef>
+      <a:fontRef idx="minor"/>
+    </dgm:style>
+  </dgm:styleLbl>
+  <dgm:styleLbl name="asst0">
+    <dgm:scene3d>
+      <a:camera prst="orthographicFront"/>
+      <a:lightRig rig="threePt" dir="t"/>
+    </dgm:scene3d>
+    <dgm:sp3d/>
+    <dgm:txPr/>
+    <dgm:style>
+      <a:lnRef idx="2">
+        <a:scrgbClr r="0" g="0" b="0"/>
+      </a:lnRef>
+      <a:fillRef idx="1">
+        <a:scrgbClr r="0" g="0" b="0"/>
+      </a:fillRef>
+      <a:effectRef idx="0">
+        <a:scrgbClr r="0" g="0" b="0"/>
+      </a:effectRef>
+      <a:fontRef idx="minor">
+        <a:schemeClr val="lt1"/>
+      </a:fontRef>
+    </dgm:style>
+  </dgm:styleLbl>
+  <dgm:styleLbl name="asst1">
+    <dgm:scene3d>
+      <a:camera prst="orthographicFront"/>
+      <a:lightRig rig="threePt" dir="t"/>
+    </dgm:scene3d>
+    <dgm:sp3d/>
+    <dgm:txPr/>
+    <dgm:style>
+      <a:lnRef idx="2">
+        <a:scrgbClr r="0" g="0" b="0"/>
+      </a:lnRef>
+      <a:fillRef idx="1">
+        <a:scrgbClr r="0" g="0" b="0"/>
+      </a:fillRef>
+      <a:effectRef idx="0">
+        <a:scrgbClr r="0" g="0" b="0"/>
+      </a:effectRef>
+      <a:fontRef idx="minor">
+        <a:schemeClr val="lt1"/>
+      </a:fontRef>
+    </dgm:style>
+  </dgm:styleLbl>
+  <dgm:styleLbl name="asst2">
+    <dgm:scene3d>
+      <a:camera prst="orthographicFront"/>
+      <a:lightRig rig="threePt" dir="t"/>
+    </dgm:scene3d>
+    <dgm:sp3d/>
+    <dgm:txPr/>
+    <dgm:style>
+      <a:lnRef idx="2">
+        <a:scrgbClr r="0" g="0" b="0"/>
+      </a:lnRef>
+      <a:fillRef idx="1">
+        <a:scrgbClr r="0" g="0" b="0"/>
+      </a:fillRef>
+      <a:effectRef idx="0">
+        <a:scrgbClr r="0" g="0" b="0"/>
+      </a:effectRef>
+      <a:fontRef idx="minor">
+        <a:schemeClr val="lt1"/>
+      </a:fontRef>
+    </dgm:style>
+  </dgm:styleLbl>
+  <dgm:styleLbl name="asst3">
+    <dgm:scene3d>
+      <a:camera prst="orthographicFront"/>
+      <a:lightRig rig="threePt" dir="t"/>
+    </dgm:scene3d>
+    <dgm:sp3d/>
+    <dgm:txPr/>
+    <dgm:style>
+      <a:lnRef idx="2">
+        <a:scrgbClr r="0" g="0" b="0"/>
+      </a:lnRef>
+      <a:fillRef idx="1">
+        <a:scrgbClr r="0" g="0" b="0"/>
+      </a:fillRef>
+      <a:effectRef idx="0">
+        <a:scrgbClr r="0" g="0" b="0"/>
+      </a:effectRef>
+      <a:fontRef idx="minor">
+        <a:schemeClr val="lt1"/>
+      </a:fontRef>
+    </dgm:style>
+  </dgm:styleLbl>
+  <dgm:styleLbl name="asst4">
+    <dgm:scene3d>
+      <a:camera prst="orthographicFront"/>
+      <a:lightRig rig="threePt" dir="t"/>
+    </dgm:scene3d>
+    <dgm:sp3d/>
+    <dgm:txPr/>
+    <dgm:style>
+      <a:lnRef idx="2">
+        <a:scrgbClr r="0" g="0" b="0"/>
+      </a:lnRef>
+      <a:fillRef idx="1">
+        <a:scrgbClr r="0" g="0" b="0"/>
+      </a:fillRef>
+      <a:effectRef idx="0">
+        <a:scrgbClr r="0" g="0" b="0"/>
+      </a:effectRef>
+      <a:fontRef idx="minor">
+        <a:schemeClr val="lt1"/>
+      </a:fontRef>
+    </dgm:style>
+  </dgm:styleLbl>
+  <dgm:styleLbl name="parChTrans2D1">
+    <dgm:scene3d>
+      <a:camera prst="orthographicFront"/>
+      <a:lightRig rig="threePt" dir="t"/>
+    </dgm:scene3d>
+    <dgm:sp3d/>
+    <dgm:txPr/>
+    <dgm:style>
+      <a:lnRef idx="2">
+        <a:scrgbClr r="0" g="0" b="0"/>
+      </a:lnRef>
+      <a:fillRef idx="1">
+        <a:scrgbClr r="0" g="0" b="0"/>
+      </a:fillRef>
+      <a:effectRef idx="0">
+        <a:scrgbClr r="0" g="0" b="0"/>
+      </a:effectRef>
+      <a:fontRef idx="minor">
+        <a:schemeClr val="lt1"/>
+      </a:fontRef>
+    </dgm:style>
+  </dgm:styleLbl>
+  <dgm:styleLbl name="parChTrans2D2">
+    <dgm:scene3d>
+      <a:camera prst="orthographicFront"/>
+      <a:lightRig rig="threePt" dir="t"/>
+    </dgm:scene3d>
+    <dgm:sp3d/>
+    <dgm:txPr/>
+    <dgm:style>
+      <a:lnRef idx="2">
+        <a:scrgbClr r="0" g="0" b="0"/>
+      </a:lnRef>
+      <a:fillRef idx="1">
+        <a:scrgbClr r="0" g="0" b="0"/>
+      </a:fillRef>
+      <a:effectRef idx="0">
+        <a:scrgbClr r="0" g="0" b="0"/>
+      </a:effectRef>
+      <a:fontRef idx="minor">
+        <a:schemeClr val="lt1"/>
+      </a:fontRef>
+    </dgm:style>
+  </dgm:styleLbl>
+  <dgm:styleLbl name="parChTrans2D3">
+    <dgm:scene3d>
+      <a:camera prst="orthographicFront"/>
+      <a:lightRig rig="threePt" dir="t"/>
+    </dgm:scene3d>
+    <dgm:sp3d/>
+    <dgm:txPr/>
+    <dgm:style>
+      <a:lnRef idx="2">
+        <a:scrgbClr r="0" g="0" b="0"/>
+      </a:lnRef>
+      <a:fillRef idx="1">
+        <a:scrgbClr r="0" g="0" b="0"/>
+      </a:fillRef>
+      <a:effectRef idx="0">
+        <a:scrgbClr r="0" g="0" b="0"/>
+      </a:effectRef>
+      <a:fontRef idx="minor">
+        <a:schemeClr val="lt1"/>
+      </a:fontRef>
+    </dgm:style>
+  </dgm:styleLbl>
+  <dgm:styleLbl name="parChTrans2D4">
+    <dgm:scene3d>
+      <a:camera prst="orthographicFront"/>
+      <a:lightRig rig="threePt" dir="t"/>
+    </dgm:scene3d>
+    <dgm:sp3d/>
+    <dgm:txPr/>
+    <dgm:style>
+      <a:lnRef idx="2">
+        <a:scrgbClr r="0" g="0" b="0"/>
+      </a:lnRef>
+      <a:fillRef idx="1">
+        <a:scrgbClr r="0" g="0" b="0"/>
+      </a:fillRef>
+      <a:effectRef idx="0">
+        <a:scrgbClr r="0" g="0" b="0"/>
+      </a:effectRef>
+      <a:fontRef idx="minor">
+        <a:schemeClr val="lt1"/>
+      </a:fontRef>
+    </dgm:style>
+  </dgm:styleLbl>
+  <dgm:styleLbl name="parChTrans1D1">
+    <dgm:scene3d>
+      <a:camera prst="orthographicFront"/>
+      <a:lightRig rig="threePt" dir="t"/>
+    </dgm:scene3d>
+    <dgm:sp3d/>
+    <dgm:txPr/>
+    <dgm:style>
+      <a:lnRef idx="2">
+        <a:scrgbClr r="0" g="0" b="0"/>
+      </a:lnRef>
+      <a:fillRef idx="0">
+        <a:scrgbClr r="0" g="0" b="0"/>
+      </a:fillRef>
+      <a:effectRef idx="0">
+        <a:scrgbClr r="0" g="0" b="0"/>
+      </a:effectRef>
+      <a:fontRef idx="minor"/>
+    </dgm:style>
+  </dgm:styleLbl>
+  <dgm:styleLbl name="parChTrans1D2">
+    <dgm:scene3d>
+      <a:camera prst="orthographicFront"/>
+      <a:lightRig rig="threePt" dir="t"/>
+    </dgm:scene3d>
+    <dgm:sp3d/>
+    <dgm:txPr/>
+    <dgm:style>
+      <a:lnRef idx="2">
+        <a:scrgbClr r="0" g="0" b="0"/>
+      </a:lnRef>
+      <a:fillRef idx="0">
+        <a:scrgbClr r="0" g="0" b="0"/>
+      </a:fillRef>
+      <a:effectRef idx="0">
+        <a:scrgbClr r="0" g="0" b="0"/>
+      </a:effectRef>
+      <a:fontRef idx="minor"/>
+    </dgm:style>
+  </dgm:styleLbl>
+  <dgm:styleLbl name="parChTrans1D3">
+    <dgm:scene3d>
+      <a:camera prst="orthographicFront"/>
+      <a:lightRig rig="threePt" dir="t"/>
+    </dgm:scene3d>
+    <dgm:sp3d/>
+    <dgm:txPr/>
+    <dgm:style>
+      <a:lnRef idx="2">
+        <a:scrgbClr r="0" g="0" b="0"/>
+      </a:lnRef>
+      <a:fillRef idx="0">
+        <a:scrgbClr r="0" g="0" b="0"/>
+      </a:fillRef>
+      <a:effectRef idx="0">
+        <a:scrgbClr r="0" g="0" b="0"/>
+      </a:effectRef>
+      <a:fontRef idx="minor"/>
+    </dgm:style>
+  </dgm:styleLbl>
+  <dgm:styleLbl name="parChTrans1D4">
+    <dgm:scene3d>
+      <a:camera prst="orthographicFront"/>
+      <a:lightRig rig="threePt" dir="t"/>
+    </dgm:scene3d>
+    <dgm:sp3d/>
+    <dgm:txPr/>
+    <dgm:style>
+      <a:lnRef idx="2">
+        <a:scrgbClr r="0" g="0" b="0"/>
+      </a:lnRef>
+      <a:fillRef idx="0">
+        <a:scrgbClr r="0" g="0" b="0"/>
+      </a:fillRef>
+      <a:effectRef idx="0">
+        <a:scrgbClr r="0" g="0" b="0"/>
+      </a:effectRef>
+      <a:fontRef idx="minor"/>
+    </dgm:style>
+  </dgm:styleLbl>
+  <dgm:styleLbl name="fgAcc1">
+    <dgm:scene3d>
+      <a:camera prst="orthographicFront"/>
+      <a:lightRig rig="threePt" dir="t"/>
+    </dgm:scene3d>
+    <dgm:sp3d/>
+    <dgm:txPr/>
+    <dgm:style>
+      <a:lnRef idx="2">
+        <a:scrgbClr r="0" g="0" b="0"/>
+      </a:lnRef>
+      <a:fillRef idx="1">
+        <a:scrgbClr r="0" g="0" b="0"/>
+      </a:fillRef>
+      <a:effectRef idx="0">
+        <a:scrgbClr r="0" g="0" b="0"/>
+      </a:effectRef>
+      <a:fontRef idx="minor"/>
+    </dgm:style>
+  </dgm:styleLbl>
+  <dgm:styleLbl name="conFgAcc1">
+    <dgm:scene3d>
+      <a:camera prst="orthographicFront"/>
+      <a:lightRig rig="threePt" dir="t"/>
+    </dgm:scene3d>
+    <dgm:sp3d/>
+    <dgm:txPr/>
+    <dgm:style>
+      <a:lnRef idx="2">
+        <a:scrgbClr r="0" g="0" b="0"/>
+      </a:lnRef>
+      <a:fillRef idx="1">
+        <a:scrgbClr r="0" g="0" b="0"/>
+      </a:fillRef>
+      <a:effectRef idx="0">
+        <a:scrgbClr r="0" g="0" b="0"/>
+      </a:effectRef>
+      <a:fontRef idx="minor"/>
+    </dgm:style>
+  </dgm:styleLbl>
+  <dgm:styleLbl name="alignAcc1">
+    <dgm:scene3d>
+      <a:camera prst="orthographicFront"/>
+      <a:lightRig rig="threePt" dir="t"/>
+    </dgm:scene3d>
+    <dgm:sp3d/>
+    <dgm:txPr/>
+    <dgm:style>
+      <a:lnRef idx="2">
+        <a:scrgbClr r="0" g="0" b="0"/>
+      </a:lnRef>
+      <a:fillRef idx="1">
+        <a:scrgbClr r="0" g="0" b="0"/>
+      </a:fillRef>
+      <a:effectRef idx="0">
+        <a:scrgbClr r="0" g="0" b="0"/>
+      </a:effectRef>
+      <a:fontRef idx="minor"/>
+    </dgm:style>
+  </dgm:styleLbl>
+  <dgm:styleLbl name="trAlignAcc1">
+    <dgm:scene3d>
+      <a:camera prst="orthographicFront"/>
+      <a:lightRig rig="threePt" dir="t"/>
+    </dgm:scene3d>
+    <dgm:sp3d/>
+    <dgm:txPr/>
+    <dgm:style>
+      <a:lnRef idx="1">
+        <a:scrgbClr r="0" g="0" b="0"/>
+      </a:lnRef>
+      <a:fillRef idx="1">
+        <a:scrgbClr r="0" g="0" b="0"/>
+      </a:fillRef>
+      <a:effectRef idx="0">
+        <a:scrgbClr r="0" g="0" b="0"/>
+      </a:effectRef>
+      <a:fontRef idx="minor"/>
+    </dgm:style>
+  </dgm:styleLbl>
+  <dgm:styleLbl name="bgAcc1">
+    <dgm:scene3d>
+      <a:camera prst="orthographicFront"/>
+      <a:lightRig rig="threePt" dir="t"/>
+    </dgm:scene3d>
+    <dgm:sp3d/>
+    <dgm:txPr/>
+    <dgm:style>
+      <a:lnRef idx="2">
+        <a:scrgbClr r="0" g="0" b="0"/>
+      </a:lnRef>
+      <a:fillRef idx="1">
+        <a:scrgbClr r="0" g="0" b="0"/>
+      </a:fillRef>
+      <a:effectRef idx="0">
+        <a:scrgbClr r="0" g="0" b="0"/>
+      </a:effectRef>
+      <a:fontRef idx="minor"/>
+    </dgm:style>
+  </dgm:styleLbl>
+  <dgm:styleLbl name="solidFgAcc1">
+    <dgm:scene3d>
+      <a:camera prst="orthographicFront"/>
+      <a:lightRig rig="threePt" dir="t"/>
+    </dgm:scene3d>
+    <dgm:sp3d/>
+    <dgm:txPr/>
+    <dgm:style>
+      <a:lnRef idx="2">
+        <a:scrgbClr r="0" g="0" b="0"/>
+      </a:lnRef>
+      <a:fillRef idx="1">
+        <a:scrgbClr r="0" g="0" b="0"/>
+      </a:fillRef>
+      <a:effectRef idx="0">
+        <a:scrgbClr r="0" g="0" b="0"/>
+      </a:effectRef>
+      <a:fontRef idx="minor"/>
+    </dgm:style>
+  </dgm:styleLbl>
+  <dgm:styleLbl name="solidAlignAcc1">
+    <dgm:scene3d>
+      <a:camera prst="orthographicFront"/>
+      <a:lightRig rig="threePt" dir="t"/>
+    </dgm:scene3d>
+    <dgm:sp3d/>
+    <dgm:txPr/>
+    <dgm:style>
+      <a:lnRef idx="2">
+        <a:scrgbClr r="0" g="0" b="0"/>
+      </a:lnRef>
+      <a:fillRef idx="1">
+        <a:scrgbClr r="0" g="0" b="0"/>
+      </a:fillRef>
+      <a:effectRef idx="0">
+        <a:scrgbClr r="0" g="0" b="0"/>
+      </a:effectRef>
+      <a:fontRef idx="minor"/>
+    </dgm:style>
+  </dgm:styleLbl>
+  <dgm:styleLbl name="solidBgAcc1">
+    <dgm:scene3d>
+      <a:camera prst="orthographicFront"/>
+      <a:lightRig rig="threePt" dir="t"/>
+    </dgm:scene3d>
+    <dgm:sp3d/>
+    <dgm:txPr/>
+    <dgm:style>
+      <a:lnRef idx="2">
+        <a:scrgbClr r="0" g="0" b="0"/>
+      </a:lnRef>
+      <a:fillRef idx="1">
+        <a:scrgbClr r="0" g="0" b="0"/>
+      </a:fillRef>
+      <a:effectRef idx="0">
+        <a:scrgbClr r="0" g="0" b="0"/>
+      </a:effectRef>
+      <a:fontRef idx="minor"/>
+    </dgm:style>
+  </dgm:styleLbl>
+  <dgm:styleLbl name="fgAccFollowNode1">
+    <dgm:scene3d>
+      <a:camera prst="orthographicFront"/>
+      <a:lightRig rig="threePt" dir="t"/>
+    </dgm:scene3d>
+    <dgm:sp3d/>
+    <dgm:txPr/>
+    <dgm:style>
+      <a:lnRef idx="2">
+        <a:scrgbClr r="0" g="0" b="0"/>
+      </a:lnRef>
+      <a:fillRef idx="1">
+        <a:scrgbClr r="0" g="0" b="0"/>
+      </a:fillRef>
+      <a:effectRef idx="0">
+        <a:scrgbClr r="0" g="0" b="0"/>
+      </a:effectRef>
+      <a:fontRef idx="minor"/>
+    </dgm:style>
+  </dgm:styleLbl>
+  <dgm:styleLbl name="alignAccFollowNode1">
+    <dgm:scene3d>
+      <a:camera prst="orthographicFront"/>
+      <a:lightRig rig="threePt" dir="t"/>
+    </dgm:scene3d>
+    <dgm:sp3d/>
+    <dgm:txPr/>
+    <dgm:style>
+      <a:lnRef idx="2">
+        <a:scrgbClr r="0" g="0" b="0"/>
+      </a:lnRef>
+      <a:fillRef idx="1">
+        <a:scrgbClr r="0" g="0" b="0"/>
+      </a:fillRef>
+      <a:effectRef idx="0">
+        <a:scrgbClr r="0" g="0" b="0"/>
+      </a:effectRef>
+      <a:fontRef idx="minor"/>
+    </dgm:style>
+  </dgm:styleLbl>
+  <dgm:styleLbl name="bgAccFollowNode1">
+    <dgm:scene3d>
+      <a:camera prst="orthographicFront"/>
+      <a:lightRig rig="threePt" dir="t"/>
+    </dgm:scene3d>
+    <dgm:sp3d/>
+    <dgm:txPr/>
+    <dgm:style>
+      <a:lnRef idx="2">
+        <a:scrgbClr r="0" g="0" b="0"/>
+      </a:lnRef>
+      <a:fillRef idx="1">
+        <a:scrgbClr r="0" g="0" b="0"/>
+      </a:fillRef>
+      <a:effectRef idx="0">
+        <a:scrgbClr r="0" g="0" b="0"/>
+      </a:effectRef>
+      <a:fontRef idx="minor"/>
+    </dgm:style>
+  </dgm:styleLbl>
+  <dgm:styleLbl name="fgAcc0">
+    <dgm:scene3d>
+      <a:camera prst="orthographicFront"/>
+      <a:lightRig rig="threePt" dir="t"/>
+    </dgm:scene3d>
+    <dgm:sp3d/>
+    <dgm:txPr/>
+    <dgm:style>
+      <a:lnRef idx="2">
+        <a:scrgbClr r="0" g="0" b="0"/>
+      </a:lnRef>
+      <a:fillRef idx="1">
+        <a:scrgbClr r="0" g="0" b="0"/>
+      </a:fillRef>
+      <a:effectRef idx="0">
+        <a:scrgbClr r="0" g="0" b="0"/>
+      </a:effectRef>
+      <a:fontRef idx="minor"/>
+    </dgm:style>
+  </dgm:styleLbl>
+  <dgm:styleLbl name="fgAcc2">
+    <dgm:scene3d>
+      <a:camera prst="orthographicFront"/>
+      <a:lightRig rig="threePt" dir="t"/>
+    </dgm:scene3d>
+    <dgm:sp3d/>
+    <dgm:txPr/>
+    <dgm:style>
+      <a:lnRef idx="2">
+        <a:scrgbClr r="0" g="0" b="0"/>
+      </a:lnRef>
+      <a:fillRef idx="1">
+        <a:scrgbClr r="0" g="0" b="0"/>
+      </a:fillRef>
+      <a:effectRef idx="0">
+        <a:scrgbClr r="0" g="0" b="0"/>
+      </a:effectRef>
+      <a:fontRef idx="minor"/>
+    </dgm:style>
+  </dgm:styleLbl>
+  <dgm:styleLbl name="fgAcc3">
+    <dgm:scene3d>
+      <a:camera prst="orthographicFront"/>
+      <a:lightRig rig="threePt" dir="t"/>
+    </dgm:scene3d>
+    <dgm:sp3d/>
+    <dgm:txPr/>
+    <dgm:style>
+      <a:lnRef idx="2">
+        <a:scrgbClr r="0" g="0" b="0"/>
+      </a:lnRef>
+      <a:fillRef idx="1">
+        <a:scrgbClr r="0" g="0" b="0"/>
+      </a:fillRef>
+      <a:effectRef idx="0">
+        <a:scrgbClr r="0" g="0" b="0"/>
+      </a:effectRef>
+      <a:fontRef idx="minor"/>
+    </dgm:style>
+  </dgm:styleLbl>
+  <dgm:styleLbl name="fgAcc4">
+    <dgm:scene3d>
+      <a:camera prst="orthographicFront"/>
+      <a:lightRig rig="threePt" dir="t"/>
+    </dgm:scene3d>
+    <dgm:sp3d/>
+    <dgm:txPr/>
+    <dgm:style>
+      <a:lnRef idx="2">
+        <a:scrgbClr r="0" g="0" b="0"/>
+      </a:lnRef>
+      <a:fillRef idx="1">
+        <a:scrgbClr r="0" g="0" b="0"/>
+      </a:fillRef>
+      <a:effectRef idx="0">
+        <a:scrgbClr r="0" g="0" b="0"/>
+      </a:effectRef>
+      <a:fontRef idx="minor"/>
+    </dgm:style>
+  </dgm:styleLbl>
+  <dgm:styleLbl name="bgShp">
+    <dgm:scene3d>
+      <a:camera prst="orthographicFront"/>
+      <a:lightRig rig="threePt" dir="t"/>
+    </dgm:scene3d>
+    <dgm:sp3d/>
+    <dgm:txPr/>
+    <dgm:style>
+      <a:lnRef idx="0">
+        <a:scrgbClr r="0" g="0" b="0"/>
+      </a:lnRef>
+      <a:fillRef idx="1">
+        <a:scrgbClr r="0" g="0" b="0"/>
+      </a:fillRef>
+      <a:effectRef idx="0">
+        <a:scrgbClr r="0" g="0" b="0"/>
+      </a:effectRef>
+      <a:fontRef idx="minor"/>
+    </dgm:style>
+  </dgm:styleLbl>
+  <dgm:styleLbl name="dkBgShp">
+    <dgm:scene3d>
+      <a:camera prst="orthographicFront"/>
+      <a:lightRig rig="threePt" dir="t"/>
+    </dgm:scene3d>
+    <dgm:sp3d/>
+    <dgm:txPr/>
+    <dgm:style>
+      <a:lnRef idx="0">
+        <a:scrgbClr r="0" g="0" b="0"/>
+      </a:lnRef>
+      <a:fillRef idx="1">
+        <a:scrgbClr r="0" g="0" b="0"/>
+      </a:fillRef>
+      <a:effectRef idx="0">
+        <a:scrgbClr r="0" g="0" b="0"/>
+      </a:effectRef>
+      <a:fontRef idx="minor"/>
+    </dgm:style>
+  </dgm:styleLbl>
+  <dgm:styleLbl name="trBgShp">
+    <dgm:scene3d>
+      <a:camera prst="orthographicFront"/>
+      <a:lightRig rig="threePt" dir="t"/>
+    </dgm:scene3d>
+    <dgm:sp3d/>
+    <dgm:txPr/>
+    <dgm:style>
+      <a:lnRef idx="0">
+        <a:scrgbClr r="0" g="0" b="0"/>
+      </a:lnRef>
+      <a:fillRef idx="1">
+        <a:scrgbClr r="0" g="0" b="0"/>
+      </a:fillRef>
+      <a:effectRef idx="0">
+        <a:scrgbClr r="0" g="0" b="0"/>
+      </a:effectRef>
+      <a:fontRef idx="minor"/>
+    </dgm:style>
+  </dgm:styleLbl>
+  <dgm:styleLbl name="fgShp">
+    <dgm:scene3d>
+      <a:camera prst="orthographicFront"/>
+      <a:lightRig rig="threePt" dir="t"/>
+    </dgm:scene3d>
+    <dgm:sp3d/>
+    <dgm:txPr/>
+    <dgm:style>
+      <a:lnRef idx="2">
+        <a:scrgbClr r="0" g="0" b="0"/>
+      </a:lnRef>
+      <a:fillRef idx="1">
+        <a:scrgbClr r="0" g="0" b="0"/>
+      </a:fillRef>
+      <a:effectRef idx="0">
+        <a:scrgbClr r="0" g="0" b="0"/>
+      </a:effectRef>
+      <a:fontRef idx="minor"/>
+    </dgm:style>
+  </dgm:styleLbl>
+  <dgm:styleLbl name="revTx">
+    <dgm:scene3d>
+      <a:camera prst="orthographicFront"/>
+      <a:lightRig rig="threePt" dir="t"/>
+    </dgm:scene3d>
+    <dgm:sp3d/>
+    <dgm:txPr/>
+    <dgm:style>
+      <a:lnRef idx="0">
+        <a:scrgbClr r="0" g="0" b="0"/>
+      </a:lnRef>
+      <a:fillRef idx="0">
+        <a:scrgbClr r="0" g="0" b="0"/>
+      </a:fillRef>
+      <a:effectRef idx="0">
+        <a:scrgbClr r="0" g="0" b="0"/>
+      </a:effectRef>
+      <a:fontRef idx="minor"/>
+    </dgm:style>
+  </dgm:styleLbl>
+</dgm:styleDef>
+</file>
+
+<file path=ppt/handoutMasters/handoutMaster1.xml><?xml version="1.0" encoding="utf-8"?>
+<p:handoutMaster xmlns:a="http://schemas.openxmlformats.org/drawingml/2006/main" xmlns:r="http://schemas.openxmlformats.org/officeDocument/2006/relationships" xmlns:p="http://schemas.openxmlformats.org/presentationml/2006/main">
+  <p:cSld>
+    <p:bg>
+      <p:bgRef idx="1001">
+        <a:schemeClr val="bg1"/>
+      </p:bgRef>
+    </p:bg>
+    <p:spTree>
+      <p:nvGrpSpPr>
+        <p:cNvPr id="1" name=""/>
+        <p:cNvGrpSpPr/>
+        <p:nvPr/>
+      </p:nvGrpSpPr>
+      <p:grpSpPr>
+        <a:xfrm>
+          <a:off x="0" y="0"/>
+          <a:ext cx="0" cy="0"/>
+          <a:chOff x="0" y="0"/>
+          <a:chExt cx="0" cy="0"/>
+        </a:xfrm>
+      </p:grpSpPr>
+      <p:sp>
+        <p:nvSpPr>
+          <p:cNvPr id="2" name="ヘッダー プレースホルダ 1"/>
+          <p:cNvSpPr>
+            <a:spLocks noGrp="1"/>
+          </p:cNvSpPr>
+          <p:nvPr>
+            <p:ph type="hdr" sz="quarter"/>
+          </p:nvPr>
+        </p:nvSpPr>
+        <p:spPr>
+          <a:xfrm>
+            <a:off x="0" y="0"/>
+            <a:ext cx="2971800" cy="457200"/>
+          </a:xfrm>
+          <a:prstGeom prst="rect">
+            <a:avLst/>
+          </a:prstGeom>
+        </p:spPr>
+        <p:txBody>
+          <a:bodyPr vert="horz" lIns="91440" tIns="45720" rIns="91440" bIns="45720" rtlCol="0"/>
+          <a:lstStyle>
+            <a:lvl1pPr algn="l">
+              <a:defRPr sz="1200"/>
+            </a:lvl1pPr>
+          </a:lstStyle>
+          <a:p>
+            <a:endParaRPr kumimoji="1" lang="ja-JP" altLang="en-US"/>
+          </a:p>
+        </p:txBody>
+      </p:sp>
+      <p:sp>
+        <p:nvSpPr>
+          <p:cNvPr id="3" name="日付プレースホルダ 2"/>
+          <p:cNvSpPr>
+            <a:spLocks noGrp="1"/>
+          </p:cNvSpPr>
+          <p:nvPr>
+            <p:ph type="dt" sz="quarter" idx="1"/>
+          </p:nvPr>
+        </p:nvSpPr>
+        <p:spPr>
+          <a:xfrm>
+            <a:off x="3884613" y="0"/>
+            <a:ext cx="2971800" cy="457200"/>
+          </a:xfrm>
+          <a:prstGeom prst="rect">
+            <a:avLst/>
+          </a:prstGeom>
+        </p:spPr>
+        <p:txBody>
+          <a:bodyPr vert="horz" lIns="91440" tIns="45720" rIns="91440" bIns="45720" rtlCol="0"/>
+          <a:lstStyle>
+            <a:lvl1pPr algn="r">
+              <a:defRPr sz="1200"/>
+            </a:lvl1pPr>
+          </a:lstStyle>
+          <a:p>
+            <a:fld id="{D33E66FF-4991-4E1B-B6AD-DBC84AC7B328}" type="datetimeFigureOut">
+              <a:rPr kumimoji="1" lang="ja-JP" altLang="en-US" smtClean="0"/>
+              <a:t>2014/2/4</a:t>
+            </a:fld>
+            <a:endParaRPr kumimoji="1" lang="ja-JP" altLang="en-US"/>
+          </a:p>
+        </p:txBody>
+      </p:sp>
+      <p:sp>
+        <p:nvSpPr>
+          <p:cNvPr id="4" name="フッター プレースホルダ 3"/>
+          <p:cNvSpPr>
+            <a:spLocks noGrp="1"/>
+          </p:cNvSpPr>
+          <p:nvPr>
+            <p:ph type="ftr" sz="quarter" idx="2"/>
+          </p:nvPr>
+        </p:nvSpPr>
+        <p:spPr>
+          <a:xfrm>
+            <a:off x="0" y="8685213"/>
+            <a:ext cx="2971800" cy="457200"/>
+          </a:xfrm>
+          <a:prstGeom prst="rect">
+            <a:avLst/>
+          </a:prstGeom>
+        </p:spPr>
+        <p:txBody>
+          <a:bodyPr vert="horz" lIns="91440" tIns="45720" rIns="91440" bIns="45720" rtlCol="0" anchor="b"/>
+          <a:lstStyle>
+            <a:lvl1pPr algn="l">
+              <a:defRPr sz="1200"/>
+            </a:lvl1pPr>
+          </a:lstStyle>
+          <a:p>
+            <a:endParaRPr kumimoji="1" lang="ja-JP" altLang="en-US"/>
+          </a:p>
+        </p:txBody>
+      </p:sp>
+      <p:sp>
+        <p:nvSpPr>
+          <p:cNvPr id="5" name="スライド番号プレースホルダ 4"/>
+          <p:cNvSpPr>
+            <a:spLocks noGrp="1"/>
+          </p:cNvSpPr>
+          <p:nvPr>
+            <p:ph type="sldNum" sz="quarter" idx="3"/>
+          </p:nvPr>
+        </p:nvSpPr>
+        <p:spPr>
+          <a:xfrm>
+            <a:off x="3884613" y="8685213"/>
+            <a:ext cx="2971800" cy="457200"/>
+          </a:xfrm>
+          <a:prstGeom prst="rect">
+            <a:avLst/>
+          </a:prstGeom>
+        </p:spPr>
+        <p:txBody>
+          <a:bodyPr vert="horz" lIns="91440" tIns="45720" rIns="91440" bIns="45720" rtlCol="0" anchor="b"/>
+          <a:lstStyle>
+            <a:lvl1pPr algn="r">
+              <a:defRPr sz="1200"/>
+            </a:lvl1pPr>
+          </a:lstStyle>
+          <a:p>
+            <a:fld id="{F85DBE12-D7BF-4D76-8CE1-55A8951FF86F}" type="slidenum">
+              <a:rPr kumimoji="1" lang="ja-JP" altLang="en-US" smtClean="0"/>
+              <a:t>&lt;#&gt;</a:t>
+            </a:fld>
+            <a:endParaRPr kumimoji="1" lang="ja-JP" altLang="en-US"/>
+          </a:p>
+        </p:txBody>
+      </p:sp>
+    </p:spTree>
+  </p:cSld>
+  <p:clrMap bg1="lt1" tx1="dk1" bg2="lt2" tx2="dk2" accent1="accent1" accent2="accent2" accent3="accent3" accent4="accent4" accent5="accent5" accent6="accent6" hlink="hlink" folHlink="folHlink"/>
+</p:handoutMaster>
+</file>
+
 <file path=ppt/notesMasters/notesMaster1.xml><?xml version="1.0" encoding="utf-8"?>
 <p:notesMaster xmlns:a="http://schemas.openxmlformats.org/drawingml/2006/main" xmlns:r="http://schemas.openxmlformats.org/officeDocument/2006/relationships" xmlns:p="http://schemas.openxmlformats.org/presentationml/2006/main">
   <p:cSld>
@@ -3640,7 +6565,7 @@
             <a:fld id="{53C007A6-8C15-4A82-BA2A-D516D891DA02}" type="slidenum">
               <a:rPr kumimoji="1" lang="ja-JP" altLang="en-US" smtClean="0"/>
               <a:pPr/>
-              <a:t>‹#›</a:t>
+              <a:t>&lt;#&gt;</a:t>
             </a:fld>
             <a:endParaRPr kumimoji="1" lang="ja-JP" altLang="en-US"/>
           </a:p>
@@ -3649,7 +6574,7 @@
     </p:spTree>
     <p:extLst>
       <p:ext uri="{BB962C8B-B14F-4D97-AF65-F5344CB8AC3E}">
-        <p14:creationId xmlns:p14="http://schemas.microsoft.com/office/powerpoint/2010/main" val="4023641264"/>
+        <p14:creationId xmlns:p14="http://schemas.microsoft.com/office/powerpoint/2010/main" xmlns="" val="4023641264"/>
       </p:ext>
     </p:extLst>
   </p:cSld>
@@ -3795,242 +6720,7 @@
           </a:bodyPr>
           <a:lstStyle/>
           <a:p>
-            <a:pPr lvl="0"/>
-            <a:r>
-              <a:rPr kumimoji="1" lang="ja-JP" altLang="ja-JP" sz="1200" kern="1200" dirty="0" smtClean="0">
-                <a:solidFill>
-                  <a:schemeClr val="tx1"/>
-                </a:solidFill>
-                <a:latin typeface="+mn-lt"/>
-                <a:ea typeface="+mn-ea"/>
-                <a:cs typeface="+mn-cs"/>
-              </a:rPr>
-              <a:t>大まかなリリース計画を作る．</a:t>
-            </a:r>
-          </a:p>
-          <a:p>
-            <a:pPr lvl="0"/>
-            <a:r>
-              <a:rPr kumimoji="1" lang="ja-JP" altLang="ja-JP" sz="1200" kern="1200" dirty="0" smtClean="0">
-                <a:solidFill>
-                  <a:schemeClr val="tx1"/>
-                </a:solidFill>
-                <a:latin typeface="+mn-lt"/>
-                <a:ea typeface="+mn-ea"/>
-                <a:cs typeface="+mn-cs"/>
-              </a:rPr>
-              <a:t>仕事を細かいタスクに分割し，タスクを書き出す．</a:t>
-            </a:r>
-            <a:r>
-              <a:rPr kumimoji="1" lang="en-US" altLang="ja-JP" sz="1200" kern="1200" dirty="0" smtClean="0">
-                <a:solidFill>
-                  <a:schemeClr val="tx1"/>
-                </a:solidFill>
-                <a:latin typeface="+mn-lt"/>
-                <a:ea typeface="+mn-ea"/>
-                <a:cs typeface="+mn-cs"/>
-              </a:rPr>
-              <a:t>(</a:t>
-            </a:r>
-            <a:r>
-              <a:rPr kumimoji="1" lang="ja-JP" altLang="ja-JP" sz="1200" kern="1200" dirty="0" smtClean="0">
-                <a:solidFill>
-                  <a:schemeClr val="tx1"/>
-                </a:solidFill>
-                <a:latin typeface="+mn-lt"/>
-                <a:ea typeface="+mn-ea"/>
-                <a:cs typeface="+mn-cs"/>
-              </a:rPr>
-              <a:t>チケットの発行</a:t>
-            </a:r>
-            <a:r>
-              <a:rPr kumimoji="1" lang="en-US" altLang="ja-JP" sz="1200" kern="1200" dirty="0" smtClean="0">
-                <a:solidFill>
-                  <a:schemeClr val="tx1"/>
-                </a:solidFill>
-                <a:latin typeface="+mn-lt"/>
-                <a:ea typeface="+mn-ea"/>
-                <a:cs typeface="+mn-cs"/>
-              </a:rPr>
-              <a:t>)</a:t>
-            </a:r>
-            <a:endParaRPr kumimoji="1" lang="ja-JP" altLang="ja-JP" sz="1200" kern="1200" dirty="0" smtClean="0">
-              <a:solidFill>
-                <a:schemeClr val="tx1"/>
-              </a:solidFill>
-              <a:latin typeface="+mn-lt"/>
-              <a:ea typeface="+mn-ea"/>
-              <a:cs typeface="+mn-cs"/>
-            </a:endParaRPr>
-          </a:p>
-          <a:p>
-            <a:pPr lvl="0"/>
-            <a:r>
-              <a:rPr kumimoji="1" lang="ja-JP" altLang="ja-JP" sz="1200" kern="1200" dirty="0" smtClean="0">
-                <a:solidFill>
-                  <a:schemeClr val="tx1"/>
-                </a:solidFill>
-                <a:latin typeface="+mn-lt"/>
-                <a:ea typeface="+mn-ea"/>
-                <a:cs typeface="+mn-cs"/>
-              </a:rPr>
-              <a:t>イテレーション単位でタスクをまとめて，イテレーション計画を作る．</a:t>
-            </a:r>
-          </a:p>
-          <a:p>
-            <a:pPr lvl="0"/>
-            <a:r>
-              <a:rPr kumimoji="1" lang="ja-JP" altLang="ja-JP" sz="1200" kern="1200" dirty="0" smtClean="0">
-                <a:solidFill>
-                  <a:schemeClr val="tx1"/>
-                </a:solidFill>
-                <a:latin typeface="+mn-lt"/>
-                <a:ea typeface="+mn-ea"/>
-                <a:cs typeface="+mn-cs"/>
-              </a:rPr>
-              <a:t>タスクを一つ選び，実装する．</a:t>
-            </a:r>
-          </a:p>
-          <a:p>
-            <a:pPr lvl="0"/>
-            <a:r>
-              <a:rPr kumimoji="1" lang="ja-JP" altLang="ja-JP" sz="1200" kern="1200" dirty="0" smtClean="0">
-                <a:solidFill>
-                  <a:schemeClr val="tx1"/>
-                </a:solidFill>
-                <a:latin typeface="+mn-lt"/>
-                <a:ea typeface="+mn-ea"/>
-                <a:cs typeface="+mn-cs"/>
-              </a:rPr>
-              <a:t>差分をコミットし，完了する．</a:t>
-            </a:r>
-            <a:r>
-              <a:rPr kumimoji="1" lang="en-US" altLang="ja-JP" sz="1200" kern="1200" dirty="0" smtClean="0">
-                <a:solidFill>
-                  <a:schemeClr val="tx1"/>
-                </a:solidFill>
-                <a:latin typeface="+mn-lt"/>
-                <a:ea typeface="+mn-ea"/>
-                <a:cs typeface="+mn-cs"/>
-              </a:rPr>
-              <a:t>(</a:t>
-            </a:r>
-            <a:r>
-              <a:rPr kumimoji="1" lang="ja-JP" altLang="ja-JP" sz="1200" kern="1200" dirty="0" smtClean="0">
-                <a:solidFill>
-                  <a:schemeClr val="tx1"/>
-                </a:solidFill>
-                <a:latin typeface="+mn-lt"/>
-                <a:ea typeface="+mn-ea"/>
-                <a:cs typeface="+mn-cs"/>
-              </a:rPr>
-              <a:t>チケットのクローズ</a:t>
-            </a:r>
-            <a:r>
-              <a:rPr kumimoji="1" lang="en-US" altLang="ja-JP" sz="1200" kern="1200" dirty="0" smtClean="0">
-                <a:solidFill>
-                  <a:schemeClr val="tx1"/>
-                </a:solidFill>
-                <a:latin typeface="+mn-lt"/>
-                <a:ea typeface="+mn-ea"/>
-                <a:cs typeface="+mn-cs"/>
-              </a:rPr>
-              <a:t>)</a:t>
-            </a:r>
-            <a:endParaRPr kumimoji="1" lang="ja-JP" altLang="ja-JP" sz="1200" kern="1200" dirty="0" smtClean="0">
-              <a:solidFill>
-                <a:schemeClr val="tx1"/>
-              </a:solidFill>
-              <a:latin typeface="+mn-lt"/>
-              <a:ea typeface="+mn-ea"/>
-              <a:cs typeface="+mn-cs"/>
-            </a:endParaRPr>
-          </a:p>
-          <a:p>
-            <a:pPr lvl="0"/>
-            <a:r>
-              <a:rPr kumimoji="1" lang="ja-JP" altLang="ja-JP" sz="1200" kern="1200" dirty="0" smtClean="0">
-                <a:solidFill>
-                  <a:schemeClr val="tx1"/>
-                </a:solidFill>
-                <a:latin typeface="+mn-lt"/>
-                <a:ea typeface="+mn-ea"/>
-                <a:cs typeface="+mn-cs"/>
-              </a:rPr>
-              <a:t>イテレーションに紐づくタスクがすべて終了ステータスになるとリリースする．</a:t>
-            </a:r>
-          </a:p>
-          <a:p>
-            <a:pPr lvl="0"/>
-            <a:r>
-              <a:rPr kumimoji="1" lang="ja-JP" altLang="ja-JP" sz="1200" kern="1200" dirty="0" smtClean="0">
-                <a:solidFill>
-                  <a:schemeClr val="tx1"/>
-                </a:solidFill>
-                <a:latin typeface="+mn-lt"/>
-                <a:ea typeface="+mn-ea"/>
-                <a:cs typeface="+mn-cs"/>
-              </a:rPr>
-              <a:t>リリース後，開発チームで作業をふりかえる．</a:t>
-            </a:r>
-          </a:p>
-          <a:p>
-            <a:pPr lvl="0"/>
-            <a:r>
-              <a:rPr kumimoji="1" lang="ja-JP" altLang="ja-JP" sz="1200" kern="1200" dirty="0" smtClean="0">
-                <a:solidFill>
-                  <a:schemeClr val="tx1"/>
-                </a:solidFill>
-                <a:latin typeface="+mn-lt"/>
-                <a:ea typeface="+mn-ea"/>
-                <a:cs typeface="+mn-cs"/>
-              </a:rPr>
-              <a:t>次のイテレーション計画へ顧客の要望やふりかえりの内容を反映する</a:t>
-            </a:r>
-            <a:endParaRPr kumimoji="1" lang="en-US" altLang="ja-JP" sz="1200" kern="1200" dirty="0" smtClean="0">
-              <a:solidFill>
-                <a:schemeClr val="tx1"/>
-              </a:solidFill>
-              <a:latin typeface="+mn-lt"/>
-              <a:ea typeface="+mn-ea"/>
-              <a:cs typeface="+mn-cs"/>
-            </a:endParaRPr>
-          </a:p>
-          <a:p>
-            <a:pPr lvl="0"/>
-            <a:endParaRPr kumimoji="1" lang="en-US" altLang="ja-JP" sz="1200" kern="1200" dirty="0" smtClean="0">
-              <a:solidFill>
-                <a:schemeClr val="tx1"/>
-              </a:solidFill>
-              <a:latin typeface="+mn-lt"/>
-              <a:ea typeface="+mn-ea"/>
-              <a:cs typeface="+mn-cs"/>
-            </a:endParaRPr>
-          </a:p>
-          <a:p>
-            <a:pPr lvl="0"/>
-            <a:r>
-              <a:rPr kumimoji="1" lang="ja-JP" altLang="en-US" sz="1200" kern="1200" dirty="0" smtClean="0">
-                <a:solidFill>
-                  <a:schemeClr val="tx1"/>
-                </a:solidFill>
-                <a:latin typeface="+mn-lt"/>
-                <a:ea typeface="+mn-ea"/>
-                <a:cs typeface="+mn-cs"/>
-              </a:rPr>
-              <a:t>変更量の多いプロジェクトに</a:t>
-            </a:r>
-            <a:endParaRPr kumimoji="1" lang="ja-JP" altLang="ja-JP" sz="1200" kern="1200" dirty="0" smtClean="0">
-              <a:solidFill>
-                <a:schemeClr val="tx1"/>
-              </a:solidFill>
-              <a:latin typeface="+mn-lt"/>
-              <a:ea typeface="+mn-ea"/>
-              <a:cs typeface="+mn-cs"/>
-            </a:endParaRPr>
-          </a:p>
-          <a:p>
-            <a:endParaRPr kumimoji="1" lang="ja-JP" altLang="en-US" dirty="0"/>
+            <a:endParaRPr kumimoji="1" lang="ja-JP" altLang="en-US"/>
           </a:p>
         </p:txBody>
       </p:sp>
@@ -4052,6 +6742,323 @@
             <a:fld id="{53C007A6-8C15-4A82-BA2A-D516D891DA02}" type="slidenum">
               <a:rPr kumimoji="1" lang="ja-JP" altLang="en-US" smtClean="0"/>
               <a:pPr/>
+              <a:t>2</a:t>
+            </a:fld>
+            <a:endParaRPr kumimoji="1" lang="ja-JP" altLang="en-US"/>
+          </a:p>
+        </p:txBody>
+      </p:sp>
+    </p:spTree>
+  </p:cSld>
+  <p:clrMapOvr>
+    <a:masterClrMapping/>
+  </p:clrMapOvr>
+</p:notes>
+</file>
+
+<file path=ppt/notesSlides/notesSlide2.xml><?xml version="1.0" encoding="utf-8"?>
+<p:notes xmlns:a="http://schemas.openxmlformats.org/drawingml/2006/main" xmlns:r="http://schemas.openxmlformats.org/officeDocument/2006/relationships" xmlns:p="http://schemas.openxmlformats.org/presentationml/2006/main">
+  <p:cSld>
+    <p:spTree>
+      <p:nvGrpSpPr>
+        <p:cNvPr id="1" name=""/>
+        <p:cNvGrpSpPr/>
+        <p:nvPr/>
+      </p:nvGrpSpPr>
+      <p:grpSpPr>
+        <a:xfrm>
+          <a:off x="0" y="0"/>
+          <a:ext cx="0" cy="0"/>
+          <a:chOff x="0" y="0"/>
+          <a:chExt cx="0" cy="0"/>
+        </a:xfrm>
+      </p:grpSpPr>
+      <p:sp>
+        <p:nvSpPr>
+          <p:cNvPr id="2" name="スライド イメージ プレースホルダ 1"/>
+          <p:cNvSpPr>
+            <a:spLocks noGrp="1" noRot="1" noChangeAspect="1"/>
+          </p:cNvSpPr>
+          <p:nvPr>
+            <p:ph type="sldImg"/>
+          </p:nvPr>
+        </p:nvSpPr>
+        <p:spPr/>
+      </p:sp>
+      <p:sp>
+        <p:nvSpPr>
+          <p:cNvPr id="3" name="ノート プレースホルダ 2"/>
+          <p:cNvSpPr>
+            <a:spLocks noGrp="1"/>
+          </p:cNvSpPr>
+          <p:nvPr>
+            <p:ph type="body" idx="1"/>
+          </p:nvPr>
+        </p:nvSpPr>
+        <p:spPr/>
+        <p:txBody>
+          <a:bodyPr>
+            <a:normAutofit/>
+          </a:bodyPr>
+          <a:lstStyle/>
+          <a:p>
+            <a:pPr lvl="0"/>
+            <a:r>
+              <a:rPr kumimoji="1" lang="ja-JP" altLang="ja-JP" sz="1200" kern="1200" dirty="0" smtClean="0">
+                <a:solidFill>
+                  <a:schemeClr val="tx1"/>
+                </a:solidFill>
+                <a:latin typeface="+mn-lt"/>
+                <a:ea typeface="+mn-ea"/>
+                <a:cs typeface="+mn-cs"/>
+              </a:rPr>
+              <a:t>大まかなリリース計画を作る．</a:t>
+            </a:r>
+          </a:p>
+          <a:p>
+            <a:pPr lvl="0"/>
+            <a:r>
+              <a:rPr kumimoji="1" lang="ja-JP" altLang="ja-JP" sz="1200" kern="1200" dirty="0" smtClean="0">
+                <a:solidFill>
+                  <a:schemeClr val="tx1"/>
+                </a:solidFill>
+                <a:latin typeface="+mn-lt"/>
+                <a:ea typeface="+mn-ea"/>
+                <a:cs typeface="+mn-cs"/>
+              </a:rPr>
+              <a:t>仕事を細かいタスクに分割し，タスクを書き出す．</a:t>
+            </a:r>
+            <a:r>
+              <a:rPr kumimoji="1" lang="en-US" altLang="ja-JP" sz="1200" kern="1200" dirty="0" smtClean="0">
+                <a:solidFill>
+                  <a:schemeClr val="tx1"/>
+                </a:solidFill>
+                <a:latin typeface="+mn-lt"/>
+                <a:ea typeface="+mn-ea"/>
+                <a:cs typeface="+mn-cs"/>
+              </a:rPr>
+              <a:t>(</a:t>
+            </a:r>
+            <a:r>
+              <a:rPr kumimoji="1" lang="ja-JP" altLang="ja-JP" sz="1200" kern="1200" dirty="0" smtClean="0">
+                <a:solidFill>
+                  <a:schemeClr val="tx1"/>
+                </a:solidFill>
+                <a:latin typeface="+mn-lt"/>
+                <a:ea typeface="+mn-ea"/>
+                <a:cs typeface="+mn-cs"/>
+              </a:rPr>
+              <a:t>チケットの発行</a:t>
+            </a:r>
+            <a:r>
+              <a:rPr kumimoji="1" lang="en-US" altLang="ja-JP" sz="1200" kern="1200" dirty="0" smtClean="0">
+                <a:solidFill>
+                  <a:schemeClr val="tx1"/>
+                </a:solidFill>
+                <a:latin typeface="+mn-lt"/>
+                <a:ea typeface="+mn-ea"/>
+                <a:cs typeface="+mn-cs"/>
+              </a:rPr>
+              <a:t>)</a:t>
+            </a:r>
+            <a:endParaRPr kumimoji="1" lang="ja-JP" altLang="ja-JP" sz="1200" kern="1200" dirty="0" smtClean="0">
+              <a:solidFill>
+                <a:schemeClr val="tx1"/>
+              </a:solidFill>
+              <a:latin typeface="+mn-lt"/>
+              <a:ea typeface="+mn-ea"/>
+              <a:cs typeface="+mn-cs"/>
+            </a:endParaRPr>
+          </a:p>
+          <a:p>
+            <a:pPr lvl="0"/>
+            <a:r>
+              <a:rPr kumimoji="1" lang="ja-JP" altLang="ja-JP" sz="1200" kern="1200" dirty="0" smtClean="0">
+                <a:solidFill>
+                  <a:schemeClr val="tx1"/>
+                </a:solidFill>
+                <a:latin typeface="+mn-lt"/>
+                <a:ea typeface="+mn-ea"/>
+                <a:cs typeface="+mn-cs"/>
+              </a:rPr>
+              <a:t>イテレーション単位でタスクをまとめて，イテレーション計画を作る．</a:t>
+            </a:r>
+          </a:p>
+          <a:p>
+            <a:pPr lvl="0"/>
+            <a:r>
+              <a:rPr kumimoji="1" lang="ja-JP" altLang="ja-JP" sz="1200" kern="1200" dirty="0" smtClean="0">
+                <a:solidFill>
+                  <a:schemeClr val="tx1"/>
+                </a:solidFill>
+                <a:latin typeface="+mn-lt"/>
+                <a:ea typeface="+mn-ea"/>
+                <a:cs typeface="+mn-cs"/>
+              </a:rPr>
+              <a:t>タスクを一つ選び，実装する．</a:t>
+            </a:r>
+          </a:p>
+          <a:p>
+            <a:pPr lvl="0"/>
+            <a:r>
+              <a:rPr kumimoji="1" lang="ja-JP" altLang="ja-JP" sz="1200" kern="1200" dirty="0" smtClean="0">
+                <a:solidFill>
+                  <a:schemeClr val="tx1"/>
+                </a:solidFill>
+                <a:latin typeface="+mn-lt"/>
+                <a:ea typeface="+mn-ea"/>
+                <a:cs typeface="+mn-cs"/>
+              </a:rPr>
+              <a:t>差分をコミットし，完了する．</a:t>
+            </a:r>
+            <a:r>
+              <a:rPr kumimoji="1" lang="en-US" altLang="ja-JP" sz="1200" kern="1200" dirty="0" smtClean="0">
+                <a:solidFill>
+                  <a:schemeClr val="tx1"/>
+                </a:solidFill>
+                <a:latin typeface="+mn-lt"/>
+                <a:ea typeface="+mn-ea"/>
+                <a:cs typeface="+mn-cs"/>
+              </a:rPr>
+              <a:t>(</a:t>
+            </a:r>
+            <a:r>
+              <a:rPr kumimoji="1" lang="ja-JP" altLang="ja-JP" sz="1200" kern="1200" dirty="0" smtClean="0">
+                <a:solidFill>
+                  <a:schemeClr val="tx1"/>
+                </a:solidFill>
+                <a:latin typeface="+mn-lt"/>
+                <a:ea typeface="+mn-ea"/>
+                <a:cs typeface="+mn-cs"/>
+              </a:rPr>
+              <a:t>チケットのクローズ</a:t>
+            </a:r>
+            <a:r>
+              <a:rPr kumimoji="1" lang="en-US" altLang="ja-JP" sz="1200" kern="1200" dirty="0" smtClean="0">
+                <a:solidFill>
+                  <a:schemeClr val="tx1"/>
+                </a:solidFill>
+                <a:latin typeface="+mn-lt"/>
+                <a:ea typeface="+mn-ea"/>
+                <a:cs typeface="+mn-cs"/>
+              </a:rPr>
+              <a:t>)</a:t>
+            </a:r>
+            <a:endParaRPr kumimoji="1" lang="ja-JP" altLang="ja-JP" sz="1200" kern="1200" dirty="0" smtClean="0">
+              <a:solidFill>
+                <a:schemeClr val="tx1"/>
+              </a:solidFill>
+              <a:latin typeface="+mn-lt"/>
+              <a:ea typeface="+mn-ea"/>
+              <a:cs typeface="+mn-cs"/>
+            </a:endParaRPr>
+          </a:p>
+          <a:p>
+            <a:pPr lvl="0"/>
+            <a:r>
+              <a:rPr kumimoji="1" lang="ja-JP" altLang="ja-JP" sz="1200" kern="1200" dirty="0" smtClean="0">
+                <a:solidFill>
+                  <a:schemeClr val="tx1"/>
+                </a:solidFill>
+                <a:latin typeface="+mn-lt"/>
+                <a:ea typeface="+mn-ea"/>
+                <a:cs typeface="+mn-cs"/>
+              </a:rPr>
+              <a:t>イテレーションに紐づくタスクがすべて終了ステータスになるとリリースする．</a:t>
+            </a:r>
+          </a:p>
+          <a:p>
+            <a:pPr lvl="0"/>
+            <a:r>
+              <a:rPr kumimoji="1" lang="ja-JP" altLang="ja-JP" sz="1200" kern="1200" dirty="0" smtClean="0">
+                <a:solidFill>
+                  <a:schemeClr val="tx1"/>
+                </a:solidFill>
+                <a:latin typeface="+mn-lt"/>
+                <a:ea typeface="+mn-ea"/>
+                <a:cs typeface="+mn-cs"/>
+              </a:rPr>
+              <a:t>リリース後，開発チームで作業をふりかえる．</a:t>
+            </a:r>
+          </a:p>
+          <a:p>
+            <a:pPr lvl="0"/>
+            <a:r>
+              <a:rPr kumimoji="1" lang="ja-JP" altLang="ja-JP" sz="1200" kern="1200" dirty="0" smtClean="0">
+                <a:solidFill>
+                  <a:schemeClr val="tx1"/>
+                </a:solidFill>
+                <a:latin typeface="+mn-lt"/>
+                <a:ea typeface="+mn-ea"/>
+                <a:cs typeface="+mn-cs"/>
+              </a:rPr>
+              <a:t>次のイテレーション計画へ顧客の要望やふりかえりの内容を反映する</a:t>
+            </a:r>
+            <a:endParaRPr kumimoji="1" lang="en-US" altLang="ja-JP" sz="1200" kern="1200" dirty="0" smtClean="0">
+              <a:solidFill>
+                <a:schemeClr val="tx1"/>
+              </a:solidFill>
+              <a:latin typeface="+mn-lt"/>
+              <a:ea typeface="+mn-ea"/>
+              <a:cs typeface="+mn-cs"/>
+            </a:endParaRPr>
+          </a:p>
+          <a:p>
+            <a:pPr lvl="0"/>
+            <a:endParaRPr kumimoji="1" lang="en-US" altLang="ja-JP" sz="1200" kern="1200" dirty="0" smtClean="0">
+              <a:solidFill>
+                <a:schemeClr val="tx1"/>
+              </a:solidFill>
+              <a:latin typeface="+mn-lt"/>
+              <a:ea typeface="+mn-ea"/>
+              <a:cs typeface="+mn-cs"/>
+            </a:endParaRPr>
+          </a:p>
+          <a:p>
+            <a:pPr lvl="0"/>
+            <a:r>
+              <a:rPr kumimoji="1" lang="ja-JP" altLang="en-US" sz="1200" kern="1200" dirty="0" smtClean="0">
+                <a:solidFill>
+                  <a:schemeClr val="tx1"/>
+                </a:solidFill>
+                <a:latin typeface="+mn-lt"/>
+                <a:ea typeface="+mn-ea"/>
+                <a:cs typeface="+mn-cs"/>
+              </a:rPr>
+              <a:t>変更量の多いプロジェクトに</a:t>
+            </a:r>
+            <a:endParaRPr kumimoji="1" lang="ja-JP" altLang="ja-JP" sz="1200" kern="1200" dirty="0" smtClean="0">
+              <a:solidFill>
+                <a:schemeClr val="tx1"/>
+              </a:solidFill>
+              <a:latin typeface="+mn-lt"/>
+              <a:ea typeface="+mn-ea"/>
+              <a:cs typeface="+mn-cs"/>
+            </a:endParaRPr>
+          </a:p>
+          <a:p>
+            <a:endParaRPr kumimoji="1" lang="ja-JP" altLang="en-US" dirty="0"/>
+          </a:p>
+        </p:txBody>
+      </p:sp>
+      <p:sp>
+        <p:nvSpPr>
+          <p:cNvPr id="4" name="スライド番号プレースホルダ 3"/>
+          <p:cNvSpPr>
+            <a:spLocks noGrp="1"/>
+          </p:cNvSpPr>
+          <p:nvPr>
+            <p:ph type="sldNum" sz="quarter" idx="10"/>
+          </p:nvPr>
+        </p:nvSpPr>
+        <p:spPr/>
+        <p:txBody>
+          <a:bodyPr/>
+          <a:lstStyle/>
+          <a:p>
+            <a:fld id="{53C007A6-8C15-4A82-BA2A-D516D891DA02}" type="slidenum">
+              <a:rPr kumimoji="1" lang="ja-JP" altLang="en-US" smtClean="0"/>
+              <a:pPr/>
               <a:t>7</a:t>
             </a:fld>
             <a:endParaRPr kumimoji="1" lang="ja-JP" altLang="en-US"/>
@@ -4061,7 +7068,7 @@
     </p:spTree>
     <p:extLst>
       <p:ext uri="{BB962C8B-B14F-4D97-AF65-F5344CB8AC3E}">
-        <p14:creationId xmlns:p14="http://schemas.microsoft.com/office/powerpoint/2010/main" val="3457744451"/>
+        <p14:creationId xmlns:p14="http://schemas.microsoft.com/office/powerpoint/2010/main" xmlns="" val="3457744451"/>
       </p:ext>
     </p:extLst>
   </p:cSld>
@@ -4432,7 +7439,7 @@
             <a:fld id="{FC34BB9A-9949-44E2-8F79-5E20208ABC6D}" type="slidenum">
               <a:rPr kumimoji="1" lang="ja-JP" altLang="en-US" smtClean="0"/>
               <a:pPr/>
-              <a:t>‹#›</a:t>
+              <a:t>&lt;#&gt;</a:t>
             </a:fld>
             <a:endParaRPr kumimoji="1" lang="ja-JP" altLang="en-US"/>
           </a:p>
@@ -4631,7 +7638,7 @@
             <a:fld id="{FC34BB9A-9949-44E2-8F79-5E20208ABC6D}" type="slidenum">
               <a:rPr kumimoji="1" lang="ja-JP" altLang="en-US" smtClean="0"/>
               <a:pPr/>
-              <a:t>‹#›</a:t>
+              <a:t>&lt;#&gt;</a:t>
             </a:fld>
             <a:endParaRPr kumimoji="1" lang="ja-JP" altLang="en-US"/>
           </a:p>
@@ -4995,7 +8002,7 @@
             <a:fld id="{FC34BB9A-9949-44E2-8F79-5E20208ABC6D}" type="slidenum">
               <a:rPr kumimoji="1" lang="ja-JP" altLang="en-US" smtClean="0"/>
               <a:pPr/>
-              <a:t>‹#›</a:t>
+              <a:t>&lt;#&gt;</a:t>
             </a:fld>
             <a:endParaRPr kumimoji="1" lang="ja-JP" altLang="en-US"/>
           </a:p>
@@ -5123,7 +8130,7 @@
             <a:fld id="{FC34BB9A-9949-44E2-8F79-5E20208ABC6D}" type="slidenum">
               <a:rPr kumimoji="1" lang="ja-JP" altLang="en-US" smtClean="0"/>
               <a:pPr/>
-              <a:t>‹#›</a:t>
+              <a:t>&lt;#&gt;</a:t>
             </a:fld>
             <a:endParaRPr kumimoji="1" lang="ja-JP" altLang="en-US"/>
           </a:p>
@@ -5561,7 +8568,7 @@
             <a:fld id="{FC34BB9A-9949-44E2-8F79-5E20208ABC6D}" type="slidenum">
               <a:rPr kumimoji="1" lang="ja-JP" altLang="en-US" smtClean="0"/>
               <a:pPr/>
-              <a:t>‹#›</a:t>
+              <a:t>&lt;#&gt;</a:t>
             </a:fld>
             <a:endParaRPr kumimoji="1" lang="ja-JP" altLang="en-US"/>
           </a:p>
@@ -5854,7 +8861,7 @@
             <a:fld id="{FC34BB9A-9949-44E2-8F79-5E20208ABC6D}" type="slidenum">
               <a:rPr kumimoji="1" lang="ja-JP" altLang="en-US" smtClean="0"/>
               <a:pPr/>
-              <a:t>‹#›</a:t>
+              <a:t>&lt;#&gt;</a:t>
             </a:fld>
             <a:endParaRPr kumimoji="1" lang="ja-JP" altLang="en-US"/>
           </a:p>
@@ -6156,7 +9163,7 @@
             <a:fld id="{FC34BB9A-9949-44E2-8F79-5E20208ABC6D}" type="slidenum">
               <a:rPr kumimoji="1" lang="ja-JP" altLang="en-US" smtClean="0"/>
               <a:pPr/>
-              <a:t>‹#›</a:t>
+              <a:t>&lt;#&gt;</a:t>
             </a:fld>
             <a:endParaRPr kumimoji="1" lang="ja-JP" altLang="en-US"/>
           </a:p>
@@ -6380,7 +9387,7 @@
             <a:fld id="{FC34BB9A-9949-44E2-8F79-5E20208ABC6D}" type="slidenum">
               <a:rPr kumimoji="1" lang="ja-JP" altLang="en-US" smtClean="0"/>
               <a:pPr/>
-              <a:t>‹#›</a:t>
+              <a:t>&lt;#&gt;</a:t>
             </a:fld>
             <a:endParaRPr kumimoji="1" lang="ja-JP" altLang="en-US"/>
           </a:p>
@@ -6485,7 +9492,7 @@
             <a:fld id="{FC34BB9A-9949-44E2-8F79-5E20208ABC6D}" type="slidenum">
               <a:rPr kumimoji="1" lang="ja-JP" altLang="en-US" smtClean="0"/>
               <a:pPr/>
-              <a:t>‹#›</a:t>
+              <a:t>&lt;#&gt;</a:t>
             </a:fld>
             <a:endParaRPr kumimoji="1" lang="ja-JP" altLang="en-US"/>
           </a:p>
@@ -6618,7 +9625,7 @@
             <a:fld id="{FC34BB9A-9949-44E2-8F79-5E20208ABC6D}" type="slidenum">
               <a:rPr kumimoji="1" lang="ja-JP" altLang="en-US" smtClean="0"/>
               <a:pPr/>
-              <a:t>‹#›</a:t>
+              <a:t>&lt;#&gt;</a:t>
             </a:fld>
             <a:endParaRPr kumimoji="1" lang="ja-JP" altLang="en-US"/>
           </a:p>
@@ -7152,7 +10159,7 @@
             <a:fld id="{FC34BB9A-9949-44E2-8F79-5E20208ABC6D}" type="slidenum">
               <a:rPr kumimoji="1" lang="ja-JP" altLang="en-US" smtClean="0"/>
               <a:pPr/>
-              <a:t>‹#›</a:t>
+              <a:t>&lt;#&gt;</a:t>
             </a:fld>
             <a:endParaRPr kumimoji="1" lang="ja-JP" altLang="en-US"/>
           </a:p>
@@ -7633,7 +10640,7 @@
             <a:fld id="{FC34BB9A-9949-44E2-8F79-5E20208ABC6D}" type="slidenum">
               <a:rPr kumimoji="1" lang="ja-JP" altLang="en-US" smtClean="0"/>
               <a:pPr/>
-              <a:t>‹#›</a:t>
+              <a:t>&lt;#&gt;</a:t>
             </a:fld>
             <a:endParaRPr kumimoji="1" lang="ja-JP" altLang="en-US"/>
           </a:p>
@@ -8451,7 +11458,7 @@
           <p:nvPr>
             <p:extLst>
               <p:ext uri="{D42A27DB-BD31-4B8C-83A1-F6EECF244321}">
-                <p14:modId xmlns:p14="http://schemas.microsoft.com/office/powerpoint/2010/main" val="4162915094"/>
+                <p14:modId xmlns:p14="http://schemas.microsoft.com/office/powerpoint/2010/main" xmlns="" val="4162915094"/>
               </p:ext>
             </p:extLst>
           </p:nvPr>
@@ -8718,6 +11725,48 @@
           </a:graphicData>
         </a:graphic>
       </p:graphicFrame>
+      <p:sp>
+        <p:nvSpPr>
+          <p:cNvPr id="8" name="円/楕円 7"/>
+          <p:cNvSpPr/>
+          <p:nvPr/>
+        </p:nvSpPr>
+        <p:spPr>
+          <a:xfrm>
+            <a:off x="8388424" y="6165304"/>
+            <a:ext cx="576064" cy="548680"/>
+          </a:xfrm>
+          <a:prstGeom prst="ellipse">
+            <a:avLst/>
+          </a:prstGeom>
+        </p:spPr>
+        <p:style>
+          <a:lnRef idx="0">
+            <a:schemeClr val="accent2"/>
+          </a:lnRef>
+          <a:fillRef idx="3">
+            <a:schemeClr val="accent2"/>
+          </a:fillRef>
+          <a:effectRef idx="3">
+            <a:schemeClr val="accent2"/>
+          </a:effectRef>
+          <a:fontRef idx="minor">
+            <a:schemeClr val="lt1"/>
+          </a:fontRef>
+        </p:style>
+        <p:txBody>
+          <a:bodyPr rtlCol="0" anchor="ctr"/>
+          <a:lstStyle/>
+          <a:p>
+            <a:pPr algn="ctr"/>
+            <a:r>
+              <a:rPr lang="ja-JP" altLang="en-US" sz="1400" dirty="0" smtClean="0"/>
+              <a:t>８</a:t>
+            </a:r>
+            <a:endParaRPr kumimoji="1" lang="ja-JP" altLang="en-US" sz="1400" dirty="0"/>
+          </a:p>
+        </p:txBody>
+      </p:sp>
     </p:spTree>
   </p:cSld>
   <p:clrMapOvr>
@@ -8782,7 +11831,7 @@
           <p:nvPr>
             <p:extLst>
               <p:ext uri="{D42A27DB-BD31-4B8C-83A1-F6EECF244321}">
-                <p14:modId xmlns:p14="http://schemas.microsoft.com/office/powerpoint/2010/main" val="993745505"/>
+                <p14:modId xmlns:p14="http://schemas.microsoft.com/office/powerpoint/2010/main" xmlns="" val="993745505"/>
               </p:ext>
             </p:extLst>
           </p:nvPr>
@@ -8823,7 +11872,11 @@
                       </a:endParaRPr>
                     </a:p>
                   </a:txBody>
-                  <a:tcPr marL="91575" marR="91575" marT="0" marB="0"/>
+                  <a:tcPr marL="91575" marR="91575" marT="0" marB="0">
+                    <a:solidFill>
+                      <a:schemeClr val="accent1"/>
+                    </a:solidFill>
+                  </a:tcPr>
                 </a:tc>
                 <a:tc>
                   <a:txBody>
@@ -8836,17 +11889,21 @@
                         </a:spcAft>
                       </a:pPr>
                       <a:r>
-                        <a:rPr lang="ja-JP" sz="1400" kern="100"/>
+                        <a:rPr lang="ja-JP" sz="1400" kern="100" dirty="0"/>
                         <a:t>リポジトリ名</a:t>
                       </a:r>
-                      <a:endParaRPr lang="ja-JP" sz="1400" kern="100">
+                      <a:endParaRPr lang="ja-JP" sz="1400" kern="100" dirty="0">
                         <a:latin typeface="+mn-ea"/>
                         <a:ea typeface="+mn-ea"/>
                         <a:cs typeface="Times New Roman"/>
                       </a:endParaRPr>
                     </a:p>
                   </a:txBody>
-                  <a:tcPr marL="91575" marR="91575" marT="0" marB="0"/>
+                  <a:tcPr marL="91575" marR="91575" marT="0" marB="0">
+                    <a:solidFill>
+                      <a:schemeClr val="accent1"/>
+                    </a:solidFill>
+                  </a:tcPr>
                 </a:tc>
               </a:tr>
               <a:tr h="224699">
@@ -8861,10 +11918,10 @@
                         </a:spcAft>
                       </a:pPr>
                       <a:r>
-                        <a:rPr lang="en-US" sz="1400" kern="0"/>
+                        <a:rPr lang="en-US" sz="1400" kern="0" dirty="0"/>
                         <a:t>adobe</a:t>
                       </a:r>
-                      <a:endParaRPr lang="ja-JP" sz="1400" kern="100">
+                      <a:endParaRPr lang="ja-JP" sz="1400" kern="100" dirty="0">
                         <a:latin typeface="+mn-ea"/>
                         <a:ea typeface="+mn-ea"/>
                         <a:cs typeface="Times New Roman"/>
@@ -9726,7 +12783,7 @@
           <p:nvPr>
             <p:extLst>
               <p:ext uri="{D42A27DB-BD31-4B8C-83A1-F6EECF244321}">
-                <p14:modId xmlns:p14="http://schemas.microsoft.com/office/powerpoint/2010/main" val="3267607514"/>
+                <p14:modId xmlns:p14="http://schemas.microsoft.com/office/powerpoint/2010/main" xmlns="" val="3267607514"/>
               </p:ext>
             </p:extLst>
           </p:nvPr>
@@ -9767,7 +12824,11 @@
                       </a:endParaRPr>
                     </a:p>
                   </a:txBody>
-                  <a:tcPr marL="91575" marR="91575" marT="0" marB="0"/>
+                  <a:tcPr marL="91575" marR="91575" marT="0" marB="0">
+                    <a:solidFill>
+                      <a:schemeClr val="accent1"/>
+                    </a:solidFill>
+                  </a:tcPr>
                 </a:tc>
                 <a:tc>
                   <a:txBody>
@@ -9790,7 +12851,11 @@
                       </a:endParaRPr>
                     </a:p>
                   </a:txBody>
-                  <a:tcPr marL="91575" marR="91575" marT="0" marB="0"/>
+                  <a:tcPr marL="91575" marR="91575" marT="0" marB="0">
+                    <a:solidFill>
+                      <a:schemeClr val="accent1"/>
+                    </a:solidFill>
+                  </a:tcPr>
                 </a:tc>
               </a:tr>
               <a:tr h="226394">
@@ -10661,6 +13726,48 @@
           </a:graphicData>
         </a:graphic>
       </p:graphicFrame>
+      <p:sp>
+        <p:nvSpPr>
+          <p:cNvPr id="9" name="円/楕円 8"/>
+          <p:cNvSpPr/>
+          <p:nvPr/>
+        </p:nvSpPr>
+        <p:spPr>
+          <a:xfrm>
+            <a:off x="8388424" y="6165304"/>
+            <a:ext cx="576064" cy="548680"/>
+          </a:xfrm>
+          <a:prstGeom prst="ellipse">
+            <a:avLst/>
+          </a:prstGeom>
+        </p:spPr>
+        <p:style>
+          <a:lnRef idx="0">
+            <a:schemeClr val="accent2"/>
+          </a:lnRef>
+          <a:fillRef idx="3">
+            <a:schemeClr val="accent2"/>
+          </a:fillRef>
+          <a:effectRef idx="3">
+            <a:schemeClr val="accent2"/>
+          </a:effectRef>
+          <a:fontRef idx="minor">
+            <a:schemeClr val="lt1"/>
+          </a:fontRef>
+        </p:style>
+        <p:txBody>
+          <a:bodyPr rtlCol="0" anchor="ctr"/>
+          <a:lstStyle/>
+          <a:p>
+            <a:pPr algn="ctr"/>
+            <a:r>
+              <a:rPr lang="ja-JP" altLang="en-US" sz="1400" dirty="0" smtClean="0"/>
+              <a:t>９</a:t>
+            </a:r>
+            <a:endParaRPr kumimoji="1" lang="ja-JP" altLang="en-US" sz="1400" dirty="0"/>
+          </a:p>
+        </p:txBody>
+      </p:sp>
     </p:spTree>
   </p:cSld>
   <p:clrMapOvr>
@@ -10725,7 +13832,7 @@
         <p:spPr>
           <a:xfrm>
             <a:off x="755576" y="1772816"/>
-            <a:ext cx="1872208" cy="1152128"/>
+            <a:ext cx="2016224" cy="1440160"/>
           </a:xfrm>
           <a:prstGeom prst="flowChartMagneticDisk">
             <a:avLst/>
@@ -10768,8 +13875,8 @@
         </p:nvSpPr>
         <p:spPr>
           <a:xfrm rot="5400000">
-            <a:off x="3383868" y="1619089"/>
-            <a:ext cx="864096" cy="1512168"/>
+            <a:off x="3095837" y="1736814"/>
+            <a:ext cx="1440158" cy="1512168"/>
           </a:xfrm>
           <a:prstGeom prst="upArrow">
             <a:avLst/>
@@ -10862,8 +13969,8 @@
         </p:nvSpPr>
         <p:spPr>
           <a:xfrm rot="10800000">
-            <a:off x="6012160" y="3068960"/>
-            <a:ext cx="864096" cy="1440160"/>
+            <a:off x="5796136" y="2996952"/>
+            <a:ext cx="1296144" cy="1440160"/>
           </a:xfrm>
           <a:prstGeom prst="upArrow">
             <a:avLst/>
@@ -10990,8 +14097,8 @@
         </p:nvSpPr>
         <p:spPr>
           <a:xfrm rot="16200000">
-            <a:off x="3563888" y="4456195"/>
-            <a:ext cx="864096" cy="1440160"/>
+            <a:off x="3383868" y="4473116"/>
+            <a:ext cx="1224135" cy="1440160"/>
           </a:xfrm>
           <a:prstGeom prst="upArrow">
             <a:avLst/>
@@ -11030,8 +14137,8 @@
         </p:nvSpPr>
         <p:spPr>
           <a:xfrm>
-            <a:off x="3059832" y="2170956"/>
-            <a:ext cx="1152128" cy="400110"/>
+            <a:off x="3059832" y="2276872"/>
+            <a:ext cx="1296144" cy="461665"/>
           </a:xfrm>
           <a:prstGeom prst="rect">
             <a:avLst/>
@@ -11045,30 +14152,81 @@
           <a:lstStyle/>
           <a:p>
             <a:r>
-              <a:rPr kumimoji="1" lang="en-US" altLang="ja-JP" sz="2000" dirty="0" smtClean="0">
+              <a:rPr kumimoji="1" lang="en-US" altLang="ja-JP" sz="2400" dirty="0" smtClean="0">
+                <a:solidFill>
+                  <a:schemeClr val="bg1"/>
+                </a:solidFill>
                 <a:latin typeface="+mj-ea"/>
                 <a:ea typeface="+mj-ea"/>
               </a:rPr>
               <a:t>API</a:t>
             </a:r>
             <a:r>
-              <a:rPr kumimoji="1" lang="ja-JP" altLang="en-US" sz="2000" dirty="0" smtClean="0">
+              <a:rPr kumimoji="1" lang="ja-JP" altLang="en-US" sz="2400" dirty="0" smtClean="0">
+                <a:solidFill>
+                  <a:schemeClr val="bg1"/>
+                </a:solidFill>
                 <a:latin typeface="+mj-ea"/>
                 <a:ea typeface="+mj-ea"/>
               </a:rPr>
               <a:t>利用</a:t>
             </a:r>
-            <a:endParaRPr kumimoji="1" lang="ja-JP" altLang="en-US" sz="2000" dirty="0">
+            <a:endParaRPr kumimoji="1" lang="ja-JP" altLang="en-US" sz="2400" dirty="0">
+              <a:solidFill>
+                <a:schemeClr val="bg1"/>
+              </a:solidFill>
               <a:latin typeface="+mj-ea"/>
               <a:ea typeface="+mj-ea"/>
             </a:endParaRPr>
+          </a:p>
+        </p:txBody>
+      </p:sp>
+      <p:sp>
+        <p:nvSpPr>
+          <p:cNvPr id="15" name="円/楕円 14"/>
+          <p:cNvSpPr/>
+          <p:nvPr/>
+        </p:nvSpPr>
+        <p:spPr>
+          <a:xfrm>
+            <a:off x="8388424" y="6165304"/>
+            <a:ext cx="576064" cy="548680"/>
+          </a:xfrm>
+          <a:prstGeom prst="ellipse">
+            <a:avLst/>
+          </a:prstGeom>
+        </p:spPr>
+        <p:style>
+          <a:lnRef idx="0">
+            <a:schemeClr val="accent2"/>
+          </a:lnRef>
+          <a:fillRef idx="3">
+            <a:schemeClr val="accent2"/>
+          </a:fillRef>
+          <a:effectRef idx="3">
+            <a:schemeClr val="accent2"/>
+          </a:effectRef>
+          <a:fontRef idx="minor">
+            <a:schemeClr val="lt1"/>
+          </a:fontRef>
+        </p:style>
+        <p:txBody>
+          <a:bodyPr rtlCol="0" anchor="ctr"/>
+          <a:lstStyle/>
+          <a:p>
+            <a:pPr algn="ctr"/>
+            <a:r>
+              <a:rPr kumimoji="1" lang="ja-JP" altLang="en-US" sz="1200" dirty="0" smtClean="0"/>
+              <a:t>１０</a:t>
+            </a:r>
+            <a:endParaRPr kumimoji="1" lang="ja-JP" altLang="en-US" sz="1200" dirty="0"/>
           </a:p>
         </p:txBody>
       </p:sp>
     </p:spTree>
     <p:extLst>
       <p:ext uri="{BB962C8B-B14F-4D97-AF65-F5344CB8AC3E}">
-        <p14:creationId xmlns:p14="http://schemas.microsoft.com/office/powerpoint/2010/main" val="2516835976"/>
+        <p14:creationId xmlns:p14="http://schemas.microsoft.com/office/powerpoint/2010/main" xmlns="" val="2516835976"/>
       </p:ext>
     </p:extLst>
   </p:cSld>
@@ -11147,7 +14305,7 @@
           <p:nvPr>
             <p:extLst>
               <p:ext uri="{D42A27DB-BD31-4B8C-83A1-F6EECF244321}">
-                <p14:modId xmlns:p14="http://schemas.microsoft.com/office/powerpoint/2010/main" val="2119365295"/>
+                <p14:modId xmlns:p14="http://schemas.microsoft.com/office/powerpoint/2010/main" xmlns="" val="2119365295"/>
               </p:ext>
             </p:extLst>
           </p:nvPr>
@@ -11921,7 +15079,7 @@
           <a:lstStyle/>
           <a:p>
             <a:r>
-              <a:rPr kumimoji="1" lang="en-US" altLang="ja-JP" sz="2400" dirty="0" smtClean="0">
+              <a:rPr kumimoji="1" lang="en-US" altLang="ja-JP" sz="2400" dirty="0" err="1" smtClean="0">
                 <a:latin typeface="+mn-ea"/>
               </a:rPr>
               <a:t>GitHub</a:t>
@@ -11941,6 +15099,48 @@
             <a:endParaRPr kumimoji="1" lang="ja-JP" altLang="en-US" sz="2400" dirty="0">
               <a:latin typeface="+mn-ea"/>
             </a:endParaRPr>
+          </a:p>
+        </p:txBody>
+      </p:sp>
+      <p:sp>
+        <p:nvSpPr>
+          <p:cNvPr id="10" name="円/楕円 9"/>
+          <p:cNvSpPr/>
+          <p:nvPr/>
+        </p:nvSpPr>
+        <p:spPr>
+          <a:xfrm>
+            <a:off x="8388424" y="6165304"/>
+            <a:ext cx="576064" cy="548680"/>
+          </a:xfrm>
+          <a:prstGeom prst="ellipse">
+            <a:avLst/>
+          </a:prstGeom>
+        </p:spPr>
+        <p:style>
+          <a:lnRef idx="0">
+            <a:schemeClr val="accent2"/>
+          </a:lnRef>
+          <a:fillRef idx="3">
+            <a:schemeClr val="accent2"/>
+          </a:fillRef>
+          <a:effectRef idx="3">
+            <a:schemeClr val="accent2"/>
+          </a:effectRef>
+          <a:fontRef idx="minor">
+            <a:schemeClr val="lt1"/>
+          </a:fontRef>
+        </p:style>
+        <p:txBody>
+          <a:bodyPr rtlCol="0" anchor="ctr"/>
+          <a:lstStyle/>
+          <a:p>
+            <a:pPr algn="ctr"/>
+            <a:r>
+              <a:rPr kumimoji="1" lang="ja-JP" altLang="en-US" sz="1200" dirty="0" smtClean="0"/>
+              <a:t>１１</a:t>
+            </a:r>
+            <a:endParaRPr kumimoji="1" lang="ja-JP" altLang="en-US" sz="1200" dirty="0"/>
           </a:p>
         </p:txBody>
       </p:sp>
@@ -11993,7 +15193,7 @@
           <a:p>
             <a:r>
               <a:rPr lang="ja-JP" altLang="en-US" dirty="0" smtClean="0"/>
-              <a:t>ツールを利用した結果・・・</a:t>
+              <a:t>調査結果</a:t>
             </a:r>
             <a:endParaRPr kumimoji="1" lang="ja-JP" altLang="en-US" dirty="0"/>
           </a:p>
@@ -12010,10 +15210,10 @@
           </p:nvPr>
         </p:nvPicPr>
         <p:blipFill>
-          <a:blip r:embed="rId2">
+          <a:blip r:embed="rId2" cstate="print">
             <a:extLst>
               <a:ext uri="{28A0092B-C50C-407E-A947-70E740481C1C}">
-                <a14:useLocalDpi xmlns:a14="http://schemas.microsoft.com/office/drawing/2010/main" val="0"/>
+                <a14:useLocalDpi xmlns:a14="http://schemas.microsoft.com/office/drawing/2010/main" xmlns="" val="0"/>
               </a:ext>
             </a:extLst>
           </a:blip>
@@ -12171,6 +15371,48 @@
               <a:t>時間</a:t>
             </a:r>
             <a:endParaRPr kumimoji="1" lang="ja-JP" altLang="en-US" sz="2800" dirty="0"/>
+          </a:p>
+        </p:txBody>
+      </p:sp>
+      <p:sp>
+        <p:nvSpPr>
+          <p:cNvPr id="10" name="円/楕円 9"/>
+          <p:cNvSpPr/>
+          <p:nvPr/>
+        </p:nvSpPr>
+        <p:spPr>
+          <a:xfrm>
+            <a:off x="8388424" y="6165304"/>
+            <a:ext cx="576064" cy="548680"/>
+          </a:xfrm>
+          <a:prstGeom prst="ellipse">
+            <a:avLst/>
+          </a:prstGeom>
+        </p:spPr>
+        <p:style>
+          <a:lnRef idx="0">
+            <a:schemeClr val="accent2"/>
+          </a:lnRef>
+          <a:fillRef idx="3">
+            <a:schemeClr val="accent2"/>
+          </a:fillRef>
+          <a:effectRef idx="3">
+            <a:schemeClr val="accent2"/>
+          </a:effectRef>
+          <a:fontRef idx="minor">
+            <a:schemeClr val="lt1"/>
+          </a:fontRef>
+        </p:style>
+        <p:txBody>
+          <a:bodyPr rtlCol="0" anchor="ctr"/>
+          <a:lstStyle/>
+          <a:p>
+            <a:pPr algn="ctr"/>
+            <a:r>
+              <a:rPr kumimoji="1" lang="ja-JP" altLang="en-US" sz="1200" dirty="0" smtClean="0"/>
+              <a:t>１２</a:t>
+            </a:r>
+            <a:endParaRPr kumimoji="1" lang="ja-JP" altLang="en-US" sz="1200" dirty="0"/>
           </a:p>
         </p:txBody>
       </p:sp>
@@ -12224,14 +15466,20 @@
           <a:lstStyle/>
           <a:p>
             <a:r>
-              <a:rPr kumimoji="1" lang="en-US" altLang="ja-JP" sz="3600" dirty="0" smtClean="0"/>
+              <a:rPr kumimoji="1" lang="en-US" altLang="ja-JP" sz="3600" dirty="0" smtClean="0">
+                <a:latin typeface="+mj-ea"/>
+              </a:rPr>
               <a:t>36</a:t>
             </a:r>
             <a:r>
-              <a:rPr kumimoji="1" lang="ja-JP" altLang="en-US" sz="3600" dirty="0" smtClean="0"/>
+              <a:rPr kumimoji="1" lang="ja-JP" altLang="en-US" sz="3600" dirty="0" smtClean="0">
+                <a:latin typeface="+mj-ea"/>
+              </a:rPr>
               <a:t>件のプロジェクトからグラフを描き出す</a:t>
             </a:r>
-            <a:endParaRPr kumimoji="1" lang="ja-JP" altLang="en-US" sz="3600" dirty="0"/>
+            <a:endParaRPr kumimoji="1" lang="ja-JP" altLang="en-US" sz="3600" dirty="0">
+              <a:latin typeface="+mj-ea"/>
+            </a:endParaRPr>
           </a:p>
         </p:txBody>
       </p:sp>
@@ -13099,6 +16347,48 @@
           </a:prstGeom>
         </p:spPr>
       </p:pic>
+      <p:sp>
+        <p:nvSpPr>
+          <p:cNvPr id="44" name="円/楕円 43"/>
+          <p:cNvSpPr/>
+          <p:nvPr/>
+        </p:nvSpPr>
+        <p:spPr>
+          <a:xfrm>
+            <a:off x="8388424" y="6165304"/>
+            <a:ext cx="576064" cy="548680"/>
+          </a:xfrm>
+          <a:prstGeom prst="ellipse">
+            <a:avLst/>
+          </a:prstGeom>
+        </p:spPr>
+        <p:style>
+          <a:lnRef idx="0">
+            <a:schemeClr val="accent2"/>
+          </a:lnRef>
+          <a:fillRef idx="3">
+            <a:schemeClr val="accent2"/>
+          </a:fillRef>
+          <a:effectRef idx="3">
+            <a:schemeClr val="accent2"/>
+          </a:effectRef>
+          <a:fontRef idx="minor">
+            <a:schemeClr val="lt1"/>
+          </a:fontRef>
+        </p:style>
+        <p:txBody>
+          <a:bodyPr rtlCol="0" anchor="ctr"/>
+          <a:lstStyle/>
+          <a:p>
+            <a:pPr algn="ctr"/>
+            <a:r>
+              <a:rPr kumimoji="1" lang="ja-JP" altLang="en-US" sz="1200" dirty="0" smtClean="0"/>
+              <a:t>１３</a:t>
+            </a:r>
+            <a:endParaRPr kumimoji="1" lang="ja-JP" altLang="en-US" sz="1200" dirty="0"/>
+          </a:p>
+        </p:txBody>
+      </p:sp>
     </p:spTree>
   </p:cSld>
   <p:clrMapOvr>
@@ -13168,7 +16458,7 @@
           <a:blip r:embed="rId2" cstate="print">
             <a:extLst>
               <a:ext uri="{28A0092B-C50C-407E-A947-70E740481C1C}">
-                <a14:useLocalDpi xmlns:a14="http://schemas.microsoft.com/office/drawing/2010/main" val="0"/>
+                <a14:useLocalDpi xmlns:a14="http://schemas.microsoft.com/office/drawing/2010/main" xmlns="" val="0"/>
               </a:ext>
             </a:extLst>
           </a:blip>
@@ -13188,7 +16478,7 @@
           </a:ln>
           <a:extLst>
             <a:ext uri="{53640926-AAD7-44D8-BBD7-CCE9431645EC}">
-              <a14:shadowObscured xmlns:a14="http://schemas.microsoft.com/office/drawing/2010/main"/>
+              <a14:shadowObscured xmlns:a14="http://schemas.microsoft.com/office/drawing/2010/main" xmlns=""/>
             </a:ext>
           </a:extLst>
         </p:spPr>
@@ -13203,7 +16493,7 @@
           <a:blip r:embed="rId3" cstate="print">
             <a:extLst>
               <a:ext uri="{28A0092B-C50C-407E-A947-70E740481C1C}">
-                <a14:useLocalDpi xmlns:a14="http://schemas.microsoft.com/office/drawing/2010/main" val="0"/>
+                <a14:useLocalDpi xmlns:a14="http://schemas.microsoft.com/office/drawing/2010/main" xmlns="" val="0"/>
               </a:ext>
             </a:extLst>
           </a:blip>
@@ -13223,7 +16513,7 @@
           </a:ln>
           <a:extLst>
             <a:ext uri="{53640926-AAD7-44D8-BBD7-CCE9431645EC}">
-              <a14:shadowObscured xmlns:a14="http://schemas.microsoft.com/office/drawing/2010/main"/>
+              <a14:shadowObscured xmlns:a14="http://schemas.microsoft.com/office/drawing/2010/main" xmlns=""/>
             </a:ext>
           </a:extLst>
         </p:spPr>
@@ -13238,7 +16528,7 @@
           <a:blip r:embed="rId4" cstate="print">
             <a:extLst>
               <a:ext uri="{28A0092B-C50C-407E-A947-70E740481C1C}">
-                <a14:useLocalDpi xmlns:a14="http://schemas.microsoft.com/office/drawing/2010/main" val="0"/>
+                <a14:useLocalDpi xmlns:a14="http://schemas.microsoft.com/office/drawing/2010/main" xmlns="" val="0"/>
               </a:ext>
             </a:extLst>
           </a:blip>
@@ -13258,7 +16548,7 @@
           </a:ln>
           <a:extLst>
             <a:ext uri="{53640926-AAD7-44D8-BBD7-CCE9431645EC}">
-              <a14:shadowObscured xmlns:a14="http://schemas.microsoft.com/office/drawing/2010/main"/>
+              <a14:shadowObscured xmlns:a14="http://schemas.microsoft.com/office/drawing/2010/main" xmlns=""/>
             </a:ext>
           </a:extLst>
         </p:spPr>
@@ -13273,7 +16563,7 @@
           <a:blip r:embed="rId5" cstate="print">
             <a:extLst>
               <a:ext uri="{28A0092B-C50C-407E-A947-70E740481C1C}">
-                <a14:useLocalDpi xmlns:a14="http://schemas.microsoft.com/office/drawing/2010/main" val="0"/>
+                <a14:useLocalDpi xmlns:a14="http://schemas.microsoft.com/office/drawing/2010/main" xmlns="" val="0"/>
               </a:ext>
             </a:extLst>
           </a:blip>
@@ -13293,7 +16583,7 @@
           </a:ln>
           <a:extLst>
             <a:ext uri="{53640926-AAD7-44D8-BBD7-CCE9431645EC}">
-              <a14:shadowObscured xmlns:a14="http://schemas.microsoft.com/office/drawing/2010/main"/>
+              <a14:shadowObscured xmlns:a14="http://schemas.microsoft.com/office/drawing/2010/main" xmlns=""/>
             </a:ext>
           </a:extLst>
         </p:spPr>
@@ -13464,6 +16754,48 @@
               <a:ea typeface="+mn-ea"/>
               <a:cs typeface="+mn-cs"/>
             </a:endParaRPr>
+          </a:p>
+        </p:txBody>
+      </p:sp>
+      <p:sp>
+        <p:nvSpPr>
+          <p:cNvPr id="16" name="円/楕円 15"/>
+          <p:cNvSpPr/>
+          <p:nvPr/>
+        </p:nvSpPr>
+        <p:spPr>
+          <a:xfrm>
+            <a:off x="8388424" y="6165304"/>
+            <a:ext cx="576064" cy="548680"/>
+          </a:xfrm>
+          <a:prstGeom prst="ellipse">
+            <a:avLst/>
+          </a:prstGeom>
+        </p:spPr>
+        <p:style>
+          <a:lnRef idx="0">
+            <a:schemeClr val="accent2"/>
+          </a:lnRef>
+          <a:fillRef idx="3">
+            <a:schemeClr val="accent2"/>
+          </a:fillRef>
+          <a:effectRef idx="3">
+            <a:schemeClr val="accent2"/>
+          </a:effectRef>
+          <a:fontRef idx="minor">
+            <a:schemeClr val="lt1"/>
+          </a:fontRef>
+        </p:style>
+        <p:txBody>
+          <a:bodyPr rtlCol="0" anchor="ctr"/>
+          <a:lstStyle/>
+          <a:p>
+            <a:pPr algn="ctr"/>
+            <a:r>
+              <a:rPr kumimoji="1" lang="ja-JP" altLang="en-US" sz="1200" dirty="0" smtClean="0"/>
+              <a:t>１４</a:t>
+            </a:r>
+            <a:endParaRPr kumimoji="1" lang="ja-JP" altLang="en-US" sz="1200" dirty="0"/>
           </a:p>
         </p:txBody>
       </p:sp>
@@ -13525,30 +16857,44 @@
               <a:rPr lang="en-US" altLang="ja-JP" sz="3100" dirty="0" smtClean="0"/>
             </a:br>
             <a:r>
-              <a:rPr lang="ja-JP" altLang="en-US" sz="3100" dirty="0" smtClean="0"/>
+              <a:rPr lang="ja-JP" altLang="en-US" sz="3100" dirty="0" smtClean="0">
+                <a:latin typeface="+mj-ea"/>
+              </a:rPr>
               <a:t>①　</a:t>
             </a:r>
             <a:r>
-              <a:rPr lang="ja-JP" altLang="ja-JP" sz="3100" dirty="0" smtClean="0"/>
+              <a:rPr lang="ja-JP" altLang="ja-JP" sz="3100" dirty="0" smtClean="0">
+                <a:latin typeface="+mj-ea"/>
+              </a:rPr>
               <a:t>チケットの増加率が時間とともに減少する</a:t>
             </a:r>
             <a:r>
-              <a:rPr lang="en-US" altLang="ja-JP" sz="3100" dirty="0" smtClean="0"/>
+              <a:rPr lang="en-US" altLang="ja-JP" sz="3100" dirty="0" smtClean="0">
+                <a:latin typeface="+mj-ea"/>
+              </a:rPr>
               <a:t/>
             </a:r>
             <a:br>
-              <a:rPr lang="en-US" altLang="ja-JP" sz="3100" dirty="0" smtClean="0"/>
+              <a:rPr lang="en-US" altLang="ja-JP" sz="3100" dirty="0" smtClean="0">
+                <a:latin typeface="+mj-ea"/>
+              </a:rPr>
             </a:br>
             <a:r>
-              <a:rPr lang="en-US" altLang="ja-JP" sz="3100" dirty="0" smtClean="0"/>
+              <a:rPr lang="en-US" altLang="ja-JP" sz="3100" dirty="0" smtClean="0">
+                <a:latin typeface="+mj-ea"/>
+              </a:rPr>
               <a:t>(</a:t>
             </a:r>
             <a:r>
-              <a:rPr lang="ja-JP" altLang="ja-JP" sz="3100" dirty="0" smtClean="0"/>
+              <a:rPr lang="ja-JP" altLang="ja-JP" sz="3100" dirty="0" smtClean="0">
+                <a:latin typeface="+mj-ea"/>
+              </a:rPr>
               <a:t>全体の約</a:t>
             </a:r>
             <a:r>
-              <a:rPr lang="en-US" altLang="ja-JP" sz="3100" dirty="0" smtClean="0"/>
+              <a:rPr lang="en-US" altLang="ja-JP" sz="3100" dirty="0" smtClean="0">
+                <a:latin typeface="+mj-ea"/>
+              </a:rPr>
               <a:t>30%)</a:t>
             </a:r>
             <a:r>
@@ -13574,7 +16920,7 @@
           <a:blip r:embed="rId2" cstate="print">
             <a:extLst>
               <a:ext uri="{28A0092B-C50C-407E-A947-70E740481C1C}">
-                <a14:useLocalDpi xmlns:a14="http://schemas.microsoft.com/office/drawing/2010/main" val="0"/>
+                <a14:useLocalDpi xmlns:a14="http://schemas.microsoft.com/office/drawing/2010/main" xmlns="" val="0"/>
               </a:ext>
             </a:extLst>
           </a:blip>
@@ -13594,7 +16940,7 @@
           </a:ln>
           <a:extLst>
             <a:ext uri="{53640926-AAD7-44D8-BBD7-CCE9431645EC}">
-              <a14:shadowObscured xmlns:a14="http://schemas.microsoft.com/office/drawing/2010/main"/>
+              <a14:shadowObscured xmlns:a14="http://schemas.microsoft.com/office/drawing/2010/main" xmlns=""/>
             </a:ext>
           </a:extLst>
         </p:spPr>
@@ -13653,6 +16999,48 @@
             <a:endParaRPr kumimoji="1" lang="ja-JP" altLang="en-US" dirty="0">
               <a:latin typeface="+mn-ea"/>
             </a:endParaRPr>
+          </a:p>
+        </p:txBody>
+      </p:sp>
+      <p:sp>
+        <p:nvSpPr>
+          <p:cNvPr id="9" name="円/楕円 8"/>
+          <p:cNvSpPr/>
+          <p:nvPr/>
+        </p:nvSpPr>
+        <p:spPr>
+          <a:xfrm>
+            <a:off x="8388424" y="6165304"/>
+            <a:ext cx="576064" cy="548680"/>
+          </a:xfrm>
+          <a:prstGeom prst="ellipse">
+            <a:avLst/>
+          </a:prstGeom>
+        </p:spPr>
+        <p:style>
+          <a:lnRef idx="0">
+            <a:schemeClr val="accent2"/>
+          </a:lnRef>
+          <a:fillRef idx="3">
+            <a:schemeClr val="accent2"/>
+          </a:fillRef>
+          <a:effectRef idx="3">
+            <a:schemeClr val="accent2"/>
+          </a:effectRef>
+          <a:fontRef idx="minor">
+            <a:schemeClr val="lt1"/>
+          </a:fontRef>
+        </p:style>
+        <p:txBody>
+          <a:bodyPr rtlCol="0" anchor="ctr"/>
+          <a:lstStyle/>
+          <a:p>
+            <a:pPr algn="ctr"/>
+            <a:r>
+              <a:rPr kumimoji="1" lang="ja-JP" altLang="en-US" sz="1200" dirty="0" smtClean="0"/>
+              <a:t>１５</a:t>
+            </a:r>
+            <a:endParaRPr kumimoji="1" lang="ja-JP" altLang="en-US" sz="1200" dirty="0"/>
           </a:p>
         </p:txBody>
       </p:sp>
@@ -13714,40 +17102,66 @@
               <a:rPr lang="en-US" altLang="ja-JP" sz="3100" dirty="0" smtClean="0"/>
             </a:br>
             <a:r>
-              <a:rPr lang="ja-JP" altLang="en-US" sz="3100" dirty="0" smtClean="0"/>
+              <a:rPr lang="ja-JP" altLang="en-US" sz="3100" dirty="0" smtClean="0">
+                <a:latin typeface="+mj-ea"/>
+              </a:rPr>
               <a:t>②　</a:t>
             </a:r>
             <a:r>
-              <a:rPr lang="ja-JP" altLang="ja-JP" sz="3100" dirty="0" smtClean="0"/>
+              <a:rPr lang="ja-JP" altLang="ja-JP" sz="3100" dirty="0" smtClean="0">
+                <a:latin typeface="+mj-ea"/>
+              </a:rPr>
               <a:t>チケットの増加率が時間とともに増加する</a:t>
             </a:r>
             <a:r>
-              <a:rPr lang="en-US" altLang="ja-JP" sz="3100" dirty="0" smtClean="0"/>
+              <a:rPr lang="en-US" altLang="ja-JP" sz="3100" dirty="0" smtClean="0">
+                <a:latin typeface="+mj-ea"/>
+              </a:rPr>
               <a:t/>
             </a:r>
             <a:br>
-              <a:rPr lang="en-US" altLang="ja-JP" sz="3100" dirty="0" smtClean="0"/>
+              <a:rPr lang="en-US" altLang="ja-JP" sz="3100" dirty="0" smtClean="0">
+                <a:latin typeface="+mj-ea"/>
+              </a:rPr>
             </a:br>
             <a:r>
-              <a:rPr lang="en-US" altLang="ja-JP" sz="3100" dirty="0" smtClean="0"/>
+              <a:rPr lang="en-US" altLang="ja-JP" sz="3100" dirty="0" smtClean="0">
+                <a:latin typeface="+mj-ea"/>
+              </a:rPr>
               <a:t>(</a:t>
             </a:r>
             <a:r>
-              <a:rPr lang="ja-JP" altLang="ja-JP" sz="3100" dirty="0" smtClean="0"/>
+              <a:rPr lang="ja-JP" altLang="ja-JP" sz="3100" dirty="0" smtClean="0">
+                <a:latin typeface="+mj-ea"/>
+              </a:rPr>
               <a:t>全体の約</a:t>
             </a:r>
             <a:r>
-              <a:rPr lang="en-US" altLang="ja-JP" sz="3100" dirty="0" smtClean="0"/>
-              <a:t>40%)</a:t>
-            </a:r>
-            <a:r>
-              <a:rPr lang="ja-JP" altLang="ja-JP" sz="4400" dirty="0" smtClean="0"/>
+              <a:rPr lang="en-US" altLang="ja-JP" sz="3100" dirty="0" smtClean="0">
+                <a:latin typeface="+mj-ea"/>
+              </a:rPr>
+              <a:t>40</a:t>
+            </a:r>
+            <a:r>
+              <a:rPr lang="en-US" altLang="ja-JP" sz="3100" dirty="0" smtClean="0">
+                <a:latin typeface="+mj-ea"/>
+              </a:rPr>
+              <a:t>%)</a:t>
+            </a:r>
+            <a:r>
+              <a:rPr lang="ja-JP" altLang="ja-JP" sz="4400" dirty="0" smtClean="0">
+                <a:latin typeface="+mj-ea"/>
+              </a:rPr>
               <a:t/>
             </a:r>
             <a:br>
-              <a:rPr lang="ja-JP" altLang="ja-JP" sz="4400" dirty="0" smtClean="0"/>
+              <a:rPr lang="ja-JP" altLang="ja-JP" sz="4400" dirty="0" smtClean="0">
+                <a:latin typeface="+mj-ea"/>
+              </a:rPr>
             </a:br>
-            <a:endParaRPr kumimoji="1" lang="ja-JP" altLang="en-US" dirty="0"/>
+            <a:endParaRPr kumimoji="1" lang="ja-JP" altLang="en-US" dirty="0">
+              <a:latin typeface="+mj-ea"/>
+            </a:endParaRPr>
           </a:p>
         </p:txBody>
       </p:sp>
@@ -13786,7 +17200,7 @@
           <a:blip r:embed="rId2" cstate="print">
             <a:extLst>
               <a:ext uri="{28A0092B-C50C-407E-A947-70E740481C1C}">
-                <a14:useLocalDpi xmlns:a14="http://schemas.microsoft.com/office/drawing/2010/main" val="0"/>
+                <a14:useLocalDpi xmlns:a14="http://schemas.microsoft.com/office/drawing/2010/main" xmlns="" val="0"/>
               </a:ext>
             </a:extLst>
           </a:blip>
@@ -13806,7 +17220,7 @@
           </a:ln>
           <a:extLst>
             <a:ext uri="{53640926-AAD7-44D8-BBD7-CCE9431645EC}">
-              <a14:shadowObscured xmlns:a14="http://schemas.microsoft.com/office/drawing/2010/main"/>
+              <a14:shadowObscured xmlns:a14="http://schemas.microsoft.com/office/drawing/2010/main" xmlns=""/>
             </a:ext>
           </a:extLst>
         </p:spPr>
@@ -13865,6 +17279,48 @@
             <a:endParaRPr kumimoji="1" lang="ja-JP" altLang="en-US" dirty="0">
               <a:latin typeface="+mn-ea"/>
             </a:endParaRPr>
+          </a:p>
+        </p:txBody>
+      </p:sp>
+      <p:sp>
+        <p:nvSpPr>
+          <p:cNvPr id="10" name="円/楕円 9"/>
+          <p:cNvSpPr/>
+          <p:nvPr/>
+        </p:nvSpPr>
+        <p:spPr>
+          <a:xfrm>
+            <a:off x="8388424" y="6165304"/>
+            <a:ext cx="576064" cy="548680"/>
+          </a:xfrm>
+          <a:prstGeom prst="ellipse">
+            <a:avLst/>
+          </a:prstGeom>
+        </p:spPr>
+        <p:style>
+          <a:lnRef idx="0">
+            <a:schemeClr val="accent2"/>
+          </a:lnRef>
+          <a:fillRef idx="3">
+            <a:schemeClr val="accent2"/>
+          </a:fillRef>
+          <a:effectRef idx="3">
+            <a:schemeClr val="accent2"/>
+          </a:effectRef>
+          <a:fontRef idx="minor">
+            <a:schemeClr val="lt1"/>
+          </a:fontRef>
+        </p:style>
+        <p:txBody>
+          <a:bodyPr rtlCol="0" anchor="ctr"/>
+          <a:lstStyle/>
+          <a:p>
+            <a:pPr algn="ctr"/>
+            <a:r>
+              <a:rPr kumimoji="1" lang="ja-JP" altLang="en-US" sz="1200" dirty="0" smtClean="0"/>
+              <a:t>１６</a:t>
+            </a:r>
+            <a:endParaRPr kumimoji="1" lang="ja-JP" altLang="en-US" sz="1200" dirty="0"/>
           </a:p>
         </p:txBody>
       </p:sp>
@@ -13919,33 +17375,49 @@
           <a:p>
             <a:pPr lvl="0" algn="ctr"/>
             <a:r>
-              <a:rPr lang="ja-JP" altLang="en-US" sz="2800" dirty="0" smtClean="0"/>
+              <a:rPr lang="ja-JP" altLang="en-US" sz="2800" dirty="0" smtClean="0">
+                <a:latin typeface="+mj-ea"/>
+              </a:rPr>
               <a:t>③　</a:t>
             </a:r>
             <a:r>
-              <a:rPr lang="ja-JP" altLang="ja-JP" sz="2800" dirty="0" smtClean="0"/>
+              <a:rPr lang="ja-JP" altLang="ja-JP" sz="2800" dirty="0" smtClean="0">
+                <a:latin typeface="+mj-ea"/>
+              </a:rPr>
               <a:t>チケットの消化が発行に追い付いていない</a:t>
             </a:r>
             <a:r>
-              <a:rPr lang="en-US" altLang="ja-JP" sz="2800" dirty="0" smtClean="0"/>
+              <a:rPr lang="en-US" altLang="ja-JP" sz="2800" dirty="0" smtClean="0">
+                <a:latin typeface="+mj-ea"/>
+              </a:rPr>
               <a:t/>
             </a:r>
             <a:br>
-              <a:rPr lang="en-US" altLang="ja-JP" sz="2800" dirty="0" smtClean="0"/>
+              <a:rPr lang="en-US" altLang="ja-JP" sz="2800" dirty="0" smtClean="0">
+                <a:latin typeface="+mj-ea"/>
+              </a:rPr>
             </a:br>
             <a:r>
-              <a:rPr lang="en-US" altLang="ja-JP" sz="2800" dirty="0" smtClean="0"/>
+              <a:rPr lang="en-US" altLang="ja-JP" sz="2800" dirty="0" smtClean="0">
+                <a:latin typeface="+mj-ea"/>
+              </a:rPr>
               <a:t>(</a:t>
             </a:r>
             <a:r>
-              <a:rPr lang="ja-JP" altLang="ja-JP" sz="2800" dirty="0" smtClean="0"/>
+              <a:rPr lang="ja-JP" altLang="ja-JP" sz="2800" dirty="0" smtClean="0">
+                <a:latin typeface="+mj-ea"/>
+              </a:rPr>
               <a:t>全体の約</a:t>
             </a:r>
             <a:r>
-              <a:rPr lang="en-US" altLang="ja-JP" sz="2800" dirty="0" smtClean="0"/>
+              <a:rPr lang="en-US" altLang="ja-JP" sz="2800" dirty="0" smtClean="0">
+                <a:latin typeface="+mj-ea"/>
+              </a:rPr>
               <a:t>20%)</a:t>
             </a:r>
-            <a:endParaRPr lang="ja-JP" altLang="ja-JP" sz="2800" dirty="0" smtClean="0"/>
+            <a:endParaRPr lang="ja-JP" altLang="ja-JP" sz="2800" dirty="0" smtClean="0">
+              <a:latin typeface="+mj-ea"/>
+            </a:endParaRPr>
           </a:p>
         </p:txBody>
       </p:sp>
@@ -13984,7 +17456,7 @@
           <a:blip r:embed="rId2" cstate="print">
             <a:extLst>
               <a:ext uri="{28A0092B-C50C-407E-A947-70E740481C1C}">
-                <a14:useLocalDpi xmlns:a14="http://schemas.microsoft.com/office/drawing/2010/main" val="0"/>
+                <a14:useLocalDpi xmlns:a14="http://schemas.microsoft.com/office/drawing/2010/main" xmlns="" val="0"/>
               </a:ext>
             </a:extLst>
           </a:blip>
@@ -14004,7 +17476,7 @@
           </a:ln>
           <a:extLst>
             <a:ext uri="{53640926-AAD7-44D8-BBD7-CCE9431645EC}">
-              <a14:shadowObscured xmlns:a14="http://schemas.microsoft.com/office/drawing/2010/main"/>
+              <a14:shadowObscured xmlns:a14="http://schemas.microsoft.com/office/drawing/2010/main" xmlns=""/>
             </a:ext>
           </a:extLst>
         </p:spPr>
@@ -14046,6 +17518,48 @@
             <a:endParaRPr kumimoji="1" lang="ja-JP" altLang="en-US" dirty="0">
               <a:latin typeface="+mn-ea"/>
             </a:endParaRPr>
+          </a:p>
+        </p:txBody>
+      </p:sp>
+      <p:sp>
+        <p:nvSpPr>
+          <p:cNvPr id="10" name="円/楕円 9"/>
+          <p:cNvSpPr/>
+          <p:nvPr/>
+        </p:nvSpPr>
+        <p:spPr>
+          <a:xfrm>
+            <a:off x="8388424" y="6165304"/>
+            <a:ext cx="576064" cy="548680"/>
+          </a:xfrm>
+          <a:prstGeom prst="ellipse">
+            <a:avLst/>
+          </a:prstGeom>
+        </p:spPr>
+        <p:style>
+          <a:lnRef idx="0">
+            <a:schemeClr val="accent2"/>
+          </a:lnRef>
+          <a:fillRef idx="3">
+            <a:schemeClr val="accent2"/>
+          </a:fillRef>
+          <a:effectRef idx="3">
+            <a:schemeClr val="accent2"/>
+          </a:effectRef>
+          <a:fontRef idx="minor">
+            <a:schemeClr val="lt1"/>
+          </a:fontRef>
+        </p:style>
+        <p:txBody>
+          <a:bodyPr rtlCol="0" anchor="ctr"/>
+          <a:lstStyle/>
+          <a:p>
+            <a:pPr algn="ctr"/>
+            <a:r>
+              <a:rPr kumimoji="1" lang="ja-JP" altLang="en-US" sz="1200" dirty="0" smtClean="0"/>
+              <a:t>１７</a:t>
+            </a:r>
+            <a:endParaRPr kumimoji="1" lang="ja-JP" altLang="en-US" sz="1200" dirty="0"/>
           </a:p>
         </p:txBody>
       </p:sp>
@@ -14104,65 +17618,26 @@
           </a:p>
         </p:txBody>
       </p:sp>
-      <p:sp>
-        <p:nvSpPr>
-          <p:cNvPr id="3" name="コンテンツ プレースホルダ 2"/>
-          <p:cNvSpPr>
-            <a:spLocks noGrp="1"/>
-          </p:cNvSpPr>
+      <p:graphicFrame>
+        <p:nvGraphicFramePr>
+          <p:cNvPr id="5" name="コンテンツ プレースホルダ 4"/>
+          <p:cNvGraphicFramePr>
+            <a:graphicFrameLocks noGrp="1"/>
+          </p:cNvGraphicFramePr>
           <p:nvPr>
             <p:ph sz="quarter" idx="1"/>
           </p:nvPr>
-        </p:nvSpPr>
-        <p:spPr/>
-        <p:txBody>
-          <a:bodyPr>
-            <a:normAutofit/>
-          </a:bodyPr>
-          <a:lstStyle/>
-          <a:p>
-            <a:r>
-              <a:rPr kumimoji="1" lang="ja-JP" altLang="en-US" dirty="0" smtClean="0"/>
-              <a:t>研究背景</a:t>
-            </a:r>
-            <a:endParaRPr lang="en-US" altLang="ja-JP" dirty="0" smtClean="0"/>
-          </a:p>
-          <a:p>
-            <a:r>
-              <a:rPr lang="ja-JP" altLang="en-US" dirty="0" smtClean="0"/>
-              <a:t>研究目的</a:t>
-            </a:r>
-            <a:endParaRPr lang="en-US" altLang="ja-JP" dirty="0" smtClean="0"/>
-          </a:p>
-          <a:p>
-            <a:r>
-              <a:rPr kumimoji="1" lang="ja-JP" altLang="en-US" dirty="0" smtClean="0"/>
-              <a:t>研究方法</a:t>
-            </a:r>
-            <a:endParaRPr kumimoji="1" lang="en-US" altLang="ja-JP" dirty="0" smtClean="0"/>
-          </a:p>
-          <a:p>
-            <a:r>
-              <a:rPr kumimoji="1" lang="ja-JP" altLang="en-US" dirty="0" smtClean="0"/>
-              <a:t>調査結果</a:t>
-            </a:r>
-            <a:endParaRPr kumimoji="1" lang="en-US" altLang="ja-JP" dirty="0" smtClean="0"/>
-          </a:p>
-          <a:p>
-            <a:r>
-              <a:rPr lang="ja-JP" altLang="en-US" dirty="0" smtClean="0"/>
-              <a:t>考察</a:t>
-            </a:r>
-            <a:endParaRPr lang="en-US" altLang="ja-JP" dirty="0" smtClean="0"/>
-          </a:p>
-          <a:p>
-            <a:r>
-              <a:rPr kumimoji="1" lang="ja-JP" altLang="en-US" dirty="0"/>
-              <a:t>まとめ</a:t>
-            </a:r>
-          </a:p>
-        </p:txBody>
-      </p:sp>
+        </p:nvGraphicFramePr>
+        <p:xfrm>
+          <a:off x="612648" y="1600200"/>
+          <a:ext cx="8153400" cy="4495800"/>
+        </p:xfrm>
+        <a:graphic>
+          <a:graphicData uri="http://schemas.openxmlformats.org/drawingml/2006/diagram">
+            <dgm:relIds xmlns:dgm="http://schemas.openxmlformats.org/drawingml/2006/diagram" xmlns:r="http://schemas.openxmlformats.org/officeDocument/2006/relationships" r:dm="rId3" r:lo="rId4" r:qs="rId5" r:cs="rId6"/>
+          </a:graphicData>
+        </a:graphic>
+      </p:graphicFrame>
     </p:spTree>
   </p:cSld>
   <p:clrMapOvr>
@@ -14214,33 +17689,49 @@
           <a:p>
             <a:pPr lvl="0" algn="ctr"/>
             <a:r>
-              <a:rPr lang="ja-JP" altLang="en-US" sz="2800" dirty="0" smtClean="0"/>
+              <a:rPr lang="ja-JP" altLang="en-US" sz="2800" dirty="0" smtClean="0">
+                <a:latin typeface="+mj-ea"/>
+              </a:rPr>
               <a:t>④　</a:t>
             </a:r>
             <a:r>
-              <a:rPr lang="ja-JP" altLang="ja-JP" sz="2800" dirty="0" smtClean="0"/>
+              <a:rPr lang="ja-JP" altLang="ja-JP" sz="2800" dirty="0" smtClean="0">
+                <a:latin typeface="+mj-ea"/>
+              </a:rPr>
               <a:t>チケットの消化が停滞し急激に消化される</a:t>
             </a:r>
             <a:r>
-              <a:rPr lang="en-US" altLang="ja-JP" sz="2800" dirty="0" smtClean="0"/>
+              <a:rPr lang="en-US" altLang="ja-JP" sz="2800" dirty="0" smtClean="0">
+                <a:latin typeface="+mj-ea"/>
+              </a:rPr>
               <a:t/>
             </a:r>
             <a:br>
-              <a:rPr lang="en-US" altLang="ja-JP" sz="2800" dirty="0" smtClean="0"/>
+              <a:rPr lang="en-US" altLang="ja-JP" sz="2800" dirty="0" smtClean="0">
+                <a:latin typeface="+mj-ea"/>
+              </a:rPr>
             </a:br>
             <a:r>
-              <a:rPr lang="en-US" altLang="ja-JP" sz="2800" dirty="0" smtClean="0"/>
+              <a:rPr lang="en-US" altLang="ja-JP" sz="2800" dirty="0" smtClean="0">
+                <a:latin typeface="+mj-ea"/>
+              </a:rPr>
               <a:t>(</a:t>
             </a:r>
             <a:r>
-              <a:rPr lang="ja-JP" altLang="ja-JP" sz="2800" dirty="0" smtClean="0"/>
+              <a:rPr lang="ja-JP" altLang="ja-JP" sz="2800" dirty="0" smtClean="0">
+                <a:latin typeface="+mj-ea"/>
+              </a:rPr>
               <a:t>全体の約</a:t>
             </a:r>
             <a:r>
-              <a:rPr lang="en-US" altLang="ja-JP" sz="2800" dirty="0" smtClean="0"/>
+              <a:rPr lang="en-US" altLang="ja-JP" sz="2800" dirty="0" smtClean="0">
+                <a:latin typeface="+mj-ea"/>
+              </a:rPr>
               <a:t>10%)</a:t>
             </a:r>
-            <a:endParaRPr lang="ja-JP" altLang="ja-JP" sz="2800" dirty="0" smtClean="0"/>
+            <a:endParaRPr lang="ja-JP" altLang="ja-JP" sz="2800" dirty="0" smtClean="0">
+              <a:latin typeface="+mj-ea"/>
+            </a:endParaRPr>
           </a:p>
         </p:txBody>
       </p:sp>
@@ -14283,7 +17774,7 @@
           <a:blip r:embed="rId2" cstate="print">
             <a:extLst>
               <a:ext uri="{28A0092B-C50C-407E-A947-70E740481C1C}">
-                <a14:useLocalDpi xmlns:a14="http://schemas.microsoft.com/office/drawing/2010/main" val="0"/>
+                <a14:useLocalDpi xmlns:a14="http://schemas.microsoft.com/office/drawing/2010/main" xmlns="" val="0"/>
               </a:ext>
             </a:extLst>
           </a:blip>
@@ -14303,7 +17794,7 @@
           </a:ln>
           <a:extLst>
             <a:ext uri="{53640926-AAD7-44D8-BBD7-CCE9431645EC}">
-              <a14:shadowObscured xmlns:a14="http://schemas.microsoft.com/office/drawing/2010/main"/>
+              <a14:shadowObscured xmlns:a14="http://schemas.microsoft.com/office/drawing/2010/main" xmlns=""/>
             </a:ext>
           </a:extLst>
         </p:spPr>
@@ -14339,6 +17830,48 @@
             <a:endParaRPr kumimoji="1" lang="ja-JP" altLang="en-US" dirty="0">
               <a:latin typeface="+mn-ea"/>
             </a:endParaRPr>
+          </a:p>
+        </p:txBody>
+      </p:sp>
+      <p:sp>
+        <p:nvSpPr>
+          <p:cNvPr id="10" name="円/楕円 9"/>
+          <p:cNvSpPr/>
+          <p:nvPr/>
+        </p:nvSpPr>
+        <p:spPr>
+          <a:xfrm>
+            <a:off x="8388424" y="6165304"/>
+            <a:ext cx="576064" cy="548680"/>
+          </a:xfrm>
+          <a:prstGeom prst="ellipse">
+            <a:avLst/>
+          </a:prstGeom>
+        </p:spPr>
+        <p:style>
+          <a:lnRef idx="0">
+            <a:schemeClr val="accent2"/>
+          </a:lnRef>
+          <a:fillRef idx="3">
+            <a:schemeClr val="accent2"/>
+          </a:fillRef>
+          <a:effectRef idx="3">
+            <a:schemeClr val="accent2"/>
+          </a:effectRef>
+          <a:fontRef idx="minor">
+            <a:schemeClr val="lt1"/>
+          </a:fontRef>
+        </p:style>
+        <p:txBody>
+          <a:bodyPr rtlCol="0" anchor="ctr"/>
+          <a:lstStyle/>
+          <a:p>
+            <a:pPr algn="ctr"/>
+            <a:r>
+              <a:rPr kumimoji="1" lang="ja-JP" altLang="en-US" sz="1200" dirty="0" smtClean="0"/>
+              <a:t>１８</a:t>
+            </a:r>
+            <a:endParaRPr kumimoji="1" lang="ja-JP" altLang="en-US" sz="1200" dirty="0"/>
           </a:p>
         </p:txBody>
       </p:sp>
@@ -14604,6 +18137,48 @@
           </a:p>
         </p:txBody>
       </p:sp>
+      <p:sp>
+        <p:nvSpPr>
+          <p:cNvPr id="12" name="円/楕円 11"/>
+          <p:cNvSpPr/>
+          <p:nvPr/>
+        </p:nvSpPr>
+        <p:spPr>
+          <a:xfrm>
+            <a:off x="8388424" y="6165304"/>
+            <a:ext cx="576064" cy="548680"/>
+          </a:xfrm>
+          <a:prstGeom prst="ellipse">
+            <a:avLst/>
+          </a:prstGeom>
+        </p:spPr>
+        <p:style>
+          <a:lnRef idx="0">
+            <a:schemeClr val="accent2"/>
+          </a:lnRef>
+          <a:fillRef idx="3">
+            <a:schemeClr val="accent2"/>
+          </a:fillRef>
+          <a:effectRef idx="3">
+            <a:schemeClr val="accent2"/>
+          </a:effectRef>
+          <a:fontRef idx="minor">
+            <a:schemeClr val="lt1"/>
+          </a:fontRef>
+        </p:style>
+        <p:txBody>
+          <a:bodyPr rtlCol="0" anchor="ctr"/>
+          <a:lstStyle/>
+          <a:p>
+            <a:pPr algn="ctr"/>
+            <a:r>
+              <a:rPr kumimoji="1" lang="ja-JP" altLang="en-US" sz="1200" dirty="0" smtClean="0"/>
+              <a:t>１９</a:t>
+            </a:r>
+            <a:endParaRPr kumimoji="1" lang="ja-JP" altLang="en-US" sz="1200" dirty="0"/>
+          </a:p>
+        </p:txBody>
+      </p:sp>
     </p:spTree>
   </p:cSld>
   <p:clrMapOvr>
@@ -14669,7 +18244,7 @@
             <p:ph sz="quarter" idx="1"/>
             <p:extLst>
               <p:ext uri="{D42A27DB-BD31-4B8C-83A1-F6EECF244321}">
-                <p14:modId xmlns:p14="http://schemas.microsoft.com/office/powerpoint/2010/main" val="3313432546"/>
+                <p14:modId xmlns:p14="http://schemas.microsoft.com/office/powerpoint/2010/main" xmlns="" val="3313432546"/>
               </p:ext>
             </p:extLst>
           </p:nvPr>
@@ -14684,6 +18259,48 @@
           </a:graphicData>
         </a:graphic>
       </p:graphicFrame>
+      <p:sp>
+        <p:nvSpPr>
+          <p:cNvPr id="8" name="円/楕円 7"/>
+          <p:cNvSpPr/>
+          <p:nvPr/>
+        </p:nvSpPr>
+        <p:spPr>
+          <a:xfrm>
+            <a:off x="8388424" y="6165304"/>
+            <a:ext cx="576064" cy="548680"/>
+          </a:xfrm>
+          <a:prstGeom prst="ellipse">
+            <a:avLst/>
+          </a:prstGeom>
+        </p:spPr>
+        <p:style>
+          <a:lnRef idx="0">
+            <a:schemeClr val="accent2"/>
+          </a:lnRef>
+          <a:fillRef idx="3">
+            <a:schemeClr val="accent2"/>
+          </a:fillRef>
+          <a:effectRef idx="3">
+            <a:schemeClr val="accent2"/>
+          </a:effectRef>
+          <a:fontRef idx="minor">
+            <a:schemeClr val="lt1"/>
+          </a:fontRef>
+        </p:style>
+        <p:txBody>
+          <a:bodyPr rtlCol="0" anchor="ctr"/>
+          <a:lstStyle/>
+          <a:p>
+            <a:pPr algn="ctr"/>
+            <a:r>
+              <a:rPr lang="ja-JP" altLang="en-US" sz="1200" dirty="0" smtClean="0"/>
+              <a:t>２０</a:t>
+            </a:r>
+            <a:endParaRPr kumimoji="1" lang="ja-JP" altLang="en-US" sz="1200" dirty="0"/>
+          </a:p>
+        </p:txBody>
+      </p:sp>
     </p:spTree>
   </p:cSld>
   <p:clrMapOvr>
@@ -14987,6 +18604,48 @@
           </a:p>
         </p:txBody>
       </p:sp>
+      <p:sp>
+        <p:nvSpPr>
+          <p:cNvPr id="13" name="円/楕円 12"/>
+          <p:cNvSpPr/>
+          <p:nvPr/>
+        </p:nvSpPr>
+        <p:spPr>
+          <a:xfrm>
+            <a:off x="8388424" y="6165304"/>
+            <a:ext cx="576064" cy="548680"/>
+          </a:xfrm>
+          <a:prstGeom prst="ellipse">
+            <a:avLst/>
+          </a:prstGeom>
+        </p:spPr>
+        <p:style>
+          <a:lnRef idx="0">
+            <a:schemeClr val="accent2"/>
+          </a:lnRef>
+          <a:fillRef idx="3">
+            <a:schemeClr val="accent2"/>
+          </a:fillRef>
+          <a:effectRef idx="3">
+            <a:schemeClr val="accent2"/>
+          </a:effectRef>
+          <a:fontRef idx="minor">
+            <a:schemeClr val="lt1"/>
+          </a:fontRef>
+        </p:style>
+        <p:txBody>
+          <a:bodyPr rtlCol="0" anchor="ctr"/>
+          <a:lstStyle/>
+          <a:p>
+            <a:pPr algn="ctr"/>
+            <a:r>
+              <a:rPr kumimoji="1" lang="ja-JP" altLang="en-US" sz="1400" dirty="0" smtClean="0"/>
+              <a:t>１</a:t>
+            </a:r>
+            <a:endParaRPr kumimoji="1" lang="ja-JP" altLang="en-US" sz="1400" dirty="0"/>
+          </a:p>
+        </p:txBody>
+      </p:sp>
     </p:spTree>
   </p:cSld>
   <p:clrMapOvr>
@@ -15078,7 +18737,7 @@
           <a:blip r:embed="rId2" cstate="print">
             <a:extLst>
               <a:ext uri="{28A0092B-C50C-407E-A947-70E740481C1C}">
-                <a14:useLocalDpi xmlns:a14="http://schemas.microsoft.com/office/drawing/2010/main" val="0"/>
+                <a14:useLocalDpi xmlns:a14="http://schemas.microsoft.com/office/drawing/2010/main" xmlns="" val="0"/>
               </a:ext>
             </a:extLst>
           </a:blip>
@@ -15215,6 +18874,48 @@
               <a:t>・日時</a:t>
             </a:r>
             <a:endParaRPr kumimoji="1" lang="ja-JP" altLang="en-US" dirty="0"/>
+          </a:p>
+        </p:txBody>
+      </p:sp>
+      <p:sp>
+        <p:nvSpPr>
+          <p:cNvPr id="10" name="円/楕円 9"/>
+          <p:cNvSpPr/>
+          <p:nvPr/>
+        </p:nvSpPr>
+        <p:spPr>
+          <a:xfrm>
+            <a:off x="8388424" y="6165304"/>
+            <a:ext cx="576064" cy="548680"/>
+          </a:xfrm>
+          <a:prstGeom prst="ellipse">
+            <a:avLst/>
+          </a:prstGeom>
+        </p:spPr>
+        <p:style>
+          <a:lnRef idx="0">
+            <a:schemeClr val="accent2"/>
+          </a:lnRef>
+          <a:fillRef idx="3">
+            <a:schemeClr val="accent2"/>
+          </a:fillRef>
+          <a:effectRef idx="3">
+            <a:schemeClr val="accent2"/>
+          </a:effectRef>
+          <a:fontRef idx="minor">
+            <a:schemeClr val="lt1"/>
+          </a:fontRef>
+        </p:style>
+        <p:txBody>
+          <a:bodyPr rtlCol="0" anchor="ctr"/>
+          <a:lstStyle/>
+          <a:p>
+            <a:pPr algn="ctr"/>
+            <a:r>
+              <a:rPr lang="ja-JP" altLang="en-US" sz="1400" dirty="0" smtClean="0"/>
+              <a:t>２</a:t>
+            </a:r>
+            <a:endParaRPr kumimoji="1" lang="ja-JP" altLang="en-US" sz="1400" dirty="0"/>
           </a:p>
         </p:txBody>
       </p:sp>
@@ -15287,7 +18988,7 @@
           <a:blip r:embed="rId2" cstate="print">
             <a:extLst>
               <a:ext uri="{28A0092B-C50C-407E-A947-70E740481C1C}">
-                <a14:useLocalDpi xmlns:a14="http://schemas.microsoft.com/office/drawing/2010/main" val="0"/>
+                <a14:useLocalDpi xmlns:a14="http://schemas.microsoft.com/office/drawing/2010/main" xmlns="" val="0"/>
               </a:ext>
             </a:extLst>
           </a:blip>
@@ -15309,6 +19010,48 @@
           </a:ln>
         </p:spPr>
       </p:pic>
+      <p:sp>
+        <p:nvSpPr>
+          <p:cNvPr id="8" name="円/楕円 7"/>
+          <p:cNvSpPr/>
+          <p:nvPr/>
+        </p:nvSpPr>
+        <p:spPr>
+          <a:xfrm>
+            <a:off x="8388424" y="6165304"/>
+            <a:ext cx="576064" cy="548680"/>
+          </a:xfrm>
+          <a:prstGeom prst="ellipse">
+            <a:avLst/>
+          </a:prstGeom>
+        </p:spPr>
+        <p:style>
+          <a:lnRef idx="0">
+            <a:schemeClr val="accent2"/>
+          </a:lnRef>
+          <a:fillRef idx="3">
+            <a:schemeClr val="accent2"/>
+          </a:fillRef>
+          <a:effectRef idx="3">
+            <a:schemeClr val="accent2"/>
+          </a:effectRef>
+          <a:fontRef idx="minor">
+            <a:schemeClr val="lt1"/>
+          </a:fontRef>
+        </p:style>
+        <p:txBody>
+          <a:bodyPr rtlCol="0" anchor="ctr"/>
+          <a:lstStyle/>
+          <a:p>
+            <a:pPr algn="ctr"/>
+            <a:r>
+              <a:rPr lang="ja-JP" altLang="en-US" sz="1400" dirty="0" smtClean="0"/>
+              <a:t>３</a:t>
+            </a:r>
+            <a:endParaRPr kumimoji="1" lang="ja-JP" altLang="en-US" sz="1400" dirty="0"/>
+          </a:p>
+        </p:txBody>
+      </p:sp>
     </p:spTree>
   </p:cSld>
   <p:clrMapOvr>
@@ -16029,10 +19772,52 @@
           </a:p>
         </p:txBody>
       </p:sp>
+      <p:sp>
+        <p:nvSpPr>
+          <p:cNvPr id="28" name="円/楕円 27"/>
+          <p:cNvSpPr/>
+          <p:nvPr/>
+        </p:nvSpPr>
+        <p:spPr>
+          <a:xfrm>
+            <a:off x="8388424" y="6165304"/>
+            <a:ext cx="576064" cy="548680"/>
+          </a:xfrm>
+          <a:prstGeom prst="ellipse">
+            <a:avLst/>
+          </a:prstGeom>
+        </p:spPr>
+        <p:style>
+          <a:lnRef idx="0">
+            <a:schemeClr val="accent2"/>
+          </a:lnRef>
+          <a:fillRef idx="3">
+            <a:schemeClr val="accent2"/>
+          </a:fillRef>
+          <a:effectRef idx="3">
+            <a:schemeClr val="accent2"/>
+          </a:effectRef>
+          <a:fontRef idx="minor">
+            <a:schemeClr val="lt1"/>
+          </a:fontRef>
+        </p:style>
+        <p:txBody>
+          <a:bodyPr rtlCol="0" anchor="ctr"/>
+          <a:lstStyle/>
+          <a:p>
+            <a:pPr algn="ctr"/>
+            <a:r>
+              <a:rPr lang="ja-JP" altLang="en-US" sz="1400" dirty="0" smtClean="0"/>
+              <a:t>４</a:t>
+            </a:r>
+            <a:endParaRPr kumimoji="1" lang="ja-JP" altLang="en-US" sz="1400" dirty="0"/>
+          </a:p>
+        </p:txBody>
+      </p:sp>
     </p:spTree>
     <p:extLst>
       <p:ext uri="{BB962C8B-B14F-4D97-AF65-F5344CB8AC3E}">
-        <p14:creationId xmlns:p14="http://schemas.microsoft.com/office/powerpoint/2010/main" val="36533045"/>
+        <p14:creationId xmlns:p14="http://schemas.microsoft.com/office/powerpoint/2010/main" xmlns="" val="36533045"/>
       </p:ext>
     </p:extLst>
   </p:cSld>
@@ -16130,7 +19915,7 @@
           <a:blip r:embed="rId3" cstate="print">
             <a:extLst>
               <a:ext uri="{28A0092B-C50C-407E-A947-70E740481C1C}">
-                <a14:useLocalDpi xmlns:a14="http://schemas.microsoft.com/office/drawing/2010/main" val="0"/>
+                <a14:useLocalDpi xmlns:a14="http://schemas.microsoft.com/office/drawing/2010/main" xmlns="" val="0"/>
               </a:ext>
             </a:extLst>
           </a:blip>
@@ -16148,6 +19933,48 @@
           </a:prstGeom>
         </p:spPr>
       </p:pic>
+      <p:sp>
+        <p:nvSpPr>
+          <p:cNvPr id="8" name="円/楕円 7"/>
+          <p:cNvSpPr/>
+          <p:nvPr/>
+        </p:nvSpPr>
+        <p:spPr>
+          <a:xfrm>
+            <a:off x="8388424" y="6165304"/>
+            <a:ext cx="576064" cy="548680"/>
+          </a:xfrm>
+          <a:prstGeom prst="ellipse">
+            <a:avLst/>
+          </a:prstGeom>
+        </p:spPr>
+        <p:style>
+          <a:lnRef idx="0">
+            <a:schemeClr val="accent2"/>
+          </a:lnRef>
+          <a:fillRef idx="3">
+            <a:schemeClr val="accent2"/>
+          </a:fillRef>
+          <a:effectRef idx="3">
+            <a:schemeClr val="accent2"/>
+          </a:effectRef>
+          <a:fontRef idx="minor">
+            <a:schemeClr val="lt1"/>
+          </a:fontRef>
+        </p:style>
+        <p:txBody>
+          <a:bodyPr rtlCol="0" anchor="ctr"/>
+          <a:lstStyle/>
+          <a:p>
+            <a:pPr algn="ctr"/>
+            <a:r>
+              <a:rPr lang="ja-JP" altLang="en-US" sz="1400" dirty="0" smtClean="0"/>
+              <a:t>５</a:t>
+            </a:r>
+            <a:endParaRPr kumimoji="1" lang="ja-JP" altLang="en-US" sz="1400" dirty="0"/>
+          </a:p>
+        </p:txBody>
+      </p:sp>
     </p:spTree>
   </p:cSld>
   <p:clrMapOvr>
@@ -16506,10 +20333,52 @@
           </a:p>
         </p:txBody>
       </p:sp>
+      <p:sp>
+        <p:nvSpPr>
+          <p:cNvPr id="13" name="円/楕円 12"/>
+          <p:cNvSpPr/>
+          <p:nvPr/>
+        </p:nvSpPr>
+        <p:spPr>
+          <a:xfrm>
+            <a:off x="8388424" y="6165304"/>
+            <a:ext cx="576064" cy="548680"/>
+          </a:xfrm>
+          <a:prstGeom prst="ellipse">
+            <a:avLst/>
+          </a:prstGeom>
+        </p:spPr>
+        <p:style>
+          <a:lnRef idx="0">
+            <a:schemeClr val="accent2"/>
+          </a:lnRef>
+          <a:fillRef idx="3">
+            <a:schemeClr val="accent2"/>
+          </a:fillRef>
+          <a:effectRef idx="3">
+            <a:schemeClr val="accent2"/>
+          </a:effectRef>
+          <a:fontRef idx="minor">
+            <a:schemeClr val="lt1"/>
+          </a:fontRef>
+        </p:style>
+        <p:txBody>
+          <a:bodyPr rtlCol="0" anchor="ctr"/>
+          <a:lstStyle/>
+          <a:p>
+            <a:pPr algn="ctr"/>
+            <a:r>
+              <a:rPr lang="ja-JP" altLang="en-US" sz="1400" dirty="0" smtClean="0"/>
+              <a:t>６</a:t>
+            </a:r>
+            <a:endParaRPr kumimoji="1" lang="ja-JP" altLang="en-US" sz="1400" dirty="0"/>
+          </a:p>
+        </p:txBody>
+      </p:sp>
     </p:spTree>
     <p:extLst>
       <p:ext uri="{BB962C8B-B14F-4D97-AF65-F5344CB8AC3E}">
-        <p14:creationId xmlns:p14="http://schemas.microsoft.com/office/powerpoint/2010/main" val="1877551081"/>
+        <p14:creationId xmlns:p14="http://schemas.microsoft.com/office/powerpoint/2010/main" xmlns="" val="1877551081"/>
       </p:ext>
     </p:extLst>
   </p:cSld>
@@ -16985,10 +20854,52 @@
           </a:p>
         </p:txBody>
       </p:sp>
+      <p:sp>
+        <p:nvSpPr>
+          <p:cNvPr id="15" name="円/楕円 14"/>
+          <p:cNvSpPr/>
+          <p:nvPr/>
+        </p:nvSpPr>
+        <p:spPr>
+          <a:xfrm>
+            <a:off x="8388424" y="6165304"/>
+            <a:ext cx="576064" cy="548680"/>
+          </a:xfrm>
+          <a:prstGeom prst="ellipse">
+            <a:avLst/>
+          </a:prstGeom>
+        </p:spPr>
+        <p:style>
+          <a:lnRef idx="0">
+            <a:schemeClr val="accent2"/>
+          </a:lnRef>
+          <a:fillRef idx="3">
+            <a:schemeClr val="accent2"/>
+          </a:fillRef>
+          <a:effectRef idx="3">
+            <a:schemeClr val="accent2"/>
+          </a:effectRef>
+          <a:fontRef idx="minor">
+            <a:schemeClr val="lt1"/>
+          </a:fontRef>
+        </p:style>
+        <p:txBody>
+          <a:bodyPr rtlCol="0" anchor="ctr"/>
+          <a:lstStyle/>
+          <a:p>
+            <a:pPr algn="ctr"/>
+            <a:r>
+              <a:rPr lang="ja-JP" altLang="en-US" sz="1400" dirty="0" smtClean="0"/>
+              <a:t>７</a:t>
+            </a:r>
+            <a:endParaRPr kumimoji="1" lang="ja-JP" altLang="en-US" sz="1400" dirty="0"/>
+          </a:p>
+        </p:txBody>
+      </p:sp>
     </p:spTree>
     <p:extLst>
       <p:ext uri="{BB962C8B-B14F-4D97-AF65-F5344CB8AC3E}">
-        <p14:creationId xmlns:p14="http://schemas.microsoft.com/office/powerpoint/2010/main" val="1486198061"/>
+        <p14:creationId xmlns:p14="http://schemas.microsoft.com/office/powerpoint/2010/main" xmlns="" val="1486198061"/>
       </p:ext>
     </p:extLst>
   </p:cSld>
@@ -17526,4 +21437,287 @@
   <a:objectDefaults/>
   <a:extraClrSchemeLst/>
 </a:theme>
+</file>
+
+<file path=ppt/theme/theme3.xml><?xml version="1.0" encoding="utf-8"?>
+<a:theme xmlns:a="http://schemas.openxmlformats.org/drawingml/2006/main" name="Office テーマ">
+  <a:themeElements>
+    <a:clrScheme name="Office">
+      <a:dk1>
+        <a:sysClr val="windowText" lastClr="000000"/>
+      </a:dk1>
+      <a:lt1>
+        <a:sysClr val="window" lastClr="FFFFFF"/>
+      </a:lt1>
+      <a:dk2>
+        <a:srgbClr val="1F497D"/>
+      </a:dk2>
+      <a:lt2>
+        <a:srgbClr val="EEECE1"/>
+      </a:lt2>
+      <a:accent1>
+        <a:srgbClr val="4F81BD"/>
+      </a:accent1>
+      <a:accent2>
+        <a:srgbClr val="C0504D"/>
+      </a:accent2>
+      <a:accent3>
+        <a:srgbClr val="9BBB59"/>
+      </a:accent3>
+      <a:accent4>
+        <a:srgbClr val="8064A2"/>
+      </a:accent4>
+      <a:accent5>
+        <a:srgbClr val="4BACC6"/>
+      </a:accent5>
+      <a:accent6>
+        <a:srgbClr val="F79646"/>
+      </a:accent6>
+      <a:hlink>
+        <a:srgbClr val="0000FF"/>
+      </a:hlink>
+      <a:folHlink>
+        <a:srgbClr val="800080"/>
+      </a:folHlink>
+    </a:clrScheme>
+    <a:fontScheme name="Office">
+      <a:majorFont>
+        <a:latin typeface="Calibri"/>
+        <a:ea typeface=""/>
+        <a:cs typeface=""/>
+        <a:font script="Jpan" typeface="ＭＳ Ｐゴシック"/>
+        <a:font script="Hang" typeface="맑은 고딕"/>
+        <a:font script="Hans" typeface="宋体"/>
+        <a:font script="Hant" typeface="新細明體"/>
+        <a:font script="Arab" typeface="Times New Roman"/>
+        <a:font script="Hebr" typeface="Times New Roman"/>
+        <a:font script="Thai" typeface="Angsana New"/>
+        <a:font script="Ethi" typeface="Nyala"/>
+        <a:font script="Beng" typeface="Vrinda"/>
+        <a:font script="Gujr" typeface="Shruti"/>
+        <a:font script="Khmr" typeface="MoolBoran"/>
+        <a:font script="Knda" typeface="Tunga"/>
+        <a:font script="Guru" typeface="Raavi"/>
+        <a:font script="Cans" typeface="Euphemia"/>
+        <a:font script="Cher" typeface="Plantagenet Cherokee"/>
+        <a:font script="Yiii" typeface="Microsoft Yi Baiti"/>
+        <a:font script="Tibt" typeface="Microsoft Himalaya"/>
+        <a:font script="Thaa" typeface="MV Boli"/>
+        <a:font script="Deva" typeface="Mangal"/>
+        <a:font script="Telu" typeface="Gautami"/>
+        <a:font script="Taml" typeface="Latha"/>
+        <a:font script="Syrc" typeface="Estrangelo Edessa"/>
+        <a:font script="Orya" typeface="Kalinga"/>
+        <a:font script="Mlym" typeface="Kartika"/>
+        <a:font script="Laoo" typeface="DokChampa"/>
+        <a:font script="Sinh" typeface="Iskoola Pota"/>
+        <a:font script="Mong" typeface="Mongolian Baiti"/>
+        <a:font script="Viet" typeface="Times New Roman"/>
+        <a:font script="Uigh" typeface="Microsoft Uighur"/>
+      </a:majorFont>
+      <a:minorFont>
+        <a:latin typeface="Calibri"/>
+        <a:ea typeface=""/>
+        <a:cs typeface=""/>
+        <a:font script="Jpan" typeface="ＭＳ Ｐゴシック"/>
+        <a:font script="Hang" typeface="맑은 고딕"/>
+        <a:font script="Hans" typeface="宋体"/>
+        <a:font script="Hant" typeface="新細明體"/>
+        <a:font script="Arab" typeface="Arial"/>
+        <a:font script="Hebr" typeface="Arial"/>
+        <a:font script="Thai" typeface="Cordia New"/>
+        <a:font script="Ethi" typeface="Nyala"/>
+        <a:font script="Beng" typeface="Vrinda"/>
+        <a:font script="Gujr" typeface="Shruti"/>
+        <a:font script="Khmr" typeface="DaunPenh"/>
+        <a:font script="Knda" typeface="Tunga"/>
+        <a:font script="Guru" typeface="Raavi"/>
+        <a:font script="Cans" typeface="Euphemia"/>
+        <a:font script="Cher" typeface="Plantagenet Cherokee"/>
+        <a:font script="Yiii" typeface="Microsoft Yi Baiti"/>
+        <a:font script="Tibt" typeface="Microsoft Himalaya"/>
+        <a:font script="Thaa" typeface="MV Boli"/>
+        <a:font script="Deva" typeface="Mangal"/>
+        <a:font script="Telu" typeface="Gautami"/>
+        <a:font script="Taml" typeface="Latha"/>
+        <a:font script="Syrc" typeface="Estrangelo Edessa"/>
+        <a:font script="Orya" typeface="Kalinga"/>
+        <a:font script="Mlym" typeface="Kartika"/>
+        <a:font script="Laoo" typeface="DokChampa"/>
+        <a:font script="Sinh" typeface="Iskoola Pota"/>
+        <a:font script="Mong" typeface="Mongolian Baiti"/>
+        <a:font script="Viet" typeface="Arial"/>
+        <a:font script="Uigh" typeface="Microsoft Uighur"/>
+      </a:minorFont>
+    </a:fontScheme>
+    <a:fmtScheme name="Office">
+      <a:fillStyleLst>
+        <a:solidFill>
+          <a:schemeClr val="phClr"/>
+        </a:solidFill>
+        <a:gradFill rotWithShape="1">
+          <a:gsLst>
+            <a:gs pos="0">
+              <a:schemeClr val="phClr">
+                <a:tint val="50000"/>
+                <a:satMod val="300000"/>
+              </a:schemeClr>
+            </a:gs>
+            <a:gs pos="35000">
+              <a:schemeClr val="phClr">
+                <a:tint val="37000"/>
+                <a:satMod val="300000"/>
+              </a:schemeClr>
+            </a:gs>
+            <a:gs pos="100000">
+              <a:schemeClr val="phClr">
+                <a:tint val="15000"/>
+                <a:satMod val="350000"/>
+              </a:schemeClr>
+            </a:gs>
+          </a:gsLst>
+          <a:lin ang="16200000" scaled="1"/>
+        </a:gradFill>
+        <a:gradFill rotWithShape="1">
+          <a:gsLst>
+            <a:gs pos="0">
+              <a:schemeClr val="phClr">
+                <a:shade val="51000"/>
+                <a:satMod val="130000"/>
+              </a:schemeClr>
+            </a:gs>
+            <a:gs pos="80000">
+              <a:schemeClr val="phClr">
+                <a:shade val="93000"/>
+                <a:satMod val="130000"/>
+              </a:schemeClr>
+            </a:gs>
+            <a:gs pos="100000">
+              <a:schemeClr val="phClr">
+                <a:shade val="94000"/>
+                <a:satMod val="135000"/>
+              </a:schemeClr>
+            </a:gs>
+          </a:gsLst>
+          <a:lin ang="16200000" scaled="0"/>
+        </a:gradFill>
+      </a:fillStyleLst>
+      <a:lnStyleLst>
+        <a:ln w="9525" cap="flat" cmpd="sng" algn="ctr">
+          <a:solidFill>
+            <a:schemeClr val="phClr">
+              <a:shade val="95000"/>
+              <a:satMod val="105000"/>
+            </a:schemeClr>
+          </a:solidFill>
+          <a:prstDash val="solid"/>
+        </a:ln>
+        <a:ln w="25400" cap="flat" cmpd="sng" algn="ctr">
+          <a:solidFill>
+            <a:schemeClr val="phClr"/>
+          </a:solidFill>
+          <a:prstDash val="solid"/>
+        </a:ln>
+        <a:ln w="38100" cap="flat" cmpd="sng" algn="ctr">
+          <a:solidFill>
+            <a:schemeClr val="phClr"/>
+          </a:solidFill>
+          <a:prstDash val="solid"/>
+        </a:ln>
+      </a:lnStyleLst>
+      <a:effectStyleLst>
+        <a:effectStyle>
+          <a:effectLst>
+            <a:outerShdw blurRad="40000" dist="20000" dir="5400000" rotWithShape="0">
+              <a:srgbClr val="000000">
+                <a:alpha val="38000"/>
+              </a:srgbClr>
+            </a:outerShdw>
+          </a:effectLst>
+        </a:effectStyle>
+        <a:effectStyle>
+          <a:effectLst>
+            <a:outerShdw blurRad="40000" dist="23000" dir="5400000" rotWithShape="0">
+              <a:srgbClr val="000000">
+                <a:alpha val="35000"/>
+              </a:srgbClr>
+            </a:outerShdw>
+          </a:effectLst>
+        </a:effectStyle>
+        <a:effectStyle>
+          <a:effectLst>
+            <a:outerShdw blurRad="40000" dist="23000" dir="5400000" rotWithShape="0">
+              <a:srgbClr val="000000">
+                <a:alpha val="35000"/>
+              </a:srgbClr>
+            </a:outerShdw>
+          </a:effectLst>
+          <a:scene3d>
+            <a:camera prst="orthographicFront">
+              <a:rot lat="0" lon="0" rev="0"/>
+            </a:camera>
+            <a:lightRig rig="threePt" dir="t">
+              <a:rot lat="0" lon="0" rev="1200000"/>
+            </a:lightRig>
+          </a:scene3d>
+          <a:sp3d>
+            <a:bevelT w="63500" h="25400"/>
+          </a:sp3d>
+        </a:effectStyle>
+      </a:effectStyleLst>
+      <a:bgFillStyleLst>
+        <a:solidFill>
+          <a:schemeClr val="phClr"/>
+        </a:solidFill>
+        <a:gradFill rotWithShape="1">
+          <a:gsLst>
+            <a:gs pos="0">
+              <a:schemeClr val="phClr">
+                <a:tint val="40000"/>
+                <a:satMod val="350000"/>
+              </a:schemeClr>
+            </a:gs>
+            <a:gs pos="40000">
+              <a:schemeClr val="phClr">
+                <a:tint val="45000"/>
+                <a:shade val="99000"/>
+                <a:satMod val="350000"/>
+              </a:schemeClr>
+            </a:gs>
+            <a:gs pos="100000">
+              <a:schemeClr val="phClr">
+                <a:shade val="20000"/>
+                <a:satMod val="255000"/>
+              </a:schemeClr>
+            </a:gs>
+          </a:gsLst>
+          <a:path path="circle">
+            <a:fillToRect l="50000" t="-80000" r="50000" b="180000"/>
+          </a:path>
+        </a:gradFill>
+        <a:gradFill rotWithShape="1">
+          <a:gsLst>
+            <a:gs pos="0">
+              <a:schemeClr val="phClr">
+                <a:tint val="80000"/>
+                <a:satMod val="300000"/>
+              </a:schemeClr>
+            </a:gs>
+            <a:gs pos="100000">
+              <a:schemeClr val="phClr">
+                <a:shade val="30000"/>
+                <a:satMod val="200000"/>
+              </a:schemeClr>
+            </a:gs>
+          </a:gsLst>
+          <a:path path="circle">
+            <a:fillToRect l="50000" t="50000" r="50000" b="50000"/>
+          </a:path>
+        </a:gradFill>
+      </a:bgFillStyleLst>
+    </a:fmtScheme>
+  </a:themeElements>
+  <a:objectDefaults/>
+  <a:extraClrSchemeLst/>
+</a:theme>
 </file>